--- a/SNUH 심포지엄-유일한.pptx
+++ b/SNUH 심포지엄-유일한.pptx
@@ -4,9 +4,17 @@
   <p:sldMasterIdLst>
     <p:sldMasterId id="2147483660" r:id="rId1"/>
   </p:sldMasterIdLst>
+  <p:notesMasterIdLst>
+    <p:notesMasterId r:id="rId9"/>
+  </p:notesMasterIdLst>
   <p:sldIdLst>
     <p:sldId id="256" r:id="rId2"/>
     <p:sldId id="257" r:id="rId3"/>
+    <p:sldId id="258" r:id="rId4"/>
+    <p:sldId id="259" r:id="rId5"/>
+    <p:sldId id="262" r:id="rId6"/>
+    <p:sldId id="260" r:id="rId7"/>
+    <p:sldId id="261" r:id="rId8"/>
   </p:sldIdLst>
   <p:sldSz cx="12192000" cy="6858000"/>
   <p:notesSz cx="6858000" cy="9144000"/>
@@ -105,7 +113,864 @@
       </a:defRPr>
     </a:lvl9pPr>
   </p:defaultTextStyle>
+  <p:extLst>
+    <p:ext uri="{EFAFB233-063F-42B5-8137-9DF3F51BA10A}">
+      <p15:sldGuideLst xmlns:p15="http://schemas.microsoft.com/office/powerpoint/2012/main"/>
+    </p:ext>
+  </p:extLst>
 </p:presentation>
+</file>
+
+<file path=ppt/notesMasters/notesMaster1.xml><?xml version="1.0" encoding="utf-8"?>
+<p:notesMaster xmlns:a="http://schemas.openxmlformats.org/drawingml/2006/main" xmlns:r="http://schemas.openxmlformats.org/officeDocument/2006/relationships" xmlns:p="http://schemas.openxmlformats.org/presentationml/2006/main">
+  <p:cSld>
+    <p:bg>
+      <p:bgRef idx="1001">
+        <a:schemeClr val="bg1"/>
+      </p:bgRef>
+    </p:bg>
+    <p:spTree>
+      <p:nvGrpSpPr>
+        <p:cNvPr id="1" name=""/>
+        <p:cNvGrpSpPr/>
+        <p:nvPr/>
+      </p:nvGrpSpPr>
+      <p:grpSpPr>
+        <a:xfrm>
+          <a:off x="0" y="0"/>
+          <a:ext cx="0" cy="0"/>
+          <a:chOff x="0" y="0"/>
+          <a:chExt cx="0" cy="0"/>
+        </a:xfrm>
+      </p:grpSpPr>
+      <p:sp>
+        <p:nvSpPr>
+          <p:cNvPr id="2" name="머리글 개체 틀 1"/>
+          <p:cNvSpPr>
+            <a:spLocks noGrp="1"/>
+          </p:cNvSpPr>
+          <p:nvPr>
+            <p:ph type="hdr" sz="quarter"/>
+          </p:nvPr>
+        </p:nvSpPr>
+        <p:spPr>
+          <a:xfrm>
+            <a:off x="0" y="0"/>
+            <a:ext cx="2971800" cy="458788"/>
+          </a:xfrm>
+          <a:prstGeom prst="rect">
+            <a:avLst/>
+          </a:prstGeom>
+        </p:spPr>
+        <p:txBody>
+          <a:bodyPr vert="horz" lIns="91440" tIns="45720" rIns="91440" bIns="45720" rtlCol="0"/>
+          <a:lstStyle>
+            <a:lvl1pPr algn="l">
+              <a:defRPr sz="1200"/>
+            </a:lvl1pPr>
+          </a:lstStyle>
+          <a:p>
+            <a:endParaRPr lang="ko-KR" altLang="en-US"/>
+          </a:p>
+        </p:txBody>
+      </p:sp>
+      <p:sp>
+        <p:nvSpPr>
+          <p:cNvPr id="3" name="날짜 개체 틀 2"/>
+          <p:cNvSpPr>
+            <a:spLocks noGrp="1"/>
+          </p:cNvSpPr>
+          <p:nvPr>
+            <p:ph type="dt" idx="1"/>
+          </p:nvPr>
+        </p:nvSpPr>
+        <p:spPr>
+          <a:xfrm>
+            <a:off x="3884613" y="0"/>
+            <a:ext cx="2971800" cy="458788"/>
+          </a:xfrm>
+          <a:prstGeom prst="rect">
+            <a:avLst/>
+          </a:prstGeom>
+        </p:spPr>
+        <p:txBody>
+          <a:bodyPr vert="horz" lIns="91440" tIns="45720" rIns="91440" bIns="45720" rtlCol="0"/>
+          <a:lstStyle>
+            <a:lvl1pPr algn="r">
+              <a:defRPr sz="1200"/>
+            </a:lvl1pPr>
+          </a:lstStyle>
+          <a:p>
+            <a:fld id="{E8FBBB6A-BE53-4BF0-B17E-892FAA57C2D4}" type="datetimeFigureOut">
+              <a:rPr lang="ko-KR" altLang="en-US" smtClean="0"/>
+              <a:t>2021-07-06</a:t>
+            </a:fld>
+            <a:endParaRPr lang="ko-KR" altLang="en-US"/>
+          </a:p>
+        </p:txBody>
+      </p:sp>
+      <p:sp>
+        <p:nvSpPr>
+          <p:cNvPr id="4" name="슬라이드 이미지 개체 틀 3"/>
+          <p:cNvSpPr>
+            <a:spLocks noGrp="1" noRot="1" noChangeAspect="1"/>
+          </p:cNvSpPr>
+          <p:nvPr>
+            <p:ph type="sldImg" idx="2"/>
+          </p:nvPr>
+        </p:nvSpPr>
+        <p:spPr>
+          <a:xfrm>
+            <a:off x="685800" y="1143000"/>
+            <a:ext cx="5486400" cy="3086100"/>
+          </a:xfrm>
+          <a:prstGeom prst="rect">
+            <a:avLst/>
+          </a:prstGeom>
+          <a:noFill/>
+          <a:ln w="12700">
+            <a:solidFill>
+              <a:prstClr val="black"/>
+            </a:solidFill>
+          </a:ln>
+        </p:spPr>
+        <p:txBody>
+          <a:bodyPr vert="horz" lIns="91440" tIns="45720" rIns="91440" bIns="45720" rtlCol="0" anchor="ctr"/>
+          <a:lstStyle/>
+          <a:p>
+            <a:endParaRPr lang="ko-KR" altLang="en-US"/>
+          </a:p>
+        </p:txBody>
+      </p:sp>
+      <p:sp>
+        <p:nvSpPr>
+          <p:cNvPr id="5" name="슬라이드 노트 개체 틀 4"/>
+          <p:cNvSpPr>
+            <a:spLocks noGrp="1"/>
+          </p:cNvSpPr>
+          <p:nvPr>
+            <p:ph type="body" sz="quarter" idx="3"/>
+          </p:nvPr>
+        </p:nvSpPr>
+        <p:spPr>
+          <a:xfrm>
+            <a:off x="685800" y="4400550"/>
+            <a:ext cx="5486400" cy="3600450"/>
+          </a:xfrm>
+          <a:prstGeom prst="rect">
+            <a:avLst/>
+          </a:prstGeom>
+        </p:spPr>
+        <p:txBody>
+          <a:bodyPr vert="horz" lIns="91440" tIns="45720" rIns="91440" bIns="45720" rtlCol="0"/>
+          <a:lstStyle/>
+          <a:p>
+            <a:pPr lvl="0"/>
+            <a:r>
+              <a:rPr lang="ko-KR" altLang="en-US" smtClean="0"/>
+              <a:t>마스터 텍스트 스타일 편집</a:t>
+            </a:r>
+          </a:p>
+          <a:p>
+            <a:pPr lvl="1"/>
+            <a:r>
+              <a:rPr lang="ko-KR" altLang="en-US" smtClean="0"/>
+              <a:t>둘째 수준</a:t>
+            </a:r>
+          </a:p>
+          <a:p>
+            <a:pPr lvl="2"/>
+            <a:r>
+              <a:rPr lang="ko-KR" altLang="en-US" smtClean="0"/>
+              <a:t>셋째 수준</a:t>
+            </a:r>
+          </a:p>
+          <a:p>
+            <a:pPr lvl="3"/>
+            <a:r>
+              <a:rPr lang="ko-KR" altLang="en-US" smtClean="0"/>
+              <a:t>넷째 수준</a:t>
+            </a:r>
+          </a:p>
+          <a:p>
+            <a:pPr lvl="4"/>
+            <a:r>
+              <a:rPr lang="ko-KR" altLang="en-US" smtClean="0"/>
+              <a:t>다섯째 수준</a:t>
+            </a:r>
+            <a:endParaRPr lang="ko-KR" altLang="en-US"/>
+          </a:p>
+        </p:txBody>
+      </p:sp>
+      <p:sp>
+        <p:nvSpPr>
+          <p:cNvPr id="6" name="바닥글 개체 틀 5"/>
+          <p:cNvSpPr>
+            <a:spLocks noGrp="1"/>
+          </p:cNvSpPr>
+          <p:nvPr>
+            <p:ph type="ftr" sz="quarter" idx="4"/>
+          </p:nvPr>
+        </p:nvSpPr>
+        <p:spPr>
+          <a:xfrm>
+            <a:off x="0" y="8685213"/>
+            <a:ext cx="2971800" cy="458787"/>
+          </a:xfrm>
+          <a:prstGeom prst="rect">
+            <a:avLst/>
+          </a:prstGeom>
+        </p:spPr>
+        <p:txBody>
+          <a:bodyPr vert="horz" lIns="91440" tIns="45720" rIns="91440" bIns="45720" rtlCol="0" anchor="b"/>
+          <a:lstStyle>
+            <a:lvl1pPr algn="l">
+              <a:defRPr sz="1200"/>
+            </a:lvl1pPr>
+          </a:lstStyle>
+          <a:p>
+            <a:endParaRPr lang="ko-KR" altLang="en-US"/>
+          </a:p>
+        </p:txBody>
+      </p:sp>
+      <p:sp>
+        <p:nvSpPr>
+          <p:cNvPr id="7" name="슬라이드 번호 개체 틀 6"/>
+          <p:cNvSpPr>
+            <a:spLocks noGrp="1"/>
+          </p:cNvSpPr>
+          <p:nvPr>
+            <p:ph type="sldNum" sz="quarter" idx="5"/>
+          </p:nvPr>
+        </p:nvSpPr>
+        <p:spPr>
+          <a:xfrm>
+            <a:off x="3884613" y="8685213"/>
+            <a:ext cx="2971800" cy="458787"/>
+          </a:xfrm>
+          <a:prstGeom prst="rect">
+            <a:avLst/>
+          </a:prstGeom>
+        </p:spPr>
+        <p:txBody>
+          <a:bodyPr vert="horz" lIns="91440" tIns="45720" rIns="91440" bIns="45720" rtlCol="0" anchor="b"/>
+          <a:lstStyle>
+            <a:lvl1pPr algn="r">
+              <a:defRPr sz="1200"/>
+            </a:lvl1pPr>
+          </a:lstStyle>
+          <a:p>
+            <a:fld id="{BBAA4D1B-A90B-4163-BF9D-AF53B78ADDD3}" type="slidenum">
+              <a:rPr lang="ko-KR" altLang="en-US" smtClean="0"/>
+              <a:t>‹#›</a:t>
+            </a:fld>
+            <a:endParaRPr lang="ko-KR" altLang="en-US"/>
+          </a:p>
+        </p:txBody>
+      </p:sp>
+    </p:spTree>
+    <p:extLst>
+      <p:ext uri="{BB962C8B-B14F-4D97-AF65-F5344CB8AC3E}">
+        <p14:creationId xmlns:p14="http://schemas.microsoft.com/office/powerpoint/2010/main" val="509537616"/>
+      </p:ext>
+    </p:extLst>
+  </p:cSld>
+  <p:clrMap bg1="lt1" tx1="dk1" bg2="lt2" tx2="dk2" accent1="accent1" accent2="accent2" accent3="accent3" accent4="accent4" accent5="accent5" accent6="accent6" hlink="hlink" folHlink="folHlink"/>
+  <p:notesStyle>
+    <a:lvl1pPr marL="0" algn="l" defTabSz="914400" rtl="0" eaLnBrk="1" latinLnBrk="1" hangingPunct="1">
+      <a:defRPr sz="1200" kern="1200">
+        <a:solidFill>
+          <a:schemeClr val="tx1"/>
+        </a:solidFill>
+        <a:latin typeface="+mn-lt"/>
+        <a:ea typeface="+mn-ea"/>
+        <a:cs typeface="+mn-cs"/>
+      </a:defRPr>
+    </a:lvl1pPr>
+    <a:lvl2pPr marL="457200" algn="l" defTabSz="914400" rtl="0" eaLnBrk="1" latinLnBrk="1" hangingPunct="1">
+      <a:defRPr sz="1200" kern="1200">
+        <a:solidFill>
+          <a:schemeClr val="tx1"/>
+        </a:solidFill>
+        <a:latin typeface="+mn-lt"/>
+        <a:ea typeface="+mn-ea"/>
+        <a:cs typeface="+mn-cs"/>
+      </a:defRPr>
+    </a:lvl2pPr>
+    <a:lvl3pPr marL="914400" algn="l" defTabSz="914400" rtl="0" eaLnBrk="1" latinLnBrk="1" hangingPunct="1">
+      <a:defRPr sz="1200" kern="1200">
+        <a:solidFill>
+          <a:schemeClr val="tx1"/>
+        </a:solidFill>
+        <a:latin typeface="+mn-lt"/>
+        <a:ea typeface="+mn-ea"/>
+        <a:cs typeface="+mn-cs"/>
+      </a:defRPr>
+    </a:lvl3pPr>
+    <a:lvl4pPr marL="1371600" algn="l" defTabSz="914400" rtl="0" eaLnBrk="1" latinLnBrk="1" hangingPunct="1">
+      <a:defRPr sz="1200" kern="1200">
+        <a:solidFill>
+          <a:schemeClr val="tx1"/>
+        </a:solidFill>
+        <a:latin typeface="+mn-lt"/>
+        <a:ea typeface="+mn-ea"/>
+        <a:cs typeface="+mn-cs"/>
+      </a:defRPr>
+    </a:lvl4pPr>
+    <a:lvl5pPr marL="1828800" algn="l" defTabSz="914400" rtl="0" eaLnBrk="1" latinLnBrk="1" hangingPunct="1">
+      <a:defRPr sz="1200" kern="1200">
+        <a:solidFill>
+          <a:schemeClr val="tx1"/>
+        </a:solidFill>
+        <a:latin typeface="+mn-lt"/>
+        <a:ea typeface="+mn-ea"/>
+        <a:cs typeface="+mn-cs"/>
+      </a:defRPr>
+    </a:lvl5pPr>
+    <a:lvl6pPr marL="2286000" algn="l" defTabSz="914400" rtl="0" eaLnBrk="1" latinLnBrk="1" hangingPunct="1">
+      <a:defRPr sz="1200" kern="1200">
+        <a:solidFill>
+          <a:schemeClr val="tx1"/>
+        </a:solidFill>
+        <a:latin typeface="+mn-lt"/>
+        <a:ea typeface="+mn-ea"/>
+        <a:cs typeface="+mn-cs"/>
+      </a:defRPr>
+    </a:lvl6pPr>
+    <a:lvl7pPr marL="2743200" algn="l" defTabSz="914400" rtl="0" eaLnBrk="1" latinLnBrk="1" hangingPunct="1">
+      <a:defRPr sz="1200" kern="1200">
+        <a:solidFill>
+          <a:schemeClr val="tx1"/>
+        </a:solidFill>
+        <a:latin typeface="+mn-lt"/>
+        <a:ea typeface="+mn-ea"/>
+        <a:cs typeface="+mn-cs"/>
+      </a:defRPr>
+    </a:lvl7pPr>
+    <a:lvl8pPr marL="3200400" algn="l" defTabSz="914400" rtl="0" eaLnBrk="1" latinLnBrk="1" hangingPunct="1">
+      <a:defRPr sz="1200" kern="1200">
+        <a:solidFill>
+          <a:schemeClr val="tx1"/>
+        </a:solidFill>
+        <a:latin typeface="+mn-lt"/>
+        <a:ea typeface="+mn-ea"/>
+        <a:cs typeface="+mn-cs"/>
+      </a:defRPr>
+    </a:lvl8pPr>
+    <a:lvl9pPr marL="3657600" algn="l" defTabSz="914400" rtl="0" eaLnBrk="1" latinLnBrk="1" hangingPunct="1">
+      <a:defRPr sz="1200" kern="1200">
+        <a:solidFill>
+          <a:schemeClr val="tx1"/>
+        </a:solidFill>
+        <a:latin typeface="+mn-lt"/>
+        <a:ea typeface="+mn-ea"/>
+        <a:cs typeface="+mn-cs"/>
+      </a:defRPr>
+    </a:lvl9pPr>
+  </p:notesStyle>
+</p:notesMaster>
+</file>
+
+<file path=ppt/notesSlides/notesSlide1.xml><?xml version="1.0" encoding="utf-8"?>
+<p:notes xmlns:a="http://schemas.openxmlformats.org/drawingml/2006/main" xmlns:r="http://schemas.openxmlformats.org/officeDocument/2006/relationships" xmlns:p="http://schemas.openxmlformats.org/presentationml/2006/main">
+  <p:cSld>
+    <p:spTree>
+      <p:nvGrpSpPr>
+        <p:cNvPr id="1" name=""/>
+        <p:cNvGrpSpPr/>
+        <p:nvPr/>
+      </p:nvGrpSpPr>
+      <p:grpSpPr>
+        <a:xfrm>
+          <a:off x="0" y="0"/>
+          <a:ext cx="0" cy="0"/>
+          <a:chOff x="0" y="0"/>
+          <a:chExt cx="0" cy="0"/>
+        </a:xfrm>
+      </p:grpSpPr>
+      <p:sp>
+        <p:nvSpPr>
+          <p:cNvPr id="2" name="슬라이드 이미지 개체 틀 1"/>
+          <p:cNvSpPr>
+            <a:spLocks noGrp="1" noRot="1" noChangeAspect="1"/>
+          </p:cNvSpPr>
+          <p:nvPr>
+            <p:ph type="sldImg"/>
+          </p:nvPr>
+        </p:nvSpPr>
+        <p:spPr/>
+      </p:sp>
+      <p:sp>
+        <p:nvSpPr>
+          <p:cNvPr id="3" name="슬라이드 노트 개체 틀 2"/>
+          <p:cNvSpPr>
+            <a:spLocks noGrp="1"/>
+          </p:cNvSpPr>
+          <p:nvPr>
+            <p:ph type="body" idx="1"/>
+          </p:nvPr>
+        </p:nvSpPr>
+        <p:spPr/>
+        <p:txBody>
+          <a:bodyPr/>
+          <a:lstStyle/>
+          <a:p>
+            <a:r>
+              <a:rPr lang="ko-KR" altLang="en-US" dirty="0" smtClean="0"/>
+              <a:t>보통의 </a:t>
+            </a:r>
+            <a:r>
+              <a:rPr lang="en-US" altLang="ko-KR" dirty="0" smtClean="0"/>
+              <a:t>staging </a:t>
+            </a:r>
+            <a:r>
+              <a:rPr lang="en-US" altLang="ko-KR" dirty="0" err="1" smtClean="0"/>
+              <a:t>syste</a:t>
+            </a:r>
+            <a:r>
+              <a:rPr lang="ko-KR" altLang="en-US" dirty="0" smtClean="0"/>
+              <a:t>은 간단하고 질환의 중증도</a:t>
+            </a:r>
+            <a:r>
+              <a:rPr lang="en-US" altLang="ko-KR" dirty="0" smtClean="0"/>
+              <a:t>, </a:t>
+            </a:r>
+            <a:r>
+              <a:rPr lang="ko-KR" altLang="en-US" dirty="0" smtClean="0"/>
+              <a:t>예후</a:t>
+            </a:r>
+            <a:r>
+              <a:rPr lang="en-US" altLang="ko-KR" dirty="0" smtClean="0"/>
+              <a:t>, </a:t>
+            </a:r>
+            <a:r>
+              <a:rPr lang="ko-KR" altLang="en-US" dirty="0" err="1" smtClean="0"/>
+              <a:t>치료방안을</a:t>
+            </a:r>
+            <a:r>
+              <a:rPr lang="ko-KR" altLang="en-US" dirty="0" smtClean="0"/>
+              <a:t> 반영하는 </a:t>
+            </a:r>
+            <a:r>
+              <a:rPr lang="en-US" altLang="ko-KR" dirty="0" smtClean="0"/>
+              <a:t>clinical milestone</a:t>
+            </a:r>
+            <a:r>
+              <a:rPr lang="ko-KR" altLang="en-US" dirty="0" smtClean="0"/>
+              <a:t>으로 정의됩니다</a:t>
+            </a:r>
+            <a:r>
+              <a:rPr lang="en-US" altLang="ko-KR" dirty="0" smtClean="0"/>
+              <a:t>. </a:t>
+            </a:r>
+            <a:r>
+              <a:rPr lang="ko-KR" altLang="en-US" dirty="0" smtClean="0"/>
+              <a:t>기능을 평가하는 </a:t>
+            </a:r>
+            <a:r>
+              <a:rPr lang="en-US" altLang="ko-KR" dirty="0" smtClean="0"/>
+              <a:t>ALSFRS</a:t>
+            </a:r>
+            <a:r>
+              <a:rPr lang="ko-KR" altLang="en-US" dirty="0" smtClean="0"/>
+              <a:t>는 </a:t>
+            </a:r>
+            <a:r>
+              <a:rPr lang="ko-KR" altLang="en-US" dirty="0" err="1" smtClean="0"/>
+              <a:t>중증도를</a:t>
+            </a:r>
+            <a:r>
+              <a:rPr lang="ko-KR" altLang="en-US" dirty="0" smtClean="0"/>
+              <a:t> 반영하지만 단순한 </a:t>
+            </a:r>
+            <a:r>
+              <a:rPr lang="ko-KR" altLang="en-US" dirty="0" err="1" smtClean="0"/>
+              <a:t>병기체계로</a:t>
+            </a:r>
+            <a:r>
+              <a:rPr lang="ko-KR" altLang="en-US" dirty="0" smtClean="0"/>
+              <a:t> 간주하기는 어렵습니다</a:t>
+            </a:r>
+            <a:r>
+              <a:rPr lang="en-US" altLang="ko-KR" dirty="0" smtClean="0"/>
+              <a:t>. ALS</a:t>
+            </a:r>
+            <a:r>
+              <a:rPr lang="ko-KR" altLang="en-US" dirty="0" smtClean="0"/>
+              <a:t>환자의 관리</a:t>
+            </a:r>
+            <a:r>
+              <a:rPr lang="en-US" altLang="ko-KR" dirty="0" smtClean="0"/>
+              <a:t>, </a:t>
+            </a:r>
+            <a:r>
+              <a:rPr lang="ko-KR" altLang="en-US" dirty="0" smtClean="0"/>
+              <a:t>자원의 할당</a:t>
+            </a:r>
+            <a:r>
+              <a:rPr lang="en-US" altLang="ko-KR" dirty="0" smtClean="0"/>
+              <a:t>, </a:t>
+            </a:r>
+            <a:r>
+              <a:rPr lang="ko-KR" altLang="en-US" dirty="0" smtClean="0"/>
+              <a:t>연구 분류 및 임상시험 설계를 위한 </a:t>
+            </a:r>
+            <a:r>
+              <a:rPr lang="en-US" altLang="ko-KR" dirty="0" smtClean="0"/>
+              <a:t>ALS</a:t>
+            </a:r>
+            <a:r>
+              <a:rPr lang="ko-KR" altLang="en-US" dirty="0" smtClean="0"/>
+              <a:t>의 </a:t>
+            </a:r>
+            <a:r>
+              <a:rPr lang="en-US" altLang="ko-KR" dirty="0" smtClean="0"/>
+              <a:t>staging </a:t>
+            </a:r>
+            <a:r>
+              <a:rPr lang="en-US" altLang="ko-KR" dirty="0" err="1" smtClean="0"/>
+              <a:t>syste</a:t>
+            </a:r>
+            <a:r>
+              <a:rPr lang="ko-KR" altLang="en-US" dirty="0" smtClean="0"/>
+              <a:t>에 대한 필요성이 대두되고 있었습니다</a:t>
+            </a:r>
+            <a:r>
+              <a:rPr lang="en-US" altLang="ko-KR" dirty="0" smtClean="0"/>
+              <a:t>. </a:t>
+            </a:r>
+            <a:r>
+              <a:rPr lang="ko-KR" altLang="en-US" dirty="0" smtClean="0"/>
+              <a:t>최근 이러한 필요성으로 </a:t>
+            </a:r>
+            <a:r>
+              <a:rPr lang="en-US" altLang="ko-KR" dirty="0" smtClean="0"/>
+              <a:t>King’s staging</a:t>
+            </a:r>
+            <a:r>
+              <a:rPr lang="en-US" altLang="ko-KR" baseline="0" dirty="0" smtClean="0"/>
+              <a:t> system, Milano-Torino staging </a:t>
+            </a:r>
+            <a:r>
+              <a:rPr lang="en-US" altLang="ko-KR" baseline="0" dirty="0" err="1" smtClean="0"/>
+              <a:t>sysytem</a:t>
+            </a:r>
+            <a:r>
+              <a:rPr lang="ko-KR" altLang="en-US" baseline="0" dirty="0" smtClean="0"/>
+              <a:t>이 발표가 되어 사용되고 있습니다</a:t>
+            </a:r>
+            <a:r>
+              <a:rPr lang="en-US" altLang="ko-KR" baseline="0" dirty="0" smtClean="0"/>
+              <a:t>. </a:t>
+            </a:r>
+            <a:endParaRPr lang="ko-KR" altLang="en-US" dirty="0"/>
+          </a:p>
+        </p:txBody>
+      </p:sp>
+      <p:sp>
+        <p:nvSpPr>
+          <p:cNvPr id="4" name="슬라이드 번호 개체 틀 3"/>
+          <p:cNvSpPr>
+            <a:spLocks noGrp="1"/>
+          </p:cNvSpPr>
+          <p:nvPr>
+            <p:ph type="sldNum" sz="quarter" idx="10"/>
+          </p:nvPr>
+        </p:nvSpPr>
+        <p:spPr/>
+        <p:txBody>
+          <a:bodyPr/>
+          <a:lstStyle/>
+          <a:p>
+            <a:fld id="{BBAA4D1B-A90B-4163-BF9D-AF53B78ADDD3}" type="slidenum">
+              <a:rPr lang="ko-KR" altLang="en-US" smtClean="0"/>
+              <a:t>2</a:t>
+            </a:fld>
+            <a:endParaRPr lang="ko-KR" altLang="en-US"/>
+          </a:p>
+        </p:txBody>
+      </p:sp>
+    </p:spTree>
+    <p:extLst>
+      <p:ext uri="{BB962C8B-B14F-4D97-AF65-F5344CB8AC3E}">
+        <p14:creationId xmlns:p14="http://schemas.microsoft.com/office/powerpoint/2010/main" val="1625710834"/>
+      </p:ext>
+    </p:extLst>
+  </p:cSld>
+  <p:clrMapOvr>
+    <a:masterClrMapping/>
+  </p:clrMapOvr>
+</p:notes>
+</file>
+
+<file path=ppt/notesSlides/notesSlide2.xml><?xml version="1.0" encoding="utf-8"?>
+<p:notes xmlns:a="http://schemas.openxmlformats.org/drawingml/2006/main" xmlns:r="http://schemas.openxmlformats.org/officeDocument/2006/relationships" xmlns:p="http://schemas.openxmlformats.org/presentationml/2006/main">
+  <p:cSld>
+    <p:spTree>
+      <p:nvGrpSpPr>
+        <p:cNvPr id="1" name=""/>
+        <p:cNvGrpSpPr/>
+        <p:nvPr/>
+      </p:nvGrpSpPr>
+      <p:grpSpPr>
+        <a:xfrm>
+          <a:off x="0" y="0"/>
+          <a:ext cx="0" cy="0"/>
+          <a:chOff x="0" y="0"/>
+          <a:chExt cx="0" cy="0"/>
+        </a:xfrm>
+      </p:grpSpPr>
+      <p:sp>
+        <p:nvSpPr>
+          <p:cNvPr id="2" name="슬라이드 이미지 개체 틀 1"/>
+          <p:cNvSpPr>
+            <a:spLocks noGrp="1" noRot="1" noChangeAspect="1"/>
+          </p:cNvSpPr>
+          <p:nvPr>
+            <p:ph type="sldImg"/>
+          </p:nvPr>
+        </p:nvSpPr>
+        <p:spPr/>
+      </p:sp>
+      <p:sp>
+        <p:nvSpPr>
+          <p:cNvPr id="3" name="슬라이드 노트 개체 틀 2"/>
+          <p:cNvSpPr>
+            <a:spLocks noGrp="1"/>
+          </p:cNvSpPr>
+          <p:nvPr>
+            <p:ph type="body" idx="1"/>
+          </p:nvPr>
+        </p:nvSpPr>
+        <p:spPr/>
+        <p:txBody>
+          <a:bodyPr/>
+          <a:lstStyle/>
+          <a:p>
+            <a:r>
+              <a:rPr lang="en-US" altLang="ko-KR" dirty="0" smtClean="0"/>
+              <a:t>Stage 1</a:t>
+            </a:r>
+            <a:r>
+              <a:rPr lang="ko-KR" altLang="en-US" dirty="0" smtClean="0"/>
+              <a:t>은 첫번째 부위가 침범되어 </a:t>
+            </a:r>
+            <a:r>
+              <a:rPr lang="en-US" altLang="ko-KR" dirty="0" smtClean="0"/>
+              <a:t>weakness, muscle wasting, spasticity,</a:t>
+            </a:r>
+            <a:r>
+              <a:rPr lang="en-US" altLang="ko-KR" baseline="0" dirty="0" smtClean="0"/>
+              <a:t> dysarthria, dysphagia</a:t>
+            </a:r>
+            <a:r>
+              <a:rPr lang="ko-KR" altLang="en-US" baseline="0" dirty="0" smtClean="0"/>
+              <a:t>와 같은</a:t>
+            </a:r>
+            <a:r>
+              <a:rPr lang="en-US" altLang="ko-KR" dirty="0" smtClean="0"/>
+              <a:t> </a:t>
+            </a:r>
+            <a:r>
+              <a:rPr lang="ko-KR" altLang="en-US" dirty="0" smtClean="0"/>
+              <a:t>증상이 시작한 상태</a:t>
+            </a:r>
+            <a:r>
+              <a:rPr lang="en-US" altLang="ko-KR" dirty="0" smtClean="0"/>
+              <a:t>, 2A</a:t>
+            </a:r>
+            <a:r>
+              <a:rPr lang="ko-KR" altLang="en-US" dirty="0" smtClean="0"/>
+              <a:t>는 진단</a:t>
+            </a:r>
+            <a:r>
+              <a:rPr lang="en-US" altLang="ko-KR" dirty="0" smtClean="0"/>
+              <a:t>, 2B</a:t>
+            </a:r>
+            <a:r>
+              <a:rPr lang="ko-KR" altLang="en-US" dirty="0" smtClean="0"/>
+              <a:t>는 두번째 부위의 침범</a:t>
+            </a:r>
+            <a:r>
+              <a:rPr lang="en-US" altLang="ko-KR" dirty="0" smtClean="0"/>
+              <a:t>, 3</a:t>
+            </a:r>
+            <a:r>
+              <a:rPr lang="ko-KR" altLang="en-US" dirty="0" smtClean="0"/>
+              <a:t>는 세번째</a:t>
+            </a:r>
+            <a:r>
+              <a:rPr lang="ko-KR" altLang="en-US" baseline="0" dirty="0" smtClean="0"/>
+              <a:t> 부위의 침범</a:t>
+            </a:r>
+            <a:r>
+              <a:rPr lang="en-US" altLang="ko-KR" baseline="0" dirty="0" smtClean="0"/>
+              <a:t>, 4A</a:t>
+            </a:r>
+            <a:r>
+              <a:rPr lang="ko-KR" altLang="en-US" baseline="0" dirty="0" smtClean="0"/>
+              <a:t>는 </a:t>
+            </a:r>
+            <a:r>
+              <a:rPr lang="ko-KR" altLang="en-US" baseline="0" dirty="0" err="1" smtClean="0"/>
+              <a:t>경관영양이</a:t>
+            </a:r>
+            <a:r>
+              <a:rPr lang="ko-KR" altLang="en-US" baseline="0" dirty="0" smtClean="0"/>
+              <a:t> 필요한 상태</a:t>
+            </a:r>
+            <a:r>
+              <a:rPr lang="en-US" altLang="ko-KR" baseline="0" dirty="0" smtClean="0"/>
+              <a:t>, 4B</a:t>
+            </a:r>
+            <a:r>
+              <a:rPr lang="ko-KR" altLang="en-US" baseline="0" dirty="0" smtClean="0"/>
+              <a:t>는 비침습적 인공호흡기가 필요한 상태</a:t>
+            </a:r>
+            <a:r>
+              <a:rPr lang="en-US" altLang="ko-KR" baseline="0" dirty="0" smtClean="0"/>
+              <a:t>, 5</a:t>
+            </a:r>
+            <a:r>
+              <a:rPr lang="ko-KR" altLang="en-US" baseline="0" dirty="0" smtClean="0"/>
+              <a:t>는</a:t>
+            </a:r>
+            <a:r>
+              <a:rPr lang="en-US" altLang="ko-KR" baseline="0" dirty="0" smtClean="0"/>
+              <a:t> </a:t>
+            </a:r>
+            <a:r>
+              <a:rPr lang="ko-KR" altLang="en-US" baseline="0" dirty="0" smtClean="0"/>
+              <a:t>사망으로 나뉩니다</a:t>
+            </a:r>
+            <a:r>
+              <a:rPr lang="en-US" altLang="ko-KR" baseline="0" dirty="0" smtClean="0"/>
+              <a:t>. </a:t>
+            </a:r>
+            <a:r>
+              <a:rPr lang="ko-KR" altLang="en-US" baseline="0" dirty="0" smtClean="0"/>
+              <a:t>환자가 호소하는 증상</a:t>
+            </a:r>
+            <a:r>
+              <a:rPr lang="en-US" altLang="ko-KR" baseline="0" dirty="0" smtClean="0"/>
+              <a:t>, </a:t>
+            </a:r>
+            <a:r>
+              <a:rPr lang="ko-KR" altLang="en-US" baseline="0" dirty="0" smtClean="0"/>
+              <a:t>의사의 진찰을 통한 결과를 모두 반영하여 </a:t>
+            </a:r>
+            <a:r>
+              <a:rPr lang="en-US" altLang="ko-KR" baseline="0" dirty="0" smtClean="0"/>
+              <a:t>stage</a:t>
+            </a:r>
+            <a:r>
+              <a:rPr lang="ko-KR" altLang="en-US" baseline="0" dirty="0" smtClean="0"/>
+              <a:t>를 평가하고 </a:t>
+            </a:r>
+            <a:r>
+              <a:rPr lang="en-US" altLang="ko-KR" baseline="0" dirty="0" smtClean="0"/>
+              <a:t>upper motor neuron, lower motor neuron sign</a:t>
+            </a:r>
+            <a:r>
+              <a:rPr lang="ko-KR" altLang="en-US" baseline="0" dirty="0" smtClean="0"/>
+              <a:t>여부에 대한 판단이 </a:t>
+            </a:r>
+            <a:r>
+              <a:rPr lang="ko-KR" altLang="en-US" baseline="0" dirty="0" err="1" smtClean="0"/>
+              <a:t>필요없다는</a:t>
+            </a:r>
+            <a:r>
+              <a:rPr lang="ko-KR" altLang="en-US" baseline="0" dirty="0" smtClean="0"/>
+              <a:t> 장점이 있으며 </a:t>
+            </a:r>
+            <a:r>
+              <a:rPr lang="en-US" altLang="ko-KR" baseline="0" dirty="0" smtClean="0"/>
+              <a:t>King’s stage</a:t>
+            </a:r>
+            <a:r>
+              <a:rPr lang="ko-KR" altLang="en-US" baseline="0" dirty="0" smtClean="0"/>
+              <a:t>를 이용한 </a:t>
+            </a:r>
+            <a:r>
+              <a:rPr lang="ko-KR" altLang="en-US" baseline="0" dirty="0" err="1" smtClean="0"/>
+              <a:t>질병진행의</a:t>
+            </a:r>
+            <a:r>
+              <a:rPr lang="ko-KR" altLang="en-US" baseline="0" dirty="0" smtClean="0"/>
+              <a:t> 예측에서도 이전의 </a:t>
+            </a:r>
+            <a:r>
+              <a:rPr lang="ko-KR" altLang="en-US" baseline="0" dirty="0" err="1" smtClean="0"/>
+              <a:t>임상경과와</a:t>
+            </a:r>
+            <a:r>
+              <a:rPr lang="ko-KR" altLang="en-US" baseline="0" dirty="0" smtClean="0"/>
+              <a:t> 유사한 곡선형을 확인하였습니다</a:t>
+            </a:r>
+            <a:r>
+              <a:rPr lang="en-US" altLang="ko-KR" baseline="0" dirty="0" smtClean="0"/>
+              <a:t>. </a:t>
+            </a:r>
+          </a:p>
+          <a:p>
+            <a:r>
+              <a:rPr lang="ko-KR" altLang="en-US" baseline="0" dirty="0" smtClean="0"/>
+              <a:t>다만 기존의 </a:t>
+            </a:r>
+            <a:r>
+              <a:rPr lang="ko-KR" altLang="en-US" baseline="0" dirty="0" err="1" smtClean="0"/>
+              <a:t>코호트를</a:t>
+            </a:r>
+            <a:r>
+              <a:rPr lang="ko-KR" altLang="en-US" baseline="0" dirty="0" smtClean="0"/>
+              <a:t> 이용한 연구이므로 새로운 </a:t>
+            </a:r>
+            <a:r>
+              <a:rPr lang="ko-KR" altLang="en-US" baseline="0" dirty="0" err="1" smtClean="0"/>
+              <a:t>코호트를</a:t>
+            </a:r>
+            <a:r>
+              <a:rPr lang="ko-KR" altLang="en-US" baseline="0" dirty="0" smtClean="0"/>
+              <a:t> 활용해서 연구한다면 결과가 달라질 수 있겠고 </a:t>
+            </a:r>
+            <a:endParaRPr lang="en-US" altLang="ko-KR" baseline="0" dirty="0" smtClean="0"/>
+          </a:p>
+        </p:txBody>
+      </p:sp>
+      <p:sp>
+        <p:nvSpPr>
+          <p:cNvPr id="4" name="슬라이드 번호 개체 틀 3"/>
+          <p:cNvSpPr>
+            <a:spLocks noGrp="1"/>
+          </p:cNvSpPr>
+          <p:nvPr>
+            <p:ph type="sldNum" sz="quarter" idx="10"/>
+          </p:nvPr>
+        </p:nvSpPr>
+        <p:spPr/>
+        <p:txBody>
+          <a:bodyPr/>
+          <a:lstStyle/>
+          <a:p>
+            <a:fld id="{BBAA4D1B-A90B-4163-BF9D-AF53B78ADDD3}" type="slidenum">
+              <a:rPr lang="ko-KR" altLang="en-US" smtClean="0"/>
+              <a:t>3</a:t>
+            </a:fld>
+            <a:endParaRPr lang="ko-KR" altLang="en-US"/>
+          </a:p>
+        </p:txBody>
+      </p:sp>
+    </p:spTree>
+    <p:extLst>
+      <p:ext uri="{BB962C8B-B14F-4D97-AF65-F5344CB8AC3E}">
+        <p14:creationId xmlns:p14="http://schemas.microsoft.com/office/powerpoint/2010/main" val="4149082940"/>
+      </p:ext>
+    </p:extLst>
+  </p:cSld>
+  <p:clrMapOvr>
+    <a:masterClrMapping/>
+  </p:clrMapOvr>
+</p:notes>
 </file>
 
 <file path=ppt/slideLayouts/slideLayout1.xml><?xml version="1.0" encoding="utf-8"?>
@@ -270,7 +1135,7 @@
           <a:p>
             <a:fld id="{11CF987C-FD17-4394-9A4F-BE2D66BE4DDF}" type="datetimeFigureOut">
               <a:rPr lang="ko-KR" altLang="en-US" smtClean="0"/>
-              <a:t>2021-07-05</a:t>
+              <a:t>2021-07-06</a:t>
             </a:fld>
             <a:endParaRPr lang="ko-KR" altLang="en-US"/>
           </a:p>
@@ -447,7 +1312,7 @@
           <a:p>
             <a:fld id="{11CF987C-FD17-4394-9A4F-BE2D66BE4DDF}" type="datetimeFigureOut">
               <a:rPr lang="ko-KR" altLang="en-US" smtClean="0"/>
-              <a:t>2021-07-05</a:t>
+              <a:t>2021-07-06</a:t>
             </a:fld>
             <a:endParaRPr lang="ko-KR" altLang="en-US"/>
           </a:p>
@@ -627,7 +1492,7 @@
           <a:p>
             <a:fld id="{11CF987C-FD17-4394-9A4F-BE2D66BE4DDF}" type="datetimeFigureOut">
               <a:rPr lang="ko-KR" altLang="en-US" smtClean="0"/>
-              <a:t>2021-07-05</a:t>
+              <a:t>2021-07-06</a:t>
             </a:fld>
             <a:endParaRPr lang="ko-KR" altLang="en-US"/>
           </a:p>
@@ -988,7 +1853,7 @@
           <a:p>
             <a:fld id="{11CF987C-FD17-4394-9A4F-BE2D66BE4DDF}" type="datetimeFigureOut">
               <a:rPr lang="ko-KR" altLang="en-US" smtClean="0"/>
-              <a:t>2021-07-05</a:t>
+              <a:t>2021-07-06</a:t>
             </a:fld>
             <a:endParaRPr lang="ko-KR" altLang="en-US"/>
           </a:p>
@@ -1220,7 +2085,7 @@
           <a:p>
             <a:fld id="{11CF987C-FD17-4394-9A4F-BE2D66BE4DDF}" type="datetimeFigureOut">
               <a:rPr lang="ko-KR" altLang="en-US" smtClean="0"/>
-              <a:t>2021-07-05</a:t>
+              <a:t>2021-07-06</a:t>
             </a:fld>
             <a:endParaRPr lang="ko-KR" altLang="en-US"/>
           </a:p>
@@ -1587,7 +2452,7 @@
           <a:p>
             <a:fld id="{11CF987C-FD17-4394-9A4F-BE2D66BE4DDF}" type="datetimeFigureOut">
               <a:rPr lang="ko-KR" altLang="en-US" smtClean="0"/>
-              <a:t>2021-07-05</a:t>
+              <a:t>2021-07-06</a:t>
             </a:fld>
             <a:endParaRPr lang="ko-KR" altLang="en-US"/>
           </a:p>
@@ -1705,7 +2570,7 @@
           <a:p>
             <a:fld id="{11CF987C-FD17-4394-9A4F-BE2D66BE4DDF}" type="datetimeFigureOut">
               <a:rPr lang="ko-KR" altLang="en-US" smtClean="0"/>
-              <a:t>2021-07-05</a:t>
+              <a:t>2021-07-06</a:t>
             </a:fld>
             <a:endParaRPr lang="ko-KR" altLang="en-US"/>
           </a:p>
@@ -1800,7 +2665,7 @@
           <a:p>
             <a:fld id="{11CF987C-FD17-4394-9A4F-BE2D66BE4DDF}" type="datetimeFigureOut">
               <a:rPr lang="ko-KR" altLang="en-US" smtClean="0"/>
-              <a:t>2021-07-05</a:t>
+              <a:t>2021-07-06</a:t>
             </a:fld>
             <a:endParaRPr lang="ko-KR" altLang="en-US"/>
           </a:p>
@@ -2077,7 +2942,7 @@
           <a:p>
             <a:fld id="{11CF987C-FD17-4394-9A4F-BE2D66BE4DDF}" type="datetimeFigureOut">
               <a:rPr lang="ko-KR" altLang="en-US" smtClean="0"/>
-              <a:t>2021-07-05</a:t>
+              <a:t>2021-07-06</a:t>
             </a:fld>
             <a:endParaRPr lang="ko-KR" altLang="en-US"/>
           </a:p>
@@ -2334,7 +3199,7 @@
           <a:p>
             <a:fld id="{11CF987C-FD17-4394-9A4F-BE2D66BE4DDF}" type="datetimeFigureOut">
               <a:rPr lang="ko-KR" altLang="en-US" smtClean="0"/>
-              <a:t>2021-07-05</a:t>
+              <a:t>2021-07-06</a:t>
             </a:fld>
             <a:endParaRPr lang="ko-KR" altLang="en-US"/>
           </a:p>
@@ -2573,7 +3438,7 @@
           <a:p>
             <a:fld id="{11CF987C-FD17-4394-9A4F-BE2D66BE4DDF}" type="datetimeFigureOut">
               <a:rPr lang="ko-KR" altLang="en-US" smtClean="0"/>
-              <a:t>2021-07-05</a:t>
+              <a:t>2021-07-06</a:t>
             </a:fld>
             <a:endParaRPr lang="ko-KR" altLang="en-US"/>
           </a:p>
@@ -3119,7 +3984,22 @@
           <a:bodyPr/>
           <a:lstStyle/>
           <a:p>
-            <a:endParaRPr lang="ko-KR" altLang="en-US"/>
+            <a:r>
+              <a:rPr lang="en-US" altLang="ko-KR" dirty="0" smtClean="0"/>
+              <a:t>Progressive upper and lower motor neuron degeneration, poor prognosis (median survival 3-5 years). </a:t>
+            </a:r>
+          </a:p>
+          <a:p>
+            <a:r>
+              <a:rPr lang="en-US" altLang="ko-KR" dirty="0" smtClean="0"/>
+              <a:t>Variable prognosis. </a:t>
+            </a:r>
+          </a:p>
+          <a:p>
+            <a:r>
+              <a:rPr lang="en-US" altLang="ko-KR" dirty="0" smtClean="0"/>
+              <a:t>Staging system for informing disease progression and prognosis</a:t>
+            </a:r>
           </a:p>
         </p:txBody>
       </p:sp>
@@ -3127,6 +4007,490 @@
     <p:extLst>
       <p:ext uri="{BB962C8B-B14F-4D97-AF65-F5344CB8AC3E}">
         <p14:creationId xmlns:p14="http://schemas.microsoft.com/office/powerpoint/2010/main" val="1236786594"/>
+      </p:ext>
+    </p:extLst>
+  </p:cSld>
+  <p:clrMapOvr>
+    <a:masterClrMapping/>
+  </p:clrMapOvr>
+</p:sld>
+</file>
+
+<file path=ppt/slides/slide3.xml><?xml version="1.0" encoding="utf-8"?>
+<p:sld xmlns:a="http://schemas.openxmlformats.org/drawingml/2006/main" xmlns:r="http://schemas.openxmlformats.org/officeDocument/2006/relationships" xmlns:p="http://schemas.openxmlformats.org/presentationml/2006/main">
+  <p:cSld>
+    <p:spTree>
+      <p:nvGrpSpPr>
+        <p:cNvPr id="1" name=""/>
+        <p:cNvGrpSpPr/>
+        <p:nvPr/>
+      </p:nvGrpSpPr>
+      <p:grpSpPr>
+        <a:xfrm>
+          <a:off x="0" y="0"/>
+          <a:ext cx="0" cy="0"/>
+          <a:chOff x="0" y="0"/>
+          <a:chExt cx="0" cy="0"/>
+        </a:xfrm>
+      </p:grpSpPr>
+      <p:sp>
+        <p:nvSpPr>
+          <p:cNvPr id="2" name="제목 1"/>
+          <p:cNvSpPr>
+            <a:spLocks noGrp="1"/>
+          </p:cNvSpPr>
+          <p:nvPr>
+            <p:ph type="title"/>
+          </p:nvPr>
+        </p:nvSpPr>
+        <p:spPr/>
+        <p:txBody>
+          <a:bodyPr/>
+          <a:lstStyle/>
+          <a:p>
+            <a:r>
+              <a:rPr lang="en-US" altLang="ko-KR" dirty="0" smtClean="0"/>
+              <a:t>King’s system</a:t>
+            </a:r>
+            <a:endParaRPr lang="ko-KR" altLang="en-US" dirty="0"/>
+          </a:p>
+        </p:txBody>
+      </p:sp>
+      <p:sp>
+        <p:nvSpPr>
+          <p:cNvPr id="3" name="내용 개체 틀 2"/>
+          <p:cNvSpPr>
+            <a:spLocks noGrp="1"/>
+          </p:cNvSpPr>
+          <p:nvPr>
+            <p:ph idx="1"/>
+          </p:nvPr>
+        </p:nvSpPr>
+        <p:spPr/>
+        <p:txBody>
+          <a:bodyPr/>
+          <a:lstStyle/>
+          <a:p>
+            <a:r>
+              <a:rPr lang="en-US" altLang="ko-KR" dirty="0" smtClean="0"/>
+              <a:t>Based on the number of affected regions of the body.</a:t>
+            </a:r>
+          </a:p>
+          <a:p>
+            <a:r>
+              <a:rPr lang="en-US" altLang="ko-KR" dirty="0" smtClean="0"/>
+              <a:t>Stage 1: first region involvement</a:t>
+            </a:r>
+          </a:p>
+          <a:p>
+            <a:r>
+              <a:rPr lang="en-US" altLang="ko-KR" dirty="0" smtClean="0"/>
+              <a:t>Stage 2A: diagnosis </a:t>
+            </a:r>
+          </a:p>
+          <a:p>
+            <a:r>
+              <a:rPr lang="en-US" altLang="ko-KR" dirty="0" smtClean="0"/>
+              <a:t>Stage 2B: second region involvement</a:t>
+            </a:r>
+          </a:p>
+          <a:p>
+            <a:r>
+              <a:rPr lang="en-US" altLang="ko-KR" dirty="0" smtClean="0"/>
+              <a:t>Stage 3: third region involvement</a:t>
+            </a:r>
+          </a:p>
+          <a:p>
+            <a:r>
+              <a:rPr lang="en-US" altLang="ko-KR" dirty="0" smtClean="0"/>
+              <a:t>Stage 4A: need for gastrostomy</a:t>
+            </a:r>
+          </a:p>
+          <a:p>
+            <a:r>
+              <a:rPr lang="en-US" altLang="ko-KR" dirty="0" smtClean="0"/>
+              <a:t>Stage 4B: need for noninvasive ventilation</a:t>
+            </a:r>
+          </a:p>
+          <a:p>
+            <a:r>
+              <a:rPr lang="en-US" altLang="ko-KR" dirty="0" smtClean="0"/>
+              <a:t>Stage 5: death </a:t>
+            </a:r>
+            <a:endParaRPr lang="ko-KR" altLang="en-US" dirty="0"/>
+          </a:p>
+        </p:txBody>
+      </p:sp>
+      <p:pic>
+        <p:nvPicPr>
+          <p:cNvPr id="6" name="그림 5"/>
+          <p:cNvPicPr>
+            <a:picLocks noChangeAspect="1"/>
+          </p:cNvPicPr>
+          <p:nvPr/>
+        </p:nvPicPr>
+        <p:blipFill>
+          <a:blip r:embed="rId3"/>
+          <a:stretch>
+            <a:fillRect/>
+          </a:stretch>
+        </p:blipFill>
+        <p:spPr>
+          <a:xfrm>
+            <a:off x="0" y="5339519"/>
+            <a:ext cx="3645243" cy="1518481"/>
+          </a:xfrm>
+          <a:prstGeom prst="rect">
+            <a:avLst/>
+          </a:prstGeom>
+        </p:spPr>
+      </p:pic>
+    </p:spTree>
+    <p:extLst>
+      <p:ext uri="{BB962C8B-B14F-4D97-AF65-F5344CB8AC3E}">
+        <p14:creationId xmlns:p14="http://schemas.microsoft.com/office/powerpoint/2010/main" val="2832782401"/>
+      </p:ext>
+    </p:extLst>
+  </p:cSld>
+  <p:clrMapOvr>
+    <a:masterClrMapping/>
+  </p:clrMapOvr>
+</p:sld>
+</file>
+
+<file path=ppt/slides/slide4.xml><?xml version="1.0" encoding="utf-8"?>
+<p:sld xmlns:a="http://schemas.openxmlformats.org/drawingml/2006/main" xmlns:r="http://schemas.openxmlformats.org/officeDocument/2006/relationships" xmlns:p="http://schemas.openxmlformats.org/presentationml/2006/main">
+  <p:cSld>
+    <p:spTree>
+      <p:nvGrpSpPr>
+        <p:cNvPr id="1" name=""/>
+        <p:cNvGrpSpPr/>
+        <p:nvPr/>
+      </p:nvGrpSpPr>
+      <p:grpSpPr>
+        <a:xfrm>
+          <a:off x="0" y="0"/>
+          <a:ext cx="0" cy="0"/>
+          <a:chOff x="0" y="0"/>
+          <a:chExt cx="0" cy="0"/>
+        </a:xfrm>
+      </p:grpSpPr>
+      <p:sp>
+        <p:nvSpPr>
+          <p:cNvPr id="2" name="제목 1"/>
+          <p:cNvSpPr>
+            <a:spLocks noGrp="1"/>
+          </p:cNvSpPr>
+          <p:nvPr>
+            <p:ph type="title"/>
+          </p:nvPr>
+        </p:nvSpPr>
+        <p:spPr/>
+        <p:txBody>
+          <a:bodyPr/>
+          <a:lstStyle/>
+          <a:p>
+            <a:r>
+              <a:rPr lang="en-US" altLang="ko-KR" dirty="0" smtClean="0"/>
+              <a:t>Milano-Torino system (MITOS)</a:t>
+            </a:r>
+            <a:endParaRPr lang="ko-KR" altLang="en-US" dirty="0"/>
+          </a:p>
+        </p:txBody>
+      </p:sp>
+      <p:sp>
+        <p:nvSpPr>
+          <p:cNvPr id="3" name="내용 개체 틀 2"/>
+          <p:cNvSpPr>
+            <a:spLocks noGrp="1"/>
+          </p:cNvSpPr>
+          <p:nvPr>
+            <p:ph idx="1"/>
+          </p:nvPr>
+        </p:nvSpPr>
+        <p:spPr/>
+        <p:txBody>
+          <a:bodyPr/>
+          <a:lstStyle/>
+          <a:p>
+            <a:r>
+              <a:rPr lang="en-US" altLang="ko-KR" dirty="0" smtClean="0"/>
+              <a:t>Based on a clinical scale.</a:t>
+            </a:r>
+          </a:p>
+          <a:p>
+            <a:r>
+              <a:rPr lang="en-US" altLang="ko-KR" dirty="0" smtClean="0"/>
+              <a:t>Stage 0: symptoms only, loss of independence (-)</a:t>
+            </a:r>
+          </a:p>
+          <a:p>
+            <a:r>
+              <a:rPr lang="en-US" altLang="ko-KR" dirty="0" smtClean="0"/>
+              <a:t>Stage 1-4: loss of independence in a number of domains (swallowing, walking/self-care, communicating, breathing) from ALS Functional Rating Scale-Revised (ALSFRS-R)</a:t>
+            </a:r>
+          </a:p>
+          <a:p>
+            <a:r>
+              <a:rPr lang="en-US" altLang="ko-KR" dirty="0" smtClean="0"/>
+              <a:t>Stage 5: death </a:t>
+            </a:r>
+            <a:endParaRPr lang="ko-KR" altLang="en-US" dirty="0"/>
+          </a:p>
+        </p:txBody>
+      </p:sp>
+      <p:pic>
+        <p:nvPicPr>
+          <p:cNvPr id="4" name="그림 3"/>
+          <p:cNvPicPr>
+            <a:picLocks noChangeAspect="1"/>
+          </p:cNvPicPr>
+          <p:nvPr/>
+        </p:nvPicPr>
+        <p:blipFill>
+          <a:blip r:embed="rId2"/>
+          <a:stretch>
+            <a:fillRect/>
+          </a:stretch>
+        </p:blipFill>
+        <p:spPr>
+          <a:xfrm>
+            <a:off x="0" y="4689389"/>
+            <a:ext cx="8483607" cy="2168611"/>
+          </a:xfrm>
+          <a:prstGeom prst="rect">
+            <a:avLst/>
+          </a:prstGeom>
+        </p:spPr>
+      </p:pic>
+    </p:spTree>
+    <p:extLst>
+      <p:ext uri="{BB962C8B-B14F-4D97-AF65-F5344CB8AC3E}">
+        <p14:creationId xmlns:p14="http://schemas.microsoft.com/office/powerpoint/2010/main" val="3942602024"/>
+      </p:ext>
+    </p:extLst>
+  </p:cSld>
+  <p:clrMapOvr>
+    <a:masterClrMapping/>
+  </p:clrMapOvr>
+</p:sld>
+</file>
+
+<file path=ppt/slides/slide5.xml><?xml version="1.0" encoding="utf-8"?>
+<p:sld xmlns:a="http://schemas.openxmlformats.org/drawingml/2006/main" xmlns:r="http://schemas.openxmlformats.org/officeDocument/2006/relationships" xmlns:p="http://schemas.openxmlformats.org/presentationml/2006/main">
+  <p:cSld>
+    <p:spTree>
+      <p:nvGrpSpPr>
+        <p:cNvPr id="1" name=""/>
+        <p:cNvGrpSpPr/>
+        <p:nvPr/>
+      </p:nvGrpSpPr>
+      <p:grpSpPr>
+        <a:xfrm>
+          <a:off x="0" y="0"/>
+          <a:ext cx="0" cy="0"/>
+          <a:chOff x="0" y="0"/>
+          <a:chExt cx="0" cy="0"/>
+        </a:xfrm>
+      </p:grpSpPr>
+      <p:sp>
+        <p:nvSpPr>
+          <p:cNvPr id="2" name="제목 1"/>
+          <p:cNvSpPr>
+            <a:spLocks noGrp="1"/>
+          </p:cNvSpPr>
+          <p:nvPr>
+            <p:ph type="title"/>
+          </p:nvPr>
+        </p:nvSpPr>
+        <p:spPr/>
+        <p:txBody>
+          <a:bodyPr/>
+          <a:lstStyle/>
+          <a:p>
+            <a:r>
+              <a:rPr lang="en-US" altLang="ko-KR" dirty="0" smtClean="0"/>
+              <a:t>ALSFRS-R</a:t>
+            </a:r>
+            <a:endParaRPr lang="ko-KR" altLang="en-US" dirty="0"/>
+          </a:p>
+        </p:txBody>
+      </p:sp>
+      <p:sp>
+        <p:nvSpPr>
+          <p:cNvPr id="3" name="내용 개체 틀 2"/>
+          <p:cNvSpPr>
+            <a:spLocks noGrp="1"/>
+          </p:cNvSpPr>
+          <p:nvPr>
+            <p:ph idx="1"/>
+          </p:nvPr>
+        </p:nvSpPr>
+        <p:spPr/>
+        <p:txBody>
+          <a:bodyPr/>
+          <a:lstStyle/>
+          <a:p>
+            <a:endParaRPr lang="ko-KR" altLang="en-US"/>
+          </a:p>
+        </p:txBody>
+      </p:sp>
+    </p:spTree>
+    <p:extLst>
+      <p:ext uri="{BB962C8B-B14F-4D97-AF65-F5344CB8AC3E}">
+        <p14:creationId xmlns:p14="http://schemas.microsoft.com/office/powerpoint/2010/main" val="771805292"/>
+      </p:ext>
+    </p:extLst>
+  </p:cSld>
+  <p:clrMapOvr>
+    <a:masterClrMapping/>
+  </p:clrMapOvr>
+</p:sld>
+</file>
+
+<file path=ppt/slides/slide6.xml><?xml version="1.0" encoding="utf-8"?>
+<p:sld xmlns:a="http://schemas.openxmlformats.org/drawingml/2006/main" xmlns:r="http://schemas.openxmlformats.org/officeDocument/2006/relationships" xmlns:p="http://schemas.openxmlformats.org/presentationml/2006/main">
+  <p:cSld>
+    <p:spTree>
+      <p:nvGrpSpPr>
+        <p:cNvPr id="1" name=""/>
+        <p:cNvGrpSpPr/>
+        <p:nvPr/>
+      </p:nvGrpSpPr>
+      <p:grpSpPr>
+        <a:xfrm>
+          <a:off x="0" y="0"/>
+          <a:ext cx="0" cy="0"/>
+          <a:chOff x="0" y="0"/>
+          <a:chExt cx="0" cy="0"/>
+        </a:xfrm>
+      </p:grpSpPr>
+      <p:sp>
+        <p:nvSpPr>
+          <p:cNvPr id="2" name="제목 1"/>
+          <p:cNvSpPr>
+            <a:spLocks noGrp="1"/>
+          </p:cNvSpPr>
+          <p:nvPr>
+            <p:ph type="title"/>
+          </p:nvPr>
+        </p:nvSpPr>
+        <p:spPr/>
+        <p:txBody>
+          <a:bodyPr/>
+          <a:lstStyle/>
+          <a:p>
+            <a:r>
+              <a:rPr lang="en-US" altLang="ko-KR" dirty="0" smtClean="0"/>
+              <a:t>Comparison between two staging</a:t>
+            </a:r>
+            <a:endParaRPr lang="ko-KR" altLang="en-US" dirty="0"/>
+          </a:p>
+        </p:txBody>
+      </p:sp>
+      <p:sp>
+        <p:nvSpPr>
+          <p:cNvPr id="3" name="내용 개체 틀 2"/>
+          <p:cNvSpPr>
+            <a:spLocks noGrp="1"/>
+          </p:cNvSpPr>
+          <p:nvPr>
+            <p:ph idx="1"/>
+          </p:nvPr>
+        </p:nvSpPr>
+        <p:spPr/>
+        <p:txBody>
+          <a:bodyPr/>
+          <a:lstStyle/>
+          <a:p>
+            <a:endParaRPr lang="ko-KR" altLang="en-US"/>
+          </a:p>
+        </p:txBody>
+      </p:sp>
+    </p:spTree>
+    <p:extLst>
+      <p:ext uri="{BB962C8B-B14F-4D97-AF65-F5344CB8AC3E}">
+        <p14:creationId xmlns:p14="http://schemas.microsoft.com/office/powerpoint/2010/main" val="2263803646"/>
+      </p:ext>
+    </p:extLst>
+  </p:cSld>
+  <p:clrMapOvr>
+    <a:masterClrMapping/>
+  </p:clrMapOvr>
+</p:sld>
+</file>
+
+<file path=ppt/slides/slide7.xml><?xml version="1.0" encoding="utf-8"?>
+<p:sld xmlns:a="http://schemas.openxmlformats.org/drawingml/2006/main" xmlns:r="http://schemas.openxmlformats.org/officeDocument/2006/relationships" xmlns:p="http://schemas.openxmlformats.org/presentationml/2006/main">
+  <p:cSld>
+    <p:spTree>
+      <p:nvGrpSpPr>
+        <p:cNvPr id="1" name=""/>
+        <p:cNvGrpSpPr/>
+        <p:nvPr/>
+      </p:nvGrpSpPr>
+      <p:grpSpPr>
+        <a:xfrm>
+          <a:off x="0" y="0"/>
+          <a:ext cx="0" cy="0"/>
+          <a:chOff x="0" y="0"/>
+          <a:chExt cx="0" cy="0"/>
+        </a:xfrm>
+      </p:grpSpPr>
+      <p:sp>
+        <p:nvSpPr>
+          <p:cNvPr id="2" name="제목 1"/>
+          <p:cNvSpPr>
+            <a:spLocks noGrp="1"/>
+          </p:cNvSpPr>
+          <p:nvPr>
+            <p:ph type="title"/>
+          </p:nvPr>
+        </p:nvSpPr>
+        <p:spPr/>
+        <p:txBody>
+          <a:bodyPr/>
+          <a:lstStyle/>
+          <a:p>
+            <a:r>
+              <a:rPr lang="en-US" altLang="ko-KR" dirty="0" smtClean="0"/>
+              <a:t>Beyond these staging by hidden </a:t>
+            </a:r>
+            <a:r>
+              <a:rPr lang="en-US" altLang="ko-KR" dirty="0" err="1" smtClean="0"/>
+              <a:t>markov</a:t>
+            </a:r>
+            <a:r>
+              <a:rPr lang="en-US" altLang="ko-KR" dirty="0" smtClean="0"/>
+              <a:t> models?</a:t>
+            </a:r>
+            <a:endParaRPr lang="ko-KR" altLang="en-US" dirty="0"/>
+          </a:p>
+        </p:txBody>
+      </p:sp>
+      <p:sp>
+        <p:nvSpPr>
+          <p:cNvPr id="3" name="내용 개체 틀 2"/>
+          <p:cNvSpPr>
+            <a:spLocks noGrp="1"/>
+          </p:cNvSpPr>
+          <p:nvPr>
+            <p:ph idx="1"/>
+          </p:nvPr>
+        </p:nvSpPr>
+        <p:spPr/>
+        <p:txBody>
+          <a:bodyPr/>
+          <a:lstStyle/>
+          <a:p>
+            <a:endParaRPr lang="ko-KR" altLang="en-US"/>
+          </a:p>
+        </p:txBody>
+      </p:sp>
+    </p:spTree>
+    <p:extLst>
+      <p:ext uri="{BB962C8B-B14F-4D97-AF65-F5344CB8AC3E}">
+        <p14:creationId xmlns:p14="http://schemas.microsoft.com/office/powerpoint/2010/main" val="2540416689"/>
       </p:ext>
     </p:extLst>
   </p:cSld>
@@ -3335,4 +4699,265 @@
     </a:ext>
   </a:extLst>
 </a:theme>
+</file>
+
+<file path=ppt/theme/theme2.xml><?xml version="1.0" encoding="utf-8"?>
+<a:theme xmlns:a="http://schemas.openxmlformats.org/drawingml/2006/main" name="Office 테마">
+  <a:themeElements>
+    <a:clrScheme name="Office">
+      <a:dk1>
+        <a:sysClr val="windowText" lastClr="000000"/>
+      </a:dk1>
+      <a:lt1>
+        <a:sysClr val="window" lastClr="FFFFFF"/>
+      </a:lt1>
+      <a:dk2>
+        <a:srgbClr val="44546A"/>
+      </a:dk2>
+      <a:lt2>
+        <a:srgbClr val="E7E6E6"/>
+      </a:lt2>
+      <a:accent1>
+        <a:srgbClr val="5B9BD5"/>
+      </a:accent1>
+      <a:accent2>
+        <a:srgbClr val="ED7D31"/>
+      </a:accent2>
+      <a:accent3>
+        <a:srgbClr val="A5A5A5"/>
+      </a:accent3>
+      <a:accent4>
+        <a:srgbClr val="FFC000"/>
+      </a:accent4>
+      <a:accent5>
+        <a:srgbClr val="4472C4"/>
+      </a:accent5>
+      <a:accent6>
+        <a:srgbClr val="70AD47"/>
+      </a:accent6>
+      <a:hlink>
+        <a:srgbClr val="0563C1"/>
+      </a:hlink>
+      <a:folHlink>
+        <a:srgbClr val="954F72"/>
+      </a:folHlink>
+    </a:clrScheme>
+    <a:fontScheme name="Office">
+      <a:majorFont>
+        <a:latin typeface="맑은 고딕" panose="020F0302020204030204"/>
+        <a:ea typeface=""/>
+        <a:cs typeface=""/>
+        <a:font script="Jpan" typeface="游ゴシック Light"/>
+        <a:font script="Hang" typeface="맑은 고딕"/>
+        <a:font script="Hans" typeface="等线 Light"/>
+        <a:font script="Hant" typeface="新細明體"/>
+        <a:font script="Arab" typeface="Times New Roman"/>
+        <a:font script="Hebr" typeface="Times New Roman"/>
+        <a:font script="Thai" typeface="Angsana New"/>
+        <a:font script="Ethi" typeface="Nyala"/>
+        <a:font script="Beng" typeface="Vrinda"/>
+        <a:font script="Gujr" typeface="Shruti"/>
+        <a:font script="Khmr" typeface="MoolBoran"/>
+        <a:font script="Knda" typeface="Tunga"/>
+        <a:font script="Guru" typeface="Raavi"/>
+        <a:font script="Cans" typeface="Euphemia"/>
+        <a:font script="Cher" typeface="Plantagenet Cherokee"/>
+        <a:font script="Yiii" typeface="Microsoft Yi Baiti"/>
+        <a:font script="Tibt" typeface="Microsoft Himalaya"/>
+        <a:font script="Thaa" typeface="MV Boli"/>
+        <a:font script="Deva" typeface="Mangal"/>
+        <a:font script="Telu" typeface="Gautami"/>
+        <a:font script="Taml" typeface="Latha"/>
+        <a:font script="Syrc" typeface="Estrangelo Edessa"/>
+        <a:font script="Orya" typeface="Kalinga"/>
+        <a:font script="Mlym" typeface="Kartika"/>
+        <a:font script="Laoo" typeface="DokChampa"/>
+        <a:font script="Sinh" typeface="Iskoola Pota"/>
+        <a:font script="Mong" typeface="Mongolian Baiti"/>
+        <a:font script="Viet" typeface="Times New Roman"/>
+        <a:font script="Uigh" typeface="Microsoft Uighur"/>
+        <a:font script="Geor" typeface="Sylfaen"/>
+      </a:majorFont>
+      <a:minorFont>
+        <a:latin typeface="맑은 고딕" panose="020F0502020204030204"/>
+        <a:ea typeface=""/>
+        <a:cs typeface=""/>
+        <a:font script="Jpan" typeface="游ゴシック"/>
+        <a:font script="Hang" typeface="맑은 고딕"/>
+        <a:font script="Hans" typeface="等线"/>
+        <a:font script="Hant" typeface="新細明體"/>
+        <a:font script="Arab" typeface="Arial"/>
+        <a:font script="Hebr" typeface="Arial"/>
+        <a:font script="Thai" typeface="Cordia New"/>
+        <a:font script="Ethi" typeface="Nyala"/>
+        <a:font script="Beng" typeface="Vrinda"/>
+        <a:font script="Gujr" typeface="Shruti"/>
+        <a:font script="Khmr" typeface="DaunPenh"/>
+        <a:font script="Knda" typeface="Tunga"/>
+        <a:font script="Guru" typeface="Raavi"/>
+        <a:font script="Cans" typeface="Euphemia"/>
+        <a:font script="Cher" typeface="Plantagenet Cherokee"/>
+        <a:font script="Yiii" typeface="Microsoft Yi Baiti"/>
+        <a:font script="Tibt" typeface="Microsoft Himalaya"/>
+        <a:font script="Thaa" typeface="MV Boli"/>
+        <a:font script="Deva" typeface="Mangal"/>
+        <a:font script="Telu" typeface="Gautami"/>
+        <a:font script="Taml" typeface="Latha"/>
+        <a:font script="Syrc" typeface="Estrangelo Edessa"/>
+        <a:font script="Orya" typeface="Kalinga"/>
+        <a:font script="Mlym" typeface="Kartika"/>
+        <a:font script="Laoo" typeface="DokChampa"/>
+        <a:font script="Sinh" typeface="Iskoola Pota"/>
+        <a:font script="Mong" typeface="Mongolian Baiti"/>
+        <a:font script="Viet" typeface="Arial"/>
+        <a:font script="Uigh" typeface="Microsoft Uighur"/>
+        <a:font script="Geor" typeface="Sylfaen"/>
+      </a:minorFont>
+    </a:fontScheme>
+    <a:fmtScheme name="Office">
+      <a:fillStyleLst>
+        <a:solidFill>
+          <a:schemeClr val="phClr"/>
+        </a:solidFill>
+        <a:gradFill rotWithShape="1">
+          <a:gsLst>
+            <a:gs pos="0">
+              <a:schemeClr val="phClr">
+                <a:lumMod val="110000"/>
+                <a:satMod val="105000"/>
+                <a:tint val="67000"/>
+              </a:schemeClr>
+            </a:gs>
+            <a:gs pos="50000">
+              <a:schemeClr val="phClr">
+                <a:lumMod val="105000"/>
+                <a:satMod val="103000"/>
+                <a:tint val="73000"/>
+              </a:schemeClr>
+            </a:gs>
+            <a:gs pos="100000">
+              <a:schemeClr val="phClr">
+                <a:lumMod val="105000"/>
+                <a:satMod val="109000"/>
+                <a:tint val="81000"/>
+              </a:schemeClr>
+            </a:gs>
+          </a:gsLst>
+          <a:lin ang="5400000" scaled="0"/>
+        </a:gradFill>
+        <a:gradFill rotWithShape="1">
+          <a:gsLst>
+            <a:gs pos="0">
+              <a:schemeClr val="phClr">
+                <a:satMod val="103000"/>
+                <a:lumMod val="102000"/>
+                <a:tint val="94000"/>
+              </a:schemeClr>
+            </a:gs>
+            <a:gs pos="50000">
+              <a:schemeClr val="phClr">
+                <a:satMod val="110000"/>
+                <a:lumMod val="100000"/>
+                <a:shade val="100000"/>
+              </a:schemeClr>
+            </a:gs>
+            <a:gs pos="100000">
+              <a:schemeClr val="phClr">
+                <a:lumMod val="99000"/>
+                <a:satMod val="120000"/>
+                <a:shade val="78000"/>
+              </a:schemeClr>
+            </a:gs>
+          </a:gsLst>
+          <a:lin ang="5400000" scaled="0"/>
+        </a:gradFill>
+      </a:fillStyleLst>
+      <a:lnStyleLst>
+        <a:ln w="6350" cap="flat" cmpd="sng" algn="ctr">
+          <a:solidFill>
+            <a:schemeClr val="phClr"/>
+          </a:solidFill>
+          <a:prstDash val="solid"/>
+          <a:miter lim="800000"/>
+        </a:ln>
+        <a:ln w="12700" cap="flat" cmpd="sng" algn="ctr">
+          <a:solidFill>
+            <a:schemeClr val="phClr"/>
+          </a:solidFill>
+          <a:prstDash val="solid"/>
+          <a:miter lim="800000"/>
+        </a:ln>
+        <a:ln w="19050" cap="flat" cmpd="sng" algn="ctr">
+          <a:solidFill>
+            <a:schemeClr val="phClr"/>
+          </a:solidFill>
+          <a:prstDash val="solid"/>
+          <a:miter lim="800000"/>
+        </a:ln>
+      </a:lnStyleLst>
+      <a:effectStyleLst>
+        <a:effectStyle>
+          <a:effectLst/>
+        </a:effectStyle>
+        <a:effectStyle>
+          <a:effectLst/>
+        </a:effectStyle>
+        <a:effectStyle>
+          <a:effectLst>
+            <a:outerShdw blurRad="57150" dist="19050" dir="5400000" algn="ctr" rotWithShape="0">
+              <a:srgbClr val="000000">
+                <a:alpha val="63000"/>
+              </a:srgbClr>
+            </a:outerShdw>
+          </a:effectLst>
+        </a:effectStyle>
+      </a:effectStyleLst>
+      <a:bgFillStyleLst>
+        <a:solidFill>
+          <a:schemeClr val="phClr"/>
+        </a:solidFill>
+        <a:solidFill>
+          <a:schemeClr val="phClr">
+            <a:tint val="95000"/>
+            <a:satMod val="170000"/>
+          </a:schemeClr>
+        </a:solidFill>
+        <a:gradFill rotWithShape="1">
+          <a:gsLst>
+            <a:gs pos="0">
+              <a:schemeClr val="phClr">
+                <a:tint val="93000"/>
+                <a:satMod val="150000"/>
+                <a:shade val="98000"/>
+                <a:lumMod val="102000"/>
+              </a:schemeClr>
+            </a:gs>
+            <a:gs pos="50000">
+              <a:schemeClr val="phClr">
+                <a:tint val="98000"/>
+                <a:satMod val="130000"/>
+                <a:shade val="90000"/>
+                <a:lumMod val="103000"/>
+              </a:schemeClr>
+            </a:gs>
+            <a:gs pos="100000">
+              <a:schemeClr val="phClr">
+                <a:shade val="63000"/>
+                <a:satMod val="120000"/>
+              </a:schemeClr>
+            </a:gs>
+          </a:gsLst>
+          <a:lin ang="5400000" scaled="0"/>
+        </a:gradFill>
+      </a:bgFillStyleLst>
+    </a:fmtScheme>
+  </a:themeElements>
+  <a:objectDefaults/>
+  <a:extraClrSchemeLst/>
+  <a:extLst>
+    <a:ext uri="{05A4C25C-085E-4340-85A3-A5531E510DB2}">
+      <thm15:themeFamily xmlns:thm15="http://schemas.microsoft.com/office/thememl/2012/main" name="Office Theme" id="{62F939B6-93AF-4DB8-9C6B-D6C7DFDC589F}" vid="{4A3C46E8-61CC-4603-A589-7422A47A8E4A}"/>
+    </a:ext>
+  </a:extLst>
+</a:theme>
 </file>
--- a/SNUH 심포지엄-유일한.pptx
+++ b/SNUH 심포지엄-유일한.pptx
@@ -203,7 +203,7 @@
           <a:p>
             <a:fld id="{E8FBBB6A-BE53-4BF0-B17E-892FAA57C2D4}" type="datetimeFigureOut">
               <a:rPr lang="ko-KR" altLang="en-US" smtClean="0"/>
-              <a:t>2021-07-06</a:t>
+              <a:t>2021-07-07</a:t>
             </a:fld>
             <a:endParaRPr lang="ko-KR" altLang="en-US"/>
           </a:p>
@@ -931,9 +931,216 @@
             </a:r>
             <a:r>
               <a:rPr lang="ko-KR" altLang="en-US" baseline="0" dirty="0" smtClean="0"/>
-              <a:t> 활용해서 연구한다면 결과가 달라질 수 있겠고 </a:t>
-            </a:r>
-            <a:endParaRPr lang="en-US" altLang="ko-KR" baseline="0" dirty="0" smtClean="0"/>
+              <a:t> 활용해서 연구한다면 </a:t>
+            </a:r>
+            <a:r>
+              <a:rPr lang="ko-KR" altLang="en-US" baseline="0" dirty="0" smtClean="0"/>
+              <a:t>기존과 연령</a:t>
+            </a:r>
+            <a:r>
+              <a:rPr lang="en-US" altLang="ko-KR" baseline="0" dirty="0" smtClean="0"/>
+              <a:t>, </a:t>
+            </a:r>
+            <a:r>
+              <a:rPr lang="ko-KR" altLang="en-US" baseline="0" dirty="0" smtClean="0"/>
+              <a:t>성별</a:t>
+            </a:r>
+            <a:r>
+              <a:rPr lang="en-US" altLang="ko-KR" baseline="0" dirty="0" smtClean="0"/>
+              <a:t>, </a:t>
+            </a:r>
+            <a:r>
+              <a:rPr lang="ko-KR" altLang="en-US" baseline="0" dirty="0" smtClean="0"/>
+              <a:t>표현형의 비율</a:t>
+            </a:r>
+            <a:r>
+              <a:rPr lang="en-US" altLang="ko-KR" baseline="0" dirty="0" smtClean="0"/>
+              <a:t>, </a:t>
+            </a:r>
+            <a:r>
+              <a:rPr lang="ko-KR" altLang="en-US" baseline="0" dirty="0" smtClean="0"/>
+              <a:t>유전적 배경에 따라서 결과가 </a:t>
+            </a:r>
+            <a:r>
+              <a:rPr lang="ko-KR" altLang="en-US" baseline="0" dirty="0" smtClean="0"/>
+              <a:t>달라질 수 있겠고 </a:t>
+            </a:r>
+            <a:r>
+              <a:rPr lang="ko-KR" altLang="en-US" baseline="0" dirty="0" err="1" smtClean="0"/>
+              <a:t>호흡증상이</a:t>
+            </a:r>
+            <a:r>
+              <a:rPr lang="ko-KR" altLang="en-US" baseline="0" dirty="0" smtClean="0"/>
+              <a:t> 최초로 발생하는 환자들은 </a:t>
+            </a:r>
+            <a:r>
+              <a:rPr lang="en-US" altLang="ko-KR" baseline="0" dirty="0" smtClean="0"/>
+              <a:t>stage 3</a:t>
+            </a:r>
+            <a:r>
+              <a:rPr lang="ko-KR" altLang="en-US" baseline="0" dirty="0" smtClean="0"/>
+              <a:t>이하의 단계를 거치지 않고 바로 </a:t>
+            </a:r>
+            <a:r>
+              <a:rPr lang="en-US" altLang="ko-KR" baseline="0" dirty="0" smtClean="0"/>
+              <a:t>stage 4B</a:t>
+            </a:r>
+            <a:r>
+              <a:rPr lang="ko-KR" altLang="en-US" baseline="0" dirty="0" smtClean="0"/>
+              <a:t>로 시작하는 경우가 </a:t>
+            </a:r>
+            <a:r>
+              <a:rPr lang="ko-KR" altLang="en-US" baseline="0" dirty="0" err="1" smtClean="0"/>
+              <a:t>있을수</a:t>
+            </a:r>
+            <a:r>
+              <a:rPr lang="ko-KR" altLang="en-US" baseline="0" dirty="0" smtClean="0"/>
+              <a:t> 있습니다</a:t>
+            </a:r>
+            <a:r>
+              <a:rPr lang="en-US" altLang="ko-KR" baseline="0" dirty="0" smtClean="0"/>
+              <a:t>. </a:t>
+            </a:r>
+            <a:r>
+              <a:rPr lang="ko-KR" altLang="en-US" baseline="0" dirty="0" smtClean="0"/>
+              <a:t>또한 </a:t>
+            </a:r>
+            <a:r>
+              <a:rPr lang="en-US" altLang="ko-KR" baseline="0" dirty="0" smtClean="0"/>
+              <a:t>ALS</a:t>
+            </a:r>
+            <a:r>
+              <a:rPr lang="ko-KR" altLang="en-US" baseline="0" dirty="0" smtClean="0"/>
+              <a:t>가 중증으로 진행하면 </a:t>
+            </a:r>
+            <a:r>
+              <a:rPr lang="en-US" altLang="ko-KR" baseline="0" dirty="0" smtClean="0"/>
+              <a:t>frontotemporal dementia</a:t>
+            </a:r>
+            <a:r>
+              <a:rPr lang="ko-KR" altLang="en-US" baseline="0" dirty="0" smtClean="0"/>
+              <a:t>가 약 </a:t>
+            </a:r>
+            <a:r>
+              <a:rPr lang="en-US" altLang="ko-KR" baseline="0" dirty="0" smtClean="0"/>
+              <a:t>50%</a:t>
+            </a:r>
+            <a:r>
+              <a:rPr lang="ko-KR" altLang="en-US" baseline="0" dirty="0" smtClean="0"/>
+              <a:t>정도에서 생기지만 </a:t>
+            </a:r>
+            <a:r>
+              <a:rPr lang="en-US" altLang="ko-KR" baseline="0" dirty="0" smtClean="0"/>
+              <a:t>King’s system</a:t>
+            </a:r>
+            <a:r>
+              <a:rPr lang="ko-KR" altLang="en-US" baseline="0" dirty="0" smtClean="0"/>
+              <a:t>에는 그런 부분은 반영이 안된 단점이 있습니다</a:t>
+            </a:r>
+            <a:r>
+              <a:rPr lang="en-US" altLang="ko-KR" baseline="0" dirty="0" smtClean="0"/>
+              <a:t>. </a:t>
+            </a:r>
+            <a:r>
+              <a:rPr lang="ko-KR" altLang="en-US" baseline="0" dirty="0" smtClean="0"/>
+              <a:t>다만 </a:t>
+            </a:r>
+            <a:r>
+              <a:rPr lang="en-US" altLang="ko-KR" baseline="0" dirty="0" smtClean="0"/>
+              <a:t>King system</a:t>
+            </a:r>
+            <a:r>
+              <a:rPr lang="ko-KR" altLang="en-US" baseline="0" dirty="0" smtClean="0"/>
+              <a:t>의 </a:t>
+            </a:r>
+            <a:r>
+              <a:rPr lang="en-US" altLang="ko-KR" baseline="0" dirty="0" smtClean="0"/>
+              <a:t>stage</a:t>
+            </a:r>
+            <a:r>
+              <a:rPr lang="ko-KR" altLang="en-US" baseline="0" dirty="0" smtClean="0"/>
+              <a:t>에 따라서 </a:t>
+            </a:r>
+            <a:r>
+              <a:rPr lang="en-US" altLang="ko-KR" baseline="0" dirty="0" smtClean="0"/>
+              <a:t>stage1</a:t>
+            </a:r>
+            <a:r>
+              <a:rPr lang="ko-KR" altLang="en-US" baseline="0" dirty="0" smtClean="0"/>
+              <a:t>에서는 의료기관의 진단</a:t>
+            </a:r>
+            <a:r>
+              <a:rPr lang="en-US" altLang="ko-KR" baseline="0" dirty="0" smtClean="0"/>
+              <a:t>, stage 2,3</a:t>
+            </a:r>
+            <a:r>
+              <a:rPr lang="ko-KR" altLang="en-US" baseline="0" dirty="0" smtClean="0"/>
+              <a:t>에서는 </a:t>
+            </a:r>
+            <a:r>
+              <a:rPr lang="ko-KR" altLang="en-US" baseline="0" dirty="0" err="1" smtClean="0"/>
+              <a:t>다학제팀에</a:t>
+            </a:r>
+            <a:r>
+              <a:rPr lang="ko-KR" altLang="en-US" baseline="0" dirty="0" smtClean="0"/>
+              <a:t> 의한 의료서비스</a:t>
+            </a:r>
+            <a:r>
+              <a:rPr lang="en-US" altLang="ko-KR" baseline="0" dirty="0" smtClean="0"/>
+              <a:t>, stage 4</a:t>
+            </a:r>
+            <a:r>
+              <a:rPr lang="ko-KR" altLang="en-US" baseline="0" dirty="0" smtClean="0"/>
+              <a:t>부터는 </a:t>
+            </a:r>
+            <a:r>
+              <a:rPr lang="ko-KR" altLang="en-US" baseline="0" dirty="0" err="1" smtClean="0"/>
+              <a:t>경관영양과</a:t>
+            </a:r>
+            <a:r>
+              <a:rPr lang="ko-KR" altLang="en-US" baseline="0" dirty="0" smtClean="0"/>
+              <a:t> 인공호흡기와 같은 </a:t>
+            </a:r>
+            <a:r>
+              <a:rPr lang="ko-KR" altLang="en-US" baseline="0" dirty="0" err="1" smtClean="0"/>
+              <a:t>중재치료</a:t>
+            </a:r>
+            <a:r>
+              <a:rPr lang="en-US" altLang="ko-KR" baseline="0" dirty="0" smtClean="0"/>
+              <a:t>, </a:t>
+            </a:r>
+            <a:r>
+              <a:rPr lang="ko-KR" altLang="en-US" baseline="0" dirty="0" smtClean="0"/>
+              <a:t>말기의 완화 의료와 돌봄에 대한 접근으로 </a:t>
+            </a:r>
+            <a:r>
+              <a:rPr lang="ko-KR" altLang="en-US" baseline="0" dirty="0" err="1" smtClean="0"/>
+              <a:t>나눌수</a:t>
+            </a:r>
+            <a:r>
+              <a:rPr lang="ko-KR" altLang="en-US" baseline="0" dirty="0" smtClean="0"/>
+              <a:t> 있고 이를 통해 더 체계적인 사회적 접근이 가능하다는 장점이 있습니다</a:t>
+            </a:r>
+            <a:r>
+              <a:rPr lang="en-US" altLang="ko-KR" baseline="0" dirty="0" smtClean="0"/>
+              <a:t>. </a:t>
+            </a:r>
+            <a:r>
+              <a:rPr lang="ko-KR" altLang="en-US" baseline="0" dirty="0" smtClean="0"/>
+              <a:t>또한 </a:t>
+            </a:r>
+            <a:r>
+              <a:rPr lang="en-US" altLang="ko-KR" baseline="0" dirty="0" smtClean="0"/>
+              <a:t>King’s system</a:t>
+            </a:r>
+            <a:r>
+              <a:rPr lang="ko-KR" altLang="en-US" baseline="0" dirty="0" smtClean="0"/>
+              <a:t>을 임상시험지표로서도 활용하고 있습니다</a:t>
+            </a:r>
+            <a:r>
+              <a:rPr lang="en-US" altLang="ko-KR" baseline="0" dirty="0" smtClean="0"/>
+              <a:t>. 	</a:t>
+            </a:r>
           </a:p>
         </p:txBody>
       </p:sp>
@@ -964,6 +1171,832 @@
     <p:extLst>
       <p:ext uri="{BB962C8B-B14F-4D97-AF65-F5344CB8AC3E}">
         <p14:creationId xmlns:p14="http://schemas.microsoft.com/office/powerpoint/2010/main" val="4149082940"/>
+      </p:ext>
+    </p:extLst>
+  </p:cSld>
+  <p:clrMapOvr>
+    <a:masterClrMapping/>
+  </p:clrMapOvr>
+</p:notes>
+</file>
+
+<file path=ppt/notesSlides/notesSlide3.xml><?xml version="1.0" encoding="utf-8"?>
+<p:notes xmlns:a="http://schemas.openxmlformats.org/drawingml/2006/main" xmlns:r="http://schemas.openxmlformats.org/officeDocument/2006/relationships" xmlns:p="http://schemas.openxmlformats.org/presentationml/2006/main">
+  <p:cSld>
+    <p:spTree>
+      <p:nvGrpSpPr>
+        <p:cNvPr id="1" name=""/>
+        <p:cNvGrpSpPr/>
+        <p:nvPr/>
+      </p:nvGrpSpPr>
+      <p:grpSpPr>
+        <a:xfrm>
+          <a:off x="0" y="0"/>
+          <a:ext cx="0" cy="0"/>
+          <a:chOff x="0" y="0"/>
+          <a:chExt cx="0" cy="0"/>
+        </a:xfrm>
+      </p:grpSpPr>
+      <p:sp>
+        <p:nvSpPr>
+          <p:cNvPr id="2" name="슬라이드 이미지 개체 틀 1"/>
+          <p:cNvSpPr>
+            <a:spLocks noGrp="1" noRot="1" noChangeAspect="1"/>
+          </p:cNvSpPr>
+          <p:nvPr>
+            <p:ph type="sldImg"/>
+          </p:nvPr>
+        </p:nvSpPr>
+        <p:spPr/>
+      </p:sp>
+      <p:sp>
+        <p:nvSpPr>
+          <p:cNvPr id="3" name="슬라이드 노트 개체 틀 2"/>
+          <p:cNvSpPr>
+            <a:spLocks noGrp="1"/>
+          </p:cNvSpPr>
+          <p:nvPr>
+            <p:ph type="body" idx="1"/>
+          </p:nvPr>
+        </p:nvSpPr>
+        <p:spPr/>
+        <p:txBody>
+          <a:bodyPr/>
+          <a:lstStyle/>
+          <a:p>
+            <a:r>
+              <a:rPr lang="en-US" altLang="ko-KR" dirty="0" smtClean="0"/>
+              <a:t>2015</a:t>
+            </a:r>
+            <a:r>
+              <a:rPr lang="ko-KR" altLang="en-US" dirty="0" smtClean="0"/>
+              <a:t>년 </a:t>
+            </a:r>
+            <a:r>
+              <a:rPr lang="en-US" altLang="ko-KR" dirty="0" smtClean="0"/>
+              <a:t>JNNP</a:t>
+            </a:r>
+            <a:r>
+              <a:rPr lang="ko-KR" altLang="en-US" dirty="0" smtClean="0"/>
+              <a:t>에 </a:t>
+            </a:r>
+            <a:r>
+              <a:rPr lang="en-US" altLang="ko-KR" dirty="0" err="1" smtClean="0"/>
+              <a:t>Chio</a:t>
+            </a:r>
+            <a:r>
+              <a:rPr lang="ko-KR" altLang="en-US" dirty="0" smtClean="0"/>
+              <a:t>등이 발표한 </a:t>
+            </a:r>
+            <a:r>
+              <a:rPr lang="en-US" altLang="ko-KR" dirty="0" smtClean="0"/>
+              <a:t>Milano-Torino staging system</a:t>
+            </a:r>
+            <a:r>
+              <a:rPr lang="ko-KR" altLang="en-US" dirty="0" smtClean="0"/>
+              <a:t>은 </a:t>
+            </a:r>
+            <a:r>
+              <a:rPr lang="en-US" altLang="ko-KR" dirty="0" smtClean="0"/>
+              <a:t>ALS</a:t>
+            </a:r>
+            <a:r>
+              <a:rPr lang="ko-KR" altLang="en-US" dirty="0" smtClean="0"/>
+              <a:t>의 진행에 따라 삶의 질과 경제적 부담에 대해서도 </a:t>
+            </a:r>
+            <a:r>
+              <a:rPr lang="ko-KR" altLang="en-US" dirty="0" err="1" smtClean="0"/>
+              <a:t>의미있는</a:t>
+            </a:r>
+            <a:r>
+              <a:rPr lang="ko-KR" altLang="en-US" dirty="0" smtClean="0"/>
+              <a:t> 차이를 반영할 수 있어야 한다는 생각을 바탕으로 하여 개발되었습니다</a:t>
+            </a:r>
+            <a:r>
+              <a:rPr lang="en-US" altLang="ko-KR" dirty="0" smtClean="0"/>
+              <a:t>. ALS</a:t>
+            </a:r>
+            <a:r>
+              <a:rPr lang="ko-KR" altLang="en-US" dirty="0" smtClean="0"/>
+              <a:t>진행의 주요 </a:t>
+            </a:r>
+            <a:r>
+              <a:rPr lang="en-US" altLang="ko-KR" dirty="0" smtClean="0"/>
+              <a:t>milestone</a:t>
+            </a:r>
+            <a:r>
+              <a:rPr lang="ko-KR" altLang="en-US" dirty="0" smtClean="0"/>
+              <a:t>은 </a:t>
+            </a:r>
+            <a:r>
+              <a:rPr lang="en-US" altLang="ko-KR" dirty="0" smtClean="0"/>
+              <a:t>ALSFRS, ALSFRS-R</a:t>
+            </a:r>
+            <a:r>
+              <a:rPr lang="en-US" altLang="ko-KR" baseline="0" dirty="0" smtClean="0"/>
+              <a:t> </a:t>
+            </a:r>
+            <a:r>
+              <a:rPr lang="ko-KR" altLang="en-US" baseline="0" dirty="0" smtClean="0"/>
+              <a:t>모두에 포함되고 자율성 상실을 수반하는 주요 지표 </a:t>
+            </a:r>
+            <a:r>
+              <a:rPr lang="en-US" altLang="ko-KR" baseline="0" dirty="0" smtClean="0"/>
+              <a:t>4</a:t>
+            </a:r>
+            <a:r>
+              <a:rPr lang="ko-KR" altLang="en-US" baseline="0" dirty="0" smtClean="0"/>
+              <a:t>가지로 정의함</a:t>
+            </a:r>
+            <a:r>
+              <a:rPr lang="en-US" altLang="ko-KR" baseline="0" dirty="0" smtClean="0"/>
+              <a:t>. </a:t>
+            </a:r>
+            <a:r>
+              <a:rPr lang="ko-KR" altLang="en-US" baseline="0" dirty="0" smtClean="0"/>
+              <a:t>걷기</a:t>
+            </a:r>
+            <a:r>
+              <a:rPr lang="en-US" altLang="ko-KR" baseline="0" dirty="0" smtClean="0"/>
+              <a:t>/</a:t>
+            </a:r>
+            <a:r>
+              <a:rPr lang="ko-KR" altLang="en-US" baseline="0" dirty="0" smtClean="0"/>
+              <a:t>자기관리</a:t>
+            </a:r>
+            <a:r>
+              <a:rPr lang="en-US" altLang="ko-KR" baseline="0" dirty="0" smtClean="0"/>
+              <a:t>, </a:t>
+            </a:r>
+            <a:r>
+              <a:rPr lang="ko-KR" altLang="en-US" baseline="0" dirty="0" smtClean="0"/>
+              <a:t>삼키기</a:t>
+            </a:r>
+            <a:r>
+              <a:rPr lang="en-US" altLang="ko-KR" baseline="0" dirty="0" smtClean="0"/>
+              <a:t>, </a:t>
+            </a:r>
+            <a:r>
+              <a:rPr lang="ko-KR" altLang="en-US" baseline="0" dirty="0" smtClean="0"/>
+              <a:t>의사소통</a:t>
+            </a:r>
+            <a:r>
+              <a:rPr lang="en-US" altLang="ko-KR" baseline="0" dirty="0" smtClean="0"/>
+              <a:t>, </a:t>
+            </a:r>
+            <a:r>
+              <a:rPr lang="ko-KR" altLang="en-US" baseline="0" dirty="0" smtClean="0"/>
+              <a:t>호흡 </a:t>
+            </a:r>
+            <a:r>
+              <a:rPr lang="en-US" altLang="ko-KR" baseline="0" dirty="0" smtClean="0"/>
+              <a:t>4</a:t>
+            </a:r>
+            <a:r>
+              <a:rPr lang="ko-KR" altLang="en-US" baseline="0" dirty="0" smtClean="0"/>
+              <a:t>가지임</a:t>
+            </a:r>
+            <a:r>
+              <a:rPr lang="en-US" altLang="ko-KR" baseline="0" dirty="0" smtClean="0"/>
+              <a:t>. 4</a:t>
+            </a:r>
+            <a:r>
+              <a:rPr lang="ko-KR" altLang="en-US" baseline="0" dirty="0" smtClean="0"/>
+              <a:t>가지 영역 중 걷기</a:t>
+            </a:r>
+            <a:r>
+              <a:rPr lang="en-US" altLang="ko-KR" baseline="0" dirty="0" smtClean="0"/>
+              <a:t>/</a:t>
+            </a:r>
+            <a:r>
+              <a:rPr lang="ko-KR" altLang="en-US" baseline="0" dirty="0" smtClean="0"/>
+              <a:t>자기관리는 </a:t>
+            </a:r>
+            <a:r>
+              <a:rPr lang="en-US" altLang="ko-KR" baseline="0" dirty="0" smtClean="0"/>
+              <a:t>ASLFRS-R</a:t>
+            </a:r>
+            <a:r>
+              <a:rPr lang="ko-KR" altLang="en-US" baseline="0" dirty="0" smtClean="0"/>
+              <a:t>의 </a:t>
+            </a:r>
+            <a:r>
+              <a:rPr lang="en-US" altLang="ko-KR" baseline="0" dirty="0" smtClean="0"/>
+              <a:t>8</a:t>
+            </a:r>
+            <a:r>
+              <a:rPr lang="ko-KR" altLang="en-US" baseline="0" dirty="0" smtClean="0"/>
+              <a:t>번</a:t>
+            </a:r>
+            <a:r>
+              <a:rPr lang="en-US" altLang="ko-KR" baseline="0" dirty="0" smtClean="0"/>
+              <a:t>(</a:t>
+            </a:r>
+            <a:r>
+              <a:rPr lang="ko-KR" altLang="en-US" baseline="0" dirty="0" smtClean="0"/>
+              <a:t>걷기</a:t>
+            </a:r>
+            <a:r>
+              <a:rPr lang="en-US" altLang="ko-KR" baseline="0" dirty="0" smtClean="0"/>
+              <a:t>), 6</a:t>
+            </a:r>
+            <a:r>
+              <a:rPr lang="ko-KR" altLang="en-US" baseline="0" dirty="0" smtClean="0"/>
+              <a:t>번</a:t>
+            </a:r>
+            <a:r>
+              <a:rPr lang="en-US" altLang="ko-KR" baseline="0" dirty="0" smtClean="0"/>
+              <a:t>(</a:t>
+            </a:r>
+            <a:r>
+              <a:rPr lang="ko-KR" altLang="en-US" baseline="0" dirty="0" err="1" smtClean="0"/>
+              <a:t>옷입기와</a:t>
+            </a:r>
+            <a:r>
+              <a:rPr lang="ko-KR" altLang="en-US" baseline="0" dirty="0" smtClean="0"/>
+              <a:t> 위생</a:t>
+            </a:r>
+            <a:r>
+              <a:rPr lang="en-US" altLang="ko-KR" baseline="0" dirty="0" smtClean="0"/>
+              <a:t>), </a:t>
+            </a:r>
+            <a:r>
+              <a:rPr lang="ko-KR" altLang="en-US" baseline="0" dirty="0" smtClean="0"/>
+              <a:t>삼키기는 </a:t>
+            </a:r>
+            <a:r>
+              <a:rPr lang="en-US" altLang="ko-KR" baseline="0" dirty="0" smtClean="0"/>
+              <a:t>3</a:t>
+            </a:r>
+            <a:r>
+              <a:rPr lang="ko-KR" altLang="en-US" baseline="0" dirty="0" smtClean="0"/>
+              <a:t>번</a:t>
+            </a:r>
+            <a:r>
+              <a:rPr lang="en-US" altLang="ko-KR" baseline="0" dirty="0" smtClean="0"/>
+              <a:t>(</a:t>
+            </a:r>
+            <a:r>
+              <a:rPr lang="ko-KR" altLang="en-US" baseline="0" dirty="0" smtClean="0"/>
+              <a:t>삼키기</a:t>
+            </a:r>
+            <a:r>
+              <a:rPr lang="en-US" altLang="ko-KR" baseline="0" dirty="0" smtClean="0"/>
+              <a:t>), </a:t>
+            </a:r>
+            <a:r>
+              <a:rPr lang="ko-KR" altLang="en-US" baseline="0" dirty="0" smtClean="0"/>
+              <a:t>의사소통은 </a:t>
+            </a:r>
+            <a:r>
+              <a:rPr lang="en-US" altLang="ko-KR" baseline="0" dirty="0" smtClean="0"/>
+              <a:t>1</a:t>
+            </a:r>
+            <a:r>
+              <a:rPr lang="ko-KR" altLang="en-US" baseline="0" dirty="0" smtClean="0"/>
+              <a:t>번</a:t>
+            </a:r>
+            <a:r>
+              <a:rPr lang="en-US" altLang="ko-KR" baseline="0" dirty="0" smtClean="0"/>
+              <a:t>(</a:t>
+            </a:r>
+            <a:r>
+              <a:rPr lang="ko-KR" altLang="en-US" baseline="0" dirty="0" smtClean="0"/>
+              <a:t>말하기</a:t>
+            </a:r>
+            <a:r>
+              <a:rPr lang="en-US" altLang="ko-KR" baseline="0" dirty="0" smtClean="0"/>
+              <a:t>), 4</a:t>
+            </a:r>
+            <a:r>
+              <a:rPr lang="ko-KR" altLang="en-US" baseline="0" dirty="0" smtClean="0"/>
+              <a:t>번</a:t>
+            </a:r>
+            <a:r>
+              <a:rPr lang="en-US" altLang="ko-KR" baseline="0" dirty="0" smtClean="0"/>
+              <a:t>(</a:t>
+            </a:r>
+            <a:r>
+              <a:rPr lang="ko-KR" altLang="en-US" baseline="0" dirty="0" smtClean="0"/>
+              <a:t>쓰기</a:t>
+            </a:r>
+            <a:r>
+              <a:rPr lang="en-US" altLang="ko-KR" baseline="0" dirty="0" smtClean="0"/>
+              <a:t>), </a:t>
+            </a:r>
+            <a:r>
+              <a:rPr lang="ko-KR" altLang="en-US" baseline="0" dirty="0" smtClean="0"/>
+              <a:t>호흡은 </a:t>
+            </a:r>
+            <a:r>
+              <a:rPr lang="en-US" altLang="ko-KR" baseline="0" dirty="0" smtClean="0"/>
+              <a:t>10</a:t>
+            </a:r>
+            <a:r>
+              <a:rPr lang="ko-KR" altLang="en-US" baseline="0" dirty="0" smtClean="0"/>
+              <a:t>번</a:t>
+            </a:r>
+            <a:r>
+              <a:rPr lang="en-US" altLang="ko-KR" baseline="0" dirty="0" smtClean="0"/>
+              <a:t>(</a:t>
+            </a:r>
+            <a:r>
+              <a:rPr lang="ko-KR" altLang="en-US" baseline="0" dirty="0" smtClean="0"/>
+              <a:t>호흡곤란</a:t>
+            </a:r>
+            <a:r>
+              <a:rPr lang="en-US" altLang="ko-KR" baseline="0" dirty="0" smtClean="0"/>
+              <a:t>), 12</a:t>
+            </a:r>
+            <a:r>
+              <a:rPr lang="ko-KR" altLang="en-US" baseline="0" dirty="0" smtClean="0"/>
+              <a:t>번</a:t>
+            </a:r>
+            <a:r>
+              <a:rPr lang="en-US" altLang="ko-KR" baseline="0" dirty="0" smtClean="0"/>
+              <a:t>(</a:t>
+            </a:r>
+            <a:r>
+              <a:rPr lang="ko-KR" altLang="en-US" baseline="0" dirty="0" smtClean="0"/>
+              <a:t>호흡부전</a:t>
+            </a:r>
+            <a:r>
+              <a:rPr lang="en-US" altLang="ko-KR" baseline="0" dirty="0" smtClean="0"/>
+              <a:t>)</a:t>
+            </a:r>
+            <a:r>
+              <a:rPr lang="ko-KR" altLang="en-US" baseline="0" dirty="0" smtClean="0"/>
+              <a:t>으로 결정함</a:t>
+            </a:r>
+            <a:r>
+              <a:rPr lang="en-US" altLang="ko-KR" baseline="0" dirty="0" smtClean="0"/>
+              <a:t>. </a:t>
+            </a:r>
+            <a:r>
+              <a:rPr lang="ko-KR" altLang="en-US" baseline="0" dirty="0" smtClean="0"/>
+              <a:t>각 영역에서 자율성을 상실한 경우 </a:t>
+            </a:r>
+            <a:r>
+              <a:rPr lang="en-US" altLang="ko-KR" baseline="0" dirty="0" smtClean="0"/>
+              <a:t>0</a:t>
+            </a:r>
+            <a:r>
+              <a:rPr lang="ko-KR" altLang="en-US" baseline="0" dirty="0" smtClean="0"/>
+              <a:t>점</a:t>
+            </a:r>
+            <a:r>
+              <a:rPr lang="en-US" altLang="ko-KR" baseline="0" dirty="0" smtClean="0"/>
+              <a:t>, </a:t>
+            </a:r>
+            <a:r>
+              <a:rPr lang="ko-KR" altLang="en-US" baseline="0" dirty="0" smtClean="0"/>
+              <a:t>상실하지 않은 경우 </a:t>
+            </a:r>
+            <a:r>
+              <a:rPr lang="en-US" altLang="ko-KR" baseline="0" dirty="0" smtClean="0"/>
+              <a:t>1</a:t>
+            </a:r>
+            <a:r>
+              <a:rPr lang="ko-KR" altLang="en-US" baseline="0" dirty="0" smtClean="0"/>
+              <a:t>점으로 해서 </a:t>
+            </a:r>
+            <a:r>
+              <a:rPr lang="en-US" altLang="ko-KR" baseline="0" dirty="0" smtClean="0"/>
+              <a:t>4</a:t>
+            </a:r>
+            <a:r>
+              <a:rPr lang="ko-KR" altLang="en-US" baseline="0" dirty="0" smtClean="0"/>
+              <a:t>개 영역의 세부항목 점수를 합한 값을 통해 </a:t>
+            </a:r>
+            <a:r>
+              <a:rPr lang="en-US" altLang="ko-KR" baseline="0" dirty="0" smtClean="0"/>
+              <a:t>stage</a:t>
+            </a:r>
+            <a:r>
+              <a:rPr lang="ko-KR" altLang="en-US" baseline="0" dirty="0" smtClean="0"/>
+              <a:t>를 결정함</a:t>
+            </a:r>
+            <a:r>
+              <a:rPr lang="en-US" altLang="ko-KR" baseline="0" dirty="0" smtClean="0"/>
+              <a:t>. Stage</a:t>
+            </a:r>
+            <a:r>
+              <a:rPr lang="ko-KR" altLang="en-US" baseline="0" dirty="0" smtClean="0"/>
+              <a:t>는 총 </a:t>
+            </a:r>
+            <a:r>
+              <a:rPr lang="en-US" altLang="ko-KR" baseline="0" dirty="0" smtClean="0"/>
+              <a:t>6</a:t>
+            </a:r>
+            <a:r>
+              <a:rPr lang="ko-KR" altLang="en-US" baseline="0" dirty="0" smtClean="0"/>
+              <a:t>단계로 구분하는데 </a:t>
+            </a:r>
+            <a:r>
+              <a:rPr lang="en-US" altLang="ko-KR" baseline="0" dirty="0" smtClean="0"/>
+              <a:t>stage 0</a:t>
+            </a:r>
+            <a:r>
+              <a:rPr lang="ko-KR" altLang="en-US" baseline="0" dirty="0" smtClean="0"/>
+              <a:t>은 증상이 있으나 자율성 상실이 없는 상태이고 </a:t>
+            </a:r>
+            <a:r>
+              <a:rPr lang="en-US" altLang="ko-KR" baseline="0" dirty="0" smtClean="0"/>
+              <a:t>stage1</a:t>
+            </a:r>
+            <a:r>
+              <a:rPr lang="ko-KR" altLang="en-US" baseline="0" dirty="0" smtClean="0"/>
+              <a:t>부터 </a:t>
+            </a:r>
+            <a:r>
+              <a:rPr lang="en-US" altLang="ko-KR" baseline="0" dirty="0" smtClean="0"/>
+              <a:t>4</a:t>
+            </a:r>
+            <a:r>
+              <a:rPr lang="ko-KR" altLang="en-US" baseline="0" dirty="0" smtClean="0"/>
+              <a:t>까지는 자율성을 상실한 영역의 개수 </a:t>
+            </a:r>
+            <a:r>
+              <a:rPr lang="en-US" altLang="ko-KR" baseline="0" dirty="0" smtClean="0"/>
+              <a:t>1</a:t>
+            </a:r>
+            <a:r>
+              <a:rPr lang="ko-KR" altLang="en-US" baseline="0" dirty="0" smtClean="0"/>
+              <a:t>개부터 </a:t>
+            </a:r>
+            <a:r>
+              <a:rPr lang="en-US" altLang="ko-KR" baseline="0" dirty="0" smtClean="0"/>
+              <a:t>4</a:t>
+            </a:r>
+            <a:r>
+              <a:rPr lang="ko-KR" altLang="en-US" baseline="0" dirty="0" err="1" smtClean="0"/>
+              <a:t>개까지로</a:t>
+            </a:r>
+            <a:r>
+              <a:rPr lang="ko-KR" altLang="en-US" baseline="0" dirty="0" smtClean="0"/>
+              <a:t> 매기며 </a:t>
+            </a:r>
+            <a:r>
+              <a:rPr lang="en-US" altLang="ko-KR" baseline="0" dirty="0" smtClean="0"/>
+              <a:t>stage 5</a:t>
+            </a:r>
+            <a:r>
+              <a:rPr lang="ko-KR" altLang="en-US" baseline="0" dirty="0" smtClean="0"/>
+              <a:t>는 사망으로 정의함</a:t>
+            </a:r>
+            <a:r>
+              <a:rPr lang="en-US" altLang="ko-KR" baseline="0" dirty="0" smtClean="0"/>
+              <a:t>. MITOS</a:t>
+            </a:r>
+            <a:r>
+              <a:rPr lang="ko-KR" altLang="en-US" baseline="0" dirty="0" smtClean="0"/>
+              <a:t>는 임상에서 널리 사용되고 있는 </a:t>
+            </a:r>
+            <a:r>
+              <a:rPr lang="en-US" altLang="ko-KR" baseline="0" dirty="0" smtClean="0"/>
+              <a:t>ALSFRS, ALSFRS-R</a:t>
+            </a:r>
+            <a:r>
+              <a:rPr lang="ko-KR" altLang="en-US" baseline="0" dirty="0" smtClean="0"/>
+              <a:t>을 기반으로 만들어져서 추가적인 평가없이 결정할 수 있는 장점이 있고 전체 </a:t>
+            </a:r>
+            <a:r>
+              <a:rPr lang="en-US" altLang="ko-KR" baseline="0" dirty="0" smtClean="0"/>
+              <a:t>stage</a:t>
+            </a:r>
+            <a:r>
+              <a:rPr lang="ko-KR" altLang="en-US" baseline="0" dirty="0" smtClean="0"/>
+              <a:t>에 따른 환자의 분포와 </a:t>
+            </a:r>
+            <a:r>
+              <a:rPr lang="en-US" altLang="ko-KR" baseline="0" dirty="0" smtClean="0"/>
+              <a:t>stage</a:t>
+            </a:r>
+            <a:r>
+              <a:rPr lang="ko-KR" altLang="en-US" baseline="0" dirty="0" smtClean="0"/>
+              <a:t>간 전이 확률이 진행하는 질병 상태와 일치하는 모습을 보임</a:t>
+            </a:r>
+            <a:r>
+              <a:rPr lang="en-US" altLang="ko-KR" baseline="0" dirty="0" smtClean="0"/>
+              <a:t>. </a:t>
+            </a:r>
+          </a:p>
+          <a:p>
+            <a:r>
+              <a:rPr lang="ko-KR" altLang="en-US" baseline="0" dirty="0" smtClean="0"/>
+              <a:t>하지만 </a:t>
+            </a:r>
+            <a:r>
+              <a:rPr lang="ko-KR" altLang="en-US" baseline="0" dirty="0" err="1" smtClean="0"/>
+              <a:t>초기연구에</a:t>
+            </a:r>
+            <a:r>
+              <a:rPr lang="ko-KR" altLang="en-US" baseline="0" dirty="0" smtClean="0"/>
+              <a:t> 등록되기 전 </a:t>
+            </a:r>
+            <a:r>
+              <a:rPr lang="ko-KR" altLang="en-US" baseline="0" dirty="0" err="1" smtClean="0"/>
+              <a:t>기능손상에</a:t>
+            </a:r>
+            <a:r>
+              <a:rPr lang="ko-KR" altLang="en-US" baseline="0" dirty="0" smtClean="0"/>
+              <a:t> 필요한 소요기간을 결정할 수 없고 일부 환자에서는 </a:t>
+            </a:r>
+            <a:r>
+              <a:rPr lang="en-US" altLang="ko-KR" baseline="0" dirty="0" smtClean="0"/>
+              <a:t>stage</a:t>
+            </a:r>
+            <a:r>
+              <a:rPr lang="ko-KR" altLang="en-US" baseline="0" dirty="0" smtClean="0"/>
+              <a:t>를 건너뛰거나 이전 </a:t>
+            </a:r>
+            <a:r>
+              <a:rPr lang="en-US" altLang="ko-KR" baseline="0" dirty="0" smtClean="0"/>
+              <a:t>stage</a:t>
+            </a:r>
+            <a:r>
+              <a:rPr lang="ko-KR" altLang="en-US" baseline="0" dirty="0" smtClean="0"/>
+              <a:t>로 역행하는 경우도 있어 질병의 진행을 잘 반영하지 못하는 한계점을 보이기도 함</a:t>
+            </a:r>
+            <a:r>
+              <a:rPr lang="en-US" altLang="ko-KR" baseline="0" dirty="0" smtClean="0"/>
+              <a:t>. </a:t>
+            </a:r>
+            <a:r>
+              <a:rPr lang="ko-KR" altLang="en-US" baseline="0" dirty="0" smtClean="0"/>
+              <a:t>또한 </a:t>
+            </a:r>
+            <a:r>
+              <a:rPr lang="en-US" altLang="ko-KR" baseline="0" dirty="0" smtClean="0"/>
+              <a:t>bulbar onset ALS</a:t>
+            </a:r>
+            <a:r>
+              <a:rPr lang="ko-KR" altLang="en-US" baseline="0" dirty="0" smtClean="0"/>
+              <a:t>가 </a:t>
+            </a:r>
+            <a:r>
+              <a:rPr lang="en-US" altLang="ko-KR" baseline="0" dirty="0" smtClean="0"/>
+              <a:t>limb onset ALS</a:t>
+            </a:r>
+            <a:r>
+              <a:rPr lang="ko-KR" altLang="en-US" baseline="0" dirty="0" smtClean="0"/>
+              <a:t>에 비해 모집자 수가 부족했다는 점도 </a:t>
+            </a:r>
+            <a:r>
+              <a:rPr lang="ko-KR" altLang="en-US" baseline="0" dirty="0" err="1" smtClean="0"/>
+              <a:t>한계점임</a:t>
+            </a:r>
+            <a:r>
+              <a:rPr lang="en-US" altLang="ko-KR" baseline="0" dirty="0" smtClean="0"/>
+              <a:t>. </a:t>
+            </a:r>
+            <a:r>
+              <a:rPr lang="ko-KR" altLang="en-US" baseline="0" dirty="0" smtClean="0"/>
+              <a:t>또한 </a:t>
+            </a:r>
+            <a:r>
+              <a:rPr lang="en-US" altLang="ko-KR" baseline="0" dirty="0" smtClean="0"/>
+              <a:t>frontotemporal degeneration</a:t>
+            </a:r>
+            <a:r>
+              <a:rPr lang="ko-KR" altLang="en-US" baseline="0" dirty="0" smtClean="0"/>
+              <a:t>이나 </a:t>
+            </a:r>
+            <a:r>
+              <a:rPr lang="en-US" altLang="ko-KR" baseline="0" dirty="0" smtClean="0"/>
+              <a:t>ALS-plus syndrome </a:t>
+            </a:r>
+            <a:r>
+              <a:rPr lang="ko-KR" altLang="en-US" baseline="0" dirty="0" smtClean="0"/>
+              <a:t>등이 대상자에서 제외되어 인지기능 장애에 대한 반영이 잘 </a:t>
+            </a:r>
+            <a:r>
+              <a:rPr lang="ko-KR" altLang="en-US" baseline="0" dirty="0" err="1" smtClean="0"/>
+              <a:t>안되어있음</a:t>
+            </a:r>
+            <a:r>
+              <a:rPr lang="en-US" altLang="ko-KR" baseline="0" dirty="0" smtClean="0"/>
+              <a:t>. </a:t>
+            </a:r>
+            <a:endParaRPr lang="ko-KR" altLang="en-US" dirty="0"/>
+          </a:p>
+        </p:txBody>
+      </p:sp>
+      <p:sp>
+        <p:nvSpPr>
+          <p:cNvPr id="4" name="슬라이드 번호 개체 틀 3"/>
+          <p:cNvSpPr>
+            <a:spLocks noGrp="1"/>
+          </p:cNvSpPr>
+          <p:nvPr>
+            <p:ph type="sldNum" sz="quarter" idx="10"/>
+          </p:nvPr>
+        </p:nvSpPr>
+        <p:spPr/>
+        <p:txBody>
+          <a:bodyPr/>
+          <a:lstStyle/>
+          <a:p>
+            <a:fld id="{BBAA4D1B-A90B-4163-BF9D-AF53B78ADDD3}" type="slidenum">
+              <a:rPr lang="ko-KR" altLang="en-US" smtClean="0"/>
+              <a:t>4</a:t>
+            </a:fld>
+            <a:endParaRPr lang="ko-KR" altLang="en-US"/>
+          </a:p>
+        </p:txBody>
+      </p:sp>
+    </p:spTree>
+    <p:extLst>
+      <p:ext uri="{BB962C8B-B14F-4D97-AF65-F5344CB8AC3E}">
+        <p14:creationId xmlns:p14="http://schemas.microsoft.com/office/powerpoint/2010/main" val="3284681718"/>
+      </p:ext>
+    </p:extLst>
+  </p:cSld>
+  <p:clrMapOvr>
+    <a:masterClrMapping/>
+  </p:clrMapOvr>
+</p:notes>
+</file>
+
+<file path=ppt/notesSlides/notesSlide4.xml><?xml version="1.0" encoding="utf-8"?>
+<p:notes xmlns:a="http://schemas.openxmlformats.org/drawingml/2006/main" xmlns:r="http://schemas.openxmlformats.org/officeDocument/2006/relationships" xmlns:p="http://schemas.openxmlformats.org/presentationml/2006/main">
+  <p:cSld>
+    <p:spTree>
+      <p:nvGrpSpPr>
+        <p:cNvPr id="1" name=""/>
+        <p:cNvGrpSpPr/>
+        <p:nvPr/>
+      </p:nvGrpSpPr>
+      <p:grpSpPr>
+        <a:xfrm>
+          <a:off x="0" y="0"/>
+          <a:ext cx="0" cy="0"/>
+          <a:chOff x="0" y="0"/>
+          <a:chExt cx="0" cy="0"/>
+        </a:xfrm>
+      </p:grpSpPr>
+      <p:sp>
+        <p:nvSpPr>
+          <p:cNvPr id="2" name="슬라이드 이미지 개체 틀 1"/>
+          <p:cNvSpPr>
+            <a:spLocks noGrp="1" noRot="1" noChangeAspect="1"/>
+          </p:cNvSpPr>
+          <p:nvPr>
+            <p:ph type="sldImg"/>
+          </p:nvPr>
+        </p:nvSpPr>
+        <p:spPr/>
+      </p:sp>
+      <p:sp>
+        <p:nvSpPr>
+          <p:cNvPr id="3" name="슬라이드 노트 개체 틀 2"/>
+          <p:cNvSpPr>
+            <a:spLocks noGrp="1"/>
+          </p:cNvSpPr>
+          <p:nvPr>
+            <p:ph type="body" idx="1"/>
+          </p:nvPr>
+        </p:nvSpPr>
+        <p:spPr/>
+        <p:txBody>
+          <a:bodyPr/>
+          <a:lstStyle/>
+          <a:p>
+            <a:r>
+              <a:rPr lang="en-US" altLang="ko-KR" dirty="0" smtClean="0"/>
+              <a:t>King’s system</a:t>
+            </a:r>
+            <a:r>
+              <a:rPr lang="ko-KR" altLang="en-US" dirty="0" smtClean="0"/>
+              <a:t>과 </a:t>
+            </a:r>
+            <a:r>
+              <a:rPr lang="en-US" altLang="ko-KR" dirty="0" smtClean="0"/>
+              <a:t>MITOS</a:t>
+            </a:r>
+            <a:r>
+              <a:rPr lang="ko-KR" altLang="en-US" dirty="0" smtClean="0"/>
+              <a:t>는 </a:t>
+            </a:r>
+            <a:r>
+              <a:rPr lang="ko-KR" altLang="en-US" dirty="0" err="1" smtClean="0"/>
+              <a:t>중복이라기보다는</a:t>
+            </a:r>
+            <a:r>
+              <a:rPr lang="ko-KR" altLang="en-US" dirty="0" smtClean="0"/>
+              <a:t> 상호 보완적인 </a:t>
+            </a:r>
+            <a:r>
+              <a:rPr lang="ko-KR" altLang="en-US" baseline="0" dirty="0" smtClean="0"/>
+              <a:t>체계인데 전자는 임상적</a:t>
+            </a:r>
+            <a:r>
+              <a:rPr lang="en-US" altLang="ko-KR" baseline="0" dirty="0" smtClean="0"/>
+              <a:t>, </a:t>
+            </a:r>
+            <a:r>
+              <a:rPr lang="ko-KR" altLang="en-US" baseline="0" dirty="0" smtClean="0"/>
+              <a:t>해부학적 확산을 중요하게 보고</a:t>
+            </a:r>
+            <a:r>
+              <a:rPr lang="en-US" altLang="ko-KR" baseline="0" dirty="0" smtClean="0"/>
+              <a:t>, MITOS</a:t>
+            </a:r>
+            <a:r>
+              <a:rPr lang="ko-KR" altLang="en-US" baseline="0" dirty="0" smtClean="0"/>
+              <a:t>는 기능적 장애를 중요하게 보는 체계임</a:t>
+            </a:r>
+            <a:r>
+              <a:rPr lang="en-US" altLang="ko-KR" baseline="0" dirty="0" smtClean="0"/>
+              <a:t>. Ferraro</a:t>
+            </a:r>
+            <a:r>
+              <a:rPr lang="ko-KR" altLang="en-US" baseline="0" dirty="0" smtClean="0"/>
+              <a:t>의 연구에서 </a:t>
+            </a:r>
+            <a:r>
+              <a:rPr lang="en-US" altLang="ko-KR" baseline="0" dirty="0" smtClean="0"/>
+              <a:t>King</a:t>
+            </a:r>
+            <a:r>
+              <a:rPr lang="ko-KR" altLang="en-US" baseline="0" dirty="0" smtClean="0"/>
+              <a:t>은 질병 전체에 균등하게 분포하고 </a:t>
+            </a:r>
+            <a:r>
+              <a:rPr lang="en-US" altLang="ko-KR" baseline="0" dirty="0" smtClean="0"/>
+              <a:t>MITOS</a:t>
+            </a:r>
+            <a:r>
+              <a:rPr lang="ko-KR" altLang="en-US" baseline="0" dirty="0" smtClean="0"/>
+              <a:t>는 질병 후기에 치우친다는 보고가 있었음</a:t>
+            </a:r>
+            <a:r>
+              <a:rPr lang="en-US" altLang="ko-KR" baseline="0" dirty="0" smtClean="0"/>
+              <a:t>. </a:t>
+            </a:r>
+            <a:r>
+              <a:rPr lang="ko-KR" altLang="en-US" baseline="0" dirty="0" smtClean="0"/>
+              <a:t>두 체계는 질환의 경과를 예측하고 치료계획을 수립하며 전반적인 의료자원의 효율적인 활용에도 기여하고 주치의</a:t>
+            </a:r>
+            <a:r>
+              <a:rPr lang="en-US" altLang="ko-KR" baseline="0" dirty="0" smtClean="0"/>
+              <a:t>, </a:t>
+            </a:r>
+            <a:r>
+              <a:rPr lang="ko-KR" altLang="en-US" baseline="0" dirty="0" smtClean="0"/>
+              <a:t>관련의료인력</a:t>
+            </a:r>
+            <a:r>
+              <a:rPr lang="en-US" altLang="ko-KR" baseline="0" dirty="0" smtClean="0"/>
+              <a:t>, </a:t>
+            </a:r>
+            <a:r>
+              <a:rPr lang="ko-KR" altLang="en-US" baseline="0" dirty="0" smtClean="0"/>
+              <a:t>환자</a:t>
+            </a:r>
+            <a:r>
+              <a:rPr lang="en-US" altLang="ko-KR" baseline="0" dirty="0" smtClean="0"/>
+              <a:t>, </a:t>
+            </a:r>
+            <a:r>
+              <a:rPr lang="ko-KR" altLang="en-US" baseline="0" dirty="0" smtClean="0"/>
+              <a:t>보호자 간의 이해를 높일 수 있다는 장점이 있음</a:t>
+            </a:r>
+            <a:r>
+              <a:rPr lang="en-US" altLang="ko-KR" baseline="0" dirty="0" smtClean="0"/>
+              <a:t>. </a:t>
+            </a:r>
+            <a:endParaRPr lang="ko-KR" altLang="en-US" dirty="0"/>
+          </a:p>
+        </p:txBody>
+      </p:sp>
+      <p:sp>
+        <p:nvSpPr>
+          <p:cNvPr id="4" name="슬라이드 번호 개체 틀 3"/>
+          <p:cNvSpPr>
+            <a:spLocks noGrp="1"/>
+          </p:cNvSpPr>
+          <p:nvPr>
+            <p:ph type="sldNum" sz="quarter" idx="10"/>
+          </p:nvPr>
+        </p:nvSpPr>
+        <p:spPr/>
+        <p:txBody>
+          <a:bodyPr/>
+          <a:lstStyle/>
+          <a:p>
+            <a:fld id="{BBAA4D1B-A90B-4163-BF9D-AF53B78ADDD3}" type="slidenum">
+              <a:rPr lang="ko-KR" altLang="en-US" smtClean="0"/>
+              <a:t>6</a:t>
+            </a:fld>
+            <a:endParaRPr lang="ko-KR" altLang="en-US"/>
+          </a:p>
+        </p:txBody>
+      </p:sp>
+    </p:spTree>
+    <p:extLst>
+      <p:ext uri="{BB962C8B-B14F-4D97-AF65-F5344CB8AC3E}">
+        <p14:creationId xmlns:p14="http://schemas.microsoft.com/office/powerpoint/2010/main" val="2263834720"/>
       </p:ext>
     </p:extLst>
   </p:cSld>
@@ -1135,7 +2168,7 @@
           <a:p>
             <a:fld id="{11CF987C-FD17-4394-9A4F-BE2D66BE4DDF}" type="datetimeFigureOut">
               <a:rPr lang="ko-KR" altLang="en-US" smtClean="0"/>
-              <a:t>2021-07-06</a:t>
+              <a:t>2021-07-07</a:t>
             </a:fld>
             <a:endParaRPr lang="ko-KR" altLang="en-US"/>
           </a:p>
@@ -1312,7 +2345,7 @@
           <a:p>
             <a:fld id="{11CF987C-FD17-4394-9A4F-BE2D66BE4DDF}" type="datetimeFigureOut">
               <a:rPr lang="ko-KR" altLang="en-US" smtClean="0"/>
-              <a:t>2021-07-06</a:t>
+              <a:t>2021-07-07</a:t>
             </a:fld>
             <a:endParaRPr lang="ko-KR" altLang="en-US"/>
           </a:p>
@@ -1492,7 +2525,7 @@
           <a:p>
             <a:fld id="{11CF987C-FD17-4394-9A4F-BE2D66BE4DDF}" type="datetimeFigureOut">
               <a:rPr lang="ko-KR" altLang="en-US" smtClean="0"/>
-              <a:t>2021-07-06</a:t>
+              <a:t>2021-07-07</a:t>
             </a:fld>
             <a:endParaRPr lang="ko-KR" altLang="en-US"/>
           </a:p>
@@ -1853,7 +2886,7 @@
           <a:p>
             <a:fld id="{11CF987C-FD17-4394-9A4F-BE2D66BE4DDF}" type="datetimeFigureOut">
               <a:rPr lang="ko-KR" altLang="en-US" smtClean="0"/>
-              <a:t>2021-07-06</a:t>
+              <a:t>2021-07-07</a:t>
             </a:fld>
             <a:endParaRPr lang="ko-KR" altLang="en-US"/>
           </a:p>
@@ -2085,7 +3118,7 @@
           <a:p>
             <a:fld id="{11CF987C-FD17-4394-9A4F-BE2D66BE4DDF}" type="datetimeFigureOut">
               <a:rPr lang="ko-KR" altLang="en-US" smtClean="0"/>
-              <a:t>2021-07-06</a:t>
+              <a:t>2021-07-07</a:t>
             </a:fld>
             <a:endParaRPr lang="ko-KR" altLang="en-US"/>
           </a:p>
@@ -2452,7 +3485,7 @@
           <a:p>
             <a:fld id="{11CF987C-FD17-4394-9A4F-BE2D66BE4DDF}" type="datetimeFigureOut">
               <a:rPr lang="ko-KR" altLang="en-US" smtClean="0"/>
-              <a:t>2021-07-06</a:t>
+              <a:t>2021-07-07</a:t>
             </a:fld>
             <a:endParaRPr lang="ko-KR" altLang="en-US"/>
           </a:p>
@@ -2570,7 +3603,7 @@
           <a:p>
             <a:fld id="{11CF987C-FD17-4394-9A4F-BE2D66BE4DDF}" type="datetimeFigureOut">
               <a:rPr lang="ko-KR" altLang="en-US" smtClean="0"/>
-              <a:t>2021-07-06</a:t>
+              <a:t>2021-07-07</a:t>
             </a:fld>
             <a:endParaRPr lang="ko-KR" altLang="en-US"/>
           </a:p>
@@ -2665,7 +3698,7 @@
           <a:p>
             <a:fld id="{11CF987C-FD17-4394-9A4F-BE2D66BE4DDF}" type="datetimeFigureOut">
               <a:rPr lang="ko-KR" altLang="en-US" smtClean="0"/>
-              <a:t>2021-07-06</a:t>
+              <a:t>2021-07-07</a:t>
             </a:fld>
             <a:endParaRPr lang="ko-KR" altLang="en-US"/>
           </a:p>
@@ -2942,7 +3975,7 @@
           <a:p>
             <a:fld id="{11CF987C-FD17-4394-9A4F-BE2D66BE4DDF}" type="datetimeFigureOut">
               <a:rPr lang="ko-KR" altLang="en-US" smtClean="0"/>
-              <a:t>2021-07-06</a:t>
+              <a:t>2021-07-07</a:t>
             </a:fld>
             <a:endParaRPr lang="ko-KR" altLang="en-US"/>
           </a:p>
@@ -3199,7 +4232,7 @@
           <a:p>
             <a:fld id="{11CF987C-FD17-4394-9A4F-BE2D66BE4DDF}" type="datetimeFigureOut">
               <a:rPr lang="ko-KR" altLang="en-US" smtClean="0"/>
-              <a:t>2021-07-06</a:t>
+              <a:t>2021-07-07</a:t>
             </a:fld>
             <a:endParaRPr lang="ko-KR" altLang="en-US"/>
           </a:p>
@@ -3438,7 +4471,7 @@
           <a:p>
             <a:fld id="{11CF987C-FD17-4394-9A4F-BE2D66BE4DDF}" type="datetimeFigureOut">
               <a:rPr lang="ko-KR" altLang="en-US" smtClean="0"/>
-              <a:t>2021-07-06</a:t>
+              <a:t>2021-07-07</a:t>
             </a:fld>
             <a:endParaRPr lang="ko-KR" altLang="en-US"/>
           </a:p>
@@ -4248,7 +5281,7 @@
           <p:nvPr/>
         </p:nvPicPr>
         <p:blipFill>
-          <a:blip r:embed="rId2"/>
+          <a:blip r:embed="rId3"/>
           <a:stretch>
             <a:fillRect/>
           </a:stretch>

--- a/SNUH 심포지엄-유일한.pptx
+++ b/SNUH 심포지엄-유일한.pptx
@@ -5,16 +5,17 @@
     <p:sldMasterId id="2147483660" r:id="rId1"/>
   </p:sldMasterIdLst>
   <p:notesMasterIdLst>
-    <p:notesMasterId r:id="rId9"/>
+    <p:notesMasterId r:id="rId10"/>
   </p:notesMasterIdLst>
   <p:sldIdLst>
     <p:sldId id="256" r:id="rId2"/>
     <p:sldId id="257" r:id="rId3"/>
     <p:sldId id="258" r:id="rId4"/>
-    <p:sldId id="259" r:id="rId5"/>
-    <p:sldId id="262" r:id="rId6"/>
-    <p:sldId id="260" r:id="rId7"/>
-    <p:sldId id="261" r:id="rId8"/>
+    <p:sldId id="263" r:id="rId5"/>
+    <p:sldId id="259" r:id="rId6"/>
+    <p:sldId id="262" r:id="rId7"/>
+    <p:sldId id="260" r:id="rId8"/>
+    <p:sldId id="261" r:id="rId9"/>
   </p:sldIdLst>
   <p:sldSz cx="12192000" cy="6858000"/>
   <p:notesSz cx="6858000" cy="9144000"/>
@@ -203,7 +204,7 @@
           <a:p>
             <a:fld id="{E8FBBB6A-BE53-4BF0-B17E-892FAA57C2D4}" type="datetimeFigureOut">
               <a:rPr lang="ko-KR" altLang="en-US" smtClean="0"/>
-              <a:t>2021-07-07</a:t>
+              <a:t>2021-07-12</a:t>
             </a:fld>
             <a:endParaRPr lang="ko-KR" altLang="en-US"/>
           </a:p>
@@ -593,7 +594,126 @@
             </a:r>
             <a:r>
               <a:rPr lang="en-US" altLang="ko-KR" dirty="0" smtClean="0"/>
-              <a:t>. ALS</a:t>
+              <a:t>. </a:t>
+            </a:r>
+            <a:r>
+              <a:rPr lang="ko-KR" altLang="en-US" dirty="0" smtClean="0"/>
+              <a:t>기존의 다른 연구에서 </a:t>
+            </a:r>
+            <a:r>
+              <a:rPr lang="en-US" altLang="ko-KR" dirty="0" smtClean="0"/>
+              <a:t>clinical factor</a:t>
+            </a:r>
+            <a:r>
+              <a:rPr lang="ko-KR" altLang="en-US" dirty="0" smtClean="0"/>
+              <a:t>를 이용하여 </a:t>
+            </a:r>
+            <a:r>
+              <a:rPr lang="en-US" altLang="ko-KR" dirty="0" smtClean="0"/>
+              <a:t>phenotypic</a:t>
+            </a:r>
+            <a:r>
+              <a:rPr lang="en-US" altLang="ko-KR" baseline="0" dirty="0" smtClean="0"/>
+              <a:t> classification</a:t>
+            </a:r>
+            <a:r>
+              <a:rPr lang="ko-KR" altLang="en-US" baseline="0" dirty="0" smtClean="0"/>
+              <a:t>을 하고 </a:t>
+            </a:r>
+            <a:r>
+              <a:rPr lang="en-US" altLang="ko-KR" baseline="0" dirty="0" smtClean="0"/>
+              <a:t>survival</a:t>
+            </a:r>
+            <a:r>
+              <a:rPr lang="ko-KR" altLang="en-US" baseline="0" dirty="0" smtClean="0"/>
+              <a:t>을 </a:t>
+            </a:r>
+            <a:r>
+              <a:rPr lang="en-US" altLang="ko-KR" baseline="0" dirty="0" smtClean="0"/>
+              <a:t>prediction</a:t>
+            </a:r>
+            <a:r>
+              <a:rPr lang="ko-KR" altLang="en-US" baseline="0" dirty="0" smtClean="0"/>
+              <a:t>하는 </a:t>
+            </a:r>
+            <a:r>
+              <a:rPr lang="en-US" altLang="ko-KR" baseline="0" dirty="0" smtClean="0"/>
+              <a:t>model</a:t>
+            </a:r>
+            <a:r>
+              <a:rPr lang="ko-KR" altLang="en-US" baseline="0" dirty="0" smtClean="0"/>
+              <a:t>이 있었으나 </a:t>
+            </a:r>
+            <a:r>
+              <a:rPr lang="en-US" altLang="ko-KR" baseline="0" dirty="0" smtClean="0"/>
+              <a:t>milestone</a:t>
+            </a:r>
+            <a:r>
+              <a:rPr lang="ko-KR" altLang="en-US" baseline="0" dirty="0" smtClean="0"/>
+              <a:t>이 없어 </a:t>
+            </a:r>
+            <a:r>
+              <a:rPr lang="en-US" altLang="ko-KR" baseline="0" dirty="0" smtClean="0"/>
+              <a:t>stage</a:t>
+            </a:r>
+            <a:r>
+              <a:rPr lang="ko-KR" altLang="en-US" baseline="0" dirty="0" smtClean="0"/>
+              <a:t>를 위한 기준이 없는 한계가 있었습니다</a:t>
+            </a:r>
+            <a:r>
+              <a:rPr lang="en-US" altLang="ko-KR" baseline="0" dirty="0" smtClean="0"/>
+              <a:t>. </a:t>
+            </a:r>
+            <a:r>
+              <a:rPr lang="ko-KR" altLang="en-US" baseline="0" dirty="0" smtClean="0"/>
+              <a:t>환자의 관리</a:t>
+            </a:r>
+            <a:r>
+              <a:rPr lang="en-US" altLang="ko-KR" baseline="0" dirty="0" smtClean="0"/>
+              <a:t>, </a:t>
+            </a:r>
+            <a:r>
+              <a:rPr lang="ko-KR" altLang="en-US" baseline="0" dirty="0" smtClean="0"/>
+              <a:t>자원배분</a:t>
+            </a:r>
+            <a:r>
+              <a:rPr lang="en-US" altLang="ko-KR" baseline="0" dirty="0" smtClean="0"/>
+              <a:t>, </a:t>
+            </a:r>
+            <a:r>
+              <a:rPr lang="ko-KR" altLang="en-US" baseline="0" dirty="0" smtClean="0"/>
+              <a:t>연구의 설계</a:t>
+            </a:r>
+            <a:r>
+              <a:rPr lang="en-US" altLang="ko-KR" baseline="0" dirty="0" smtClean="0"/>
+              <a:t>, </a:t>
+            </a:r>
+            <a:r>
+              <a:rPr lang="ko-KR" altLang="en-US" baseline="0" dirty="0" smtClean="0"/>
+              <a:t>연구의 분류를 위해서는 </a:t>
+            </a:r>
+            <a:r>
+              <a:rPr lang="en-US" altLang="ko-KR" baseline="0" dirty="0" smtClean="0"/>
+              <a:t>stage</a:t>
+            </a:r>
+            <a:r>
+              <a:rPr lang="ko-KR" altLang="en-US" baseline="0" dirty="0" smtClean="0"/>
+              <a:t> 체계가 필요합니다</a:t>
+            </a:r>
+            <a:r>
+              <a:rPr lang="en-US" altLang="ko-KR" baseline="0" dirty="0" smtClean="0"/>
+              <a:t>. </a:t>
+            </a:r>
+            <a:r>
+              <a:rPr lang="ko-KR" altLang="en-US" baseline="0" dirty="0" smtClean="0"/>
+              <a:t> </a:t>
+            </a:r>
+            <a:endParaRPr lang="en-US" altLang="ko-KR" dirty="0" smtClean="0"/>
+          </a:p>
+          <a:p>
+            <a:r>
+              <a:rPr lang="en-US" altLang="ko-KR" dirty="0" smtClean="0"/>
+              <a:t>ALS</a:t>
             </a:r>
             <a:r>
               <a:rPr lang="ko-KR" altLang="en-US" dirty="0" smtClean="0"/>
@@ -652,8 +772,8 @@
               <a:t> system, Milano-Torino staging </a:t>
             </a:r>
             <a:r>
-              <a:rPr lang="en-US" altLang="ko-KR" baseline="0" dirty="0" err="1" smtClean="0"/>
-              <a:t>sysytem</a:t>
+              <a:rPr lang="en-US" altLang="ko-KR" baseline="0" dirty="0" smtClean="0"/>
+              <a:t>system</a:t>
             </a:r>
             <a:r>
               <a:rPr lang="ko-KR" altLang="en-US" baseline="0" dirty="0" smtClean="0"/>
@@ -749,7 +869,546 @@
           <a:p>
             <a:r>
               <a:rPr lang="en-US" altLang="ko-KR" dirty="0" smtClean="0"/>
-              <a:t>Stage 1</a:t>
+              <a:t>1993~2007</a:t>
+            </a:r>
+            <a:r>
+              <a:rPr lang="ko-KR" altLang="en-US" dirty="0" smtClean="0"/>
+              <a:t>년 </a:t>
+            </a:r>
+            <a:r>
+              <a:rPr lang="en-US" altLang="ko-KR" dirty="0" smtClean="0"/>
+              <a:t>1471</a:t>
+            </a:r>
+            <a:r>
+              <a:rPr lang="ko-KR" altLang="en-US" dirty="0" smtClean="0"/>
+              <a:t>명</a:t>
+            </a:r>
+            <a:r>
+              <a:rPr lang="ko-KR" altLang="en-US" baseline="0" dirty="0" smtClean="0"/>
+              <a:t> 중 인지기능이상이 없는 </a:t>
+            </a:r>
+            <a:r>
+              <a:rPr lang="en-US" altLang="ko-KR" baseline="0" dirty="0" smtClean="0"/>
+              <a:t>1459</a:t>
+            </a:r>
+            <a:r>
+              <a:rPr lang="ko-KR" altLang="en-US" baseline="0" dirty="0" smtClean="0"/>
+              <a:t>명 대상</a:t>
+            </a:r>
+            <a:r>
+              <a:rPr lang="en-US" altLang="ko-KR" baseline="0" dirty="0" smtClean="0"/>
+              <a:t>.</a:t>
+            </a:r>
+            <a:r>
+              <a:rPr lang="en-US" altLang="ko-KR" dirty="0" smtClean="0"/>
+              <a:t> Bulbar onset 371(25%), limb onset 1088(75%), </a:t>
+            </a:r>
+            <a:r>
+              <a:rPr lang="ko-KR" altLang="en-US" dirty="0" smtClean="0"/>
+              <a:t>남자 </a:t>
+            </a:r>
+            <a:r>
+              <a:rPr lang="en-US" altLang="ko-KR" dirty="0" smtClean="0"/>
+              <a:t>892(61%), </a:t>
+            </a:r>
+            <a:r>
+              <a:rPr lang="ko-KR" altLang="en-US" dirty="0" smtClean="0"/>
+              <a:t>여자 </a:t>
+            </a:r>
+            <a:r>
+              <a:rPr lang="en-US" altLang="ko-KR" dirty="0" smtClean="0"/>
+              <a:t>577 (39%), onset</a:t>
+            </a:r>
+            <a:r>
+              <a:rPr lang="ko-KR" altLang="en-US" dirty="0" smtClean="0"/>
+              <a:t>시점 평균나이 </a:t>
+            </a:r>
+            <a:r>
+              <a:rPr lang="en-US" altLang="ko-KR" dirty="0" smtClean="0"/>
+              <a:t>57</a:t>
+            </a:r>
+            <a:r>
+              <a:rPr lang="ko-KR" altLang="en-US" dirty="0" smtClean="0"/>
+              <a:t>세</a:t>
+            </a:r>
+            <a:r>
+              <a:rPr lang="en-US" altLang="ko-KR" dirty="0" smtClean="0"/>
+              <a:t>, </a:t>
+            </a:r>
+            <a:r>
+              <a:rPr lang="ko-KR" altLang="en-US" dirty="0" smtClean="0"/>
+              <a:t>생존기간의 </a:t>
+            </a:r>
+            <a:r>
+              <a:rPr lang="en-US" altLang="ko-KR" dirty="0" smtClean="0"/>
+              <a:t>median</a:t>
+            </a:r>
+            <a:r>
+              <a:rPr lang="ko-KR" altLang="en-US" dirty="0" smtClean="0"/>
+              <a:t>값은 </a:t>
+            </a:r>
+            <a:r>
+              <a:rPr lang="en-US" altLang="ko-KR" dirty="0" smtClean="0"/>
+              <a:t>42.3</a:t>
+            </a:r>
+            <a:r>
+              <a:rPr lang="ko-KR" altLang="en-US" dirty="0" smtClean="0"/>
+              <a:t>개월</a:t>
+            </a:r>
+            <a:r>
+              <a:rPr lang="en-US" altLang="ko-KR" dirty="0" smtClean="0"/>
+              <a:t>, limb onset</a:t>
+            </a:r>
+            <a:r>
+              <a:rPr lang="ko-KR" altLang="en-US" dirty="0" smtClean="0"/>
+              <a:t>은 </a:t>
+            </a:r>
+            <a:r>
+              <a:rPr lang="en-US" altLang="ko-KR" dirty="0" smtClean="0"/>
+              <a:t>48</a:t>
+            </a:r>
+            <a:r>
+              <a:rPr lang="ko-KR" altLang="en-US" dirty="0" smtClean="0"/>
+              <a:t>개월</a:t>
+            </a:r>
+            <a:r>
+              <a:rPr lang="en-US" altLang="ko-KR" dirty="0" smtClean="0"/>
+              <a:t>, bulbar</a:t>
+            </a:r>
+            <a:r>
+              <a:rPr lang="en-US" altLang="ko-KR" baseline="0" dirty="0" smtClean="0"/>
+              <a:t> onset</a:t>
+            </a:r>
+            <a:r>
+              <a:rPr lang="ko-KR" altLang="en-US" baseline="0" dirty="0" smtClean="0"/>
+              <a:t>은 </a:t>
+            </a:r>
+            <a:r>
+              <a:rPr lang="en-US" altLang="ko-KR" baseline="0" dirty="0" smtClean="0"/>
+              <a:t>30</a:t>
+            </a:r>
+            <a:r>
+              <a:rPr lang="ko-KR" altLang="en-US" baseline="0" dirty="0" smtClean="0"/>
+              <a:t>개월</a:t>
+            </a:r>
+            <a:r>
+              <a:rPr lang="en-US" altLang="ko-KR" baseline="0" dirty="0" smtClean="0"/>
+              <a:t>. f/u</a:t>
+            </a:r>
+            <a:r>
+              <a:rPr lang="ko-KR" altLang="en-US" baseline="0" dirty="0" smtClean="0"/>
+              <a:t>이 </a:t>
+            </a:r>
+            <a:r>
+              <a:rPr lang="ko-KR" altLang="en-US" baseline="0" dirty="0" err="1" smtClean="0"/>
+              <a:t>끝날때</a:t>
+            </a:r>
+            <a:r>
+              <a:rPr lang="ko-KR" altLang="en-US" baseline="0" dirty="0" smtClean="0"/>
+              <a:t> 사망한 환자가 </a:t>
+            </a:r>
+            <a:r>
+              <a:rPr lang="en-US" altLang="ko-KR" baseline="0" dirty="0" smtClean="0"/>
+              <a:t>1067</a:t>
+            </a:r>
+            <a:r>
+              <a:rPr lang="ko-KR" altLang="en-US" baseline="0" dirty="0" smtClean="0"/>
+              <a:t>명</a:t>
+            </a:r>
+            <a:r>
+              <a:rPr lang="en-US" altLang="ko-KR" baseline="0" dirty="0" smtClean="0"/>
+              <a:t>. (bulbar 295, limb 772</a:t>
+            </a:r>
+            <a:r>
+              <a:rPr lang="ko-KR" altLang="en-US" baseline="0" dirty="0" smtClean="0"/>
+              <a:t>명</a:t>
+            </a:r>
+            <a:r>
+              <a:rPr lang="en-US" altLang="ko-KR" baseline="0" dirty="0" smtClean="0"/>
+              <a:t>) </a:t>
+            </a:r>
+            <a:r>
+              <a:rPr lang="ko-KR" altLang="en-US" baseline="0" dirty="0" smtClean="0"/>
+              <a:t>나머지 중 </a:t>
+            </a:r>
+            <a:r>
+              <a:rPr lang="en-US" altLang="ko-KR" baseline="0" dirty="0" smtClean="0"/>
+              <a:t>f/u loss</a:t>
+            </a:r>
+            <a:r>
+              <a:rPr lang="ko-KR" altLang="en-US" baseline="0" dirty="0" smtClean="0"/>
+              <a:t>가 아닌 </a:t>
+            </a:r>
+            <a:r>
+              <a:rPr lang="en-US" altLang="ko-KR" baseline="0" dirty="0" smtClean="0"/>
+              <a:t>238</a:t>
+            </a:r>
+            <a:r>
+              <a:rPr lang="ko-KR" altLang="en-US" baseline="0" dirty="0" smtClean="0"/>
+              <a:t>명은 사망하지 않아 </a:t>
+            </a:r>
+            <a:r>
+              <a:rPr lang="en-US" altLang="ko-KR" baseline="0" dirty="0" smtClean="0"/>
+              <a:t>disease duration</a:t>
+            </a:r>
+            <a:r>
+              <a:rPr lang="ko-KR" altLang="en-US" baseline="0" dirty="0" smtClean="0"/>
+              <a:t>에 의한 비율을 구한 </a:t>
+            </a:r>
+            <a:r>
+              <a:rPr lang="en-US" altLang="ko-KR" baseline="0" dirty="0" smtClean="0"/>
+              <a:t>milestone</a:t>
+            </a:r>
+            <a:r>
+              <a:rPr lang="ko-KR" altLang="en-US" baseline="0" dirty="0" smtClean="0"/>
+              <a:t>은 없음</a:t>
+            </a:r>
+            <a:r>
+              <a:rPr lang="en-US" altLang="ko-KR" baseline="0" dirty="0" smtClean="0"/>
+              <a:t>. </a:t>
+            </a:r>
+            <a:r>
+              <a:rPr lang="ko-KR" altLang="en-US" baseline="0" dirty="0" smtClean="0"/>
+              <a:t>사망한 환자의 </a:t>
+            </a:r>
+            <a:r>
+              <a:rPr lang="en-US" altLang="ko-KR" baseline="0" dirty="0" smtClean="0"/>
+              <a:t>onset</a:t>
+            </a:r>
+            <a:r>
+              <a:rPr lang="ko-KR" altLang="en-US" baseline="0" dirty="0" smtClean="0"/>
+              <a:t>나이 중앙값은 </a:t>
+            </a:r>
+            <a:r>
+              <a:rPr lang="en-US" altLang="ko-KR" baseline="0" dirty="0" smtClean="0"/>
+              <a:t>60</a:t>
+            </a:r>
+            <a:r>
+              <a:rPr lang="ko-KR" altLang="en-US" baseline="0" dirty="0" smtClean="0"/>
+              <a:t>세</a:t>
+            </a:r>
+            <a:r>
+              <a:rPr lang="en-US" altLang="ko-KR" baseline="0" dirty="0" smtClean="0"/>
+              <a:t>, </a:t>
+            </a:r>
+            <a:r>
+              <a:rPr lang="ko-KR" altLang="en-US" baseline="0" dirty="0" smtClean="0"/>
+              <a:t>생존한 환자는 </a:t>
+            </a:r>
+            <a:r>
+              <a:rPr lang="en-US" altLang="ko-KR" baseline="0" dirty="0" smtClean="0"/>
+              <a:t>54</a:t>
+            </a:r>
+            <a:r>
+              <a:rPr lang="ko-KR" altLang="en-US" baseline="0" dirty="0" smtClean="0"/>
+              <a:t>세</a:t>
+            </a:r>
+            <a:r>
+              <a:rPr lang="en-US" altLang="ko-KR" baseline="0" dirty="0" smtClean="0"/>
+              <a:t>. </a:t>
+            </a:r>
+            <a:r>
+              <a:rPr lang="ko-KR" altLang="en-US" baseline="0" dirty="0" smtClean="0"/>
+              <a:t>죽은 환자는 진단까지 지연된 기간의 중앙값이 </a:t>
+            </a:r>
+            <a:r>
+              <a:rPr lang="en-US" altLang="ko-KR" baseline="0" dirty="0" smtClean="0"/>
+              <a:t>11</a:t>
+            </a:r>
+            <a:r>
+              <a:rPr lang="ko-KR" altLang="en-US" baseline="0" dirty="0" smtClean="0"/>
+              <a:t>개월</a:t>
+            </a:r>
+            <a:r>
+              <a:rPr lang="en-US" altLang="ko-KR" baseline="0" dirty="0" smtClean="0"/>
+              <a:t>, </a:t>
+            </a:r>
+            <a:r>
+              <a:rPr lang="ko-KR" altLang="en-US" baseline="0" dirty="0" smtClean="0"/>
+              <a:t>생존한 환자는 </a:t>
+            </a:r>
+            <a:r>
+              <a:rPr lang="en-US" altLang="ko-KR" baseline="0" dirty="0" smtClean="0"/>
+              <a:t>16</a:t>
+            </a:r>
+            <a:r>
+              <a:rPr lang="ko-KR" altLang="en-US" baseline="0" dirty="0" smtClean="0"/>
+              <a:t>개월</a:t>
+            </a:r>
+            <a:r>
+              <a:rPr lang="en-US" altLang="ko-KR" baseline="0" dirty="0" smtClean="0"/>
+              <a:t>. </a:t>
+            </a:r>
+            <a:endParaRPr lang="en-US" altLang="ko-KR" dirty="0" smtClean="0"/>
+          </a:p>
+          <a:p>
+            <a:endParaRPr lang="en-US" altLang="ko-KR" dirty="0" smtClean="0"/>
+          </a:p>
+          <a:p>
+            <a:r>
+              <a:rPr lang="en-US" altLang="ko-KR" dirty="0" smtClean="0"/>
+              <a:t>Revised</a:t>
+            </a:r>
+            <a:r>
+              <a:rPr lang="en-US" altLang="ko-KR" baseline="0" dirty="0" smtClean="0"/>
+              <a:t> El Escorial-Airlie House criteria</a:t>
+            </a:r>
+            <a:r>
+              <a:rPr lang="ko-KR" altLang="en-US" baseline="0" dirty="0" smtClean="0"/>
+              <a:t>기준으로 </a:t>
+            </a:r>
+            <a:r>
+              <a:rPr lang="en-US" altLang="ko-KR" baseline="0" dirty="0" smtClean="0"/>
+              <a:t>ALS</a:t>
+            </a:r>
+            <a:r>
+              <a:rPr lang="ko-KR" altLang="en-US" baseline="0" dirty="0" smtClean="0"/>
+              <a:t>의 기준에 맞는 환자</a:t>
+            </a:r>
+            <a:r>
+              <a:rPr lang="en-US" altLang="ko-KR" baseline="0" dirty="0" smtClean="0"/>
+              <a:t>, pure lower motor neuron syndrome, pure upper motor neuron syndrome</a:t>
+            </a:r>
+            <a:r>
+              <a:rPr lang="ko-KR" altLang="en-US" baseline="0" dirty="0" smtClean="0"/>
+              <a:t>환자를 포함하였고 </a:t>
+            </a:r>
+            <a:r>
+              <a:rPr lang="en-US" altLang="ko-KR" baseline="0" dirty="0" smtClean="0"/>
+              <a:t>onset</a:t>
+            </a:r>
+            <a:r>
+              <a:rPr lang="ko-KR" altLang="en-US" baseline="0" dirty="0" smtClean="0"/>
+              <a:t>시점에 </a:t>
+            </a:r>
+            <a:r>
+              <a:rPr lang="en-US" altLang="ko-KR" baseline="0" dirty="0" smtClean="0"/>
+              <a:t>dementia</a:t>
+            </a:r>
+            <a:r>
+              <a:rPr lang="ko-KR" altLang="en-US" baseline="0" dirty="0" smtClean="0"/>
+              <a:t>가 있는 환자는 제외하였습니다</a:t>
+            </a:r>
+            <a:r>
+              <a:rPr lang="en-US" altLang="ko-KR" baseline="0" dirty="0" smtClean="0"/>
+              <a:t>. (</a:t>
+            </a:r>
+            <a:r>
+              <a:rPr lang="en-US" altLang="ko-KR" baseline="0" dirty="0" err="1" smtClean="0"/>
+              <a:t>riluzole</a:t>
+            </a:r>
+            <a:r>
+              <a:rPr lang="ko-KR" altLang="en-US" baseline="0" dirty="0" smtClean="0"/>
+              <a:t>을 </a:t>
+            </a:r>
+            <a:r>
+              <a:rPr lang="en-US" altLang="ko-KR" baseline="0" dirty="0" smtClean="0"/>
+              <a:t>2</a:t>
+            </a:r>
+            <a:r>
+              <a:rPr lang="ko-KR" altLang="en-US" baseline="0" dirty="0" err="1" smtClean="0"/>
+              <a:t>주이상</a:t>
+            </a:r>
+            <a:r>
+              <a:rPr lang="ko-KR" altLang="en-US" baseline="0" dirty="0" smtClean="0"/>
+              <a:t> 사용한 환자도 기록했습니다</a:t>
+            </a:r>
+            <a:r>
+              <a:rPr lang="en-US" altLang="ko-KR" baseline="0" dirty="0" smtClean="0"/>
+              <a:t>.)</a:t>
+            </a:r>
+            <a:endParaRPr lang="en-US" altLang="ko-KR" dirty="0" smtClean="0"/>
+          </a:p>
+          <a:p>
+            <a:r>
+              <a:rPr lang="en-US" altLang="ko-KR" dirty="0" smtClean="0"/>
+              <a:t> Milestone</a:t>
+            </a:r>
+            <a:r>
+              <a:rPr lang="ko-KR" altLang="en-US" dirty="0" smtClean="0"/>
+              <a:t>은 </a:t>
+            </a:r>
+            <a:r>
+              <a:rPr lang="en-US" altLang="ko-KR" dirty="0" smtClean="0"/>
+              <a:t>bulbar,</a:t>
+            </a:r>
+            <a:r>
+              <a:rPr lang="en-US" altLang="ko-KR" baseline="0" dirty="0" smtClean="0"/>
+              <a:t> upper limb, lower limb, diaphragm</a:t>
+            </a:r>
+            <a:r>
+              <a:rPr lang="ko-KR" altLang="en-US" baseline="0" dirty="0" smtClean="0"/>
+              <a:t>의 기능이상으로 인한</a:t>
+            </a:r>
+            <a:r>
+              <a:rPr lang="ko-KR" altLang="en-US" dirty="0" smtClean="0"/>
+              <a:t> </a:t>
+            </a:r>
+            <a:r>
+              <a:rPr lang="en-US" altLang="ko-KR" dirty="0" smtClean="0"/>
+              <a:t>weakness,</a:t>
+            </a:r>
+            <a:r>
+              <a:rPr lang="en-US" altLang="ko-KR" baseline="0" dirty="0" smtClean="0"/>
+              <a:t> wasting, spasticity, dysarthria, dysphagia</a:t>
+            </a:r>
+            <a:r>
+              <a:rPr lang="ko-KR" altLang="en-US" baseline="0" dirty="0" smtClean="0"/>
+              <a:t>와 같은 증상이 발생하는 시점</a:t>
+            </a:r>
+            <a:r>
+              <a:rPr lang="en-US" altLang="ko-KR" baseline="0" dirty="0" smtClean="0"/>
+              <a:t>, </a:t>
+            </a:r>
+            <a:r>
+              <a:rPr lang="ko-KR" altLang="en-US" baseline="0" dirty="0" smtClean="0"/>
+              <a:t>진단된 시점</a:t>
+            </a:r>
+            <a:r>
+              <a:rPr lang="en-US" altLang="ko-KR" baseline="0" dirty="0" smtClean="0"/>
+              <a:t>, 2</a:t>
+            </a:r>
+            <a:r>
+              <a:rPr lang="ko-KR" altLang="en-US" baseline="0" dirty="0" smtClean="0"/>
+              <a:t>번째</a:t>
+            </a:r>
+            <a:r>
+              <a:rPr lang="en-US" altLang="ko-KR" baseline="0" dirty="0" smtClean="0"/>
+              <a:t>, 3</a:t>
+            </a:r>
+            <a:r>
+              <a:rPr lang="ko-KR" altLang="en-US" baseline="0" dirty="0" smtClean="0"/>
+              <a:t>번째 </a:t>
+            </a:r>
+            <a:r>
+              <a:rPr lang="en-US" altLang="ko-KR" baseline="0" dirty="0" smtClean="0"/>
+              <a:t>region</a:t>
+            </a:r>
+            <a:r>
+              <a:rPr lang="ko-KR" altLang="en-US" baseline="0" dirty="0" smtClean="0"/>
+              <a:t>이 기능장애를 보이는 시점</a:t>
+            </a:r>
+            <a:r>
+              <a:rPr lang="en-US" altLang="ko-KR" baseline="0" dirty="0" smtClean="0"/>
+              <a:t>, gastrostomy</a:t>
+            </a:r>
+            <a:r>
+              <a:rPr lang="ko-KR" altLang="en-US" baseline="0" dirty="0" smtClean="0"/>
+              <a:t>와 </a:t>
+            </a:r>
+            <a:r>
+              <a:rPr lang="en-US" altLang="ko-KR" baseline="0" dirty="0" smtClean="0"/>
+              <a:t>non </a:t>
+            </a:r>
+            <a:r>
+              <a:rPr lang="en-US" altLang="ko-KR" baseline="0" dirty="0" err="1" smtClean="0"/>
+              <a:t>invasivae</a:t>
+            </a:r>
+            <a:r>
+              <a:rPr lang="en-US" altLang="ko-KR" baseline="0" dirty="0" smtClean="0"/>
+              <a:t> ventilation</a:t>
+            </a:r>
+            <a:r>
+              <a:rPr lang="ko-KR" altLang="en-US" baseline="0" dirty="0" smtClean="0"/>
+              <a:t>이 필요한 시점으로 정했습니다</a:t>
+            </a:r>
+            <a:r>
+              <a:rPr lang="en-US" altLang="ko-KR" baseline="0" dirty="0" smtClean="0"/>
+              <a:t>. Milestone timing</a:t>
+            </a:r>
+            <a:r>
+              <a:rPr lang="ko-KR" altLang="en-US" baseline="0" dirty="0" smtClean="0"/>
+              <a:t>은 각 </a:t>
+            </a:r>
+            <a:r>
+              <a:rPr lang="en-US" altLang="ko-KR" baseline="0" dirty="0" smtClean="0"/>
+              <a:t>mile stone</a:t>
+            </a:r>
+            <a:r>
+              <a:rPr lang="ko-KR" altLang="en-US" baseline="0" dirty="0" smtClean="0"/>
+              <a:t>까지의 </a:t>
+            </a:r>
+            <a:r>
+              <a:rPr lang="ko-KR" altLang="en-US" baseline="0" dirty="0" err="1" smtClean="0"/>
+              <a:t>경과시간을</a:t>
+            </a:r>
+            <a:r>
+              <a:rPr lang="ko-KR" altLang="en-US" baseline="0" dirty="0" smtClean="0"/>
+              <a:t> </a:t>
+            </a:r>
+            <a:r>
+              <a:rPr lang="ko-KR" altLang="en-US" baseline="0" dirty="0" err="1" smtClean="0"/>
+              <a:t>사망할때까지의</a:t>
+            </a:r>
+            <a:r>
+              <a:rPr lang="ko-KR" altLang="en-US" baseline="0" dirty="0" smtClean="0"/>
+              <a:t> 전체기간으로 나눈 비율로 표준화 하였고 진단은 </a:t>
+            </a:r>
+            <a:r>
+              <a:rPr lang="en-US" altLang="ko-KR" baseline="0" dirty="0" smtClean="0"/>
+              <a:t>35%</a:t>
+            </a:r>
+            <a:r>
+              <a:rPr lang="ko-KR" altLang="en-US" baseline="0" dirty="0" smtClean="0"/>
+              <a:t>시점</a:t>
+            </a:r>
+            <a:r>
+              <a:rPr lang="en-US" altLang="ko-KR" baseline="0" dirty="0" smtClean="0"/>
+              <a:t>, </a:t>
+            </a:r>
+            <a:r>
+              <a:rPr lang="ko-KR" altLang="en-US" baseline="0" dirty="0" smtClean="0"/>
+              <a:t>두번째 분절이 영향을 받은 시점은 </a:t>
+            </a:r>
+            <a:r>
+              <a:rPr lang="en-US" altLang="ko-KR" baseline="0" dirty="0" smtClean="0"/>
+              <a:t>38%, 3</a:t>
+            </a:r>
+            <a:r>
+              <a:rPr lang="ko-KR" altLang="en-US" baseline="0" dirty="0" smtClean="0"/>
+              <a:t>번째는 </a:t>
+            </a:r>
+            <a:r>
+              <a:rPr lang="en-US" altLang="ko-KR" baseline="0" dirty="0" smtClean="0"/>
+              <a:t>61%, gastrostomy</a:t>
+            </a:r>
+            <a:r>
+              <a:rPr lang="ko-KR" altLang="en-US" baseline="0" dirty="0" smtClean="0"/>
+              <a:t>가 필요한 시점은 </a:t>
+            </a:r>
+            <a:r>
+              <a:rPr lang="en-US" altLang="ko-KR" baseline="0" dirty="0" smtClean="0"/>
+              <a:t>77%, NIV</a:t>
+            </a:r>
+            <a:r>
+              <a:rPr lang="ko-KR" altLang="en-US" baseline="0" dirty="0" smtClean="0"/>
+              <a:t>가 필요한 시점은 </a:t>
+            </a:r>
+            <a:r>
+              <a:rPr lang="en-US" altLang="ko-KR" baseline="0" dirty="0" smtClean="0"/>
+              <a:t>80%</a:t>
+            </a:r>
+            <a:r>
+              <a:rPr lang="ko-KR" altLang="en-US" baseline="0" dirty="0" smtClean="0"/>
+              <a:t>였습니다</a:t>
+            </a:r>
+            <a:r>
+              <a:rPr lang="en-US" altLang="ko-KR" baseline="0" dirty="0" smtClean="0"/>
+              <a:t>. </a:t>
+            </a:r>
+            <a:endParaRPr lang="en-US" altLang="ko-KR" dirty="0" smtClean="0"/>
+          </a:p>
+          <a:p>
+            <a:endParaRPr lang="en-US" altLang="ko-KR" dirty="0" smtClean="0"/>
+          </a:p>
+          <a:p>
+            <a:r>
+              <a:rPr lang="en-US" altLang="ko-KR" dirty="0" smtClean="0"/>
+              <a:t>Stage </a:t>
+            </a:r>
+            <a:r>
+              <a:rPr lang="en-US" altLang="ko-KR" dirty="0" smtClean="0"/>
+              <a:t>1</a:t>
             </a:r>
             <a:r>
               <a:rPr lang="ko-KR" altLang="en-US" dirty="0" smtClean="0"/>
@@ -931,11 +1590,7 @@
             </a:r>
             <a:r>
               <a:rPr lang="ko-KR" altLang="en-US" baseline="0" dirty="0" smtClean="0"/>
-              <a:t> 활용해서 연구한다면 </a:t>
-            </a:r>
-            <a:r>
-              <a:rPr lang="ko-KR" altLang="en-US" baseline="0" dirty="0" smtClean="0"/>
-              <a:t>기존과 연령</a:t>
+              <a:t> 활용해서 연구한다면 기존과 연령</a:t>
             </a:r>
             <a:r>
               <a:rPr lang="en-US" altLang="ko-KR" baseline="0" dirty="0" smtClean="0"/>
@@ -959,11 +1614,7 @@
             </a:r>
             <a:r>
               <a:rPr lang="ko-KR" altLang="en-US" baseline="0" dirty="0" smtClean="0"/>
-              <a:t>유전적 배경에 따라서 결과가 </a:t>
-            </a:r>
-            <a:r>
-              <a:rPr lang="ko-KR" altLang="en-US" baseline="0" dirty="0" smtClean="0"/>
-              <a:t>달라질 수 있겠고 </a:t>
+              <a:t>유전적 배경에 따라서 결과가 달라질 수 있겠고 </a:t>
             </a:r>
             <a:r>
               <a:rPr lang="ko-KR" altLang="en-US" baseline="0" dirty="0" err="1" smtClean="0"/>
@@ -1225,88 +1876,825 @@
           <a:lstStyle/>
           <a:p>
             <a:r>
-              <a:rPr lang="en-US" altLang="ko-KR" dirty="0" smtClean="0"/>
-              <a:t>2015</a:t>
-            </a:r>
-            <a:r>
               <a:rPr lang="ko-KR" altLang="en-US" dirty="0" smtClean="0"/>
-              <a:t>년 </a:t>
-            </a:r>
-            <a:r>
-              <a:rPr lang="en-US" altLang="ko-KR" dirty="0" smtClean="0"/>
-              <a:t>JNNP</a:t>
+              <a:t>각 </a:t>
+            </a:r>
+            <a:r>
+              <a:rPr lang="en-US" altLang="ko-KR" dirty="0" smtClean="0"/>
+              <a:t>milestone</a:t>
             </a:r>
             <a:r>
               <a:rPr lang="ko-KR" altLang="en-US" dirty="0" smtClean="0"/>
-              <a:t>에 </a:t>
+              <a:t>에</a:t>
+            </a:r>
+            <a:r>
+              <a:rPr lang="ko-KR" altLang="en-US" baseline="0" dirty="0" smtClean="0"/>
+              <a:t> 따라 상대적으로 예측 가능한 시점에 도달하는 모습을 보였지만 </a:t>
+            </a:r>
+            <a:r>
+              <a:rPr lang="ko-KR" altLang="en-US" baseline="0" dirty="0" err="1" smtClean="0"/>
+              <a:t>진단시점과</a:t>
+            </a:r>
+            <a:r>
+              <a:rPr lang="ko-KR" altLang="en-US" baseline="0" dirty="0" smtClean="0"/>
+              <a:t> </a:t>
+            </a:r>
+            <a:r>
+              <a:rPr lang="en-US" altLang="ko-KR" baseline="0" dirty="0" smtClean="0"/>
+              <a:t>2</a:t>
+            </a:r>
+            <a:r>
+              <a:rPr lang="ko-KR" altLang="en-US" baseline="0" dirty="0" smtClean="0"/>
+              <a:t>번째 분절에서 장애를 보이는 시점이 </a:t>
+            </a:r>
+            <a:r>
+              <a:rPr lang="ko-KR" altLang="en-US" baseline="0" dirty="0" err="1" smtClean="0"/>
+              <a:t>명확히는</a:t>
+            </a:r>
+            <a:r>
+              <a:rPr lang="ko-KR" altLang="en-US" baseline="0" dirty="0" smtClean="0"/>
+              <a:t> 구분되지 않았습니다</a:t>
+            </a:r>
+            <a:r>
+              <a:rPr lang="en-US" altLang="ko-KR" baseline="0" dirty="0" smtClean="0"/>
+              <a:t>. Bulbar onset</a:t>
+            </a:r>
+            <a:r>
+              <a:rPr lang="ko-KR" altLang="en-US" baseline="0" dirty="0" smtClean="0"/>
+              <a:t>에서는 </a:t>
+            </a:r>
+            <a:r>
+              <a:rPr lang="en-US" altLang="ko-KR" baseline="0" dirty="0" smtClean="0"/>
+              <a:t>NIV</a:t>
+            </a:r>
+            <a:r>
+              <a:rPr lang="ko-KR" altLang="en-US" baseline="0" dirty="0" smtClean="0"/>
+              <a:t>이전에 </a:t>
+            </a:r>
+            <a:r>
+              <a:rPr lang="en-US" altLang="ko-KR" baseline="0" dirty="0" smtClean="0"/>
+              <a:t>gastrostomy</a:t>
+            </a:r>
+            <a:r>
+              <a:rPr lang="ko-KR" altLang="en-US" baseline="0" dirty="0" smtClean="0"/>
+              <a:t>를 요하는 상태에 먼저 도달했고 </a:t>
+            </a:r>
+            <a:r>
+              <a:rPr lang="en-US" altLang="ko-KR" baseline="0" dirty="0" smtClean="0"/>
+              <a:t>limb onset</a:t>
+            </a:r>
+            <a:r>
+              <a:rPr lang="ko-KR" altLang="en-US" baseline="0" dirty="0" smtClean="0"/>
+              <a:t>의 경우에는 </a:t>
+            </a:r>
+            <a:r>
+              <a:rPr lang="en-US" altLang="ko-KR" baseline="0" dirty="0" smtClean="0"/>
+              <a:t>NIV</a:t>
+            </a:r>
+            <a:r>
+              <a:rPr lang="ko-KR" altLang="en-US" baseline="0" dirty="0" smtClean="0"/>
+              <a:t>를</a:t>
+            </a:r>
+            <a:r>
+              <a:rPr lang="en-US" altLang="ko-KR" baseline="0" dirty="0" smtClean="0"/>
+              <a:t> </a:t>
+            </a:r>
+            <a:r>
+              <a:rPr lang="ko-KR" altLang="en-US" baseline="0" dirty="0" smtClean="0"/>
+              <a:t>요하는 상태에 먼저 도달했습니다</a:t>
+            </a:r>
+            <a:r>
+              <a:rPr lang="en-US" altLang="ko-KR" baseline="0" dirty="0" smtClean="0"/>
+              <a:t>. </a:t>
+            </a:r>
+          </a:p>
+          <a:p>
+            <a:r>
+              <a:rPr lang="ko-KR" altLang="en-US" dirty="0" smtClean="0"/>
+              <a:t>결과에 표나 그림으로 제시되지는 않았지만 진단까지의 시점을 전체 질병기간으로 나눈 표준화기간으로 </a:t>
+            </a:r>
+            <a:r>
+              <a:rPr lang="ko-KR" altLang="en-US" dirty="0" err="1" smtClean="0"/>
+              <a:t>비교했을때</a:t>
+            </a:r>
+            <a:r>
+              <a:rPr lang="ko-KR" altLang="en-US" dirty="0" smtClean="0"/>
+              <a:t> </a:t>
+            </a:r>
+            <a:r>
+              <a:rPr lang="en-US" altLang="ko-KR" dirty="0" smtClean="0"/>
+              <a:t>limb onset </a:t>
+            </a:r>
+            <a:r>
+              <a:rPr lang="ko-KR" altLang="en-US" dirty="0" smtClean="0"/>
+              <a:t>의 경우에는 </a:t>
             </a:r>
             <a:r>
               <a:rPr lang="en-US" altLang="ko-KR" dirty="0" err="1" smtClean="0"/>
-              <a:t>Chio</a:t>
+              <a:t>riluzole</a:t>
             </a:r>
             <a:r>
               <a:rPr lang="ko-KR" altLang="en-US" dirty="0" smtClean="0"/>
-              <a:t>등이 발표한 </a:t>
-            </a:r>
-            <a:r>
-              <a:rPr lang="en-US" altLang="ko-KR" dirty="0" smtClean="0"/>
-              <a:t>Milano-Torino staging system</a:t>
+              <a:t>을 투약한 환자가 그렇지않은 환자에 비해 더 작은 </a:t>
+            </a:r>
+            <a:r>
+              <a:rPr lang="en-US" altLang="ko-KR" dirty="0" smtClean="0"/>
+              <a:t>0.29</a:t>
+            </a:r>
+            <a:r>
+              <a:rPr lang="en-US" altLang="ko-KR" baseline="0" dirty="0" smtClean="0"/>
+              <a:t> vs 0.39</a:t>
+            </a:r>
+            <a:r>
+              <a:rPr lang="ko-KR" altLang="en-US" baseline="0" dirty="0" smtClean="0"/>
+              <a:t>로 더 통계적으로 유의하게 더 작은 값을 보였습니다</a:t>
+            </a:r>
+            <a:r>
+              <a:rPr lang="en-US" altLang="ko-KR" baseline="0" dirty="0" smtClean="0"/>
+              <a:t>. </a:t>
+            </a:r>
+            <a:r>
+              <a:rPr lang="ko-KR" altLang="en-US" baseline="0" dirty="0" smtClean="0"/>
+              <a:t>그러나 </a:t>
+            </a:r>
+            <a:r>
+              <a:rPr lang="en-US" altLang="ko-KR" baseline="0" dirty="0" smtClean="0"/>
+              <a:t>bulbar onset</a:t>
+            </a:r>
+            <a:r>
+              <a:rPr lang="ko-KR" altLang="en-US" baseline="0" dirty="0" smtClean="0"/>
+              <a:t>의 경우에는 통계적으로 유의한 차이가 없었는데 </a:t>
+            </a:r>
+            <a:r>
+              <a:rPr lang="en-US" altLang="ko-KR" baseline="0" dirty="0" smtClean="0"/>
+              <a:t>sample size</a:t>
+            </a:r>
+            <a:r>
+              <a:rPr lang="ko-KR" altLang="en-US" baseline="0" dirty="0" smtClean="0"/>
+              <a:t>가 작아 통계적 </a:t>
+            </a:r>
+            <a:r>
+              <a:rPr lang="en-US" altLang="ko-KR" baseline="0" dirty="0" smtClean="0"/>
+              <a:t>power</a:t>
+            </a:r>
+            <a:r>
+              <a:rPr lang="ko-KR" altLang="en-US" baseline="0" dirty="0" smtClean="0"/>
+              <a:t>도 더 작았습니다</a:t>
+            </a:r>
+            <a:r>
+              <a:rPr lang="en-US" altLang="ko-KR" baseline="0" dirty="0" smtClean="0"/>
+              <a:t>. </a:t>
+            </a:r>
+            <a:r>
+              <a:rPr lang="en-US" altLang="ko-KR" baseline="0" dirty="0" err="1" smtClean="0"/>
+              <a:t>Riluzole</a:t>
+            </a:r>
+            <a:r>
+              <a:rPr lang="ko-KR" altLang="en-US" baseline="0" dirty="0" smtClean="0"/>
+              <a:t>투약 여부가 진단시점이외의 다른 </a:t>
+            </a:r>
+            <a:r>
+              <a:rPr lang="en-US" altLang="ko-KR" baseline="0" dirty="0" smtClean="0"/>
+              <a:t>milestone</a:t>
+            </a:r>
+            <a:r>
+              <a:rPr lang="ko-KR" altLang="en-US" baseline="0" dirty="0" smtClean="0"/>
+              <a:t>에는 영향을 미치지 않았습니다</a:t>
+            </a:r>
+            <a:r>
+              <a:rPr lang="en-US" altLang="ko-KR" baseline="0" dirty="0" smtClean="0"/>
+              <a:t>. </a:t>
+            </a:r>
+            <a:r>
+              <a:rPr lang="ko-KR" altLang="en-US" baseline="0" dirty="0" smtClean="0"/>
+              <a:t>전체 </a:t>
+            </a:r>
+            <a:r>
+              <a:rPr lang="ko-KR" altLang="en-US" baseline="0" dirty="0" err="1" smtClean="0"/>
+              <a:t>코호트를</a:t>
+            </a:r>
+            <a:r>
+              <a:rPr lang="ko-KR" altLang="en-US" baseline="0" dirty="0" smtClean="0"/>
+              <a:t> 가지고 </a:t>
+            </a:r>
+            <a:r>
+              <a:rPr lang="en-US" altLang="ko-KR" baseline="0" dirty="0" smtClean="0"/>
+              <a:t>survival</a:t>
+            </a:r>
+            <a:r>
+              <a:rPr lang="ko-KR" altLang="en-US" baseline="0" dirty="0" smtClean="0"/>
+              <a:t>를 </a:t>
+            </a:r>
+            <a:r>
+              <a:rPr lang="ko-KR" altLang="en-US" baseline="0" dirty="0" err="1" smtClean="0"/>
+              <a:t>비교했을때</a:t>
+            </a:r>
+            <a:r>
+              <a:rPr lang="ko-KR" altLang="en-US" baseline="0" dirty="0" smtClean="0"/>
+              <a:t> 마지막으로 기록된 </a:t>
+            </a:r>
+            <a:r>
+              <a:rPr lang="en-US" altLang="ko-KR" baseline="0" dirty="0" smtClean="0"/>
+              <a:t>milestone</a:t>
+            </a:r>
+            <a:r>
+              <a:rPr lang="ko-KR" altLang="en-US" baseline="0" dirty="0" smtClean="0"/>
+              <a:t>으로부터 사망이나 </a:t>
+            </a:r>
+            <a:r>
+              <a:rPr lang="en-US" altLang="ko-KR" baseline="0" dirty="0" smtClean="0"/>
+              <a:t>censoring</a:t>
+            </a:r>
+            <a:r>
+              <a:rPr lang="ko-KR" altLang="en-US" baseline="0" dirty="0" smtClean="0"/>
+              <a:t>까지의 기간을 보면 파란색이 </a:t>
+            </a:r>
+            <a:r>
+              <a:rPr lang="en-US" altLang="ko-KR" baseline="0" dirty="0" smtClean="0"/>
+              <a:t>2A, </a:t>
+            </a:r>
+            <a:r>
+              <a:rPr lang="ko-KR" altLang="en-US" baseline="0" dirty="0" smtClean="0"/>
+              <a:t>녹색이 </a:t>
+            </a:r>
+            <a:r>
+              <a:rPr lang="en-US" altLang="ko-KR" baseline="0" dirty="0" smtClean="0"/>
+              <a:t>2B, </a:t>
+            </a:r>
+            <a:r>
+              <a:rPr lang="ko-KR" altLang="en-US" baseline="0" dirty="0" smtClean="0"/>
+              <a:t>회색이 </a:t>
+            </a:r>
+            <a:r>
+              <a:rPr lang="en-US" altLang="ko-KR" baseline="0" dirty="0" smtClean="0"/>
+              <a:t>3, </a:t>
+            </a:r>
+            <a:r>
+              <a:rPr lang="ko-KR" altLang="en-US" baseline="0" dirty="0" smtClean="0"/>
+              <a:t>검은색이 </a:t>
+            </a:r>
+            <a:r>
+              <a:rPr lang="en-US" altLang="ko-KR" baseline="0" dirty="0" smtClean="0"/>
+              <a:t>4A, </a:t>
+            </a:r>
+            <a:r>
+              <a:rPr lang="ko-KR" altLang="en-US" baseline="0" dirty="0" smtClean="0"/>
+              <a:t>보라색이 </a:t>
+            </a:r>
+            <a:r>
+              <a:rPr lang="en-US" altLang="ko-KR" baseline="0" dirty="0" smtClean="0"/>
+              <a:t>4B</a:t>
+            </a:r>
+            <a:r>
+              <a:rPr lang="ko-KR" altLang="en-US" baseline="0" dirty="0" smtClean="0"/>
+              <a:t>로 각각의 </a:t>
+            </a:r>
+            <a:r>
+              <a:rPr lang="en-US" altLang="ko-KR" baseline="0" dirty="0" smtClean="0"/>
+              <a:t>curve</a:t>
+            </a:r>
+            <a:r>
+              <a:rPr lang="ko-KR" altLang="en-US" baseline="0" dirty="0" smtClean="0"/>
+              <a:t>가 뚜렷하게 분리되어 생존기간의 차이를 보였다는 점에서 </a:t>
+            </a:r>
+            <a:r>
+              <a:rPr lang="en-US" altLang="ko-KR" baseline="0" dirty="0" smtClean="0"/>
+              <a:t>validity</a:t>
+            </a:r>
+            <a:r>
+              <a:rPr lang="ko-KR" altLang="en-US" baseline="0" dirty="0" smtClean="0"/>
+              <a:t>를 보인다고 볼 수 있습니다</a:t>
+            </a:r>
+            <a:r>
+              <a:rPr lang="en-US" altLang="ko-KR" baseline="0" dirty="0" smtClean="0"/>
+              <a:t>. </a:t>
+            </a:r>
+          </a:p>
+          <a:p>
+            <a:r>
+              <a:rPr lang="ko-KR" altLang="en-US" baseline="0" dirty="0" smtClean="0"/>
+              <a:t>각각의 </a:t>
+            </a:r>
+            <a:r>
+              <a:rPr lang="en-US" altLang="ko-KR" baseline="0" dirty="0" smtClean="0"/>
+              <a:t>milestone</a:t>
+            </a:r>
+            <a:r>
+              <a:rPr lang="ko-KR" altLang="en-US" baseline="0" dirty="0" smtClean="0"/>
+              <a:t>을 질병의 전체 기간으로 보면 두번째 분절</a:t>
+            </a:r>
+            <a:r>
+              <a:rPr lang="en-US" altLang="ko-KR" baseline="0" dirty="0" smtClean="0"/>
+              <a:t>, </a:t>
+            </a:r>
+            <a:r>
+              <a:rPr lang="ko-KR" altLang="en-US" baseline="0" dirty="0" smtClean="0"/>
+              <a:t>세번째 분절에 증상이 나타나는 기간</a:t>
+            </a:r>
+            <a:r>
+              <a:rPr lang="en-US" altLang="ko-KR" baseline="0" dirty="0" smtClean="0"/>
+              <a:t>, gastrostomy</a:t>
+            </a:r>
+            <a:r>
+              <a:rPr lang="ko-KR" altLang="en-US" baseline="0" dirty="0" smtClean="0"/>
+              <a:t>나 </a:t>
+            </a:r>
+            <a:r>
+              <a:rPr lang="en-US" altLang="ko-KR" baseline="0" dirty="0" smtClean="0"/>
+              <a:t>respiratory support</a:t>
+            </a:r>
+            <a:r>
+              <a:rPr lang="ko-KR" altLang="en-US" baseline="0" dirty="0" smtClean="0"/>
+              <a:t>가 필요한 시점이 각각 </a:t>
+            </a:r>
+            <a:r>
+              <a:rPr lang="en-US" altLang="ko-KR" baseline="0" dirty="0" smtClean="0"/>
+              <a:t>40, 60, 80%</a:t>
+            </a:r>
+            <a:r>
+              <a:rPr lang="ko-KR" altLang="en-US" baseline="0" dirty="0" smtClean="0"/>
+              <a:t>정도로 나타났습니다</a:t>
+            </a:r>
+            <a:r>
+              <a:rPr lang="en-US" altLang="ko-KR" baseline="0" dirty="0" smtClean="0"/>
+              <a:t>. </a:t>
+            </a:r>
+            <a:r>
+              <a:rPr lang="ko-KR" altLang="en-US" baseline="0" dirty="0" smtClean="0"/>
+              <a:t>여기서 </a:t>
+            </a:r>
+            <a:r>
+              <a:rPr lang="en-US" altLang="ko-KR" baseline="0" dirty="0" smtClean="0"/>
+              <a:t>stage</a:t>
+            </a:r>
+            <a:r>
+              <a:rPr lang="ko-KR" altLang="en-US" baseline="0" dirty="0" smtClean="0"/>
+              <a:t>를 </a:t>
+            </a:r>
+            <a:r>
+              <a:rPr lang="ko-KR" altLang="en-US" baseline="0" dirty="0" err="1" smtClean="0"/>
+              <a:t>정할때는</a:t>
+            </a:r>
+            <a:r>
+              <a:rPr lang="ko-KR" altLang="en-US" baseline="0" dirty="0" smtClean="0"/>
+              <a:t> 가장 높은 단계로 정해야 하는데 </a:t>
+            </a:r>
+            <a:endParaRPr lang="en-US" altLang="ko-KR" baseline="0" dirty="0" smtClean="0"/>
+          </a:p>
+          <a:p>
+            <a:r>
+              <a:rPr lang="ko-KR" altLang="en-US" baseline="0" dirty="0" smtClean="0"/>
+              <a:t>예를 들면 첫 증상이 </a:t>
+            </a:r>
+            <a:r>
+              <a:rPr lang="en-US" altLang="ko-KR" baseline="0" dirty="0" smtClean="0"/>
+              <a:t>NIV</a:t>
+            </a:r>
+            <a:r>
+              <a:rPr lang="ko-KR" altLang="en-US" baseline="0" dirty="0" smtClean="0"/>
+              <a:t>를 요하는 호흡곤란으로 나타난다면 </a:t>
+            </a:r>
+            <a:r>
+              <a:rPr lang="en-US" altLang="ko-KR" baseline="0" dirty="0" smtClean="0"/>
+              <a:t>2A</a:t>
+            </a:r>
+            <a:r>
+              <a:rPr lang="ko-KR" altLang="en-US" baseline="0" dirty="0" smtClean="0"/>
+              <a:t>가 아닌 </a:t>
+            </a:r>
+            <a:r>
+              <a:rPr lang="en-US" altLang="ko-KR" baseline="0" dirty="0" smtClean="0"/>
+              <a:t>4B</a:t>
+            </a:r>
+            <a:r>
+              <a:rPr lang="ko-KR" altLang="en-US" baseline="0" dirty="0" smtClean="0"/>
+              <a:t>가 됩니다</a:t>
+            </a:r>
+            <a:r>
+              <a:rPr lang="en-US" altLang="ko-KR" baseline="0" dirty="0" smtClean="0"/>
+              <a:t>. </a:t>
+            </a:r>
+          </a:p>
+          <a:p>
+            <a:r>
+              <a:rPr lang="en-US" altLang="ko-KR" dirty="0" smtClean="0"/>
+              <a:t>Stage 2</a:t>
             </a:r>
             <a:r>
               <a:rPr lang="ko-KR" altLang="en-US" dirty="0" smtClean="0"/>
+              <a:t>를 나눈 것은 여러 </a:t>
+            </a:r>
+            <a:r>
+              <a:rPr lang="en-US" altLang="ko-KR" dirty="0" smtClean="0"/>
+              <a:t>center</a:t>
+            </a:r>
+            <a:r>
+              <a:rPr lang="ko-KR" altLang="en-US" dirty="0" smtClean="0"/>
+              <a:t>들이 각각 </a:t>
+            </a:r>
+            <a:r>
+              <a:rPr lang="ko-KR" altLang="en-US" dirty="0" err="1" smtClean="0"/>
+              <a:t>진단시점이</a:t>
+            </a:r>
+            <a:r>
+              <a:rPr lang="ko-KR" altLang="en-US" dirty="0" smtClean="0"/>
+              <a:t> 다른데 두번째 분절에 증상이 발생한 시점은 비슷하므로 </a:t>
+            </a:r>
+            <a:r>
+              <a:rPr lang="en-US" altLang="ko-KR" dirty="0" smtClean="0"/>
+              <a:t>2A,</a:t>
+            </a:r>
+            <a:r>
+              <a:rPr lang="en-US" altLang="ko-KR" baseline="0" dirty="0" smtClean="0"/>
+              <a:t> 2B</a:t>
+            </a:r>
+            <a:r>
+              <a:rPr lang="ko-KR" altLang="en-US" baseline="0" dirty="0" smtClean="0"/>
+              <a:t>로 나눠서 보는게 의미가 있다고 보고있습니다</a:t>
+            </a:r>
+            <a:r>
+              <a:rPr lang="en-US" altLang="ko-KR" baseline="0" dirty="0" smtClean="0"/>
+              <a:t>. Gastrostomy</a:t>
+            </a:r>
+            <a:r>
+              <a:rPr lang="ko-KR" altLang="en-US" baseline="0" dirty="0" smtClean="0"/>
+              <a:t>와 </a:t>
+            </a:r>
+            <a:r>
+              <a:rPr lang="en-US" altLang="ko-KR" baseline="0" dirty="0" smtClean="0"/>
+              <a:t>NIV</a:t>
+            </a:r>
+            <a:r>
+              <a:rPr lang="ko-KR" altLang="en-US" baseline="0" dirty="0" smtClean="0"/>
+              <a:t>가 필요한 시점이 </a:t>
+            </a:r>
+            <a:r>
+              <a:rPr lang="en-US" altLang="ko-KR" baseline="0" dirty="0" smtClean="0"/>
+              <a:t>bulbar onset</a:t>
+            </a:r>
+            <a:r>
+              <a:rPr lang="ko-KR" altLang="en-US" baseline="0" dirty="0" smtClean="0"/>
+              <a:t>과 </a:t>
+            </a:r>
+            <a:r>
+              <a:rPr lang="en-US" altLang="ko-KR" baseline="0" dirty="0" smtClean="0"/>
+              <a:t>limb onset</a:t>
+            </a:r>
+            <a:r>
+              <a:rPr lang="ko-KR" altLang="en-US" baseline="0" dirty="0" smtClean="0"/>
+              <a:t>에서 각각 어떤 단계에 먼저 도달하는지가 다르므로 </a:t>
+            </a:r>
+            <a:r>
+              <a:rPr lang="en-US" altLang="ko-KR" baseline="0" dirty="0" smtClean="0"/>
+              <a:t>stage 4,5</a:t>
+            </a:r>
+            <a:r>
+              <a:rPr lang="ko-KR" altLang="en-US" baseline="0" dirty="0" smtClean="0"/>
+              <a:t>가 아닌 </a:t>
+            </a:r>
+            <a:r>
+              <a:rPr lang="en-US" altLang="ko-KR" baseline="0" dirty="0" smtClean="0"/>
+              <a:t>4A, 4B</a:t>
+            </a:r>
+            <a:r>
+              <a:rPr lang="ko-KR" altLang="en-US" baseline="0" dirty="0" smtClean="0"/>
+              <a:t>로 나눴다고 합니다</a:t>
+            </a:r>
+            <a:r>
+              <a:rPr lang="en-US" altLang="ko-KR" baseline="0" dirty="0" smtClean="0"/>
+              <a:t>. </a:t>
+            </a:r>
+            <a:r>
+              <a:rPr lang="ko-KR" altLang="en-US" baseline="0" dirty="0" err="1" smtClean="0"/>
+              <a:t>이부분은</a:t>
+            </a:r>
+            <a:r>
+              <a:rPr lang="ko-KR" altLang="en-US" baseline="0" dirty="0" smtClean="0"/>
+              <a:t> 다른 </a:t>
+            </a:r>
+            <a:r>
+              <a:rPr lang="en-US" altLang="ko-KR" baseline="0" dirty="0" smtClean="0"/>
+              <a:t>stage system</a:t>
+            </a:r>
+            <a:r>
+              <a:rPr lang="ko-KR" altLang="en-US" baseline="0" dirty="0" smtClean="0"/>
+              <a:t>이라면 </a:t>
+            </a:r>
+            <a:r>
+              <a:rPr lang="en-US" altLang="ko-KR" baseline="0" dirty="0" smtClean="0"/>
+              <a:t>4, 5</a:t>
+            </a:r>
+            <a:r>
+              <a:rPr lang="ko-KR" altLang="en-US" baseline="0" dirty="0" smtClean="0"/>
+              <a:t>로 나누겠지만 여기서는 그렇지 않은 점이 보통의 </a:t>
+            </a:r>
+            <a:r>
+              <a:rPr lang="en-US" altLang="ko-KR" baseline="0" dirty="0" smtClean="0"/>
+              <a:t>stage system</a:t>
+            </a:r>
+            <a:r>
+              <a:rPr lang="ko-KR" altLang="en-US" baseline="0" dirty="0" smtClean="0"/>
+              <a:t>과는 다른 점이라고 하겠습니다</a:t>
+            </a:r>
+            <a:r>
+              <a:rPr lang="en-US" altLang="ko-KR" baseline="0" dirty="0" smtClean="0"/>
+              <a:t>. El Escorial criteria</a:t>
+            </a:r>
+            <a:r>
+              <a:rPr lang="ko-KR" altLang="en-US" baseline="0" dirty="0" smtClean="0"/>
+              <a:t>와 다르게 </a:t>
+            </a:r>
+            <a:r>
+              <a:rPr lang="en-US" altLang="ko-KR" baseline="0" dirty="0" smtClean="0"/>
+              <a:t>upper motor neuron, lower motor neuron involve</a:t>
+            </a:r>
+            <a:r>
+              <a:rPr lang="ko-KR" altLang="en-US" baseline="0" dirty="0" smtClean="0"/>
+              <a:t>에 대한 판단이 필요 없고 </a:t>
+            </a:r>
+            <a:r>
+              <a:rPr lang="en-US" altLang="ko-KR" baseline="0" dirty="0" smtClean="0"/>
+              <a:t>weakness</a:t>
+            </a:r>
+            <a:r>
+              <a:rPr lang="ko-KR" altLang="en-US" baseline="0" dirty="0" smtClean="0"/>
+              <a:t>등으로만 판단하면 되므로 진료를 하는 신경과 의사나 환자들이 판단한 결과도 비슷하게 나온다는 점이 장점입니다</a:t>
+            </a:r>
+            <a:r>
+              <a:rPr lang="en-US" altLang="ko-KR" baseline="0" dirty="0" smtClean="0"/>
+              <a:t>. </a:t>
+            </a:r>
+          </a:p>
+          <a:p>
+            <a:r>
+              <a:rPr lang="ko-KR" altLang="en-US" baseline="0" dirty="0" smtClean="0"/>
+              <a:t>이 연구에서는 </a:t>
+            </a:r>
+            <a:r>
+              <a:rPr lang="en-US" altLang="ko-KR" baseline="0" dirty="0" smtClean="0"/>
+              <a:t>incident cohort</a:t>
+            </a:r>
+            <a:r>
+              <a:rPr lang="ko-KR" altLang="en-US" baseline="0" dirty="0" smtClean="0"/>
+              <a:t>를 사용하지 않고 </a:t>
+            </a:r>
+            <a:r>
+              <a:rPr lang="en-US" altLang="ko-KR" baseline="0" dirty="0" smtClean="0"/>
+              <a:t>prevalent cohort</a:t>
+            </a:r>
+            <a:r>
+              <a:rPr lang="ko-KR" altLang="en-US" baseline="0" dirty="0" smtClean="0"/>
+              <a:t>를 사용해서 전반적으로 대상자가 더 어리고 </a:t>
+            </a:r>
+            <a:r>
+              <a:rPr lang="ko-KR" altLang="en-US" baseline="0" dirty="0" err="1" smtClean="0"/>
+              <a:t>오래살고</a:t>
+            </a:r>
+            <a:r>
+              <a:rPr lang="ko-KR" altLang="en-US" baseline="0" dirty="0" smtClean="0"/>
+              <a:t> 남자의 비율이 높으며 </a:t>
+            </a:r>
+            <a:r>
+              <a:rPr lang="en-US" altLang="ko-KR" baseline="0" dirty="0" smtClean="0"/>
+              <a:t>bulbar onset</a:t>
+            </a:r>
+            <a:r>
+              <a:rPr lang="ko-KR" altLang="en-US" baseline="0" dirty="0" smtClean="0"/>
+              <a:t>이 더 적은 경향을 보일 수 있다는 단점이 있습니다</a:t>
+            </a:r>
+            <a:r>
+              <a:rPr lang="en-US" altLang="ko-KR" baseline="0" dirty="0" smtClean="0"/>
+              <a:t>. </a:t>
+            </a:r>
+            <a:r>
+              <a:rPr lang="ko-KR" altLang="en-US" baseline="0" dirty="0" smtClean="0"/>
+              <a:t>그리고 진단시점부터 사망까지의 기간을 가지고 나눈 </a:t>
+            </a:r>
+            <a:r>
+              <a:rPr lang="en-US" altLang="ko-KR" baseline="0" dirty="0" smtClean="0"/>
+              <a:t>standardized timing</a:t>
+            </a:r>
+            <a:r>
+              <a:rPr lang="ko-KR" altLang="en-US" baseline="0" dirty="0" smtClean="0"/>
+              <a:t>을 사용했는데 </a:t>
+            </a:r>
+            <a:r>
+              <a:rPr lang="ko-KR" altLang="en-US" baseline="0" dirty="0" err="1" smtClean="0"/>
+              <a:t>코호트별로</a:t>
+            </a:r>
+            <a:r>
+              <a:rPr lang="ko-KR" altLang="en-US" baseline="0" dirty="0" smtClean="0"/>
+              <a:t> 나이</a:t>
+            </a:r>
+            <a:r>
+              <a:rPr lang="en-US" altLang="ko-KR" baseline="0" dirty="0" smtClean="0"/>
+              <a:t>, </a:t>
+            </a:r>
+            <a:r>
+              <a:rPr lang="ko-KR" altLang="en-US" baseline="0" dirty="0" smtClean="0"/>
+              <a:t>성별의 비율</a:t>
+            </a:r>
+            <a:r>
+              <a:rPr lang="en-US" altLang="ko-KR" baseline="0" dirty="0" smtClean="0"/>
+              <a:t>, phenotype</a:t>
+            </a:r>
+            <a:r>
+              <a:rPr lang="ko-KR" altLang="en-US" baseline="0" dirty="0" smtClean="0"/>
+              <a:t>이 다른 경우에 결과가 다를 수 있으므로 다른 </a:t>
+            </a:r>
+            <a:r>
+              <a:rPr lang="en-US" altLang="ko-KR" baseline="0" dirty="0" smtClean="0"/>
+              <a:t>incident cohort</a:t>
+            </a:r>
+            <a:r>
+              <a:rPr lang="ko-KR" altLang="en-US" baseline="0" dirty="0" smtClean="0"/>
+              <a:t>에서의 연구도 필요합니다</a:t>
+            </a:r>
+            <a:r>
+              <a:rPr lang="en-US" altLang="ko-KR" baseline="0" dirty="0" smtClean="0"/>
+              <a:t>. </a:t>
+            </a:r>
+            <a:r>
+              <a:rPr lang="ko-KR" altLang="en-US" baseline="0" dirty="0" smtClean="0"/>
+              <a:t>그리고 이 연구에서는 인지장애여부는 평가에 포함시키지않았다는 단점도 있습니다</a:t>
+            </a:r>
+            <a:r>
+              <a:rPr lang="en-US" altLang="ko-KR" baseline="0" dirty="0" smtClean="0"/>
+              <a:t>. </a:t>
+            </a:r>
+            <a:r>
+              <a:rPr lang="ko-KR" altLang="en-US" baseline="0" dirty="0" smtClean="0"/>
+              <a:t>그런데 </a:t>
+            </a:r>
+            <a:r>
+              <a:rPr lang="ko-KR" altLang="en-US" baseline="0" dirty="0" err="1" smtClean="0"/>
+              <a:t>인지장애의</a:t>
+            </a:r>
+            <a:r>
+              <a:rPr lang="ko-KR" altLang="en-US" baseline="0" dirty="0" smtClean="0"/>
+              <a:t> 경우 고정된 시점에 생기지않아 </a:t>
+            </a:r>
+            <a:r>
+              <a:rPr lang="en-US" altLang="ko-KR" baseline="0" dirty="0" smtClean="0"/>
+              <a:t>milestone</a:t>
+            </a:r>
+            <a:r>
+              <a:rPr lang="ko-KR" altLang="en-US" baseline="0" dirty="0" smtClean="0"/>
+              <a:t>으로 고려하기에 어려운 상태입니다</a:t>
+            </a:r>
+            <a:r>
+              <a:rPr lang="en-US" altLang="ko-KR" baseline="0" dirty="0" smtClean="0"/>
+              <a:t>. </a:t>
+            </a:r>
+            <a:r>
+              <a:rPr lang="ko-KR" altLang="en-US" baseline="0" dirty="0" smtClean="0"/>
+              <a:t>따라서 </a:t>
+            </a:r>
+            <a:r>
+              <a:rPr lang="ko-KR" altLang="en-US" baseline="0" dirty="0" err="1" smtClean="0"/>
+              <a:t>인지장애가</a:t>
+            </a:r>
+            <a:r>
+              <a:rPr lang="ko-KR" altLang="en-US" baseline="0" dirty="0" smtClean="0"/>
+              <a:t> 발생하면 바로 반영가능하게 </a:t>
+            </a:r>
+            <a:r>
+              <a:rPr lang="en-US" altLang="ko-KR" baseline="0" dirty="0" smtClean="0"/>
+              <a:t>flexible</a:t>
+            </a:r>
+            <a:r>
+              <a:rPr lang="ko-KR" altLang="en-US" baseline="0" dirty="0" smtClean="0"/>
+              <a:t>한 체계가 필요합니다</a:t>
+            </a:r>
+            <a:r>
+              <a:rPr lang="en-US" altLang="ko-KR" baseline="0" dirty="0" smtClean="0"/>
+              <a:t>. </a:t>
+            </a:r>
+            <a:r>
+              <a:rPr lang="ko-KR" altLang="en-US" baseline="0" dirty="0" smtClean="0"/>
+              <a:t>예를 들면 </a:t>
+            </a:r>
+            <a:r>
+              <a:rPr lang="ko-KR" altLang="en-US" baseline="0" dirty="0" err="1" smtClean="0"/>
+              <a:t>인지장애가</a:t>
+            </a:r>
+            <a:r>
+              <a:rPr lang="ko-KR" altLang="en-US" baseline="0" dirty="0" smtClean="0"/>
+              <a:t> 있으면 </a:t>
+            </a:r>
+            <a:r>
+              <a:rPr lang="en-US" altLang="ko-KR" baseline="0" dirty="0" smtClean="0"/>
+              <a:t>cognitive impairment</a:t>
+            </a:r>
+            <a:r>
+              <a:rPr lang="ko-KR" altLang="en-US" baseline="0" dirty="0" smtClean="0"/>
+              <a:t>의 </a:t>
+            </a:r>
+            <a:r>
+              <a:rPr lang="ko-KR" altLang="en-US" baseline="0" dirty="0" err="1" smtClean="0"/>
+              <a:t>앞글자를</a:t>
+            </a:r>
+            <a:r>
+              <a:rPr lang="ko-KR" altLang="en-US" baseline="0" dirty="0" smtClean="0"/>
+              <a:t> 따서 </a:t>
+            </a:r>
+            <a:r>
+              <a:rPr lang="en-US" altLang="ko-KR" baseline="0" dirty="0" smtClean="0"/>
+              <a:t>stage </a:t>
+            </a:r>
+            <a:r>
+              <a:rPr lang="ko-KR" altLang="en-US" baseline="0" dirty="0" err="1" smtClean="0"/>
+              <a:t>숫자앞에</a:t>
+            </a:r>
+            <a:r>
+              <a:rPr lang="ko-KR" altLang="en-US" baseline="0" dirty="0" smtClean="0"/>
+              <a:t> </a:t>
+            </a:r>
+            <a:r>
+              <a:rPr lang="en-US" altLang="ko-KR" baseline="0" dirty="0" smtClean="0"/>
+              <a:t>CI</a:t>
+            </a:r>
+            <a:r>
+              <a:rPr lang="ko-KR" altLang="en-US" baseline="0" dirty="0" smtClean="0"/>
+              <a:t>를 붙이는 방법이 있겠습니다</a:t>
+            </a:r>
+            <a:r>
+              <a:rPr lang="en-US" altLang="ko-KR" baseline="0" dirty="0" smtClean="0"/>
+              <a:t>. </a:t>
+            </a:r>
+          </a:p>
+          <a:p>
+            <a:r>
+              <a:rPr lang="en-US" altLang="ko-KR" baseline="0" dirty="0" smtClean="0"/>
+              <a:t>Stage</a:t>
+            </a:r>
+            <a:r>
+              <a:rPr lang="ko-KR" altLang="en-US" baseline="0" dirty="0" smtClean="0"/>
+              <a:t>를 이용한 장점으로 전문가</a:t>
+            </a:r>
+            <a:r>
+              <a:rPr lang="en-US" altLang="ko-KR" baseline="0" dirty="0" smtClean="0"/>
+              <a:t>, </a:t>
+            </a:r>
+            <a:r>
+              <a:rPr lang="ko-KR" altLang="en-US" baseline="0" dirty="0" smtClean="0"/>
+              <a:t>기관의 인력과 자원을 배분하는데 도움이 됩니다</a:t>
+            </a:r>
+            <a:r>
+              <a:rPr lang="en-US" altLang="ko-KR" baseline="0" dirty="0" smtClean="0"/>
+              <a:t>. Stage 1</a:t>
+            </a:r>
+            <a:r>
+              <a:rPr lang="ko-KR" altLang="en-US" baseline="0" dirty="0" smtClean="0"/>
+              <a:t>은 의료기관의 진단</a:t>
+            </a:r>
+            <a:r>
+              <a:rPr lang="en-US" altLang="ko-KR" baseline="0" dirty="0" smtClean="0"/>
+              <a:t>, 2</a:t>
+            </a:r>
+            <a:r>
+              <a:rPr lang="ko-KR" altLang="en-US" baseline="0" dirty="0" smtClean="0"/>
+              <a:t>와 </a:t>
+            </a:r>
+            <a:r>
+              <a:rPr lang="en-US" altLang="ko-KR" baseline="0" dirty="0" smtClean="0"/>
+              <a:t>3</a:t>
+            </a:r>
+            <a:r>
+              <a:rPr lang="ko-KR" altLang="en-US" baseline="0" dirty="0" smtClean="0"/>
               <a:t>은 </a:t>
             </a:r>
             <a:r>
-              <a:rPr lang="en-US" altLang="ko-KR" dirty="0" smtClean="0"/>
-              <a:t>ALS</a:t>
-            </a:r>
-            <a:r>
-              <a:rPr lang="ko-KR" altLang="en-US" dirty="0" smtClean="0"/>
-              <a:t>의 진행에 따라 삶의 질과 경제적 부담에 대해서도 </a:t>
-            </a:r>
-            <a:r>
-              <a:rPr lang="ko-KR" altLang="en-US" dirty="0" err="1" smtClean="0"/>
-              <a:t>의미있는</a:t>
-            </a:r>
-            <a:r>
-              <a:rPr lang="ko-KR" altLang="en-US" dirty="0" smtClean="0"/>
-              <a:t> 차이를 반영할 수 있어야 한다는 생각을 바탕으로 하여 개발되었습니다</a:t>
-            </a:r>
-            <a:r>
-              <a:rPr lang="en-US" altLang="ko-KR" dirty="0" smtClean="0"/>
-              <a:t>. ALS</a:t>
-            </a:r>
-            <a:r>
-              <a:rPr lang="ko-KR" altLang="en-US" dirty="0" smtClean="0"/>
-              <a:t>진행의 주요 </a:t>
-            </a:r>
-            <a:r>
-              <a:rPr lang="en-US" altLang="ko-KR" dirty="0" smtClean="0"/>
-              <a:t>milestone</a:t>
-            </a:r>
-            <a:r>
-              <a:rPr lang="ko-KR" altLang="en-US" dirty="0" smtClean="0"/>
-              <a:t>은 </a:t>
-            </a:r>
-            <a:r>
-              <a:rPr lang="en-US" altLang="ko-KR" dirty="0" smtClean="0"/>
-              <a:t>ALSFRS, ALSFRS-R</a:t>
-            </a:r>
-            <a:r>
-              <a:rPr lang="en-US" altLang="ko-KR" baseline="0" dirty="0" smtClean="0"/>
-              <a:t> </a:t>
-            </a:r>
-            <a:r>
-              <a:rPr lang="ko-KR" altLang="en-US" baseline="0" dirty="0" smtClean="0"/>
-              <a:t>모두에 포함되고 자율성 상실을 수반하는 주요 지표 </a:t>
-            </a:r>
-            <a:r>
-              <a:rPr lang="en-US" altLang="ko-KR" baseline="0" dirty="0" smtClean="0"/>
-              <a:t>4</a:t>
-            </a:r>
-            <a:r>
-              <a:rPr lang="ko-KR" altLang="en-US" baseline="0" dirty="0" smtClean="0"/>
-              <a:t>가지로 정의함</a:t>
+              <a:rPr lang="ko-KR" altLang="en-US" baseline="0" dirty="0" err="1" smtClean="0"/>
+              <a:t>다학제팀의</a:t>
+            </a:r>
+            <a:r>
+              <a:rPr lang="ko-KR" altLang="en-US" baseline="0" dirty="0" smtClean="0"/>
+              <a:t> 관리</a:t>
+            </a:r>
+            <a:r>
+              <a:rPr lang="en-US" altLang="ko-KR" baseline="0" dirty="0" smtClean="0"/>
+              <a:t>, stage 4</a:t>
+            </a:r>
+            <a:r>
+              <a:rPr lang="ko-KR" altLang="en-US" baseline="0" dirty="0" smtClean="0"/>
+              <a:t>는 </a:t>
+            </a:r>
+            <a:r>
+              <a:rPr lang="en-US" altLang="ko-KR" baseline="0" dirty="0" smtClean="0"/>
+              <a:t>intervention</a:t>
+            </a:r>
+            <a:r>
+              <a:rPr lang="ko-KR" altLang="en-US" baseline="0" dirty="0" smtClean="0"/>
+              <a:t>과 말기의 </a:t>
+            </a:r>
+            <a:r>
+              <a:rPr lang="ko-KR" altLang="en-US" baseline="0" dirty="0" err="1" smtClean="0"/>
+              <a:t>완화치료를</a:t>
+            </a:r>
+            <a:r>
+              <a:rPr lang="ko-KR" altLang="en-US" baseline="0" dirty="0" smtClean="0"/>
+              <a:t> 하는 식으로 판단하는데 도움이 됩니다</a:t>
             </a:r>
             <a:r>
               <a:rPr lang="en-US" altLang="ko-KR" baseline="0" dirty="0" smtClean="0"/>
@@ -1314,465 +2702,15 @@
             </a:r>
             <a:r>
               <a:rPr lang="ko-KR" altLang="en-US" baseline="0" dirty="0" smtClean="0"/>
-              <a:t>걷기</a:t>
-            </a:r>
-            <a:r>
-              <a:rPr lang="en-US" altLang="ko-KR" baseline="0" dirty="0" smtClean="0"/>
-              <a:t>/</a:t>
-            </a:r>
-            <a:r>
-              <a:rPr lang="ko-KR" altLang="en-US" baseline="0" dirty="0" smtClean="0"/>
-              <a:t>자기관리</a:t>
-            </a:r>
-            <a:r>
-              <a:rPr lang="en-US" altLang="ko-KR" baseline="0" dirty="0" smtClean="0"/>
-              <a:t>, </a:t>
-            </a:r>
-            <a:r>
-              <a:rPr lang="ko-KR" altLang="en-US" baseline="0" dirty="0" smtClean="0"/>
-              <a:t>삼키기</a:t>
-            </a:r>
-            <a:r>
-              <a:rPr lang="en-US" altLang="ko-KR" baseline="0" dirty="0" smtClean="0"/>
-              <a:t>, </a:t>
-            </a:r>
-            <a:r>
-              <a:rPr lang="ko-KR" altLang="en-US" baseline="0" dirty="0" smtClean="0"/>
-              <a:t>의사소통</a:t>
-            </a:r>
-            <a:r>
-              <a:rPr lang="en-US" altLang="ko-KR" baseline="0" dirty="0" smtClean="0"/>
-              <a:t>, </a:t>
-            </a:r>
-            <a:r>
-              <a:rPr lang="ko-KR" altLang="en-US" baseline="0" dirty="0" smtClean="0"/>
-              <a:t>호흡 </a:t>
-            </a:r>
-            <a:r>
-              <a:rPr lang="en-US" altLang="ko-KR" baseline="0" dirty="0" smtClean="0"/>
-              <a:t>4</a:t>
-            </a:r>
-            <a:r>
-              <a:rPr lang="ko-KR" altLang="en-US" baseline="0" dirty="0" smtClean="0"/>
-              <a:t>가지임</a:t>
-            </a:r>
-            <a:r>
-              <a:rPr lang="en-US" altLang="ko-KR" baseline="0" dirty="0" smtClean="0"/>
-              <a:t>. 4</a:t>
-            </a:r>
-            <a:r>
-              <a:rPr lang="ko-KR" altLang="en-US" baseline="0" dirty="0" smtClean="0"/>
-              <a:t>가지 영역 중 걷기</a:t>
-            </a:r>
-            <a:r>
-              <a:rPr lang="en-US" altLang="ko-KR" baseline="0" dirty="0" smtClean="0"/>
-              <a:t>/</a:t>
-            </a:r>
-            <a:r>
-              <a:rPr lang="ko-KR" altLang="en-US" baseline="0" dirty="0" smtClean="0"/>
-              <a:t>자기관리는 </a:t>
-            </a:r>
-            <a:r>
-              <a:rPr lang="en-US" altLang="ko-KR" baseline="0" dirty="0" smtClean="0"/>
-              <a:t>ASLFRS-R</a:t>
-            </a:r>
-            <a:r>
-              <a:rPr lang="ko-KR" altLang="en-US" baseline="0" dirty="0" smtClean="0"/>
-              <a:t>의 </a:t>
-            </a:r>
-            <a:r>
-              <a:rPr lang="en-US" altLang="ko-KR" baseline="0" dirty="0" smtClean="0"/>
-              <a:t>8</a:t>
-            </a:r>
-            <a:r>
-              <a:rPr lang="ko-KR" altLang="en-US" baseline="0" dirty="0" smtClean="0"/>
-              <a:t>번</a:t>
-            </a:r>
-            <a:r>
-              <a:rPr lang="en-US" altLang="ko-KR" baseline="0" dirty="0" smtClean="0"/>
-              <a:t>(</a:t>
-            </a:r>
-            <a:r>
-              <a:rPr lang="ko-KR" altLang="en-US" baseline="0" dirty="0" smtClean="0"/>
-              <a:t>걷기</a:t>
-            </a:r>
-            <a:r>
-              <a:rPr lang="en-US" altLang="ko-KR" baseline="0" dirty="0" smtClean="0"/>
-              <a:t>), 6</a:t>
-            </a:r>
-            <a:r>
-              <a:rPr lang="ko-KR" altLang="en-US" baseline="0" dirty="0" smtClean="0"/>
-              <a:t>번</a:t>
-            </a:r>
-            <a:r>
-              <a:rPr lang="en-US" altLang="ko-KR" baseline="0" dirty="0" smtClean="0"/>
-              <a:t>(</a:t>
-            </a:r>
-            <a:r>
-              <a:rPr lang="ko-KR" altLang="en-US" baseline="0" dirty="0" err="1" smtClean="0"/>
-              <a:t>옷입기와</a:t>
-            </a:r>
-            <a:r>
-              <a:rPr lang="ko-KR" altLang="en-US" baseline="0" dirty="0" smtClean="0"/>
-              <a:t> 위생</a:t>
-            </a:r>
-            <a:r>
-              <a:rPr lang="en-US" altLang="ko-KR" baseline="0" dirty="0" smtClean="0"/>
-              <a:t>), </a:t>
-            </a:r>
-            <a:r>
-              <a:rPr lang="ko-KR" altLang="en-US" baseline="0" dirty="0" smtClean="0"/>
-              <a:t>삼키기는 </a:t>
-            </a:r>
-            <a:r>
-              <a:rPr lang="en-US" altLang="ko-KR" baseline="0" dirty="0" smtClean="0"/>
-              <a:t>3</a:t>
-            </a:r>
-            <a:r>
-              <a:rPr lang="ko-KR" altLang="en-US" baseline="0" dirty="0" smtClean="0"/>
-              <a:t>번</a:t>
-            </a:r>
-            <a:r>
-              <a:rPr lang="en-US" altLang="ko-KR" baseline="0" dirty="0" smtClean="0"/>
-              <a:t>(</a:t>
-            </a:r>
-            <a:r>
-              <a:rPr lang="ko-KR" altLang="en-US" baseline="0" dirty="0" smtClean="0"/>
-              <a:t>삼키기</a:t>
-            </a:r>
-            <a:r>
-              <a:rPr lang="en-US" altLang="ko-KR" baseline="0" dirty="0" smtClean="0"/>
-              <a:t>), </a:t>
-            </a:r>
-            <a:r>
-              <a:rPr lang="ko-KR" altLang="en-US" baseline="0" dirty="0" smtClean="0"/>
-              <a:t>의사소통은 </a:t>
-            </a:r>
-            <a:r>
-              <a:rPr lang="en-US" altLang="ko-KR" baseline="0" dirty="0" smtClean="0"/>
-              <a:t>1</a:t>
-            </a:r>
-            <a:r>
-              <a:rPr lang="ko-KR" altLang="en-US" baseline="0" dirty="0" smtClean="0"/>
-              <a:t>번</a:t>
-            </a:r>
-            <a:r>
-              <a:rPr lang="en-US" altLang="ko-KR" baseline="0" dirty="0" smtClean="0"/>
-              <a:t>(</a:t>
-            </a:r>
-            <a:r>
-              <a:rPr lang="ko-KR" altLang="en-US" baseline="0" dirty="0" smtClean="0"/>
-              <a:t>말하기</a:t>
-            </a:r>
-            <a:r>
-              <a:rPr lang="en-US" altLang="ko-KR" baseline="0" dirty="0" smtClean="0"/>
-              <a:t>), 4</a:t>
-            </a:r>
-            <a:r>
-              <a:rPr lang="ko-KR" altLang="en-US" baseline="0" dirty="0" smtClean="0"/>
-              <a:t>번</a:t>
-            </a:r>
-            <a:r>
-              <a:rPr lang="en-US" altLang="ko-KR" baseline="0" dirty="0" smtClean="0"/>
-              <a:t>(</a:t>
-            </a:r>
-            <a:r>
-              <a:rPr lang="ko-KR" altLang="en-US" baseline="0" dirty="0" smtClean="0"/>
-              <a:t>쓰기</a:t>
-            </a:r>
-            <a:r>
-              <a:rPr lang="en-US" altLang="ko-KR" baseline="0" dirty="0" smtClean="0"/>
-              <a:t>), </a:t>
-            </a:r>
-            <a:r>
-              <a:rPr lang="ko-KR" altLang="en-US" baseline="0" dirty="0" smtClean="0"/>
-              <a:t>호흡은 </a:t>
-            </a:r>
-            <a:r>
-              <a:rPr lang="en-US" altLang="ko-KR" baseline="0" dirty="0" smtClean="0"/>
-              <a:t>10</a:t>
-            </a:r>
-            <a:r>
-              <a:rPr lang="ko-KR" altLang="en-US" baseline="0" dirty="0" smtClean="0"/>
-              <a:t>번</a:t>
-            </a:r>
-            <a:r>
-              <a:rPr lang="en-US" altLang="ko-KR" baseline="0" dirty="0" smtClean="0"/>
-              <a:t>(</a:t>
-            </a:r>
-            <a:r>
-              <a:rPr lang="ko-KR" altLang="en-US" baseline="0" dirty="0" smtClean="0"/>
-              <a:t>호흡곤란</a:t>
-            </a:r>
-            <a:r>
-              <a:rPr lang="en-US" altLang="ko-KR" baseline="0" dirty="0" smtClean="0"/>
-              <a:t>), 12</a:t>
-            </a:r>
-            <a:r>
-              <a:rPr lang="ko-KR" altLang="en-US" baseline="0" dirty="0" smtClean="0"/>
-              <a:t>번</a:t>
-            </a:r>
-            <a:r>
-              <a:rPr lang="en-US" altLang="ko-KR" baseline="0" dirty="0" smtClean="0"/>
-              <a:t>(</a:t>
-            </a:r>
-            <a:r>
-              <a:rPr lang="ko-KR" altLang="en-US" baseline="0" dirty="0" smtClean="0"/>
-              <a:t>호흡부전</a:t>
-            </a:r>
-            <a:r>
-              <a:rPr lang="en-US" altLang="ko-KR" baseline="0" dirty="0" smtClean="0"/>
-              <a:t>)</a:t>
-            </a:r>
-            <a:r>
-              <a:rPr lang="ko-KR" altLang="en-US" baseline="0" dirty="0" smtClean="0"/>
-              <a:t>으로 결정함</a:t>
-            </a:r>
-            <a:r>
-              <a:rPr lang="en-US" altLang="ko-KR" baseline="0" dirty="0" smtClean="0"/>
-              <a:t>. </a:t>
-            </a:r>
-            <a:r>
-              <a:rPr lang="ko-KR" altLang="en-US" baseline="0" dirty="0" smtClean="0"/>
-              <a:t>각 영역에서 자율성을 상실한 경우 </a:t>
-            </a:r>
-            <a:r>
-              <a:rPr lang="en-US" altLang="ko-KR" baseline="0" dirty="0" smtClean="0"/>
-              <a:t>0</a:t>
-            </a:r>
-            <a:r>
-              <a:rPr lang="ko-KR" altLang="en-US" baseline="0" dirty="0" smtClean="0"/>
-              <a:t>점</a:t>
-            </a:r>
-            <a:r>
-              <a:rPr lang="en-US" altLang="ko-KR" baseline="0" dirty="0" smtClean="0"/>
-              <a:t>, </a:t>
-            </a:r>
-            <a:r>
-              <a:rPr lang="ko-KR" altLang="en-US" baseline="0" dirty="0" smtClean="0"/>
-              <a:t>상실하지 않은 경우 </a:t>
-            </a:r>
-            <a:r>
-              <a:rPr lang="en-US" altLang="ko-KR" baseline="0" dirty="0" smtClean="0"/>
-              <a:t>1</a:t>
-            </a:r>
-            <a:r>
-              <a:rPr lang="ko-KR" altLang="en-US" baseline="0" dirty="0" smtClean="0"/>
-              <a:t>점으로 해서 </a:t>
-            </a:r>
-            <a:r>
-              <a:rPr lang="en-US" altLang="ko-KR" baseline="0" dirty="0" smtClean="0"/>
-              <a:t>4</a:t>
-            </a:r>
-            <a:r>
-              <a:rPr lang="ko-KR" altLang="en-US" baseline="0" dirty="0" smtClean="0"/>
-              <a:t>개 영역의 세부항목 점수를 합한 값을 통해 </a:t>
-            </a:r>
-            <a:r>
-              <a:rPr lang="en-US" altLang="ko-KR" baseline="0" dirty="0" smtClean="0"/>
-              <a:t>stage</a:t>
-            </a:r>
-            <a:r>
-              <a:rPr lang="ko-KR" altLang="en-US" baseline="0" dirty="0" smtClean="0"/>
-              <a:t>를 결정함</a:t>
-            </a:r>
-            <a:r>
-              <a:rPr lang="en-US" altLang="ko-KR" baseline="0" dirty="0" smtClean="0"/>
-              <a:t>. Stage</a:t>
-            </a:r>
-            <a:r>
-              <a:rPr lang="ko-KR" altLang="en-US" baseline="0" dirty="0" smtClean="0"/>
-              <a:t>는 총 </a:t>
-            </a:r>
-            <a:r>
-              <a:rPr lang="en-US" altLang="ko-KR" baseline="0" dirty="0" smtClean="0"/>
-              <a:t>6</a:t>
-            </a:r>
-            <a:r>
-              <a:rPr lang="ko-KR" altLang="en-US" baseline="0" dirty="0" smtClean="0"/>
-              <a:t>단계로 구분하는데 </a:t>
-            </a:r>
-            <a:r>
-              <a:rPr lang="en-US" altLang="ko-KR" baseline="0" dirty="0" smtClean="0"/>
-              <a:t>stage 0</a:t>
-            </a:r>
-            <a:r>
-              <a:rPr lang="ko-KR" altLang="en-US" baseline="0" dirty="0" smtClean="0"/>
-              <a:t>은 증상이 있으나 자율성 상실이 없는 상태이고 </a:t>
-            </a:r>
-            <a:r>
-              <a:rPr lang="en-US" altLang="ko-KR" baseline="0" dirty="0" smtClean="0"/>
-              <a:t>stage1</a:t>
-            </a:r>
-            <a:r>
-              <a:rPr lang="ko-KR" altLang="en-US" baseline="0" dirty="0" smtClean="0"/>
-              <a:t>부터 </a:t>
-            </a:r>
-            <a:r>
-              <a:rPr lang="en-US" altLang="ko-KR" baseline="0" dirty="0" smtClean="0"/>
-              <a:t>4</a:t>
-            </a:r>
-            <a:r>
-              <a:rPr lang="ko-KR" altLang="en-US" baseline="0" dirty="0" smtClean="0"/>
-              <a:t>까지는 자율성을 상실한 영역의 개수 </a:t>
-            </a:r>
-            <a:r>
-              <a:rPr lang="en-US" altLang="ko-KR" baseline="0" dirty="0" smtClean="0"/>
-              <a:t>1</a:t>
-            </a:r>
-            <a:r>
-              <a:rPr lang="ko-KR" altLang="en-US" baseline="0" dirty="0" smtClean="0"/>
-              <a:t>개부터 </a:t>
-            </a:r>
-            <a:r>
-              <a:rPr lang="en-US" altLang="ko-KR" baseline="0" dirty="0" smtClean="0"/>
-              <a:t>4</a:t>
-            </a:r>
-            <a:r>
-              <a:rPr lang="ko-KR" altLang="en-US" baseline="0" dirty="0" err="1" smtClean="0"/>
-              <a:t>개까지로</a:t>
-            </a:r>
-            <a:r>
-              <a:rPr lang="ko-KR" altLang="en-US" baseline="0" dirty="0" smtClean="0"/>
-              <a:t> 매기며 </a:t>
-            </a:r>
-            <a:r>
-              <a:rPr lang="en-US" altLang="ko-KR" baseline="0" dirty="0" smtClean="0"/>
-              <a:t>stage 5</a:t>
-            </a:r>
-            <a:r>
-              <a:rPr lang="ko-KR" altLang="en-US" baseline="0" dirty="0" smtClean="0"/>
-              <a:t>는 사망으로 정의함</a:t>
-            </a:r>
-            <a:r>
-              <a:rPr lang="en-US" altLang="ko-KR" baseline="0" dirty="0" smtClean="0"/>
-              <a:t>. MITOS</a:t>
-            </a:r>
-            <a:r>
-              <a:rPr lang="ko-KR" altLang="en-US" baseline="0" dirty="0" smtClean="0"/>
-              <a:t>는 임상에서 널리 사용되고 있는 </a:t>
-            </a:r>
-            <a:r>
-              <a:rPr lang="en-US" altLang="ko-KR" baseline="0" dirty="0" smtClean="0"/>
-              <a:t>ALSFRS, ALSFRS-R</a:t>
-            </a:r>
-            <a:r>
-              <a:rPr lang="ko-KR" altLang="en-US" baseline="0" dirty="0" smtClean="0"/>
-              <a:t>을 기반으로 만들어져서 추가적인 평가없이 결정할 수 있는 장점이 있고 전체 </a:t>
-            </a:r>
-            <a:r>
-              <a:rPr lang="en-US" altLang="ko-KR" baseline="0" dirty="0" smtClean="0"/>
-              <a:t>stage</a:t>
-            </a:r>
-            <a:r>
-              <a:rPr lang="ko-KR" altLang="en-US" baseline="0" dirty="0" smtClean="0"/>
-              <a:t>에 따른 환자의 분포와 </a:t>
-            </a:r>
-            <a:r>
-              <a:rPr lang="en-US" altLang="ko-KR" baseline="0" dirty="0" smtClean="0"/>
-              <a:t>stage</a:t>
-            </a:r>
-            <a:r>
-              <a:rPr lang="ko-KR" altLang="en-US" baseline="0" dirty="0" smtClean="0"/>
-              <a:t>간 전이 확률이 진행하는 질병 상태와 일치하는 모습을 보임</a:t>
-            </a:r>
-            <a:r>
-              <a:rPr lang="en-US" altLang="ko-KR" baseline="0" dirty="0" smtClean="0"/>
-              <a:t>. </a:t>
-            </a:r>
-          </a:p>
-          <a:p>
-            <a:r>
-              <a:rPr lang="ko-KR" altLang="en-US" baseline="0" dirty="0" smtClean="0"/>
-              <a:t>하지만 </a:t>
-            </a:r>
-            <a:r>
-              <a:rPr lang="ko-KR" altLang="en-US" baseline="0" dirty="0" err="1" smtClean="0"/>
-              <a:t>초기연구에</a:t>
-            </a:r>
-            <a:r>
-              <a:rPr lang="ko-KR" altLang="en-US" baseline="0" dirty="0" smtClean="0"/>
-              <a:t> 등록되기 전 </a:t>
-            </a:r>
-            <a:r>
-              <a:rPr lang="ko-KR" altLang="en-US" baseline="0" dirty="0" err="1" smtClean="0"/>
-              <a:t>기능손상에</a:t>
-            </a:r>
-            <a:r>
-              <a:rPr lang="ko-KR" altLang="en-US" baseline="0" dirty="0" smtClean="0"/>
-              <a:t> 필요한 소요기간을 결정할 수 없고 일부 환자에서는 </a:t>
-            </a:r>
-            <a:r>
-              <a:rPr lang="en-US" altLang="ko-KR" baseline="0" dirty="0" smtClean="0"/>
-              <a:t>stage</a:t>
-            </a:r>
-            <a:r>
-              <a:rPr lang="ko-KR" altLang="en-US" baseline="0" dirty="0" smtClean="0"/>
-              <a:t>를 건너뛰거나 이전 </a:t>
-            </a:r>
-            <a:r>
-              <a:rPr lang="en-US" altLang="ko-KR" baseline="0" dirty="0" smtClean="0"/>
-              <a:t>stage</a:t>
-            </a:r>
-            <a:r>
-              <a:rPr lang="ko-KR" altLang="en-US" baseline="0" dirty="0" smtClean="0"/>
-              <a:t>로 역행하는 경우도 있어 질병의 진행을 잘 반영하지 못하는 한계점을 보이기도 함</a:t>
-            </a:r>
-            <a:r>
-              <a:rPr lang="en-US" altLang="ko-KR" baseline="0" dirty="0" smtClean="0"/>
-              <a:t>. </a:t>
-            </a:r>
-            <a:r>
-              <a:rPr lang="ko-KR" altLang="en-US" baseline="0" dirty="0" smtClean="0"/>
-              <a:t>또한 </a:t>
-            </a:r>
-            <a:r>
-              <a:rPr lang="en-US" altLang="ko-KR" baseline="0" dirty="0" smtClean="0"/>
-              <a:t>bulbar onset ALS</a:t>
-            </a:r>
-            <a:r>
-              <a:rPr lang="ko-KR" altLang="en-US" baseline="0" dirty="0" smtClean="0"/>
-              <a:t>가 </a:t>
-            </a:r>
-            <a:r>
-              <a:rPr lang="en-US" altLang="ko-KR" baseline="0" dirty="0" smtClean="0"/>
-              <a:t>limb onset ALS</a:t>
-            </a:r>
-            <a:r>
-              <a:rPr lang="ko-KR" altLang="en-US" baseline="0" dirty="0" smtClean="0"/>
-              <a:t>에 비해 모집자 수가 부족했다는 점도 </a:t>
-            </a:r>
-            <a:r>
-              <a:rPr lang="ko-KR" altLang="en-US" baseline="0" dirty="0" err="1" smtClean="0"/>
-              <a:t>한계점임</a:t>
-            </a:r>
-            <a:r>
-              <a:rPr lang="en-US" altLang="ko-KR" baseline="0" dirty="0" smtClean="0"/>
-              <a:t>. </a:t>
-            </a:r>
-            <a:r>
-              <a:rPr lang="ko-KR" altLang="en-US" baseline="0" dirty="0" smtClean="0"/>
-              <a:t>또한 </a:t>
-            </a:r>
-            <a:r>
-              <a:rPr lang="en-US" altLang="ko-KR" baseline="0" dirty="0" smtClean="0"/>
-              <a:t>frontotemporal degeneration</a:t>
-            </a:r>
-            <a:r>
-              <a:rPr lang="ko-KR" altLang="en-US" baseline="0" dirty="0" smtClean="0"/>
-              <a:t>이나 </a:t>
-            </a:r>
-            <a:r>
-              <a:rPr lang="en-US" altLang="ko-KR" baseline="0" dirty="0" smtClean="0"/>
-              <a:t>ALS-plus syndrome </a:t>
-            </a:r>
-            <a:r>
-              <a:rPr lang="ko-KR" altLang="en-US" baseline="0" dirty="0" smtClean="0"/>
-              <a:t>등이 대상자에서 제외되어 인지기능 장애에 대한 반영이 잘 </a:t>
-            </a:r>
-            <a:r>
-              <a:rPr lang="ko-KR" altLang="en-US" baseline="0" dirty="0" err="1" smtClean="0"/>
-              <a:t>안되어있음</a:t>
+              <a:t>그리고 임상시험의 </a:t>
+            </a:r>
+            <a:r>
+              <a:rPr lang="en-US" altLang="ko-KR" baseline="0" dirty="0" smtClean="0"/>
+              <a:t>secondary endpoint</a:t>
+            </a:r>
+            <a:r>
+              <a:rPr lang="ko-KR" altLang="en-US" baseline="0" dirty="0" smtClean="0"/>
+              <a:t>로 사용될 수 있습니다</a:t>
             </a:r>
             <a:r>
               <a:rPr lang="en-US" altLang="ko-KR" baseline="0" dirty="0" smtClean="0"/>
@@ -1808,7 +2746,7 @@
     </p:spTree>
     <p:extLst>
       <p:ext uri="{BB962C8B-B14F-4D97-AF65-F5344CB8AC3E}">
-        <p14:creationId xmlns:p14="http://schemas.microsoft.com/office/powerpoint/2010/main" val="3284681718"/>
+        <p14:creationId xmlns:p14="http://schemas.microsoft.com/office/powerpoint/2010/main" val="480547106"/>
       </p:ext>
     </p:extLst>
   </p:cSld>
@@ -1864,6 +2802,644 @@
           <a:p>
             <a:r>
               <a:rPr lang="en-US" altLang="ko-KR" dirty="0" smtClean="0"/>
+              <a:t>2015</a:t>
+            </a:r>
+            <a:r>
+              <a:rPr lang="ko-KR" altLang="en-US" dirty="0" smtClean="0"/>
+              <a:t>년 </a:t>
+            </a:r>
+            <a:r>
+              <a:rPr lang="en-US" altLang="ko-KR" dirty="0" smtClean="0"/>
+              <a:t>JNNP</a:t>
+            </a:r>
+            <a:r>
+              <a:rPr lang="ko-KR" altLang="en-US" dirty="0" smtClean="0"/>
+              <a:t>에 </a:t>
+            </a:r>
+            <a:r>
+              <a:rPr lang="en-US" altLang="ko-KR" dirty="0" err="1" smtClean="0"/>
+              <a:t>Chio</a:t>
+            </a:r>
+            <a:r>
+              <a:rPr lang="ko-KR" altLang="en-US" dirty="0" smtClean="0"/>
+              <a:t>등이 발표한 </a:t>
+            </a:r>
+            <a:r>
+              <a:rPr lang="en-US" altLang="ko-KR" dirty="0" smtClean="0"/>
+              <a:t>Milano-Torino staging system</a:t>
+            </a:r>
+            <a:r>
+              <a:rPr lang="ko-KR" altLang="en-US" dirty="0" smtClean="0"/>
+              <a:t>은 </a:t>
+            </a:r>
+            <a:r>
+              <a:rPr lang="en-US" altLang="ko-KR" dirty="0" smtClean="0"/>
+              <a:t>ALS</a:t>
+            </a:r>
+            <a:r>
+              <a:rPr lang="ko-KR" altLang="en-US" dirty="0" smtClean="0"/>
+              <a:t>의 진행에 따라 삶의 질과 경제적 부담에 대해서도 </a:t>
+            </a:r>
+            <a:r>
+              <a:rPr lang="ko-KR" altLang="en-US" dirty="0" err="1" smtClean="0"/>
+              <a:t>의미있는</a:t>
+            </a:r>
+            <a:r>
+              <a:rPr lang="ko-KR" altLang="en-US" dirty="0" smtClean="0"/>
+              <a:t> 차이를 반영할 수 있어야 한다는 생각을 바탕으로 하여 개발되었습니다</a:t>
+            </a:r>
+            <a:r>
+              <a:rPr lang="en-US" altLang="ko-KR" dirty="0" smtClean="0"/>
+              <a:t>. ALS</a:t>
+            </a:r>
+            <a:r>
+              <a:rPr lang="ko-KR" altLang="en-US" dirty="0" smtClean="0"/>
+              <a:t>진행의 주요 </a:t>
+            </a:r>
+            <a:r>
+              <a:rPr lang="en-US" altLang="ko-KR" dirty="0" smtClean="0"/>
+              <a:t>milestone</a:t>
+            </a:r>
+            <a:r>
+              <a:rPr lang="ko-KR" altLang="en-US" dirty="0" smtClean="0"/>
+              <a:t>은 </a:t>
+            </a:r>
+            <a:r>
+              <a:rPr lang="en-US" altLang="ko-KR" dirty="0" smtClean="0"/>
+              <a:t>ALSFRS, ALSFRS-R</a:t>
+            </a:r>
+            <a:r>
+              <a:rPr lang="en-US" altLang="ko-KR" baseline="0" dirty="0" smtClean="0"/>
+              <a:t> </a:t>
+            </a:r>
+            <a:r>
+              <a:rPr lang="ko-KR" altLang="en-US" baseline="0" dirty="0" smtClean="0"/>
+              <a:t>모두에 포함되고 자율성 상실을 수반하는 주요 지표 </a:t>
+            </a:r>
+            <a:r>
+              <a:rPr lang="en-US" altLang="ko-KR" baseline="0" dirty="0" smtClean="0"/>
+              <a:t>4</a:t>
+            </a:r>
+            <a:r>
+              <a:rPr lang="ko-KR" altLang="en-US" baseline="0" dirty="0" smtClean="0"/>
+              <a:t>가지로 정의함</a:t>
+            </a:r>
+            <a:r>
+              <a:rPr lang="en-US" altLang="ko-KR" baseline="0" dirty="0" smtClean="0"/>
+              <a:t>. </a:t>
+            </a:r>
+            <a:r>
+              <a:rPr lang="ko-KR" altLang="en-US" baseline="0" dirty="0" smtClean="0"/>
+              <a:t>걷기</a:t>
+            </a:r>
+            <a:r>
+              <a:rPr lang="en-US" altLang="ko-KR" baseline="0" dirty="0" smtClean="0"/>
+              <a:t>/</a:t>
+            </a:r>
+            <a:r>
+              <a:rPr lang="ko-KR" altLang="en-US" baseline="0" dirty="0" smtClean="0"/>
+              <a:t>자기관리</a:t>
+            </a:r>
+            <a:r>
+              <a:rPr lang="en-US" altLang="ko-KR" baseline="0" dirty="0" smtClean="0"/>
+              <a:t>, </a:t>
+            </a:r>
+            <a:r>
+              <a:rPr lang="ko-KR" altLang="en-US" baseline="0" dirty="0" smtClean="0"/>
+              <a:t>삼키기</a:t>
+            </a:r>
+            <a:r>
+              <a:rPr lang="en-US" altLang="ko-KR" baseline="0" dirty="0" smtClean="0"/>
+              <a:t>, </a:t>
+            </a:r>
+            <a:r>
+              <a:rPr lang="ko-KR" altLang="en-US" baseline="0" dirty="0" smtClean="0"/>
+              <a:t>의사소통</a:t>
+            </a:r>
+            <a:r>
+              <a:rPr lang="en-US" altLang="ko-KR" baseline="0" dirty="0" smtClean="0"/>
+              <a:t>, </a:t>
+            </a:r>
+            <a:r>
+              <a:rPr lang="ko-KR" altLang="en-US" baseline="0" dirty="0" smtClean="0"/>
+              <a:t>호흡 </a:t>
+            </a:r>
+            <a:r>
+              <a:rPr lang="en-US" altLang="ko-KR" baseline="0" dirty="0" smtClean="0"/>
+              <a:t>4</a:t>
+            </a:r>
+            <a:r>
+              <a:rPr lang="ko-KR" altLang="en-US" baseline="0" dirty="0" smtClean="0"/>
+              <a:t>가지임</a:t>
+            </a:r>
+            <a:r>
+              <a:rPr lang="en-US" altLang="ko-KR" baseline="0" dirty="0" smtClean="0"/>
+              <a:t>. 4</a:t>
+            </a:r>
+            <a:r>
+              <a:rPr lang="ko-KR" altLang="en-US" baseline="0" dirty="0" smtClean="0"/>
+              <a:t>가지 영역 중 걷기</a:t>
+            </a:r>
+            <a:r>
+              <a:rPr lang="en-US" altLang="ko-KR" baseline="0" dirty="0" smtClean="0"/>
+              <a:t>/</a:t>
+            </a:r>
+            <a:r>
+              <a:rPr lang="ko-KR" altLang="en-US" baseline="0" dirty="0" smtClean="0"/>
+              <a:t>자기관리는 </a:t>
+            </a:r>
+            <a:r>
+              <a:rPr lang="en-US" altLang="ko-KR" baseline="0" dirty="0" smtClean="0"/>
+              <a:t>ASLFRS-R</a:t>
+            </a:r>
+            <a:r>
+              <a:rPr lang="ko-KR" altLang="en-US" baseline="0" dirty="0" smtClean="0"/>
+              <a:t>의 </a:t>
+            </a:r>
+            <a:r>
+              <a:rPr lang="en-US" altLang="ko-KR" baseline="0" dirty="0" smtClean="0"/>
+              <a:t>8</a:t>
+            </a:r>
+            <a:r>
+              <a:rPr lang="ko-KR" altLang="en-US" baseline="0" dirty="0" smtClean="0"/>
+              <a:t>번</a:t>
+            </a:r>
+            <a:r>
+              <a:rPr lang="en-US" altLang="ko-KR" baseline="0" dirty="0" smtClean="0"/>
+              <a:t>(</a:t>
+            </a:r>
+            <a:r>
+              <a:rPr lang="ko-KR" altLang="en-US" baseline="0" dirty="0" smtClean="0"/>
+              <a:t>걷기</a:t>
+            </a:r>
+            <a:r>
+              <a:rPr lang="en-US" altLang="ko-KR" baseline="0" dirty="0" smtClean="0"/>
+              <a:t>), 6</a:t>
+            </a:r>
+            <a:r>
+              <a:rPr lang="ko-KR" altLang="en-US" baseline="0" dirty="0" smtClean="0"/>
+              <a:t>번</a:t>
+            </a:r>
+            <a:r>
+              <a:rPr lang="en-US" altLang="ko-KR" baseline="0" dirty="0" smtClean="0"/>
+              <a:t>(</a:t>
+            </a:r>
+            <a:r>
+              <a:rPr lang="ko-KR" altLang="en-US" baseline="0" dirty="0" err="1" smtClean="0"/>
+              <a:t>옷입기와</a:t>
+            </a:r>
+            <a:r>
+              <a:rPr lang="ko-KR" altLang="en-US" baseline="0" dirty="0" smtClean="0"/>
+              <a:t> 위생</a:t>
+            </a:r>
+            <a:r>
+              <a:rPr lang="en-US" altLang="ko-KR" baseline="0" dirty="0" smtClean="0"/>
+              <a:t>), </a:t>
+            </a:r>
+            <a:r>
+              <a:rPr lang="ko-KR" altLang="en-US" baseline="0" dirty="0" smtClean="0"/>
+              <a:t>삼키기는 </a:t>
+            </a:r>
+            <a:r>
+              <a:rPr lang="en-US" altLang="ko-KR" baseline="0" dirty="0" smtClean="0"/>
+              <a:t>3</a:t>
+            </a:r>
+            <a:r>
+              <a:rPr lang="ko-KR" altLang="en-US" baseline="0" dirty="0" smtClean="0"/>
+              <a:t>번</a:t>
+            </a:r>
+            <a:r>
+              <a:rPr lang="en-US" altLang="ko-KR" baseline="0" dirty="0" smtClean="0"/>
+              <a:t>(</a:t>
+            </a:r>
+            <a:r>
+              <a:rPr lang="ko-KR" altLang="en-US" baseline="0" dirty="0" smtClean="0"/>
+              <a:t>삼키기</a:t>
+            </a:r>
+            <a:r>
+              <a:rPr lang="en-US" altLang="ko-KR" baseline="0" dirty="0" smtClean="0"/>
+              <a:t>), </a:t>
+            </a:r>
+            <a:r>
+              <a:rPr lang="ko-KR" altLang="en-US" baseline="0" dirty="0" smtClean="0"/>
+              <a:t>의사소통은 </a:t>
+            </a:r>
+            <a:r>
+              <a:rPr lang="en-US" altLang="ko-KR" baseline="0" dirty="0" smtClean="0"/>
+              <a:t>1</a:t>
+            </a:r>
+            <a:r>
+              <a:rPr lang="ko-KR" altLang="en-US" baseline="0" dirty="0" smtClean="0"/>
+              <a:t>번</a:t>
+            </a:r>
+            <a:r>
+              <a:rPr lang="en-US" altLang="ko-KR" baseline="0" dirty="0" smtClean="0"/>
+              <a:t>(</a:t>
+            </a:r>
+            <a:r>
+              <a:rPr lang="ko-KR" altLang="en-US" baseline="0" dirty="0" smtClean="0"/>
+              <a:t>말하기</a:t>
+            </a:r>
+            <a:r>
+              <a:rPr lang="en-US" altLang="ko-KR" baseline="0" dirty="0" smtClean="0"/>
+              <a:t>), 4</a:t>
+            </a:r>
+            <a:r>
+              <a:rPr lang="ko-KR" altLang="en-US" baseline="0" dirty="0" smtClean="0"/>
+              <a:t>번</a:t>
+            </a:r>
+            <a:r>
+              <a:rPr lang="en-US" altLang="ko-KR" baseline="0" dirty="0" smtClean="0"/>
+              <a:t>(</a:t>
+            </a:r>
+            <a:r>
+              <a:rPr lang="ko-KR" altLang="en-US" baseline="0" dirty="0" smtClean="0"/>
+              <a:t>쓰기</a:t>
+            </a:r>
+            <a:r>
+              <a:rPr lang="en-US" altLang="ko-KR" baseline="0" dirty="0" smtClean="0"/>
+              <a:t>), </a:t>
+            </a:r>
+            <a:r>
+              <a:rPr lang="ko-KR" altLang="en-US" baseline="0" dirty="0" smtClean="0"/>
+              <a:t>호흡은 </a:t>
+            </a:r>
+            <a:r>
+              <a:rPr lang="en-US" altLang="ko-KR" baseline="0" dirty="0" smtClean="0"/>
+              <a:t>10</a:t>
+            </a:r>
+            <a:r>
+              <a:rPr lang="ko-KR" altLang="en-US" baseline="0" dirty="0" smtClean="0"/>
+              <a:t>번</a:t>
+            </a:r>
+            <a:r>
+              <a:rPr lang="en-US" altLang="ko-KR" baseline="0" dirty="0" smtClean="0"/>
+              <a:t>(</a:t>
+            </a:r>
+            <a:r>
+              <a:rPr lang="ko-KR" altLang="en-US" baseline="0" dirty="0" smtClean="0"/>
+              <a:t>호흡곤란</a:t>
+            </a:r>
+            <a:r>
+              <a:rPr lang="en-US" altLang="ko-KR" baseline="0" dirty="0" smtClean="0"/>
+              <a:t>), 12</a:t>
+            </a:r>
+            <a:r>
+              <a:rPr lang="ko-KR" altLang="en-US" baseline="0" dirty="0" smtClean="0"/>
+              <a:t>번</a:t>
+            </a:r>
+            <a:r>
+              <a:rPr lang="en-US" altLang="ko-KR" baseline="0" dirty="0" smtClean="0"/>
+              <a:t>(</a:t>
+            </a:r>
+            <a:r>
+              <a:rPr lang="ko-KR" altLang="en-US" baseline="0" dirty="0" smtClean="0"/>
+              <a:t>호흡부전</a:t>
+            </a:r>
+            <a:r>
+              <a:rPr lang="en-US" altLang="ko-KR" baseline="0" dirty="0" smtClean="0"/>
+              <a:t>)</a:t>
+            </a:r>
+            <a:r>
+              <a:rPr lang="ko-KR" altLang="en-US" baseline="0" dirty="0" smtClean="0"/>
+              <a:t>으로 결정함</a:t>
+            </a:r>
+            <a:r>
+              <a:rPr lang="en-US" altLang="ko-KR" baseline="0" dirty="0" smtClean="0"/>
+              <a:t>. </a:t>
+            </a:r>
+            <a:r>
+              <a:rPr lang="ko-KR" altLang="en-US" baseline="0" dirty="0" smtClean="0"/>
+              <a:t>각 영역에서 자율성을 상실한 경우 </a:t>
+            </a:r>
+            <a:r>
+              <a:rPr lang="en-US" altLang="ko-KR" baseline="0" dirty="0" smtClean="0"/>
+              <a:t>0</a:t>
+            </a:r>
+            <a:r>
+              <a:rPr lang="ko-KR" altLang="en-US" baseline="0" dirty="0" smtClean="0"/>
+              <a:t>점</a:t>
+            </a:r>
+            <a:r>
+              <a:rPr lang="en-US" altLang="ko-KR" baseline="0" dirty="0" smtClean="0"/>
+              <a:t>, </a:t>
+            </a:r>
+            <a:r>
+              <a:rPr lang="ko-KR" altLang="en-US" baseline="0" dirty="0" smtClean="0"/>
+              <a:t>상실하지 않은 경우 </a:t>
+            </a:r>
+            <a:r>
+              <a:rPr lang="en-US" altLang="ko-KR" baseline="0" dirty="0" smtClean="0"/>
+              <a:t>1</a:t>
+            </a:r>
+            <a:r>
+              <a:rPr lang="ko-KR" altLang="en-US" baseline="0" dirty="0" smtClean="0"/>
+              <a:t>점으로 해서 </a:t>
+            </a:r>
+            <a:r>
+              <a:rPr lang="en-US" altLang="ko-KR" baseline="0" dirty="0" smtClean="0"/>
+              <a:t>4</a:t>
+            </a:r>
+            <a:r>
+              <a:rPr lang="ko-KR" altLang="en-US" baseline="0" dirty="0" smtClean="0"/>
+              <a:t>개 영역의 세부항목 점수를 합한 값을 통해 </a:t>
+            </a:r>
+            <a:r>
+              <a:rPr lang="en-US" altLang="ko-KR" baseline="0" dirty="0" smtClean="0"/>
+              <a:t>stage</a:t>
+            </a:r>
+            <a:r>
+              <a:rPr lang="ko-KR" altLang="en-US" baseline="0" dirty="0" smtClean="0"/>
+              <a:t>를 결정함</a:t>
+            </a:r>
+            <a:r>
+              <a:rPr lang="en-US" altLang="ko-KR" baseline="0" dirty="0" smtClean="0"/>
+              <a:t>. Stage</a:t>
+            </a:r>
+            <a:r>
+              <a:rPr lang="ko-KR" altLang="en-US" baseline="0" dirty="0" smtClean="0"/>
+              <a:t>는 총 </a:t>
+            </a:r>
+            <a:r>
+              <a:rPr lang="en-US" altLang="ko-KR" baseline="0" dirty="0" smtClean="0"/>
+              <a:t>6</a:t>
+            </a:r>
+            <a:r>
+              <a:rPr lang="ko-KR" altLang="en-US" baseline="0" dirty="0" smtClean="0"/>
+              <a:t>단계로 구분하는데 </a:t>
+            </a:r>
+            <a:r>
+              <a:rPr lang="en-US" altLang="ko-KR" baseline="0" dirty="0" smtClean="0"/>
+              <a:t>stage 0</a:t>
+            </a:r>
+            <a:r>
+              <a:rPr lang="ko-KR" altLang="en-US" baseline="0" dirty="0" smtClean="0"/>
+              <a:t>은 증상이 있으나 자율성 상실이 없는 상태이고 </a:t>
+            </a:r>
+            <a:r>
+              <a:rPr lang="en-US" altLang="ko-KR" baseline="0" dirty="0" smtClean="0"/>
+              <a:t>stage1</a:t>
+            </a:r>
+            <a:r>
+              <a:rPr lang="ko-KR" altLang="en-US" baseline="0" dirty="0" smtClean="0"/>
+              <a:t>부터 </a:t>
+            </a:r>
+            <a:r>
+              <a:rPr lang="en-US" altLang="ko-KR" baseline="0" dirty="0" smtClean="0"/>
+              <a:t>4</a:t>
+            </a:r>
+            <a:r>
+              <a:rPr lang="ko-KR" altLang="en-US" baseline="0" dirty="0" smtClean="0"/>
+              <a:t>까지는 자율성을 상실한 영역의 개수 </a:t>
+            </a:r>
+            <a:r>
+              <a:rPr lang="en-US" altLang="ko-KR" baseline="0" dirty="0" smtClean="0"/>
+              <a:t>1</a:t>
+            </a:r>
+            <a:r>
+              <a:rPr lang="ko-KR" altLang="en-US" baseline="0" dirty="0" smtClean="0"/>
+              <a:t>개부터 </a:t>
+            </a:r>
+            <a:r>
+              <a:rPr lang="en-US" altLang="ko-KR" baseline="0" dirty="0" smtClean="0"/>
+              <a:t>4</a:t>
+            </a:r>
+            <a:r>
+              <a:rPr lang="ko-KR" altLang="en-US" baseline="0" dirty="0" err="1" smtClean="0"/>
+              <a:t>개까지로</a:t>
+            </a:r>
+            <a:r>
+              <a:rPr lang="ko-KR" altLang="en-US" baseline="0" dirty="0" smtClean="0"/>
+              <a:t> 매기며 </a:t>
+            </a:r>
+            <a:r>
+              <a:rPr lang="en-US" altLang="ko-KR" baseline="0" dirty="0" smtClean="0"/>
+              <a:t>stage 5</a:t>
+            </a:r>
+            <a:r>
+              <a:rPr lang="ko-KR" altLang="en-US" baseline="0" dirty="0" smtClean="0"/>
+              <a:t>는 사망으로 정의함</a:t>
+            </a:r>
+            <a:r>
+              <a:rPr lang="en-US" altLang="ko-KR" baseline="0" dirty="0" smtClean="0"/>
+              <a:t>. MITOS</a:t>
+            </a:r>
+            <a:r>
+              <a:rPr lang="ko-KR" altLang="en-US" baseline="0" dirty="0" smtClean="0"/>
+              <a:t>는 임상에서 널리 사용되고 있는 </a:t>
+            </a:r>
+            <a:r>
+              <a:rPr lang="en-US" altLang="ko-KR" baseline="0" dirty="0" smtClean="0"/>
+              <a:t>ALSFRS, ALSFRS-R</a:t>
+            </a:r>
+            <a:r>
+              <a:rPr lang="ko-KR" altLang="en-US" baseline="0" dirty="0" smtClean="0"/>
+              <a:t>을 기반으로 만들어져서 추가적인 평가없이 결정할 수 있는 장점이 있고 전체 </a:t>
+            </a:r>
+            <a:r>
+              <a:rPr lang="en-US" altLang="ko-KR" baseline="0" dirty="0" smtClean="0"/>
+              <a:t>stage</a:t>
+            </a:r>
+            <a:r>
+              <a:rPr lang="ko-KR" altLang="en-US" baseline="0" dirty="0" smtClean="0"/>
+              <a:t>에 따른 환자의 분포와 </a:t>
+            </a:r>
+            <a:r>
+              <a:rPr lang="en-US" altLang="ko-KR" baseline="0" dirty="0" smtClean="0"/>
+              <a:t>stage</a:t>
+            </a:r>
+            <a:r>
+              <a:rPr lang="ko-KR" altLang="en-US" baseline="0" dirty="0" smtClean="0"/>
+              <a:t>간 전이 확률이 진행하는 질병 상태와 일치하는 모습을 보임</a:t>
+            </a:r>
+            <a:r>
+              <a:rPr lang="en-US" altLang="ko-KR" baseline="0" dirty="0" smtClean="0"/>
+              <a:t>. </a:t>
+            </a:r>
+          </a:p>
+          <a:p>
+            <a:r>
+              <a:rPr lang="ko-KR" altLang="en-US" baseline="0" dirty="0" smtClean="0"/>
+              <a:t>하지만 </a:t>
+            </a:r>
+            <a:r>
+              <a:rPr lang="ko-KR" altLang="en-US" baseline="0" dirty="0" err="1" smtClean="0"/>
+              <a:t>초기연구에</a:t>
+            </a:r>
+            <a:r>
+              <a:rPr lang="ko-KR" altLang="en-US" baseline="0" dirty="0" smtClean="0"/>
+              <a:t> 등록되기 전 </a:t>
+            </a:r>
+            <a:r>
+              <a:rPr lang="ko-KR" altLang="en-US" baseline="0" dirty="0" err="1" smtClean="0"/>
+              <a:t>기능손상에</a:t>
+            </a:r>
+            <a:r>
+              <a:rPr lang="ko-KR" altLang="en-US" baseline="0" dirty="0" smtClean="0"/>
+              <a:t> 필요한 소요기간을 결정할 수 없고 일부 환자에서는 </a:t>
+            </a:r>
+            <a:r>
+              <a:rPr lang="en-US" altLang="ko-KR" baseline="0" dirty="0" smtClean="0"/>
+              <a:t>stage</a:t>
+            </a:r>
+            <a:r>
+              <a:rPr lang="ko-KR" altLang="en-US" baseline="0" dirty="0" smtClean="0"/>
+              <a:t>를 건너뛰거나 이전 </a:t>
+            </a:r>
+            <a:r>
+              <a:rPr lang="en-US" altLang="ko-KR" baseline="0" dirty="0" smtClean="0"/>
+              <a:t>stage</a:t>
+            </a:r>
+            <a:r>
+              <a:rPr lang="ko-KR" altLang="en-US" baseline="0" dirty="0" smtClean="0"/>
+              <a:t>로 역행하는 경우도 있어 질병의 진행을 잘 반영하지 못하는 한계점을 보이기도 함</a:t>
+            </a:r>
+            <a:r>
+              <a:rPr lang="en-US" altLang="ko-KR" baseline="0" dirty="0" smtClean="0"/>
+              <a:t>. </a:t>
+            </a:r>
+            <a:r>
+              <a:rPr lang="ko-KR" altLang="en-US" baseline="0" dirty="0" smtClean="0"/>
+              <a:t>또한 </a:t>
+            </a:r>
+            <a:r>
+              <a:rPr lang="en-US" altLang="ko-KR" baseline="0" dirty="0" smtClean="0"/>
+              <a:t>bulbar onset ALS</a:t>
+            </a:r>
+            <a:r>
+              <a:rPr lang="ko-KR" altLang="en-US" baseline="0" dirty="0" smtClean="0"/>
+              <a:t>가 </a:t>
+            </a:r>
+            <a:r>
+              <a:rPr lang="en-US" altLang="ko-KR" baseline="0" dirty="0" smtClean="0"/>
+              <a:t>limb onset ALS</a:t>
+            </a:r>
+            <a:r>
+              <a:rPr lang="ko-KR" altLang="en-US" baseline="0" dirty="0" smtClean="0"/>
+              <a:t>에 비해 모집자 수가 부족했다는 점도 </a:t>
+            </a:r>
+            <a:r>
+              <a:rPr lang="ko-KR" altLang="en-US" baseline="0" dirty="0" err="1" smtClean="0"/>
+              <a:t>한계점임</a:t>
+            </a:r>
+            <a:r>
+              <a:rPr lang="en-US" altLang="ko-KR" baseline="0" dirty="0" smtClean="0"/>
+              <a:t>. </a:t>
+            </a:r>
+            <a:r>
+              <a:rPr lang="ko-KR" altLang="en-US" baseline="0" dirty="0" smtClean="0"/>
+              <a:t>또한 </a:t>
+            </a:r>
+            <a:r>
+              <a:rPr lang="en-US" altLang="ko-KR" baseline="0" dirty="0" smtClean="0"/>
+              <a:t>frontotemporal degeneration</a:t>
+            </a:r>
+            <a:r>
+              <a:rPr lang="ko-KR" altLang="en-US" baseline="0" dirty="0" smtClean="0"/>
+              <a:t>이나 </a:t>
+            </a:r>
+            <a:r>
+              <a:rPr lang="en-US" altLang="ko-KR" baseline="0" dirty="0" smtClean="0"/>
+              <a:t>ALS-plus syndrome </a:t>
+            </a:r>
+            <a:r>
+              <a:rPr lang="ko-KR" altLang="en-US" baseline="0" dirty="0" smtClean="0"/>
+              <a:t>등이 대상자에서 제외되어 인지기능 장애에 대한 반영이 잘 </a:t>
+            </a:r>
+            <a:r>
+              <a:rPr lang="ko-KR" altLang="en-US" baseline="0" dirty="0" err="1" smtClean="0"/>
+              <a:t>안되어있음</a:t>
+            </a:r>
+            <a:r>
+              <a:rPr lang="en-US" altLang="ko-KR" baseline="0" dirty="0" smtClean="0"/>
+              <a:t>. </a:t>
+            </a:r>
+            <a:endParaRPr lang="ko-KR" altLang="en-US" dirty="0"/>
+          </a:p>
+        </p:txBody>
+      </p:sp>
+      <p:sp>
+        <p:nvSpPr>
+          <p:cNvPr id="4" name="슬라이드 번호 개체 틀 3"/>
+          <p:cNvSpPr>
+            <a:spLocks noGrp="1"/>
+          </p:cNvSpPr>
+          <p:nvPr>
+            <p:ph type="sldNum" sz="quarter" idx="10"/>
+          </p:nvPr>
+        </p:nvSpPr>
+        <p:spPr/>
+        <p:txBody>
+          <a:bodyPr/>
+          <a:lstStyle/>
+          <a:p>
+            <a:fld id="{BBAA4D1B-A90B-4163-BF9D-AF53B78ADDD3}" type="slidenum">
+              <a:rPr lang="ko-KR" altLang="en-US" smtClean="0"/>
+              <a:t>5</a:t>
+            </a:fld>
+            <a:endParaRPr lang="ko-KR" altLang="en-US"/>
+          </a:p>
+        </p:txBody>
+      </p:sp>
+    </p:spTree>
+    <p:extLst>
+      <p:ext uri="{BB962C8B-B14F-4D97-AF65-F5344CB8AC3E}">
+        <p14:creationId xmlns:p14="http://schemas.microsoft.com/office/powerpoint/2010/main" val="3284681718"/>
+      </p:ext>
+    </p:extLst>
+  </p:cSld>
+  <p:clrMapOvr>
+    <a:masterClrMapping/>
+  </p:clrMapOvr>
+</p:notes>
+</file>
+
+<file path=ppt/notesSlides/notesSlide5.xml><?xml version="1.0" encoding="utf-8"?>
+<p:notes xmlns:a="http://schemas.openxmlformats.org/drawingml/2006/main" xmlns:r="http://schemas.openxmlformats.org/officeDocument/2006/relationships" xmlns:p="http://schemas.openxmlformats.org/presentationml/2006/main">
+  <p:cSld>
+    <p:spTree>
+      <p:nvGrpSpPr>
+        <p:cNvPr id="1" name=""/>
+        <p:cNvGrpSpPr/>
+        <p:nvPr/>
+      </p:nvGrpSpPr>
+      <p:grpSpPr>
+        <a:xfrm>
+          <a:off x="0" y="0"/>
+          <a:ext cx="0" cy="0"/>
+          <a:chOff x="0" y="0"/>
+          <a:chExt cx="0" cy="0"/>
+        </a:xfrm>
+      </p:grpSpPr>
+      <p:sp>
+        <p:nvSpPr>
+          <p:cNvPr id="2" name="슬라이드 이미지 개체 틀 1"/>
+          <p:cNvSpPr>
+            <a:spLocks noGrp="1" noRot="1" noChangeAspect="1"/>
+          </p:cNvSpPr>
+          <p:nvPr>
+            <p:ph type="sldImg"/>
+          </p:nvPr>
+        </p:nvSpPr>
+        <p:spPr/>
+      </p:sp>
+      <p:sp>
+        <p:nvSpPr>
+          <p:cNvPr id="3" name="슬라이드 노트 개체 틀 2"/>
+          <p:cNvSpPr>
+            <a:spLocks noGrp="1"/>
+          </p:cNvSpPr>
+          <p:nvPr>
+            <p:ph type="body" idx="1"/>
+          </p:nvPr>
+        </p:nvSpPr>
+        <p:spPr/>
+        <p:txBody>
+          <a:bodyPr/>
+          <a:lstStyle/>
+          <a:p>
+            <a:r>
+              <a:rPr lang="en-US" altLang="ko-KR" dirty="0" smtClean="0"/>
               <a:t>King’s system</a:t>
             </a:r>
             <a:r>
@@ -1987,7 +3563,7 @@
           <a:p>
             <a:fld id="{BBAA4D1B-A90B-4163-BF9D-AF53B78ADDD3}" type="slidenum">
               <a:rPr lang="ko-KR" altLang="en-US" smtClean="0"/>
-              <a:t>6</a:t>
+              <a:t>7</a:t>
             </a:fld>
             <a:endParaRPr lang="ko-KR" altLang="en-US"/>
           </a:p>
@@ -2168,7 +3744,7 @@
           <a:p>
             <a:fld id="{11CF987C-FD17-4394-9A4F-BE2D66BE4DDF}" type="datetimeFigureOut">
               <a:rPr lang="ko-KR" altLang="en-US" smtClean="0"/>
-              <a:t>2021-07-07</a:t>
+              <a:t>2021-07-12</a:t>
             </a:fld>
             <a:endParaRPr lang="ko-KR" altLang="en-US"/>
           </a:p>
@@ -2345,7 +3921,7 @@
           <a:p>
             <a:fld id="{11CF987C-FD17-4394-9A4F-BE2D66BE4DDF}" type="datetimeFigureOut">
               <a:rPr lang="ko-KR" altLang="en-US" smtClean="0"/>
-              <a:t>2021-07-07</a:t>
+              <a:t>2021-07-12</a:t>
             </a:fld>
             <a:endParaRPr lang="ko-KR" altLang="en-US"/>
           </a:p>
@@ -2525,7 +4101,7 @@
           <a:p>
             <a:fld id="{11CF987C-FD17-4394-9A4F-BE2D66BE4DDF}" type="datetimeFigureOut">
               <a:rPr lang="ko-KR" altLang="en-US" smtClean="0"/>
-              <a:t>2021-07-07</a:t>
+              <a:t>2021-07-12</a:t>
             </a:fld>
             <a:endParaRPr lang="ko-KR" altLang="en-US"/>
           </a:p>
@@ -2886,7 +4462,7 @@
           <a:p>
             <a:fld id="{11CF987C-FD17-4394-9A4F-BE2D66BE4DDF}" type="datetimeFigureOut">
               <a:rPr lang="ko-KR" altLang="en-US" smtClean="0"/>
-              <a:t>2021-07-07</a:t>
+              <a:t>2021-07-12</a:t>
             </a:fld>
             <a:endParaRPr lang="ko-KR" altLang="en-US"/>
           </a:p>
@@ -3118,7 +4694,7 @@
           <a:p>
             <a:fld id="{11CF987C-FD17-4394-9A4F-BE2D66BE4DDF}" type="datetimeFigureOut">
               <a:rPr lang="ko-KR" altLang="en-US" smtClean="0"/>
-              <a:t>2021-07-07</a:t>
+              <a:t>2021-07-12</a:t>
             </a:fld>
             <a:endParaRPr lang="ko-KR" altLang="en-US"/>
           </a:p>
@@ -3485,7 +5061,7 @@
           <a:p>
             <a:fld id="{11CF987C-FD17-4394-9A4F-BE2D66BE4DDF}" type="datetimeFigureOut">
               <a:rPr lang="ko-KR" altLang="en-US" smtClean="0"/>
-              <a:t>2021-07-07</a:t>
+              <a:t>2021-07-12</a:t>
             </a:fld>
             <a:endParaRPr lang="ko-KR" altLang="en-US"/>
           </a:p>
@@ -3603,7 +5179,7 @@
           <a:p>
             <a:fld id="{11CF987C-FD17-4394-9A4F-BE2D66BE4DDF}" type="datetimeFigureOut">
               <a:rPr lang="ko-KR" altLang="en-US" smtClean="0"/>
-              <a:t>2021-07-07</a:t>
+              <a:t>2021-07-12</a:t>
             </a:fld>
             <a:endParaRPr lang="ko-KR" altLang="en-US"/>
           </a:p>
@@ -3698,7 +5274,7 @@
           <a:p>
             <a:fld id="{11CF987C-FD17-4394-9A4F-BE2D66BE4DDF}" type="datetimeFigureOut">
               <a:rPr lang="ko-KR" altLang="en-US" smtClean="0"/>
-              <a:t>2021-07-07</a:t>
+              <a:t>2021-07-12</a:t>
             </a:fld>
             <a:endParaRPr lang="ko-KR" altLang="en-US"/>
           </a:p>
@@ -3975,7 +5551,7 @@
           <a:p>
             <a:fld id="{11CF987C-FD17-4394-9A4F-BE2D66BE4DDF}" type="datetimeFigureOut">
               <a:rPr lang="ko-KR" altLang="en-US" smtClean="0"/>
-              <a:t>2021-07-07</a:t>
+              <a:t>2021-07-12</a:t>
             </a:fld>
             <a:endParaRPr lang="ko-KR" altLang="en-US"/>
           </a:p>
@@ -4232,7 +5808,7 @@
           <a:p>
             <a:fld id="{11CF987C-FD17-4394-9A4F-BE2D66BE4DDF}" type="datetimeFigureOut">
               <a:rPr lang="ko-KR" altLang="en-US" smtClean="0"/>
-              <a:t>2021-07-07</a:t>
+              <a:t>2021-07-12</a:t>
             </a:fld>
             <a:endParaRPr lang="ko-KR" altLang="en-US"/>
           </a:p>
@@ -4471,7 +6047,7 @@
           <a:p>
             <a:fld id="{11CF987C-FD17-4394-9A4F-BE2D66BE4DDF}" type="datetimeFigureOut">
               <a:rPr lang="ko-KR" altLang="en-US" smtClean="0"/>
-              <a:t>2021-07-07</a:t>
+              <a:t>2021-07-12</a:t>
             </a:fld>
             <a:endParaRPr lang="ko-KR" altLang="en-US"/>
           </a:p>
@@ -5208,6 +6784,133 @@
           <a:chExt cx="0" cy="0"/>
         </a:xfrm>
       </p:grpSpPr>
+      <p:pic>
+        <p:nvPicPr>
+          <p:cNvPr id="9" name="내용 개체 틀 8"/>
+          <p:cNvPicPr>
+            <a:picLocks noGrp="1" noChangeAspect="1"/>
+          </p:cNvPicPr>
+          <p:nvPr>
+            <p:ph idx="1"/>
+          </p:nvPr>
+        </p:nvPicPr>
+        <p:blipFill>
+          <a:blip r:embed="rId3"/>
+          <a:stretch>
+            <a:fillRect/>
+          </a:stretch>
+        </p:blipFill>
+        <p:spPr>
+          <a:xfrm>
+            <a:off x="7931769" y="3403512"/>
+            <a:ext cx="3400900" cy="3057952"/>
+          </a:xfrm>
+          <a:prstGeom prst="rect">
+            <a:avLst/>
+          </a:prstGeom>
+        </p:spPr>
+      </p:pic>
+      <p:sp>
+        <p:nvSpPr>
+          <p:cNvPr id="5" name="제목 1"/>
+          <p:cNvSpPr>
+            <a:spLocks noGrp="1"/>
+          </p:cNvSpPr>
+          <p:nvPr>
+            <p:ph type="title"/>
+          </p:nvPr>
+        </p:nvSpPr>
+        <p:spPr/>
+        <p:txBody>
+          <a:bodyPr/>
+          <a:lstStyle/>
+          <a:p>
+            <a:r>
+              <a:rPr lang="en-US" altLang="ko-KR" dirty="0" smtClean="0"/>
+              <a:t>King’s system</a:t>
+            </a:r>
+            <a:endParaRPr lang="ko-KR" altLang="en-US" dirty="0"/>
+          </a:p>
+        </p:txBody>
+      </p:sp>
+      <p:pic>
+        <p:nvPicPr>
+          <p:cNvPr id="7" name="그림 6"/>
+          <p:cNvPicPr>
+            <a:picLocks noChangeAspect="1"/>
+          </p:cNvPicPr>
+          <p:nvPr/>
+        </p:nvPicPr>
+        <p:blipFill>
+          <a:blip r:embed="rId4"/>
+          <a:stretch>
+            <a:fillRect/>
+          </a:stretch>
+        </p:blipFill>
+        <p:spPr>
+          <a:xfrm>
+            <a:off x="0" y="1206500"/>
+            <a:ext cx="4191585" cy="3229426"/>
+          </a:xfrm>
+          <a:prstGeom prst="rect">
+            <a:avLst/>
+          </a:prstGeom>
+        </p:spPr>
+      </p:pic>
+      <p:pic>
+        <p:nvPicPr>
+          <p:cNvPr id="8" name="그림 7"/>
+          <p:cNvPicPr>
+            <a:picLocks noChangeAspect="1"/>
+          </p:cNvPicPr>
+          <p:nvPr/>
+        </p:nvPicPr>
+        <p:blipFill>
+          <a:blip r:embed="rId5"/>
+          <a:stretch>
+            <a:fillRect/>
+          </a:stretch>
+        </p:blipFill>
+        <p:spPr>
+          <a:xfrm>
+            <a:off x="0" y="4832462"/>
+            <a:ext cx="7440063" cy="1629002"/>
+          </a:xfrm>
+          <a:prstGeom prst="rect">
+            <a:avLst/>
+          </a:prstGeom>
+        </p:spPr>
+      </p:pic>
+    </p:spTree>
+    <p:extLst>
+      <p:ext uri="{BB962C8B-B14F-4D97-AF65-F5344CB8AC3E}">
+        <p14:creationId xmlns:p14="http://schemas.microsoft.com/office/powerpoint/2010/main" val="1787625299"/>
+      </p:ext>
+    </p:extLst>
+  </p:cSld>
+  <p:clrMapOvr>
+    <a:masterClrMapping/>
+  </p:clrMapOvr>
+</p:sld>
+</file>
+
+<file path=ppt/slides/slide5.xml><?xml version="1.0" encoding="utf-8"?>
+<p:sld xmlns:a="http://schemas.openxmlformats.org/drawingml/2006/main" xmlns:r="http://schemas.openxmlformats.org/officeDocument/2006/relationships" xmlns:p="http://schemas.openxmlformats.org/presentationml/2006/main">
+  <p:cSld>
+    <p:spTree>
+      <p:nvGrpSpPr>
+        <p:cNvPr id="1" name=""/>
+        <p:cNvGrpSpPr/>
+        <p:nvPr/>
+      </p:nvGrpSpPr>
+      <p:grpSpPr>
+        <a:xfrm>
+          <a:off x="0" y="0"/>
+          <a:ext cx="0" cy="0"/>
+          <a:chOff x="0" y="0"/>
+          <a:chExt cx="0" cy="0"/>
+        </a:xfrm>
+      </p:grpSpPr>
       <p:sp>
         <p:nvSpPr>
           <p:cNvPr id="2" name="제목 1"/>
@@ -5309,78 +7012,6 @@
 </p:sld>
 </file>
 
-<file path=ppt/slides/slide5.xml><?xml version="1.0" encoding="utf-8"?>
-<p:sld xmlns:a="http://schemas.openxmlformats.org/drawingml/2006/main" xmlns:r="http://schemas.openxmlformats.org/officeDocument/2006/relationships" xmlns:p="http://schemas.openxmlformats.org/presentationml/2006/main">
-  <p:cSld>
-    <p:spTree>
-      <p:nvGrpSpPr>
-        <p:cNvPr id="1" name=""/>
-        <p:cNvGrpSpPr/>
-        <p:nvPr/>
-      </p:nvGrpSpPr>
-      <p:grpSpPr>
-        <a:xfrm>
-          <a:off x="0" y="0"/>
-          <a:ext cx="0" cy="0"/>
-          <a:chOff x="0" y="0"/>
-          <a:chExt cx="0" cy="0"/>
-        </a:xfrm>
-      </p:grpSpPr>
-      <p:sp>
-        <p:nvSpPr>
-          <p:cNvPr id="2" name="제목 1"/>
-          <p:cNvSpPr>
-            <a:spLocks noGrp="1"/>
-          </p:cNvSpPr>
-          <p:nvPr>
-            <p:ph type="title"/>
-          </p:nvPr>
-        </p:nvSpPr>
-        <p:spPr/>
-        <p:txBody>
-          <a:bodyPr/>
-          <a:lstStyle/>
-          <a:p>
-            <a:r>
-              <a:rPr lang="en-US" altLang="ko-KR" dirty="0" smtClean="0"/>
-              <a:t>ALSFRS-R</a:t>
-            </a:r>
-            <a:endParaRPr lang="ko-KR" altLang="en-US" dirty="0"/>
-          </a:p>
-        </p:txBody>
-      </p:sp>
-      <p:sp>
-        <p:nvSpPr>
-          <p:cNvPr id="3" name="내용 개체 틀 2"/>
-          <p:cNvSpPr>
-            <a:spLocks noGrp="1"/>
-          </p:cNvSpPr>
-          <p:nvPr>
-            <p:ph idx="1"/>
-          </p:nvPr>
-        </p:nvSpPr>
-        <p:spPr/>
-        <p:txBody>
-          <a:bodyPr/>
-          <a:lstStyle/>
-          <a:p>
-            <a:endParaRPr lang="ko-KR" altLang="en-US"/>
-          </a:p>
-        </p:txBody>
-      </p:sp>
-    </p:spTree>
-    <p:extLst>
-      <p:ext uri="{BB962C8B-B14F-4D97-AF65-F5344CB8AC3E}">
-        <p14:creationId xmlns:p14="http://schemas.microsoft.com/office/powerpoint/2010/main" val="771805292"/>
-      </p:ext>
-    </p:extLst>
-  </p:cSld>
-  <p:clrMapOvr>
-    <a:masterClrMapping/>
-  </p:clrMapOvr>
-</p:sld>
-</file>
-
 <file path=ppt/slides/slide6.xml><?xml version="1.0" encoding="utf-8"?>
 <p:sld xmlns:a="http://schemas.openxmlformats.org/drawingml/2006/main" xmlns:r="http://schemas.openxmlformats.org/officeDocument/2006/relationships" xmlns:p="http://schemas.openxmlformats.org/presentationml/2006/main">
   <p:cSld>
@@ -5415,6 +7046,78 @@
           <a:p>
             <a:r>
               <a:rPr lang="en-US" altLang="ko-KR" dirty="0" smtClean="0"/>
+              <a:t>ALSFRS-R</a:t>
+            </a:r>
+            <a:endParaRPr lang="ko-KR" altLang="en-US" dirty="0"/>
+          </a:p>
+        </p:txBody>
+      </p:sp>
+      <p:sp>
+        <p:nvSpPr>
+          <p:cNvPr id="3" name="내용 개체 틀 2"/>
+          <p:cNvSpPr>
+            <a:spLocks noGrp="1"/>
+          </p:cNvSpPr>
+          <p:nvPr>
+            <p:ph idx="1"/>
+          </p:nvPr>
+        </p:nvSpPr>
+        <p:spPr/>
+        <p:txBody>
+          <a:bodyPr/>
+          <a:lstStyle/>
+          <a:p>
+            <a:endParaRPr lang="ko-KR" altLang="en-US"/>
+          </a:p>
+        </p:txBody>
+      </p:sp>
+    </p:spTree>
+    <p:extLst>
+      <p:ext uri="{BB962C8B-B14F-4D97-AF65-F5344CB8AC3E}">
+        <p14:creationId xmlns:p14="http://schemas.microsoft.com/office/powerpoint/2010/main" val="771805292"/>
+      </p:ext>
+    </p:extLst>
+  </p:cSld>
+  <p:clrMapOvr>
+    <a:masterClrMapping/>
+  </p:clrMapOvr>
+</p:sld>
+</file>
+
+<file path=ppt/slides/slide7.xml><?xml version="1.0" encoding="utf-8"?>
+<p:sld xmlns:a="http://schemas.openxmlformats.org/drawingml/2006/main" xmlns:r="http://schemas.openxmlformats.org/officeDocument/2006/relationships" xmlns:p="http://schemas.openxmlformats.org/presentationml/2006/main">
+  <p:cSld>
+    <p:spTree>
+      <p:nvGrpSpPr>
+        <p:cNvPr id="1" name=""/>
+        <p:cNvGrpSpPr/>
+        <p:nvPr/>
+      </p:nvGrpSpPr>
+      <p:grpSpPr>
+        <a:xfrm>
+          <a:off x="0" y="0"/>
+          <a:ext cx="0" cy="0"/>
+          <a:chOff x="0" y="0"/>
+          <a:chExt cx="0" cy="0"/>
+        </a:xfrm>
+      </p:grpSpPr>
+      <p:sp>
+        <p:nvSpPr>
+          <p:cNvPr id="2" name="제목 1"/>
+          <p:cNvSpPr>
+            <a:spLocks noGrp="1"/>
+          </p:cNvSpPr>
+          <p:nvPr>
+            <p:ph type="title"/>
+          </p:nvPr>
+        </p:nvSpPr>
+        <p:spPr/>
+        <p:txBody>
+          <a:bodyPr/>
+          <a:lstStyle/>
+          <a:p>
+            <a:r>
+              <a:rPr lang="en-US" altLang="ko-KR" dirty="0" smtClean="0"/>
               <a:t>Comparison between two staging</a:t>
             </a:r>
             <a:endParaRPr lang="ko-KR" altLang="en-US" dirty="0"/>
@@ -5453,7 +7156,7 @@
 </p:sld>
 </file>
 
-<file path=ppt/slides/slide7.xml><?xml version="1.0" encoding="utf-8"?>
+<file path=ppt/slides/slide8.xml><?xml version="1.0" encoding="utf-8"?>
 <p:sld xmlns:a="http://schemas.openxmlformats.org/drawingml/2006/main" xmlns:r="http://schemas.openxmlformats.org/officeDocument/2006/relationships" xmlns:p="http://schemas.openxmlformats.org/presentationml/2006/main">
   <p:cSld>
     <p:spTree>

--- a/SNUH 심포지엄-유일한.pptx
+++ b/SNUH 심포지엄-유일한.pptx
@@ -769,11 +769,7 @@
             </a:r>
             <a:r>
               <a:rPr lang="en-US" altLang="ko-KR" baseline="0" dirty="0" smtClean="0"/>
-              <a:t> system, Milano-Torino staging </a:t>
-            </a:r>
-            <a:r>
-              <a:rPr lang="en-US" altLang="ko-KR" baseline="0" dirty="0" smtClean="0"/>
-              <a:t>system</a:t>
+              <a:t> system, Milano-Torino staging system</a:t>
             </a:r>
             <a:r>
               <a:rPr lang="ko-KR" altLang="en-US" baseline="0" dirty="0" smtClean="0"/>
@@ -1404,11 +1400,7 @@
           <a:p>
             <a:r>
               <a:rPr lang="en-US" altLang="ko-KR" dirty="0" smtClean="0"/>
-              <a:t>Stage </a:t>
-            </a:r>
-            <a:r>
-              <a:rPr lang="en-US" altLang="ko-KR" dirty="0" smtClean="0"/>
-              <a:t>1</a:t>
+              <a:t>Stage 1</a:t>
             </a:r>
             <a:r>
               <a:rPr lang="ko-KR" altLang="en-US" dirty="0" smtClean="0"/>
@@ -3354,6 +3346,318 @@
               <a:rPr lang="en-US" altLang="ko-KR" baseline="0" dirty="0" smtClean="0"/>
               <a:t>. </a:t>
             </a:r>
+            <a:endParaRPr lang="en-US" altLang="ko-KR" baseline="0" dirty="0" smtClean="0"/>
+          </a:p>
+          <a:p>
+            <a:endParaRPr lang="en-US" altLang="ko-KR" baseline="0" dirty="0" smtClean="0"/>
+          </a:p>
+          <a:p>
+            <a:r>
+              <a:rPr lang="en-US" altLang="ko-KR" baseline="0" dirty="0" smtClean="0"/>
+              <a:t>ALS</a:t>
+            </a:r>
+            <a:r>
+              <a:rPr lang="ko-KR" altLang="en-US" baseline="0" dirty="0" smtClean="0"/>
+              <a:t>의 </a:t>
+            </a:r>
+            <a:r>
+              <a:rPr lang="en-US" altLang="ko-KR" baseline="0" dirty="0" smtClean="0"/>
+              <a:t>quality of care (QOC) study data</a:t>
+            </a:r>
+            <a:r>
+              <a:rPr lang="ko-KR" altLang="en-US" baseline="0" dirty="0" smtClean="0"/>
+              <a:t>를 사용함</a:t>
+            </a:r>
+            <a:r>
+              <a:rPr lang="en-US" altLang="ko-KR" baseline="0" dirty="0" smtClean="0"/>
+              <a:t>. </a:t>
+            </a:r>
+            <a:r>
+              <a:rPr lang="ko-KR" altLang="en-US" baseline="0" dirty="0" smtClean="0"/>
+              <a:t>이탈리아 </a:t>
+            </a:r>
+            <a:r>
+              <a:rPr lang="en-US" altLang="ko-KR" baseline="0" dirty="0" smtClean="0"/>
+              <a:t>11</a:t>
+            </a:r>
+            <a:r>
+              <a:rPr lang="ko-KR" altLang="en-US" baseline="0" dirty="0" smtClean="0"/>
+              <a:t>개 </a:t>
+            </a:r>
+            <a:r>
+              <a:rPr lang="en-US" altLang="ko-KR" baseline="0" dirty="0" smtClean="0"/>
+              <a:t>ALS </a:t>
+            </a:r>
+            <a:r>
+              <a:rPr lang="en-US" altLang="ko-KR" baseline="0" dirty="0" err="1" smtClean="0"/>
+              <a:t>cente</a:t>
+            </a:r>
+            <a:r>
+              <a:rPr lang="ko-KR" altLang="en-US" baseline="0" dirty="0" smtClean="0"/>
+              <a:t>에서 </a:t>
+            </a:r>
+            <a:r>
+              <a:rPr lang="en-US" altLang="ko-KR" baseline="0" dirty="0" smtClean="0"/>
+              <a:t>2001</a:t>
+            </a:r>
+            <a:r>
+              <a:rPr lang="ko-KR" altLang="en-US" baseline="0" dirty="0" smtClean="0"/>
+              <a:t>년부터 </a:t>
+            </a:r>
+            <a:r>
+              <a:rPr lang="en-US" altLang="ko-KR" baseline="0" dirty="0" smtClean="0"/>
+              <a:t>2002</a:t>
+            </a:r>
+            <a:r>
+              <a:rPr lang="ko-KR" altLang="en-US" baseline="0" dirty="0" smtClean="0"/>
+              <a:t>년까지 </a:t>
+            </a:r>
+            <a:r>
+              <a:rPr lang="en-US" altLang="ko-KR" baseline="0" dirty="0" smtClean="0"/>
+              <a:t>18</a:t>
+            </a:r>
+            <a:r>
+              <a:rPr lang="ko-KR" altLang="en-US" baseline="0" dirty="0" err="1" smtClean="0"/>
+              <a:t>세이상</a:t>
+            </a:r>
+            <a:r>
+              <a:rPr lang="ko-KR" altLang="en-US" baseline="0" dirty="0" smtClean="0"/>
+              <a:t> </a:t>
+            </a:r>
+            <a:r>
+              <a:rPr lang="en-US" altLang="ko-KR" baseline="0" dirty="0" smtClean="0"/>
+              <a:t>80</a:t>
+            </a:r>
+            <a:r>
+              <a:rPr lang="ko-KR" altLang="en-US" baseline="0" dirty="0" err="1" smtClean="0"/>
+              <a:t>세이하</a:t>
+            </a:r>
+            <a:r>
+              <a:rPr lang="ko-KR" altLang="en-US" baseline="0" dirty="0" smtClean="0"/>
+              <a:t> 환자를 </a:t>
+            </a:r>
+            <a:r>
+              <a:rPr lang="en-US" altLang="ko-KR" baseline="0" dirty="0" smtClean="0"/>
+              <a:t>prospective</a:t>
+            </a:r>
+            <a:r>
+              <a:rPr lang="ko-KR" altLang="en-US" baseline="0" dirty="0" smtClean="0"/>
+              <a:t>하게 모아 연구함</a:t>
+            </a:r>
+            <a:r>
+              <a:rPr lang="en-US" altLang="ko-KR" baseline="0" dirty="0" smtClean="0"/>
+              <a:t>. El Escorial criteria</a:t>
+            </a:r>
+            <a:r>
+              <a:rPr lang="ko-KR" altLang="en-US" baseline="0" dirty="0" smtClean="0"/>
+              <a:t>로 </a:t>
+            </a:r>
+            <a:r>
+              <a:rPr lang="en-US" altLang="ko-KR" baseline="0" dirty="0" smtClean="0"/>
+              <a:t>Definite, probable</a:t>
+            </a:r>
+            <a:r>
+              <a:rPr lang="ko-KR" altLang="en-US" baseline="0" dirty="0" smtClean="0"/>
+              <a:t>거나 </a:t>
+            </a:r>
+            <a:r>
+              <a:rPr lang="en-US" altLang="ko-KR" baseline="0" dirty="0" smtClean="0"/>
+              <a:t>laboratory supported probable sporadic ALS</a:t>
+            </a:r>
+            <a:r>
+              <a:rPr lang="ko-KR" altLang="en-US" baseline="0" dirty="0" smtClean="0"/>
+              <a:t>환자를 대상으로 함</a:t>
+            </a:r>
+            <a:r>
+              <a:rPr lang="en-US" altLang="ko-KR" baseline="0" dirty="0" smtClean="0"/>
+              <a:t>. </a:t>
+            </a:r>
+            <a:r>
+              <a:rPr lang="ko-KR" altLang="en-US" baseline="0" dirty="0" smtClean="0"/>
+              <a:t>제외 기준은 진행중인 </a:t>
+            </a:r>
+            <a:r>
+              <a:rPr lang="en-US" altLang="ko-KR" baseline="0" dirty="0" smtClean="0"/>
+              <a:t>clinical trial</a:t>
+            </a:r>
+            <a:r>
+              <a:rPr lang="ko-KR" altLang="en-US" baseline="0" dirty="0" smtClean="0"/>
+              <a:t>에 참여중인 경우</a:t>
+            </a:r>
+            <a:r>
+              <a:rPr lang="en-US" altLang="ko-KR" baseline="0" dirty="0" smtClean="0"/>
+              <a:t>, familial ALS, ALS plus syndrome, ALS Frontotemporal </a:t>
+            </a:r>
+            <a:r>
+              <a:rPr lang="en-US" altLang="ko-KR" baseline="0" dirty="0" err="1" smtClean="0"/>
+              <a:t>degeneratio</a:t>
+            </a:r>
+            <a:r>
+              <a:rPr lang="ko-KR" altLang="en-US" baseline="0" dirty="0" smtClean="0"/>
+              <a:t>이 있거나 암</a:t>
+            </a:r>
+            <a:r>
+              <a:rPr lang="en-US" altLang="ko-KR" baseline="0" dirty="0" smtClean="0"/>
+              <a:t>, </a:t>
+            </a:r>
+            <a:r>
+              <a:rPr lang="ko-KR" altLang="en-US" baseline="0" dirty="0" err="1" smtClean="0"/>
+              <a:t>허혈성</a:t>
+            </a:r>
+            <a:r>
+              <a:rPr lang="ko-KR" altLang="en-US" baseline="0" dirty="0" smtClean="0"/>
+              <a:t> 심장질환</a:t>
+            </a:r>
+            <a:r>
+              <a:rPr lang="en-US" altLang="ko-KR" baseline="0" dirty="0" smtClean="0"/>
+              <a:t>, COPD</a:t>
+            </a:r>
+            <a:r>
+              <a:rPr lang="ko-KR" altLang="en-US" baseline="0" dirty="0" smtClean="0"/>
+              <a:t>나 신장질환과 같은 심각한 내과적 질환이 있는 환자는 제외하였음</a:t>
+            </a:r>
+            <a:r>
+              <a:rPr lang="en-US" altLang="ko-KR" baseline="0" dirty="0" smtClean="0"/>
+              <a:t>. </a:t>
+            </a:r>
+            <a:r>
+              <a:rPr lang="ko-KR" altLang="en-US" baseline="0" dirty="0" smtClean="0"/>
+              <a:t>환자는 </a:t>
+            </a:r>
+            <a:r>
+              <a:rPr lang="en-US" altLang="ko-KR" baseline="0" dirty="0" smtClean="0"/>
+              <a:t>2001</a:t>
+            </a:r>
+            <a:r>
+              <a:rPr lang="ko-KR" altLang="en-US" baseline="0" dirty="0" smtClean="0"/>
+              <a:t>년 </a:t>
+            </a:r>
+            <a:r>
+              <a:rPr lang="en-US" altLang="ko-KR" baseline="0" dirty="0" smtClean="0"/>
+              <a:t>2</a:t>
+            </a:r>
+            <a:r>
+              <a:rPr lang="ko-KR" altLang="en-US" baseline="0" dirty="0" smtClean="0"/>
+              <a:t>월부터 </a:t>
+            </a:r>
+            <a:r>
+              <a:rPr lang="en-US" altLang="ko-KR" baseline="0" dirty="0" smtClean="0"/>
+              <a:t>2002</a:t>
+            </a:r>
+            <a:r>
+              <a:rPr lang="ko-KR" altLang="en-US" baseline="0" dirty="0" smtClean="0"/>
+              <a:t>년</a:t>
+            </a:r>
+            <a:r>
+              <a:rPr lang="en-US" altLang="ko-KR" baseline="0" dirty="0" smtClean="0"/>
+              <a:t>2</a:t>
+            </a:r>
+            <a:r>
+              <a:rPr lang="ko-KR" altLang="en-US" baseline="0" dirty="0" smtClean="0"/>
+              <a:t>월까지 모집하여 </a:t>
+            </a:r>
+            <a:r>
+              <a:rPr lang="ko-KR" altLang="en-US" baseline="0" dirty="0" err="1" smtClean="0"/>
+              <a:t>등록시점</a:t>
+            </a:r>
+            <a:r>
+              <a:rPr lang="en-US" altLang="ko-KR" baseline="0" dirty="0" smtClean="0"/>
+              <a:t>. 4,8,12</a:t>
+            </a:r>
+            <a:r>
+              <a:rPr lang="ko-KR" altLang="en-US" baseline="0" dirty="0" err="1" smtClean="0"/>
+              <a:t>개월후</a:t>
+            </a:r>
+            <a:r>
+              <a:rPr lang="ko-KR" altLang="en-US" baseline="0" dirty="0" smtClean="0"/>
+              <a:t> </a:t>
+            </a:r>
+            <a:r>
+              <a:rPr lang="en-US" altLang="ko-KR" baseline="0" dirty="0" smtClean="0"/>
+              <a:t>f/u</a:t>
+            </a:r>
+            <a:r>
+              <a:rPr lang="ko-KR" altLang="en-US" baseline="0" dirty="0" err="1" smtClean="0"/>
+              <a:t>방문시</a:t>
+            </a:r>
+            <a:r>
+              <a:rPr lang="ko-KR" altLang="en-US" baseline="0" dirty="0" smtClean="0"/>
+              <a:t> 평가하였고 </a:t>
+            </a:r>
+            <a:r>
+              <a:rPr lang="en-US" altLang="ko-KR" baseline="0" dirty="0" smtClean="0"/>
+              <a:t>ALSFRS</a:t>
+            </a:r>
+            <a:r>
+              <a:rPr lang="ko-KR" altLang="en-US" baseline="0" dirty="0" smtClean="0"/>
+              <a:t>을 이용해서 기능적인 면을 평가하고</a:t>
+            </a:r>
+            <a:r>
+              <a:rPr lang="en-US" altLang="ko-KR" baseline="0" dirty="0" smtClean="0"/>
+              <a:t>,</a:t>
+            </a:r>
+            <a:r>
+              <a:rPr lang="ko-KR" altLang="en-US" baseline="0" dirty="0" smtClean="0"/>
+              <a:t> </a:t>
+            </a:r>
+            <a:r>
+              <a:rPr lang="en-US" altLang="ko-KR" baseline="0" dirty="0" smtClean="0"/>
+              <a:t>medical outcome study 36-Item Short-Form General Health Survey (SF-36)</a:t>
+            </a:r>
+            <a:r>
+              <a:rPr lang="ko-KR" altLang="en-US" baseline="0" dirty="0" smtClean="0"/>
+              <a:t>을 사용하여</a:t>
+            </a:r>
+            <a:r>
+              <a:rPr lang="en-US" altLang="ko-KR" baseline="0" dirty="0" smtClean="0"/>
+              <a:t> health-related QOL</a:t>
+            </a:r>
+            <a:r>
+              <a:rPr lang="ko-KR" altLang="en-US" baseline="0" dirty="0" smtClean="0"/>
+              <a:t>을 평가하였음</a:t>
+            </a:r>
+            <a:r>
+              <a:rPr lang="en-US" altLang="ko-KR" baseline="0" dirty="0" smtClean="0"/>
+              <a:t>. </a:t>
+            </a:r>
+            <a:r>
+              <a:rPr lang="ko-KR" altLang="en-US" baseline="0" dirty="0" smtClean="0"/>
+              <a:t>그리고 전반적인 </a:t>
+            </a:r>
+            <a:r>
+              <a:rPr lang="en-US" altLang="ko-KR" baseline="0" dirty="0" smtClean="0"/>
+              <a:t>QOL</a:t>
+            </a:r>
+            <a:r>
+              <a:rPr lang="ko-KR" altLang="en-US" baseline="0" dirty="0" smtClean="0"/>
+              <a:t>은 </a:t>
+            </a:r>
+            <a:r>
+              <a:rPr lang="en-US" altLang="ko-KR" baseline="0" dirty="0" smtClean="0"/>
+              <a:t>schedule for the Evaluation of Individual QOL-Direct Weighting (SEIQOL-DW)</a:t>
+            </a:r>
+            <a:r>
+              <a:rPr lang="ko-KR" altLang="en-US" baseline="0" dirty="0" smtClean="0"/>
+              <a:t>를 사용하여 개인별 </a:t>
+            </a:r>
+            <a:r>
+              <a:rPr lang="en-US" altLang="ko-KR" baseline="0" dirty="0" smtClean="0"/>
+              <a:t>QOL</a:t>
+            </a:r>
+            <a:r>
+              <a:rPr lang="ko-KR" altLang="en-US" baseline="0" dirty="0" smtClean="0"/>
+              <a:t>을 평가함</a:t>
+            </a:r>
+            <a:r>
+              <a:rPr lang="en-US" altLang="ko-KR" baseline="0" smtClean="0"/>
+              <a:t>. </a:t>
+            </a:r>
+            <a:endParaRPr lang="en-US" altLang="ko-KR" baseline="0" dirty="0" smtClean="0"/>
+          </a:p>
+          <a:p>
+            <a:endParaRPr lang="en-US" altLang="ko-KR" baseline="0" dirty="0" smtClean="0"/>
+          </a:p>
+          <a:p>
             <a:endParaRPr lang="ko-KR" altLang="en-US" dirty="0"/>
           </a:p>
         </p:txBody>

--- a/SNUH 심포지엄-유일한.pptx
+++ b/SNUH 심포지엄-유일한.pptx
@@ -204,7 +204,7 @@
           <a:p>
             <a:fld id="{E8FBBB6A-BE53-4BF0-B17E-892FAA57C2D4}" type="datetimeFigureOut">
               <a:rPr lang="ko-KR" altLang="en-US" smtClean="0"/>
-              <a:t>2021-07-12</a:t>
+              <a:t>2021-07-13</a:t>
             </a:fld>
             <a:endParaRPr lang="ko-KR" altLang="en-US"/>
           </a:p>
@@ -3346,7 +3346,6 @@
               <a:rPr lang="en-US" altLang="ko-KR" baseline="0" dirty="0" smtClean="0"/>
               <a:t>. </a:t>
             </a:r>
-            <a:endParaRPr lang="en-US" altLang="ko-KR" baseline="0" dirty="0" smtClean="0"/>
           </a:p>
           <a:p>
             <a:endParaRPr lang="en-US" altLang="ko-KR" baseline="0" dirty="0" smtClean="0"/>
@@ -3649,15 +3648,421 @@
               <a:t>을 평가함</a:t>
             </a:r>
             <a:r>
-              <a:rPr lang="en-US" altLang="ko-KR" baseline="0" smtClean="0"/>
+              <a:rPr lang="en-US" altLang="ko-KR" baseline="0" dirty="0" smtClean="0"/>
               <a:t>. </a:t>
             </a:r>
+            <a:r>
+              <a:rPr lang="ko-KR" altLang="en-US" baseline="0" dirty="0" smtClean="0"/>
+              <a:t>각각 </a:t>
+            </a:r>
+            <a:r>
+              <a:rPr lang="ko-KR" altLang="en-US" baseline="0" dirty="0" err="1" smtClean="0"/>
+              <a:t>방문시</a:t>
+            </a:r>
+            <a:r>
+              <a:rPr lang="ko-KR" altLang="en-US" baseline="0" dirty="0" smtClean="0"/>
+              <a:t> 의료비를 조사했고 참가자들은 매일 의료시설 이용내역을 기록하도록 함</a:t>
+            </a:r>
+            <a:r>
+              <a:rPr lang="en-US" altLang="ko-KR" baseline="0" dirty="0" smtClean="0"/>
+              <a:t>. </a:t>
+            </a:r>
+            <a:r>
+              <a:rPr lang="ko-KR" altLang="en-US" baseline="0" dirty="0" smtClean="0"/>
+              <a:t>의료비용은 입원비</a:t>
+            </a:r>
+            <a:r>
+              <a:rPr lang="en-US" altLang="ko-KR" baseline="0" dirty="0" smtClean="0"/>
+              <a:t>, </a:t>
+            </a:r>
+            <a:r>
+              <a:rPr lang="ko-KR" altLang="en-US" baseline="0" dirty="0" err="1" smtClean="0"/>
+              <a:t>간호비</a:t>
+            </a:r>
+            <a:r>
+              <a:rPr lang="en-US" altLang="ko-KR" baseline="0" dirty="0" smtClean="0"/>
+              <a:t>, </a:t>
+            </a:r>
+            <a:r>
+              <a:rPr lang="ko-KR" altLang="en-US" baseline="0" dirty="0" smtClean="0"/>
+              <a:t>종합 병원이나 개인병원 방문하는데 드는 비용</a:t>
+            </a:r>
+            <a:r>
+              <a:rPr lang="en-US" altLang="ko-KR" baseline="0" dirty="0" smtClean="0"/>
+              <a:t>, </a:t>
+            </a:r>
+            <a:r>
+              <a:rPr lang="ko-KR" altLang="en-US" baseline="0" dirty="0" smtClean="0"/>
+              <a:t>진단하는데 드는 검사 비용</a:t>
+            </a:r>
+            <a:r>
+              <a:rPr lang="en-US" altLang="ko-KR" baseline="0" dirty="0" smtClean="0"/>
+              <a:t>, </a:t>
+            </a:r>
+            <a:r>
+              <a:rPr lang="ko-KR" altLang="en-US" baseline="0" dirty="0" smtClean="0"/>
+              <a:t>약값</a:t>
+            </a:r>
+            <a:r>
+              <a:rPr lang="en-US" altLang="ko-KR" baseline="0" dirty="0" smtClean="0"/>
+              <a:t>, </a:t>
+            </a:r>
+            <a:r>
+              <a:rPr lang="ko-KR" altLang="en-US" baseline="0" dirty="0" err="1" smtClean="0"/>
+              <a:t>재활치료비</a:t>
+            </a:r>
+            <a:r>
+              <a:rPr lang="en-US" altLang="ko-KR" baseline="0" dirty="0" smtClean="0"/>
+              <a:t>, </a:t>
+            </a:r>
+            <a:r>
+              <a:rPr lang="ko-KR" altLang="en-US" baseline="0" dirty="0" smtClean="0"/>
+              <a:t>심리치료비용</a:t>
+            </a:r>
+            <a:r>
+              <a:rPr lang="en-US" altLang="ko-KR" baseline="0" dirty="0" smtClean="0"/>
+              <a:t>, general practitioner </a:t>
+            </a:r>
+            <a:r>
+              <a:rPr lang="ko-KR" altLang="en-US" baseline="0" dirty="0" err="1" smtClean="0"/>
+              <a:t>방문비용</a:t>
+            </a:r>
+            <a:r>
+              <a:rPr lang="en-US" altLang="ko-KR" baseline="0" dirty="0" smtClean="0"/>
+              <a:t>, </a:t>
+            </a:r>
+            <a:r>
+              <a:rPr lang="ko-KR" altLang="en-US" baseline="0" dirty="0" smtClean="0"/>
+              <a:t>거동이나 의사소통에 필요한 비용을 직접 비용으로 해서 조사했고 </a:t>
+            </a:r>
+            <a:r>
+              <a:rPr lang="ko-KR" altLang="en-US" baseline="0" dirty="0" err="1" smtClean="0"/>
+              <a:t>간접비용은</a:t>
+            </a:r>
+            <a:r>
+              <a:rPr lang="ko-KR" altLang="en-US" baseline="0" dirty="0" smtClean="0"/>
+              <a:t> 조사하지 않음</a:t>
+            </a:r>
+            <a:r>
+              <a:rPr lang="en-US" altLang="ko-KR" baseline="0" dirty="0" smtClean="0"/>
+              <a:t>. Stage </a:t>
+            </a:r>
+            <a:r>
+              <a:rPr lang="ko-KR" altLang="en-US" baseline="0" dirty="0" smtClean="0"/>
+              <a:t>진행은 </a:t>
+            </a:r>
+            <a:r>
+              <a:rPr lang="en-US" altLang="ko-KR" baseline="0" dirty="0" smtClean="0"/>
+              <a:t>QOC study data</a:t>
+            </a:r>
+            <a:r>
+              <a:rPr lang="ko-KR" altLang="en-US" baseline="0" dirty="0" smtClean="0"/>
+              <a:t>와 </a:t>
+            </a:r>
+            <a:r>
+              <a:rPr lang="en-US" altLang="ko-KR" baseline="0" dirty="0" smtClean="0"/>
+              <a:t>second study</a:t>
+            </a:r>
+            <a:r>
+              <a:rPr lang="ko-KR" altLang="en-US" baseline="0" dirty="0" smtClean="0"/>
+              <a:t>인 </a:t>
+            </a:r>
+            <a:r>
+              <a:rPr lang="en-US" altLang="ko-KR" baseline="0" dirty="0" smtClean="0"/>
+              <a:t>interventional clinical trial of lithium carbonate in ALS(</a:t>
+            </a:r>
+            <a:r>
+              <a:rPr lang="en-US" altLang="ko-KR" baseline="0" dirty="0" err="1" smtClean="0"/>
+              <a:t>LiTALS</a:t>
+            </a:r>
+            <a:r>
+              <a:rPr lang="en-US" altLang="ko-KR" baseline="0" dirty="0" smtClean="0"/>
+              <a:t>)</a:t>
+            </a:r>
+            <a:r>
+              <a:rPr lang="ko-KR" altLang="en-US" baseline="0" dirty="0" smtClean="0"/>
+              <a:t>를 이용함</a:t>
+            </a:r>
+            <a:r>
+              <a:rPr lang="en-US" altLang="ko-KR" baseline="0" dirty="0" smtClean="0"/>
+              <a:t>. </a:t>
+            </a:r>
+          </a:p>
+          <a:p>
             <a:endParaRPr lang="en-US" altLang="ko-KR" baseline="0" dirty="0" smtClean="0"/>
           </a:p>
           <a:p>
+            <a:r>
+              <a:rPr lang="en-US" altLang="ko-KR" baseline="0" dirty="0" err="1" smtClean="0"/>
+              <a:t>LiTALS</a:t>
+            </a:r>
+            <a:r>
+              <a:rPr lang="en-US" altLang="ko-KR" baseline="0" dirty="0" smtClean="0"/>
+              <a:t> study: 2008.5~2009.4</a:t>
+            </a:r>
+            <a:r>
+              <a:rPr lang="ko-KR" altLang="en-US" baseline="0" dirty="0" smtClean="0"/>
+              <a:t>까지 </a:t>
+            </a:r>
+            <a:r>
+              <a:rPr lang="en-US" altLang="ko-KR" baseline="0" dirty="0" err="1" smtClean="0"/>
+              <a:t>lihium</a:t>
+            </a:r>
+            <a:r>
+              <a:rPr lang="en-US" altLang="ko-KR" baseline="0" dirty="0" smtClean="0"/>
+              <a:t> </a:t>
+            </a:r>
+            <a:r>
+              <a:rPr lang="en-US" altLang="ko-KR" baseline="0" dirty="0" err="1" smtClean="0"/>
+              <a:t>carbonat</a:t>
+            </a:r>
+            <a:r>
+              <a:rPr lang="ko-KR" altLang="en-US" baseline="0" dirty="0" smtClean="0"/>
+              <a:t>의 치료효과를 </a:t>
+            </a:r>
+            <a:r>
+              <a:rPr lang="ko-KR" altLang="en-US" baseline="0" dirty="0" err="1" smtClean="0"/>
+              <a:t>보기위해</a:t>
+            </a:r>
+            <a:r>
+              <a:rPr lang="ko-KR" altLang="en-US" baseline="0" dirty="0" smtClean="0"/>
+              <a:t> 이탈리아 </a:t>
+            </a:r>
+            <a:r>
+              <a:rPr lang="en-US" altLang="ko-KR" baseline="0" dirty="0" smtClean="0"/>
+              <a:t>ALS</a:t>
+            </a:r>
+            <a:r>
+              <a:rPr lang="ko-KR" altLang="en-US" baseline="0" dirty="0" smtClean="0"/>
+              <a:t>환자 </a:t>
+            </a:r>
+            <a:r>
+              <a:rPr lang="en-US" altLang="ko-KR" baseline="0" dirty="0" smtClean="0"/>
+              <a:t>171</a:t>
+            </a:r>
+            <a:r>
+              <a:rPr lang="ko-KR" altLang="en-US" baseline="0" dirty="0" smtClean="0"/>
+              <a:t>명을 </a:t>
+            </a:r>
+            <a:r>
+              <a:rPr lang="en-US" altLang="ko-KR" baseline="0" dirty="0" smtClean="0"/>
+              <a:t>87,84</a:t>
+            </a:r>
+            <a:r>
+              <a:rPr lang="ko-KR" altLang="en-US" baseline="0" dirty="0" smtClean="0"/>
+              <a:t>명으로 나눠 </a:t>
+            </a:r>
+            <a:r>
+              <a:rPr lang="en-US" altLang="ko-KR" baseline="0" dirty="0" smtClean="0"/>
+              <a:t>therapeutic lithium, </a:t>
+            </a:r>
+            <a:r>
+              <a:rPr lang="en-US" altLang="ko-KR" baseline="0" dirty="0" err="1" smtClean="0"/>
+              <a:t>subtherapeutic</a:t>
+            </a:r>
+            <a:r>
+              <a:rPr lang="en-US" altLang="ko-KR" baseline="0" dirty="0" smtClean="0"/>
+              <a:t> lithium</a:t>
+            </a:r>
+            <a:r>
+              <a:rPr lang="ko-KR" altLang="en-US" baseline="0" dirty="0" smtClean="0"/>
+              <a:t>의 효과를 비교한 연구로 </a:t>
+            </a:r>
+            <a:r>
+              <a:rPr lang="en-US" altLang="ko-KR" baseline="0" dirty="0" smtClean="0"/>
+              <a:t>ALS </a:t>
+            </a:r>
+            <a:r>
+              <a:rPr lang="ko-KR" altLang="en-US" baseline="0" dirty="0" err="1" smtClean="0"/>
+              <a:t>증상발생</a:t>
+            </a:r>
+            <a:r>
+              <a:rPr lang="ko-KR" altLang="en-US" baseline="0" dirty="0" smtClean="0"/>
+              <a:t> </a:t>
+            </a:r>
+            <a:r>
+              <a:rPr lang="en-US" altLang="ko-KR" baseline="0" dirty="0" smtClean="0"/>
+              <a:t>36</a:t>
+            </a:r>
+            <a:r>
+              <a:rPr lang="ko-KR" altLang="en-US" baseline="0" dirty="0" smtClean="0"/>
+              <a:t>개월이나 </a:t>
+            </a:r>
+            <a:r>
+              <a:rPr lang="en-US" altLang="ko-KR" baseline="0" dirty="0" smtClean="0"/>
+              <a:t>ALSFRS-R</a:t>
+            </a:r>
+            <a:r>
+              <a:rPr lang="ko-KR" altLang="en-US" baseline="0" dirty="0" smtClean="0"/>
+              <a:t>이 </a:t>
+            </a:r>
+            <a:r>
+              <a:rPr lang="en-US" altLang="ko-KR" baseline="0" dirty="0" smtClean="0"/>
+              <a:t>swallowing, respiratory capacity 3</a:t>
+            </a:r>
+            <a:r>
+              <a:rPr lang="ko-KR" altLang="en-US" baseline="0" dirty="0" smtClean="0"/>
+              <a:t>이상 </a:t>
+            </a:r>
+            <a:r>
+              <a:rPr lang="en-US" altLang="ko-KR" baseline="0" dirty="0" smtClean="0"/>
+              <a:t>cutting food and walking 2</a:t>
+            </a:r>
+            <a:r>
+              <a:rPr lang="ko-KR" altLang="en-US" baseline="0" dirty="0" err="1" smtClean="0"/>
+              <a:t>점이상인</a:t>
+            </a:r>
+            <a:r>
+              <a:rPr lang="ko-KR" altLang="en-US" baseline="0" dirty="0" smtClean="0"/>
+              <a:t> </a:t>
+            </a:r>
+            <a:r>
+              <a:rPr lang="en-US" altLang="ko-KR" baseline="0" dirty="0" smtClean="0"/>
+              <a:t>mild to moderate</a:t>
+            </a:r>
+            <a:r>
+              <a:rPr lang="ko-KR" altLang="en-US" baseline="0" dirty="0" smtClean="0"/>
+              <a:t>환자를 대상으로 하였던 연구임</a:t>
+            </a:r>
+            <a:r>
+              <a:rPr lang="en-US" altLang="ko-KR" baseline="0" dirty="0" smtClean="0"/>
+              <a:t>. Randomization</a:t>
+            </a:r>
+            <a:r>
+              <a:rPr lang="ko-KR" altLang="en-US" baseline="0" dirty="0" smtClean="0"/>
+              <a:t>시점과 </a:t>
+            </a:r>
+            <a:r>
+              <a:rPr lang="en-US" altLang="ko-KR" baseline="0" dirty="0" smtClean="0"/>
+              <a:t>1,3,6,9,12,15</a:t>
+            </a:r>
+            <a:r>
+              <a:rPr lang="ko-KR" altLang="en-US" baseline="0" dirty="0" err="1" smtClean="0"/>
+              <a:t>개월째에</a:t>
+            </a:r>
+            <a:r>
+              <a:rPr lang="ko-KR" altLang="en-US" baseline="0" dirty="0" smtClean="0"/>
+              <a:t> </a:t>
+            </a:r>
+            <a:r>
+              <a:rPr lang="en-US" altLang="ko-KR" baseline="0" dirty="0" smtClean="0"/>
+              <a:t>ALSFRS-R</a:t>
+            </a:r>
+            <a:r>
+              <a:rPr lang="ko-KR" altLang="en-US" baseline="0" dirty="0" smtClean="0"/>
+              <a:t>을 체크한 연구임</a:t>
+            </a:r>
+            <a:r>
+              <a:rPr lang="en-US" altLang="ko-KR" baseline="0" dirty="0" smtClean="0"/>
+              <a:t>. Lithium</a:t>
+            </a:r>
+            <a:r>
+              <a:rPr lang="ko-KR" altLang="en-US" baseline="0" dirty="0" smtClean="0"/>
+              <a:t>의 효과 부족과 부작용으로 </a:t>
+            </a:r>
+            <a:r>
+              <a:rPr lang="ko-KR" altLang="en-US" baseline="0" dirty="0" err="1" smtClean="0"/>
+              <a:t>조기종료되었음</a:t>
+            </a:r>
+            <a:r>
+              <a:rPr lang="en-US" altLang="ko-KR" baseline="0" dirty="0" smtClean="0"/>
+              <a:t>. </a:t>
+            </a:r>
             <a:endParaRPr lang="en-US" altLang="ko-KR" baseline="0" dirty="0" smtClean="0"/>
           </a:p>
           <a:p>
+            <a:endParaRPr lang="en-US" altLang="ko-KR" baseline="0" dirty="0" smtClean="0"/>
+          </a:p>
+          <a:p>
+            <a:pPr marL="0" marR="0" lvl="0" indent="0" algn="l" defTabSz="914400" rtl="0" eaLnBrk="1" fontAlgn="auto" latinLnBrk="1" hangingPunct="1">
+              <a:lnSpc>
+                <a:spcPct val="100000"/>
+              </a:lnSpc>
+              <a:spcBef>
+                <a:spcPts val="0"/>
+              </a:spcBef>
+              <a:spcAft>
+                <a:spcPts val="0"/>
+              </a:spcAft>
+              <a:buClrTx/>
+              <a:buSzTx/>
+              <a:buFontTx/>
+              <a:buNone/>
+              <a:tabLst/>
+              <a:defRPr/>
+            </a:pPr>
+            <a:r>
+              <a:rPr lang="en-US" altLang="ko-KR" baseline="0" dirty="0" err="1" smtClean="0"/>
+              <a:t>MiTOS</a:t>
+            </a:r>
+            <a:r>
+              <a:rPr lang="ko-KR" altLang="en-US" baseline="0" dirty="0" smtClean="0"/>
+              <a:t>의 </a:t>
+            </a:r>
+            <a:r>
+              <a:rPr lang="en-US" altLang="ko-KR" baseline="0" dirty="0" smtClean="0"/>
+              <a:t>milestone</a:t>
+            </a:r>
+            <a:r>
+              <a:rPr lang="ko-KR" altLang="en-US" baseline="0" dirty="0" smtClean="0"/>
+              <a:t>은 </a:t>
+            </a:r>
+            <a:r>
+              <a:rPr lang="en-US" altLang="ko-KR" baseline="0" dirty="0" smtClean="0"/>
+              <a:t>ALSFRS, ALSFRS-R</a:t>
+            </a:r>
+            <a:r>
+              <a:rPr lang="ko-KR" altLang="en-US" baseline="0" dirty="0" smtClean="0"/>
+              <a:t>에 포함된 </a:t>
+            </a:r>
+            <a:r>
+              <a:rPr lang="en-US" altLang="ko-KR" baseline="0" dirty="0" smtClean="0"/>
+              <a:t>4</a:t>
+            </a:r>
+            <a:r>
+              <a:rPr lang="ko-KR" altLang="en-US" baseline="0" dirty="0" smtClean="0"/>
+              <a:t>개의 </a:t>
+            </a:r>
+            <a:r>
+              <a:rPr lang="en-US" altLang="ko-KR" baseline="0" dirty="0" smtClean="0"/>
+              <a:t>key </a:t>
+            </a:r>
+            <a:r>
+              <a:rPr lang="en-US" altLang="ko-KR" baseline="0" dirty="0" err="1" smtClean="0"/>
+              <a:t>domai</a:t>
+            </a:r>
+            <a:r>
+              <a:rPr lang="ko-KR" altLang="en-US" baseline="0" dirty="0" smtClean="0"/>
+              <a:t>에서 </a:t>
+            </a:r>
+            <a:r>
+              <a:rPr lang="ko-KR" altLang="en-US" baseline="0" dirty="0" err="1" smtClean="0"/>
+              <a:t>독립기능을</a:t>
+            </a:r>
+            <a:r>
+              <a:rPr lang="ko-KR" altLang="en-US" baseline="0" dirty="0" smtClean="0"/>
+              <a:t> 상실하는 것으로 정의합니다</a:t>
+            </a:r>
+            <a:r>
+              <a:rPr lang="en-US" altLang="ko-KR" baseline="0" dirty="0" smtClean="0"/>
+              <a:t>. Walking/self-care, swallowing, communicating, breathing</a:t>
+            </a:r>
+            <a:r>
+              <a:rPr lang="ko-KR" altLang="en-US" baseline="0" dirty="0" smtClean="0"/>
+              <a:t> </a:t>
+            </a:r>
+            <a:r>
+              <a:rPr lang="en-US" altLang="ko-KR" baseline="0" dirty="0" smtClean="0"/>
+              <a:t>4</a:t>
+            </a:r>
+            <a:r>
+              <a:rPr lang="ko-KR" altLang="en-US" baseline="0" dirty="0" smtClean="0"/>
+              <a:t>가지 입니다</a:t>
+            </a:r>
+            <a:r>
+              <a:rPr lang="en-US" altLang="ko-KR" baseline="0" dirty="0" smtClean="0"/>
+              <a:t>. </a:t>
+            </a:r>
             <a:endParaRPr lang="ko-KR" altLang="en-US" dirty="0"/>
           </a:p>
         </p:txBody>
@@ -4048,7 +4453,7 @@
           <a:p>
             <a:fld id="{11CF987C-FD17-4394-9A4F-BE2D66BE4DDF}" type="datetimeFigureOut">
               <a:rPr lang="ko-KR" altLang="en-US" smtClean="0"/>
-              <a:t>2021-07-12</a:t>
+              <a:t>2021-07-13</a:t>
             </a:fld>
             <a:endParaRPr lang="ko-KR" altLang="en-US"/>
           </a:p>
@@ -4225,7 +4630,7 @@
           <a:p>
             <a:fld id="{11CF987C-FD17-4394-9A4F-BE2D66BE4DDF}" type="datetimeFigureOut">
               <a:rPr lang="ko-KR" altLang="en-US" smtClean="0"/>
-              <a:t>2021-07-12</a:t>
+              <a:t>2021-07-13</a:t>
             </a:fld>
             <a:endParaRPr lang="ko-KR" altLang="en-US"/>
           </a:p>
@@ -4405,7 +4810,7 @@
           <a:p>
             <a:fld id="{11CF987C-FD17-4394-9A4F-BE2D66BE4DDF}" type="datetimeFigureOut">
               <a:rPr lang="ko-KR" altLang="en-US" smtClean="0"/>
-              <a:t>2021-07-12</a:t>
+              <a:t>2021-07-13</a:t>
             </a:fld>
             <a:endParaRPr lang="ko-KR" altLang="en-US"/>
           </a:p>
@@ -4766,7 +5171,7 @@
           <a:p>
             <a:fld id="{11CF987C-FD17-4394-9A4F-BE2D66BE4DDF}" type="datetimeFigureOut">
               <a:rPr lang="ko-KR" altLang="en-US" smtClean="0"/>
-              <a:t>2021-07-12</a:t>
+              <a:t>2021-07-13</a:t>
             </a:fld>
             <a:endParaRPr lang="ko-KR" altLang="en-US"/>
           </a:p>
@@ -4998,7 +5403,7 @@
           <a:p>
             <a:fld id="{11CF987C-FD17-4394-9A4F-BE2D66BE4DDF}" type="datetimeFigureOut">
               <a:rPr lang="ko-KR" altLang="en-US" smtClean="0"/>
-              <a:t>2021-07-12</a:t>
+              <a:t>2021-07-13</a:t>
             </a:fld>
             <a:endParaRPr lang="ko-KR" altLang="en-US"/>
           </a:p>
@@ -5365,7 +5770,7 @@
           <a:p>
             <a:fld id="{11CF987C-FD17-4394-9A4F-BE2D66BE4DDF}" type="datetimeFigureOut">
               <a:rPr lang="ko-KR" altLang="en-US" smtClean="0"/>
-              <a:t>2021-07-12</a:t>
+              <a:t>2021-07-13</a:t>
             </a:fld>
             <a:endParaRPr lang="ko-KR" altLang="en-US"/>
           </a:p>
@@ -5483,7 +5888,7 @@
           <a:p>
             <a:fld id="{11CF987C-FD17-4394-9A4F-BE2D66BE4DDF}" type="datetimeFigureOut">
               <a:rPr lang="ko-KR" altLang="en-US" smtClean="0"/>
-              <a:t>2021-07-12</a:t>
+              <a:t>2021-07-13</a:t>
             </a:fld>
             <a:endParaRPr lang="ko-KR" altLang="en-US"/>
           </a:p>
@@ -5578,7 +5983,7 @@
           <a:p>
             <a:fld id="{11CF987C-FD17-4394-9A4F-BE2D66BE4DDF}" type="datetimeFigureOut">
               <a:rPr lang="ko-KR" altLang="en-US" smtClean="0"/>
-              <a:t>2021-07-12</a:t>
+              <a:t>2021-07-13</a:t>
             </a:fld>
             <a:endParaRPr lang="ko-KR" altLang="en-US"/>
           </a:p>
@@ -5855,7 +6260,7 @@
           <a:p>
             <a:fld id="{11CF987C-FD17-4394-9A4F-BE2D66BE4DDF}" type="datetimeFigureOut">
               <a:rPr lang="ko-KR" altLang="en-US" smtClean="0"/>
-              <a:t>2021-07-12</a:t>
+              <a:t>2021-07-13</a:t>
             </a:fld>
             <a:endParaRPr lang="ko-KR" altLang="en-US"/>
           </a:p>
@@ -6112,7 +6517,7 @@
           <a:p>
             <a:fld id="{11CF987C-FD17-4394-9A4F-BE2D66BE4DDF}" type="datetimeFigureOut">
               <a:rPr lang="ko-KR" altLang="en-US" smtClean="0"/>
-              <a:t>2021-07-12</a:t>
+              <a:t>2021-07-13</a:t>
             </a:fld>
             <a:endParaRPr lang="ko-KR" altLang="en-US"/>
           </a:p>
@@ -6351,7 +6756,7 @@
           <a:p>
             <a:fld id="{11CF987C-FD17-4394-9A4F-BE2D66BE4DDF}" type="datetimeFigureOut">
               <a:rPr lang="ko-KR" altLang="en-US" smtClean="0"/>
-              <a:t>2021-07-12</a:t>
+              <a:t>2021-07-13</a:t>
             </a:fld>
             <a:endParaRPr lang="ko-KR" altLang="en-US"/>
           </a:p>
@@ -7232,7 +7637,15 @@
           <a:p>
             <a:r>
               <a:rPr lang="en-US" altLang="ko-KR" dirty="0" smtClean="0"/>
-              <a:t>Milano-Torino system (MITOS)</a:t>
+              <a:t>Milano-Torino system (</a:t>
+            </a:r>
+            <a:r>
+              <a:rPr lang="en-US" altLang="ko-KR" dirty="0" err="1" smtClean="0"/>
+              <a:t>MiTOS</a:t>
+            </a:r>
+            <a:r>
+              <a:rPr lang="en-US" altLang="ko-KR" dirty="0" smtClean="0"/>
+              <a:t>)</a:t>
             </a:r>
             <a:endParaRPr lang="ko-KR" altLang="en-US" dirty="0"/>
           </a:p>

--- a/SNUH 심포지엄-유일한.pptx
+++ b/SNUH 심포지엄-유일한.pptx
@@ -5,7 +5,7 @@
     <p:sldMasterId id="2147483660" r:id="rId1"/>
   </p:sldMasterIdLst>
   <p:notesMasterIdLst>
-    <p:notesMasterId r:id="rId10"/>
+    <p:notesMasterId r:id="rId12"/>
   </p:notesMasterIdLst>
   <p:sldIdLst>
     <p:sldId id="256" r:id="rId2"/>
@@ -14,8 +14,10 @@
     <p:sldId id="263" r:id="rId5"/>
     <p:sldId id="259" r:id="rId6"/>
     <p:sldId id="262" r:id="rId7"/>
-    <p:sldId id="260" r:id="rId8"/>
-    <p:sldId id="261" r:id="rId9"/>
+    <p:sldId id="264" r:id="rId8"/>
+    <p:sldId id="265" r:id="rId9"/>
+    <p:sldId id="260" r:id="rId10"/>
+    <p:sldId id="261" r:id="rId11"/>
   </p:sldIdLst>
   <p:sldSz cx="12192000" cy="6858000"/>
   <p:notesSz cx="6858000" cy="9144000"/>
@@ -3968,7 +3970,6 @@
               <a:rPr lang="en-US" altLang="ko-KR" baseline="0" dirty="0" smtClean="0"/>
               <a:t>. </a:t>
             </a:r>
-            <a:endParaRPr lang="en-US" altLang="ko-KR" baseline="0" dirty="0" smtClean="0"/>
           </a:p>
           <a:p>
             <a:endParaRPr lang="en-US" altLang="ko-KR" baseline="0" dirty="0" smtClean="0"/>
@@ -4148,8 +4149,48 @@
           <a:lstStyle/>
           <a:p>
             <a:r>
-              <a:rPr lang="en-US" altLang="ko-KR" dirty="0" smtClean="0"/>
-              <a:t>King’s system</a:t>
+              <a:rPr lang="en-US" altLang="ko-KR" dirty="0" err="1" smtClean="0"/>
+              <a:t>MiTOS</a:t>
+            </a:r>
+            <a:r>
+              <a:rPr lang="ko-KR" altLang="en-US" dirty="0" smtClean="0"/>
+              <a:t>의 </a:t>
+            </a:r>
+            <a:r>
+              <a:rPr lang="en-US" altLang="ko-KR" dirty="0" smtClean="0"/>
+              <a:t>4</a:t>
+            </a:r>
+            <a:r>
+              <a:rPr lang="ko-KR" altLang="en-US" dirty="0" smtClean="0"/>
+              <a:t>개 </a:t>
+            </a:r>
+            <a:r>
+              <a:rPr lang="en-US" altLang="ko-KR" dirty="0" smtClean="0"/>
+              <a:t>domain</a:t>
+            </a:r>
+            <a:r>
+              <a:rPr lang="ko-KR" altLang="en-US" dirty="0" smtClean="0"/>
+              <a:t>중 거동에 관한 부분은 </a:t>
+            </a:r>
+            <a:r>
+              <a:rPr lang="en-US" altLang="ko-KR" dirty="0" smtClean="0"/>
+              <a:t>ALSFRS</a:t>
+            </a:r>
+            <a:r>
+              <a:rPr lang="ko-KR" altLang="en-US" dirty="0" smtClean="0"/>
+              <a:t>중 </a:t>
+            </a:r>
+            <a:r>
+              <a:rPr lang="en-US" altLang="ko-KR" dirty="0" smtClean="0"/>
+              <a:t>8</a:t>
+            </a:r>
+            <a:r>
+              <a:rPr lang="ko-KR" altLang="en-US" dirty="0" smtClean="0"/>
+              <a:t>번 </a:t>
+            </a:r>
+            <a:r>
+              <a:rPr lang="en-US" altLang="ko-KR" dirty="0" smtClean="0"/>
+              <a:t>walking</a:t>
             </a:r>
             <a:r>
               <a:rPr lang="ko-KR" altLang="en-US" dirty="0" smtClean="0"/>
@@ -4157,23 +4198,641 @@
             </a:r>
             <a:r>
               <a:rPr lang="en-US" altLang="ko-KR" dirty="0" smtClean="0"/>
-              <a:t>MITOS</a:t>
+              <a:t>6</a:t>
             </a:r>
             <a:r>
               <a:rPr lang="ko-KR" altLang="en-US" dirty="0" smtClean="0"/>
+              <a:t>번 </a:t>
+            </a:r>
+            <a:r>
+              <a:rPr lang="en-US" altLang="ko-KR" dirty="0" smtClean="0"/>
+              <a:t>dressing and hygiene</a:t>
+            </a:r>
+            <a:r>
+              <a:rPr lang="ko-KR" altLang="en-US" dirty="0" smtClean="0"/>
+              <a:t>으로 평가하고</a:t>
+            </a:r>
+            <a:r>
+              <a:rPr lang="ko-KR" altLang="en-US" baseline="0" dirty="0" smtClean="0"/>
+              <a:t> 삼킴에 관한 부분은 </a:t>
+            </a:r>
+            <a:r>
+              <a:rPr lang="en-US" altLang="ko-KR" baseline="0" dirty="0" smtClean="0"/>
+              <a:t>ALSFRS</a:t>
+            </a:r>
+            <a:r>
+              <a:rPr lang="ko-KR" altLang="en-US" baseline="0" dirty="0" smtClean="0"/>
+              <a:t>중 </a:t>
+            </a:r>
+            <a:r>
+              <a:rPr lang="en-US" altLang="ko-KR" baseline="0" dirty="0" smtClean="0"/>
+              <a:t>3</a:t>
+            </a:r>
+            <a:r>
+              <a:rPr lang="ko-KR" altLang="en-US" baseline="0" dirty="0" smtClean="0"/>
+              <a:t>번 </a:t>
+            </a:r>
+            <a:r>
+              <a:rPr lang="en-US" altLang="ko-KR" baseline="0" dirty="0" smtClean="0"/>
+              <a:t>swallowing</a:t>
+            </a:r>
+            <a:r>
+              <a:rPr lang="ko-KR" altLang="en-US" baseline="0" dirty="0" smtClean="0"/>
+              <a:t>으로 평가합니다</a:t>
+            </a:r>
+            <a:r>
+              <a:rPr lang="en-US" altLang="ko-KR" baseline="0" dirty="0" smtClean="0"/>
+              <a:t>. </a:t>
+            </a:r>
+            <a:r>
+              <a:rPr lang="ko-KR" altLang="en-US" baseline="0" dirty="0" smtClean="0"/>
+              <a:t>의사소통에 관한 부분은 </a:t>
+            </a:r>
+            <a:r>
+              <a:rPr lang="en-US" altLang="ko-KR" baseline="0" dirty="0" smtClean="0"/>
+              <a:t>ALSFRS 1</a:t>
+            </a:r>
+            <a:r>
+              <a:rPr lang="ko-KR" altLang="en-US" baseline="0" dirty="0" smtClean="0"/>
+              <a:t>번 </a:t>
+            </a:r>
+            <a:r>
+              <a:rPr lang="en-US" altLang="ko-KR" baseline="0" dirty="0" smtClean="0"/>
+              <a:t>speech</a:t>
+            </a:r>
+            <a:r>
+              <a:rPr lang="ko-KR" altLang="en-US" baseline="0" dirty="0" smtClean="0"/>
+              <a:t>와 </a:t>
+            </a:r>
+            <a:r>
+              <a:rPr lang="en-US" altLang="ko-KR" baseline="0" dirty="0" smtClean="0"/>
+              <a:t>4</a:t>
+            </a:r>
+            <a:r>
+              <a:rPr lang="ko-KR" altLang="en-US" baseline="0" dirty="0" smtClean="0"/>
+              <a:t>번 </a:t>
+            </a:r>
+            <a:r>
+              <a:rPr lang="en-US" altLang="ko-KR" baseline="0" dirty="0" smtClean="0"/>
+              <a:t>handwriting</a:t>
+            </a:r>
+            <a:r>
+              <a:rPr lang="ko-KR" altLang="en-US" baseline="0" dirty="0" smtClean="0"/>
+              <a:t>으로 평가하고 호흡에 관한 부분은 </a:t>
+            </a:r>
+            <a:r>
+              <a:rPr lang="en-US" altLang="ko-KR" baseline="0" dirty="0" smtClean="0"/>
+              <a:t>10</a:t>
+            </a:r>
+            <a:r>
+              <a:rPr lang="ko-KR" altLang="en-US" baseline="0" dirty="0" smtClean="0"/>
+              <a:t>번 </a:t>
+            </a:r>
+            <a:r>
+              <a:rPr lang="en-US" altLang="ko-KR" baseline="0" dirty="0" smtClean="0"/>
+              <a:t>dyspnea, 12</a:t>
+            </a:r>
+            <a:r>
+              <a:rPr lang="ko-KR" altLang="en-US" baseline="0" dirty="0" smtClean="0"/>
+              <a:t>번 </a:t>
+            </a:r>
+            <a:r>
+              <a:rPr lang="en-US" altLang="ko-KR" baseline="0" dirty="0" smtClean="0"/>
+              <a:t>respiratory insufficiency</a:t>
+            </a:r>
+            <a:r>
+              <a:rPr lang="ko-KR" altLang="en-US" baseline="0" dirty="0" smtClean="0"/>
+              <a:t>로 평가합니다</a:t>
+            </a:r>
+            <a:r>
+              <a:rPr lang="en-US" altLang="ko-KR" baseline="0" dirty="0" smtClean="0"/>
+              <a:t>. Domain</a:t>
+            </a:r>
+            <a:r>
+              <a:rPr lang="ko-KR" altLang="en-US" baseline="0" dirty="0" smtClean="0"/>
+              <a:t> 중 삼킴을 제외하고는 </a:t>
+            </a:r>
+            <a:r>
+              <a:rPr lang="ko-KR" altLang="en-US" baseline="0" dirty="0" err="1" smtClean="0"/>
+              <a:t>점수기준이</a:t>
+            </a:r>
+            <a:r>
+              <a:rPr lang="ko-KR" altLang="en-US" baseline="0" dirty="0" smtClean="0"/>
+              <a:t> 되는 </a:t>
+            </a:r>
+            <a:r>
+              <a:rPr lang="en-US" altLang="ko-KR" baseline="0" dirty="0" smtClean="0"/>
+              <a:t>ALSFRS item</a:t>
+            </a:r>
+            <a:r>
+              <a:rPr lang="ko-KR" altLang="en-US" baseline="0" dirty="0" smtClean="0"/>
+              <a:t>이 </a:t>
+            </a:r>
+            <a:r>
+              <a:rPr lang="en-US" altLang="ko-KR" baseline="0" dirty="0" smtClean="0"/>
+              <a:t>2</a:t>
+            </a:r>
+            <a:r>
+              <a:rPr lang="ko-KR" altLang="en-US" baseline="0" dirty="0" smtClean="0"/>
+              <a:t>개씩입니다</a:t>
+            </a:r>
+            <a:r>
+              <a:rPr lang="en-US" altLang="ko-KR" baseline="0" dirty="0" smtClean="0"/>
+              <a:t>. </a:t>
+            </a:r>
+            <a:r>
+              <a:rPr lang="ko-KR" altLang="en-US" baseline="0" dirty="0" smtClean="0"/>
+              <a:t>각각의 </a:t>
+            </a:r>
+            <a:r>
+              <a:rPr lang="en-US" altLang="ko-KR" baseline="0" dirty="0" smtClean="0"/>
+              <a:t>item</a:t>
+            </a:r>
+            <a:r>
+              <a:rPr lang="ko-KR" altLang="en-US" baseline="0" dirty="0" smtClean="0"/>
+              <a:t>별로 </a:t>
+            </a:r>
+            <a:r>
+              <a:rPr lang="ko-KR" altLang="en-US" baseline="0" dirty="0" err="1" smtClean="0"/>
+              <a:t>기능상태를</a:t>
+            </a:r>
+            <a:r>
+              <a:rPr lang="ko-KR" altLang="en-US" baseline="0" dirty="0" smtClean="0"/>
+              <a:t> 평가하여 </a:t>
+            </a:r>
+            <a:r>
+              <a:rPr lang="en-US" altLang="ko-KR" baseline="0" dirty="0" smtClean="0"/>
+              <a:t>threshold</a:t>
+            </a:r>
+            <a:r>
+              <a:rPr lang="ko-KR" altLang="en-US" baseline="0" dirty="0" smtClean="0"/>
+              <a:t>를 넘지않는 양호한 상태는 </a:t>
+            </a:r>
+            <a:r>
+              <a:rPr lang="en-US" altLang="ko-KR" baseline="0" dirty="0" smtClean="0"/>
+              <a:t>0</a:t>
+            </a:r>
+            <a:r>
+              <a:rPr lang="ko-KR" altLang="en-US" baseline="0" dirty="0" smtClean="0"/>
+              <a:t>점</a:t>
+            </a:r>
+            <a:r>
+              <a:rPr lang="en-US" altLang="ko-KR" baseline="0" dirty="0" smtClean="0"/>
+              <a:t>, threshold</a:t>
+            </a:r>
+            <a:r>
+              <a:rPr lang="ko-KR" altLang="en-US" baseline="0" dirty="0" smtClean="0"/>
+              <a:t>를 넘는 </a:t>
+            </a:r>
+            <a:r>
+              <a:rPr lang="ko-KR" altLang="en-US" baseline="0" dirty="0" err="1" smtClean="0"/>
+              <a:t>기능상실이</a:t>
+            </a:r>
+            <a:r>
+              <a:rPr lang="ko-KR" altLang="en-US" baseline="0" dirty="0" smtClean="0"/>
+              <a:t> 있는 상태는 </a:t>
+            </a:r>
+            <a:r>
+              <a:rPr lang="en-US" altLang="ko-KR" baseline="0" dirty="0" smtClean="0"/>
+              <a:t>1</a:t>
+            </a:r>
+            <a:r>
+              <a:rPr lang="ko-KR" altLang="en-US" baseline="0" dirty="0" smtClean="0"/>
+              <a:t>점으로 합니다</a:t>
+            </a:r>
+            <a:r>
+              <a:rPr lang="en-US" altLang="ko-KR" baseline="0" dirty="0" smtClean="0"/>
+              <a:t>. </a:t>
+            </a:r>
+            <a:r>
+              <a:rPr lang="ko-KR" altLang="en-US" baseline="0" dirty="0" smtClean="0"/>
+              <a:t>보행은 도움을 받고도 </a:t>
+            </a:r>
+            <a:r>
+              <a:rPr lang="ko-KR" altLang="en-US" baseline="0" dirty="0" err="1" smtClean="0"/>
+              <a:t>걸을수없는</a:t>
+            </a:r>
+            <a:r>
+              <a:rPr lang="ko-KR" altLang="en-US" baseline="0" dirty="0" smtClean="0"/>
+              <a:t> 상태부터 </a:t>
+            </a:r>
+            <a:r>
+              <a:rPr lang="en-US" altLang="ko-KR" baseline="0" dirty="0" smtClean="0"/>
+              <a:t>1</a:t>
+            </a:r>
+            <a:r>
+              <a:rPr lang="ko-KR" altLang="en-US" baseline="0" dirty="0" smtClean="0"/>
+              <a:t>점</a:t>
+            </a:r>
+            <a:r>
+              <a:rPr lang="en-US" altLang="ko-KR" baseline="0" dirty="0" smtClean="0"/>
+              <a:t>, </a:t>
+            </a:r>
+            <a:r>
+              <a:rPr lang="ko-KR" altLang="en-US" baseline="0" dirty="0" err="1" smtClean="0"/>
+              <a:t>옷입기와</a:t>
+            </a:r>
+            <a:r>
+              <a:rPr lang="ko-KR" altLang="en-US" baseline="0" dirty="0" smtClean="0"/>
+              <a:t> 위생은 </a:t>
+            </a:r>
+            <a:r>
+              <a:rPr lang="ko-KR" altLang="en-US" baseline="0" dirty="0" err="1" smtClean="0"/>
+              <a:t>지속옆에서</a:t>
+            </a:r>
+            <a:r>
+              <a:rPr lang="ko-KR" altLang="en-US" baseline="0" dirty="0" smtClean="0"/>
+              <a:t> 지속적으로 지켜봐야 하는 상태나 전적으로 의존하는 </a:t>
+            </a:r>
+            <a:r>
+              <a:rPr lang="ko-KR" altLang="en-US" baseline="0" dirty="0" err="1" smtClean="0"/>
+              <a:t>상태일때</a:t>
+            </a:r>
+            <a:r>
+              <a:rPr lang="ko-KR" altLang="en-US" baseline="0" dirty="0" smtClean="0"/>
+              <a:t> </a:t>
+            </a:r>
+            <a:r>
+              <a:rPr lang="en-US" altLang="ko-KR" baseline="0" dirty="0" smtClean="0"/>
+              <a:t>1</a:t>
+            </a:r>
+            <a:r>
+              <a:rPr lang="ko-KR" altLang="en-US" baseline="0" dirty="0" smtClean="0"/>
+              <a:t>점입니다</a:t>
+            </a:r>
+            <a:r>
+              <a:rPr lang="en-US" altLang="ko-KR" baseline="0" dirty="0" smtClean="0"/>
+              <a:t>. </a:t>
+            </a:r>
+            <a:r>
+              <a:rPr lang="ko-KR" altLang="en-US" baseline="0" dirty="0" err="1" smtClean="0"/>
+              <a:t>삼킴은</a:t>
+            </a:r>
+            <a:r>
+              <a:rPr lang="ko-KR" altLang="en-US" baseline="0" dirty="0" smtClean="0"/>
+              <a:t> 보조적으로 </a:t>
+            </a:r>
+            <a:r>
+              <a:rPr lang="en-US" altLang="ko-KR" baseline="0" dirty="0" smtClean="0"/>
+              <a:t>tube feeding</a:t>
+            </a:r>
+            <a:r>
+              <a:rPr lang="ko-KR" altLang="en-US" baseline="0" dirty="0" smtClean="0"/>
+              <a:t>이 필요한 </a:t>
+            </a:r>
+            <a:r>
+              <a:rPr lang="ko-KR" altLang="en-US" baseline="0" dirty="0" err="1" smtClean="0"/>
+              <a:t>상태일때</a:t>
+            </a:r>
+            <a:r>
+              <a:rPr lang="ko-KR" altLang="en-US" baseline="0" dirty="0" smtClean="0"/>
+              <a:t> </a:t>
+            </a:r>
+            <a:r>
+              <a:rPr lang="en-US" altLang="ko-KR" baseline="0" dirty="0" smtClean="0"/>
+              <a:t>1</a:t>
+            </a:r>
+            <a:r>
+              <a:rPr lang="ko-KR" altLang="en-US" baseline="0" dirty="0" smtClean="0"/>
+              <a:t>점입니다</a:t>
+            </a:r>
+            <a:r>
+              <a:rPr lang="en-US" altLang="ko-KR" baseline="0" dirty="0" smtClean="0"/>
+              <a:t>. </a:t>
+            </a:r>
+            <a:r>
+              <a:rPr lang="ko-KR" altLang="en-US" baseline="0" dirty="0" smtClean="0"/>
+              <a:t>말하기는 </a:t>
+            </a:r>
+            <a:r>
+              <a:rPr lang="ko-KR" altLang="en-US" baseline="0" dirty="0" err="1" smtClean="0"/>
+              <a:t>육성외에</a:t>
+            </a:r>
+            <a:r>
+              <a:rPr lang="ko-KR" altLang="en-US" baseline="0" dirty="0" smtClean="0"/>
+              <a:t> 몸짓과 같은 </a:t>
+            </a:r>
+            <a:r>
+              <a:rPr lang="en-US" altLang="ko-KR" baseline="0" dirty="0" smtClean="0"/>
+              <a:t>non-vocal communication</a:t>
+            </a:r>
+            <a:r>
+              <a:rPr lang="ko-KR" altLang="en-US" baseline="0" dirty="0" smtClean="0"/>
+              <a:t>이 필요하면 </a:t>
+            </a:r>
+            <a:r>
+              <a:rPr lang="en-US" altLang="ko-KR" baseline="0" dirty="0" smtClean="0"/>
+              <a:t>1</a:t>
+            </a:r>
+            <a:r>
+              <a:rPr lang="ko-KR" altLang="en-US" baseline="0" dirty="0" smtClean="0"/>
+              <a:t>점</a:t>
+            </a:r>
+            <a:r>
+              <a:rPr lang="en-US" altLang="ko-KR" baseline="0" dirty="0" smtClean="0"/>
+              <a:t>, </a:t>
+            </a:r>
+            <a:r>
+              <a:rPr lang="ko-KR" altLang="en-US" baseline="0" dirty="0" smtClean="0"/>
+              <a:t>쓰기는 펜을 </a:t>
+            </a:r>
+            <a:r>
+              <a:rPr lang="ko-KR" altLang="en-US" baseline="0" dirty="0" err="1" smtClean="0"/>
+              <a:t>잡을수는</a:t>
+            </a:r>
+            <a:r>
+              <a:rPr lang="ko-KR" altLang="en-US" baseline="0" dirty="0" smtClean="0"/>
+              <a:t> 있지만 </a:t>
+            </a:r>
+            <a:r>
+              <a:rPr lang="ko-KR" altLang="en-US" baseline="0" dirty="0" err="1" smtClean="0"/>
+              <a:t>쓰는것은</a:t>
+            </a:r>
+            <a:r>
+              <a:rPr lang="ko-KR" altLang="en-US" baseline="0" dirty="0" smtClean="0"/>
+              <a:t> 안되면 </a:t>
+            </a:r>
+            <a:r>
+              <a:rPr lang="en-US" altLang="ko-KR" baseline="0" dirty="0" smtClean="0"/>
+              <a:t>1</a:t>
+            </a:r>
+            <a:r>
+              <a:rPr lang="ko-KR" altLang="en-US" baseline="0" dirty="0" smtClean="0"/>
+              <a:t>점입니다</a:t>
+            </a:r>
+            <a:r>
+              <a:rPr lang="en-US" altLang="ko-KR" baseline="0" dirty="0" smtClean="0"/>
+              <a:t>. Dyspnea</a:t>
+            </a:r>
+            <a:r>
+              <a:rPr lang="ko-KR" altLang="en-US" baseline="0" dirty="0" smtClean="0"/>
               <a:t>는 </a:t>
             </a:r>
             <a:r>
-              <a:rPr lang="ko-KR" altLang="en-US" dirty="0" err="1" smtClean="0"/>
-              <a:t>중복이라기보다는</a:t>
-            </a:r>
-            <a:r>
-              <a:rPr lang="ko-KR" altLang="en-US" dirty="0" smtClean="0"/>
-              <a:t> 상호 보완적인 </a:t>
-            </a:r>
-            <a:r>
-              <a:rPr lang="ko-KR" altLang="en-US" baseline="0" dirty="0" smtClean="0"/>
-              <a:t>체계인데 전자는 임상적</a:t>
+              <a:rPr lang="ko-KR" altLang="en-US" baseline="0" dirty="0" err="1" smtClean="0"/>
+              <a:t>쉴때도</a:t>
+            </a:r>
+            <a:r>
+              <a:rPr lang="ko-KR" altLang="en-US" baseline="0" dirty="0" smtClean="0"/>
+              <a:t> 호흡곤란이 있고 앉아있거나 </a:t>
+            </a:r>
+            <a:r>
+              <a:rPr lang="ko-KR" altLang="en-US" baseline="0" dirty="0" err="1" smtClean="0"/>
+              <a:t>누워있을때</a:t>
+            </a:r>
+            <a:r>
+              <a:rPr lang="ko-KR" altLang="en-US" baseline="0" dirty="0" smtClean="0"/>
+              <a:t> 둘 중 하나라도 숨쉬기가 힘들면 </a:t>
+            </a:r>
+            <a:r>
+              <a:rPr lang="en-US" altLang="ko-KR" baseline="0" dirty="0" smtClean="0"/>
+              <a:t>1</a:t>
+            </a:r>
+            <a:r>
+              <a:rPr lang="ko-KR" altLang="en-US" baseline="0" dirty="0" smtClean="0"/>
+              <a:t>점입니다</a:t>
+            </a:r>
+            <a:r>
+              <a:rPr lang="en-US" altLang="ko-KR" baseline="0" dirty="0" smtClean="0"/>
+              <a:t>. </a:t>
+            </a:r>
+            <a:r>
+              <a:rPr lang="ko-KR" altLang="en-US" baseline="0" dirty="0" err="1" smtClean="0"/>
+              <a:t>밤시간동안</a:t>
+            </a:r>
+            <a:r>
+              <a:rPr lang="ko-KR" altLang="en-US" baseline="0" dirty="0" smtClean="0"/>
+              <a:t> </a:t>
+            </a:r>
+            <a:r>
+              <a:rPr lang="en-US" altLang="ko-KR" baseline="0" dirty="0" smtClean="0"/>
+              <a:t>Nasal intermittent positive pressure ventilation </a:t>
+            </a:r>
+            <a:r>
+              <a:rPr lang="ko-KR" altLang="en-US" baseline="0" dirty="0" smtClean="0"/>
+              <a:t>줄여서 </a:t>
+            </a:r>
+            <a:r>
+              <a:rPr lang="en-US" altLang="ko-KR" baseline="0" dirty="0" smtClean="0"/>
+              <a:t>NIPPV</a:t>
+            </a:r>
+            <a:r>
+              <a:rPr lang="ko-KR" altLang="en-US" baseline="0" dirty="0" smtClean="0"/>
+              <a:t>가 계속 필요하면 </a:t>
+            </a:r>
+            <a:r>
+              <a:rPr lang="en-US" altLang="ko-KR" baseline="0" dirty="0" smtClean="0"/>
+              <a:t>1</a:t>
+            </a:r>
+            <a:r>
+              <a:rPr lang="ko-KR" altLang="en-US" baseline="0" dirty="0" smtClean="0"/>
+              <a:t>점입니다</a:t>
+            </a:r>
+            <a:r>
+              <a:rPr lang="en-US" altLang="ko-KR" baseline="0" dirty="0" smtClean="0"/>
+              <a:t>. </a:t>
+            </a:r>
+            <a:r>
+              <a:rPr lang="ko-KR" altLang="en-US" baseline="0" dirty="0" smtClean="0"/>
+              <a:t>의사소통의 경우 말하기와 쓰기가 모두 </a:t>
+            </a:r>
+            <a:r>
+              <a:rPr lang="en-US" altLang="ko-KR" baseline="0" dirty="0" smtClean="0"/>
+              <a:t>1</a:t>
+            </a:r>
+            <a:r>
+              <a:rPr lang="ko-KR" altLang="en-US" baseline="0" dirty="0" err="1" smtClean="0"/>
+              <a:t>점이어야지</a:t>
+            </a:r>
+            <a:r>
+              <a:rPr lang="ko-KR" altLang="en-US" baseline="0" dirty="0" smtClean="0"/>
+              <a:t> 의사소통 </a:t>
+            </a:r>
+            <a:r>
+              <a:rPr lang="en-US" altLang="ko-KR" baseline="0" dirty="0" smtClean="0"/>
+              <a:t>domain</a:t>
+            </a:r>
+            <a:r>
+              <a:rPr lang="ko-KR" altLang="en-US" baseline="0" dirty="0" smtClean="0"/>
+              <a:t>의 </a:t>
+            </a:r>
+            <a:r>
+              <a:rPr lang="ko-KR" altLang="en-US" baseline="0" dirty="0" err="1" smtClean="0"/>
+              <a:t>기능상실이</a:t>
+            </a:r>
+            <a:r>
+              <a:rPr lang="ko-KR" altLang="en-US" baseline="0" dirty="0" smtClean="0"/>
+              <a:t> </a:t>
+            </a:r>
+            <a:r>
+              <a:rPr lang="ko-KR" altLang="en-US" baseline="0" dirty="0" err="1" smtClean="0"/>
+              <a:t>있는것으로</a:t>
+            </a:r>
+            <a:r>
+              <a:rPr lang="ko-KR" altLang="en-US" baseline="0" dirty="0" smtClean="0"/>
+              <a:t> </a:t>
+            </a:r>
+            <a:r>
+              <a:rPr lang="ko-KR" altLang="en-US" baseline="0" dirty="0" err="1" smtClean="0"/>
+              <a:t>보게되고</a:t>
+            </a:r>
+            <a:r>
+              <a:rPr lang="ko-KR" altLang="en-US" baseline="0" dirty="0" smtClean="0"/>
+              <a:t> 거동과 호흡은 </a:t>
+            </a:r>
+            <a:r>
+              <a:rPr lang="en-US" altLang="ko-KR" baseline="0" dirty="0" smtClean="0"/>
+              <a:t>2</a:t>
+            </a:r>
+            <a:r>
+              <a:rPr lang="ko-KR" altLang="en-US" baseline="0" dirty="0" smtClean="0"/>
+              <a:t>가지 </a:t>
+            </a:r>
+            <a:r>
+              <a:rPr lang="en-US" altLang="ko-KR" baseline="0" dirty="0" smtClean="0"/>
+              <a:t>item</a:t>
+            </a:r>
+            <a:r>
+              <a:rPr lang="ko-KR" altLang="en-US" baseline="0" dirty="0" smtClean="0"/>
+              <a:t>중 하나라도 </a:t>
+            </a:r>
+            <a:r>
+              <a:rPr lang="en-US" altLang="ko-KR" baseline="0" dirty="0" smtClean="0"/>
+              <a:t>1</a:t>
+            </a:r>
+            <a:r>
+              <a:rPr lang="ko-KR" altLang="en-US" baseline="0" dirty="0" smtClean="0"/>
+              <a:t>점이면 </a:t>
+            </a:r>
+            <a:r>
+              <a:rPr lang="ko-KR" altLang="en-US" baseline="0" dirty="0" err="1" smtClean="0"/>
+              <a:t>기능상실이</a:t>
+            </a:r>
+            <a:r>
+              <a:rPr lang="ko-KR" altLang="en-US" baseline="0" dirty="0" smtClean="0"/>
+              <a:t> </a:t>
+            </a:r>
+            <a:r>
+              <a:rPr lang="ko-KR" altLang="en-US" baseline="0" dirty="0" err="1" smtClean="0"/>
+              <a:t>있는것으로</a:t>
+            </a:r>
+            <a:r>
+              <a:rPr lang="ko-KR" altLang="en-US" baseline="0" dirty="0" smtClean="0"/>
+              <a:t> 봅니다</a:t>
+            </a:r>
+            <a:r>
+              <a:rPr lang="en-US" altLang="ko-KR" baseline="0" dirty="0" smtClean="0"/>
+              <a:t>. </a:t>
+            </a:r>
+            <a:r>
+              <a:rPr lang="ko-KR" altLang="en-US" baseline="0" dirty="0" err="1" smtClean="0"/>
+              <a:t>총합적으로</a:t>
+            </a:r>
+            <a:r>
+              <a:rPr lang="ko-KR" altLang="en-US" baseline="0" dirty="0" smtClean="0"/>
+              <a:t> 몇 개의 </a:t>
+            </a:r>
+            <a:r>
+              <a:rPr lang="en-US" altLang="ko-KR" baseline="0" dirty="0" smtClean="0"/>
+              <a:t>domain</a:t>
+            </a:r>
+            <a:r>
+              <a:rPr lang="ko-KR" altLang="en-US" baseline="0" dirty="0" smtClean="0"/>
+              <a:t>이 기능을 </a:t>
+            </a:r>
+            <a:r>
+              <a:rPr lang="ko-KR" altLang="en-US" baseline="0" dirty="0" err="1" smtClean="0"/>
+              <a:t>상실했는지를</a:t>
+            </a:r>
+            <a:r>
+              <a:rPr lang="ko-KR" altLang="en-US" baseline="0" dirty="0" smtClean="0"/>
+              <a:t> 따져서 </a:t>
+            </a:r>
+            <a:r>
+              <a:rPr lang="en-US" altLang="ko-KR" baseline="0" dirty="0" smtClean="0"/>
+              <a:t>stage</a:t>
+            </a:r>
+            <a:r>
+              <a:rPr lang="ko-KR" altLang="en-US" baseline="0" dirty="0" smtClean="0"/>
+              <a:t>를 매기게 되고 사망은 </a:t>
+            </a:r>
+            <a:r>
+              <a:rPr lang="en-US" altLang="ko-KR" baseline="0" dirty="0" smtClean="0"/>
+              <a:t>stage 5, </a:t>
+            </a:r>
+            <a:r>
+              <a:rPr lang="ko-KR" altLang="en-US" baseline="0" dirty="0" smtClean="0"/>
+              <a:t>기능이 상실된 </a:t>
+            </a:r>
+            <a:r>
+              <a:rPr lang="en-US" altLang="ko-KR" baseline="0" dirty="0" smtClean="0"/>
+              <a:t>domain</a:t>
+            </a:r>
+            <a:r>
+              <a:rPr lang="ko-KR" altLang="en-US" baseline="0" dirty="0" smtClean="0"/>
+              <a:t>이 없으면 </a:t>
+            </a:r>
+            <a:r>
+              <a:rPr lang="en-US" altLang="ko-KR" baseline="0" dirty="0" smtClean="0"/>
+              <a:t>stage 0</a:t>
+            </a:r>
+            <a:r>
+              <a:rPr lang="ko-KR" altLang="en-US" baseline="0" dirty="0" smtClean="0"/>
+              <a:t>입니다</a:t>
+            </a:r>
+            <a:r>
+              <a:rPr lang="en-US" altLang="ko-KR" baseline="0" dirty="0" smtClean="0"/>
+              <a:t>. </a:t>
+            </a:r>
+          </a:p>
+          <a:p>
+            <a:r>
+              <a:rPr lang="en-US" altLang="ko-KR" baseline="0" dirty="0" smtClean="0"/>
+              <a:t>Transition probability</a:t>
+            </a:r>
+            <a:r>
+              <a:rPr lang="ko-KR" altLang="en-US" baseline="0" dirty="0" smtClean="0"/>
+              <a:t>는 </a:t>
+            </a:r>
+            <a:r>
+              <a:rPr lang="en-US" altLang="ko-KR" baseline="0" dirty="0" smtClean="0"/>
+              <a:t>Markov model</a:t>
+            </a:r>
+            <a:r>
+              <a:rPr lang="ko-KR" altLang="en-US" baseline="0" dirty="0" smtClean="0"/>
+              <a:t>을 이용해서 계산했습니다</a:t>
+            </a:r>
+            <a:r>
+              <a:rPr lang="en-US" altLang="ko-KR" baseline="0" dirty="0" smtClean="0"/>
+              <a:t>. QOC study</a:t>
+            </a:r>
+            <a:r>
+              <a:rPr lang="ko-KR" altLang="en-US" baseline="0" dirty="0" smtClean="0"/>
+              <a:t>는 전체 </a:t>
+            </a:r>
+            <a:r>
+              <a:rPr lang="en-US" altLang="ko-KR" baseline="0" dirty="0" smtClean="0"/>
+              <a:t>130</a:t>
+            </a:r>
+            <a:r>
+              <a:rPr lang="ko-KR" altLang="en-US" baseline="0" dirty="0" smtClean="0"/>
+              <a:t>환자</a:t>
+            </a:r>
+            <a:r>
+              <a:rPr lang="en-US" altLang="ko-KR" baseline="0" dirty="0" smtClean="0"/>
+              <a:t>(</a:t>
+            </a:r>
+            <a:r>
+              <a:rPr lang="ko-KR" altLang="en-US" baseline="0" dirty="0" smtClean="0"/>
+              <a:t>여자 </a:t>
+            </a:r>
+            <a:r>
+              <a:rPr lang="en-US" altLang="ko-KR" baseline="0" dirty="0" smtClean="0"/>
+              <a:t>56</a:t>
+            </a:r>
+            <a:r>
+              <a:rPr lang="ko-KR" altLang="en-US" baseline="0" dirty="0" smtClean="0"/>
+              <a:t>명</a:t>
             </a:r>
             <a:r>
               <a:rPr lang="en-US" altLang="ko-KR" baseline="0" dirty="0" smtClean="0"/>
@@ -4181,39 +4840,79 @@
             </a:r>
             <a:r>
               <a:rPr lang="ko-KR" altLang="en-US" baseline="0" dirty="0" smtClean="0"/>
-              <a:t>해부학적 확산을 중요하게 보고</a:t>
-            </a:r>
-            <a:r>
-              <a:rPr lang="en-US" altLang="ko-KR" baseline="0" dirty="0" smtClean="0"/>
-              <a:t>, MITOS</a:t>
-            </a:r>
-            <a:r>
-              <a:rPr lang="ko-KR" altLang="en-US" baseline="0" dirty="0" smtClean="0"/>
-              <a:t>는 기능적 장애를 중요하게 보는 체계임</a:t>
-            </a:r>
-            <a:r>
-              <a:rPr lang="en-US" altLang="ko-KR" baseline="0" dirty="0" smtClean="0"/>
-              <a:t>. Ferraro</a:t>
-            </a:r>
-            <a:r>
-              <a:rPr lang="ko-KR" altLang="en-US" baseline="0" dirty="0" smtClean="0"/>
-              <a:t>의 연구에서 </a:t>
-            </a:r>
-            <a:r>
-              <a:rPr lang="en-US" altLang="ko-KR" baseline="0" dirty="0" smtClean="0"/>
-              <a:t>King</a:t>
-            </a:r>
-            <a:r>
-              <a:rPr lang="ko-KR" altLang="en-US" baseline="0" dirty="0" smtClean="0"/>
-              <a:t>은 질병 전체에 균등하게 분포하고 </a:t>
-            </a:r>
-            <a:r>
-              <a:rPr lang="en-US" altLang="ko-KR" baseline="0" dirty="0" smtClean="0"/>
-              <a:t>MITOS</a:t>
-            </a:r>
-            <a:r>
-              <a:rPr lang="ko-KR" altLang="en-US" baseline="0" dirty="0" smtClean="0"/>
-              <a:t>는 질병 후기에 치우친다는 보고가 있었음</a:t>
+              <a:t>남자 </a:t>
+            </a:r>
+            <a:r>
+              <a:rPr lang="en-US" altLang="ko-KR" baseline="0" dirty="0" smtClean="0"/>
+              <a:t>74</a:t>
+            </a:r>
+            <a:r>
+              <a:rPr lang="ko-KR" altLang="en-US" baseline="0" dirty="0" smtClean="0"/>
+              <a:t>명</a:t>
+            </a:r>
+            <a:r>
+              <a:rPr lang="en-US" altLang="ko-KR" baseline="0" dirty="0" smtClean="0"/>
+              <a:t>)</a:t>
+            </a:r>
+            <a:r>
+              <a:rPr lang="ko-KR" altLang="en-US" baseline="0" dirty="0" smtClean="0"/>
+              <a:t>이고 </a:t>
+            </a:r>
+            <a:r>
+              <a:rPr lang="ko-KR" altLang="en-US" baseline="0" dirty="0" err="1" smtClean="0"/>
+              <a:t>평균나이는</a:t>
+            </a:r>
+            <a:r>
+              <a:rPr lang="ko-KR" altLang="en-US" baseline="0" dirty="0" smtClean="0"/>
+              <a:t> </a:t>
+            </a:r>
+            <a:r>
+              <a:rPr lang="en-US" altLang="ko-KR" baseline="0" dirty="0" smtClean="0"/>
+              <a:t>57</a:t>
+            </a:r>
+            <a:r>
+              <a:rPr lang="ko-KR" altLang="en-US" baseline="0" dirty="0" smtClean="0"/>
+              <a:t>세이고 증상발생이후 기간은 평균 </a:t>
+            </a:r>
+            <a:r>
+              <a:rPr lang="en-US" altLang="ko-KR" baseline="0" dirty="0" smtClean="0"/>
+              <a:t>2.5</a:t>
+            </a:r>
+            <a:r>
+              <a:rPr lang="ko-KR" altLang="en-US" baseline="0" dirty="0" smtClean="0"/>
+              <a:t>년이었습니다</a:t>
+            </a:r>
+            <a:r>
+              <a:rPr lang="en-US" altLang="ko-KR" baseline="0" dirty="0" smtClean="0"/>
+              <a:t>. 64%</a:t>
+            </a:r>
+            <a:r>
+              <a:rPr lang="ko-KR" altLang="en-US" baseline="0" dirty="0" smtClean="0"/>
+              <a:t>가 </a:t>
+            </a:r>
+            <a:r>
+              <a:rPr lang="en-US" altLang="ko-KR" baseline="0" dirty="0" smtClean="0"/>
+              <a:t>definite ALS</a:t>
+            </a:r>
+            <a:r>
+              <a:rPr lang="ko-KR" altLang="en-US" baseline="0" dirty="0" smtClean="0"/>
+              <a:t>이고 </a:t>
+            </a:r>
+            <a:r>
+              <a:rPr lang="en-US" altLang="ko-KR" baseline="0" dirty="0" smtClean="0"/>
+              <a:t>lab supported ALS</a:t>
+            </a:r>
+            <a:r>
+              <a:rPr lang="ko-KR" altLang="en-US" baseline="0" dirty="0" smtClean="0"/>
+              <a:t>가 </a:t>
+            </a:r>
+            <a:r>
+              <a:rPr lang="en-US" altLang="ko-KR" baseline="0" dirty="0" smtClean="0"/>
+              <a:t>22%, probable ALS 14%</a:t>
+            </a:r>
+            <a:r>
+              <a:rPr lang="ko-KR" altLang="en-US" baseline="0" dirty="0" smtClean="0"/>
+              <a:t>였습니다</a:t>
             </a:r>
             <a:r>
               <a:rPr lang="en-US" altLang="ko-KR" baseline="0" dirty="0" smtClean="0"/>
@@ -4221,7 +4920,47 @@
             </a:r>
             <a:r>
               <a:rPr lang="ko-KR" altLang="en-US" baseline="0" dirty="0" smtClean="0"/>
-              <a:t>두 체계는 질환의 경과를 예측하고 치료계획을 수립하며 전반적인 의료자원의 효율적인 활용에도 기여하고 주치의</a:t>
+              <a:t>평균 </a:t>
+            </a:r>
+            <a:r>
+              <a:rPr lang="en-US" altLang="ko-KR" baseline="0" dirty="0" smtClean="0"/>
+              <a:t>ALSFRS</a:t>
+            </a:r>
+            <a:r>
+              <a:rPr lang="ko-KR" altLang="en-US" baseline="0" dirty="0" smtClean="0"/>
+              <a:t>는 </a:t>
+            </a:r>
+            <a:r>
+              <a:rPr lang="en-US" altLang="ko-KR" baseline="0" dirty="0" smtClean="0"/>
+              <a:t>24.5</a:t>
+            </a:r>
+            <a:r>
+              <a:rPr lang="ko-KR" altLang="en-US" baseline="0" dirty="0" smtClean="0"/>
+              <a:t>점이었습니다</a:t>
+            </a:r>
+            <a:r>
+              <a:rPr lang="en-US" altLang="ko-KR" baseline="0" dirty="0" smtClean="0"/>
+              <a:t>. </a:t>
+            </a:r>
+            <a:r>
+              <a:rPr lang="en-US" altLang="ko-KR" baseline="0" dirty="0" err="1" smtClean="0"/>
+              <a:t>LiTALS</a:t>
+            </a:r>
+            <a:r>
+              <a:rPr lang="en-US" altLang="ko-KR" baseline="0" dirty="0" smtClean="0"/>
+              <a:t> study</a:t>
+            </a:r>
+            <a:r>
+              <a:rPr lang="ko-KR" altLang="en-US" baseline="0" dirty="0" smtClean="0"/>
+              <a:t>는 전체 </a:t>
+            </a:r>
+            <a:r>
+              <a:rPr lang="en-US" altLang="ko-KR" baseline="0" dirty="0" smtClean="0"/>
+              <a:t>171</a:t>
+            </a:r>
+            <a:r>
+              <a:rPr lang="ko-KR" altLang="en-US" baseline="0" dirty="0" smtClean="0"/>
+              <a:t>명의 환자</a:t>
             </a:r>
             <a:r>
               <a:rPr lang="en-US" altLang="ko-KR" baseline="0" dirty="0" smtClean="0"/>
@@ -4229,15 +4968,35 @@
             </a:r>
             <a:r>
               <a:rPr lang="ko-KR" altLang="en-US" baseline="0" dirty="0" smtClean="0"/>
-              <a:t>관련의료인력</a:t>
+              <a:t>평균나이 </a:t>
+            </a:r>
+            <a:r>
+              <a:rPr lang="en-US" altLang="ko-KR" baseline="0" dirty="0" smtClean="0"/>
+              <a:t>58</a:t>
+            </a:r>
+            <a:r>
+              <a:rPr lang="ko-KR" altLang="en-US" baseline="0" dirty="0" smtClean="0"/>
+              <a:t>세</a:t>
             </a:r>
             <a:r>
               <a:rPr lang="en-US" altLang="ko-KR" baseline="0" dirty="0" smtClean="0"/>
               <a:t>, </a:t>
             </a:r>
             <a:r>
-              <a:rPr lang="ko-KR" altLang="en-US" baseline="0" dirty="0" smtClean="0"/>
-              <a:t>환자</a:t>
+              <a:rPr lang="ko-KR" altLang="en-US" baseline="0" dirty="0" err="1" smtClean="0"/>
+              <a:t>증상발생시</a:t>
+            </a:r>
+            <a:r>
+              <a:rPr lang="ko-KR" altLang="en-US" baseline="0" dirty="0" smtClean="0"/>
+              <a:t> 평균나이 </a:t>
+            </a:r>
+            <a:r>
+              <a:rPr lang="en-US" altLang="ko-KR" baseline="0" dirty="0" smtClean="0"/>
+              <a:t>57</a:t>
+            </a:r>
+            <a:r>
+              <a:rPr lang="ko-KR" altLang="en-US" baseline="0" dirty="0" smtClean="0"/>
+              <a:t>세</a:t>
             </a:r>
             <a:r>
               <a:rPr lang="en-US" altLang="ko-KR" baseline="0" dirty="0" smtClean="0"/>
@@ -4245,7 +5004,87 @@
             </a:r>
             <a:r>
               <a:rPr lang="ko-KR" altLang="en-US" baseline="0" dirty="0" smtClean="0"/>
-              <a:t>보호자 간의 이해를 높일 수 있다는 장점이 있음</a:t>
+              <a:t>평균 </a:t>
+            </a:r>
+            <a:r>
+              <a:rPr lang="en-US" altLang="ko-KR" baseline="0" dirty="0" smtClean="0"/>
+              <a:t>ALSFRS-R</a:t>
+            </a:r>
+            <a:r>
+              <a:rPr lang="ko-KR" altLang="en-US" baseline="0" dirty="0" smtClean="0"/>
+              <a:t>은 </a:t>
+            </a:r>
+            <a:r>
+              <a:rPr lang="en-US" altLang="ko-KR" baseline="0" dirty="0" smtClean="0"/>
+              <a:t>36.9 </a:t>
+            </a:r>
+            <a:r>
+              <a:rPr lang="ko-KR" altLang="en-US" baseline="0" dirty="0" smtClean="0"/>
+              <a:t>였습니다</a:t>
+            </a:r>
+            <a:r>
+              <a:rPr lang="en-US" altLang="ko-KR" baseline="0" dirty="0" smtClean="0"/>
+              <a:t>. 80%</a:t>
+            </a:r>
+            <a:r>
+              <a:rPr lang="ko-KR" altLang="en-US" baseline="0" dirty="0" smtClean="0"/>
+              <a:t>가 </a:t>
+            </a:r>
+            <a:r>
+              <a:rPr lang="en-US" altLang="ko-KR" baseline="0" dirty="0" err="1" smtClean="0"/>
+              <a:t>riluzole</a:t>
+            </a:r>
+            <a:r>
+              <a:rPr lang="ko-KR" altLang="en-US" baseline="0" dirty="0" smtClean="0"/>
+              <a:t>투약</a:t>
+            </a:r>
+            <a:r>
+              <a:rPr lang="en-US" altLang="ko-KR" baseline="0" dirty="0" smtClean="0"/>
+              <a:t>, 40%</a:t>
+            </a:r>
+            <a:r>
+              <a:rPr lang="ko-KR" altLang="en-US" baseline="0" dirty="0" smtClean="0"/>
+              <a:t>가 </a:t>
+            </a:r>
+            <a:r>
+              <a:rPr lang="en-US" altLang="ko-KR" baseline="0" dirty="0" err="1" smtClean="0"/>
+              <a:t>creatine</a:t>
+            </a:r>
+            <a:r>
+              <a:rPr lang="en-US" altLang="ko-KR" baseline="0" dirty="0" smtClean="0"/>
+              <a:t>, </a:t>
+            </a:r>
+            <a:r>
+              <a:rPr lang="en-US" altLang="ko-KR" baseline="0" dirty="0" err="1" smtClean="0"/>
+              <a:t>Vit.E</a:t>
+            </a:r>
+            <a:r>
+              <a:rPr lang="ko-KR" altLang="en-US" baseline="0" dirty="0" smtClean="0"/>
+              <a:t>사용</a:t>
+            </a:r>
+            <a:r>
+              <a:rPr lang="en-US" altLang="ko-KR" baseline="0" dirty="0" smtClean="0"/>
+              <a:t>. Baseline</a:t>
+            </a:r>
+            <a:r>
+              <a:rPr lang="ko-KR" altLang="en-US" baseline="0" dirty="0" smtClean="0"/>
+              <a:t>에서 </a:t>
+            </a:r>
+            <a:r>
+              <a:rPr lang="en-US" altLang="ko-KR" baseline="0" dirty="0" smtClean="0"/>
+              <a:t>10%</a:t>
+            </a:r>
+            <a:r>
+              <a:rPr lang="ko-KR" altLang="en-US" baseline="0" dirty="0" smtClean="0"/>
+              <a:t>미만이 </a:t>
+            </a:r>
+            <a:r>
+              <a:rPr lang="en-US" altLang="ko-KR" baseline="0" dirty="0" smtClean="0"/>
+              <a:t>gastrostomy, NIV</a:t>
+            </a:r>
+            <a:r>
+              <a:rPr lang="ko-KR" altLang="en-US" baseline="0" dirty="0" smtClean="0"/>
+              <a:t>가 필요한 상태였음</a:t>
             </a:r>
             <a:r>
               <a:rPr lang="en-US" altLang="ko-KR" baseline="0" dirty="0" smtClean="0"/>
@@ -4272,7 +5111,881 @@
           <a:p>
             <a:fld id="{BBAA4D1B-A90B-4163-BF9D-AF53B78ADDD3}" type="slidenum">
               <a:rPr lang="ko-KR" altLang="en-US" smtClean="0"/>
+              <a:t>6</a:t>
+            </a:fld>
+            <a:endParaRPr lang="ko-KR" altLang="en-US"/>
+          </a:p>
+        </p:txBody>
+      </p:sp>
+    </p:spTree>
+    <p:extLst>
+      <p:ext uri="{BB962C8B-B14F-4D97-AF65-F5344CB8AC3E}">
+        <p14:creationId xmlns:p14="http://schemas.microsoft.com/office/powerpoint/2010/main" val="964754443"/>
+      </p:ext>
+    </p:extLst>
+  </p:cSld>
+  <p:clrMapOvr>
+    <a:masterClrMapping/>
+  </p:clrMapOvr>
+</p:notes>
+</file>
+
+<file path=ppt/notesSlides/notesSlide6.xml><?xml version="1.0" encoding="utf-8"?>
+<p:notes xmlns:a="http://schemas.openxmlformats.org/drawingml/2006/main" xmlns:r="http://schemas.openxmlformats.org/officeDocument/2006/relationships" xmlns:p="http://schemas.openxmlformats.org/presentationml/2006/main">
+  <p:cSld>
+    <p:spTree>
+      <p:nvGrpSpPr>
+        <p:cNvPr id="1" name=""/>
+        <p:cNvGrpSpPr/>
+        <p:nvPr/>
+      </p:nvGrpSpPr>
+      <p:grpSpPr>
+        <a:xfrm>
+          <a:off x="0" y="0"/>
+          <a:ext cx="0" cy="0"/>
+          <a:chOff x="0" y="0"/>
+          <a:chExt cx="0" cy="0"/>
+        </a:xfrm>
+      </p:grpSpPr>
+      <p:sp>
+        <p:nvSpPr>
+          <p:cNvPr id="2" name="슬라이드 이미지 개체 틀 1"/>
+          <p:cNvSpPr>
+            <a:spLocks noGrp="1" noRot="1" noChangeAspect="1"/>
+          </p:cNvSpPr>
+          <p:nvPr>
+            <p:ph type="sldImg"/>
+          </p:nvPr>
+        </p:nvSpPr>
+        <p:spPr/>
+      </p:sp>
+      <p:sp>
+        <p:nvSpPr>
+          <p:cNvPr id="3" name="슬라이드 노트 개체 틀 2"/>
+          <p:cNvSpPr>
+            <a:spLocks noGrp="1"/>
+          </p:cNvSpPr>
+          <p:nvPr>
+            <p:ph type="body" idx="1"/>
+          </p:nvPr>
+        </p:nvSpPr>
+        <p:spPr/>
+        <p:txBody>
+          <a:bodyPr/>
+          <a:lstStyle/>
+          <a:p>
+            <a:r>
+              <a:rPr lang="ko-KR" altLang="en-US" dirty="0" smtClean="0"/>
+              <a:t>왼쪽의 그림은 </a:t>
+            </a:r>
+            <a:r>
+              <a:rPr lang="en-US" altLang="ko-KR" dirty="0" smtClean="0"/>
+              <a:t>QOC study</a:t>
+            </a:r>
+            <a:r>
+              <a:rPr lang="ko-KR" altLang="en-US" dirty="0" smtClean="0"/>
+              <a:t>에서 </a:t>
+            </a:r>
+            <a:r>
+              <a:rPr lang="en-US" altLang="ko-KR" dirty="0" smtClean="0"/>
+              <a:t>baseline stage</a:t>
+            </a:r>
+            <a:r>
+              <a:rPr lang="ko-KR" altLang="en-US" dirty="0" smtClean="0"/>
+              <a:t>별로 </a:t>
+            </a:r>
+            <a:r>
+              <a:rPr lang="en-US" altLang="ko-KR" dirty="0" smtClean="0"/>
+              <a:t>12</a:t>
+            </a:r>
+            <a:r>
+              <a:rPr lang="ko-KR" altLang="en-US" dirty="0" err="1" smtClean="0"/>
+              <a:t>개월후</a:t>
+            </a:r>
+            <a:r>
+              <a:rPr lang="ko-KR" altLang="en-US" dirty="0" smtClean="0"/>
+              <a:t> 어떤 </a:t>
+            </a:r>
+            <a:r>
+              <a:rPr lang="en-US" altLang="ko-KR" dirty="0" smtClean="0"/>
+              <a:t>stage</a:t>
+            </a:r>
+            <a:r>
+              <a:rPr lang="ko-KR" altLang="en-US" dirty="0" smtClean="0"/>
+              <a:t>로 진행하는지를 본 것인데 처음에 </a:t>
+            </a:r>
+            <a:r>
+              <a:rPr lang="en-US" altLang="ko-KR" dirty="0" smtClean="0"/>
+              <a:t>stage 0</a:t>
+            </a:r>
+            <a:r>
+              <a:rPr lang="ko-KR" altLang="en-US" dirty="0" smtClean="0"/>
+              <a:t>이 </a:t>
+            </a:r>
+            <a:r>
+              <a:rPr lang="en-US" altLang="ko-KR" dirty="0" smtClean="0"/>
+              <a:t>55%, stage 1</a:t>
+            </a:r>
+            <a:r>
+              <a:rPr lang="ko-KR" altLang="en-US" dirty="0" smtClean="0"/>
+              <a:t>이 </a:t>
+            </a:r>
+            <a:r>
+              <a:rPr lang="en-US" altLang="ko-KR" dirty="0" smtClean="0"/>
+              <a:t>26.3%</a:t>
+            </a:r>
+            <a:r>
+              <a:rPr lang="ko-KR" altLang="en-US" dirty="0" smtClean="0"/>
+              <a:t>이었고 </a:t>
+            </a:r>
+            <a:r>
+              <a:rPr lang="en-US" altLang="ko-KR" dirty="0" smtClean="0"/>
+              <a:t>f/u</a:t>
+            </a:r>
+            <a:r>
+              <a:rPr lang="en-US" altLang="ko-KR" baseline="0" dirty="0" smtClean="0"/>
+              <a:t> loss</a:t>
+            </a:r>
+            <a:r>
+              <a:rPr lang="ko-KR" altLang="en-US" baseline="0" dirty="0" smtClean="0"/>
+              <a:t>된 인원을 제외하고는 전체 중 </a:t>
+            </a:r>
+            <a:r>
+              <a:rPr lang="en-US" altLang="ko-KR" baseline="0" dirty="0" smtClean="0"/>
+              <a:t>59%</a:t>
+            </a:r>
+            <a:r>
+              <a:rPr lang="ko-KR" altLang="en-US" baseline="0" dirty="0" smtClean="0"/>
+              <a:t>정도가 </a:t>
+            </a:r>
+            <a:r>
+              <a:rPr lang="en-US" altLang="ko-KR" baseline="0" dirty="0" smtClean="0"/>
+              <a:t>stage progression</a:t>
+            </a:r>
+            <a:r>
+              <a:rPr lang="ko-KR" altLang="en-US" baseline="0" dirty="0" smtClean="0"/>
+              <a:t>을 보였습니다</a:t>
+            </a:r>
+            <a:r>
+              <a:rPr lang="en-US" altLang="ko-KR" baseline="0" dirty="0" smtClean="0"/>
+              <a:t>. SF-36</a:t>
+            </a:r>
+            <a:r>
+              <a:rPr lang="ko-KR" altLang="en-US" baseline="0" dirty="0" smtClean="0"/>
+              <a:t>점수를 보면 보통의 이탈리아 사람들보다 </a:t>
+            </a:r>
+            <a:r>
+              <a:rPr lang="en-US" altLang="ko-KR" baseline="0" dirty="0" smtClean="0"/>
+              <a:t>ALS</a:t>
+            </a:r>
+            <a:r>
+              <a:rPr lang="ko-KR" altLang="en-US" baseline="0" dirty="0" smtClean="0"/>
+              <a:t>환자가 전반적으로 더 낮은 결과를 보였고 </a:t>
+            </a:r>
+            <a:r>
+              <a:rPr lang="en-US" altLang="ko-KR" baseline="0" dirty="0" smtClean="0"/>
+              <a:t>stage</a:t>
+            </a:r>
+            <a:r>
+              <a:rPr lang="ko-KR" altLang="en-US" baseline="0" dirty="0" smtClean="0"/>
+              <a:t>가 진행할수록 더 떨어지는 결과를 보였습니다</a:t>
+            </a:r>
+            <a:r>
+              <a:rPr lang="en-US" altLang="ko-KR" baseline="0" dirty="0" smtClean="0"/>
+              <a:t>. </a:t>
+            </a:r>
+            <a:endParaRPr lang="ko-KR" altLang="en-US" dirty="0"/>
+          </a:p>
+        </p:txBody>
+      </p:sp>
+      <p:sp>
+        <p:nvSpPr>
+          <p:cNvPr id="4" name="슬라이드 번호 개체 틀 3"/>
+          <p:cNvSpPr>
+            <a:spLocks noGrp="1"/>
+          </p:cNvSpPr>
+          <p:nvPr>
+            <p:ph type="sldNum" sz="quarter" idx="10"/>
+          </p:nvPr>
+        </p:nvSpPr>
+        <p:spPr/>
+        <p:txBody>
+          <a:bodyPr/>
+          <a:lstStyle/>
+          <a:p>
+            <a:fld id="{BBAA4D1B-A90B-4163-BF9D-AF53B78ADDD3}" type="slidenum">
+              <a:rPr lang="ko-KR" altLang="en-US" smtClean="0"/>
               <a:t>7</a:t>
+            </a:fld>
+            <a:endParaRPr lang="ko-KR" altLang="en-US"/>
+          </a:p>
+        </p:txBody>
+      </p:sp>
+    </p:spTree>
+    <p:extLst>
+      <p:ext uri="{BB962C8B-B14F-4D97-AF65-F5344CB8AC3E}">
+        <p14:creationId xmlns:p14="http://schemas.microsoft.com/office/powerpoint/2010/main" val="1991457057"/>
+      </p:ext>
+    </p:extLst>
+  </p:cSld>
+  <p:clrMapOvr>
+    <a:masterClrMapping/>
+  </p:clrMapOvr>
+</p:notes>
+</file>
+
+<file path=ppt/notesSlides/notesSlide7.xml><?xml version="1.0" encoding="utf-8"?>
+<p:notes xmlns:a="http://schemas.openxmlformats.org/drawingml/2006/main" xmlns:r="http://schemas.openxmlformats.org/officeDocument/2006/relationships" xmlns:p="http://schemas.openxmlformats.org/presentationml/2006/main">
+  <p:cSld>
+    <p:spTree>
+      <p:nvGrpSpPr>
+        <p:cNvPr id="1" name=""/>
+        <p:cNvGrpSpPr/>
+        <p:nvPr/>
+      </p:nvGrpSpPr>
+      <p:grpSpPr>
+        <a:xfrm>
+          <a:off x="0" y="0"/>
+          <a:ext cx="0" cy="0"/>
+          <a:chOff x="0" y="0"/>
+          <a:chExt cx="0" cy="0"/>
+        </a:xfrm>
+      </p:grpSpPr>
+      <p:sp>
+        <p:nvSpPr>
+          <p:cNvPr id="2" name="슬라이드 이미지 개체 틀 1"/>
+          <p:cNvSpPr>
+            <a:spLocks noGrp="1" noRot="1" noChangeAspect="1"/>
+          </p:cNvSpPr>
+          <p:nvPr>
+            <p:ph type="sldImg"/>
+          </p:nvPr>
+        </p:nvSpPr>
+        <p:spPr/>
+      </p:sp>
+      <p:sp>
+        <p:nvSpPr>
+          <p:cNvPr id="3" name="슬라이드 노트 개체 틀 2"/>
+          <p:cNvSpPr>
+            <a:spLocks noGrp="1"/>
+          </p:cNvSpPr>
+          <p:nvPr>
+            <p:ph type="body" idx="1"/>
+          </p:nvPr>
+        </p:nvSpPr>
+        <p:spPr/>
+        <p:txBody>
+          <a:bodyPr/>
+          <a:lstStyle/>
+          <a:p>
+            <a:r>
+              <a:rPr lang="ko-KR" altLang="en-US" dirty="0" smtClean="0"/>
+              <a:t>왼쪽의 그림은 전체적인 의료비용이 </a:t>
+            </a:r>
+            <a:r>
+              <a:rPr lang="en-US" altLang="ko-KR" dirty="0" smtClean="0"/>
+              <a:t>stage</a:t>
+            </a:r>
+            <a:r>
+              <a:rPr lang="ko-KR" altLang="en-US" dirty="0" smtClean="0"/>
+              <a:t>가 증가함에 따라서 </a:t>
+            </a:r>
+            <a:r>
+              <a:rPr lang="ko-KR" altLang="en-US" dirty="0" err="1" smtClean="0"/>
+              <a:t>증가하는결과도</a:t>
+            </a:r>
+            <a:r>
+              <a:rPr lang="ko-KR" altLang="en-US" dirty="0" smtClean="0"/>
+              <a:t> 보였습니다</a:t>
+            </a:r>
+            <a:r>
+              <a:rPr lang="en-US" altLang="ko-KR" dirty="0" smtClean="0"/>
+              <a:t>. </a:t>
+            </a:r>
+            <a:r>
+              <a:rPr lang="ko-KR" altLang="en-US" dirty="0" smtClean="0"/>
+              <a:t>오른쪽 그림 </a:t>
+            </a:r>
+            <a:r>
+              <a:rPr lang="en-US" altLang="ko-KR" dirty="0" smtClean="0"/>
+              <a:t>transition probability</a:t>
+            </a:r>
+            <a:r>
+              <a:rPr lang="ko-KR" altLang="en-US" dirty="0" smtClean="0"/>
+              <a:t>를 보여주는 그림인데 </a:t>
+            </a:r>
+            <a:r>
+              <a:rPr lang="en-US" altLang="ko-KR" dirty="0" smtClean="0"/>
+              <a:t>a</a:t>
+            </a:r>
+            <a:r>
+              <a:rPr lang="ko-KR" altLang="en-US" dirty="0" smtClean="0"/>
+              <a:t>가 </a:t>
+            </a:r>
+            <a:r>
+              <a:rPr lang="en-US" altLang="ko-KR" dirty="0" smtClean="0"/>
+              <a:t>QOC study</a:t>
+            </a:r>
+            <a:r>
+              <a:rPr lang="ko-KR" altLang="en-US" dirty="0" smtClean="0"/>
+              <a:t>를 토대로 한 결과이고 </a:t>
+            </a:r>
+            <a:r>
+              <a:rPr lang="en-US" altLang="ko-KR" dirty="0" smtClean="0"/>
+              <a:t>b</a:t>
+            </a:r>
+            <a:r>
+              <a:rPr lang="ko-KR" altLang="en-US" dirty="0" smtClean="0"/>
+              <a:t>가 </a:t>
+            </a:r>
+            <a:r>
+              <a:rPr lang="en-US" altLang="ko-KR" dirty="0" err="1" smtClean="0"/>
+              <a:t>LiTALS</a:t>
+            </a:r>
+            <a:r>
+              <a:rPr lang="en-US" altLang="ko-KR" dirty="0" smtClean="0"/>
+              <a:t> </a:t>
+            </a:r>
+            <a:r>
+              <a:rPr lang="en-US" altLang="ko-KR" dirty="0" err="1" smtClean="0"/>
+              <a:t>stuy</a:t>
+            </a:r>
+            <a:r>
+              <a:rPr lang="ko-KR" altLang="en-US" dirty="0" smtClean="0"/>
+              <a:t>를 토대로 한 결과입니다</a:t>
+            </a:r>
+            <a:r>
+              <a:rPr lang="en-US" altLang="ko-KR" dirty="0" smtClean="0"/>
+              <a:t>. Stage</a:t>
+            </a:r>
+            <a:r>
+              <a:rPr lang="en-US" altLang="ko-KR" baseline="0" dirty="0" smtClean="0"/>
+              <a:t> skip</a:t>
+            </a:r>
+            <a:r>
+              <a:rPr lang="ko-KR" altLang="en-US" baseline="0" dirty="0" smtClean="0"/>
+              <a:t>하는 경우도 있지만 상대적으로 드물고 </a:t>
+            </a:r>
+            <a:r>
+              <a:rPr lang="en-US" altLang="ko-KR" baseline="0" dirty="0" smtClean="0"/>
+              <a:t>stage</a:t>
+            </a:r>
+            <a:r>
+              <a:rPr lang="ko-KR" altLang="en-US" baseline="0" dirty="0" smtClean="0"/>
+              <a:t>를 역행하는 경우는 </a:t>
+            </a:r>
+            <a:r>
+              <a:rPr lang="en-US" altLang="ko-KR" baseline="0" dirty="0" smtClean="0"/>
+              <a:t>4</a:t>
+            </a:r>
+            <a:r>
+              <a:rPr lang="ko-KR" altLang="en-US" baseline="0" dirty="0" err="1" smtClean="0"/>
+              <a:t>건정도가</a:t>
+            </a:r>
+            <a:r>
+              <a:rPr lang="ko-KR" altLang="en-US" baseline="0" dirty="0" smtClean="0"/>
+              <a:t> 있었습니다</a:t>
+            </a:r>
+            <a:r>
+              <a:rPr lang="en-US" altLang="ko-KR" baseline="0" dirty="0" smtClean="0"/>
+              <a:t>. 1-&gt;0, 3-&gt;2 2</a:t>
+            </a:r>
+            <a:r>
+              <a:rPr lang="ko-KR" altLang="en-US" baseline="0" dirty="0" smtClean="0"/>
+              <a:t>건</a:t>
+            </a:r>
+            <a:r>
+              <a:rPr lang="en-US" altLang="ko-KR" baseline="0" dirty="0" smtClean="0"/>
+              <a:t>, 4-&gt;3 1</a:t>
+            </a:r>
+            <a:r>
+              <a:rPr lang="ko-KR" altLang="en-US" baseline="0" dirty="0" smtClean="0"/>
+              <a:t>건</a:t>
+            </a:r>
+            <a:r>
+              <a:rPr lang="en-US" altLang="ko-KR" baseline="0" dirty="0" smtClean="0"/>
+              <a:t>. </a:t>
+            </a:r>
+            <a:r>
+              <a:rPr lang="ko-KR" altLang="en-US" baseline="0" dirty="0" smtClean="0"/>
+              <a:t>주로 </a:t>
+            </a:r>
+            <a:r>
+              <a:rPr lang="en-US" altLang="ko-KR" baseline="0" dirty="0" smtClean="0"/>
+              <a:t>breathing domain</a:t>
+            </a:r>
+            <a:r>
+              <a:rPr lang="ko-KR" altLang="en-US" baseline="0" dirty="0" smtClean="0"/>
+              <a:t>에서 점수가 증가하여 그렇게 된 경우가 </a:t>
+            </a:r>
+            <a:r>
+              <a:rPr lang="en-US" altLang="ko-KR" baseline="0" dirty="0" smtClean="0"/>
+              <a:t>2</a:t>
+            </a:r>
+            <a:r>
+              <a:rPr lang="ko-KR" altLang="en-US" baseline="0" dirty="0" smtClean="0"/>
+              <a:t>건</a:t>
+            </a:r>
+            <a:r>
+              <a:rPr lang="en-US" altLang="ko-KR" baseline="0" dirty="0" smtClean="0"/>
+              <a:t>, eating</a:t>
+            </a:r>
+            <a:r>
+              <a:rPr lang="ko-KR" altLang="en-US" baseline="0" dirty="0" smtClean="0"/>
+              <a:t>에서 </a:t>
+            </a:r>
+            <a:r>
+              <a:rPr lang="en-US" altLang="ko-KR" baseline="0" dirty="0" smtClean="0"/>
+              <a:t>1</a:t>
+            </a:r>
+            <a:r>
+              <a:rPr lang="ko-KR" altLang="en-US" baseline="0" dirty="0" smtClean="0"/>
+              <a:t>건</a:t>
+            </a:r>
+            <a:r>
+              <a:rPr lang="en-US" altLang="ko-KR" baseline="0" dirty="0" smtClean="0"/>
+              <a:t>, movement</a:t>
+            </a:r>
+            <a:r>
+              <a:rPr lang="ko-KR" altLang="en-US" baseline="0" dirty="0" smtClean="0"/>
+              <a:t>에서 </a:t>
+            </a:r>
+            <a:r>
+              <a:rPr lang="en-US" altLang="ko-KR" baseline="0" dirty="0" smtClean="0"/>
+              <a:t>1</a:t>
+            </a:r>
+            <a:r>
+              <a:rPr lang="ko-KR" altLang="en-US" baseline="0" dirty="0" smtClean="0"/>
+              <a:t>건입니다</a:t>
+            </a:r>
+            <a:r>
+              <a:rPr lang="en-US" altLang="ko-KR" baseline="0" dirty="0" smtClean="0"/>
+              <a:t>. </a:t>
+            </a:r>
+            <a:r>
+              <a:rPr lang="ko-KR" altLang="en-US" baseline="0" dirty="0" smtClean="0"/>
+              <a:t>사망확률은 </a:t>
+            </a:r>
+            <a:r>
+              <a:rPr lang="en-US" altLang="ko-KR" baseline="0" dirty="0" smtClean="0"/>
+              <a:t>stage0</a:t>
+            </a:r>
+            <a:r>
+              <a:rPr lang="ko-KR" altLang="en-US" baseline="0" dirty="0" smtClean="0"/>
+              <a:t>부터 </a:t>
+            </a:r>
+            <a:r>
+              <a:rPr lang="en-US" altLang="ko-KR" baseline="0" dirty="0" smtClean="0"/>
+              <a:t>3</a:t>
+            </a:r>
+            <a:r>
+              <a:rPr lang="ko-KR" altLang="en-US" baseline="0" dirty="0" smtClean="0"/>
+              <a:t>과 </a:t>
+            </a:r>
+            <a:r>
+              <a:rPr lang="en-US" altLang="ko-KR" baseline="0" dirty="0" smtClean="0"/>
+              <a:t>4</a:t>
+            </a:r>
+            <a:r>
+              <a:rPr lang="ko-KR" altLang="en-US" baseline="0" dirty="0" smtClean="0"/>
+              <a:t>까지 증가하는 경향을 보였습니다</a:t>
+            </a:r>
+            <a:r>
+              <a:rPr lang="en-US" altLang="ko-KR" baseline="0" dirty="0" smtClean="0"/>
+              <a:t>. Tracheostomy</a:t>
+            </a:r>
+            <a:r>
+              <a:rPr lang="ko-KR" altLang="en-US" baseline="0" dirty="0" smtClean="0"/>
+              <a:t>를 연구 도중에 받거나 이전에 받은 환자 </a:t>
+            </a:r>
+            <a:r>
+              <a:rPr lang="en-US" altLang="ko-KR" baseline="0" dirty="0" smtClean="0"/>
+              <a:t>17</a:t>
+            </a:r>
+            <a:r>
+              <a:rPr lang="ko-KR" altLang="en-US" baseline="0" dirty="0" smtClean="0"/>
+              <a:t>명 중 사망한 환자는 </a:t>
+            </a:r>
+            <a:r>
+              <a:rPr lang="en-US" altLang="ko-KR" baseline="0" dirty="0" smtClean="0"/>
+              <a:t>1</a:t>
+            </a:r>
+            <a:r>
+              <a:rPr lang="ko-KR" altLang="en-US" baseline="0" dirty="0" smtClean="0"/>
+              <a:t>명이었습니다</a:t>
+            </a:r>
+            <a:r>
+              <a:rPr lang="en-US" altLang="ko-KR" baseline="0" dirty="0" smtClean="0"/>
+              <a:t>. </a:t>
+            </a:r>
+            <a:r>
+              <a:rPr lang="ko-KR" altLang="en-US" baseline="0" dirty="0" smtClean="0"/>
+              <a:t>아래쪽의 </a:t>
+            </a:r>
+            <a:r>
+              <a:rPr lang="en-US" altLang="ko-KR" baseline="0" dirty="0" err="1" smtClean="0"/>
+              <a:t>LiTALS</a:t>
+            </a:r>
+            <a:r>
+              <a:rPr lang="ko-KR" altLang="en-US" baseline="0" dirty="0" smtClean="0"/>
+              <a:t>연구에서는 </a:t>
+            </a:r>
+            <a:r>
+              <a:rPr lang="en-US" altLang="ko-KR" baseline="0" dirty="0" smtClean="0"/>
+              <a:t>skip</a:t>
+            </a:r>
+            <a:r>
+              <a:rPr lang="ko-KR" altLang="en-US" baseline="0" dirty="0" smtClean="0"/>
+              <a:t>하는 경우가 </a:t>
+            </a:r>
+            <a:r>
+              <a:rPr lang="en-US" altLang="ko-KR" baseline="0" dirty="0" smtClean="0"/>
+              <a:t>stage0</a:t>
+            </a:r>
+            <a:r>
+              <a:rPr lang="ko-KR" altLang="en-US" baseline="0" dirty="0" smtClean="0"/>
+              <a:t>과 </a:t>
+            </a:r>
+            <a:r>
+              <a:rPr lang="en-US" altLang="ko-KR" baseline="0" dirty="0" smtClean="0"/>
+              <a:t>1</a:t>
+            </a:r>
+            <a:r>
+              <a:rPr lang="ko-KR" altLang="en-US" baseline="0" dirty="0" smtClean="0"/>
+              <a:t>에서 있었습니다</a:t>
+            </a:r>
+            <a:r>
+              <a:rPr lang="en-US" altLang="ko-KR" baseline="0" dirty="0" smtClean="0"/>
+              <a:t>. </a:t>
+            </a:r>
+            <a:r>
+              <a:rPr lang="ko-KR" altLang="en-US" baseline="0" dirty="0" smtClean="0"/>
+              <a:t>역행하는 경우는 </a:t>
+            </a:r>
+            <a:r>
+              <a:rPr lang="en-US" altLang="ko-KR" baseline="0" dirty="0" smtClean="0"/>
+              <a:t>stage 1</a:t>
+            </a:r>
+            <a:r>
+              <a:rPr lang="ko-KR" altLang="en-US" baseline="0" dirty="0" smtClean="0"/>
+              <a:t>과 </a:t>
+            </a:r>
+            <a:r>
+              <a:rPr lang="en-US" altLang="ko-KR" baseline="0" dirty="0" smtClean="0"/>
+              <a:t>2</a:t>
+            </a:r>
+            <a:r>
+              <a:rPr lang="ko-KR" altLang="en-US" baseline="0" dirty="0" smtClean="0"/>
+              <a:t>에서만 있었습니다</a:t>
+            </a:r>
+            <a:r>
+              <a:rPr lang="en-US" altLang="ko-KR" baseline="0" dirty="0" smtClean="0"/>
+              <a:t>. Stage 2</a:t>
+            </a:r>
+            <a:r>
+              <a:rPr lang="ko-KR" altLang="en-US" baseline="0" dirty="0" smtClean="0"/>
+              <a:t>에서 역행하는 경우와 </a:t>
+            </a:r>
+            <a:r>
+              <a:rPr lang="en-US" altLang="ko-KR" baseline="0" dirty="0" smtClean="0"/>
+              <a:t>stage 3</a:t>
+            </a:r>
+            <a:r>
+              <a:rPr lang="ko-KR" altLang="en-US" baseline="0" dirty="0" smtClean="0"/>
+              <a:t>로 진행하는 확률은 비슷했습니다</a:t>
+            </a:r>
+            <a:r>
+              <a:rPr lang="en-US" altLang="ko-KR" baseline="0" dirty="0" smtClean="0"/>
+              <a:t>. </a:t>
+            </a:r>
+            <a:r>
+              <a:rPr lang="en-US" altLang="ko-KR" baseline="0" dirty="0" err="1" smtClean="0"/>
+              <a:t>MiTOS</a:t>
+            </a:r>
+            <a:r>
+              <a:rPr lang="ko-KR" altLang="en-US" baseline="0" dirty="0" smtClean="0"/>
+              <a:t>의 장점은 기존에 이미 널리 사용되는 </a:t>
+            </a:r>
+            <a:r>
+              <a:rPr lang="en-US" altLang="ko-KR" baseline="0" dirty="0" smtClean="0"/>
+              <a:t>ALSFRS, ALSFRS-R</a:t>
+            </a:r>
+            <a:r>
+              <a:rPr lang="ko-KR" altLang="en-US" baseline="0" dirty="0" smtClean="0"/>
+              <a:t>을 사용한다는 점으로 추가 평가가 </a:t>
+            </a:r>
+            <a:r>
+              <a:rPr lang="ko-KR" altLang="en-US" baseline="0" dirty="0" err="1" smtClean="0"/>
+              <a:t>필요없어</a:t>
+            </a:r>
+            <a:r>
+              <a:rPr lang="ko-KR" altLang="en-US" baseline="0" dirty="0" smtClean="0"/>
+              <a:t> 용이하게 임상시험에서 </a:t>
+            </a:r>
+            <a:r>
+              <a:rPr lang="en-US" altLang="ko-KR" baseline="0" dirty="0" smtClean="0"/>
+              <a:t>endpoint</a:t>
+            </a:r>
+            <a:r>
+              <a:rPr lang="ko-KR" altLang="en-US" baseline="0" dirty="0" smtClean="0"/>
+              <a:t>로도 널리 사용될 수 있겠습니다</a:t>
+            </a:r>
+            <a:r>
+              <a:rPr lang="en-US" altLang="ko-KR" baseline="0" dirty="0" smtClean="0"/>
+              <a:t>. </a:t>
+            </a:r>
+          </a:p>
+          <a:p>
+            <a:r>
+              <a:rPr lang="ko-KR" altLang="en-US" baseline="0" dirty="0" smtClean="0"/>
+              <a:t>이 연구의 한계점으로는 </a:t>
+            </a:r>
+            <a:r>
+              <a:rPr lang="en-US" altLang="ko-KR" baseline="0" dirty="0" smtClean="0"/>
+              <a:t>baseline</a:t>
+            </a:r>
+            <a:r>
+              <a:rPr lang="ko-KR" altLang="en-US" baseline="0" dirty="0" smtClean="0"/>
+              <a:t>의 </a:t>
+            </a:r>
+            <a:r>
+              <a:rPr lang="en-US" altLang="ko-KR" baseline="0" dirty="0" smtClean="0"/>
+              <a:t>stage</a:t>
+            </a:r>
+            <a:r>
+              <a:rPr lang="ko-KR" altLang="en-US" baseline="0" dirty="0" smtClean="0"/>
+              <a:t>에서 얼마간 </a:t>
+            </a:r>
+            <a:r>
+              <a:rPr lang="ko-KR" altLang="en-US" baseline="0" dirty="0" err="1" smtClean="0"/>
+              <a:t>머물러있었는지를</a:t>
+            </a:r>
+            <a:r>
+              <a:rPr lang="ko-KR" altLang="en-US" baseline="0" dirty="0" smtClean="0"/>
+              <a:t> 모르고 </a:t>
+            </a:r>
+            <a:r>
+              <a:rPr lang="en-US" altLang="ko-KR" baseline="0" dirty="0" smtClean="0"/>
+              <a:t>sample</a:t>
+            </a:r>
+            <a:r>
+              <a:rPr lang="ko-KR" altLang="en-US" baseline="0" dirty="0" smtClean="0"/>
+              <a:t>수가 적다는 점입니다</a:t>
+            </a:r>
+            <a:r>
+              <a:rPr lang="en-US" altLang="ko-KR" baseline="0" smtClean="0"/>
+              <a:t>. </a:t>
+            </a:r>
+            <a:endParaRPr lang="ko-KR" altLang="en-US" dirty="0"/>
+          </a:p>
+        </p:txBody>
+      </p:sp>
+      <p:sp>
+        <p:nvSpPr>
+          <p:cNvPr id="4" name="슬라이드 번호 개체 틀 3"/>
+          <p:cNvSpPr>
+            <a:spLocks noGrp="1"/>
+          </p:cNvSpPr>
+          <p:nvPr>
+            <p:ph type="sldNum" sz="quarter" idx="10"/>
+          </p:nvPr>
+        </p:nvSpPr>
+        <p:spPr/>
+        <p:txBody>
+          <a:bodyPr/>
+          <a:lstStyle/>
+          <a:p>
+            <a:fld id="{BBAA4D1B-A90B-4163-BF9D-AF53B78ADDD3}" type="slidenum">
+              <a:rPr lang="ko-KR" altLang="en-US" smtClean="0"/>
+              <a:t>8</a:t>
+            </a:fld>
+            <a:endParaRPr lang="ko-KR" altLang="en-US"/>
+          </a:p>
+        </p:txBody>
+      </p:sp>
+    </p:spTree>
+    <p:extLst>
+      <p:ext uri="{BB962C8B-B14F-4D97-AF65-F5344CB8AC3E}">
+        <p14:creationId xmlns:p14="http://schemas.microsoft.com/office/powerpoint/2010/main" val="1575750734"/>
+      </p:ext>
+    </p:extLst>
+  </p:cSld>
+  <p:clrMapOvr>
+    <a:masterClrMapping/>
+  </p:clrMapOvr>
+</p:notes>
+</file>
+
+<file path=ppt/notesSlides/notesSlide8.xml><?xml version="1.0" encoding="utf-8"?>
+<p:notes xmlns:a="http://schemas.openxmlformats.org/drawingml/2006/main" xmlns:r="http://schemas.openxmlformats.org/officeDocument/2006/relationships" xmlns:p="http://schemas.openxmlformats.org/presentationml/2006/main">
+  <p:cSld>
+    <p:spTree>
+      <p:nvGrpSpPr>
+        <p:cNvPr id="1" name=""/>
+        <p:cNvGrpSpPr/>
+        <p:nvPr/>
+      </p:nvGrpSpPr>
+      <p:grpSpPr>
+        <a:xfrm>
+          <a:off x="0" y="0"/>
+          <a:ext cx="0" cy="0"/>
+          <a:chOff x="0" y="0"/>
+          <a:chExt cx="0" cy="0"/>
+        </a:xfrm>
+      </p:grpSpPr>
+      <p:sp>
+        <p:nvSpPr>
+          <p:cNvPr id="2" name="슬라이드 이미지 개체 틀 1"/>
+          <p:cNvSpPr>
+            <a:spLocks noGrp="1" noRot="1" noChangeAspect="1"/>
+          </p:cNvSpPr>
+          <p:nvPr>
+            <p:ph type="sldImg"/>
+          </p:nvPr>
+        </p:nvSpPr>
+        <p:spPr/>
+      </p:sp>
+      <p:sp>
+        <p:nvSpPr>
+          <p:cNvPr id="3" name="슬라이드 노트 개체 틀 2"/>
+          <p:cNvSpPr>
+            <a:spLocks noGrp="1"/>
+          </p:cNvSpPr>
+          <p:nvPr>
+            <p:ph type="body" idx="1"/>
+          </p:nvPr>
+        </p:nvSpPr>
+        <p:spPr/>
+        <p:txBody>
+          <a:bodyPr/>
+          <a:lstStyle/>
+          <a:p>
+            <a:r>
+              <a:rPr lang="en-US" altLang="ko-KR" dirty="0" smtClean="0"/>
+              <a:t>King’s system</a:t>
+            </a:r>
+            <a:r>
+              <a:rPr lang="ko-KR" altLang="en-US" dirty="0" smtClean="0"/>
+              <a:t>과 </a:t>
+            </a:r>
+            <a:r>
+              <a:rPr lang="en-US" altLang="ko-KR" dirty="0" smtClean="0"/>
+              <a:t>MITOS</a:t>
+            </a:r>
+            <a:r>
+              <a:rPr lang="ko-KR" altLang="en-US" dirty="0" smtClean="0"/>
+              <a:t>는 </a:t>
+            </a:r>
+            <a:r>
+              <a:rPr lang="ko-KR" altLang="en-US" dirty="0" err="1" smtClean="0"/>
+              <a:t>중복이라기보다는</a:t>
+            </a:r>
+            <a:r>
+              <a:rPr lang="ko-KR" altLang="en-US" dirty="0" smtClean="0"/>
+              <a:t> 상호 보완적인 </a:t>
+            </a:r>
+            <a:r>
+              <a:rPr lang="ko-KR" altLang="en-US" baseline="0" dirty="0" smtClean="0"/>
+              <a:t>체계인데 전자는 임상적</a:t>
+            </a:r>
+            <a:r>
+              <a:rPr lang="en-US" altLang="ko-KR" baseline="0" dirty="0" smtClean="0"/>
+              <a:t>, </a:t>
+            </a:r>
+            <a:r>
+              <a:rPr lang="ko-KR" altLang="en-US" baseline="0" dirty="0" smtClean="0"/>
+              <a:t>해부학적 확산을 중요하게 보고</a:t>
+            </a:r>
+            <a:r>
+              <a:rPr lang="en-US" altLang="ko-KR" baseline="0" dirty="0" smtClean="0"/>
+              <a:t>, MITOS</a:t>
+            </a:r>
+            <a:r>
+              <a:rPr lang="ko-KR" altLang="en-US" baseline="0" dirty="0" smtClean="0"/>
+              <a:t>는 기능적 장애를 중요하게 보는 체계임</a:t>
+            </a:r>
+            <a:r>
+              <a:rPr lang="en-US" altLang="ko-KR" baseline="0" dirty="0" smtClean="0"/>
+              <a:t>. Ferraro</a:t>
+            </a:r>
+            <a:r>
+              <a:rPr lang="ko-KR" altLang="en-US" baseline="0" dirty="0" smtClean="0"/>
+              <a:t>의 연구에서 </a:t>
+            </a:r>
+            <a:r>
+              <a:rPr lang="en-US" altLang="ko-KR" baseline="0" dirty="0" smtClean="0"/>
+              <a:t>King</a:t>
+            </a:r>
+            <a:r>
+              <a:rPr lang="ko-KR" altLang="en-US" baseline="0" dirty="0" smtClean="0"/>
+              <a:t>은 질병 전체에 균등하게 분포하고 </a:t>
+            </a:r>
+            <a:r>
+              <a:rPr lang="en-US" altLang="ko-KR" baseline="0" dirty="0" smtClean="0"/>
+              <a:t>MITOS</a:t>
+            </a:r>
+            <a:r>
+              <a:rPr lang="ko-KR" altLang="en-US" baseline="0" dirty="0" smtClean="0"/>
+              <a:t>는 질병 후기에 치우친다는 보고가 있었음</a:t>
+            </a:r>
+            <a:r>
+              <a:rPr lang="en-US" altLang="ko-KR" baseline="0" dirty="0" smtClean="0"/>
+              <a:t>. </a:t>
+            </a:r>
+            <a:r>
+              <a:rPr lang="ko-KR" altLang="en-US" baseline="0" dirty="0" smtClean="0"/>
+              <a:t>두 체계는 질환의 경과를 예측하고 치료계획을 수립하며 전반적인 의료자원의 효율적인 활용에도 기여하고 주치의</a:t>
+            </a:r>
+            <a:r>
+              <a:rPr lang="en-US" altLang="ko-KR" baseline="0" dirty="0" smtClean="0"/>
+              <a:t>, </a:t>
+            </a:r>
+            <a:r>
+              <a:rPr lang="ko-KR" altLang="en-US" baseline="0" dirty="0" smtClean="0"/>
+              <a:t>관련의료인력</a:t>
+            </a:r>
+            <a:r>
+              <a:rPr lang="en-US" altLang="ko-KR" baseline="0" dirty="0" smtClean="0"/>
+              <a:t>, </a:t>
+            </a:r>
+            <a:r>
+              <a:rPr lang="ko-KR" altLang="en-US" baseline="0" dirty="0" smtClean="0"/>
+              <a:t>환자</a:t>
+            </a:r>
+            <a:r>
+              <a:rPr lang="en-US" altLang="ko-KR" baseline="0" dirty="0" smtClean="0"/>
+              <a:t>, </a:t>
+            </a:r>
+            <a:r>
+              <a:rPr lang="ko-KR" altLang="en-US" baseline="0" dirty="0" smtClean="0"/>
+              <a:t>보호자 간의 이해를 높일 수 있다는 장점이 있음</a:t>
+            </a:r>
+            <a:r>
+              <a:rPr lang="en-US" altLang="ko-KR" baseline="0" dirty="0" smtClean="0"/>
+              <a:t>. </a:t>
+            </a:r>
+            <a:endParaRPr lang="ko-KR" altLang="en-US" dirty="0"/>
+          </a:p>
+        </p:txBody>
+      </p:sp>
+      <p:sp>
+        <p:nvSpPr>
+          <p:cNvPr id="4" name="슬라이드 번호 개체 틀 3"/>
+          <p:cNvSpPr>
+            <a:spLocks noGrp="1"/>
+          </p:cNvSpPr>
+          <p:nvPr>
+            <p:ph type="sldNum" sz="quarter" idx="10"/>
+          </p:nvPr>
+        </p:nvSpPr>
+        <p:spPr/>
+        <p:txBody>
+          <a:bodyPr/>
+          <a:lstStyle/>
+          <a:p>
+            <a:fld id="{BBAA4D1B-A90B-4163-BF9D-AF53B78ADDD3}" type="slidenum">
+              <a:rPr lang="ko-KR" altLang="en-US" smtClean="0"/>
+              <a:t>9</a:t>
             </a:fld>
             <a:endParaRPr lang="ko-KR" altLang="en-US"/>
           </a:p>
@@ -7251,6 +8964,86 @@
 </p:sld>
 </file>
 
+<file path=ppt/slides/slide10.xml><?xml version="1.0" encoding="utf-8"?>
+<p:sld xmlns:a="http://schemas.openxmlformats.org/drawingml/2006/main" xmlns:r="http://schemas.openxmlformats.org/officeDocument/2006/relationships" xmlns:p="http://schemas.openxmlformats.org/presentationml/2006/main">
+  <p:cSld>
+    <p:spTree>
+      <p:nvGrpSpPr>
+        <p:cNvPr id="1" name=""/>
+        <p:cNvGrpSpPr/>
+        <p:nvPr/>
+      </p:nvGrpSpPr>
+      <p:grpSpPr>
+        <a:xfrm>
+          <a:off x="0" y="0"/>
+          <a:ext cx="0" cy="0"/>
+          <a:chOff x="0" y="0"/>
+          <a:chExt cx="0" cy="0"/>
+        </a:xfrm>
+      </p:grpSpPr>
+      <p:sp>
+        <p:nvSpPr>
+          <p:cNvPr id="2" name="제목 1"/>
+          <p:cNvSpPr>
+            <a:spLocks noGrp="1"/>
+          </p:cNvSpPr>
+          <p:nvPr>
+            <p:ph type="title"/>
+          </p:nvPr>
+        </p:nvSpPr>
+        <p:spPr/>
+        <p:txBody>
+          <a:bodyPr/>
+          <a:lstStyle/>
+          <a:p>
+            <a:r>
+              <a:rPr lang="en-US" altLang="ko-KR" dirty="0" smtClean="0"/>
+              <a:t>Beyond these staging by hidden </a:t>
+            </a:r>
+            <a:r>
+              <a:rPr lang="en-US" altLang="ko-KR" dirty="0" err="1" smtClean="0"/>
+              <a:t>markov</a:t>
+            </a:r>
+            <a:r>
+              <a:rPr lang="en-US" altLang="ko-KR" dirty="0" smtClean="0"/>
+              <a:t> models?</a:t>
+            </a:r>
+            <a:endParaRPr lang="ko-KR" altLang="en-US" dirty="0"/>
+          </a:p>
+        </p:txBody>
+      </p:sp>
+      <p:sp>
+        <p:nvSpPr>
+          <p:cNvPr id="3" name="내용 개체 틀 2"/>
+          <p:cNvSpPr>
+            <a:spLocks noGrp="1"/>
+          </p:cNvSpPr>
+          <p:nvPr>
+            <p:ph idx="1"/>
+          </p:nvPr>
+        </p:nvSpPr>
+        <p:spPr/>
+        <p:txBody>
+          <a:bodyPr/>
+          <a:lstStyle/>
+          <a:p>
+            <a:endParaRPr lang="ko-KR" altLang="en-US"/>
+          </a:p>
+        </p:txBody>
+      </p:sp>
+    </p:spTree>
+    <p:extLst>
+      <p:ext uri="{BB962C8B-B14F-4D97-AF65-F5344CB8AC3E}">
+        <p14:creationId xmlns:p14="http://schemas.microsoft.com/office/powerpoint/2010/main" val="2540416689"/>
+      </p:ext>
+    </p:extLst>
+  </p:cSld>
+  <p:clrMapOvr>
+    <a:masterClrMapping/>
+  </p:clrMapOvr>
+</p:sld>
+</file>
+
 <file path=ppt/slides/slide2.xml><?xml version="1.0" encoding="utf-8"?>
 <p:sld xmlns:a="http://schemas.openxmlformats.org/drawingml/2006/main" xmlns:r="http://schemas.openxmlformats.org/officeDocument/2006/relationships" xmlns:p="http://schemas.openxmlformats.org/presentationml/2006/main">
   <p:cSld>
@@ -7758,36 +9551,56 @@
         </p:nvSpPr>
         <p:spPr/>
         <p:txBody>
-          <a:bodyPr/>
+          <a:bodyPr>
+            <a:normAutofit fontScale="90000"/>
+          </a:bodyPr>
           <a:lstStyle/>
           <a:p>
             <a:r>
-              <a:rPr lang="en-US" altLang="ko-KR" dirty="0" smtClean="0"/>
-              <a:t>ALSFRS-R</a:t>
+              <a:rPr lang="en-US" altLang="ko-KR" dirty="0" err="1" smtClean="0"/>
+              <a:t>MiTOS</a:t>
+            </a:r>
+            <a:r>
+              <a:rPr lang="en-US" altLang="ko-KR" dirty="0" smtClean="0"/>
+              <a:t> </a:t>
+            </a:r>
+            <a:br>
+              <a:rPr lang="en-US" altLang="ko-KR" dirty="0" smtClean="0"/>
+            </a:br>
+            <a:r>
+              <a:rPr lang="en-US" altLang="ko-KR" dirty="0" smtClean="0"/>
+              <a:t>4 domains, 7 items, 5 stages</a:t>
             </a:r>
             <a:endParaRPr lang="ko-KR" altLang="en-US" dirty="0"/>
           </a:p>
         </p:txBody>
       </p:sp>
-      <p:sp>
-        <p:nvSpPr>
-          <p:cNvPr id="3" name="내용 개체 틀 2"/>
-          <p:cNvSpPr>
-            <a:spLocks noGrp="1"/>
-          </p:cNvSpPr>
+      <p:pic>
+        <p:nvPicPr>
+          <p:cNvPr id="4" name="내용 개체 틀 3"/>
+          <p:cNvPicPr>
+            <a:picLocks noGrp="1" noChangeAspect="1"/>
+          </p:cNvPicPr>
           <p:nvPr>
             <p:ph idx="1"/>
           </p:nvPr>
-        </p:nvSpPr>
-        <p:spPr/>
-        <p:txBody>
-          <a:bodyPr/>
-          <a:lstStyle/>
-          <a:p>
-            <a:endParaRPr lang="ko-KR" altLang="en-US"/>
-          </a:p>
-        </p:txBody>
-      </p:sp>
+        </p:nvPicPr>
+        <p:blipFill>
+          <a:blip r:embed="rId3"/>
+          <a:stretch>
+            <a:fillRect/>
+          </a:stretch>
+        </p:blipFill>
+        <p:spPr>
+          <a:xfrm>
+            <a:off x="2466350" y="1206500"/>
+            <a:ext cx="6239701" cy="5651500"/>
+          </a:xfrm>
+          <a:prstGeom prst="rect">
+            <a:avLst/>
+          </a:prstGeom>
+        </p:spPr>
+      </p:pic>
     </p:spTree>
     <p:extLst>
       <p:ext uri="{BB962C8B-B14F-4D97-AF65-F5344CB8AC3E}">
@@ -7818,52 +9631,58 @@
           <a:chExt cx="0" cy="0"/>
         </a:xfrm>
       </p:grpSpPr>
-      <p:sp>
-        <p:nvSpPr>
-          <p:cNvPr id="2" name="제목 1"/>
-          <p:cNvSpPr>
-            <a:spLocks noGrp="1"/>
-          </p:cNvSpPr>
-          <p:nvPr>
-            <p:ph type="title"/>
-          </p:nvPr>
-        </p:nvSpPr>
-        <p:spPr/>
-        <p:txBody>
-          <a:bodyPr/>
-          <a:lstStyle/>
-          <a:p>
-            <a:r>
-              <a:rPr lang="en-US" altLang="ko-KR" dirty="0" smtClean="0"/>
-              <a:t>Comparison between two staging</a:t>
-            </a:r>
-            <a:endParaRPr lang="ko-KR" altLang="en-US" dirty="0"/>
-          </a:p>
-        </p:txBody>
-      </p:sp>
-      <p:sp>
-        <p:nvSpPr>
-          <p:cNvPr id="3" name="내용 개체 틀 2"/>
-          <p:cNvSpPr>
-            <a:spLocks noGrp="1"/>
-          </p:cNvSpPr>
-          <p:nvPr>
-            <p:ph idx="1"/>
-          </p:nvPr>
-        </p:nvSpPr>
-        <p:spPr/>
-        <p:txBody>
-          <a:bodyPr/>
-          <a:lstStyle/>
-          <a:p>
-            <a:endParaRPr lang="ko-KR" altLang="en-US"/>
-          </a:p>
-        </p:txBody>
-      </p:sp>
+      <p:pic>
+        <p:nvPicPr>
+          <p:cNvPr id="4" name="그림 3"/>
+          <p:cNvPicPr>
+            <a:picLocks noChangeAspect="1"/>
+          </p:cNvPicPr>
+          <p:nvPr/>
+        </p:nvPicPr>
+        <p:blipFill>
+          <a:blip r:embed="rId3"/>
+          <a:stretch>
+            <a:fillRect/>
+          </a:stretch>
+        </p:blipFill>
+        <p:spPr>
+          <a:xfrm>
+            <a:off x="0" y="1149069"/>
+            <a:ext cx="4991797" cy="3057952"/>
+          </a:xfrm>
+          <a:prstGeom prst="rect">
+            <a:avLst/>
+          </a:prstGeom>
+        </p:spPr>
+      </p:pic>
+      <p:pic>
+        <p:nvPicPr>
+          <p:cNvPr id="5" name="그림 4"/>
+          <p:cNvPicPr>
+            <a:picLocks noChangeAspect="1"/>
+          </p:cNvPicPr>
+          <p:nvPr/>
+        </p:nvPicPr>
+        <p:blipFill>
+          <a:blip r:embed="rId4"/>
+          <a:stretch>
+            <a:fillRect/>
+          </a:stretch>
+        </p:blipFill>
+        <p:spPr>
+          <a:xfrm>
+            <a:off x="6092041" y="1149069"/>
+            <a:ext cx="4782217" cy="5191850"/>
+          </a:xfrm>
+          <a:prstGeom prst="rect">
+            <a:avLst/>
+          </a:prstGeom>
+        </p:spPr>
+      </p:pic>
     </p:spTree>
     <p:extLst>
       <p:ext uri="{BB962C8B-B14F-4D97-AF65-F5344CB8AC3E}">
-        <p14:creationId xmlns:p14="http://schemas.microsoft.com/office/powerpoint/2010/main" val="2263803646"/>
+        <p14:creationId xmlns:p14="http://schemas.microsoft.com/office/powerpoint/2010/main" val="1043977859"/>
       </p:ext>
     </p:extLst>
   </p:cSld>
@@ -7890,6 +9709,84 @@
           <a:chExt cx="0" cy="0"/>
         </a:xfrm>
       </p:grpSpPr>
+      <p:pic>
+        <p:nvPicPr>
+          <p:cNvPr id="4" name="그림 3"/>
+          <p:cNvPicPr>
+            <a:picLocks noChangeAspect="1"/>
+          </p:cNvPicPr>
+          <p:nvPr/>
+        </p:nvPicPr>
+        <p:blipFill>
+          <a:blip r:embed="rId3"/>
+          <a:stretch>
+            <a:fillRect/>
+          </a:stretch>
+        </p:blipFill>
+        <p:spPr>
+          <a:xfrm>
+            <a:off x="0" y="1450820"/>
+            <a:ext cx="6416810" cy="3542079"/>
+          </a:xfrm>
+          <a:prstGeom prst="rect">
+            <a:avLst/>
+          </a:prstGeom>
+        </p:spPr>
+      </p:pic>
+      <p:pic>
+        <p:nvPicPr>
+          <p:cNvPr id="5" name="그림 4"/>
+          <p:cNvPicPr>
+            <a:picLocks noChangeAspect="1"/>
+          </p:cNvPicPr>
+          <p:nvPr/>
+        </p:nvPicPr>
+        <p:blipFill>
+          <a:blip r:embed="rId4"/>
+          <a:stretch>
+            <a:fillRect/>
+          </a:stretch>
+        </p:blipFill>
+        <p:spPr>
+          <a:xfrm>
+            <a:off x="7609930" y="1450820"/>
+            <a:ext cx="3591426" cy="4934639"/>
+          </a:xfrm>
+          <a:prstGeom prst="rect">
+            <a:avLst/>
+          </a:prstGeom>
+        </p:spPr>
+      </p:pic>
+    </p:spTree>
+    <p:extLst>
+      <p:ext uri="{BB962C8B-B14F-4D97-AF65-F5344CB8AC3E}">
+        <p14:creationId xmlns:p14="http://schemas.microsoft.com/office/powerpoint/2010/main" val="2672369707"/>
+      </p:ext>
+    </p:extLst>
+  </p:cSld>
+  <p:clrMapOvr>
+    <a:masterClrMapping/>
+  </p:clrMapOvr>
+</p:sld>
+</file>
+
+<file path=ppt/slides/slide9.xml><?xml version="1.0" encoding="utf-8"?>
+<p:sld xmlns:a="http://schemas.openxmlformats.org/drawingml/2006/main" xmlns:r="http://schemas.openxmlformats.org/officeDocument/2006/relationships" xmlns:p="http://schemas.openxmlformats.org/presentationml/2006/main">
+  <p:cSld>
+    <p:spTree>
+      <p:nvGrpSpPr>
+        <p:cNvPr id="1" name=""/>
+        <p:cNvGrpSpPr/>
+        <p:nvPr/>
+      </p:nvGrpSpPr>
+      <p:grpSpPr>
+        <a:xfrm>
+          <a:off x="0" y="0"/>
+          <a:ext cx="0" cy="0"/>
+          <a:chOff x="0" y="0"/>
+          <a:chExt cx="0" cy="0"/>
+        </a:xfrm>
+      </p:grpSpPr>
       <p:sp>
         <p:nvSpPr>
           <p:cNvPr id="2" name="제목 1"/>
@@ -7907,15 +9804,7 @@
           <a:p>
             <a:r>
               <a:rPr lang="en-US" altLang="ko-KR" dirty="0" smtClean="0"/>
-              <a:t>Beyond these staging by hidden </a:t>
-            </a:r>
-            <a:r>
-              <a:rPr lang="en-US" altLang="ko-KR" dirty="0" err="1" smtClean="0"/>
-              <a:t>markov</a:t>
-            </a:r>
-            <a:r>
-              <a:rPr lang="en-US" altLang="ko-KR" dirty="0" smtClean="0"/>
-              <a:t> models?</a:t>
+              <a:t>Comparison between two staging</a:t>
             </a:r>
             <a:endParaRPr lang="ko-KR" altLang="en-US" dirty="0"/>
           </a:p>
@@ -7943,7 +9832,7 @@
     </p:spTree>
     <p:extLst>
       <p:ext uri="{BB962C8B-B14F-4D97-AF65-F5344CB8AC3E}">
-        <p14:creationId xmlns:p14="http://schemas.microsoft.com/office/powerpoint/2010/main" val="2540416689"/>
+        <p14:creationId xmlns:p14="http://schemas.microsoft.com/office/powerpoint/2010/main" val="2263803646"/>
       </p:ext>
     </p:extLst>
   </p:cSld>

--- a/SNUH 심포지엄-유일한.pptx
+++ b/SNUH 심포지엄-유일한.pptx
@@ -206,7 +206,7 @@
           <a:p>
             <a:fld id="{E8FBBB6A-BE53-4BF0-B17E-892FAA57C2D4}" type="datetimeFigureOut">
               <a:rPr lang="ko-KR" altLang="en-US" smtClean="0"/>
-              <a:t>2021-07-13</a:t>
+              <a:t>2021/07/14</a:t>
             </a:fld>
             <a:endParaRPr lang="ko-KR" altLang="en-US"/>
           </a:p>
@@ -5757,24 +5757,92 @@
               <a:t>에서 얼마간 </a:t>
             </a:r>
             <a:r>
+              <a:rPr lang="ko-KR" altLang="en-US" baseline="0" dirty="0" smtClean="0"/>
+              <a:t>머물러 있었는지를 </a:t>
+            </a:r>
+            <a:r>
+              <a:rPr lang="ko-KR" altLang="en-US" baseline="0" dirty="0" smtClean="0"/>
+              <a:t>모르고 </a:t>
+            </a:r>
+            <a:r>
+              <a:rPr lang="en-US" altLang="ko-KR" baseline="0" dirty="0" smtClean="0"/>
+              <a:t>sample</a:t>
+            </a:r>
+            <a:r>
+              <a:rPr lang="ko-KR" altLang="en-US" baseline="0" dirty="0" smtClean="0"/>
+              <a:t>수가 적다는 점입니다</a:t>
+            </a:r>
+            <a:r>
+              <a:rPr lang="en-US" altLang="ko-KR" baseline="0" dirty="0" smtClean="0"/>
+              <a:t>. </a:t>
+            </a:r>
+            <a:r>
+              <a:rPr lang="ko-KR" altLang="en-US" baseline="0" dirty="0" smtClean="0"/>
+              <a:t>그리고</a:t>
+            </a:r>
+            <a:r>
+              <a:rPr lang="en-US" altLang="ko-KR" baseline="0" dirty="0" smtClean="0"/>
+              <a:t> stage</a:t>
+            </a:r>
+            <a:r>
+              <a:rPr lang="ko-KR" altLang="en-US" baseline="0" dirty="0" smtClean="0"/>
+              <a:t>가 </a:t>
+            </a:r>
+            <a:r>
               <a:rPr lang="ko-KR" altLang="en-US" baseline="0" dirty="0" err="1" smtClean="0"/>
-              <a:t>머물러있었는지를</a:t>
-            </a:r>
-            <a:r>
-              <a:rPr lang="ko-KR" altLang="en-US" baseline="0" dirty="0" smtClean="0"/>
-              <a:t> 모르고 </a:t>
-            </a:r>
-            <a:r>
-              <a:rPr lang="en-US" altLang="ko-KR" baseline="0" dirty="0" smtClean="0"/>
-              <a:t>sample</a:t>
-            </a:r>
-            <a:r>
-              <a:rPr lang="ko-KR" altLang="en-US" baseline="0" dirty="0" smtClean="0"/>
-              <a:t>수가 적다는 점입니다</a:t>
-            </a:r>
-            <a:r>
-              <a:rPr lang="en-US" altLang="ko-KR" baseline="0" smtClean="0"/>
+              <a:t>진행하는것의</a:t>
+            </a:r>
+            <a:r>
+              <a:rPr lang="ko-KR" altLang="en-US" baseline="0" dirty="0" smtClean="0"/>
+              <a:t> 임상적 의미는 </a:t>
+            </a:r>
+            <a:r>
+              <a:rPr lang="ko-KR" altLang="en-US" baseline="0" dirty="0" err="1" smtClean="0"/>
+              <a:t>알수없는</a:t>
+            </a:r>
+            <a:r>
+              <a:rPr lang="ko-KR" altLang="en-US" baseline="0" dirty="0" smtClean="0"/>
+              <a:t> 한계가 있습니다</a:t>
+            </a:r>
+            <a:r>
+              <a:rPr lang="en-US" altLang="ko-KR" baseline="0" dirty="0" smtClean="0"/>
               <a:t>. </a:t>
+            </a:r>
+            <a:r>
+              <a:rPr lang="ko-KR" altLang="en-US" baseline="0" dirty="0" smtClean="0"/>
+              <a:t>그리고 몇몇 환자는 </a:t>
+            </a:r>
+            <a:r>
+              <a:rPr lang="en-US" altLang="ko-KR" baseline="0" dirty="0" smtClean="0"/>
+              <a:t>stage</a:t>
+            </a:r>
+            <a:r>
+              <a:rPr lang="ko-KR" altLang="en-US" baseline="0" dirty="0" smtClean="0"/>
+              <a:t>를 건너뛰거나 역행하여 환자마다 질병의 </a:t>
+            </a:r>
+            <a:r>
+              <a:rPr lang="ko-KR" altLang="en-US" baseline="0" dirty="0" err="1" smtClean="0"/>
+              <a:t>진행속도에</a:t>
+            </a:r>
+            <a:r>
+              <a:rPr lang="ko-KR" altLang="en-US" baseline="0" dirty="0" smtClean="0"/>
+              <a:t> 차이가 있다는 것을 보여주어 사망률까지 포함된 더 큰 규모의 데이터를 가지고 분석을 해봐야 합니다</a:t>
+            </a:r>
+            <a:r>
+              <a:rPr lang="en-US" altLang="ko-KR" baseline="0" dirty="0" smtClean="0"/>
+              <a:t>. </a:t>
+            </a:r>
+            <a:r>
+              <a:rPr lang="ko-KR" altLang="en-US" baseline="0" dirty="0" smtClean="0"/>
+              <a:t>그리고 </a:t>
+            </a:r>
+            <a:r>
+              <a:rPr lang="en-US" altLang="ko-KR" baseline="0" dirty="0" smtClean="0"/>
+              <a:t>bulbar onset</a:t>
+            </a:r>
+            <a:r>
+              <a:rPr lang="ko-KR" altLang="en-US" baseline="0" dirty="0" smtClean="0"/>
+              <a:t>이나 </a:t>
             </a:r>
             <a:endParaRPr lang="ko-KR" altLang="en-US" dirty="0"/>
           </a:p>
@@ -6166,7 +6234,7 @@
           <a:p>
             <a:fld id="{11CF987C-FD17-4394-9A4F-BE2D66BE4DDF}" type="datetimeFigureOut">
               <a:rPr lang="ko-KR" altLang="en-US" smtClean="0"/>
-              <a:t>2021-07-13</a:t>
+              <a:t>2021/07/14</a:t>
             </a:fld>
             <a:endParaRPr lang="ko-KR" altLang="en-US"/>
           </a:p>
@@ -6343,7 +6411,7 @@
           <a:p>
             <a:fld id="{11CF987C-FD17-4394-9A4F-BE2D66BE4DDF}" type="datetimeFigureOut">
               <a:rPr lang="ko-KR" altLang="en-US" smtClean="0"/>
-              <a:t>2021-07-13</a:t>
+              <a:t>2021/07/14</a:t>
             </a:fld>
             <a:endParaRPr lang="ko-KR" altLang="en-US"/>
           </a:p>
@@ -6523,7 +6591,7 @@
           <a:p>
             <a:fld id="{11CF987C-FD17-4394-9A4F-BE2D66BE4DDF}" type="datetimeFigureOut">
               <a:rPr lang="ko-KR" altLang="en-US" smtClean="0"/>
-              <a:t>2021-07-13</a:t>
+              <a:t>2021/07/14</a:t>
             </a:fld>
             <a:endParaRPr lang="ko-KR" altLang="en-US"/>
           </a:p>
@@ -6884,7 +6952,7 @@
           <a:p>
             <a:fld id="{11CF987C-FD17-4394-9A4F-BE2D66BE4DDF}" type="datetimeFigureOut">
               <a:rPr lang="ko-KR" altLang="en-US" smtClean="0"/>
-              <a:t>2021-07-13</a:t>
+              <a:t>2021/07/14</a:t>
             </a:fld>
             <a:endParaRPr lang="ko-KR" altLang="en-US"/>
           </a:p>
@@ -7116,7 +7184,7 @@
           <a:p>
             <a:fld id="{11CF987C-FD17-4394-9A4F-BE2D66BE4DDF}" type="datetimeFigureOut">
               <a:rPr lang="ko-KR" altLang="en-US" smtClean="0"/>
-              <a:t>2021-07-13</a:t>
+              <a:t>2021/07/14</a:t>
             </a:fld>
             <a:endParaRPr lang="ko-KR" altLang="en-US"/>
           </a:p>
@@ -7483,7 +7551,7 @@
           <a:p>
             <a:fld id="{11CF987C-FD17-4394-9A4F-BE2D66BE4DDF}" type="datetimeFigureOut">
               <a:rPr lang="ko-KR" altLang="en-US" smtClean="0"/>
-              <a:t>2021-07-13</a:t>
+              <a:t>2021/07/14</a:t>
             </a:fld>
             <a:endParaRPr lang="ko-KR" altLang="en-US"/>
           </a:p>
@@ -7601,7 +7669,7 @@
           <a:p>
             <a:fld id="{11CF987C-FD17-4394-9A4F-BE2D66BE4DDF}" type="datetimeFigureOut">
               <a:rPr lang="ko-KR" altLang="en-US" smtClean="0"/>
-              <a:t>2021-07-13</a:t>
+              <a:t>2021/07/14</a:t>
             </a:fld>
             <a:endParaRPr lang="ko-KR" altLang="en-US"/>
           </a:p>
@@ -7696,7 +7764,7 @@
           <a:p>
             <a:fld id="{11CF987C-FD17-4394-9A4F-BE2D66BE4DDF}" type="datetimeFigureOut">
               <a:rPr lang="ko-KR" altLang="en-US" smtClean="0"/>
-              <a:t>2021-07-13</a:t>
+              <a:t>2021/07/14</a:t>
             </a:fld>
             <a:endParaRPr lang="ko-KR" altLang="en-US"/>
           </a:p>
@@ -7973,7 +8041,7 @@
           <a:p>
             <a:fld id="{11CF987C-FD17-4394-9A4F-BE2D66BE4DDF}" type="datetimeFigureOut">
               <a:rPr lang="ko-KR" altLang="en-US" smtClean="0"/>
-              <a:t>2021-07-13</a:t>
+              <a:t>2021/07/14</a:t>
             </a:fld>
             <a:endParaRPr lang="ko-KR" altLang="en-US"/>
           </a:p>
@@ -8230,7 +8298,7 @@
           <a:p>
             <a:fld id="{11CF987C-FD17-4394-9A4F-BE2D66BE4DDF}" type="datetimeFigureOut">
               <a:rPr lang="ko-KR" altLang="en-US" smtClean="0"/>
-              <a:t>2021-07-13</a:t>
+              <a:t>2021/07/14</a:t>
             </a:fld>
             <a:endParaRPr lang="ko-KR" altLang="en-US"/>
           </a:p>
@@ -8469,7 +8537,7 @@
           <a:p>
             <a:fld id="{11CF987C-FD17-4394-9A4F-BE2D66BE4DDF}" type="datetimeFigureOut">
               <a:rPr lang="ko-KR" altLang="en-US" smtClean="0"/>
-              <a:t>2021-07-13</a:t>
+              <a:t>2021/07/14</a:t>
             </a:fld>
             <a:endParaRPr lang="ko-KR" altLang="en-US"/>
           </a:p>

--- a/SNUH 심포지엄-유일한.pptx
+++ b/SNUH 심포지엄-유일한.pptx
@@ -6556,6 +6556,271 @@
             <a:r>
               <a:rPr lang="en-US" altLang="ko-KR" baseline="0" dirty="0" smtClean="0"/>
               <a:t>stage 2b</a:t>
+            </a:r>
+            <a:r>
+              <a:rPr lang="ko-KR" altLang="en-US" baseline="0" dirty="0" smtClean="0"/>
+              <a:t>로 평가함</a:t>
+            </a:r>
+            <a:r>
+              <a:rPr lang="en-US" altLang="ko-KR" baseline="0" dirty="0" smtClean="0"/>
+              <a:t>. </a:t>
+            </a:r>
+            <a:endParaRPr lang="en-US" altLang="ko-KR" baseline="0" dirty="0" smtClean="0"/>
+          </a:p>
+          <a:p>
+            <a:r>
+              <a:rPr lang="en-US" altLang="ko-KR" baseline="0" dirty="0" smtClean="0"/>
+              <a:t>Categorical data</a:t>
+            </a:r>
+            <a:r>
+              <a:rPr lang="ko-KR" altLang="en-US" baseline="0" dirty="0" smtClean="0"/>
+              <a:t>는 </a:t>
+            </a:r>
+            <a:r>
+              <a:rPr lang="en-US" altLang="ko-KR" baseline="0" dirty="0" err="1" smtClean="0"/>
+              <a:t>chisquare</a:t>
+            </a:r>
+            <a:r>
+              <a:rPr lang="en-US" altLang="ko-KR" baseline="0" dirty="0" smtClean="0"/>
+              <a:t> test</a:t>
+            </a:r>
+            <a:r>
+              <a:rPr lang="ko-KR" altLang="en-US" baseline="0" dirty="0" smtClean="0"/>
+              <a:t>로</a:t>
+            </a:r>
+            <a:r>
+              <a:rPr lang="en-US" altLang="ko-KR" baseline="0" dirty="0" smtClean="0"/>
+              <a:t>, </a:t>
+            </a:r>
+            <a:r>
+              <a:rPr lang="ko-KR" altLang="en-US" baseline="0" dirty="0" err="1" smtClean="0"/>
+              <a:t>연속변수는</a:t>
+            </a:r>
+            <a:r>
+              <a:rPr lang="ko-KR" altLang="en-US" baseline="0" dirty="0" smtClean="0"/>
+              <a:t> </a:t>
+            </a:r>
+            <a:r>
+              <a:rPr lang="en-US" altLang="ko-KR" baseline="0" dirty="0" smtClean="0"/>
+              <a:t>equality of medians test</a:t>
+            </a:r>
+            <a:r>
+              <a:rPr lang="ko-KR" altLang="en-US" baseline="0" dirty="0" smtClean="0"/>
+              <a:t>와 </a:t>
+            </a:r>
+            <a:r>
+              <a:rPr lang="en-US" altLang="ko-KR" baseline="0" dirty="0" err="1" smtClean="0"/>
+              <a:t>Kruskal</a:t>
+            </a:r>
+            <a:r>
+              <a:rPr lang="en-US" altLang="ko-KR" baseline="0" dirty="0" smtClean="0"/>
+              <a:t>-Wallis test</a:t>
+            </a:r>
+            <a:r>
+              <a:rPr lang="ko-KR" altLang="en-US" baseline="0" dirty="0" smtClean="0"/>
+              <a:t>로 비교함</a:t>
+            </a:r>
+            <a:r>
+              <a:rPr lang="en-US" altLang="ko-KR" baseline="0" dirty="0" smtClean="0"/>
+              <a:t>. Median time</a:t>
+            </a:r>
+            <a:r>
+              <a:rPr lang="ko-KR" altLang="en-US" baseline="0" dirty="0" smtClean="0"/>
+              <a:t>은 표준화 시켰는데 사망한환자의 </a:t>
+            </a:r>
+            <a:r>
+              <a:rPr lang="en-US" altLang="ko-KR" baseline="0" dirty="0" smtClean="0"/>
+              <a:t>onset time</a:t>
+            </a:r>
+            <a:r>
+              <a:rPr lang="ko-KR" altLang="en-US" baseline="0" dirty="0" smtClean="0"/>
+              <a:t>부터 각 </a:t>
+            </a:r>
+            <a:r>
+              <a:rPr lang="en-US" altLang="ko-KR" baseline="0" dirty="0" smtClean="0"/>
+              <a:t>clinical milestone</a:t>
+            </a:r>
+            <a:r>
+              <a:rPr lang="ko-KR" altLang="en-US" baseline="0" dirty="0" smtClean="0"/>
+              <a:t>까지 기간을 전체 질병기간으로 나눠서 함</a:t>
+            </a:r>
+            <a:r>
+              <a:rPr lang="en-US" altLang="ko-KR" baseline="0" dirty="0" smtClean="0"/>
+              <a:t>. Equality of median test</a:t>
+            </a:r>
+            <a:r>
+              <a:rPr lang="ko-KR" altLang="en-US" baseline="0" dirty="0" smtClean="0"/>
+              <a:t>는 각 </a:t>
+            </a:r>
+            <a:r>
+              <a:rPr lang="en-US" altLang="ko-KR" baseline="0" dirty="0" smtClean="0"/>
+              <a:t>staging system</a:t>
+            </a:r>
+            <a:r>
+              <a:rPr lang="ko-KR" altLang="en-US" baseline="0" dirty="0" smtClean="0"/>
+              <a:t>별로 </a:t>
+            </a:r>
+            <a:r>
+              <a:rPr lang="en-US" altLang="ko-KR" baseline="0" dirty="0" smtClean="0"/>
+              <a:t>onset</a:t>
+            </a:r>
+            <a:r>
+              <a:rPr lang="ko-KR" altLang="en-US" baseline="0" dirty="0" smtClean="0"/>
+              <a:t>부터 각 </a:t>
+            </a:r>
+            <a:r>
+              <a:rPr lang="en-US" altLang="ko-KR" baseline="0" dirty="0" smtClean="0"/>
+              <a:t>stage</a:t>
+            </a:r>
+            <a:r>
+              <a:rPr lang="ko-KR" altLang="en-US" baseline="0" dirty="0" smtClean="0"/>
+              <a:t>까지의 </a:t>
+            </a:r>
+            <a:r>
+              <a:rPr lang="en-US" altLang="ko-KR" baseline="0" dirty="0" smtClean="0"/>
+              <a:t>median time</a:t>
+            </a:r>
+            <a:r>
+              <a:rPr lang="ko-KR" altLang="en-US" baseline="0" dirty="0" smtClean="0"/>
+              <a:t>을 비교하였음</a:t>
+            </a:r>
+            <a:r>
+              <a:rPr lang="en-US" altLang="ko-KR" baseline="0" dirty="0" smtClean="0"/>
+              <a:t>. Log-rank test</a:t>
+            </a:r>
+            <a:r>
+              <a:rPr lang="ko-KR" altLang="en-US" baseline="0" dirty="0" smtClean="0"/>
+              <a:t>와 </a:t>
+            </a:r>
+            <a:r>
+              <a:rPr lang="en-US" altLang="ko-KR" baseline="0" dirty="0" smtClean="0"/>
+              <a:t>Kaplan-Meier survival curve</a:t>
+            </a:r>
+            <a:r>
+              <a:rPr lang="ko-KR" altLang="en-US" baseline="0" dirty="0" smtClean="0"/>
+              <a:t>를 이용해서 각 </a:t>
+            </a:r>
+            <a:r>
+              <a:rPr lang="en-US" altLang="ko-KR" baseline="0" dirty="0" smtClean="0"/>
+              <a:t>staging system</a:t>
+            </a:r>
+            <a:r>
+              <a:rPr lang="ko-KR" altLang="en-US" baseline="0" dirty="0" smtClean="0"/>
+              <a:t>별로 </a:t>
+            </a:r>
+            <a:r>
+              <a:rPr lang="en-US" altLang="ko-KR" baseline="0" dirty="0" smtClean="0"/>
+              <a:t>stage</a:t>
+            </a:r>
+            <a:r>
+              <a:rPr lang="ko-KR" altLang="en-US" baseline="0" dirty="0" smtClean="0"/>
+              <a:t>간의 </a:t>
+            </a:r>
+            <a:r>
+              <a:rPr lang="en-US" altLang="ko-KR" baseline="0" dirty="0" smtClean="0"/>
+              <a:t>survival</a:t>
+            </a:r>
+            <a:r>
+              <a:rPr lang="ko-KR" altLang="en-US" baseline="0" dirty="0" smtClean="0"/>
+              <a:t>을 비교함</a:t>
+            </a:r>
+            <a:r>
+              <a:rPr lang="en-US" altLang="ko-KR" baseline="0" dirty="0" smtClean="0"/>
+              <a:t>. </a:t>
+            </a:r>
+          </a:p>
+          <a:p>
+            <a:r>
+              <a:rPr lang="ko-KR" altLang="en-US" baseline="0" dirty="0" err="1" smtClean="0"/>
+              <a:t>예후예측</a:t>
+            </a:r>
+            <a:r>
+              <a:rPr lang="ko-KR" altLang="en-US" baseline="0" dirty="0" smtClean="0"/>
+              <a:t> 체계의 평가는 같은 </a:t>
+            </a:r>
+            <a:r>
+              <a:rPr lang="en-US" altLang="ko-KR" baseline="0" dirty="0" smtClean="0"/>
+              <a:t>stage</a:t>
+            </a:r>
+            <a:r>
+              <a:rPr lang="ko-KR" altLang="en-US" baseline="0" dirty="0" smtClean="0"/>
+              <a:t>내의 환자들의 </a:t>
+            </a:r>
+            <a:r>
+              <a:rPr lang="ko-KR" altLang="en-US" baseline="0" dirty="0" err="1" smtClean="0"/>
+              <a:t>생존기간에</a:t>
+            </a:r>
+            <a:r>
+              <a:rPr lang="ko-KR" altLang="en-US" baseline="0" dirty="0" smtClean="0"/>
+              <a:t> 차이가 적은 </a:t>
+            </a:r>
+            <a:r>
+              <a:rPr lang="en-US" altLang="ko-KR" baseline="0" dirty="0" smtClean="0"/>
+              <a:t>homogeneity</a:t>
+            </a:r>
+            <a:r>
+              <a:rPr lang="ko-KR" altLang="en-US" baseline="0" dirty="0" smtClean="0"/>
+              <a:t>를 보여야 하고 서로 다른 </a:t>
+            </a:r>
+            <a:r>
+              <a:rPr lang="en-US" altLang="ko-KR" baseline="0" dirty="0" smtClean="0"/>
+              <a:t>stage</a:t>
+            </a:r>
+            <a:r>
+              <a:rPr lang="ko-KR" altLang="en-US" baseline="0" dirty="0" smtClean="0"/>
+              <a:t>간의 환자들의 </a:t>
+            </a:r>
+            <a:r>
+              <a:rPr lang="en-US" altLang="ko-KR" baseline="0" dirty="0" smtClean="0"/>
+              <a:t>survival</a:t>
+            </a:r>
+            <a:r>
+              <a:rPr lang="ko-KR" altLang="en-US" baseline="0" dirty="0" smtClean="0"/>
+              <a:t>이 차이가 클수록 좋은 </a:t>
+            </a:r>
+            <a:r>
+              <a:rPr lang="en-US" altLang="ko-KR" baseline="0" dirty="0" smtClean="0"/>
+              <a:t>discriminatory ability, </a:t>
+            </a:r>
+            <a:r>
+              <a:rPr lang="ko-KR" altLang="en-US" baseline="0" dirty="0" smtClean="0"/>
+              <a:t>조기의 </a:t>
+            </a:r>
+            <a:r>
+              <a:rPr lang="en-US" altLang="ko-KR" baseline="0" dirty="0" smtClean="0"/>
+              <a:t>stage</a:t>
+            </a:r>
+            <a:r>
+              <a:rPr lang="ko-KR" altLang="en-US" baseline="0" dirty="0" smtClean="0"/>
+              <a:t>의 환자가 후기의 </a:t>
+            </a:r>
+            <a:r>
+              <a:rPr lang="en-US" altLang="ko-KR" baseline="0" dirty="0" smtClean="0"/>
+              <a:t>stage</a:t>
+            </a:r>
+            <a:r>
+              <a:rPr lang="ko-KR" altLang="en-US" baseline="0" dirty="0" smtClean="0"/>
+              <a:t>환자보다 </a:t>
+            </a:r>
+            <a:r>
+              <a:rPr lang="en-US" altLang="ko-KR" baseline="0" dirty="0" smtClean="0"/>
+              <a:t>survival</a:t>
+            </a:r>
+            <a:r>
+              <a:rPr lang="ko-KR" altLang="en-US" baseline="0" dirty="0" smtClean="0"/>
+              <a:t>이 더 </a:t>
+            </a:r>
+            <a:r>
+              <a:rPr lang="ko-KR" altLang="en-US" baseline="0" dirty="0" err="1" smtClean="0"/>
+              <a:t>긴지를</a:t>
+            </a:r>
+            <a:r>
+              <a:rPr lang="ko-KR" altLang="en-US" baseline="0" dirty="0" smtClean="0"/>
+              <a:t> 보여주는 </a:t>
+            </a:r>
+            <a:r>
+              <a:rPr lang="en-US" altLang="ko-KR" baseline="0" dirty="0" smtClean="0"/>
+              <a:t>monotonicity of gradients</a:t>
             </a:r>
             <a:r>
               <a:rPr lang="ko-KR" altLang="en-US" baseline="0" dirty="0" smtClean="0"/>
@@ -10268,10 +10533,6 @@
             <a:r>
               <a:rPr lang="en-US" altLang="ko-KR" dirty="0" smtClean="0"/>
               <a:t> </a:t>
-            </a:r>
-            <a:r>
-              <a:rPr lang="en-US" altLang="ko-KR" dirty="0" smtClean="0"/>
-              <a:t/>
             </a:r>
             <a:br>
               <a:rPr lang="en-US" altLang="ko-KR" dirty="0" smtClean="0"/>

--- a/SNUH 심포지엄-유일한.pptx
+++ b/SNUH 심포지엄-유일한.pptx
@@ -5,7 +5,7 @@
     <p:sldMasterId id="2147483660" r:id="rId1"/>
   </p:sldMasterIdLst>
   <p:notesMasterIdLst>
-    <p:notesMasterId r:id="rId13"/>
+    <p:notesMasterId r:id="rId15"/>
   </p:notesMasterIdLst>
   <p:sldIdLst>
     <p:sldId id="256" r:id="rId2"/>
@@ -17,8 +17,10 @@
     <p:sldId id="264" r:id="rId8"/>
     <p:sldId id="265" r:id="rId9"/>
     <p:sldId id="266" r:id="rId10"/>
-    <p:sldId id="260" r:id="rId11"/>
-    <p:sldId id="261" r:id="rId12"/>
+    <p:sldId id="267" r:id="rId11"/>
+    <p:sldId id="268" r:id="rId12"/>
+    <p:sldId id="260" r:id="rId13"/>
+    <p:sldId id="261" r:id="rId14"/>
   </p:sldIdLst>
   <p:sldSz cx="12192000" cy="6858000"/>
   <p:notesSz cx="6858000" cy="9144000"/>
@@ -207,7 +209,7 @@
           <a:p>
             <a:fld id="{E8FBBB6A-BE53-4BF0-B17E-892FAA57C2D4}" type="datetimeFigureOut">
               <a:rPr lang="ko-KR" altLang="en-US" smtClean="0"/>
-              <a:t>2021-07-15</a:t>
+              <a:t>2021/07/16</a:t>
             </a:fld>
             <a:endParaRPr lang="ko-KR" altLang="en-US"/>
           </a:p>
@@ -604,110 +606,236 @@
           <a:lstStyle/>
           <a:p>
             <a:r>
-              <a:rPr lang="en-US" altLang="ko-KR" dirty="0" smtClean="0"/>
-              <a:t>King’s system</a:t>
-            </a:r>
-            <a:r>
               <a:rPr lang="ko-KR" altLang="en-US" dirty="0" smtClean="0"/>
-              <a:t>과 </a:t>
-            </a:r>
-            <a:r>
-              <a:rPr lang="en-US" altLang="ko-KR" dirty="0" smtClean="0"/>
-              <a:t>MITOS</a:t>
+              <a:t>아래쪽 </a:t>
+            </a:r>
+            <a:r>
+              <a:rPr lang="en-US" altLang="ko-KR" dirty="0" smtClean="0"/>
+              <a:t>figure</a:t>
             </a:r>
             <a:r>
               <a:rPr lang="ko-KR" altLang="en-US" dirty="0" smtClean="0"/>
+              <a:t>의 왼쪽이 </a:t>
+            </a:r>
+            <a:r>
+              <a:rPr lang="en-US" altLang="ko-KR" dirty="0" smtClean="0"/>
+              <a:t>King’s system, </a:t>
+            </a:r>
+            <a:r>
+              <a:rPr lang="ko-KR" altLang="en-US" dirty="0" smtClean="0"/>
+              <a:t>오른쪽이 </a:t>
+            </a:r>
+            <a:r>
+              <a:rPr lang="en-US" altLang="ko-KR" dirty="0" err="1" smtClean="0"/>
+              <a:t>MiToS</a:t>
+            </a:r>
+            <a:r>
+              <a:rPr lang="ko-KR" altLang="en-US" dirty="0" smtClean="0"/>
+              <a:t>에 따라서 </a:t>
+            </a:r>
+            <a:r>
+              <a:rPr lang="en-US" altLang="ko-KR" dirty="0" smtClean="0"/>
+              <a:t>stage</a:t>
+            </a:r>
+            <a:r>
+              <a:rPr lang="ko-KR" altLang="en-US" dirty="0" smtClean="0"/>
+              <a:t>를 분류한 결과입니다</a:t>
+            </a:r>
+            <a:r>
+              <a:rPr lang="en-US" altLang="ko-KR" dirty="0" smtClean="0"/>
+              <a:t>. </a:t>
+            </a:r>
+          </a:p>
+          <a:p>
+            <a:pPr marL="0" marR="0" lvl="0" indent="0" algn="l" defTabSz="914400" rtl="0" eaLnBrk="1" fontAlgn="auto" latinLnBrk="1" hangingPunct="1">
+              <a:lnSpc>
+                <a:spcPct val="100000"/>
+              </a:lnSpc>
+              <a:spcBef>
+                <a:spcPts val="0"/>
+              </a:spcBef>
+              <a:spcAft>
+                <a:spcPts val="0"/>
+              </a:spcAft>
+              <a:buClrTx/>
+              <a:buSzTx/>
+              <a:buFontTx/>
+              <a:buNone/>
+              <a:tabLst/>
+              <a:defRPr/>
+            </a:pPr>
+            <a:r>
+              <a:rPr lang="ko-KR" altLang="en-US" baseline="0" dirty="0" smtClean="0"/>
+              <a:t>왼쪽 그림에서 각 </a:t>
+            </a:r>
+            <a:r>
+              <a:rPr lang="en-US" altLang="ko-KR" baseline="0" dirty="0" smtClean="0"/>
+              <a:t>stage</a:t>
+            </a:r>
+            <a:r>
+              <a:rPr lang="ko-KR" altLang="en-US" baseline="0" dirty="0" smtClean="0"/>
+              <a:t>에 도달한 </a:t>
+            </a:r>
+            <a:r>
+              <a:rPr lang="en-US" altLang="ko-KR" baseline="0" dirty="0" smtClean="0"/>
+              <a:t>Standardized median time</a:t>
+            </a:r>
+            <a:r>
+              <a:rPr lang="ko-KR" altLang="en-US" baseline="0" dirty="0" smtClean="0"/>
+              <a:t>을 보면 </a:t>
+            </a:r>
+            <a:r>
+              <a:rPr lang="en-US" altLang="ko-KR" baseline="0" dirty="0" smtClean="0"/>
+              <a:t>dementia</a:t>
+            </a:r>
+            <a:r>
+              <a:rPr lang="ko-KR" altLang="en-US" baseline="0" dirty="0" smtClean="0"/>
+              <a:t>환자를 포함한 경우 </a:t>
+            </a:r>
+            <a:r>
+              <a:rPr lang="en-US" altLang="ko-KR" baseline="0" dirty="0" smtClean="0"/>
+              <a:t>stage 2b, 3, 4a, 4b</a:t>
+            </a:r>
+            <a:r>
+              <a:rPr lang="ko-KR" altLang="en-US" baseline="0" dirty="0" smtClean="0"/>
               <a:t>는 </a:t>
             </a:r>
             <a:r>
-              <a:rPr lang="ko-KR" altLang="en-US" dirty="0" err="1" smtClean="0"/>
-              <a:t>중복이라기보다는</a:t>
-            </a:r>
-            <a:r>
-              <a:rPr lang="ko-KR" altLang="en-US" dirty="0" smtClean="0"/>
-              <a:t> 상호 보완적인 </a:t>
-            </a:r>
-            <a:r>
-              <a:rPr lang="ko-KR" altLang="en-US" baseline="0" dirty="0" smtClean="0"/>
-              <a:t>체계인데 전자는 임상적</a:t>
-            </a:r>
-            <a:r>
-              <a:rPr lang="en-US" altLang="ko-KR" baseline="0" dirty="0" smtClean="0"/>
-              <a:t>, </a:t>
-            </a:r>
-            <a:r>
-              <a:rPr lang="ko-KR" altLang="en-US" baseline="0" dirty="0" smtClean="0"/>
-              <a:t>해부학적 확산을 중요하게 보고</a:t>
-            </a:r>
-            <a:r>
-              <a:rPr lang="en-US" altLang="ko-KR" baseline="0" dirty="0" smtClean="0"/>
-              <a:t>, MITOS</a:t>
-            </a:r>
-            <a:r>
-              <a:rPr lang="ko-KR" altLang="en-US" baseline="0" dirty="0" smtClean="0"/>
-              <a:t>는 기능적 장애를 중요하게 보는 체계임</a:t>
-            </a:r>
-            <a:r>
-              <a:rPr lang="en-US" altLang="ko-KR" baseline="0" dirty="0" smtClean="0"/>
-              <a:t>. Ferraro</a:t>
-            </a:r>
-            <a:r>
-              <a:rPr lang="ko-KR" altLang="en-US" baseline="0" dirty="0" smtClean="0"/>
-              <a:t>의 연구에서 </a:t>
-            </a:r>
-            <a:r>
-              <a:rPr lang="en-US" altLang="ko-KR" baseline="0" dirty="0" smtClean="0"/>
-              <a:t>King</a:t>
-            </a:r>
-            <a:r>
-              <a:rPr lang="ko-KR" altLang="en-US" baseline="0" dirty="0" smtClean="0"/>
-              <a:t>은 질병 전체에 균등하게 분포하고 </a:t>
-            </a:r>
-            <a:r>
-              <a:rPr lang="en-US" altLang="ko-KR" baseline="0" dirty="0" smtClean="0"/>
-              <a:t>MITOS</a:t>
-            </a:r>
-            <a:r>
-              <a:rPr lang="ko-KR" altLang="en-US" baseline="0" dirty="0" smtClean="0"/>
-              <a:t>는 질병 후기에 치우친다는 보고가 있었음</a:t>
+              <a:rPr lang="en-US" altLang="ko-KR" baseline="0" dirty="0" smtClean="0"/>
+              <a:t>42, 50, 81, 79%</a:t>
+            </a:r>
+            <a:r>
+              <a:rPr lang="ko-KR" altLang="en-US" baseline="0" dirty="0" smtClean="0"/>
+              <a:t>였고 </a:t>
+            </a:r>
+            <a:r>
+              <a:rPr lang="en-US" altLang="ko-KR" baseline="0" dirty="0" smtClean="0"/>
+              <a:t>dementia</a:t>
+            </a:r>
+            <a:r>
+              <a:rPr lang="ko-KR" altLang="en-US" baseline="0" dirty="0" smtClean="0"/>
+              <a:t>를 제외하면 </a:t>
+            </a:r>
+            <a:r>
+              <a:rPr lang="en-US" altLang="ko-KR" baseline="0" dirty="0" smtClean="0"/>
+              <a:t>42%, 58%, 81%, 73%</a:t>
+            </a:r>
+            <a:r>
+              <a:rPr lang="ko-KR" altLang="en-US" baseline="0" dirty="0" smtClean="0"/>
+              <a:t>여서 </a:t>
+            </a:r>
+            <a:r>
+              <a:rPr lang="en-US" altLang="ko-KR" baseline="0" dirty="0" smtClean="0"/>
+              <a:t>dementia</a:t>
+            </a:r>
+            <a:r>
+              <a:rPr lang="ko-KR" altLang="en-US" baseline="0" dirty="0" smtClean="0"/>
+              <a:t>가 있는 환자를 포함하면 </a:t>
+            </a:r>
+            <a:r>
+              <a:rPr lang="en-US" altLang="ko-KR" baseline="0" dirty="0" smtClean="0"/>
+              <a:t>stage 3</a:t>
+            </a:r>
+            <a:r>
+              <a:rPr lang="ko-KR" altLang="en-US" baseline="0" dirty="0" smtClean="0"/>
+              <a:t>에 더 빨리 도달하는 것으로 나타났습니다</a:t>
+            </a:r>
+            <a:r>
+              <a:rPr lang="en-US" altLang="ko-KR" baseline="0" dirty="0" smtClean="0"/>
+              <a:t>.</a:t>
+            </a:r>
+          </a:p>
+          <a:p>
+            <a:pPr marL="0" marR="0" lvl="0" indent="0" algn="l" defTabSz="914400" rtl="0" eaLnBrk="1" fontAlgn="auto" latinLnBrk="1" hangingPunct="1">
+              <a:lnSpc>
+                <a:spcPct val="100000"/>
+              </a:lnSpc>
+              <a:spcBef>
+                <a:spcPts val="0"/>
+              </a:spcBef>
+              <a:spcAft>
+                <a:spcPts val="0"/>
+              </a:spcAft>
+              <a:buClrTx/>
+              <a:buSzTx/>
+              <a:buFontTx/>
+              <a:buNone/>
+              <a:tabLst/>
+              <a:defRPr/>
+            </a:pPr>
+            <a:r>
+              <a:rPr lang="ko-KR" altLang="en-US" baseline="0" dirty="0" smtClean="0"/>
+              <a:t>오른쪽 그림은 </a:t>
+            </a:r>
+            <a:r>
+              <a:rPr lang="en-US" altLang="ko-KR" baseline="0" dirty="0" err="1" smtClean="0"/>
+              <a:t>MiToS</a:t>
+            </a:r>
+            <a:r>
+              <a:rPr lang="ko-KR" altLang="en-US" baseline="0" dirty="0" smtClean="0"/>
+              <a:t>로 </a:t>
+            </a:r>
+            <a:r>
+              <a:rPr lang="en-US" altLang="ko-KR" baseline="0" dirty="0" smtClean="0"/>
+              <a:t>stage</a:t>
+            </a:r>
+            <a:r>
+              <a:rPr lang="ko-KR" altLang="en-US" baseline="0" dirty="0" smtClean="0"/>
+              <a:t>를 평가한 결과인데 </a:t>
+            </a:r>
+            <a:r>
+              <a:rPr lang="en-US" altLang="ko-KR" baseline="0" dirty="0" smtClean="0"/>
+              <a:t>stage 0</a:t>
+            </a:r>
+            <a:r>
+              <a:rPr lang="ko-KR" altLang="en-US" baseline="0" dirty="0" smtClean="0"/>
+              <a:t>부터 </a:t>
+            </a:r>
+            <a:r>
+              <a:rPr lang="en-US" altLang="ko-KR" baseline="0" dirty="0" smtClean="0"/>
+              <a:t>4</a:t>
+            </a:r>
+            <a:r>
+              <a:rPr lang="ko-KR" altLang="en-US" baseline="0" dirty="0" smtClean="0"/>
+              <a:t>까지의 </a:t>
+            </a:r>
+            <a:r>
+              <a:rPr lang="en-US" altLang="ko-KR" baseline="0" dirty="0" smtClean="0"/>
+              <a:t>standardized median time</a:t>
+            </a:r>
+            <a:r>
+              <a:rPr lang="ko-KR" altLang="en-US" baseline="0" dirty="0" smtClean="0"/>
+              <a:t>이 각각 </a:t>
+            </a:r>
+            <a:r>
+              <a:rPr lang="en-US" altLang="ko-KR" baseline="0" dirty="0" smtClean="0"/>
+              <a:t>35%, 67%, 79%, 100%, 104%</a:t>
+            </a:r>
+            <a:r>
+              <a:rPr lang="ko-KR" altLang="en-US" baseline="0" dirty="0" smtClean="0"/>
+              <a:t>였습니다</a:t>
+            </a:r>
+            <a:r>
+              <a:rPr lang="en-US" altLang="ko-KR" baseline="0" dirty="0" smtClean="0"/>
+              <a:t>. Dementia</a:t>
+            </a:r>
+            <a:r>
+              <a:rPr lang="ko-KR" altLang="en-US" baseline="0" dirty="0" smtClean="0"/>
+              <a:t>환자를 제외하면 </a:t>
+            </a:r>
+            <a:r>
+              <a:rPr lang="en-US" altLang="ko-KR" baseline="0" dirty="0" smtClean="0"/>
+              <a:t>35%, 65%, 73%, 96%, 108%</a:t>
+            </a:r>
+            <a:r>
+              <a:rPr lang="ko-KR" altLang="en-US" baseline="0" dirty="0" smtClean="0"/>
+              <a:t>였습니다</a:t>
             </a:r>
             <a:r>
               <a:rPr lang="en-US" altLang="ko-KR" baseline="0" dirty="0" smtClean="0"/>
               <a:t>. </a:t>
             </a:r>
-            <a:r>
-              <a:rPr lang="ko-KR" altLang="en-US" baseline="0" dirty="0" smtClean="0"/>
-              <a:t>두 체계는 질환의 경과를 예측하고 치료계획을 수립하며 전반적인 의료자원의 효율적인 활용에도 기여하고 주치의</a:t>
-            </a:r>
-            <a:r>
-              <a:rPr lang="en-US" altLang="ko-KR" baseline="0" dirty="0" smtClean="0"/>
-              <a:t>, </a:t>
-            </a:r>
-            <a:r>
-              <a:rPr lang="ko-KR" altLang="en-US" baseline="0" dirty="0" smtClean="0"/>
-              <a:t>관련의료인력</a:t>
-            </a:r>
-            <a:r>
-              <a:rPr lang="en-US" altLang="ko-KR" baseline="0" dirty="0" smtClean="0"/>
-              <a:t>, </a:t>
-            </a:r>
-            <a:r>
-              <a:rPr lang="ko-KR" altLang="en-US" baseline="0" dirty="0" smtClean="0"/>
-              <a:t>환자</a:t>
-            </a:r>
-            <a:r>
-              <a:rPr lang="en-US" altLang="ko-KR" baseline="0" dirty="0" smtClean="0"/>
-              <a:t>, </a:t>
-            </a:r>
-            <a:r>
-              <a:rPr lang="ko-KR" altLang="en-US" baseline="0" dirty="0" smtClean="0"/>
-              <a:t>보호자 간의 이해를 높일 수 있다는 장점이 있음</a:t>
-            </a:r>
-            <a:r>
-              <a:rPr lang="en-US" altLang="ko-KR" baseline="0" dirty="0" smtClean="0"/>
-              <a:t>. </a:t>
-            </a:r>
-            <a:endParaRPr lang="ko-KR" altLang="en-US" dirty="0"/>
+            <a:endParaRPr lang="ko-KR" altLang="en-US" dirty="0" smtClean="0"/>
           </a:p>
         </p:txBody>
       </p:sp>
@@ -729,6 +857,278 @@
             <a:fld id="{BBAA4D1B-A90B-4163-BF9D-AF53B78ADDD3}" type="slidenum">
               <a:rPr lang="ko-KR" altLang="en-US" smtClean="0"/>
               <a:t>10</a:t>
+            </a:fld>
+            <a:endParaRPr lang="ko-KR" altLang="en-US"/>
+          </a:p>
+        </p:txBody>
+      </p:sp>
+    </p:spTree>
+    <p:extLst>
+      <p:ext uri="{BB962C8B-B14F-4D97-AF65-F5344CB8AC3E}">
+        <p14:creationId xmlns:p14="http://schemas.microsoft.com/office/powerpoint/2010/main" val="964042130"/>
+      </p:ext>
+    </p:extLst>
+  </p:cSld>
+  <p:clrMapOvr>
+    <a:masterClrMapping/>
+  </p:clrMapOvr>
+</p:notes>
+</file>
+
+<file path=ppt/notesSlides/notesSlide11.xml><?xml version="1.0" encoding="utf-8"?>
+<p:notes xmlns:a="http://schemas.openxmlformats.org/drawingml/2006/main" xmlns:r="http://schemas.openxmlformats.org/officeDocument/2006/relationships" xmlns:p="http://schemas.openxmlformats.org/presentationml/2006/main">
+  <p:cSld>
+    <p:spTree>
+      <p:nvGrpSpPr>
+        <p:cNvPr id="1" name=""/>
+        <p:cNvGrpSpPr/>
+        <p:nvPr/>
+      </p:nvGrpSpPr>
+      <p:grpSpPr>
+        <a:xfrm>
+          <a:off x="0" y="0"/>
+          <a:ext cx="0" cy="0"/>
+          <a:chOff x="0" y="0"/>
+          <a:chExt cx="0" cy="0"/>
+        </a:xfrm>
+      </p:grpSpPr>
+      <p:sp>
+        <p:nvSpPr>
+          <p:cNvPr id="2" name="슬라이드 이미지 개체 틀 1"/>
+          <p:cNvSpPr>
+            <a:spLocks noGrp="1" noRot="1" noChangeAspect="1"/>
+          </p:cNvSpPr>
+          <p:nvPr>
+            <p:ph type="sldImg"/>
+          </p:nvPr>
+        </p:nvSpPr>
+        <p:spPr/>
+      </p:sp>
+      <p:sp>
+        <p:nvSpPr>
+          <p:cNvPr id="3" name="슬라이드 노트 개체 틀 2"/>
+          <p:cNvSpPr>
+            <a:spLocks noGrp="1"/>
+          </p:cNvSpPr>
+          <p:nvPr>
+            <p:ph type="body" idx="1"/>
+          </p:nvPr>
+        </p:nvSpPr>
+        <p:spPr/>
+        <p:txBody>
+          <a:bodyPr/>
+          <a:lstStyle/>
+          <a:p>
+            <a:endParaRPr lang="ko-KR" altLang="en-US" dirty="0"/>
+          </a:p>
+        </p:txBody>
+      </p:sp>
+      <p:sp>
+        <p:nvSpPr>
+          <p:cNvPr id="4" name="슬라이드 번호 개체 틀 3"/>
+          <p:cNvSpPr>
+            <a:spLocks noGrp="1"/>
+          </p:cNvSpPr>
+          <p:nvPr>
+            <p:ph type="sldNum" sz="quarter" idx="10"/>
+          </p:nvPr>
+        </p:nvSpPr>
+        <p:spPr/>
+        <p:txBody>
+          <a:bodyPr/>
+          <a:lstStyle/>
+          <a:p>
+            <a:fld id="{BBAA4D1B-A90B-4163-BF9D-AF53B78ADDD3}" type="slidenum">
+              <a:rPr lang="ko-KR" altLang="en-US" smtClean="0"/>
+              <a:t>11</a:t>
+            </a:fld>
+            <a:endParaRPr lang="ko-KR" altLang="en-US"/>
+          </a:p>
+        </p:txBody>
+      </p:sp>
+    </p:spTree>
+    <p:extLst>
+      <p:ext uri="{BB962C8B-B14F-4D97-AF65-F5344CB8AC3E}">
+        <p14:creationId xmlns:p14="http://schemas.microsoft.com/office/powerpoint/2010/main" val="1372131018"/>
+      </p:ext>
+    </p:extLst>
+  </p:cSld>
+  <p:clrMapOvr>
+    <a:masterClrMapping/>
+  </p:clrMapOvr>
+</p:notes>
+</file>
+
+<file path=ppt/notesSlides/notesSlide12.xml><?xml version="1.0" encoding="utf-8"?>
+<p:notes xmlns:a="http://schemas.openxmlformats.org/drawingml/2006/main" xmlns:r="http://schemas.openxmlformats.org/officeDocument/2006/relationships" xmlns:p="http://schemas.openxmlformats.org/presentationml/2006/main">
+  <p:cSld>
+    <p:spTree>
+      <p:nvGrpSpPr>
+        <p:cNvPr id="1" name=""/>
+        <p:cNvGrpSpPr/>
+        <p:nvPr/>
+      </p:nvGrpSpPr>
+      <p:grpSpPr>
+        <a:xfrm>
+          <a:off x="0" y="0"/>
+          <a:ext cx="0" cy="0"/>
+          <a:chOff x="0" y="0"/>
+          <a:chExt cx="0" cy="0"/>
+        </a:xfrm>
+      </p:grpSpPr>
+      <p:sp>
+        <p:nvSpPr>
+          <p:cNvPr id="2" name="슬라이드 이미지 개체 틀 1"/>
+          <p:cNvSpPr>
+            <a:spLocks noGrp="1" noRot="1" noChangeAspect="1"/>
+          </p:cNvSpPr>
+          <p:nvPr>
+            <p:ph type="sldImg"/>
+          </p:nvPr>
+        </p:nvSpPr>
+        <p:spPr/>
+      </p:sp>
+      <p:sp>
+        <p:nvSpPr>
+          <p:cNvPr id="3" name="슬라이드 노트 개체 틀 2"/>
+          <p:cNvSpPr>
+            <a:spLocks noGrp="1"/>
+          </p:cNvSpPr>
+          <p:nvPr>
+            <p:ph type="body" idx="1"/>
+          </p:nvPr>
+        </p:nvSpPr>
+        <p:spPr/>
+        <p:txBody>
+          <a:bodyPr/>
+          <a:lstStyle/>
+          <a:p>
+            <a:r>
+              <a:rPr lang="en-US" altLang="ko-KR" dirty="0" smtClean="0"/>
+              <a:t>King’s system</a:t>
+            </a:r>
+            <a:r>
+              <a:rPr lang="ko-KR" altLang="en-US" dirty="0" smtClean="0"/>
+              <a:t>과 </a:t>
+            </a:r>
+            <a:r>
+              <a:rPr lang="en-US" altLang="ko-KR" dirty="0" smtClean="0"/>
+              <a:t>MITOS</a:t>
+            </a:r>
+            <a:r>
+              <a:rPr lang="ko-KR" altLang="en-US" dirty="0" smtClean="0"/>
+              <a:t>는 </a:t>
+            </a:r>
+            <a:r>
+              <a:rPr lang="ko-KR" altLang="en-US" dirty="0" err="1" smtClean="0"/>
+              <a:t>중복이라기보다는</a:t>
+            </a:r>
+            <a:r>
+              <a:rPr lang="ko-KR" altLang="en-US" dirty="0" smtClean="0"/>
+              <a:t> 상호 보완적인 </a:t>
+            </a:r>
+            <a:r>
+              <a:rPr lang="ko-KR" altLang="en-US" baseline="0" dirty="0" smtClean="0"/>
+              <a:t>체계인데 전자는 임상적</a:t>
+            </a:r>
+            <a:r>
+              <a:rPr lang="en-US" altLang="ko-KR" baseline="0" dirty="0" smtClean="0"/>
+              <a:t>, </a:t>
+            </a:r>
+            <a:r>
+              <a:rPr lang="ko-KR" altLang="en-US" baseline="0" dirty="0" smtClean="0"/>
+              <a:t>해부학적 확산을 중요하게 보고</a:t>
+            </a:r>
+            <a:r>
+              <a:rPr lang="en-US" altLang="ko-KR" baseline="0" dirty="0" smtClean="0"/>
+              <a:t>, MITOS</a:t>
+            </a:r>
+            <a:r>
+              <a:rPr lang="ko-KR" altLang="en-US" baseline="0" dirty="0" smtClean="0"/>
+              <a:t>는 기능적 장애를 중요하게 보는 체계임</a:t>
+            </a:r>
+            <a:r>
+              <a:rPr lang="en-US" altLang="ko-KR" baseline="0" dirty="0" smtClean="0"/>
+              <a:t>. Ferraro</a:t>
+            </a:r>
+            <a:r>
+              <a:rPr lang="ko-KR" altLang="en-US" baseline="0" dirty="0" smtClean="0"/>
+              <a:t>의 연구에서 </a:t>
+            </a:r>
+            <a:r>
+              <a:rPr lang="en-US" altLang="ko-KR" baseline="0" dirty="0" smtClean="0"/>
+              <a:t>King</a:t>
+            </a:r>
+            <a:r>
+              <a:rPr lang="ko-KR" altLang="en-US" baseline="0" dirty="0" smtClean="0"/>
+              <a:t>은 질병 전체에 균등하게 분포하고 </a:t>
+            </a:r>
+            <a:r>
+              <a:rPr lang="en-US" altLang="ko-KR" baseline="0" dirty="0" smtClean="0"/>
+              <a:t>MITOS</a:t>
+            </a:r>
+            <a:r>
+              <a:rPr lang="ko-KR" altLang="en-US" baseline="0" dirty="0" smtClean="0"/>
+              <a:t>는 질병 후기에 치우친다는 보고가 있었음</a:t>
+            </a:r>
+            <a:r>
+              <a:rPr lang="en-US" altLang="ko-KR" baseline="0" dirty="0" smtClean="0"/>
+              <a:t>. </a:t>
+            </a:r>
+            <a:r>
+              <a:rPr lang="ko-KR" altLang="en-US" baseline="0" dirty="0" smtClean="0"/>
+              <a:t>두 체계는 질환의 경과를 예측하고 치료계획을 수립하며 전반적인 의료자원의 효율적인 활용에도 기여하고 주치의</a:t>
+            </a:r>
+            <a:r>
+              <a:rPr lang="en-US" altLang="ko-KR" baseline="0" dirty="0" smtClean="0"/>
+              <a:t>, </a:t>
+            </a:r>
+            <a:r>
+              <a:rPr lang="ko-KR" altLang="en-US" baseline="0" dirty="0" smtClean="0"/>
+              <a:t>관련의료인력</a:t>
+            </a:r>
+            <a:r>
+              <a:rPr lang="en-US" altLang="ko-KR" baseline="0" dirty="0" smtClean="0"/>
+              <a:t>, </a:t>
+            </a:r>
+            <a:r>
+              <a:rPr lang="ko-KR" altLang="en-US" baseline="0" dirty="0" smtClean="0"/>
+              <a:t>환자</a:t>
+            </a:r>
+            <a:r>
+              <a:rPr lang="en-US" altLang="ko-KR" baseline="0" dirty="0" smtClean="0"/>
+              <a:t>, </a:t>
+            </a:r>
+            <a:r>
+              <a:rPr lang="ko-KR" altLang="en-US" baseline="0" dirty="0" smtClean="0"/>
+              <a:t>보호자 간의 이해를 높일 수 있다는 장점이 있음</a:t>
+            </a:r>
+            <a:r>
+              <a:rPr lang="en-US" altLang="ko-KR" baseline="0" dirty="0" smtClean="0"/>
+              <a:t>. </a:t>
+            </a:r>
+            <a:endParaRPr lang="ko-KR" altLang="en-US" dirty="0"/>
+          </a:p>
+        </p:txBody>
+      </p:sp>
+      <p:sp>
+        <p:nvSpPr>
+          <p:cNvPr id="4" name="슬라이드 번호 개체 틀 3"/>
+          <p:cNvSpPr>
+            <a:spLocks noGrp="1"/>
+          </p:cNvSpPr>
+          <p:nvPr>
+            <p:ph type="sldNum" sz="quarter" idx="10"/>
+          </p:nvPr>
+        </p:nvSpPr>
+        <p:spPr/>
+        <p:txBody>
+          <a:bodyPr/>
+          <a:lstStyle/>
+          <a:p>
+            <a:fld id="{BBAA4D1B-A90B-4163-BF9D-AF53B78ADDD3}" type="slidenum">
+              <a:rPr lang="ko-KR" altLang="en-US" smtClean="0"/>
+              <a:t>12</a:t>
             </a:fld>
             <a:endParaRPr lang="ko-KR" altLang="en-US"/>
           </a:p>
@@ -6565,7 +6965,6 @@
               <a:rPr lang="en-US" altLang="ko-KR" baseline="0" dirty="0" smtClean="0"/>
               <a:t>. </a:t>
             </a:r>
-            <a:endParaRPr lang="en-US" altLang="ko-KR" baseline="0" dirty="0" smtClean="0"/>
           </a:p>
           <a:p>
             <a:r>
@@ -6825,6 +7224,72 @@
             <a:r>
               <a:rPr lang="ko-KR" altLang="en-US" baseline="0" dirty="0" smtClean="0"/>
               <a:t>로 평가함</a:t>
+            </a:r>
+            <a:r>
+              <a:rPr lang="en-US" altLang="ko-KR" baseline="0" dirty="0" smtClean="0"/>
+              <a:t>. </a:t>
+            </a:r>
+            <a:r>
+              <a:rPr lang="en-US" altLang="ko-KR" baseline="0" dirty="0" smtClean="0"/>
+              <a:t> </a:t>
+            </a:r>
+          </a:p>
+          <a:p>
+            <a:r>
+              <a:rPr lang="en-US" altLang="ko-KR" baseline="0" dirty="0" smtClean="0"/>
+              <a:t>2009.1~2013.12</a:t>
+            </a:r>
+            <a:r>
+              <a:rPr lang="ko-KR" altLang="en-US" baseline="0" dirty="0" smtClean="0"/>
+              <a:t>까지 이탈리아 </a:t>
+            </a:r>
+            <a:r>
+              <a:rPr lang="en-US" altLang="ko-KR" baseline="0" dirty="0" err="1" smtClean="0"/>
+              <a:t>emilia</a:t>
+            </a:r>
+            <a:r>
+              <a:rPr lang="en-US" altLang="ko-KR" baseline="0" dirty="0" smtClean="0"/>
+              <a:t> </a:t>
+            </a:r>
+            <a:r>
+              <a:rPr lang="en-US" altLang="ko-KR" baseline="0" dirty="0" err="1" smtClean="0"/>
+              <a:t>romagna</a:t>
+            </a:r>
+            <a:r>
+              <a:rPr lang="ko-KR" altLang="en-US" baseline="0" dirty="0" smtClean="0"/>
+              <a:t>지역에서 </a:t>
+            </a:r>
+            <a:r>
+              <a:rPr lang="en-US" altLang="ko-KR" baseline="0" dirty="0" smtClean="0"/>
+              <a:t>ALS</a:t>
+            </a:r>
+            <a:r>
+              <a:rPr lang="ko-KR" altLang="en-US" baseline="0" dirty="0" smtClean="0"/>
+              <a:t>로 진단된 </a:t>
+            </a:r>
+            <a:r>
+              <a:rPr lang="en-US" altLang="ko-KR" baseline="0" dirty="0" smtClean="0"/>
+              <a:t>545</a:t>
+            </a:r>
+            <a:r>
+              <a:rPr lang="ko-KR" altLang="en-US" baseline="0" dirty="0" smtClean="0"/>
+              <a:t>명의 환자를 대상으로 했고 마지막 </a:t>
+            </a:r>
+            <a:r>
+              <a:rPr lang="ko-KR" altLang="en-US" baseline="0" dirty="0" err="1" smtClean="0"/>
+              <a:t>추적시점에</a:t>
+            </a:r>
+            <a:r>
+              <a:rPr lang="ko-KR" altLang="en-US" baseline="0" dirty="0" smtClean="0"/>
+              <a:t> 총 </a:t>
+            </a:r>
+            <a:r>
+              <a:rPr lang="en-US" altLang="ko-KR" baseline="0" dirty="0" smtClean="0"/>
+              <a:t>272</a:t>
+            </a:r>
+            <a:r>
+              <a:rPr lang="ko-KR" altLang="en-US" baseline="0" dirty="0" smtClean="0"/>
+              <a:t>명이 사망하였음</a:t>
             </a:r>
             <a:r>
               <a:rPr lang="en-US" altLang="ko-KR" baseline="0" dirty="0" smtClean="0"/>
@@ -7032,7 +7497,7 @@
           <a:p>
             <a:fld id="{11CF987C-FD17-4394-9A4F-BE2D66BE4DDF}" type="datetimeFigureOut">
               <a:rPr lang="ko-KR" altLang="en-US" smtClean="0"/>
-              <a:t>2021-07-15</a:t>
+              <a:t>2021/07/16</a:t>
             </a:fld>
             <a:endParaRPr lang="ko-KR" altLang="en-US"/>
           </a:p>
@@ -7209,7 +7674,7 @@
           <a:p>
             <a:fld id="{11CF987C-FD17-4394-9A4F-BE2D66BE4DDF}" type="datetimeFigureOut">
               <a:rPr lang="ko-KR" altLang="en-US" smtClean="0"/>
-              <a:t>2021-07-15</a:t>
+              <a:t>2021/07/16</a:t>
             </a:fld>
             <a:endParaRPr lang="ko-KR" altLang="en-US"/>
           </a:p>
@@ -7389,7 +7854,7 @@
           <a:p>
             <a:fld id="{11CF987C-FD17-4394-9A4F-BE2D66BE4DDF}" type="datetimeFigureOut">
               <a:rPr lang="ko-KR" altLang="en-US" smtClean="0"/>
-              <a:t>2021-07-15</a:t>
+              <a:t>2021/07/16</a:t>
             </a:fld>
             <a:endParaRPr lang="ko-KR" altLang="en-US"/>
           </a:p>
@@ -7750,7 +8215,7 @@
           <a:p>
             <a:fld id="{11CF987C-FD17-4394-9A4F-BE2D66BE4DDF}" type="datetimeFigureOut">
               <a:rPr lang="ko-KR" altLang="en-US" smtClean="0"/>
-              <a:t>2021-07-15</a:t>
+              <a:t>2021/07/16</a:t>
             </a:fld>
             <a:endParaRPr lang="ko-KR" altLang="en-US"/>
           </a:p>
@@ -7982,7 +8447,7 @@
           <a:p>
             <a:fld id="{11CF987C-FD17-4394-9A4F-BE2D66BE4DDF}" type="datetimeFigureOut">
               <a:rPr lang="ko-KR" altLang="en-US" smtClean="0"/>
-              <a:t>2021-07-15</a:t>
+              <a:t>2021/07/16</a:t>
             </a:fld>
             <a:endParaRPr lang="ko-KR" altLang="en-US"/>
           </a:p>
@@ -8349,7 +8814,7 @@
           <a:p>
             <a:fld id="{11CF987C-FD17-4394-9A4F-BE2D66BE4DDF}" type="datetimeFigureOut">
               <a:rPr lang="ko-KR" altLang="en-US" smtClean="0"/>
-              <a:t>2021-07-15</a:t>
+              <a:t>2021/07/16</a:t>
             </a:fld>
             <a:endParaRPr lang="ko-KR" altLang="en-US"/>
           </a:p>
@@ -8467,7 +8932,7 @@
           <a:p>
             <a:fld id="{11CF987C-FD17-4394-9A4F-BE2D66BE4DDF}" type="datetimeFigureOut">
               <a:rPr lang="ko-KR" altLang="en-US" smtClean="0"/>
-              <a:t>2021-07-15</a:t>
+              <a:t>2021/07/16</a:t>
             </a:fld>
             <a:endParaRPr lang="ko-KR" altLang="en-US"/>
           </a:p>
@@ -8562,7 +9027,7 @@
           <a:p>
             <a:fld id="{11CF987C-FD17-4394-9A4F-BE2D66BE4DDF}" type="datetimeFigureOut">
               <a:rPr lang="ko-KR" altLang="en-US" smtClean="0"/>
-              <a:t>2021-07-15</a:t>
+              <a:t>2021/07/16</a:t>
             </a:fld>
             <a:endParaRPr lang="ko-KR" altLang="en-US"/>
           </a:p>
@@ -8839,7 +9304,7 @@
           <a:p>
             <a:fld id="{11CF987C-FD17-4394-9A4F-BE2D66BE4DDF}" type="datetimeFigureOut">
               <a:rPr lang="ko-KR" altLang="en-US" smtClean="0"/>
-              <a:t>2021-07-15</a:t>
+              <a:t>2021/07/16</a:t>
             </a:fld>
             <a:endParaRPr lang="ko-KR" altLang="en-US"/>
           </a:p>
@@ -9096,7 +9561,7 @@
           <a:p>
             <a:fld id="{11CF987C-FD17-4394-9A4F-BE2D66BE4DDF}" type="datetimeFigureOut">
               <a:rPr lang="ko-KR" altLang="en-US" smtClean="0"/>
-              <a:t>2021-07-15</a:t>
+              <a:t>2021/07/16</a:t>
             </a:fld>
             <a:endParaRPr lang="ko-KR" altLang="en-US"/>
           </a:p>
@@ -9335,7 +9800,7 @@
           <a:p>
             <a:fld id="{11CF987C-FD17-4394-9A4F-BE2D66BE4DDF}" type="datetimeFigureOut">
               <a:rPr lang="ko-KR" altLang="en-US" smtClean="0"/>
-              <a:t>2021-07-15</a:t>
+              <a:t>2021/07/16</a:t>
             </a:fld>
             <a:endParaRPr lang="ko-KR" altLang="en-US"/>
           </a:p>
@@ -9862,6 +10327,221 @@
           <a:bodyPr/>
           <a:lstStyle/>
           <a:p>
+            <a:endParaRPr lang="ko-KR" altLang="en-US"/>
+          </a:p>
+        </p:txBody>
+      </p:sp>
+      <p:pic>
+        <p:nvPicPr>
+          <p:cNvPr id="4" name="내용 개체 틀 3"/>
+          <p:cNvPicPr>
+            <a:picLocks noGrp="1" noChangeAspect="1"/>
+          </p:cNvPicPr>
+          <p:nvPr>
+            <p:ph idx="1"/>
+          </p:nvPr>
+        </p:nvPicPr>
+        <p:blipFill>
+          <a:blip r:embed="rId3"/>
+          <a:stretch>
+            <a:fillRect/>
+          </a:stretch>
+        </p:blipFill>
+        <p:spPr>
+          <a:xfrm>
+            <a:off x="0" y="1"/>
+            <a:ext cx="6790979" cy="4433103"/>
+          </a:xfrm>
+          <a:prstGeom prst="rect">
+            <a:avLst/>
+          </a:prstGeom>
+        </p:spPr>
+      </p:pic>
+      <p:pic>
+        <p:nvPicPr>
+          <p:cNvPr id="5" name="내용 개체 틀 3"/>
+          <p:cNvPicPr>
+            <a:picLocks noChangeAspect="1"/>
+          </p:cNvPicPr>
+          <p:nvPr/>
+        </p:nvPicPr>
+        <p:blipFill>
+          <a:blip r:embed="rId4"/>
+          <a:stretch>
+            <a:fillRect/>
+          </a:stretch>
+        </p:blipFill>
+        <p:spPr>
+          <a:xfrm>
+            <a:off x="0" y="4598041"/>
+            <a:ext cx="6678592" cy="2270565"/>
+          </a:xfrm>
+          <a:prstGeom prst="rect">
+            <a:avLst/>
+          </a:prstGeom>
+        </p:spPr>
+      </p:pic>
+    </p:spTree>
+    <p:extLst>
+      <p:ext uri="{BB962C8B-B14F-4D97-AF65-F5344CB8AC3E}">
+        <p14:creationId xmlns:p14="http://schemas.microsoft.com/office/powerpoint/2010/main" val="1214199807"/>
+      </p:ext>
+    </p:extLst>
+  </p:cSld>
+  <p:clrMapOvr>
+    <a:masterClrMapping/>
+  </p:clrMapOvr>
+</p:sld>
+</file>
+
+<file path=ppt/slides/slide11.xml><?xml version="1.0" encoding="utf-8"?>
+<p:sld xmlns:a="http://schemas.openxmlformats.org/drawingml/2006/main" xmlns:r="http://schemas.openxmlformats.org/officeDocument/2006/relationships" xmlns:p="http://schemas.openxmlformats.org/presentationml/2006/main">
+  <p:cSld>
+    <p:spTree>
+      <p:nvGrpSpPr>
+        <p:cNvPr id="1" name=""/>
+        <p:cNvGrpSpPr/>
+        <p:nvPr/>
+      </p:nvGrpSpPr>
+      <p:grpSpPr>
+        <a:xfrm>
+          <a:off x="0" y="0"/>
+          <a:ext cx="0" cy="0"/>
+          <a:chOff x="0" y="0"/>
+          <a:chExt cx="0" cy="0"/>
+        </a:xfrm>
+      </p:grpSpPr>
+      <p:sp>
+        <p:nvSpPr>
+          <p:cNvPr id="2" name="제목 1"/>
+          <p:cNvSpPr>
+            <a:spLocks noGrp="1"/>
+          </p:cNvSpPr>
+          <p:nvPr>
+            <p:ph type="title"/>
+          </p:nvPr>
+        </p:nvSpPr>
+        <p:spPr/>
+        <p:txBody>
+          <a:bodyPr/>
+          <a:lstStyle/>
+          <a:p>
+            <a:endParaRPr lang="ko-KR" altLang="en-US"/>
+          </a:p>
+        </p:txBody>
+      </p:sp>
+      <p:pic>
+        <p:nvPicPr>
+          <p:cNvPr id="5" name="그림 4"/>
+          <p:cNvPicPr>
+            <a:picLocks noChangeAspect="1"/>
+          </p:cNvPicPr>
+          <p:nvPr/>
+        </p:nvPicPr>
+        <p:blipFill>
+          <a:blip r:embed="rId3"/>
+          <a:stretch>
+            <a:fillRect/>
+          </a:stretch>
+        </p:blipFill>
+        <p:spPr>
+          <a:xfrm>
+            <a:off x="0" y="0"/>
+            <a:ext cx="8452669" cy="6857999"/>
+          </a:xfrm>
+          <a:prstGeom prst="rect">
+            <a:avLst/>
+          </a:prstGeom>
+        </p:spPr>
+      </p:pic>
+      <p:pic>
+        <p:nvPicPr>
+          <p:cNvPr id="6" name="그림 5"/>
+          <p:cNvPicPr>
+            <a:picLocks noChangeAspect="1"/>
+          </p:cNvPicPr>
+          <p:nvPr/>
+        </p:nvPicPr>
+        <p:blipFill>
+          <a:blip r:embed="rId4"/>
+          <a:stretch>
+            <a:fillRect/>
+          </a:stretch>
+        </p:blipFill>
+        <p:spPr>
+          <a:xfrm>
+            <a:off x="7876573" y="5400472"/>
+            <a:ext cx="4315427" cy="1457528"/>
+          </a:xfrm>
+          <a:prstGeom prst="rect">
+            <a:avLst/>
+          </a:prstGeom>
+        </p:spPr>
+      </p:pic>
+      <p:sp>
+        <p:nvSpPr>
+          <p:cNvPr id="7" name="내용 개체 틀 6"/>
+          <p:cNvSpPr>
+            <a:spLocks noGrp="1"/>
+          </p:cNvSpPr>
+          <p:nvPr>
+            <p:ph idx="1"/>
+          </p:nvPr>
+        </p:nvSpPr>
+        <p:spPr/>
+        <p:txBody>
+          <a:bodyPr/>
+          <a:lstStyle/>
+          <a:p>
+            <a:endParaRPr lang="ko-KR" altLang="en-US"/>
+          </a:p>
+        </p:txBody>
+      </p:sp>
+    </p:spTree>
+    <p:extLst>
+      <p:ext uri="{BB962C8B-B14F-4D97-AF65-F5344CB8AC3E}">
+        <p14:creationId xmlns:p14="http://schemas.microsoft.com/office/powerpoint/2010/main" val="490788038"/>
+      </p:ext>
+    </p:extLst>
+  </p:cSld>
+  <p:clrMapOvr>
+    <a:masterClrMapping/>
+  </p:clrMapOvr>
+</p:sld>
+</file>
+
+<file path=ppt/slides/slide12.xml><?xml version="1.0" encoding="utf-8"?>
+<p:sld xmlns:a="http://schemas.openxmlformats.org/drawingml/2006/main" xmlns:r="http://schemas.openxmlformats.org/officeDocument/2006/relationships" xmlns:p="http://schemas.openxmlformats.org/presentationml/2006/main">
+  <p:cSld>
+    <p:spTree>
+      <p:nvGrpSpPr>
+        <p:cNvPr id="1" name=""/>
+        <p:cNvGrpSpPr/>
+        <p:nvPr/>
+      </p:nvGrpSpPr>
+      <p:grpSpPr>
+        <a:xfrm>
+          <a:off x="0" y="0"/>
+          <a:ext cx="0" cy="0"/>
+          <a:chOff x="0" y="0"/>
+          <a:chExt cx="0" cy="0"/>
+        </a:xfrm>
+      </p:grpSpPr>
+      <p:sp>
+        <p:nvSpPr>
+          <p:cNvPr id="2" name="제목 1"/>
+          <p:cNvSpPr>
+            <a:spLocks noGrp="1"/>
+          </p:cNvSpPr>
+          <p:nvPr>
+            <p:ph type="title"/>
+          </p:nvPr>
+        </p:nvSpPr>
+        <p:spPr/>
+        <p:txBody>
+          <a:bodyPr/>
+          <a:lstStyle/>
+          <a:p>
             <a:r>
               <a:rPr lang="en-US" altLang="ko-KR" dirty="0" smtClean="0"/>
               <a:t>Comparison between two staging</a:t>
@@ -9934,7 +10614,7 @@
 </p:sld>
 </file>
 
-<file path=ppt/slides/slide11.xml><?xml version="1.0" encoding="utf-8"?>
+<file path=ppt/slides/slide13.xml><?xml version="1.0" encoding="utf-8"?>
 <p:sld xmlns:a="http://schemas.openxmlformats.org/drawingml/2006/main" xmlns:r="http://schemas.openxmlformats.org/officeDocument/2006/relationships" xmlns:p="http://schemas.openxmlformats.org/presentationml/2006/main">
   <p:cSld>
     <p:spTree>

--- a/SNUH 심포지엄-유일한.pptx
+++ b/SNUH 심포지엄-유일한.pptx
@@ -5,7 +5,7 @@
     <p:sldMasterId id="2147483660" r:id="rId1"/>
   </p:sldMasterIdLst>
   <p:notesMasterIdLst>
-    <p:notesMasterId r:id="rId15"/>
+    <p:notesMasterId r:id="rId16"/>
   </p:notesMasterIdLst>
   <p:sldIdLst>
     <p:sldId id="256" r:id="rId2"/>
@@ -20,7 +20,8 @@
     <p:sldId id="267" r:id="rId11"/>
     <p:sldId id="268" r:id="rId12"/>
     <p:sldId id="260" r:id="rId13"/>
-    <p:sldId id="261" r:id="rId14"/>
+    <p:sldId id="269" r:id="rId14"/>
+    <p:sldId id="261" r:id="rId15"/>
   </p:sldIdLst>
   <p:sldSz cx="12192000" cy="6858000"/>
   <p:notesSz cx="6858000" cy="9144000"/>
@@ -209,7 +210,7 @@
           <a:p>
             <a:fld id="{E8FBBB6A-BE53-4BF0-B17E-892FAA57C2D4}" type="datetimeFigureOut">
               <a:rPr lang="ko-KR" altLang="en-US" smtClean="0"/>
-              <a:t>2021/07/16</a:t>
+              <a:t>2021-07-22</a:t>
             </a:fld>
             <a:endParaRPr lang="ko-KR" altLang="en-US"/>
           </a:p>
@@ -919,6 +920,1650 @@
           <a:bodyPr/>
           <a:lstStyle/>
           <a:p>
+            <a:r>
+              <a:rPr lang="en-US" altLang="ko-KR" dirty="0" smtClean="0"/>
+              <a:t>Table</a:t>
+            </a:r>
+            <a:r>
+              <a:rPr lang="en-US" altLang="ko-KR" baseline="0" dirty="0" smtClean="0"/>
+              <a:t> 4</a:t>
+            </a:r>
+            <a:r>
+              <a:rPr lang="ko-KR" altLang="en-US" baseline="0" dirty="0" smtClean="0"/>
+              <a:t>는 사망 또는 마지막 </a:t>
+            </a:r>
+            <a:r>
+              <a:rPr lang="en-US" altLang="ko-KR" baseline="0" dirty="0" smtClean="0"/>
+              <a:t>f/u</a:t>
+            </a:r>
+            <a:r>
+              <a:rPr lang="ko-KR" altLang="en-US" baseline="0" dirty="0" smtClean="0"/>
+              <a:t>시의 상태까지의 기간을 예측하는 것을 기준으로 </a:t>
+            </a:r>
+            <a:r>
+              <a:rPr lang="en-US" altLang="ko-KR" baseline="0" dirty="0" smtClean="0"/>
+              <a:t>stage</a:t>
+            </a:r>
+            <a:r>
+              <a:rPr lang="ko-KR" altLang="en-US" baseline="0" dirty="0" smtClean="0"/>
+              <a:t>간의 변별력</a:t>
+            </a:r>
+            <a:r>
+              <a:rPr lang="en-US" altLang="ko-KR" baseline="0" dirty="0" smtClean="0"/>
+              <a:t>, stage</a:t>
+            </a:r>
+            <a:r>
+              <a:rPr lang="ko-KR" altLang="en-US" baseline="0" dirty="0" smtClean="0"/>
+              <a:t>내의 </a:t>
+            </a:r>
+            <a:r>
+              <a:rPr lang="ko-KR" altLang="en-US" baseline="0" dirty="0" err="1" smtClean="0"/>
+              <a:t>균일성을</a:t>
+            </a:r>
+            <a:r>
+              <a:rPr lang="ko-KR" altLang="en-US" baseline="0" dirty="0" smtClean="0"/>
+              <a:t> 본 결과인데 </a:t>
+            </a:r>
+            <a:r>
+              <a:rPr lang="en-US" altLang="ko-KR" baseline="0" dirty="0" smtClean="0"/>
+              <a:t>King’s system</a:t>
+            </a:r>
+            <a:r>
+              <a:rPr lang="ko-KR" altLang="en-US" baseline="0" dirty="0" smtClean="0"/>
+              <a:t>이 더 높은 변별력과 </a:t>
+            </a:r>
+            <a:r>
+              <a:rPr lang="ko-KR" altLang="en-US" baseline="0" dirty="0" err="1" smtClean="0"/>
+              <a:t>균일성을</a:t>
+            </a:r>
+            <a:r>
+              <a:rPr lang="ko-KR" altLang="en-US" baseline="0" dirty="0" smtClean="0"/>
+              <a:t> 보였습니다</a:t>
+            </a:r>
+            <a:r>
+              <a:rPr lang="en-US" altLang="ko-KR" baseline="0" dirty="0" smtClean="0"/>
+              <a:t>. </a:t>
+            </a:r>
+          </a:p>
+          <a:p>
+            <a:endParaRPr lang="en-US" altLang="ko-KR" dirty="0" smtClean="0"/>
+          </a:p>
+          <a:p>
+            <a:pPr marL="0" marR="0" indent="0" algn="l" defTabSz="914400" rtl="0" eaLnBrk="1" fontAlgn="auto" latinLnBrk="1" hangingPunct="1">
+              <a:lnSpc>
+                <a:spcPct val="100000"/>
+              </a:lnSpc>
+              <a:spcBef>
+                <a:spcPts val="0"/>
+              </a:spcBef>
+              <a:spcAft>
+                <a:spcPts val="0"/>
+              </a:spcAft>
+              <a:buClrTx/>
+              <a:buSzTx/>
+              <a:buFontTx/>
+              <a:buNone/>
+              <a:tabLst/>
+              <a:defRPr/>
+            </a:pPr>
+            <a:r>
+              <a:rPr lang="ko-KR" altLang="en-US" dirty="0" smtClean="0"/>
+              <a:t>종합적으로 보면 </a:t>
+            </a:r>
+            <a:r>
+              <a:rPr lang="en-US" altLang="ko-KR" dirty="0" smtClean="0"/>
+              <a:t>King’s system</a:t>
+            </a:r>
+            <a:r>
+              <a:rPr lang="ko-KR" altLang="en-US" dirty="0" smtClean="0"/>
+              <a:t>은 </a:t>
+            </a:r>
+            <a:r>
+              <a:rPr lang="en-US" altLang="ko-KR" dirty="0" smtClean="0"/>
+              <a:t>onset</a:t>
+            </a:r>
+            <a:r>
+              <a:rPr lang="ko-KR" altLang="en-US" dirty="0" smtClean="0"/>
+              <a:t>부터 </a:t>
+            </a:r>
+            <a:r>
+              <a:rPr lang="en-US" altLang="ko-KR" dirty="0" smtClean="0"/>
+              <a:t>2</a:t>
+            </a:r>
+            <a:r>
+              <a:rPr lang="ko-KR" altLang="en-US" dirty="0" smtClean="0"/>
+              <a:t>번째 분절</a:t>
+            </a:r>
+            <a:r>
+              <a:rPr lang="en-US" altLang="ko-KR" dirty="0" smtClean="0"/>
+              <a:t>, 3</a:t>
+            </a:r>
+            <a:r>
+              <a:rPr lang="ko-KR" altLang="en-US" dirty="0" smtClean="0"/>
+              <a:t>번째 분절에 위약이 발생하는</a:t>
+            </a:r>
+            <a:r>
+              <a:rPr lang="ko-KR" altLang="en-US" baseline="0" dirty="0" smtClean="0"/>
+              <a:t> 시점</a:t>
+            </a:r>
+            <a:r>
+              <a:rPr lang="en-US" altLang="ko-KR" baseline="0" dirty="0" smtClean="0"/>
+              <a:t>, </a:t>
+            </a:r>
+            <a:r>
+              <a:rPr lang="ko-KR" altLang="en-US" baseline="0" dirty="0" err="1" smtClean="0"/>
+              <a:t>위루술</a:t>
+            </a:r>
+            <a:r>
+              <a:rPr lang="ko-KR" altLang="en-US" baseline="0" dirty="0" smtClean="0"/>
+              <a:t> 또는 호흡보조장치의 사용이 필요한 시점까지를 </a:t>
+            </a:r>
+            <a:r>
+              <a:rPr lang="en-US" altLang="ko-KR" baseline="0" dirty="0" smtClean="0"/>
+              <a:t>standardized median time</a:t>
+            </a:r>
+            <a:r>
+              <a:rPr lang="ko-KR" altLang="en-US" baseline="0" dirty="0" smtClean="0"/>
+              <a:t>으로 </a:t>
+            </a:r>
+            <a:r>
+              <a:rPr lang="ko-KR" altLang="en-US" baseline="0" dirty="0" err="1" smtClean="0"/>
+              <a:t>봤을때</a:t>
+            </a:r>
+            <a:r>
+              <a:rPr lang="ko-KR" altLang="en-US" baseline="0" dirty="0" smtClean="0"/>
+              <a:t> 각각 </a:t>
+            </a:r>
+            <a:r>
+              <a:rPr lang="en-US" altLang="ko-KR" baseline="0" dirty="0" smtClean="0"/>
+              <a:t>40,60,80%</a:t>
+            </a:r>
+            <a:r>
+              <a:rPr lang="ko-KR" altLang="en-US" baseline="0" dirty="0" smtClean="0"/>
+              <a:t>로 </a:t>
+            </a:r>
+            <a:r>
+              <a:rPr lang="ko-KR" altLang="en-US" baseline="0" dirty="0" err="1" smtClean="0"/>
+              <a:t>균일했습니다</a:t>
+            </a:r>
+            <a:r>
+              <a:rPr lang="en-US" altLang="ko-KR" baseline="0" dirty="0" smtClean="0"/>
+              <a:t>. </a:t>
+            </a:r>
+            <a:r>
+              <a:rPr lang="ko-KR" altLang="en-US" baseline="0" dirty="0" smtClean="0"/>
+              <a:t>이 결과는 </a:t>
+            </a:r>
+            <a:r>
+              <a:rPr lang="en-US" altLang="ko-KR" baseline="0" dirty="0" smtClean="0"/>
+              <a:t>King’s system</a:t>
+            </a:r>
+            <a:r>
+              <a:rPr lang="ko-KR" altLang="en-US" baseline="0" dirty="0" smtClean="0"/>
+              <a:t>을 발표한 저자들과 동일하게 </a:t>
+            </a:r>
+            <a:r>
+              <a:rPr lang="en-US" altLang="ko-KR" baseline="0" dirty="0" smtClean="0"/>
+              <a:t>dementia</a:t>
+            </a:r>
+            <a:r>
+              <a:rPr lang="ko-KR" altLang="en-US" baseline="0" dirty="0" smtClean="0"/>
+              <a:t>환자를 제외했을 때의 결과이고 </a:t>
+            </a:r>
+            <a:r>
+              <a:rPr lang="en-US" altLang="ko-KR" baseline="0" dirty="0" smtClean="0"/>
+              <a:t>clinical milestone</a:t>
+            </a:r>
+            <a:r>
+              <a:rPr lang="ko-KR" altLang="en-US" baseline="0" dirty="0" smtClean="0"/>
+              <a:t>이 </a:t>
+            </a:r>
+            <a:r>
+              <a:rPr lang="en-US" altLang="ko-KR" baseline="0" dirty="0" smtClean="0"/>
+              <a:t>42,58,81 and 73%</a:t>
+            </a:r>
+            <a:r>
+              <a:rPr lang="ko-KR" altLang="en-US" baseline="0" dirty="0" smtClean="0"/>
+              <a:t>로 비슷한 결과를 보였습니다</a:t>
+            </a:r>
+            <a:r>
+              <a:rPr lang="en-US" altLang="ko-KR" baseline="0" dirty="0" smtClean="0"/>
+              <a:t>. Dementia</a:t>
+            </a:r>
+            <a:r>
+              <a:rPr lang="ko-KR" altLang="en-US" baseline="0" dirty="0" smtClean="0"/>
+              <a:t>환자를 제외하지 않은 경우에는 </a:t>
+            </a:r>
+            <a:r>
+              <a:rPr lang="en-US" altLang="ko-KR" baseline="0" dirty="0" smtClean="0"/>
+              <a:t>3</a:t>
+            </a:r>
+            <a:r>
+              <a:rPr lang="ko-KR" altLang="en-US" baseline="0" dirty="0" smtClean="0"/>
+              <a:t>번째 분절에 위약이 발생하는 시점이 </a:t>
+            </a:r>
+            <a:r>
+              <a:rPr lang="en-US" altLang="ko-KR" baseline="0" dirty="0" smtClean="0"/>
+              <a:t>50%</a:t>
+            </a:r>
+            <a:r>
+              <a:rPr lang="ko-KR" altLang="en-US" baseline="0" dirty="0" smtClean="0"/>
+              <a:t>로 </a:t>
+            </a:r>
+            <a:r>
+              <a:rPr lang="en-US" altLang="ko-KR" baseline="0" dirty="0" smtClean="0"/>
+              <a:t>60%</a:t>
+            </a:r>
+            <a:r>
+              <a:rPr lang="ko-KR" altLang="en-US" baseline="0" dirty="0" smtClean="0"/>
+              <a:t>보다는 단축되는 결과를 보였습니다</a:t>
+            </a:r>
+            <a:r>
+              <a:rPr lang="en-US" altLang="ko-KR" baseline="0" dirty="0" smtClean="0"/>
+              <a:t>. </a:t>
+            </a:r>
+            <a:r>
+              <a:rPr lang="en-US" altLang="ko-KR" baseline="0" dirty="0" err="1" smtClean="0"/>
+              <a:t>MiToS</a:t>
+            </a:r>
+            <a:r>
+              <a:rPr lang="ko-KR" altLang="en-US" baseline="0" dirty="0" smtClean="0"/>
+              <a:t>의 경우에는 </a:t>
+            </a:r>
+            <a:r>
+              <a:rPr lang="en-US" altLang="ko-KR" baseline="0" dirty="0" smtClean="0"/>
+              <a:t>stage 0</a:t>
+            </a:r>
+            <a:r>
+              <a:rPr lang="ko-KR" altLang="en-US" baseline="0" dirty="0" smtClean="0"/>
+              <a:t>부터 </a:t>
+            </a:r>
+            <a:r>
+              <a:rPr lang="en-US" altLang="ko-KR" baseline="0" dirty="0" smtClean="0"/>
+              <a:t>4</a:t>
+            </a:r>
+            <a:r>
+              <a:rPr lang="ko-KR" altLang="en-US" baseline="0" dirty="0" smtClean="0"/>
+              <a:t>까지의 </a:t>
+            </a:r>
+            <a:r>
+              <a:rPr lang="en-US" altLang="ko-KR" baseline="0" dirty="0" smtClean="0"/>
+              <a:t>standardized median time</a:t>
+            </a:r>
+            <a:r>
+              <a:rPr lang="ko-KR" altLang="en-US" baseline="0" dirty="0" smtClean="0"/>
+              <a:t>으로 보면 </a:t>
+            </a:r>
+            <a:r>
+              <a:rPr lang="en-US" altLang="ko-KR" baseline="0" dirty="0" smtClean="0"/>
+              <a:t>35,67,79,100,104%</a:t>
+            </a:r>
+            <a:r>
+              <a:rPr lang="ko-KR" altLang="en-US" baseline="0" dirty="0" smtClean="0"/>
+              <a:t>로</a:t>
+            </a:r>
+            <a:r>
+              <a:rPr lang="en-US" altLang="ko-KR" baseline="0" dirty="0" smtClean="0"/>
+              <a:t> </a:t>
+            </a:r>
+            <a:r>
+              <a:rPr lang="ko-KR" altLang="en-US" baseline="0" dirty="0" smtClean="0"/>
+              <a:t>나왔습니다</a:t>
+            </a:r>
+            <a:r>
+              <a:rPr lang="en-US" altLang="ko-KR" baseline="0" dirty="0" smtClean="0"/>
+              <a:t>. </a:t>
+            </a:r>
+          </a:p>
+          <a:p>
+            <a:pPr marL="0" marR="0" indent="0" algn="l" defTabSz="914400" rtl="0" eaLnBrk="1" fontAlgn="auto" latinLnBrk="1" hangingPunct="1">
+              <a:lnSpc>
+                <a:spcPct val="100000"/>
+              </a:lnSpc>
+              <a:spcBef>
+                <a:spcPts val="0"/>
+              </a:spcBef>
+              <a:spcAft>
+                <a:spcPts val="0"/>
+              </a:spcAft>
+              <a:buClrTx/>
+              <a:buSzTx/>
+              <a:buFontTx/>
+              <a:buNone/>
+              <a:tabLst/>
+              <a:defRPr/>
+            </a:pPr>
+            <a:endParaRPr lang="en-US" altLang="ko-KR" baseline="0" dirty="0" smtClean="0"/>
+          </a:p>
+          <a:p>
+            <a:r>
+              <a:rPr lang="ko-KR" altLang="en-US" dirty="0" smtClean="0"/>
+              <a:t>전반적으로 보면 </a:t>
+            </a:r>
+            <a:r>
+              <a:rPr lang="en-US" altLang="ko-KR" dirty="0" smtClean="0"/>
+              <a:t>King</a:t>
+            </a:r>
+            <a:r>
+              <a:rPr lang="ko-KR" altLang="en-US" dirty="0" smtClean="0"/>
+              <a:t>이 전체 </a:t>
+            </a:r>
+            <a:r>
+              <a:rPr lang="en-US" altLang="ko-KR" dirty="0" smtClean="0"/>
+              <a:t>disease</a:t>
+            </a:r>
+            <a:r>
+              <a:rPr lang="en-US" altLang="ko-KR" baseline="0" dirty="0" smtClean="0"/>
+              <a:t> course</a:t>
+            </a:r>
+            <a:r>
+              <a:rPr lang="ko-KR" altLang="en-US" baseline="0" dirty="0" smtClean="0"/>
+              <a:t>에 고르게 분포하고 </a:t>
+            </a:r>
+            <a:r>
+              <a:rPr lang="en-US" altLang="ko-KR" baseline="0" dirty="0" err="1" smtClean="0"/>
+              <a:t>MiToS</a:t>
+            </a:r>
+            <a:r>
+              <a:rPr lang="ko-KR" altLang="en-US" baseline="0" dirty="0" smtClean="0"/>
+              <a:t>는 후기 </a:t>
+            </a:r>
+            <a:r>
+              <a:rPr lang="en-US" altLang="ko-KR" baseline="0" dirty="0" smtClean="0"/>
+              <a:t>stage</a:t>
+            </a:r>
+            <a:r>
+              <a:rPr lang="ko-KR" altLang="en-US" baseline="0" dirty="0" smtClean="0"/>
+              <a:t>에 치우치는 결과를 보였고 </a:t>
+            </a:r>
+            <a:r>
+              <a:rPr lang="en-US" altLang="ko-KR" baseline="0" dirty="0" smtClean="0"/>
+              <a:t>stage 3</a:t>
+            </a:r>
+            <a:r>
+              <a:rPr lang="ko-KR" altLang="en-US" baseline="0" dirty="0" smtClean="0"/>
+              <a:t>와 </a:t>
+            </a:r>
+            <a:r>
+              <a:rPr lang="en-US" altLang="ko-KR" baseline="0" dirty="0" smtClean="0"/>
+              <a:t>4</a:t>
+            </a:r>
+            <a:r>
+              <a:rPr lang="ko-KR" altLang="en-US" baseline="0" dirty="0" smtClean="0"/>
+              <a:t>가 조금 더 길게 나왔습니다</a:t>
+            </a:r>
+            <a:r>
+              <a:rPr lang="en-US" altLang="ko-KR" baseline="0" dirty="0" smtClean="0"/>
+              <a:t>. </a:t>
+            </a:r>
+            <a:r>
+              <a:rPr lang="ko-KR" altLang="en-US" baseline="0" dirty="0" smtClean="0"/>
+              <a:t>저자들은 </a:t>
+            </a:r>
+            <a:r>
+              <a:rPr lang="en-US" altLang="ko-KR" baseline="0" dirty="0" err="1" smtClean="0"/>
+              <a:t>MiToS</a:t>
+            </a:r>
+            <a:r>
+              <a:rPr lang="ko-KR" altLang="en-US" baseline="0" dirty="0" smtClean="0"/>
+              <a:t>는 각 </a:t>
+            </a:r>
+            <a:r>
+              <a:rPr lang="en-US" altLang="ko-KR" baseline="0" dirty="0" smtClean="0"/>
+              <a:t>stage</a:t>
+            </a:r>
+            <a:r>
+              <a:rPr lang="ko-KR" altLang="en-US" baseline="0" dirty="0" smtClean="0"/>
+              <a:t>에 도달하는 것을 기능을 완전히 소실하는 것을 기준으로 하기 때문에 </a:t>
+            </a:r>
+            <a:r>
+              <a:rPr lang="en-US" altLang="ko-KR" baseline="0" dirty="0" smtClean="0"/>
+              <a:t>1,2</a:t>
+            </a:r>
+            <a:r>
+              <a:rPr lang="ko-KR" altLang="en-US" baseline="0" dirty="0" smtClean="0"/>
+              <a:t>개 기능의 소실에 반해 그 이후의 </a:t>
+            </a:r>
+            <a:r>
+              <a:rPr lang="ko-KR" altLang="en-US" baseline="0" dirty="0" err="1" smtClean="0"/>
+              <a:t>기능소실</a:t>
+            </a:r>
+            <a:r>
+              <a:rPr lang="ko-KR" altLang="en-US" baseline="0" dirty="0" smtClean="0"/>
+              <a:t> 시점에는 이미 질병이 많이 진행했을 수 있기때문에 후기로 치우칠 가능성이 </a:t>
+            </a:r>
+            <a:r>
+              <a:rPr lang="ko-KR" altLang="en-US" baseline="0" dirty="0" err="1" smtClean="0"/>
+              <a:t>있을것으로</a:t>
+            </a:r>
+            <a:r>
+              <a:rPr lang="ko-KR" altLang="en-US" baseline="0" dirty="0" smtClean="0"/>
+              <a:t> 보았습니다</a:t>
+            </a:r>
+            <a:r>
+              <a:rPr lang="en-US" altLang="ko-KR" baseline="0" dirty="0" smtClean="0"/>
+              <a:t>. </a:t>
+            </a:r>
+          </a:p>
+          <a:p>
+            <a:endParaRPr lang="en-US" altLang="ko-KR" baseline="0" dirty="0" smtClean="0"/>
+          </a:p>
+          <a:p>
+            <a:r>
+              <a:rPr lang="en-US" altLang="ko-KR" baseline="0" dirty="0" smtClean="0"/>
+              <a:t>King’s system</a:t>
+            </a:r>
+            <a:r>
+              <a:rPr lang="ko-KR" altLang="en-US" baseline="0" dirty="0" smtClean="0"/>
+              <a:t>에서는 각 </a:t>
+            </a:r>
+            <a:r>
+              <a:rPr lang="en-US" altLang="ko-KR" baseline="0" dirty="0" smtClean="0"/>
+              <a:t>stage</a:t>
+            </a:r>
+            <a:r>
+              <a:rPr lang="ko-KR" altLang="en-US" baseline="0" dirty="0" smtClean="0"/>
+              <a:t>에 있는 </a:t>
+            </a:r>
+            <a:r>
+              <a:rPr lang="en-US" altLang="ko-KR" baseline="0" dirty="0" smtClean="0"/>
+              <a:t>median time</a:t>
+            </a:r>
+            <a:r>
+              <a:rPr lang="ko-KR" altLang="en-US" baseline="0" dirty="0" smtClean="0"/>
+              <a:t>이 </a:t>
+            </a:r>
+            <a:r>
+              <a:rPr lang="en-US" altLang="ko-KR" baseline="0" dirty="0" smtClean="0"/>
+              <a:t>2</a:t>
+            </a:r>
+            <a:r>
+              <a:rPr lang="ko-KR" altLang="en-US" baseline="0" dirty="0" smtClean="0"/>
+              <a:t>달에서 </a:t>
+            </a:r>
+            <a:r>
+              <a:rPr lang="en-US" altLang="ko-KR" baseline="0" dirty="0" smtClean="0"/>
+              <a:t>8</a:t>
+            </a:r>
+            <a:r>
+              <a:rPr lang="ko-KR" altLang="en-US" baseline="0" dirty="0" smtClean="0"/>
+              <a:t>달로 나왔고 이결과는 </a:t>
+            </a:r>
+            <a:r>
+              <a:rPr lang="en-US" altLang="ko-KR" baseline="0" dirty="0" err="1" smtClean="0"/>
+              <a:t>balendra</a:t>
+            </a:r>
+            <a:r>
+              <a:rPr lang="ko-KR" altLang="en-US" baseline="0" dirty="0" smtClean="0"/>
+              <a:t>가 </a:t>
+            </a:r>
+            <a:r>
+              <a:rPr lang="en-US" altLang="ko-KR" baseline="0" dirty="0" smtClean="0"/>
+              <a:t>3</a:t>
+            </a:r>
+            <a:r>
+              <a:rPr lang="ko-KR" altLang="en-US" baseline="0" dirty="0" smtClean="0"/>
+              <a:t>개의 </a:t>
+            </a:r>
+            <a:r>
+              <a:rPr lang="en-US" altLang="ko-KR" baseline="0" dirty="0" smtClean="0"/>
+              <a:t>clinical trial</a:t>
+            </a:r>
+            <a:r>
+              <a:rPr lang="ko-KR" altLang="en-US" baseline="0" dirty="0" smtClean="0"/>
+              <a:t>로부터 얻은 데이터를 가지고 분석해서 </a:t>
+            </a:r>
+            <a:r>
+              <a:rPr lang="en-US" altLang="ko-KR" baseline="0" dirty="0" smtClean="0"/>
+              <a:t>2015</a:t>
+            </a:r>
+            <a:r>
+              <a:rPr lang="ko-KR" altLang="en-US" baseline="0" dirty="0" smtClean="0"/>
+              <a:t>년에 </a:t>
+            </a:r>
+            <a:r>
+              <a:rPr lang="en-US" altLang="ko-KR" baseline="0" dirty="0" smtClean="0"/>
+              <a:t>JNNP</a:t>
+            </a:r>
+            <a:r>
+              <a:rPr lang="ko-KR" altLang="en-US" baseline="0" dirty="0" smtClean="0"/>
+              <a:t>에 발표한 결과에서 </a:t>
+            </a:r>
+            <a:r>
+              <a:rPr lang="en-US" altLang="ko-KR" baseline="0" dirty="0" smtClean="0"/>
+              <a:t>3</a:t>
+            </a:r>
+            <a:r>
+              <a:rPr lang="ko-KR" altLang="en-US" baseline="0" dirty="0" smtClean="0"/>
+              <a:t>달에서 </a:t>
+            </a:r>
+            <a:r>
+              <a:rPr lang="en-US" altLang="ko-KR" baseline="0" dirty="0" smtClean="0"/>
+              <a:t>7</a:t>
+            </a:r>
+            <a:r>
+              <a:rPr lang="ko-KR" altLang="en-US" baseline="0" dirty="0" smtClean="0"/>
+              <a:t>달로 </a:t>
+            </a:r>
+            <a:r>
+              <a:rPr lang="ko-KR" altLang="en-US" baseline="0" dirty="0" err="1" smtClean="0"/>
+              <a:t>나온것과</a:t>
+            </a:r>
+            <a:r>
+              <a:rPr lang="ko-KR" altLang="en-US" baseline="0" dirty="0" smtClean="0"/>
+              <a:t> 유사했습니다</a:t>
+            </a:r>
+            <a:r>
+              <a:rPr lang="en-US" altLang="ko-KR" baseline="0" dirty="0" smtClean="0"/>
+              <a:t>. </a:t>
+            </a:r>
+            <a:r>
+              <a:rPr lang="en-US" altLang="ko-KR" baseline="0" dirty="0" err="1" smtClean="0"/>
+              <a:t>MiToS</a:t>
+            </a:r>
+            <a:r>
+              <a:rPr lang="ko-KR" altLang="en-US" baseline="0" dirty="0" smtClean="0"/>
+              <a:t>는 </a:t>
+            </a:r>
+            <a:r>
+              <a:rPr lang="en-US" altLang="ko-KR" baseline="0" dirty="0" smtClean="0"/>
+              <a:t>stage 0</a:t>
+            </a:r>
+            <a:r>
+              <a:rPr lang="ko-KR" altLang="en-US" baseline="0" dirty="0" smtClean="0"/>
+              <a:t>부터 </a:t>
+            </a:r>
+            <a:r>
+              <a:rPr lang="en-US" altLang="ko-KR" baseline="0" dirty="0" smtClean="0"/>
+              <a:t>2</a:t>
+            </a:r>
+            <a:r>
+              <a:rPr lang="ko-KR" altLang="en-US" baseline="0" dirty="0" smtClean="0"/>
+              <a:t>까지는 </a:t>
+            </a:r>
+            <a:r>
+              <a:rPr lang="en-US" altLang="ko-KR" baseline="0" dirty="0" smtClean="0"/>
+              <a:t>3</a:t>
+            </a:r>
+            <a:r>
+              <a:rPr lang="ko-KR" altLang="en-US" baseline="0" dirty="0" smtClean="0"/>
+              <a:t>달에서 </a:t>
+            </a:r>
+            <a:r>
+              <a:rPr lang="en-US" altLang="ko-KR" baseline="0" dirty="0" smtClean="0"/>
+              <a:t>9</a:t>
+            </a:r>
+            <a:r>
+              <a:rPr lang="ko-KR" altLang="en-US" baseline="0" dirty="0" smtClean="0"/>
+              <a:t>달이었지만 </a:t>
+            </a:r>
+            <a:r>
+              <a:rPr lang="en-US" altLang="ko-KR" baseline="0" dirty="0" smtClean="0"/>
+              <a:t>stage 3</a:t>
+            </a:r>
+            <a:r>
+              <a:rPr lang="ko-KR" altLang="en-US" baseline="0" dirty="0" smtClean="0"/>
+              <a:t>부터 </a:t>
+            </a:r>
+            <a:r>
+              <a:rPr lang="en-US" altLang="ko-KR" baseline="0" dirty="0" smtClean="0"/>
+              <a:t>5</a:t>
+            </a:r>
+            <a:r>
+              <a:rPr lang="ko-KR" altLang="en-US" baseline="0" dirty="0" smtClean="0"/>
+              <a:t>까지는 </a:t>
+            </a:r>
+            <a:r>
+              <a:rPr lang="en-US" altLang="ko-KR" baseline="0" dirty="0" smtClean="0"/>
+              <a:t>overlap</a:t>
+            </a:r>
+            <a:r>
+              <a:rPr lang="ko-KR" altLang="en-US" baseline="0" dirty="0" smtClean="0"/>
+              <a:t>이 되는 결과를 보였습니다</a:t>
+            </a:r>
+            <a:r>
+              <a:rPr lang="en-US" altLang="ko-KR" baseline="0" dirty="0" smtClean="0"/>
+              <a:t>. </a:t>
+            </a:r>
+          </a:p>
+          <a:p>
+            <a:r>
+              <a:rPr lang="en-US" altLang="ko-KR" baseline="0" dirty="0" smtClean="0"/>
+              <a:t>Subgroup analysis</a:t>
+            </a:r>
+            <a:r>
+              <a:rPr lang="ko-KR" altLang="en-US" baseline="0" dirty="0" smtClean="0"/>
+              <a:t>를 </a:t>
+            </a:r>
+            <a:r>
+              <a:rPr lang="ko-KR" altLang="en-US" baseline="0" dirty="0" err="1" smtClean="0"/>
+              <a:t>했을때에는</a:t>
+            </a:r>
+            <a:r>
+              <a:rPr lang="ko-KR" altLang="en-US" baseline="0" dirty="0" smtClean="0"/>
+              <a:t> 세번째 분절에 위약이 생기는 시점을 보면 두 </a:t>
+            </a:r>
+            <a:r>
+              <a:rPr lang="en-US" altLang="ko-KR" baseline="0" dirty="0" smtClean="0"/>
+              <a:t>stage</a:t>
+            </a:r>
+            <a:r>
+              <a:rPr lang="ko-KR" altLang="en-US" baseline="0" dirty="0" smtClean="0"/>
+              <a:t>모두에서 </a:t>
+            </a:r>
+            <a:r>
+              <a:rPr lang="en-US" altLang="ko-KR" baseline="0" dirty="0" smtClean="0"/>
+              <a:t>bulbar onset</a:t>
+            </a:r>
+            <a:r>
+              <a:rPr lang="ko-KR" altLang="en-US" baseline="0" dirty="0" smtClean="0"/>
+              <a:t>이 </a:t>
+            </a:r>
+            <a:r>
+              <a:rPr lang="ko-KR" altLang="en-US" baseline="0" dirty="0" err="1" smtClean="0"/>
+              <a:t>조금더</a:t>
+            </a:r>
+            <a:r>
+              <a:rPr lang="ko-KR" altLang="en-US" baseline="0" dirty="0" smtClean="0"/>
+              <a:t> 빨리 도달해서 </a:t>
+            </a:r>
+            <a:r>
+              <a:rPr lang="en-US" altLang="ko-KR" baseline="0" dirty="0" smtClean="0"/>
+              <a:t>bulbar onset</a:t>
+            </a:r>
+            <a:r>
+              <a:rPr lang="ko-KR" altLang="en-US" baseline="0" dirty="0" smtClean="0"/>
+              <a:t>이 더 안좋은 예후를 보인다고 널리 </a:t>
+            </a:r>
+            <a:r>
+              <a:rPr lang="ko-KR" altLang="en-US" baseline="0" dirty="0" err="1" smtClean="0"/>
+              <a:t>알려진것과</a:t>
+            </a:r>
+            <a:r>
+              <a:rPr lang="ko-KR" altLang="en-US" baseline="0" dirty="0" smtClean="0"/>
+              <a:t> 일치하는 결과를 보였다고 볼 수 있습니다</a:t>
+            </a:r>
+            <a:r>
+              <a:rPr lang="en-US" altLang="ko-KR" baseline="0" dirty="0" smtClean="0"/>
+              <a:t>. </a:t>
+            </a:r>
+          </a:p>
+          <a:p>
+            <a:endParaRPr lang="en-US" altLang="ko-KR" baseline="0" dirty="0" smtClean="0"/>
+          </a:p>
+          <a:p>
+            <a:pPr marL="0" marR="0" indent="0" algn="l" defTabSz="914400" rtl="0" eaLnBrk="1" fontAlgn="auto" latinLnBrk="1" hangingPunct="1">
+              <a:lnSpc>
+                <a:spcPct val="100000"/>
+              </a:lnSpc>
+              <a:spcBef>
+                <a:spcPts val="0"/>
+              </a:spcBef>
+              <a:spcAft>
+                <a:spcPts val="0"/>
+              </a:spcAft>
+              <a:buClrTx/>
+              <a:buSzTx/>
+              <a:buFontTx/>
+              <a:buNone/>
+              <a:tabLst/>
+              <a:defRPr/>
+            </a:pPr>
+            <a:r>
+              <a:rPr lang="en-US" altLang="ko-KR" dirty="0" smtClean="0"/>
+              <a:t>Survival</a:t>
+            </a:r>
+            <a:r>
+              <a:rPr lang="en-US" altLang="ko-KR" baseline="0" dirty="0" smtClean="0"/>
+              <a:t> curve</a:t>
+            </a:r>
+            <a:r>
+              <a:rPr lang="ko-KR" altLang="en-US" baseline="0" dirty="0" smtClean="0"/>
+              <a:t>를 가지고 보면 </a:t>
+            </a:r>
+            <a:r>
+              <a:rPr lang="en-US" altLang="ko-KR" baseline="0" dirty="0" smtClean="0"/>
+              <a:t>King’s system</a:t>
+            </a:r>
+            <a:r>
+              <a:rPr lang="ko-KR" altLang="en-US" baseline="0" dirty="0" smtClean="0"/>
+              <a:t>은 </a:t>
+            </a:r>
+            <a:r>
+              <a:rPr lang="en-US" altLang="ko-KR" baseline="0" dirty="0" smtClean="0"/>
+              <a:t>stage</a:t>
+            </a:r>
+            <a:r>
+              <a:rPr lang="ko-KR" altLang="en-US" baseline="0" dirty="0" smtClean="0"/>
+              <a:t>가 증가함에 따라 통계적으로 유의하게 생존기간이 줄어드는 결과를 보였고 </a:t>
+            </a:r>
+            <a:r>
+              <a:rPr lang="en-US" altLang="ko-KR" baseline="0" dirty="0" err="1" smtClean="0"/>
+              <a:t>MiToS</a:t>
+            </a:r>
+            <a:r>
+              <a:rPr lang="ko-KR" altLang="en-US" baseline="0" dirty="0" smtClean="0"/>
+              <a:t>는 </a:t>
+            </a:r>
+            <a:r>
+              <a:rPr lang="en-US" altLang="ko-KR" baseline="0" dirty="0" smtClean="0"/>
+              <a:t>stage 2</a:t>
+            </a:r>
+            <a:r>
+              <a:rPr lang="ko-KR" altLang="en-US" baseline="0" dirty="0" smtClean="0"/>
+              <a:t>가 </a:t>
+            </a:r>
+            <a:r>
+              <a:rPr lang="en-US" altLang="ko-KR" baseline="0" dirty="0" smtClean="0"/>
+              <a:t>3</a:t>
+            </a:r>
+            <a:r>
+              <a:rPr lang="ko-KR" altLang="en-US" baseline="0" dirty="0" smtClean="0"/>
+              <a:t>와 통계적으로 유의한 차이를 보이지 않았고 오히려 더 일찍 사망하는 결과를 보이기도 했습니다</a:t>
+            </a:r>
+            <a:r>
+              <a:rPr lang="en-US" altLang="ko-KR" baseline="0" dirty="0" smtClean="0"/>
+              <a:t>. QOLALS study</a:t>
+            </a:r>
+            <a:r>
+              <a:rPr lang="ko-KR" altLang="en-US" baseline="0" dirty="0" smtClean="0"/>
+              <a:t>를 가지고 </a:t>
+            </a:r>
+            <a:r>
+              <a:rPr lang="en-US" altLang="ko-KR" baseline="0" dirty="0" smtClean="0"/>
+              <a:t>Stage2</a:t>
+            </a:r>
+            <a:r>
+              <a:rPr lang="ko-KR" altLang="en-US" baseline="0" dirty="0" smtClean="0"/>
+              <a:t>와 </a:t>
+            </a:r>
+            <a:r>
+              <a:rPr lang="en-US" altLang="ko-KR" baseline="0" dirty="0" smtClean="0"/>
+              <a:t>stage 3</a:t>
+            </a:r>
+            <a:r>
+              <a:rPr lang="ko-KR" altLang="en-US" baseline="0" dirty="0" smtClean="0"/>
+              <a:t>가 </a:t>
+            </a:r>
+            <a:r>
+              <a:rPr lang="en-US" altLang="ko-KR" baseline="0" dirty="0" smtClean="0"/>
+              <a:t>1</a:t>
+            </a:r>
+            <a:r>
+              <a:rPr lang="ko-KR" altLang="en-US" baseline="0" dirty="0" smtClean="0"/>
+              <a:t>년째에 사망으로 진행하는 </a:t>
+            </a:r>
+            <a:r>
+              <a:rPr lang="en-US" altLang="ko-KR" baseline="0" dirty="0" smtClean="0"/>
+              <a:t>transition probability</a:t>
+            </a:r>
+            <a:r>
+              <a:rPr lang="ko-KR" altLang="en-US" baseline="0" dirty="0" smtClean="0"/>
+              <a:t>를 보면 </a:t>
+            </a:r>
+            <a:r>
+              <a:rPr lang="en-US" altLang="ko-KR" baseline="0" dirty="0" smtClean="0"/>
+              <a:t>33%</a:t>
+            </a:r>
+            <a:r>
+              <a:rPr lang="ko-KR" altLang="en-US" baseline="0" dirty="0" smtClean="0"/>
+              <a:t>로 같았고 </a:t>
+            </a:r>
+            <a:r>
+              <a:rPr lang="en-US" altLang="ko-KR" baseline="0" dirty="0" err="1" smtClean="0"/>
+              <a:t>LiCALS</a:t>
+            </a:r>
+            <a:r>
+              <a:rPr lang="en-US" altLang="ko-KR" baseline="0" dirty="0" smtClean="0"/>
+              <a:t> study</a:t>
+            </a:r>
+            <a:r>
+              <a:rPr lang="ko-KR" altLang="en-US" baseline="0" dirty="0" smtClean="0"/>
+              <a:t>를 가지고 분석하면 </a:t>
+            </a:r>
+            <a:r>
+              <a:rPr lang="en-US" altLang="ko-KR" baseline="0" dirty="0" smtClean="0"/>
+              <a:t>29%, 25%</a:t>
+            </a:r>
+            <a:r>
+              <a:rPr lang="ko-KR" altLang="en-US" baseline="0" dirty="0" smtClean="0"/>
+              <a:t>로 </a:t>
+            </a:r>
+            <a:r>
+              <a:rPr lang="en-US" altLang="ko-KR" baseline="0" dirty="0" smtClean="0"/>
+              <a:t>stage 3</a:t>
+            </a:r>
+            <a:r>
+              <a:rPr lang="ko-KR" altLang="en-US" baseline="0" dirty="0" smtClean="0"/>
+              <a:t>가 더 적은 결과를 보였습니다</a:t>
+            </a:r>
+            <a:r>
+              <a:rPr lang="en-US" altLang="ko-KR" baseline="0" dirty="0" smtClean="0"/>
+              <a:t>. </a:t>
+            </a:r>
+            <a:r>
+              <a:rPr lang="ko-KR" altLang="en-US" baseline="0" dirty="0" smtClean="0"/>
+              <a:t>저자들은 </a:t>
+            </a:r>
+            <a:r>
+              <a:rPr lang="en-US" altLang="ko-KR" baseline="0" dirty="0" smtClean="0"/>
+              <a:t>2</a:t>
+            </a:r>
+            <a:r>
+              <a:rPr lang="ko-KR" altLang="en-US" baseline="0" dirty="0" smtClean="0"/>
+              <a:t>개영역에서 기능을 완전히 소실한 이후에도 죽지않은 </a:t>
+            </a:r>
+            <a:r>
+              <a:rPr lang="en-US" altLang="ko-KR" baseline="0" dirty="0" smtClean="0"/>
+              <a:t>long survivor group</a:t>
+            </a:r>
+            <a:r>
+              <a:rPr lang="ko-KR" altLang="en-US" baseline="0" dirty="0" smtClean="0"/>
+              <a:t>의 환자들의 영향 때문인 것으로 분석했습니다</a:t>
+            </a:r>
+            <a:r>
+              <a:rPr lang="en-US" altLang="ko-KR" baseline="0" dirty="0" smtClean="0"/>
+              <a:t>. </a:t>
+            </a:r>
+          </a:p>
+          <a:p>
+            <a:pPr marL="0" marR="0" indent="0" algn="l" defTabSz="914400" rtl="0" eaLnBrk="1" fontAlgn="auto" latinLnBrk="1" hangingPunct="1">
+              <a:lnSpc>
+                <a:spcPct val="100000"/>
+              </a:lnSpc>
+              <a:spcBef>
+                <a:spcPts val="0"/>
+              </a:spcBef>
+              <a:spcAft>
+                <a:spcPts val="0"/>
+              </a:spcAft>
+              <a:buClrTx/>
+              <a:buSzTx/>
+              <a:buFontTx/>
+              <a:buNone/>
+              <a:tabLst/>
+              <a:defRPr/>
+            </a:pPr>
+            <a:endParaRPr lang="en-US" altLang="ko-KR" baseline="0" dirty="0" smtClean="0"/>
+          </a:p>
+          <a:p>
+            <a:pPr marL="0" marR="0" indent="0" algn="l" defTabSz="914400" rtl="0" eaLnBrk="1" fontAlgn="auto" latinLnBrk="1" hangingPunct="1">
+              <a:lnSpc>
+                <a:spcPct val="100000"/>
+              </a:lnSpc>
+              <a:spcBef>
+                <a:spcPts val="0"/>
+              </a:spcBef>
+              <a:spcAft>
+                <a:spcPts val="0"/>
+              </a:spcAft>
+              <a:buClrTx/>
+              <a:buSzTx/>
+              <a:buFontTx/>
+              <a:buNone/>
+              <a:tabLst/>
+              <a:defRPr/>
+            </a:pPr>
+            <a:r>
+              <a:rPr lang="en-US" altLang="ko-KR" baseline="0" dirty="0" smtClean="0">
+                <a:solidFill>
+                  <a:srgbClr val="FFFF00"/>
+                </a:solidFill>
+              </a:rPr>
+              <a:t>Tracheostomy</a:t>
+            </a:r>
+            <a:r>
+              <a:rPr lang="ko-KR" altLang="en-US" baseline="0" dirty="0" smtClean="0">
+                <a:solidFill>
+                  <a:srgbClr val="FFFF00"/>
+                </a:solidFill>
+              </a:rPr>
+              <a:t>는 </a:t>
+            </a:r>
+            <a:r>
+              <a:rPr lang="en-US" altLang="ko-KR" baseline="0" dirty="0" smtClean="0">
+                <a:solidFill>
+                  <a:srgbClr val="FFFF00"/>
+                </a:solidFill>
+              </a:rPr>
+              <a:t>15%</a:t>
+            </a:r>
+            <a:r>
+              <a:rPr lang="ko-KR" altLang="en-US" baseline="0" dirty="0" smtClean="0">
+                <a:solidFill>
+                  <a:srgbClr val="FFFF00"/>
+                </a:solidFill>
+              </a:rPr>
+              <a:t>환자가 </a:t>
+            </a:r>
+            <a:r>
+              <a:rPr lang="en-US" altLang="ko-KR" baseline="0" dirty="0" smtClean="0">
+                <a:solidFill>
+                  <a:srgbClr val="FFFF00"/>
+                </a:solidFill>
+              </a:rPr>
+              <a:t>tracheostomy</a:t>
+            </a:r>
+            <a:r>
+              <a:rPr lang="ko-KR" altLang="en-US" baseline="0" dirty="0" smtClean="0">
+                <a:solidFill>
+                  <a:srgbClr val="FFFF00"/>
+                </a:solidFill>
+              </a:rPr>
+              <a:t>를 받았고 이 중 </a:t>
+            </a:r>
+            <a:r>
+              <a:rPr lang="en-US" altLang="ko-KR" baseline="0" dirty="0" smtClean="0">
+                <a:solidFill>
+                  <a:srgbClr val="FFFF00"/>
+                </a:solidFill>
+              </a:rPr>
+              <a:t>57%</a:t>
+            </a:r>
+            <a:r>
+              <a:rPr lang="ko-KR" altLang="en-US" baseline="0" dirty="0" smtClean="0">
+                <a:solidFill>
+                  <a:srgbClr val="FFFF00"/>
+                </a:solidFill>
+              </a:rPr>
+              <a:t>환자가 </a:t>
+            </a:r>
+            <a:r>
+              <a:rPr lang="en-US" altLang="ko-KR" baseline="0" dirty="0" smtClean="0">
+                <a:solidFill>
+                  <a:srgbClr val="FFFF00"/>
+                </a:solidFill>
+              </a:rPr>
+              <a:t>f/u</a:t>
+            </a:r>
+            <a:r>
+              <a:rPr lang="ko-KR" altLang="en-US" baseline="0" dirty="0" smtClean="0">
+                <a:solidFill>
+                  <a:srgbClr val="FFFF00"/>
+                </a:solidFill>
+              </a:rPr>
+              <a:t>이 </a:t>
+            </a:r>
+            <a:r>
+              <a:rPr lang="ko-KR" altLang="en-US" baseline="0" dirty="0" err="1" smtClean="0">
+                <a:solidFill>
+                  <a:srgbClr val="FFFF00"/>
+                </a:solidFill>
+              </a:rPr>
+              <a:t>끝날때</a:t>
+            </a:r>
+            <a:r>
+              <a:rPr lang="ko-KR" altLang="en-US" baseline="0" dirty="0" smtClean="0">
+                <a:solidFill>
+                  <a:srgbClr val="FFFF00"/>
+                </a:solidFill>
+              </a:rPr>
+              <a:t> 사망했습니다</a:t>
+            </a:r>
+            <a:r>
+              <a:rPr lang="en-US" altLang="ko-KR" baseline="0" dirty="0" smtClean="0">
+                <a:solidFill>
+                  <a:srgbClr val="FFFF00"/>
+                </a:solidFill>
+              </a:rPr>
+              <a:t>. King stage 4</a:t>
+            </a:r>
+            <a:r>
+              <a:rPr lang="ko-KR" altLang="en-US" baseline="0" dirty="0" smtClean="0">
+                <a:solidFill>
+                  <a:srgbClr val="FFFF00"/>
+                </a:solidFill>
+              </a:rPr>
+              <a:t>의 환자 </a:t>
+            </a:r>
+            <a:r>
+              <a:rPr lang="en-US" altLang="ko-KR" baseline="0" dirty="0" smtClean="0">
+                <a:solidFill>
+                  <a:srgbClr val="FFFF00"/>
+                </a:solidFill>
+              </a:rPr>
+              <a:t>90%</a:t>
+            </a:r>
+            <a:r>
+              <a:rPr lang="ko-KR" altLang="en-US" baseline="0" dirty="0" smtClean="0">
+                <a:solidFill>
+                  <a:srgbClr val="FFFF00"/>
+                </a:solidFill>
+              </a:rPr>
+              <a:t>가 </a:t>
+            </a:r>
+            <a:r>
+              <a:rPr lang="en-US" altLang="ko-KR" baseline="0" dirty="0" smtClean="0">
+                <a:solidFill>
+                  <a:srgbClr val="FFFF00"/>
+                </a:solidFill>
+              </a:rPr>
+              <a:t>tracheostomy</a:t>
+            </a:r>
+            <a:r>
+              <a:rPr lang="ko-KR" altLang="en-US" baseline="0" dirty="0" smtClean="0">
+                <a:solidFill>
+                  <a:srgbClr val="FFFF00"/>
+                </a:solidFill>
+              </a:rPr>
+              <a:t>를 받았습니다</a:t>
+            </a:r>
+            <a:r>
+              <a:rPr lang="en-US" altLang="ko-KR" baseline="0" dirty="0" smtClean="0">
+                <a:solidFill>
+                  <a:srgbClr val="FFFF00"/>
+                </a:solidFill>
+              </a:rPr>
+              <a:t>. </a:t>
+            </a:r>
+            <a:r>
+              <a:rPr lang="en-US" altLang="ko-KR" baseline="0" dirty="0" err="1" smtClean="0">
+                <a:solidFill>
+                  <a:srgbClr val="FFFF00"/>
+                </a:solidFill>
+              </a:rPr>
+              <a:t>MiToS</a:t>
+            </a:r>
+            <a:r>
+              <a:rPr lang="ko-KR" altLang="en-US" baseline="0" dirty="0" smtClean="0">
+                <a:solidFill>
+                  <a:srgbClr val="FFFF00"/>
+                </a:solidFill>
+              </a:rPr>
+              <a:t>는 </a:t>
+            </a:r>
+            <a:r>
+              <a:rPr lang="en-US" altLang="ko-KR" baseline="0" dirty="0" smtClean="0">
+                <a:solidFill>
+                  <a:srgbClr val="FFFF00"/>
+                </a:solidFill>
+              </a:rPr>
+              <a:t>respiratory function</a:t>
+            </a:r>
+            <a:r>
+              <a:rPr lang="ko-KR" altLang="en-US" baseline="0" dirty="0" smtClean="0">
+                <a:solidFill>
+                  <a:srgbClr val="FFFF00"/>
+                </a:solidFill>
+              </a:rPr>
+              <a:t>에서 </a:t>
+            </a:r>
+            <a:r>
+              <a:rPr lang="ko-KR" altLang="en-US" baseline="0" dirty="0" err="1" smtClean="0">
+                <a:solidFill>
+                  <a:srgbClr val="FFFF00"/>
+                </a:solidFill>
+              </a:rPr>
+              <a:t>기능상실이</a:t>
+            </a:r>
+            <a:r>
+              <a:rPr lang="ko-KR" altLang="en-US" baseline="0" dirty="0" smtClean="0">
+                <a:solidFill>
+                  <a:srgbClr val="FFFF00"/>
+                </a:solidFill>
+              </a:rPr>
+              <a:t> 있는 환자들 중 </a:t>
+            </a:r>
+            <a:r>
+              <a:rPr lang="en-US" altLang="ko-KR" baseline="0" dirty="0" smtClean="0">
+                <a:solidFill>
+                  <a:srgbClr val="FFFF00"/>
+                </a:solidFill>
+              </a:rPr>
+              <a:t>tracheostomy</a:t>
+            </a:r>
+            <a:r>
+              <a:rPr lang="ko-KR" altLang="en-US" baseline="0" dirty="0" smtClean="0">
+                <a:solidFill>
+                  <a:srgbClr val="FFFF00"/>
+                </a:solidFill>
+              </a:rPr>
+              <a:t>를 받은 환자의 비율이 </a:t>
+            </a:r>
+            <a:r>
+              <a:rPr lang="en-US" altLang="ko-KR" baseline="0" dirty="0" smtClean="0">
+                <a:solidFill>
+                  <a:srgbClr val="FFFF00"/>
+                </a:solidFill>
+              </a:rPr>
+              <a:t>stage 0</a:t>
+            </a:r>
+            <a:r>
+              <a:rPr lang="ko-KR" altLang="en-US" baseline="0" dirty="0" smtClean="0">
+                <a:solidFill>
+                  <a:srgbClr val="FFFF00"/>
+                </a:solidFill>
+              </a:rPr>
+              <a:t>부터 </a:t>
+            </a:r>
+            <a:r>
+              <a:rPr lang="en-US" altLang="ko-KR" baseline="0" dirty="0" smtClean="0">
+                <a:solidFill>
+                  <a:srgbClr val="FFFF00"/>
+                </a:solidFill>
+              </a:rPr>
+              <a:t>3</a:t>
+            </a:r>
+            <a:r>
+              <a:rPr lang="ko-KR" altLang="en-US" baseline="0" dirty="0" smtClean="0">
+                <a:solidFill>
+                  <a:srgbClr val="FFFF00"/>
+                </a:solidFill>
+              </a:rPr>
+              <a:t>까지가 비슷했습니다</a:t>
+            </a:r>
+            <a:r>
+              <a:rPr lang="en-US" altLang="ko-KR" baseline="0" dirty="0" smtClean="0">
+                <a:solidFill>
+                  <a:srgbClr val="FFFF00"/>
+                </a:solidFill>
+              </a:rPr>
+              <a:t>. </a:t>
+            </a:r>
+            <a:r>
+              <a:rPr lang="ko-KR" altLang="en-US" baseline="0" dirty="0" smtClean="0">
+                <a:solidFill>
+                  <a:srgbClr val="FFFF00"/>
+                </a:solidFill>
+              </a:rPr>
+              <a:t>이러한 환자들의 경우 </a:t>
+            </a:r>
+            <a:r>
+              <a:rPr lang="en-US" altLang="ko-KR" baseline="0" dirty="0" smtClean="0">
+                <a:solidFill>
+                  <a:srgbClr val="FFFF00"/>
+                </a:solidFill>
+              </a:rPr>
+              <a:t>tracheostomy</a:t>
+            </a:r>
+            <a:r>
+              <a:rPr lang="ko-KR" altLang="en-US" baseline="0" dirty="0" smtClean="0">
+                <a:solidFill>
+                  <a:srgbClr val="FFFF00"/>
+                </a:solidFill>
+              </a:rPr>
+              <a:t>를 받지 않았다면 사망했을 환자들이므로 방법론적으로 </a:t>
+            </a:r>
+            <a:r>
+              <a:rPr lang="ko-KR" altLang="en-US" baseline="0" dirty="0" err="1" smtClean="0">
+                <a:solidFill>
+                  <a:srgbClr val="FFFF00"/>
+                </a:solidFill>
+              </a:rPr>
+              <a:t>봤을때</a:t>
+            </a:r>
+            <a:r>
+              <a:rPr lang="ko-KR" altLang="en-US" baseline="0" dirty="0" smtClean="0">
+                <a:solidFill>
+                  <a:srgbClr val="FFFF00"/>
+                </a:solidFill>
+              </a:rPr>
+              <a:t> 실제 이 환자들이 </a:t>
+            </a:r>
+            <a:r>
+              <a:rPr lang="ko-KR" altLang="en-US" baseline="0" dirty="0" err="1" smtClean="0">
+                <a:solidFill>
+                  <a:srgbClr val="FFFF00"/>
+                </a:solidFill>
+              </a:rPr>
+              <a:t>말기상태에</a:t>
+            </a:r>
+            <a:r>
+              <a:rPr lang="ko-KR" altLang="en-US" baseline="0" dirty="0" smtClean="0">
+                <a:solidFill>
+                  <a:srgbClr val="FFFF00"/>
+                </a:solidFill>
+              </a:rPr>
+              <a:t> 도달한 것으로 봐야 될지는 불분명합니다</a:t>
+            </a:r>
+            <a:r>
+              <a:rPr lang="en-US" altLang="ko-KR" baseline="0" dirty="0" smtClean="0">
+                <a:solidFill>
+                  <a:srgbClr val="FFFF00"/>
+                </a:solidFill>
+              </a:rPr>
+              <a:t>. </a:t>
+            </a:r>
+          </a:p>
+          <a:p>
+            <a:pPr marL="0" marR="0" indent="0" algn="l" defTabSz="914400" rtl="0" eaLnBrk="1" fontAlgn="auto" latinLnBrk="1" hangingPunct="1">
+              <a:lnSpc>
+                <a:spcPct val="100000"/>
+              </a:lnSpc>
+              <a:spcBef>
+                <a:spcPts val="0"/>
+              </a:spcBef>
+              <a:spcAft>
+                <a:spcPts val="0"/>
+              </a:spcAft>
+              <a:buClrTx/>
+              <a:buSzTx/>
+              <a:buFontTx/>
+              <a:buNone/>
+              <a:tabLst/>
+              <a:defRPr/>
+            </a:pPr>
+            <a:endParaRPr lang="en-US" altLang="ko-KR" baseline="0" dirty="0" smtClean="0">
+              <a:solidFill>
+                <a:srgbClr val="FFFF00"/>
+              </a:solidFill>
+            </a:endParaRPr>
+          </a:p>
+          <a:p>
+            <a:pPr marL="0" marR="0" indent="0" algn="l" defTabSz="914400" rtl="0" eaLnBrk="1" fontAlgn="auto" latinLnBrk="1" hangingPunct="1">
+              <a:lnSpc>
+                <a:spcPct val="100000"/>
+              </a:lnSpc>
+              <a:spcBef>
+                <a:spcPts val="0"/>
+              </a:spcBef>
+              <a:spcAft>
+                <a:spcPts val="0"/>
+              </a:spcAft>
+              <a:buClrTx/>
+              <a:buSzTx/>
+              <a:buFontTx/>
+              <a:buNone/>
+              <a:tabLst/>
+              <a:defRPr/>
+            </a:pPr>
+            <a:r>
+              <a:rPr lang="ko-KR" altLang="en-US" baseline="0" dirty="0" smtClean="0"/>
+              <a:t>이 연구의 장점은 이전 </a:t>
+            </a:r>
+            <a:r>
+              <a:rPr lang="en-US" altLang="ko-KR" baseline="0" dirty="0" smtClean="0"/>
+              <a:t>staging system</a:t>
+            </a:r>
+            <a:r>
+              <a:rPr lang="ko-KR" altLang="en-US" baseline="0" dirty="0" smtClean="0"/>
+              <a:t>연구에서 배제된 </a:t>
+            </a:r>
+            <a:r>
+              <a:rPr lang="en-US" altLang="ko-KR" baseline="0" dirty="0" smtClean="0"/>
+              <a:t>frontotemporal dementia</a:t>
+            </a:r>
+            <a:r>
+              <a:rPr lang="ko-KR" altLang="en-US" baseline="0" dirty="0" smtClean="0"/>
+              <a:t>가 </a:t>
+            </a:r>
+            <a:r>
+              <a:rPr lang="en-US" altLang="ko-KR" baseline="0" dirty="0" smtClean="0"/>
+              <a:t>ALS</a:t>
+            </a:r>
+            <a:r>
+              <a:rPr lang="ko-KR" altLang="en-US" baseline="0" dirty="0" smtClean="0"/>
+              <a:t>환자 중 약 </a:t>
+            </a:r>
+            <a:r>
+              <a:rPr lang="en-US" altLang="ko-KR" baseline="0" dirty="0" smtClean="0"/>
+              <a:t>15%</a:t>
+            </a:r>
+            <a:r>
+              <a:rPr lang="ko-KR" altLang="en-US" baseline="0" dirty="0" smtClean="0"/>
+              <a:t>를 </a:t>
+            </a:r>
+            <a:r>
+              <a:rPr lang="ko-KR" altLang="en-US" baseline="0" dirty="0" err="1" smtClean="0"/>
+              <a:t>차지하데</a:t>
+            </a:r>
+            <a:r>
+              <a:rPr lang="ko-KR" altLang="en-US" baseline="0" dirty="0" smtClean="0"/>
+              <a:t> 이러한 치매환자를 포함하고 있다는 점과 장기간 </a:t>
+            </a:r>
+            <a:r>
+              <a:rPr lang="ko-KR" altLang="en-US" baseline="0" dirty="0" err="1" smtClean="0"/>
+              <a:t>추적관찰한</a:t>
+            </a:r>
+            <a:r>
+              <a:rPr lang="ko-KR" altLang="en-US" baseline="0" dirty="0" smtClean="0"/>
+              <a:t> </a:t>
+            </a:r>
+            <a:r>
+              <a:rPr lang="en-US" altLang="ko-KR" baseline="0" dirty="0" smtClean="0"/>
+              <a:t>population based study</a:t>
+            </a:r>
+            <a:r>
+              <a:rPr lang="ko-KR" altLang="en-US" baseline="0" dirty="0" smtClean="0"/>
+              <a:t>라는 점 입니다</a:t>
+            </a:r>
+            <a:r>
+              <a:rPr lang="en-US" altLang="ko-KR" baseline="0" dirty="0" smtClean="0"/>
+              <a:t>. </a:t>
+            </a:r>
+          </a:p>
+          <a:p>
+            <a:pPr marL="0" marR="0" indent="0" algn="l" defTabSz="914400" rtl="0" eaLnBrk="1" fontAlgn="auto" latinLnBrk="1" hangingPunct="1">
+              <a:lnSpc>
+                <a:spcPct val="100000"/>
+              </a:lnSpc>
+              <a:spcBef>
+                <a:spcPts val="0"/>
+              </a:spcBef>
+              <a:spcAft>
+                <a:spcPts val="0"/>
+              </a:spcAft>
+              <a:buClrTx/>
+              <a:buSzTx/>
+              <a:buFontTx/>
+              <a:buNone/>
+              <a:tabLst/>
+              <a:defRPr/>
+            </a:pPr>
+            <a:endParaRPr lang="en-US" altLang="ko-KR" baseline="0" dirty="0" smtClean="0"/>
+          </a:p>
+          <a:p>
+            <a:pPr marL="0" marR="0" indent="0" algn="l" defTabSz="914400" rtl="0" eaLnBrk="1" fontAlgn="auto" latinLnBrk="1" hangingPunct="1">
+              <a:lnSpc>
+                <a:spcPct val="100000"/>
+              </a:lnSpc>
+              <a:spcBef>
+                <a:spcPts val="0"/>
+              </a:spcBef>
+              <a:spcAft>
+                <a:spcPts val="0"/>
+              </a:spcAft>
+              <a:buClrTx/>
+              <a:buSzTx/>
+              <a:buFontTx/>
+              <a:buNone/>
+              <a:tabLst/>
+              <a:defRPr/>
+            </a:pPr>
+            <a:r>
+              <a:rPr lang="ko-KR" altLang="en-US" baseline="0" dirty="0" smtClean="0"/>
+              <a:t>이 연구의 단점은 </a:t>
+            </a:r>
+            <a:r>
+              <a:rPr lang="en-US" altLang="ko-KR" baseline="0" dirty="0" smtClean="0"/>
+              <a:t>advanced stage</a:t>
+            </a:r>
+            <a:r>
+              <a:rPr lang="ko-KR" altLang="en-US" baseline="0" dirty="0" smtClean="0"/>
+              <a:t>환자들의 경우에는 </a:t>
+            </a:r>
+            <a:r>
+              <a:rPr lang="en-US" altLang="ko-KR" baseline="0" dirty="0" smtClean="0"/>
+              <a:t>clinical milestone</a:t>
+            </a:r>
+            <a:r>
+              <a:rPr lang="ko-KR" altLang="en-US" baseline="0" dirty="0" smtClean="0"/>
+              <a:t>까지의 시간에 대한 데이터가 불완전하고 각 </a:t>
+            </a:r>
+            <a:r>
+              <a:rPr lang="en-US" altLang="ko-KR" baseline="0" dirty="0" smtClean="0"/>
+              <a:t>stage</a:t>
+            </a:r>
+            <a:r>
+              <a:rPr lang="ko-KR" altLang="en-US" baseline="0" dirty="0" smtClean="0"/>
+              <a:t>까지의 시간을 전향적으로 수집하지 않고 평균 </a:t>
+            </a:r>
+            <a:r>
+              <a:rPr lang="en-US" altLang="ko-KR" baseline="0" dirty="0" smtClean="0"/>
+              <a:t>3</a:t>
+            </a:r>
+            <a:r>
+              <a:rPr lang="ko-KR" altLang="en-US" baseline="0" dirty="0" smtClean="0"/>
+              <a:t>개월의 </a:t>
+            </a:r>
+            <a:r>
+              <a:rPr lang="en-US" altLang="ko-KR" baseline="0" dirty="0" smtClean="0"/>
+              <a:t>interval</a:t>
+            </a:r>
+            <a:r>
+              <a:rPr lang="ko-KR" altLang="en-US" baseline="0" dirty="0" smtClean="0"/>
+              <a:t>로 </a:t>
+            </a:r>
+            <a:r>
+              <a:rPr lang="ko-KR" altLang="en-US" baseline="0" dirty="0" err="1" smtClean="0"/>
+              <a:t>후향적으로</a:t>
+            </a:r>
+            <a:r>
+              <a:rPr lang="ko-KR" altLang="en-US" baseline="0" dirty="0" smtClean="0"/>
+              <a:t> 추정했다는 점입니다</a:t>
+            </a:r>
+            <a:r>
+              <a:rPr lang="en-US" altLang="ko-KR" baseline="0" dirty="0" smtClean="0"/>
+              <a:t>. </a:t>
+            </a:r>
+            <a:r>
+              <a:rPr lang="ko-KR" altLang="en-US" baseline="0" dirty="0" err="1" smtClean="0"/>
+              <a:t>연구방문</a:t>
+            </a:r>
+            <a:r>
+              <a:rPr lang="ko-KR" altLang="en-US" baseline="0" dirty="0" smtClean="0"/>
+              <a:t> 사이의 </a:t>
+            </a:r>
+            <a:r>
+              <a:rPr lang="en-US" altLang="ko-KR" baseline="0" dirty="0" smtClean="0"/>
+              <a:t>interval</a:t>
+            </a:r>
+            <a:r>
+              <a:rPr lang="ko-KR" altLang="en-US" baseline="0" dirty="0" smtClean="0"/>
+              <a:t>을 더 짧게 해서 전향적으로 연구한다면 </a:t>
+            </a:r>
+            <a:r>
+              <a:rPr lang="en-US" altLang="ko-KR" baseline="0" dirty="0" smtClean="0"/>
+              <a:t>stage</a:t>
+            </a:r>
+            <a:r>
+              <a:rPr lang="ko-KR" altLang="en-US" baseline="0" dirty="0" smtClean="0"/>
+              <a:t>간에 진행하는 시간이 더 짧게 나타날 수 </a:t>
+            </a:r>
+            <a:r>
+              <a:rPr lang="ko-KR" altLang="en-US" baseline="0" dirty="0" err="1" smtClean="0"/>
+              <a:t>있을수도</a:t>
+            </a:r>
+            <a:r>
+              <a:rPr lang="ko-KR" altLang="en-US" baseline="0" dirty="0" smtClean="0"/>
+              <a:t> 있습니다</a:t>
+            </a:r>
+            <a:r>
+              <a:rPr lang="en-US" altLang="ko-KR" baseline="0" dirty="0" smtClean="0"/>
+              <a:t>. </a:t>
+            </a:r>
+          </a:p>
+          <a:p>
+            <a:pPr marL="0" marR="0" indent="0" algn="l" defTabSz="914400" rtl="0" eaLnBrk="1" fontAlgn="auto" latinLnBrk="1" hangingPunct="1">
+              <a:lnSpc>
+                <a:spcPct val="100000"/>
+              </a:lnSpc>
+              <a:spcBef>
+                <a:spcPts val="0"/>
+              </a:spcBef>
+              <a:spcAft>
+                <a:spcPts val="0"/>
+              </a:spcAft>
+              <a:buClrTx/>
+              <a:buSzTx/>
+              <a:buFontTx/>
+              <a:buNone/>
+              <a:tabLst/>
+              <a:defRPr/>
+            </a:pPr>
+            <a:endParaRPr lang="en-US" altLang="ko-KR" baseline="0" dirty="0" smtClean="0"/>
+          </a:p>
+          <a:p>
+            <a:pPr marL="0" marR="0" indent="0" algn="l" defTabSz="914400" rtl="0" eaLnBrk="1" fontAlgn="auto" latinLnBrk="1" hangingPunct="1">
+              <a:lnSpc>
+                <a:spcPct val="100000"/>
+              </a:lnSpc>
+              <a:spcBef>
+                <a:spcPts val="0"/>
+              </a:spcBef>
+              <a:spcAft>
+                <a:spcPts val="0"/>
+              </a:spcAft>
+              <a:buClrTx/>
+              <a:buSzTx/>
+              <a:buFontTx/>
+              <a:buNone/>
+              <a:tabLst/>
+              <a:defRPr/>
+            </a:pPr>
+            <a:r>
+              <a:rPr lang="ko-KR" altLang="en-US" baseline="0" dirty="0" smtClean="0"/>
+              <a:t>결론적으로 </a:t>
+            </a:r>
+            <a:r>
+              <a:rPr lang="en-US" altLang="ko-KR" baseline="0" dirty="0" smtClean="0"/>
+              <a:t>2</a:t>
+            </a:r>
+            <a:r>
+              <a:rPr lang="ko-KR" altLang="en-US" baseline="0" dirty="0" smtClean="0"/>
+              <a:t>가지 </a:t>
+            </a:r>
+            <a:r>
+              <a:rPr lang="en-US" altLang="ko-KR" baseline="0" dirty="0" smtClean="0"/>
+              <a:t>system</a:t>
+            </a:r>
+            <a:r>
+              <a:rPr lang="ko-KR" altLang="en-US" baseline="0" dirty="0" smtClean="0"/>
+              <a:t>을 </a:t>
+            </a:r>
+            <a:r>
+              <a:rPr lang="ko-KR" altLang="en-US" baseline="0" dirty="0" err="1" smtClean="0"/>
+              <a:t>비교했을때</a:t>
+            </a:r>
+            <a:r>
+              <a:rPr lang="ko-KR" altLang="en-US" baseline="0" dirty="0" smtClean="0"/>
+              <a:t> 상대적으로 </a:t>
+            </a:r>
+            <a:r>
+              <a:rPr lang="en-US" altLang="ko-KR" baseline="0" dirty="0" smtClean="0"/>
+              <a:t>King’s system</a:t>
+            </a:r>
+            <a:r>
+              <a:rPr lang="ko-KR" altLang="en-US" baseline="0" dirty="0" smtClean="0"/>
+              <a:t>은 환자의 예후와 </a:t>
+            </a:r>
+            <a:r>
+              <a:rPr lang="en-US" altLang="ko-KR" baseline="0" dirty="0" smtClean="0"/>
+              <a:t>clinical trial</a:t>
+            </a:r>
+            <a:r>
+              <a:rPr lang="ko-KR" altLang="en-US" baseline="0" dirty="0" smtClean="0"/>
+              <a:t>에서의 </a:t>
+            </a:r>
+            <a:r>
+              <a:rPr lang="en-US" altLang="ko-KR" baseline="0" dirty="0" smtClean="0"/>
+              <a:t>outcome </a:t>
+            </a:r>
+            <a:r>
+              <a:rPr lang="ko-KR" altLang="en-US" baseline="0" dirty="0" smtClean="0"/>
+              <a:t>측정지표로서는 더 유용할 것으로 보이고 </a:t>
+            </a:r>
+            <a:r>
+              <a:rPr lang="en-US" altLang="ko-KR" baseline="0" dirty="0" err="1" smtClean="0"/>
+              <a:t>MiToS</a:t>
+            </a:r>
+            <a:r>
+              <a:rPr lang="ko-KR" altLang="en-US" baseline="0" dirty="0" smtClean="0"/>
+              <a:t>는 각 </a:t>
+            </a:r>
+            <a:r>
+              <a:rPr lang="en-US" altLang="ko-KR" baseline="0" dirty="0" smtClean="0"/>
+              <a:t>domain</a:t>
+            </a:r>
+            <a:r>
+              <a:rPr lang="ko-KR" altLang="en-US" baseline="0" dirty="0" smtClean="0"/>
+              <a:t>별로 완전한 </a:t>
+            </a:r>
+            <a:r>
+              <a:rPr lang="ko-KR" altLang="en-US" baseline="0" dirty="0" err="1" smtClean="0"/>
+              <a:t>기능상실에</a:t>
+            </a:r>
+            <a:r>
+              <a:rPr lang="ko-KR" altLang="en-US" baseline="0" dirty="0" smtClean="0"/>
+              <a:t> 기반한 </a:t>
+            </a:r>
+            <a:r>
+              <a:rPr lang="en-US" altLang="ko-KR" baseline="0" dirty="0" smtClean="0"/>
+              <a:t>system</a:t>
+            </a:r>
+            <a:r>
+              <a:rPr lang="ko-KR" altLang="en-US" baseline="0" dirty="0" smtClean="0"/>
+              <a:t>이므로 </a:t>
+            </a:r>
+            <a:r>
+              <a:rPr lang="ko-KR" altLang="en-US" baseline="0" dirty="0" err="1" smtClean="0"/>
+              <a:t>소모비용</a:t>
+            </a:r>
+            <a:r>
+              <a:rPr lang="ko-KR" altLang="en-US" baseline="0" dirty="0" smtClean="0"/>
+              <a:t> 예측이나 자원분배에는 더 유용할 것으로 보입니다</a:t>
+            </a:r>
+            <a:r>
+              <a:rPr lang="en-US" altLang="ko-KR" baseline="0" dirty="0" smtClean="0"/>
+              <a:t>. 2</a:t>
+            </a:r>
+            <a:r>
+              <a:rPr lang="ko-KR" altLang="en-US" baseline="0" dirty="0" smtClean="0"/>
+              <a:t>개 시스템 모두 </a:t>
+            </a:r>
+            <a:r>
+              <a:rPr lang="en-US" altLang="ko-KR" baseline="0" dirty="0" smtClean="0"/>
+              <a:t>dementia</a:t>
+            </a:r>
+            <a:r>
+              <a:rPr lang="ko-KR" altLang="en-US" baseline="0" dirty="0" smtClean="0"/>
+              <a:t>환자에 대한 고려가 되지않고 </a:t>
+            </a:r>
+            <a:r>
+              <a:rPr lang="en-US" altLang="ko-KR" baseline="0" dirty="0" smtClean="0"/>
+              <a:t>tracheostomy</a:t>
+            </a:r>
+            <a:r>
+              <a:rPr lang="ko-KR" altLang="en-US" baseline="0" dirty="0" smtClean="0"/>
+              <a:t>를 받은 환자를 </a:t>
+            </a:r>
+            <a:r>
+              <a:rPr lang="ko-KR" altLang="en-US" baseline="0" dirty="0" err="1" smtClean="0"/>
+              <a:t>말기환자로</a:t>
+            </a:r>
+            <a:r>
+              <a:rPr lang="ko-KR" altLang="en-US" baseline="0" dirty="0" smtClean="0"/>
+              <a:t> </a:t>
+            </a:r>
+            <a:r>
+              <a:rPr lang="ko-KR" altLang="en-US" baseline="0" dirty="0" err="1" smtClean="0"/>
+              <a:t>봐야할지에</a:t>
+            </a:r>
+            <a:r>
+              <a:rPr lang="ko-KR" altLang="en-US" baseline="0" dirty="0" smtClean="0"/>
+              <a:t> 대한 고려가 없어 </a:t>
+            </a:r>
+            <a:r>
+              <a:rPr lang="ko-KR" altLang="en-US" baseline="0" dirty="0" err="1" smtClean="0"/>
+              <a:t>이부분에</a:t>
+            </a:r>
+            <a:r>
+              <a:rPr lang="ko-KR" altLang="en-US" baseline="0" dirty="0" smtClean="0"/>
+              <a:t> 대한 보완 연구가 필요합니다</a:t>
+            </a:r>
+            <a:r>
+              <a:rPr lang="en-US" altLang="ko-KR" baseline="0" dirty="0" smtClean="0"/>
+              <a:t>. </a:t>
+            </a:r>
+          </a:p>
+          <a:p>
+            <a:pPr marL="0" marR="0" indent="0" algn="l" defTabSz="914400" rtl="0" eaLnBrk="1" fontAlgn="auto" latinLnBrk="1" hangingPunct="1">
+              <a:lnSpc>
+                <a:spcPct val="100000"/>
+              </a:lnSpc>
+              <a:spcBef>
+                <a:spcPts val="0"/>
+              </a:spcBef>
+              <a:spcAft>
+                <a:spcPts val="0"/>
+              </a:spcAft>
+              <a:buClrTx/>
+              <a:buSzTx/>
+              <a:buFontTx/>
+              <a:buNone/>
+              <a:tabLst/>
+              <a:defRPr/>
+            </a:pPr>
             <a:endParaRPr lang="ko-KR" altLang="en-US" dirty="0"/>
           </a:p>
         </p:txBody>
@@ -1020,12 +2665,12 @@
               <a:t>는 </a:t>
             </a:r>
             <a:r>
-              <a:rPr lang="ko-KR" altLang="en-US" dirty="0" err="1" smtClean="0"/>
-              <a:t>중복이라기보다는</a:t>
-            </a:r>
-            <a:r>
               <a:rPr lang="ko-KR" altLang="en-US" dirty="0" smtClean="0"/>
-              <a:t> 상호 보완적인 </a:t>
+              <a:t>중복 이라기보다는 </a:t>
+            </a:r>
+            <a:r>
+              <a:rPr lang="ko-KR" altLang="en-US" dirty="0" smtClean="0"/>
+              <a:t>상호 보완적인 </a:t>
             </a:r>
             <a:r>
               <a:rPr lang="ko-KR" altLang="en-US" baseline="0" dirty="0" smtClean="0"/>
@@ -1102,6 +2747,136 @@
             <a:r>
               <a:rPr lang="ko-KR" altLang="en-US" baseline="0" dirty="0" smtClean="0"/>
               <a:t>보호자 간의 이해를 높일 수 있다는 장점이 있음</a:t>
+            </a:r>
+            <a:r>
+              <a:rPr lang="en-US" altLang="ko-KR" baseline="0" dirty="0" smtClean="0"/>
+              <a:t>. </a:t>
+            </a:r>
+            <a:endParaRPr lang="en-US" altLang="ko-KR" baseline="0" dirty="0" smtClean="0"/>
+          </a:p>
+          <a:p>
+            <a:endParaRPr lang="en-US" altLang="ko-KR" baseline="0" dirty="0" smtClean="0"/>
+          </a:p>
+          <a:p>
+            <a:r>
+              <a:rPr lang="en-US" altLang="ko-KR" baseline="0" dirty="0" smtClean="0"/>
+              <a:t>ALSFRS</a:t>
+            </a:r>
+            <a:r>
+              <a:rPr lang="ko-KR" altLang="en-US" baseline="0" dirty="0" smtClean="0"/>
+              <a:t>를 </a:t>
+            </a:r>
+            <a:r>
+              <a:rPr lang="en-US" altLang="ko-KR" baseline="0" dirty="0" smtClean="0"/>
+              <a:t>3</a:t>
+            </a:r>
+            <a:r>
+              <a:rPr lang="ko-KR" altLang="en-US" baseline="0" dirty="0" smtClean="0"/>
+              <a:t>개월마다 </a:t>
+            </a:r>
+            <a:r>
+              <a:rPr lang="en-US" altLang="ko-KR" baseline="0" dirty="0" smtClean="0"/>
+              <a:t>18</a:t>
+            </a:r>
+            <a:r>
+              <a:rPr lang="ko-KR" altLang="en-US" baseline="0" dirty="0" err="1" smtClean="0"/>
+              <a:t>개월동안</a:t>
+            </a:r>
+            <a:r>
+              <a:rPr lang="ko-KR" altLang="en-US" baseline="0" dirty="0" smtClean="0"/>
+              <a:t> </a:t>
+            </a:r>
+            <a:r>
+              <a:rPr lang="en-US" altLang="ko-KR" baseline="0" dirty="0" smtClean="0"/>
+              <a:t>f/u</a:t>
+            </a:r>
+            <a:r>
+              <a:rPr lang="ko-KR" altLang="en-US" baseline="0" dirty="0" smtClean="0"/>
+              <a:t>한 </a:t>
+            </a:r>
+            <a:r>
+              <a:rPr lang="en-US" altLang="ko-KR" baseline="0" dirty="0" smtClean="0"/>
+              <a:t>phase III </a:t>
+            </a:r>
+            <a:r>
+              <a:rPr lang="en-US" altLang="ko-KR" baseline="0" dirty="0" err="1" smtClean="0"/>
+              <a:t>randomised</a:t>
+            </a:r>
+            <a:r>
+              <a:rPr lang="en-US" altLang="ko-KR" baseline="0" dirty="0" smtClean="0"/>
+              <a:t> double-blind placebo-controlled study</a:t>
+            </a:r>
+            <a:r>
+              <a:rPr lang="ko-KR" altLang="en-US" baseline="0" dirty="0" smtClean="0"/>
+              <a:t>인 </a:t>
+            </a:r>
+            <a:r>
+              <a:rPr lang="en-US" altLang="ko-KR" baseline="0" dirty="0" smtClean="0"/>
+              <a:t>lithium carbonate</a:t>
+            </a:r>
+            <a:r>
+              <a:rPr lang="ko-KR" altLang="en-US" baseline="0" dirty="0" smtClean="0"/>
+              <a:t>의 효과를 연구한 </a:t>
+            </a:r>
+            <a:r>
+              <a:rPr lang="en-US" altLang="ko-KR" baseline="0" dirty="0" err="1" smtClean="0"/>
+              <a:t>LiCALS</a:t>
+            </a:r>
+            <a:r>
+              <a:rPr lang="en-US" altLang="ko-KR" baseline="0" dirty="0" smtClean="0"/>
+              <a:t> study</a:t>
+            </a:r>
+            <a:r>
+              <a:rPr lang="ko-KR" altLang="en-US" baseline="0" dirty="0" smtClean="0"/>
+              <a:t>를 가지고 분석했습니다</a:t>
+            </a:r>
+            <a:r>
+              <a:rPr lang="en-US" altLang="ko-KR" baseline="0" dirty="0" smtClean="0"/>
+              <a:t>. </a:t>
+            </a:r>
+            <a:r>
+              <a:rPr lang="ko-KR" altLang="en-US" baseline="0" dirty="0" smtClean="0"/>
+              <a:t>총 </a:t>
+            </a:r>
+            <a:r>
+              <a:rPr lang="en-US" altLang="ko-KR" baseline="0" dirty="0" smtClean="0"/>
+              <a:t>217</a:t>
+            </a:r>
+            <a:r>
+              <a:rPr lang="ko-KR" altLang="en-US" baseline="0" dirty="0" smtClean="0"/>
+              <a:t>명의 환자를 대상으로 했고 </a:t>
+            </a:r>
+            <a:r>
+              <a:rPr lang="en-US" altLang="ko-KR" baseline="0" dirty="0" smtClean="0"/>
+              <a:t>95</a:t>
+            </a:r>
+            <a:r>
+              <a:rPr lang="ko-KR" altLang="en-US" baseline="0" dirty="0" smtClean="0"/>
+              <a:t>명이 </a:t>
+            </a:r>
+            <a:r>
+              <a:rPr lang="en-US" altLang="ko-KR" baseline="0" dirty="0" smtClean="0"/>
+              <a:t>censor date</a:t>
+            </a:r>
+            <a:r>
+              <a:rPr lang="ko-KR" altLang="en-US" baseline="0" dirty="0" smtClean="0"/>
+              <a:t>에 사망했습니다</a:t>
+            </a:r>
+            <a:r>
+              <a:rPr lang="en-US" altLang="ko-KR" baseline="0" dirty="0" smtClean="0"/>
+              <a:t>. </a:t>
+            </a:r>
+            <a:r>
+              <a:rPr lang="ko-KR" altLang="en-US" baseline="0" dirty="0" smtClean="0"/>
+              <a:t>평균 생존기간은 </a:t>
+            </a:r>
+            <a:r>
+              <a:rPr lang="en-US" altLang="ko-KR" baseline="0" dirty="0" smtClean="0"/>
+              <a:t>43.6</a:t>
+            </a:r>
+            <a:r>
+              <a:rPr lang="ko-KR" altLang="en-US" baseline="0" dirty="0" smtClean="0"/>
+              <a:t>개월이었습니다</a:t>
             </a:r>
             <a:r>
               <a:rPr lang="en-US" altLang="ko-KR" baseline="0" dirty="0" smtClean="0"/>
@@ -1138,6 +2913,90 @@
     <p:extLst>
       <p:ext uri="{BB962C8B-B14F-4D97-AF65-F5344CB8AC3E}">
         <p14:creationId xmlns:p14="http://schemas.microsoft.com/office/powerpoint/2010/main" val="2263834720"/>
+      </p:ext>
+    </p:extLst>
+  </p:cSld>
+  <p:clrMapOvr>
+    <a:masterClrMapping/>
+  </p:clrMapOvr>
+</p:notes>
+</file>
+
+<file path=ppt/notesSlides/notesSlide13.xml><?xml version="1.0" encoding="utf-8"?>
+<p:notes xmlns:a="http://schemas.openxmlformats.org/drawingml/2006/main" xmlns:r="http://schemas.openxmlformats.org/officeDocument/2006/relationships" xmlns:p="http://schemas.openxmlformats.org/presentationml/2006/main">
+  <p:cSld>
+    <p:spTree>
+      <p:nvGrpSpPr>
+        <p:cNvPr id="1" name=""/>
+        <p:cNvGrpSpPr/>
+        <p:nvPr/>
+      </p:nvGrpSpPr>
+      <p:grpSpPr>
+        <a:xfrm>
+          <a:off x="0" y="0"/>
+          <a:ext cx="0" cy="0"/>
+          <a:chOff x="0" y="0"/>
+          <a:chExt cx="0" cy="0"/>
+        </a:xfrm>
+      </p:grpSpPr>
+      <p:sp>
+        <p:nvSpPr>
+          <p:cNvPr id="2" name="슬라이드 이미지 개체 틀 1"/>
+          <p:cNvSpPr>
+            <a:spLocks noGrp="1" noRot="1" noChangeAspect="1"/>
+          </p:cNvSpPr>
+          <p:nvPr>
+            <p:ph type="sldImg"/>
+          </p:nvPr>
+        </p:nvSpPr>
+        <p:spPr/>
+      </p:sp>
+      <p:sp>
+        <p:nvSpPr>
+          <p:cNvPr id="3" name="슬라이드 노트 개체 틀 2"/>
+          <p:cNvSpPr>
+            <a:spLocks noGrp="1"/>
+          </p:cNvSpPr>
+          <p:nvPr>
+            <p:ph type="body" idx="1"/>
+          </p:nvPr>
+        </p:nvSpPr>
+        <p:spPr/>
+        <p:txBody>
+          <a:bodyPr/>
+          <a:lstStyle/>
+          <a:p>
+            <a:endParaRPr lang="ko-KR" altLang="en-US"/>
+          </a:p>
+        </p:txBody>
+      </p:sp>
+      <p:sp>
+        <p:nvSpPr>
+          <p:cNvPr id="4" name="슬라이드 번호 개체 틀 3"/>
+          <p:cNvSpPr>
+            <a:spLocks noGrp="1"/>
+          </p:cNvSpPr>
+          <p:nvPr>
+            <p:ph type="sldNum" sz="quarter" idx="10"/>
+          </p:nvPr>
+        </p:nvSpPr>
+        <p:spPr/>
+        <p:txBody>
+          <a:bodyPr/>
+          <a:lstStyle/>
+          <a:p>
+            <a:fld id="{BBAA4D1B-A90B-4163-BF9D-AF53B78ADDD3}" type="slidenum">
+              <a:rPr lang="ko-KR" altLang="en-US" smtClean="0"/>
+              <a:t>13</a:t>
+            </a:fld>
+            <a:endParaRPr lang="ko-KR" altLang="en-US"/>
+          </a:p>
+        </p:txBody>
+      </p:sp>
+    </p:spTree>
+    <p:extLst>
+      <p:ext uri="{BB962C8B-B14F-4D97-AF65-F5344CB8AC3E}">
+        <p14:creationId xmlns:p14="http://schemas.microsoft.com/office/powerpoint/2010/main" val="3294118758"/>
       </p:ext>
     </p:extLst>
   </p:cSld>
@@ -7227,11 +9086,7 @@
             </a:r>
             <a:r>
               <a:rPr lang="en-US" altLang="ko-KR" baseline="0" dirty="0" smtClean="0"/>
-              <a:t>. </a:t>
-            </a:r>
-            <a:r>
-              <a:rPr lang="en-US" altLang="ko-KR" baseline="0" dirty="0" smtClean="0"/>
-              <a:t> </a:t>
+              <a:t>.  </a:t>
             </a:r>
           </a:p>
           <a:p>
@@ -7497,7 +9352,7 @@
           <a:p>
             <a:fld id="{11CF987C-FD17-4394-9A4F-BE2D66BE4DDF}" type="datetimeFigureOut">
               <a:rPr lang="ko-KR" altLang="en-US" smtClean="0"/>
-              <a:t>2021/07/16</a:t>
+              <a:t>2021-07-22</a:t>
             </a:fld>
             <a:endParaRPr lang="ko-KR" altLang="en-US"/>
           </a:p>
@@ -7674,7 +9529,7 @@
           <a:p>
             <a:fld id="{11CF987C-FD17-4394-9A4F-BE2D66BE4DDF}" type="datetimeFigureOut">
               <a:rPr lang="ko-KR" altLang="en-US" smtClean="0"/>
-              <a:t>2021/07/16</a:t>
+              <a:t>2021-07-22</a:t>
             </a:fld>
             <a:endParaRPr lang="ko-KR" altLang="en-US"/>
           </a:p>
@@ -7854,7 +9709,7 @@
           <a:p>
             <a:fld id="{11CF987C-FD17-4394-9A4F-BE2D66BE4DDF}" type="datetimeFigureOut">
               <a:rPr lang="ko-KR" altLang="en-US" smtClean="0"/>
-              <a:t>2021/07/16</a:t>
+              <a:t>2021-07-22</a:t>
             </a:fld>
             <a:endParaRPr lang="ko-KR" altLang="en-US"/>
           </a:p>
@@ -8215,7 +10070,7 @@
           <a:p>
             <a:fld id="{11CF987C-FD17-4394-9A4F-BE2D66BE4DDF}" type="datetimeFigureOut">
               <a:rPr lang="ko-KR" altLang="en-US" smtClean="0"/>
-              <a:t>2021/07/16</a:t>
+              <a:t>2021-07-22</a:t>
             </a:fld>
             <a:endParaRPr lang="ko-KR" altLang="en-US"/>
           </a:p>
@@ -8447,7 +10302,7 @@
           <a:p>
             <a:fld id="{11CF987C-FD17-4394-9A4F-BE2D66BE4DDF}" type="datetimeFigureOut">
               <a:rPr lang="ko-KR" altLang="en-US" smtClean="0"/>
-              <a:t>2021/07/16</a:t>
+              <a:t>2021-07-22</a:t>
             </a:fld>
             <a:endParaRPr lang="ko-KR" altLang="en-US"/>
           </a:p>
@@ -8814,7 +10669,7 @@
           <a:p>
             <a:fld id="{11CF987C-FD17-4394-9A4F-BE2D66BE4DDF}" type="datetimeFigureOut">
               <a:rPr lang="ko-KR" altLang="en-US" smtClean="0"/>
-              <a:t>2021/07/16</a:t>
+              <a:t>2021-07-22</a:t>
             </a:fld>
             <a:endParaRPr lang="ko-KR" altLang="en-US"/>
           </a:p>
@@ -8932,7 +10787,7 @@
           <a:p>
             <a:fld id="{11CF987C-FD17-4394-9A4F-BE2D66BE4DDF}" type="datetimeFigureOut">
               <a:rPr lang="ko-KR" altLang="en-US" smtClean="0"/>
-              <a:t>2021/07/16</a:t>
+              <a:t>2021-07-22</a:t>
             </a:fld>
             <a:endParaRPr lang="ko-KR" altLang="en-US"/>
           </a:p>
@@ -9027,7 +10882,7 @@
           <a:p>
             <a:fld id="{11CF987C-FD17-4394-9A4F-BE2D66BE4DDF}" type="datetimeFigureOut">
               <a:rPr lang="ko-KR" altLang="en-US" smtClean="0"/>
-              <a:t>2021/07/16</a:t>
+              <a:t>2021-07-22</a:t>
             </a:fld>
             <a:endParaRPr lang="ko-KR" altLang="en-US"/>
           </a:p>
@@ -9304,7 +11159,7 @@
           <a:p>
             <a:fld id="{11CF987C-FD17-4394-9A4F-BE2D66BE4DDF}" type="datetimeFigureOut">
               <a:rPr lang="ko-KR" altLang="en-US" smtClean="0"/>
-              <a:t>2021/07/16</a:t>
+              <a:t>2021-07-22</a:t>
             </a:fld>
             <a:endParaRPr lang="ko-KR" altLang="en-US"/>
           </a:p>
@@ -9561,7 +11416,7 @@
           <a:p>
             <a:fld id="{11CF987C-FD17-4394-9A4F-BE2D66BE4DDF}" type="datetimeFigureOut">
               <a:rPr lang="ko-KR" altLang="en-US" smtClean="0"/>
-              <a:t>2021/07/16</a:t>
+              <a:t>2021-07-22</a:t>
             </a:fld>
             <a:endParaRPr lang="ko-KR" altLang="en-US"/>
           </a:p>
@@ -9800,7 +11655,7 @@
           <a:p>
             <a:fld id="{11CF987C-FD17-4394-9A4F-BE2D66BE4DDF}" type="datetimeFigureOut">
               <a:rPr lang="ko-KR" altLang="en-US" smtClean="0"/>
-              <a:t>2021/07/16</a:t>
+              <a:t>2021-07-22</a:t>
             </a:fld>
             <a:endParaRPr lang="ko-KR" altLang="en-US"/>
           </a:p>
@@ -10312,34 +12167,13 @@
           <a:chExt cx="0" cy="0"/>
         </a:xfrm>
       </p:grpSpPr>
-      <p:sp>
-        <p:nvSpPr>
-          <p:cNvPr id="2" name="제목 1"/>
-          <p:cNvSpPr>
-            <a:spLocks noGrp="1"/>
-          </p:cNvSpPr>
-          <p:nvPr>
-            <p:ph type="title"/>
-          </p:nvPr>
-        </p:nvSpPr>
-        <p:spPr/>
-        <p:txBody>
-          <a:bodyPr/>
-          <a:lstStyle/>
-          <a:p>
-            <a:endParaRPr lang="ko-KR" altLang="en-US"/>
-          </a:p>
-        </p:txBody>
-      </p:sp>
       <p:pic>
         <p:nvPicPr>
-          <p:cNvPr id="4" name="내용 개체 틀 3"/>
+          <p:cNvPr id="5" name="내용 개체 틀 3"/>
           <p:cNvPicPr>
-            <a:picLocks noGrp="1" noChangeAspect="1"/>
+            <a:picLocks noChangeAspect="1"/>
           </p:cNvPicPr>
-          <p:nvPr>
-            <p:ph idx="1"/>
-          </p:nvPr>
+          <p:nvPr/>
         </p:nvPicPr>
         <p:blipFill>
           <a:blip r:embed="rId3"/>
@@ -10349,32 +12183,8 @@
         </p:blipFill>
         <p:spPr>
           <a:xfrm>
-            <a:off x="0" y="1"/>
-            <a:ext cx="6790979" cy="4433103"/>
-          </a:xfrm>
-          <a:prstGeom prst="rect">
-            <a:avLst/>
-          </a:prstGeom>
-        </p:spPr>
-      </p:pic>
-      <p:pic>
-        <p:nvPicPr>
-          <p:cNvPr id="5" name="내용 개체 틀 3"/>
-          <p:cNvPicPr>
-            <a:picLocks noChangeAspect="1"/>
-          </p:cNvPicPr>
-          <p:nvPr/>
-        </p:nvPicPr>
-        <p:blipFill>
-          <a:blip r:embed="rId4"/>
-          <a:stretch>
-            <a:fillRect/>
-          </a:stretch>
-        </p:blipFill>
-        <p:spPr>
-          <a:xfrm>
-            <a:off x="0" y="4598041"/>
-            <a:ext cx="6678592" cy="2270565"/>
+            <a:off x="0" y="1218027"/>
+            <a:ext cx="11834476" cy="4023445"/>
           </a:xfrm>
           <a:prstGeom prst="rect">
             <a:avLst/>
@@ -10411,25 +12221,6 @@
           <a:chExt cx="0" cy="0"/>
         </a:xfrm>
       </p:grpSpPr>
-      <p:sp>
-        <p:nvSpPr>
-          <p:cNvPr id="2" name="제목 1"/>
-          <p:cNvSpPr>
-            <a:spLocks noGrp="1"/>
-          </p:cNvSpPr>
-          <p:nvPr>
-            <p:ph type="title"/>
-          </p:nvPr>
-        </p:nvSpPr>
-        <p:spPr/>
-        <p:txBody>
-          <a:bodyPr/>
-          <a:lstStyle/>
-          <a:p>
-            <a:endParaRPr lang="ko-KR" altLang="en-US"/>
-          </a:p>
-        </p:txBody>
-      </p:sp>
       <p:pic>
         <p:nvPicPr>
           <p:cNvPr id="5" name="그림 4"/>
@@ -10478,25 +12269,6 @@
           </a:prstGeom>
         </p:spPr>
       </p:pic>
-      <p:sp>
-        <p:nvSpPr>
-          <p:cNvPr id="7" name="내용 개체 틀 6"/>
-          <p:cNvSpPr>
-            <a:spLocks noGrp="1"/>
-          </p:cNvSpPr>
-          <p:nvPr>
-            <p:ph idx="1"/>
-          </p:nvPr>
-        </p:nvSpPr>
-        <p:spPr/>
-        <p:txBody>
-          <a:bodyPr/>
-          <a:lstStyle/>
-          <a:p>
-            <a:endParaRPr lang="ko-KR" altLang="en-US"/>
-          </a:p>
-        </p:txBody>
-      </p:sp>
     </p:spTree>
     <p:extLst>
       <p:ext uri="{BB962C8B-B14F-4D97-AF65-F5344CB8AC3E}">
@@ -10615,6 +12387,105 @@
 </file>
 
 <file path=ppt/slides/slide13.xml><?xml version="1.0" encoding="utf-8"?>
+<p:sld xmlns:a="http://schemas.openxmlformats.org/drawingml/2006/main" xmlns:r="http://schemas.openxmlformats.org/officeDocument/2006/relationships" xmlns:p="http://schemas.openxmlformats.org/presentationml/2006/main">
+  <p:cSld>
+    <p:spTree>
+      <p:nvGrpSpPr>
+        <p:cNvPr id="1" name=""/>
+        <p:cNvGrpSpPr/>
+        <p:nvPr/>
+      </p:nvGrpSpPr>
+      <p:grpSpPr>
+        <a:xfrm>
+          <a:off x="0" y="0"/>
+          <a:ext cx="0" cy="0"/>
+          <a:chOff x="0" y="0"/>
+          <a:chExt cx="0" cy="0"/>
+        </a:xfrm>
+      </p:grpSpPr>
+      <p:sp>
+        <p:nvSpPr>
+          <p:cNvPr id="2" name="제목 1"/>
+          <p:cNvSpPr>
+            <a:spLocks noGrp="1"/>
+          </p:cNvSpPr>
+          <p:nvPr>
+            <p:ph type="title"/>
+          </p:nvPr>
+        </p:nvSpPr>
+        <p:spPr/>
+        <p:txBody>
+          <a:bodyPr/>
+          <a:lstStyle/>
+          <a:p>
+            <a:endParaRPr lang="ko-KR" altLang="en-US"/>
+          </a:p>
+        </p:txBody>
+      </p:sp>
+      <p:pic>
+        <p:nvPicPr>
+          <p:cNvPr id="4" name="내용 개체 틀 3"/>
+          <p:cNvPicPr>
+            <a:picLocks noGrp="1" noChangeAspect="1"/>
+          </p:cNvPicPr>
+          <p:nvPr>
+            <p:ph idx="1"/>
+          </p:nvPr>
+        </p:nvPicPr>
+        <p:blipFill>
+          <a:blip r:embed="rId3"/>
+          <a:stretch>
+            <a:fillRect/>
+          </a:stretch>
+        </p:blipFill>
+        <p:spPr>
+          <a:xfrm>
+            <a:off x="-1" y="1016001"/>
+            <a:ext cx="6041571" cy="5869936"/>
+          </a:xfrm>
+          <a:prstGeom prst="rect">
+            <a:avLst/>
+          </a:prstGeom>
+        </p:spPr>
+      </p:pic>
+      <p:pic>
+        <p:nvPicPr>
+          <p:cNvPr id="5" name="그림 4"/>
+          <p:cNvPicPr>
+            <a:picLocks noChangeAspect="1"/>
+          </p:cNvPicPr>
+          <p:nvPr/>
+        </p:nvPicPr>
+        <p:blipFill>
+          <a:blip r:embed="rId4"/>
+          <a:stretch>
+            <a:fillRect/>
+          </a:stretch>
+        </p:blipFill>
+        <p:spPr>
+          <a:xfrm>
+            <a:off x="6041570" y="1576856"/>
+            <a:ext cx="6150430" cy="5281144"/>
+          </a:xfrm>
+          <a:prstGeom prst="rect">
+            <a:avLst/>
+          </a:prstGeom>
+        </p:spPr>
+      </p:pic>
+    </p:spTree>
+    <p:extLst>
+      <p:ext uri="{BB962C8B-B14F-4D97-AF65-F5344CB8AC3E}">
+        <p14:creationId xmlns:p14="http://schemas.microsoft.com/office/powerpoint/2010/main" val="3023996582"/>
+      </p:ext>
+    </p:extLst>
+  </p:cSld>
+  <p:clrMapOvr>
+    <a:masterClrMapping/>
+  </p:clrMapOvr>
+</p:sld>
+</file>
+
+<file path=ppt/slides/slide14.xml><?xml version="1.0" encoding="utf-8"?>
 <p:sld xmlns:a="http://schemas.openxmlformats.org/drawingml/2006/main" xmlns:r="http://schemas.openxmlformats.org/officeDocument/2006/relationships" xmlns:p="http://schemas.openxmlformats.org/presentationml/2006/main">
   <p:cSld>
     <p:spTree>

--- a/SNUH 심포지엄-유일한.pptx
+++ b/SNUH 심포지엄-유일한.pptx
@@ -5,7 +5,7 @@
     <p:sldMasterId id="2147483660" r:id="rId1"/>
   </p:sldMasterIdLst>
   <p:notesMasterIdLst>
-    <p:notesMasterId r:id="rId16"/>
+    <p:notesMasterId r:id="rId17"/>
   </p:notesMasterIdLst>
   <p:sldIdLst>
     <p:sldId id="256" r:id="rId2"/>
@@ -21,7 +21,8 @@
     <p:sldId id="268" r:id="rId12"/>
     <p:sldId id="260" r:id="rId13"/>
     <p:sldId id="269" r:id="rId14"/>
-    <p:sldId id="261" r:id="rId15"/>
+    <p:sldId id="270" r:id="rId15"/>
+    <p:sldId id="261" r:id="rId16"/>
   </p:sldIdLst>
   <p:sldSz cx="12192000" cy="6858000"/>
   <p:notesSz cx="6858000" cy="9144000"/>
@@ -210,7 +211,7 @@
           <a:p>
             <a:fld id="{E8FBBB6A-BE53-4BF0-B17E-892FAA57C2D4}" type="datetimeFigureOut">
               <a:rPr lang="ko-KR" altLang="en-US" smtClean="0"/>
-              <a:t>2021-07-22</a:t>
+              <a:t>2021/07/23</a:t>
             </a:fld>
             <a:endParaRPr lang="ko-KR" altLang="en-US"/>
           </a:p>
@@ -2662,15 +2663,7 @@
             </a:r>
             <a:r>
               <a:rPr lang="ko-KR" altLang="en-US" dirty="0" smtClean="0"/>
-              <a:t>는 </a:t>
-            </a:r>
-            <a:r>
-              <a:rPr lang="ko-KR" altLang="en-US" dirty="0" smtClean="0"/>
-              <a:t>중복 이라기보다는 </a:t>
-            </a:r>
-            <a:r>
-              <a:rPr lang="ko-KR" altLang="en-US" dirty="0" smtClean="0"/>
-              <a:t>상호 보완적인 </a:t>
+              <a:t>는 중복 이라기보다는 상호 보완적인 </a:t>
             </a:r>
             <a:r>
               <a:rPr lang="ko-KR" altLang="en-US" baseline="0" dirty="0" smtClean="0"/>
@@ -2752,7 +2745,6 @@
               <a:rPr lang="en-US" altLang="ko-KR" baseline="0" dirty="0" smtClean="0"/>
               <a:t>. </a:t>
             </a:r>
-            <a:endParaRPr lang="en-US" altLang="ko-KR" baseline="0" dirty="0" smtClean="0"/>
           </a:p>
           <a:p>
             <a:endParaRPr lang="en-US" altLang="ko-KR" baseline="0" dirty="0" smtClean="0"/>
@@ -2966,7 +2958,53 @@
           <a:bodyPr/>
           <a:lstStyle/>
           <a:p>
-            <a:endParaRPr lang="ko-KR" altLang="en-US"/>
+            <a:r>
+              <a:rPr lang="en-US" altLang="ko-KR" dirty="0" smtClean="0"/>
+              <a:t>King’s system</a:t>
+            </a:r>
+            <a:r>
+              <a:rPr lang="ko-KR" altLang="en-US" dirty="0" smtClean="0"/>
+              <a:t>과 </a:t>
+            </a:r>
+            <a:r>
+              <a:rPr lang="en-US" altLang="ko-KR" dirty="0" err="1" smtClean="0"/>
+              <a:t>MiToS</a:t>
+            </a:r>
+            <a:r>
+              <a:rPr lang="en-US" altLang="ko-KR" dirty="0" smtClean="0"/>
+              <a:t> system</a:t>
+            </a:r>
+            <a:r>
+              <a:rPr lang="ko-KR" altLang="en-US" dirty="0" smtClean="0"/>
+              <a:t>의 분포를 보면 </a:t>
+            </a:r>
+            <a:r>
+              <a:rPr lang="en-US" altLang="ko-KR" dirty="0" smtClean="0"/>
+              <a:t>King</a:t>
+            </a:r>
+            <a:r>
+              <a:rPr lang="ko-KR" altLang="en-US" dirty="0" smtClean="0"/>
+              <a:t>은 초기와 중기에 좀더 많이 분포하고 </a:t>
+            </a:r>
+            <a:r>
+              <a:rPr lang="en-US" altLang="ko-KR" dirty="0" err="1" smtClean="0"/>
+              <a:t>MiToS</a:t>
+            </a:r>
+            <a:r>
+              <a:rPr lang="ko-KR" altLang="en-US" dirty="0" smtClean="0"/>
+              <a:t>는 후기에 더</a:t>
+            </a:r>
+            <a:r>
+              <a:rPr lang="ko-KR" altLang="en-US" baseline="0" dirty="0" smtClean="0"/>
+              <a:t> 많이 분포하는 경향을 보였습니다</a:t>
+            </a:r>
+            <a:r>
+              <a:rPr lang="en-US" altLang="ko-KR" baseline="0" dirty="0" smtClean="0"/>
+              <a:t>. </a:t>
+            </a:r>
+          </a:p>
+          <a:p>
+            <a:endParaRPr lang="ko-KR" altLang="en-US" dirty="0"/>
           </a:p>
         </p:txBody>
       </p:sp>
@@ -2997,6 +3035,373 @@
     <p:extLst>
       <p:ext uri="{BB962C8B-B14F-4D97-AF65-F5344CB8AC3E}">
         <p14:creationId xmlns:p14="http://schemas.microsoft.com/office/powerpoint/2010/main" val="3294118758"/>
+      </p:ext>
+    </p:extLst>
+  </p:cSld>
+  <p:clrMapOvr>
+    <a:masterClrMapping/>
+  </p:clrMapOvr>
+</p:notes>
+</file>
+
+<file path=ppt/notesSlides/notesSlide14.xml><?xml version="1.0" encoding="utf-8"?>
+<p:notes xmlns:a="http://schemas.openxmlformats.org/drawingml/2006/main" xmlns:r="http://schemas.openxmlformats.org/officeDocument/2006/relationships" xmlns:p="http://schemas.openxmlformats.org/presentationml/2006/main">
+  <p:cSld>
+    <p:spTree>
+      <p:nvGrpSpPr>
+        <p:cNvPr id="1" name=""/>
+        <p:cNvGrpSpPr/>
+        <p:nvPr/>
+      </p:nvGrpSpPr>
+      <p:grpSpPr>
+        <a:xfrm>
+          <a:off x="0" y="0"/>
+          <a:ext cx="0" cy="0"/>
+          <a:chOff x="0" y="0"/>
+          <a:chExt cx="0" cy="0"/>
+        </a:xfrm>
+      </p:grpSpPr>
+      <p:sp>
+        <p:nvSpPr>
+          <p:cNvPr id="2" name="슬라이드 이미지 개체 틀 1"/>
+          <p:cNvSpPr>
+            <a:spLocks noGrp="1" noRot="1" noChangeAspect="1"/>
+          </p:cNvSpPr>
+          <p:nvPr>
+            <p:ph type="sldImg"/>
+          </p:nvPr>
+        </p:nvSpPr>
+        <p:spPr/>
+      </p:sp>
+      <p:sp>
+        <p:nvSpPr>
+          <p:cNvPr id="3" name="슬라이드 노트 개체 틀 2"/>
+          <p:cNvSpPr>
+            <a:spLocks noGrp="1"/>
+          </p:cNvSpPr>
+          <p:nvPr>
+            <p:ph type="body" idx="1"/>
+          </p:nvPr>
+        </p:nvSpPr>
+        <p:spPr/>
+        <p:txBody>
+          <a:bodyPr/>
+          <a:lstStyle/>
+          <a:p>
+            <a:r>
+              <a:rPr lang="en-US" altLang="ko-KR" dirty="0" smtClean="0"/>
+              <a:t>Pairwise</a:t>
+            </a:r>
+            <a:r>
+              <a:rPr lang="en-US" altLang="ko-KR" baseline="0" dirty="0" smtClean="0"/>
+              <a:t> comparison</a:t>
+            </a:r>
+            <a:r>
+              <a:rPr lang="ko-KR" altLang="en-US" baseline="0" dirty="0" smtClean="0"/>
+              <a:t>으로 </a:t>
+            </a:r>
+            <a:r>
+              <a:rPr lang="ko-KR" altLang="en-US" baseline="0" dirty="0" err="1" smtClean="0"/>
+              <a:t>비교했을때</a:t>
+            </a:r>
+            <a:r>
+              <a:rPr lang="ko-KR" altLang="en-US" baseline="0" dirty="0" smtClean="0"/>
+              <a:t> </a:t>
+            </a:r>
+            <a:r>
+              <a:rPr lang="en-US" altLang="ko-KR" baseline="0" dirty="0" smtClean="0"/>
+              <a:t>King’s system 1,2</a:t>
+            </a:r>
+            <a:r>
+              <a:rPr lang="ko-KR" altLang="en-US" baseline="0" dirty="0" smtClean="0"/>
+              <a:t>는 </a:t>
+            </a:r>
+            <a:r>
+              <a:rPr lang="en-US" altLang="ko-KR" baseline="0" dirty="0" err="1" smtClean="0"/>
+              <a:t>MiToS</a:t>
+            </a:r>
+            <a:r>
+              <a:rPr lang="en-US" altLang="ko-KR" baseline="0" dirty="0" smtClean="0"/>
+              <a:t> 0,1</a:t>
+            </a:r>
+            <a:r>
+              <a:rPr lang="ko-KR" altLang="en-US" baseline="0" dirty="0" smtClean="0"/>
+              <a:t>에 주로 </a:t>
+            </a:r>
+            <a:r>
+              <a:rPr lang="en-US" altLang="ko-KR" baseline="0" dirty="0" smtClean="0"/>
+              <a:t>match</a:t>
+            </a:r>
+            <a:r>
+              <a:rPr lang="ko-KR" altLang="en-US" baseline="0" dirty="0" smtClean="0"/>
+              <a:t>되었고 </a:t>
+            </a:r>
+            <a:r>
+              <a:rPr lang="en-US" altLang="ko-KR" baseline="0" dirty="0" smtClean="0"/>
+              <a:t>King stage 3</a:t>
+            </a:r>
+            <a:r>
+              <a:rPr lang="ko-KR" altLang="en-US" baseline="0" dirty="0" smtClean="0"/>
+              <a:t>는 </a:t>
+            </a:r>
+            <a:r>
+              <a:rPr lang="en-US" altLang="ko-KR" baseline="0" dirty="0" smtClean="0"/>
+              <a:t>0</a:t>
+            </a:r>
+            <a:r>
+              <a:rPr lang="ko-KR" altLang="en-US" baseline="0" dirty="0" smtClean="0"/>
+              <a:t>또는 </a:t>
+            </a:r>
+            <a:r>
+              <a:rPr lang="en-US" altLang="ko-KR" baseline="0" dirty="0" smtClean="0"/>
+              <a:t>1</a:t>
+            </a:r>
+            <a:r>
+              <a:rPr lang="ko-KR" altLang="en-US" baseline="0" dirty="0" smtClean="0"/>
+              <a:t>에 주로</a:t>
+            </a:r>
+            <a:r>
+              <a:rPr lang="en-US" altLang="ko-KR" baseline="0" dirty="0" smtClean="0"/>
+              <a:t>, King stage 4</a:t>
+            </a:r>
+            <a:r>
+              <a:rPr lang="ko-KR" altLang="en-US" baseline="0" dirty="0" smtClean="0"/>
+              <a:t>는 </a:t>
+            </a:r>
+            <a:r>
+              <a:rPr lang="en-US" altLang="ko-KR" baseline="0" dirty="0" err="1" smtClean="0"/>
+              <a:t>MiTos</a:t>
+            </a:r>
+            <a:r>
+              <a:rPr lang="en-US" altLang="ko-KR" baseline="0" dirty="0" smtClean="0"/>
+              <a:t> 1,2</a:t>
+            </a:r>
+            <a:r>
+              <a:rPr lang="ko-KR" altLang="en-US" baseline="0" dirty="0" smtClean="0"/>
+              <a:t>에 주로 </a:t>
+            </a:r>
+            <a:r>
+              <a:rPr lang="en-US" altLang="ko-KR" baseline="0" dirty="0" smtClean="0"/>
+              <a:t>match</a:t>
+            </a:r>
+            <a:r>
+              <a:rPr lang="ko-KR" altLang="en-US" baseline="0" dirty="0" smtClean="0"/>
+              <a:t>되고 다음으로 </a:t>
+            </a:r>
+            <a:r>
+              <a:rPr lang="en-US" altLang="ko-KR" baseline="0" dirty="0" smtClean="0"/>
+              <a:t>3</a:t>
+            </a:r>
+            <a:r>
+              <a:rPr lang="ko-KR" altLang="en-US" baseline="0" dirty="0" smtClean="0"/>
+              <a:t>에 </a:t>
+            </a:r>
+            <a:r>
+              <a:rPr lang="en-US" altLang="ko-KR" baseline="0" dirty="0" smtClean="0"/>
+              <a:t>match</a:t>
+            </a:r>
+            <a:r>
+              <a:rPr lang="ko-KR" altLang="en-US" baseline="0" dirty="0" smtClean="0"/>
+              <a:t>되는 결과를 보였습니다</a:t>
+            </a:r>
+            <a:r>
+              <a:rPr lang="en-US" altLang="ko-KR" baseline="0" dirty="0" smtClean="0"/>
+              <a:t>. </a:t>
+            </a:r>
+          </a:p>
+          <a:p>
+            <a:r>
+              <a:rPr lang="en-US" altLang="ko-KR" baseline="0" dirty="0" smtClean="0"/>
+              <a:t>Chi-square test</a:t>
+            </a:r>
+            <a:r>
+              <a:rPr lang="ko-KR" altLang="en-US" baseline="0" dirty="0" smtClean="0"/>
+              <a:t>로 </a:t>
+            </a:r>
+            <a:r>
+              <a:rPr lang="en-US" altLang="ko-KR" baseline="0" dirty="0" smtClean="0"/>
+              <a:t>King stage</a:t>
+            </a:r>
+            <a:r>
+              <a:rPr lang="ko-KR" altLang="en-US" baseline="0" dirty="0" smtClean="0"/>
+              <a:t>와 </a:t>
+            </a:r>
+            <a:r>
+              <a:rPr lang="en-US" altLang="ko-KR" baseline="0" dirty="0" err="1" smtClean="0"/>
+              <a:t>MiToS</a:t>
+            </a:r>
+            <a:r>
+              <a:rPr lang="en-US" altLang="ko-KR" baseline="0" dirty="0" smtClean="0"/>
+              <a:t> stage</a:t>
+            </a:r>
+            <a:r>
+              <a:rPr lang="ko-KR" altLang="en-US" baseline="0" dirty="0" smtClean="0"/>
+              <a:t>의 연관성을 보면 </a:t>
+            </a:r>
+            <a:r>
+              <a:rPr lang="en-US" altLang="ko-KR" baseline="0" dirty="0" smtClean="0"/>
+              <a:t>King stage 4</a:t>
+            </a:r>
+            <a:r>
+              <a:rPr lang="ko-KR" altLang="en-US" baseline="0" dirty="0" smtClean="0"/>
+              <a:t>는 </a:t>
+            </a:r>
+            <a:r>
+              <a:rPr lang="en-US" altLang="ko-KR" baseline="0" dirty="0" err="1" smtClean="0"/>
+              <a:t>MiToS</a:t>
+            </a:r>
+            <a:r>
+              <a:rPr lang="en-US" altLang="ko-KR" baseline="0" dirty="0" smtClean="0"/>
+              <a:t> 2</a:t>
+            </a:r>
+            <a:r>
+              <a:rPr lang="ko-KR" altLang="en-US" baseline="0" dirty="0" smtClean="0"/>
+              <a:t>에 가장 강한 연관관계를 보였습니다</a:t>
+            </a:r>
+            <a:r>
+              <a:rPr lang="en-US" altLang="ko-KR" baseline="0" dirty="0" smtClean="0"/>
+              <a:t>. Correlation coefficient 0.54</a:t>
+            </a:r>
+            <a:r>
+              <a:rPr lang="ko-KR" altLang="en-US" baseline="0" dirty="0" smtClean="0"/>
+              <a:t>였습니다</a:t>
+            </a:r>
+            <a:r>
+              <a:rPr lang="en-US" altLang="ko-KR" baseline="0" dirty="0" smtClean="0"/>
+              <a:t>. Linearly weighted kappa </a:t>
+            </a:r>
+            <a:r>
+              <a:rPr lang="en-US" altLang="ko-KR" baseline="0" dirty="0" err="1" smtClean="0"/>
+              <a:t>aggrement</a:t>
+            </a:r>
+            <a:r>
+              <a:rPr lang="ko-KR" altLang="en-US" baseline="0" dirty="0" smtClean="0"/>
+              <a:t>에서는 </a:t>
+            </a:r>
+            <a:r>
+              <a:rPr lang="en-US" altLang="ko-KR" baseline="0" dirty="0" smtClean="0"/>
+              <a:t>kappa </a:t>
+            </a:r>
+            <a:r>
+              <a:rPr lang="en-US" altLang="ko-KR" baseline="0" dirty="0" err="1" smtClean="0"/>
+              <a:t>coefficienct</a:t>
+            </a:r>
+            <a:r>
+              <a:rPr lang="ko-KR" altLang="en-US" baseline="0" dirty="0" smtClean="0"/>
+              <a:t>값이 </a:t>
+            </a:r>
+            <a:r>
+              <a:rPr lang="en-US" altLang="ko-KR" baseline="0" dirty="0" smtClean="0"/>
+              <a:t>0.21</a:t>
+            </a:r>
+            <a:r>
+              <a:rPr lang="ko-KR" altLang="en-US" baseline="0" dirty="0" smtClean="0"/>
+              <a:t>이었고 </a:t>
+            </a:r>
+            <a:r>
+              <a:rPr lang="en-US" altLang="ko-KR" baseline="0" dirty="0" smtClean="0"/>
+              <a:t>95% CI</a:t>
+            </a:r>
+            <a:r>
+              <a:rPr lang="ko-KR" altLang="en-US" baseline="0" dirty="0" smtClean="0"/>
+              <a:t>는 </a:t>
+            </a:r>
+            <a:r>
+              <a:rPr lang="en-US" altLang="ko-KR" baseline="0" dirty="0" smtClean="0"/>
+              <a:t>0.18-0.24</a:t>
+            </a:r>
+            <a:r>
+              <a:rPr lang="ko-KR" altLang="en-US" baseline="0" dirty="0" smtClean="0"/>
+              <a:t>였습니다</a:t>
+            </a:r>
+            <a:r>
+              <a:rPr lang="en-US" altLang="ko-KR" baseline="0" dirty="0" smtClean="0"/>
+              <a:t>. </a:t>
+            </a:r>
+          </a:p>
+          <a:p>
+            <a:endParaRPr lang="en-US" altLang="ko-KR" baseline="0" dirty="0" smtClean="0"/>
+          </a:p>
+          <a:p>
+            <a:r>
+              <a:rPr lang="en-US" altLang="ko-KR" dirty="0" smtClean="0"/>
+              <a:t>King’s system</a:t>
+            </a:r>
+            <a:r>
+              <a:rPr lang="ko-KR" altLang="en-US" dirty="0" smtClean="0"/>
+              <a:t>은 초기</a:t>
+            </a:r>
+            <a:r>
+              <a:rPr lang="en-US" altLang="ko-KR" dirty="0" smtClean="0"/>
+              <a:t>,</a:t>
+            </a:r>
+            <a:r>
+              <a:rPr lang="ko-KR" altLang="en-US" dirty="0" smtClean="0"/>
+              <a:t>중기</a:t>
+            </a:r>
+            <a:r>
+              <a:rPr lang="ko-KR" altLang="en-US" baseline="0" dirty="0" smtClean="0"/>
+              <a:t> 질환 감별에 좋고 </a:t>
+            </a:r>
+            <a:r>
+              <a:rPr lang="en-US" altLang="ko-KR" baseline="0" dirty="0" err="1" smtClean="0"/>
+              <a:t>MiToS</a:t>
+            </a:r>
+            <a:r>
+              <a:rPr lang="ko-KR" altLang="en-US" baseline="0" dirty="0" smtClean="0"/>
+              <a:t>는 </a:t>
+            </a:r>
+            <a:r>
+              <a:rPr lang="ko-KR" altLang="en-US" baseline="0" dirty="0" err="1" smtClean="0"/>
+              <a:t>후기질환</a:t>
+            </a:r>
+            <a:r>
+              <a:rPr lang="ko-KR" altLang="en-US" baseline="0" dirty="0" smtClean="0"/>
+              <a:t> 감별에 </a:t>
+            </a:r>
+            <a:r>
+              <a:rPr lang="ko-KR" altLang="en-US" baseline="0" dirty="0" err="1" smtClean="0"/>
+              <a:t>좋은결과로</a:t>
+            </a:r>
+            <a:r>
+              <a:rPr lang="ko-KR" altLang="en-US" baseline="0" dirty="0" smtClean="0"/>
+              <a:t> 나왔습니다</a:t>
+            </a:r>
+            <a:r>
+              <a:rPr lang="en-US" altLang="ko-KR" baseline="0" dirty="0" smtClean="0"/>
+              <a:t>. </a:t>
+            </a:r>
+            <a:endParaRPr lang="ko-KR" altLang="en-US" dirty="0"/>
+          </a:p>
+        </p:txBody>
+      </p:sp>
+      <p:sp>
+        <p:nvSpPr>
+          <p:cNvPr id="4" name="슬라이드 번호 개체 틀 3"/>
+          <p:cNvSpPr>
+            <a:spLocks noGrp="1"/>
+          </p:cNvSpPr>
+          <p:nvPr>
+            <p:ph type="sldNum" sz="quarter" idx="10"/>
+          </p:nvPr>
+        </p:nvSpPr>
+        <p:spPr/>
+        <p:txBody>
+          <a:bodyPr/>
+          <a:lstStyle/>
+          <a:p>
+            <a:fld id="{BBAA4D1B-A90B-4163-BF9D-AF53B78ADDD3}" type="slidenum">
+              <a:rPr lang="ko-KR" altLang="en-US" smtClean="0"/>
+              <a:t>14</a:t>
+            </a:fld>
+            <a:endParaRPr lang="ko-KR" altLang="en-US"/>
+          </a:p>
+        </p:txBody>
+      </p:sp>
+    </p:spTree>
+    <p:extLst>
+      <p:ext uri="{BB962C8B-B14F-4D97-AF65-F5344CB8AC3E}">
+        <p14:creationId xmlns:p14="http://schemas.microsoft.com/office/powerpoint/2010/main" val="347477157"/>
       </p:ext>
     </p:extLst>
   </p:cSld>
@@ -9352,7 +9757,7 @@
           <a:p>
             <a:fld id="{11CF987C-FD17-4394-9A4F-BE2D66BE4DDF}" type="datetimeFigureOut">
               <a:rPr lang="ko-KR" altLang="en-US" smtClean="0"/>
-              <a:t>2021-07-22</a:t>
+              <a:t>2021/07/23</a:t>
             </a:fld>
             <a:endParaRPr lang="ko-KR" altLang="en-US"/>
           </a:p>
@@ -9529,7 +9934,7 @@
           <a:p>
             <a:fld id="{11CF987C-FD17-4394-9A4F-BE2D66BE4DDF}" type="datetimeFigureOut">
               <a:rPr lang="ko-KR" altLang="en-US" smtClean="0"/>
-              <a:t>2021-07-22</a:t>
+              <a:t>2021/07/23</a:t>
             </a:fld>
             <a:endParaRPr lang="ko-KR" altLang="en-US"/>
           </a:p>
@@ -9709,7 +10114,7 @@
           <a:p>
             <a:fld id="{11CF987C-FD17-4394-9A4F-BE2D66BE4DDF}" type="datetimeFigureOut">
               <a:rPr lang="ko-KR" altLang="en-US" smtClean="0"/>
-              <a:t>2021-07-22</a:t>
+              <a:t>2021/07/23</a:t>
             </a:fld>
             <a:endParaRPr lang="ko-KR" altLang="en-US"/>
           </a:p>
@@ -10070,7 +10475,7 @@
           <a:p>
             <a:fld id="{11CF987C-FD17-4394-9A4F-BE2D66BE4DDF}" type="datetimeFigureOut">
               <a:rPr lang="ko-KR" altLang="en-US" smtClean="0"/>
-              <a:t>2021-07-22</a:t>
+              <a:t>2021/07/23</a:t>
             </a:fld>
             <a:endParaRPr lang="ko-KR" altLang="en-US"/>
           </a:p>
@@ -10302,7 +10707,7 @@
           <a:p>
             <a:fld id="{11CF987C-FD17-4394-9A4F-BE2D66BE4DDF}" type="datetimeFigureOut">
               <a:rPr lang="ko-KR" altLang="en-US" smtClean="0"/>
-              <a:t>2021-07-22</a:t>
+              <a:t>2021/07/23</a:t>
             </a:fld>
             <a:endParaRPr lang="ko-KR" altLang="en-US"/>
           </a:p>
@@ -10669,7 +11074,7 @@
           <a:p>
             <a:fld id="{11CF987C-FD17-4394-9A4F-BE2D66BE4DDF}" type="datetimeFigureOut">
               <a:rPr lang="ko-KR" altLang="en-US" smtClean="0"/>
-              <a:t>2021-07-22</a:t>
+              <a:t>2021/07/23</a:t>
             </a:fld>
             <a:endParaRPr lang="ko-KR" altLang="en-US"/>
           </a:p>
@@ -10787,7 +11192,7 @@
           <a:p>
             <a:fld id="{11CF987C-FD17-4394-9A4F-BE2D66BE4DDF}" type="datetimeFigureOut">
               <a:rPr lang="ko-KR" altLang="en-US" smtClean="0"/>
-              <a:t>2021-07-22</a:t>
+              <a:t>2021/07/23</a:t>
             </a:fld>
             <a:endParaRPr lang="ko-KR" altLang="en-US"/>
           </a:p>
@@ -10882,7 +11287,7 @@
           <a:p>
             <a:fld id="{11CF987C-FD17-4394-9A4F-BE2D66BE4DDF}" type="datetimeFigureOut">
               <a:rPr lang="ko-KR" altLang="en-US" smtClean="0"/>
-              <a:t>2021-07-22</a:t>
+              <a:t>2021/07/23</a:t>
             </a:fld>
             <a:endParaRPr lang="ko-KR" altLang="en-US"/>
           </a:p>
@@ -11159,7 +11564,7 @@
           <a:p>
             <a:fld id="{11CF987C-FD17-4394-9A4F-BE2D66BE4DDF}" type="datetimeFigureOut">
               <a:rPr lang="ko-KR" altLang="en-US" smtClean="0"/>
-              <a:t>2021-07-22</a:t>
+              <a:t>2021/07/23</a:t>
             </a:fld>
             <a:endParaRPr lang="ko-KR" altLang="en-US"/>
           </a:p>
@@ -11416,7 +11821,7 @@
           <a:p>
             <a:fld id="{11CF987C-FD17-4394-9A4F-BE2D66BE4DDF}" type="datetimeFigureOut">
               <a:rPr lang="ko-KR" altLang="en-US" smtClean="0"/>
-              <a:t>2021-07-22</a:t>
+              <a:t>2021/07/23</a:t>
             </a:fld>
             <a:endParaRPr lang="ko-KR" altLang="en-US"/>
           </a:p>
@@ -11655,7 +12060,7 @@
           <a:p>
             <a:fld id="{11CF987C-FD17-4394-9A4F-BE2D66BE4DDF}" type="datetimeFigureOut">
               <a:rPr lang="ko-KR" altLang="en-US" smtClean="0"/>
-              <a:t>2021-07-22</a:t>
+              <a:t>2021/07/23</a:t>
             </a:fld>
             <a:endParaRPr lang="ko-KR" altLang="en-US"/>
           </a:p>
@@ -12486,6 +12891,81 @@
 </file>
 
 <file path=ppt/slides/slide14.xml><?xml version="1.0" encoding="utf-8"?>
+<p:sld xmlns:a="http://schemas.openxmlformats.org/drawingml/2006/main" xmlns:r="http://schemas.openxmlformats.org/officeDocument/2006/relationships" xmlns:p="http://schemas.openxmlformats.org/presentationml/2006/main">
+  <p:cSld>
+    <p:spTree>
+      <p:nvGrpSpPr>
+        <p:cNvPr id="1" name=""/>
+        <p:cNvGrpSpPr/>
+        <p:nvPr/>
+      </p:nvGrpSpPr>
+      <p:grpSpPr>
+        <a:xfrm>
+          <a:off x="0" y="0"/>
+          <a:ext cx="0" cy="0"/>
+          <a:chOff x="0" y="0"/>
+          <a:chExt cx="0" cy="0"/>
+        </a:xfrm>
+      </p:grpSpPr>
+      <p:sp>
+        <p:nvSpPr>
+          <p:cNvPr id="2" name="제목 1"/>
+          <p:cNvSpPr>
+            <a:spLocks noGrp="1"/>
+          </p:cNvSpPr>
+          <p:nvPr>
+            <p:ph type="title"/>
+          </p:nvPr>
+        </p:nvSpPr>
+        <p:spPr/>
+        <p:txBody>
+          <a:bodyPr/>
+          <a:lstStyle/>
+          <a:p>
+            <a:endParaRPr lang="ko-KR" altLang="en-US"/>
+          </a:p>
+        </p:txBody>
+      </p:sp>
+      <p:pic>
+        <p:nvPicPr>
+          <p:cNvPr id="4" name="내용 개체 틀 3"/>
+          <p:cNvPicPr>
+            <a:picLocks noGrp="1" noChangeAspect="1"/>
+          </p:cNvPicPr>
+          <p:nvPr>
+            <p:ph idx="1"/>
+          </p:nvPr>
+        </p:nvPicPr>
+        <p:blipFill>
+          <a:blip r:embed="rId3"/>
+          <a:stretch>
+            <a:fillRect/>
+          </a:stretch>
+        </p:blipFill>
+        <p:spPr>
+          <a:xfrm>
+            <a:off x="1286351" y="1015686"/>
+            <a:ext cx="9107715" cy="5842314"/>
+          </a:xfrm>
+          <a:prstGeom prst="rect">
+            <a:avLst/>
+          </a:prstGeom>
+        </p:spPr>
+      </p:pic>
+    </p:spTree>
+    <p:extLst>
+      <p:ext uri="{BB962C8B-B14F-4D97-AF65-F5344CB8AC3E}">
+        <p14:creationId xmlns:p14="http://schemas.microsoft.com/office/powerpoint/2010/main" val="316926364"/>
+      </p:ext>
+    </p:extLst>
+  </p:cSld>
+  <p:clrMapOvr>
+    <a:masterClrMapping/>
+  </p:clrMapOvr>
+</p:sld>
+</file>
+
+<file path=ppt/slides/slide15.xml><?xml version="1.0" encoding="utf-8"?>
 <p:sld xmlns:a="http://schemas.openxmlformats.org/drawingml/2006/main" xmlns:r="http://schemas.openxmlformats.org/officeDocument/2006/relationships" xmlns:p="http://schemas.openxmlformats.org/presentationml/2006/main">
   <p:cSld>
     <p:spTree>

--- a/SNUH 심포지엄-유일한.pptx
+++ b/SNUH 심포지엄-유일한.pptx
@@ -5,7 +5,7 @@
     <p:sldMasterId id="2147483660" r:id="rId1"/>
   </p:sldMasterIdLst>
   <p:notesMasterIdLst>
-    <p:notesMasterId r:id="rId17"/>
+    <p:notesMasterId r:id="rId20"/>
   </p:notesMasterIdLst>
   <p:sldIdLst>
     <p:sldId id="256" r:id="rId2"/>
@@ -22,7 +22,10 @@
     <p:sldId id="260" r:id="rId13"/>
     <p:sldId id="269" r:id="rId14"/>
     <p:sldId id="270" r:id="rId15"/>
-    <p:sldId id="261" r:id="rId16"/>
+    <p:sldId id="274" r:id="rId16"/>
+    <p:sldId id="272" r:id="rId17"/>
+    <p:sldId id="273" r:id="rId18"/>
+    <p:sldId id="261" r:id="rId19"/>
   </p:sldIdLst>
   <p:sldSz cx="12192000" cy="6858000"/>
   <p:notesSz cx="6858000" cy="9144000"/>
@@ -211,7 +214,7 @@
           <a:p>
             <a:fld id="{E8FBBB6A-BE53-4BF0-B17E-892FAA57C2D4}" type="datetimeFigureOut">
               <a:rPr lang="ko-KR" altLang="en-US" smtClean="0"/>
-              <a:t>2021/07/23</a:t>
+              <a:t>2021-08-01</a:t>
             </a:fld>
             <a:endParaRPr lang="ko-KR" altLang="en-US"/>
           </a:p>
@@ -3411,6 +3414,1040 @@
 </p:notes>
 </file>
 
+<file path=ppt/notesSlides/notesSlide15.xml><?xml version="1.0" encoding="utf-8"?>
+<p:notes xmlns:a="http://schemas.openxmlformats.org/drawingml/2006/main" xmlns:r="http://schemas.openxmlformats.org/officeDocument/2006/relationships" xmlns:p="http://schemas.openxmlformats.org/presentationml/2006/main">
+  <p:cSld>
+    <p:spTree>
+      <p:nvGrpSpPr>
+        <p:cNvPr id="1" name=""/>
+        <p:cNvGrpSpPr/>
+        <p:nvPr/>
+      </p:nvGrpSpPr>
+      <p:grpSpPr>
+        <a:xfrm>
+          <a:off x="0" y="0"/>
+          <a:ext cx="0" cy="0"/>
+          <a:chOff x="0" y="0"/>
+          <a:chExt cx="0" cy="0"/>
+        </a:xfrm>
+      </p:grpSpPr>
+      <p:sp>
+        <p:nvSpPr>
+          <p:cNvPr id="2" name="슬라이드 이미지 개체 틀 1"/>
+          <p:cNvSpPr>
+            <a:spLocks noGrp="1" noRot="1" noChangeAspect="1"/>
+          </p:cNvSpPr>
+          <p:nvPr>
+            <p:ph type="sldImg"/>
+          </p:nvPr>
+        </p:nvSpPr>
+        <p:spPr/>
+      </p:sp>
+      <p:sp>
+        <p:nvSpPr>
+          <p:cNvPr id="3" name="슬라이드 노트 개체 틀 2"/>
+          <p:cNvSpPr>
+            <a:spLocks noGrp="1"/>
+          </p:cNvSpPr>
+          <p:nvPr>
+            <p:ph type="body" idx="1"/>
+          </p:nvPr>
+        </p:nvSpPr>
+        <p:spPr/>
+        <p:txBody>
+          <a:bodyPr/>
+          <a:lstStyle/>
+          <a:p>
+            <a:r>
+              <a:rPr lang="en-US" altLang="ko-KR" dirty="0" smtClean="0"/>
+              <a:t>ALSFRS-R</a:t>
+            </a:r>
+            <a:r>
+              <a:rPr lang="ko-KR" altLang="en-US" dirty="0" smtClean="0"/>
+              <a:t>의 </a:t>
+            </a:r>
+            <a:r>
+              <a:rPr lang="en-US" altLang="ko-KR" dirty="0" smtClean="0"/>
+              <a:t>dimensionality, reliability, validity</a:t>
+            </a:r>
+            <a:r>
+              <a:rPr lang="ko-KR" altLang="en-US" dirty="0" smtClean="0"/>
+              <a:t>를 </a:t>
+            </a:r>
+            <a:r>
+              <a:rPr lang="en-US" altLang="ko-KR" dirty="0" smtClean="0"/>
+              <a:t>test</a:t>
+            </a:r>
+            <a:r>
+              <a:rPr lang="ko-KR" altLang="en-US" dirty="0" smtClean="0"/>
+              <a:t>하기 위해서 전통적으로 알려진 </a:t>
+            </a:r>
+            <a:r>
+              <a:rPr lang="en-US" altLang="ko-KR" dirty="0" smtClean="0"/>
+              <a:t>classical test theory (CTT)</a:t>
+            </a:r>
+            <a:r>
+              <a:rPr lang="ko-KR" altLang="en-US" dirty="0" smtClean="0"/>
+              <a:t>와</a:t>
+            </a:r>
+            <a:r>
+              <a:rPr lang="en-US" altLang="ko-KR" dirty="0" smtClean="0"/>
+              <a:t> </a:t>
+            </a:r>
+            <a:r>
+              <a:rPr lang="en-US" altLang="ko-KR" dirty="0" err="1" smtClean="0"/>
+              <a:t>Rasch</a:t>
+            </a:r>
+            <a:r>
+              <a:rPr lang="en-US" altLang="ko-KR" dirty="0" smtClean="0"/>
+              <a:t> analysis</a:t>
+            </a:r>
+            <a:r>
+              <a:rPr lang="ko-KR" altLang="en-US" dirty="0" smtClean="0"/>
+              <a:t>를 이용해서 분석한 것입니다</a:t>
+            </a:r>
+            <a:r>
+              <a:rPr lang="en-US" altLang="ko-KR" dirty="0" smtClean="0"/>
+              <a:t>.</a:t>
+            </a:r>
+          </a:p>
+          <a:p>
+            <a:r>
+              <a:rPr lang="en-US" altLang="ko-KR" dirty="0" smtClean="0"/>
+              <a:t>ALSFRS-R</a:t>
+            </a:r>
+            <a:r>
+              <a:rPr lang="ko-KR" altLang="en-US" dirty="0" smtClean="0"/>
+              <a:t>은 일관성 면에서는 우수했으나 </a:t>
+            </a:r>
+            <a:r>
+              <a:rPr lang="en-US" altLang="ko-KR" dirty="0" smtClean="0"/>
+              <a:t>single score</a:t>
+            </a:r>
+            <a:r>
+              <a:rPr lang="ko-KR" altLang="en-US" dirty="0" smtClean="0"/>
+              <a:t>로 사용하기에는 </a:t>
+            </a:r>
+            <a:r>
+              <a:rPr lang="en-US" altLang="ko-KR" dirty="0" smtClean="0"/>
+              <a:t>1</a:t>
+            </a:r>
+            <a:r>
+              <a:rPr lang="ko-KR" altLang="en-US" dirty="0" smtClean="0"/>
+              <a:t>차원의 구조가 아닌 단점이 있습니다</a:t>
+            </a:r>
+            <a:r>
+              <a:rPr lang="en-US" altLang="ko-KR" dirty="0" smtClean="0"/>
+              <a:t>. Parallel analysis, exploratory factor</a:t>
+            </a:r>
+            <a:r>
+              <a:rPr lang="en-US" altLang="ko-KR" baseline="0" dirty="0" smtClean="0"/>
+              <a:t> analysis</a:t>
+            </a:r>
+            <a:r>
+              <a:rPr lang="ko-KR" altLang="en-US" baseline="0" dirty="0" smtClean="0"/>
+              <a:t>를 </a:t>
+            </a:r>
+            <a:r>
+              <a:rPr lang="ko-KR" altLang="en-US" baseline="0" dirty="0" err="1" smtClean="0"/>
+              <a:t>했을때</a:t>
+            </a:r>
+            <a:r>
+              <a:rPr lang="ko-KR" altLang="en-US" baseline="0" dirty="0" smtClean="0"/>
+              <a:t> </a:t>
+            </a:r>
+            <a:r>
+              <a:rPr lang="en-US" altLang="ko-KR" baseline="0" dirty="0" smtClean="0"/>
+              <a:t>3</a:t>
+            </a:r>
+            <a:r>
+              <a:rPr lang="ko-KR" altLang="en-US" baseline="0" dirty="0" smtClean="0"/>
+              <a:t>개의 </a:t>
+            </a:r>
+            <a:r>
+              <a:rPr lang="en-US" altLang="ko-KR" baseline="0" dirty="0" smtClean="0"/>
+              <a:t>domain</a:t>
+            </a:r>
+            <a:r>
+              <a:rPr lang="ko-KR" altLang="en-US" baseline="0" dirty="0" smtClean="0"/>
+              <a:t>으로 구성된 것으로 나왔는데 </a:t>
+            </a:r>
+            <a:r>
+              <a:rPr lang="en-US" altLang="ko-KR" baseline="0" dirty="0" smtClean="0"/>
+              <a:t>bulbar function, fine and gross motor function, respiratory function</a:t>
+            </a:r>
+            <a:r>
+              <a:rPr lang="ko-KR" altLang="en-US" baseline="0" dirty="0" smtClean="0"/>
+              <a:t>의 </a:t>
+            </a:r>
+            <a:r>
+              <a:rPr lang="en-US" altLang="ko-KR" baseline="0" dirty="0" smtClean="0"/>
+              <a:t>3</a:t>
+            </a:r>
+            <a:r>
+              <a:rPr lang="ko-KR" altLang="en-US" baseline="0" dirty="0" smtClean="0"/>
+              <a:t>가지 </a:t>
+            </a:r>
+            <a:r>
+              <a:rPr lang="en-US" altLang="ko-KR" baseline="0" dirty="0" smtClean="0"/>
+              <a:t>domain</a:t>
+            </a:r>
+            <a:r>
+              <a:rPr lang="ko-KR" altLang="en-US" baseline="0" dirty="0" smtClean="0"/>
+              <a:t>으로 되어있습니다</a:t>
+            </a:r>
+            <a:r>
+              <a:rPr lang="en-US" altLang="ko-KR" baseline="0" dirty="0" smtClean="0"/>
+              <a:t>. 3</a:t>
+            </a:r>
+            <a:r>
+              <a:rPr lang="ko-KR" altLang="en-US" baseline="0" dirty="0" smtClean="0"/>
+              <a:t>개의 </a:t>
+            </a:r>
+            <a:r>
+              <a:rPr lang="en-US" altLang="ko-KR" baseline="0" dirty="0" smtClean="0"/>
+              <a:t>domain</a:t>
+            </a:r>
+            <a:r>
+              <a:rPr lang="ko-KR" altLang="en-US" baseline="0" dirty="0" smtClean="0"/>
+              <a:t>으로 나눈 </a:t>
+            </a:r>
+            <a:r>
+              <a:rPr lang="en-US" altLang="ko-KR" baseline="0" dirty="0" smtClean="0"/>
+              <a:t>model</a:t>
+            </a:r>
+            <a:r>
+              <a:rPr lang="ko-KR" altLang="en-US" baseline="0" dirty="0" smtClean="0"/>
+              <a:t>을 </a:t>
+            </a:r>
+            <a:r>
+              <a:rPr lang="en-US" altLang="ko-KR" baseline="0" dirty="0" smtClean="0"/>
+              <a:t>confirmatory factor analysis</a:t>
+            </a:r>
+            <a:r>
+              <a:rPr lang="ko-KR" altLang="en-US" baseline="0" dirty="0" smtClean="0"/>
+              <a:t>결과 </a:t>
+            </a:r>
+            <a:r>
+              <a:rPr lang="en-US" altLang="ko-KR" baseline="0" dirty="0" smtClean="0"/>
+              <a:t>Tucker-Lewis Fit index (TLI), comparative Fit Index (CFI), Root Mean Square Error of Approximation (RMSEA), </a:t>
+            </a:r>
+            <a:r>
+              <a:rPr lang="en-US" altLang="ko-KR" baseline="0" dirty="0" err="1" smtClean="0"/>
+              <a:t>Standardised</a:t>
+            </a:r>
+            <a:r>
+              <a:rPr lang="en-US" altLang="ko-KR" baseline="0" dirty="0" smtClean="0"/>
+              <a:t> Root Mean </a:t>
+            </a:r>
+            <a:r>
+              <a:rPr lang="en-US" altLang="ko-KR" baseline="0" smtClean="0"/>
+              <a:t>Square Residual (SRMR)</a:t>
+            </a:r>
+          </a:p>
+          <a:p>
+            <a:r>
+              <a:rPr lang="en-US" altLang="ko-KR" baseline="0" dirty="0" smtClean="0"/>
+              <a:t> </a:t>
+            </a:r>
+            <a:r>
+              <a:rPr lang="ko-KR" altLang="en-US" baseline="0" dirty="0" err="1" smtClean="0"/>
+              <a:t>라쉬분석결과</a:t>
+            </a:r>
+            <a:r>
+              <a:rPr lang="ko-KR" altLang="en-US" baseline="0" dirty="0" smtClean="0"/>
+              <a:t> </a:t>
+            </a:r>
+            <a:r>
+              <a:rPr lang="en-US" altLang="ko-KR" baseline="0" dirty="0" smtClean="0"/>
+              <a:t>9</a:t>
+            </a:r>
+            <a:r>
+              <a:rPr lang="ko-KR" altLang="en-US" baseline="0" dirty="0" smtClean="0"/>
+              <a:t>번 </a:t>
+            </a:r>
+            <a:r>
+              <a:rPr lang="en-US" altLang="ko-KR" baseline="0" dirty="0" smtClean="0"/>
+              <a:t>climbing the stairs, 12</a:t>
+            </a:r>
+            <a:r>
+              <a:rPr lang="ko-KR" altLang="en-US" baseline="0" dirty="0" smtClean="0"/>
+              <a:t>번 </a:t>
+            </a:r>
+            <a:r>
+              <a:rPr lang="en-US" altLang="ko-KR" baseline="0" dirty="0" smtClean="0"/>
+              <a:t>respiratory insufficiency</a:t>
+            </a:r>
+            <a:r>
+              <a:rPr lang="ko-KR" altLang="en-US" baseline="0" dirty="0" smtClean="0"/>
+              <a:t>를 제외한 나머지 점수들은 측정하고자하는 각 구성에 </a:t>
+            </a:r>
+            <a:r>
+              <a:rPr lang="ko-KR" altLang="en-US" baseline="0" dirty="0" err="1" smtClean="0"/>
+              <a:t>맞는것으로</a:t>
+            </a:r>
+            <a:r>
+              <a:rPr lang="ko-KR" altLang="en-US" baseline="0" dirty="0" smtClean="0"/>
+              <a:t> 나왔습니다</a:t>
+            </a:r>
+            <a:r>
+              <a:rPr lang="en-US" altLang="ko-KR" baseline="0" dirty="0" smtClean="0"/>
+              <a:t>. </a:t>
+            </a:r>
+            <a:r>
+              <a:rPr lang="ko-KR" altLang="en-US" baseline="0" dirty="0" smtClean="0"/>
+              <a:t>각 등급 범주가 범주 기능에 대한 기준을 준수하지 않아 </a:t>
+            </a:r>
+            <a:r>
+              <a:rPr lang="en-US" altLang="ko-KR" baseline="0" dirty="0" smtClean="0"/>
+              <a:t>5</a:t>
+            </a:r>
+            <a:r>
+              <a:rPr lang="ko-KR" altLang="en-US" baseline="0" dirty="0" smtClean="0"/>
+              <a:t>단계를 </a:t>
+            </a:r>
+            <a:r>
+              <a:rPr lang="en-US" altLang="ko-KR" baseline="0" dirty="0" smtClean="0"/>
+              <a:t>3</a:t>
+            </a:r>
+            <a:r>
+              <a:rPr lang="ko-KR" altLang="en-US" baseline="0" dirty="0" smtClean="0"/>
+              <a:t>단계로 </a:t>
+            </a:r>
+            <a:r>
+              <a:rPr lang="ko-KR" altLang="en-US" baseline="0" dirty="0" err="1" smtClean="0"/>
+              <a:t>축소시켰을때</a:t>
+            </a:r>
+            <a:r>
+              <a:rPr lang="ko-KR" altLang="en-US" baseline="0" dirty="0" smtClean="0"/>
+              <a:t> 측정 질이 더 개선되는 결과를 보였습니다</a:t>
+            </a:r>
+            <a:r>
+              <a:rPr lang="en-US" altLang="ko-KR" baseline="0" dirty="0" smtClean="0"/>
+              <a:t>. </a:t>
+            </a:r>
+          </a:p>
+          <a:p>
+            <a:r>
+              <a:rPr lang="en-US" altLang="ko-KR" baseline="0" dirty="0" smtClean="0"/>
+              <a:t>Parallel analysis</a:t>
+            </a:r>
+            <a:r>
+              <a:rPr lang="ko-KR" altLang="en-US" baseline="0" dirty="0" smtClean="0"/>
+              <a:t>를 통해 </a:t>
+            </a:r>
+            <a:r>
+              <a:rPr lang="en-US" altLang="ko-KR" baseline="0" dirty="0" smtClean="0"/>
+              <a:t>ALSFRS-R </a:t>
+            </a:r>
+            <a:r>
+              <a:rPr lang="ko-KR" altLang="en-US" baseline="0" dirty="0" smtClean="0"/>
+              <a:t>내의 연관된 인자의 숫자를 찾았고 </a:t>
+            </a:r>
+            <a:endParaRPr lang="en-US" altLang="ko-KR" baseline="0" dirty="0" smtClean="0"/>
+          </a:p>
+          <a:p>
+            <a:endParaRPr lang="ko-KR" altLang="en-US" dirty="0"/>
+          </a:p>
+        </p:txBody>
+      </p:sp>
+      <p:sp>
+        <p:nvSpPr>
+          <p:cNvPr id="4" name="슬라이드 번호 개체 틀 3"/>
+          <p:cNvSpPr>
+            <a:spLocks noGrp="1"/>
+          </p:cNvSpPr>
+          <p:nvPr>
+            <p:ph type="sldNum" sz="quarter" idx="10"/>
+          </p:nvPr>
+        </p:nvSpPr>
+        <p:spPr/>
+        <p:txBody>
+          <a:bodyPr/>
+          <a:lstStyle/>
+          <a:p>
+            <a:fld id="{BBAA4D1B-A90B-4163-BF9D-AF53B78ADDD3}" type="slidenum">
+              <a:rPr lang="ko-KR" altLang="en-US" smtClean="0"/>
+              <a:t>15</a:t>
+            </a:fld>
+            <a:endParaRPr lang="ko-KR" altLang="en-US"/>
+          </a:p>
+        </p:txBody>
+      </p:sp>
+    </p:spTree>
+    <p:extLst>
+      <p:ext uri="{BB962C8B-B14F-4D97-AF65-F5344CB8AC3E}">
+        <p14:creationId xmlns:p14="http://schemas.microsoft.com/office/powerpoint/2010/main" val="808048645"/>
+      </p:ext>
+    </p:extLst>
+  </p:cSld>
+  <p:clrMapOvr>
+    <a:masterClrMapping/>
+  </p:clrMapOvr>
+</p:notes>
+</file>
+
+<file path=ppt/notesSlides/notesSlide16.xml><?xml version="1.0" encoding="utf-8"?>
+<p:notes xmlns:a="http://schemas.openxmlformats.org/drawingml/2006/main" xmlns:r="http://schemas.openxmlformats.org/officeDocument/2006/relationships" xmlns:p="http://schemas.openxmlformats.org/presentationml/2006/main">
+  <p:cSld>
+    <p:spTree>
+      <p:nvGrpSpPr>
+        <p:cNvPr id="1" name=""/>
+        <p:cNvGrpSpPr/>
+        <p:nvPr/>
+      </p:nvGrpSpPr>
+      <p:grpSpPr>
+        <a:xfrm>
+          <a:off x="0" y="0"/>
+          <a:ext cx="0" cy="0"/>
+          <a:chOff x="0" y="0"/>
+          <a:chExt cx="0" cy="0"/>
+        </a:xfrm>
+      </p:grpSpPr>
+      <p:sp>
+        <p:nvSpPr>
+          <p:cNvPr id="2" name="슬라이드 이미지 개체 틀 1"/>
+          <p:cNvSpPr>
+            <a:spLocks noGrp="1" noRot="1" noChangeAspect="1"/>
+          </p:cNvSpPr>
+          <p:nvPr>
+            <p:ph type="sldImg"/>
+          </p:nvPr>
+        </p:nvSpPr>
+        <p:spPr/>
+      </p:sp>
+      <p:sp>
+        <p:nvSpPr>
+          <p:cNvPr id="3" name="슬라이드 노트 개체 틀 2"/>
+          <p:cNvSpPr>
+            <a:spLocks noGrp="1"/>
+          </p:cNvSpPr>
+          <p:nvPr>
+            <p:ph type="body" idx="1"/>
+          </p:nvPr>
+        </p:nvSpPr>
+        <p:spPr/>
+        <p:txBody>
+          <a:bodyPr/>
+          <a:lstStyle/>
+          <a:p>
+            <a:r>
+              <a:rPr lang="en-US" altLang="ko-KR" dirty="0" smtClean="0"/>
+              <a:t>3367</a:t>
+            </a:r>
+            <a:r>
+              <a:rPr lang="ko-KR" altLang="en-US" dirty="0" smtClean="0"/>
+              <a:t>명 </a:t>
+            </a:r>
+            <a:r>
+              <a:rPr lang="en-US" altLang="ko-KR" dirty="0" smtClean="0"/>
+              <a:t>ALS</a:t>
+            </a:r>
+            <a:r>
+              <a:rPr lang="ko-KR" altLang="en-US" dirty="0" smtClean="0"/>
+              <a:t>환자의 </a:t>
+            </a:r>
+            <a:r>
+              <a:rPr lang="en-US" altLang="ko-KR" dirty="0" smtClean="0"/>
+              <a:t>ALSFRS</a:t>
+            </a:r>
+            <a:r>
+              <a:rPr lang="ko-KR" altLang="en-US" dirty="0" smtClean="0"/>
+              <a:t>를 분석한 결과 감소 곡선의 기울기와 방향이 </a:t>
+            </a:r>
+            <a:r>
+              <a:rPr lang="en-US" altLang="ko-KR" dirty="0" err="1" smtClean="0"/>
+              <a:t>subscore</a:t>
+            </a:r>
+            <a:r>
+              <a:rPr lang="ko-KR" altLang="en-US" dirty="0" smtClean="0"/>
+              <a:t>마다 다르고 </a:t>
+            </a:r>
+            <a:r>
+              <a:rPr lang="en-US" altLang="ko-KR" dirty="0" smtClean="0"/>
+              <a:t>onset site</a:t>
+            </a:r>
+            <a:r>
+              <a:rPr lang="ko-KR" altLang="en-US" dirty="0" smtClean="0"/>
+              <a:t>에 따라서도 다릅니다</a:t>
+            </a:r>
+            <a:r>
+              <a:rPr lang="en-US" altLang="ko-KR" dirty="0" smtClean="0"/>
+              <a:t>. </a:t>
+            </a:r>
+            <a:r>
+              <a:rPr lang="ko-KR" altLang="en-US" dirty="0" err="1" smtClean="0"/>
+              <a:t>호흡기능과</a:t>
+            </a:r>
+            <a:r>
+              <a:rPr lang="ko-KR" altLang="en-US" dirty="0" smtClean="0"/>
+              <a:t> 관련된 점수가 가장 완만하게 감소하는 것으로 나타났습니다</a:t>
+            </a:r>
+            <a:r>
+              <a:rPr lang="en-US" altLang="ko-KR" dirty="0" smtClean="0"/>
+              <a:t>. </a:t>
+            </a:r>
+            <a:r>
+              <a:rPr lang="ko-KR" altLang="en-US" dirty="0" smtClean="0"/>
+              <a:t>따라서 </a:t>
+            </a:r>
+            <a:r>
+              <a:rPr lang="en-US" altLang="ko-KR" dirty="0" smtClean="0"/>
+              <a:t>ALSFRS</a:t>
+            </a:r>
+            <a:r>
+              <a:rPr lang="ko-KR" altLang="en-US" dirty="0" err="1" smtClean="0"/>
+              <a:t>를가지고</a:t>
+            </a:r>
+            <a:r>
+              <a:rPr lang="ko-KR" altLang="en-US" dirty="0" smtClean="0"/>
+              <a:t> 임상적으로 악화되는지를 판단하는데 제한이 됩니다</a:t>
+            </a:r>
+            <a:r>
+              <a:rPr lang="en-US" altLang="ko-KR" dirty="0" smtClean="0"/>
+              <a:t>. </a:t>
+            </a:r>
+          </a:p>
+          <a:p>
+            <a:r>
+              <a:rPr lang="en-US" altLang="ko-KR" dirty="0" smtClean="0"/>
+              <a:t>Bulbar onset</a:t>
+            </a:r>
+            <a:r>
+              <a:rPr lang="ko-KR" altLang="en-US" dirty="0" smtClean="0"/>
+              <a:t>이</a:t>
+            </a:r>
+            <a:r>
+              <a:rPr lang="en-US" altLang="ko-KR" dirty="0" smtClean="0"/>
+              <a:t> 20%, limb onset</a:t>
+            </a:r>
+            <a:r>
+              <a:rPr lang="ko-KR" altLang="en-US" dirty="0" smtClean="0"/>
+              <a:t>이 </a:t>
+            </a:r>
+            <a:r>
+              <a:rPr lang="en-US" altLang="ko-KR" dirty="0" smtClean="0"/>
+              <a:t>60%</a:t>
+            </a:r>
+            <a:r>
+              <a:rPr lang="ko-KR" altLang="en-US" dirty="0" smtClean="0"/>
+              <a:t>정도였고 </a:t>
+            </a:r>
+            <a:r>
+              <a:rPr lang="en-US" altLang="ko-KR" dirty="0" smtClean="0"/>
+              <a:t>onset</a:t>
+            </a:r>
+            <a:r>
+              <a:rPr lang="ko-KR" altLang="en-US" dirty="0" smtClean="0"/>
+              <a:t>부터 첫 </a:t>
+            </a:r>
+            <a:r>
+              <a:rPr lang="en-US" altLang="ko-KR" dirty="0" smtClean="0"/>
+              <a:t>ALSFRS</a:t>
+            </a:r>
+            <a:r>
+              <a:rPr lang="ko-KR" altLang="en-US" dirty="0" smtClean="0"/>
+              <a:t>측정까지 기간의 </a:t>
+            </a:r>
+            <a:r>
+              <a:rPr lang="en-US" altLang="ko-KR" dirty="0" smtClean="0"/>
+              <a:t>median</a:t>
+            </a:r>
+            <a:r>
+              <a:rPr lang="ko-KR" altLang="en-US" dirty="0" smtClean="0"/>
+              <a:t>값이 </a:t>
+            </a:r>
+            <a:r>
+              <a:rPr lang="en-US" altLang="ko-KR" dirty="0" smtClean="0"/>
+              <a:t>16.9</a:t>
+            </a:r>
+            <a:r>
+              <a:rPr lang="ko-KR" altLang="en-US" dirty="0" smtClean="0"/>
+              <a:t>개월</a:t>
+            </a:r>
+            <a:r>
+              <a:rPr lang="en-US" altLang="ko-KR" dirty="0" smtClean="0"/>
+              <a:t>, ALSFRS</a:t>
+            </a:r>
+            <a:r>
+              <a:rPr lang="ko-KR" altLang="en-US" baseline="0" dirty="0" smtClean="0"/>
+              <a:t> </a:t>
+            </a:r>
+            <a:r>
+              <a:rPr lang="en-US" altLang="ko-KR" baseline="0" dirty="0" smtClean="0"/>
+              <a:t>median</a:t>
+            </a:r>
+            <a:r>
+              <a:rPr lang="ko-KR" altLang="en-US" baseline="0" dirty="0" smtClean="0"/>
+              <a:t>값은 </a:t>
+            </a:r>
+            <a:r>
+              <a:rPr lang="en-US" altLang="ko-KR" baseline="0" dirty="0" smtClean="0"/>
+              <a:t>39</a:t>
+            </a:r>
+            <a:r>
+              <a:rPr lang="ko-KR" altLang="en-US" baseline="0" dirty="0" smtClean="0"/>
+              <a:t>점</a:t>
+            </a:r>
+            <a:r>
+              <a:rPr lang="en-US" altLang="ko-KR" baseline="0" dirty="0" smtClean="0"/>
+              <a:t>, </a:t>
+            </a:r>
+            <a:r>
+              <a:rPr lang="en-US" altLang="ko-KR" baseline="0" dirty="0" err="1" smtClean="0"/>
+              <a:t>subscore</a:t>
+            </a:r>
+            <a:r>
+              <a:rPr lang="ko-KR" altLang="en-US" baseline="0" dirty="0" smtClean="0"/>
+              <a:t>별로는 </a:t>
+            </a:r>
+            <a:r>
+              <a:rPr lang="en-US" altLang="ko-KR" baseline="0" dirty="0" smtClean="0"/>
+              <a:t>bulbar 11, fine motor 9, gross motor 8, respiratory 12</a:t>
+            </a:r>
+            <a:r>
+              <a:rPr lang="ko-KR" altLang="en-US" baseline="0" dirty="0" smtClean="0"/>
+              <a:t>점이었습니다</a:t>
+            </a:r>
+            <a:r>
+              <a:rPr lang="en-US" altLang="ko-KR" baseline="0" dirty="0" smtClean="0"/>
+              <a:t>. f/u</a:t>
+            </a:r>
+            <a:r>
+              <a:rPr lang="ko-KR" altLang="en-US" baseline="0" dirty="0" smtClean="0"/>
+              <a:t>기간 </a:t>
+            </a:r>
+            <a:r>
+              <a:rPr lang="en-US" altLang="ko-KR" baseline="0" dirty="0" smtClean="0"/>
+              <a:t>median</a:t>
+            </a:r>
+            <a:r>
+              <a:rPr lang="ko-KR" altLang="en-US" baseline="0" dirty="0" smtClean="0"/>
+              <a:t>값은 </a:t>
+            </a:r>
+            <a:r>
+              <a:rPr lang="en-US" altLang="ko-KR" baseline="0" dirty="0" smtClean="0"/>
+              <a:t>12</a:t>
+            </a:r>
+            <a:r>
+              <a:rPr lang="ko-KR" altLang="en-US" baseline="0" dirty="0" smtClean="0"/>
+              <a:t>개월이었습니다</a:t>
+            </a:r>
+            <a:r>
+              <a:rPr lang="en-US" altLang="ko-KR" baseline="0" dirty="0" smtClean="0"/>
+              <a:t>. </a:t>
+            </a:r>
+            <a:r>
+              <a:rPr lang="ko-KR" altLang="en-US" baseline="0" dirty="0" smtClean="0"/>
+              <a:t>사망률은 </a:t>
+            </a:r>
+            <a:r>
+              <a:rPr lang="en-US" altLang="ko-KR" baseline="0" dirty="0" smtClean="0"/>
+              <a:t>21%</a:t>
+            </a:r>
+            <a:r>
+              <a:rPr lang="ko-KR" altLang="en-US" baseline="0" dirty="0" smtClean="0"/>
+              <a:t>였습니다</a:t>
+            </a:r>
+            <a:r>
+              <a:rPr lang="en-US" altLang="ko-KR" baseline="0" dirty="0" smtClean="0"/>
+              <a:t>. </a:t>
+            </a:r>
+            <a:endParaRPr lang="ko-KR" altLang="en-US" dirty="0" smtClean="0"/>
+          </a:p>
+          <a:p>
+            <a:r>
+              <a:rPr lang="en-US" altLang="ko-KR" dirty="0" smtClean="0"/>
+              <a:t>10723</a:t>
+            </a:r>
+            <a:r>
+              <a:rPr lang="ko-KR" altLang="en-US" dirty="0" smtClean="0"/>
+              <a:t>명 중 </a:t>
+            </a:r>
+            <a:r>
+              <a:rPr lang="en-US" altLang="ko-KR" dirty="0" smtClean="0"/>
+              <a:t>2</a:t>
+            </a:r>
+            <a:r>
+              <a:rPr lang="ko-KR" altLang="en-US" dirty="0" err="1" smtClean="0"/>
+              <a:t>번이상</a:t>
+            </a:r>
+            <a:r>
+              <a:rPr lang="ko-KR" altLang="en-US" dirty="0" smtClean="0"/>
+              <a:t> </a:t>
+            </a:r>
+            <a:r>
+              <a:rPr lang="en-US" altLang="ko-KR" dirty="0" smtClean="0"/>
+              <a:t>ALSFRS</a:t>
+            </a:r>
+            <a:r>
+              <a:rPr lang="ko-KR" altLang="en-US" dirty="0" smtClean="0"/>
+              <a:t>를 기록한 </a:t>
+            </a:r>
+            <a:r>
+              <a:rPr lang="en-US" altLang="ko-KR" dirty="0" smtClean="0"/>
+              <a:t>3367</a:t>
+            </a:r>
+            <a:r>
+              <a:rPr lang="ko-KR" altLang="en-US" dirty="0" smtClean="0"/>
+              <a:t>명을 대상으로 했고 기록된 점수의 </a:t>
+            </a:r>
+            <a:r>
+              <a:rPr lang="en-US" altLang="ko-KR" dirty="0" smtClean="0"/>
+              <a:t>median</a:t>
+            </a:r>
+            <a:r>
+              <a:rPr lang="ko-KR" altLang="en-US" dirty="0" smtClean="0"/>
+              <a:t>값은 </a:t>
+            </a:r>
+            <a:r>
+              <a:rPr lang="en-US" altLang="ko-KR" dirty="0" smtClean="0"/>
+              <a:t>7</a:t>
+            </a:r>
+            <a:r>
+              <a:rPr lang="ko-KR" altLang="en-US" dirty="0" smtClean="0"/>
+              <a:t>회였습니다</a:t>
+            </a:r>
+            <a:r>
+              <a:rPr lang="en-US" altLang="ko-KR" dirty="0" smtClean="0"/>
+              <a:t>. </a:t>
+            </a:r>
+            <a:endParaRPr lang="ko-KR" altLang="en-US" dirty="0"/>
+          </a:p>
+        </p:txBody>
+      </p:sp>
+      <p:sp>
+        <p:nvSpPr>
+          <p:cNvPr id="4" name="슬라이드 번호 개체 틀 3"/>
+          <p:cNvSpPr>
+            <a:spLocks noGrp="1"/>
+          </p:cNvSpPr>
+          <p:nvPr>
+            <p:ph type="sldNum" sz="quarter" idx="10"/>
+          </p:nvPr>
+        </p:nvSpPr>
+        <p:spPr/>
+        <p:txBody>
+          <a:bodyPr/>
+          <a:lstStyle/>
+          <a:p>
+            <a:fld id="{BBAA4D1B-A90B-4163-BF9D-AF53B78ADDD3}" type="slidenum">
+              <a:rPr lang="ko-KR" altLang="en-US" smtClean="0"/>
+              <a:t>16</a:t>
+            </a:fld>
+            <a:endParaRPr lang="ko-KR" altLang="en-US"/>
+          </a:p>
+        </p:txBody>
+      </p:sp>
+    </p:spTree>
+    <p:extLst>
+      <p:ext uri="{BB962C8B-B14F-4D97-AF65-F5344CB8AC3E}">
+        <p14:creationId xmlns:p14="http://schemas.microsoft.com/office/powerpoint/2010/main" val="4113433251"/>
+      </p:ext>
+    </p:extLst>
+  </p:cSld>
+  <p:clrMapOvr>
+    <a:masterClrMapping/>
+  </p:clrMapOvr>
+</p:notes>
+</file>
+
+<file path=ppt/notesSlides/notesSlide17.xml><?xml version="1.0" encoding="utf-8"?>
+<p:notes xmlns:a="http://schemas.openxmlformats.org/drawingml/2006/main" xmlns:r="http://schemas.openxmlformats.org/officeDocument/2006/relationships" xmlns:p="http://schemas.openxmlformats.org/presentationml/2006/main">
+  <p:cSld>
+    <p:spTree>
+      <p:nvGrpSpPr>
+        <p:cNvPr id="1" name=""/>
+        <p:cNvGrpSpPr/>
+        <p:nvPr/>
+      </p:nvGrpSpPr>
+      <p:grpSpPr>
+        <a:xfrm>
+          <a:off x="0" y="0"/>
+          <a:ext cx="0" cy="0"/>
+          <a:chOff x="0" y="0"/>
+          <a:chExt cx="0" cy="0"/>
+        </a:xfrm>
+      </p:grpSpPr>
+      <p:sp>
+        <p:nvSpPr>
+          <p:cNvPr id="2" name="슬라이드 이미지 개체 틀 1"/>
+          <p:cNvSpPr>
+            <a:spLocks noGrp="1" noRot="1" noChangeAspect="1"/>
+          </p:cNvSpPr>
+          <p:nvPr>
+            <p:ph type="sldImg"/>
+          </p:nvPr>
+        </p:nvSpPr>
+        <p:spPr/>
+      </p:sp>
+      <p:sp>
+        <p:nvSpPr>
+          <p:cNvPr id="3" name="슬라이드 노트 개체 틀 2"/>
+          <p:cNvSpPr>
+            <a:spLocks noGrp="1"/>
+          </p:cNvSpPr>
+          <p:nvPr>
+            <p:ph type="body" idx="1"/>
+          </p:nvPr>
+        </p:nvSpPr>
+        <p:spPr/>
+        <p:txBody>
+          <a:bodyPr/>
+          <a:lstStyle/>
+          <a:p>
+            <a:r>
+              <a:rPr lang="en-US" altLang="ko-KR" dirty="0" err="1" smtClean="0"/>
+              <a:t>Preslope</a:t>
+            </a:r>
+            <a:r>
+              <a:rPr lang="ko-KR" altLang="en-US" dirty="0" smtClean="0"/>
+              <a:t>로 </a:t>
+            </a:r>
+            <a:r>
+              <a:rPr lang="en-US" altLang="ko-KR" dirty="0" smtClean="0"/>
+              <a:t>rapid, moderate, slow</a:t>
+            </a:r>
+            <a:r>
+              <a:rPr lang="ko-KR" altLang="en-US" dirty="0" smtClean="0"/>
+              <a:t>를 나눠서 </a:t>
+            </a:r>
+            <a:r>
+              <a:rPr lang="en-US" altLang="ko-KR" dirty="0" smtClean="0"/>
+              <a:t>1</a:t>
+            </a:r>
+            <a:r>
+              <a:rPr lang="ko-KR" altLang="en-US" dirty="0" smtClean="0"/>
+              <a:t>달에 </a:t>
+            </a:r>
+            <a:r>
+              <a:rPr lang="en-US" altLang="ko-KR" dirty="0" smtClean="0"/>
+              <a:t>0.733</a:t>
+            </a:r>
+            <a:r>
+              <a:rPr lang="ko-KR" altLang="en-US" dirty="0" smtClean="0"/>
+              <a:t>감소가 </a:t>
+            </a:r>
+            <a:r>
+              <a:rPr lang="en-US" altLang="ko-KR" dirty="0" smtClean="0"/>
+              <a:t>rapid,</a:t>
+            </a:r>
+            <a:r>
+              <a:rPr lang="en-US" altLang="ko-KR" baseline="0" dirty="0" smtClean="0"/>
+              <a:t> 0.395</a:t>
+            </a:r>
+            <a:r>
+              <a:rPr lang="ko-KR" altLang="en-US" baseline="0" dirty="0" smtClean="0"/>
+              <a:t>에서 </a:t>
+            </a:r>
+            <a:r>
+              <a:rPr lang="en-US" altLang="ko-KR" baseline="0" dirty="0" smtClean="0"/>
+              <a:t>0.733</a:t>
+            </a:r>
+            <a:r>
+              <a:rPr lang="ko-KR" altLang="en-US" baseline="0" dirty="0" smtClean="0"/>
+              <a:t>사이가 </a:t>
+            </a:r>
+            <a:r>
+              <a:rPr lang="en-US" altLang="ko-KR" baseline="0" dirty="0" smtClean="0"/>
+              <a:t>moderate, </a:t>
+            </a:r>
+            <a:r>
+              <a:rPr lang="ko-KR" altLang="en-US" baseline="0" dirty="0" smtClean="0"/>
+              <a:t>그 이하로 감소가 </a:t>
+            </a:r>
+            <a:r>
+              <a:rPr lang="en-US" altLang="ko-KR" baseline="0" dirty="0" smtClean="0"/>
+              <a:t>slow</a:t>
+            </a:r>
+            <a:r>
+              <a:rPr lang="ko-KR" altLang="en-US" baseline="0" dirty="0" smtClean="0"/>
+              <a:t>로 나누고 </a:t>
+            </a:r>
+            <a:r>
+              <a:rPr lang="en-US" altLang="ko-KR" baseline="0" dirty="0" smtClean="0"/>
+              <a:t>onset site</a:t>
+            </a:r>
+            <a:r>
+              <a:rPr lang="ko-KR" altLang="en-US" baseline="0" dirty="0" smtClean="0"/>
+              <a:t>별로 나눠서 </a:t>
+            </a:r>
+            <a:r>
+              <a:rPr lang="ko-KR" altLang="en-US" baseline="0" dirty="0" err="1" smtClean="0"/>
+              <a:t>봤을때</a:t>
+            </a:r>
+            <a:r>
+              <a:rPr lang="ko-KR" altLang="en-US" baseline="0" dirty="0" smtClean="0"/>
+              <a:t> </a:t>
+            </a:r>
+            <a:r>
+              <a:rPr lang="en-US" altLang="ko-KR" baseline="0" dirty="0" smtClean="0"/>
+              <a:t>ALSFRS-R domain</a:t>
+            </a:r>
+            <a:r>
+              <a:rPr lang="ko-KR" altLang="en-US" baseline="0" dirty="0" smtClean="0"/>
+              <a:t>별로 </a:t>
+            </a:r>
+            <a:r>
+              <a:rPr lang="en-US" altLang="ko-KR" baseline="0" dirty="0" smtClean="0"/>
+              <a:t>slope</a:t>
+            </a:r>
+            <a:r>
+              <a:rPr lang="ko-KR" altLang="en-US" baseline="0" dirty="0" smtClean="0"/>
+              <a:t>가 다르게 </a:t>
+            </a:r>
+            <a:r>
+              <a:rPr lang="ko-KR" altLang="en-US" baseline="0" dirty="0" err="1" smtClean="0"/>
+              <a:t>나타나는것을</a:t>
+            </a:r>
+            <a:r>
+              <a:rPr lang="ko-KR" altLang="en-US" baseline="0" dirty="0" smtClean="0"/>
+              <a:t> 확인할 수 있습니다</a:t>
+            </a:r>
+            <a:r>
+              <a:rPr lang="en-US" altLang="ko-KR" baseline="0" dirty="0" smtClean="0"/>
+              <a:t>. Bulbar onset</a:t>
+            </a:r>
+            <a:r>
+              <a:rPr lang="ko-KR" altLang="en-US" baseline="0" dirty="0" err="1" smtClean="0"/>
+              <a:t>그룹내에서</a:t>
+            </a:r>
+            <a:r>
+              <a:rPr lang="ko-KR" altLang="en-US" baseline="0" dirty="0" smtClean="0"/>
+              <a:t> </a:t>
+            </a:r>
+            <a:r>
+              <a:rPr lang="en-US" altLang="ko-KR" baseline="0" dirty="0" smtClean="0"/>
+              <a:t>rapid, moderate</a:t>
+            </a:r>
+            <a:r>
+              <a:rPr lang="ko-KR" altLang="en-US" baseline="0" dirty="0" smtClean="0"/>
+              <a:t>는 </a:t>
+            </a:r>
+            <a:r>
+              <a:rPr lang="en-US" altLang="ko-KR" baseline="0" dirty="0" smtClean="0"/>
+              <a:t>bulbar ALSFRS </a:t>
+            </a:r>
+            <a:r>
+              <a:rPr lang="ko-KR" altLang="en-US" baseline="0" dirty="0" smtClean="0"/>
+              <a:t>점수가 </a:t>
+            </a:r>
+            <a:r>
+              <a:rPr lang="en-US" altLang="ko-KR" baseline="0" dirty="0" smtClean="0"/>
+              <a:t>symptom onset 3~4</a:t>
+            </a:r>
+            <a:r>
+              <a:rPr lang="ko-KR" altLang="en-US" baseline="0" dirty="0" smtClean="0"/>
+              <a:t>년째 부터 역행해서 증가하는 결과를 보였고 </a:t>
+            </a:r>
+            <a:r>
+              <a:rPr lang="en-US" altLang="ko-KR" baseline="0" dirty="0" smtClean="0"/>
+              <a:t>rapid group</a:t>
+            </a:r>
+            <a:r>
+              <a:rPr lang="ko-KR" altLang="en-US" baseline="0" dirty="0" smtClean="0"/>
+              <a:t>내에서 </a:t>
+            </a:r>
+            <a:r>
+              <a:rPr lang="en-US" altLang="ko-KR" baseline="0" dirty="0" smtClean="0"/>
+              <a:t>bulbar/arm/leg onset</a:t>
+            </a:r>
+            <a:r>
+              <a:rPr lang="ko-KR" altLang="en-US" baseline="0" dirty="0" smtClean="0"/>
+              <a:t>그룹에서 </a:t>
+            </a:r>
+            <a:r>
+              <a:rPr lang="en-US" altLang="ko-KR" baseline="0" dirty="0" smtClean="0"/>
+              <a:t>fine/gross motor domain</a:t>
+            </a:r>
+            <a:r>
+              <a:rPr lang="ko-KR" altLang="en-US" baseline="0" dirty="0" smtClean="0"/>
+              <a:t>이 역행해서 증가하는 결과를 였습니다</a:t>
+            </a:r>
+            <a:r>
+              <a:rPr lang="en-US" altLang="ko-KR" baseline="0" dirty="0" smtClean="0"/>
+              <a:t>. 9</a:t>
+            </a:r>
+            <a:r>
+              <a:rPr lang="ko-KR" altLang="en-US" baseline="0" dirty="0" err="1" smtClean="0"/>
+              <a:t>점이하로</a:t>
+            </a:r>
+            <a:r>
+              <a:rPr lang="ko-KR" altLang="en-US" baseline="0" dirty="0" smtClean="0"/>
+              <a:t> 증가하는 것을 </a:t>
+            </a:r>
+            <a:r>
+              <a:rPr lang="en-US" altLang="ko-KR" baseline="0" dirty="0" smtClean="0"/>
+              <a:t>moderate</a:t>
+            </a:r>
+            <a:r>
+              <a:rPr lang="ko-KR" altLang="en-US" baseline="0" dirty="0" smtClean="0"/>
+              <a:t>로 진행한 것으로 간주했는데 </a:t>
+            </a:r>
+            <a:r>
+              <a:rPr lang="en-US" altLang="ko-KR" baseline="0" dirty="0" err="1" smtClean="0"/>
+              <a:t>preslope</a:t>
+            </a:r>
+            <a:r>
+              <a:rPr lang="ko-KR" altLang="en-US" baseline="0" dirty="0" smtClean="0"/>
+              <a:t>가 완만했던 경우 </a:t>
+            </a:r>
+            <a:r>
+              <a:rPr lang="en-US" altLang="ko-KR" baseline="0" dirty="0" smtClean="0"/>
+              <a:t>9</a:t>
+            </a:r>
+            <a:r>
+              <a:rPr lang="ko-KR" altLang="en-US" baseline="0" dirty="0" err="1" smtClean="0"/>
+              <a:t>점이하로</a:t>
+            </a:r>
+            <a:r>
+              <a:rPr lang="ko-KR" altLang="en-US" baseline="0" dirty="0" smtClean="0"/>
+              <a:t> 내려가는 시점이 더 늦었습니다</a:t>
+            </a:r>
+            <a:r>
+              <a:rPr lang="en-US" altLang="ko-KR" baseline="0" dirty="0" smtClean="0"/>
+              <a:t>. </a:t>
+            </a:r>
+            <a:endParaRPr lang="ko-KR" altLang="en-US" dirty="0"/>
+          </a:p>
+        </p:txBody>
+      </p:sp>
+      <p:sp>
+        <p:nvSpPr>
+          <p:cNvPr id="4" name="슬라이드 번호 개체 틀 3"/>
+          <p:cNvSpPr>
+            <a:spLocks noGrp="1"/>
+          </p:cNvSpPr>
+          <p:nvPr>
+            <p:ph type="sldNum" sz="quarter" idx="10"/>
+          </p:nvPr>
+        </p:nvSpPr>
+        <p:spPr/>
+        <p:txBody>
+          <a:bodyPr/>
+          <a:lstStyle/>
+          <a:p>
+            <a:fld id="{BBAA4D1B-A90B-4163-BF9D-AF53B78ADDD3}" type="slidenum">
+              <a:rPr lang="ko-KR" altLang="en-US" smtClean="0"/>
+              <a:t>17</a:t>
+            </a:fld>
+            <a:endParaRPr lang="ko-KR" altLang="en-US"/>
+          </a:p>
+        </p:txBody>
+      </p:sp>
+    </p:spTree>
+    <p:extLst>
+      <p:ext uri="{BB962C8B-B14F-4D97-AF65-F5344CB8AC3E}">
+        <p14:creationId xmlns:p14="http://schemas.microsoft.com/office/powerpoint/2010/main" val="4034810854"/>
+      </p:ext>
+    </p:extLst>
+  </p:cSld>
+  <p:clrMapOvr>
+    <a:masterClrMapping/>
+  </p:clrMapOvr>
+</p:notes>
+</file>
+
 <file path=ppt/notesSlides/notesSlide2.xml><?xml version="1.0" encoding="utf-8"?>
 <p:notes xmlns:a="http://schemas.openxmlformats.org/drawingml/2006/main" xmlns:r="http://schemas.openxmlformats.org/officeDocument/2006/relationships" xmlns:p="http://schemas.openxmlformats.org/presentationml/2006/main">
   <p:cSld>
@@ -9757,7 +10794,7 @@
           <a:p>
             <a:fld id="{11CF987C-FD17-4394-9A4F-BE2D66BE4DDF}" type="datetimeFigureOut">
               <a:rPr lang="ko-KR" altLang="en-US" smtClean="0"/>
-              <a:t>2021/07/23</a:t>
+              <a:t>2021-08-01</a:t>
             </a:fld>
             <a:endParaRPr lang="ko-KR" altLang="en-US"/>
           </a:p>
@@ -9934,7 +10971,7 @@
           <a:p>
             <a:fld id="{11CF987C-FD17-4394-9A4F-BE2D66BE4DDF}" type="datetimeFigureOut">
               <a:rPr lang="ko-KR" altLang="en-US" smtClean="0"/>
-              <a:t>2021/07/23</a:t>
+              <a:t>2021-08-01</a:t>
             </a:fld>
             <a:endParaRPr lang="ko-KR" altLang="en-US"/>
           </a:p>
@@ -10114,7 +11151,7 @@
           <a:p>
             <a:fld id="{11CF987C-FD17-4394-9A4F-BE2D66BE4DDF}" type="datetimeFigureOut">
               <a:rPr lang="ko-KR" altLang="en-US" smtClean="0"/>
-              <a:t>2021/07/23</a:t>
+              <a:t>2021-08-01</a:t>
             </a:fld>
             <a:endParaRPr lang="ko-KR" altLang="en-US"/>
           </a:p>
@@ -10475,7 +11512,7 @@
           <a:p>
             <a:fld id="{11CF987C-FD17-4394-9A4F-BE2D66BE4DDF}" type="datetimeFigureOut">
               <a:rPr lang="ko-KR" altLang="en-US" smtClean="0"/>
-              <a:t>2021/07/23</a:t>
+              <a:t>2021-08-01</a:t>
             </a:fld>
             <a:endParaRPr lang="ko-KR" altLang="en-US"/>
           </a:p>
@@ -10707,7 +11744,7 @@
           <a:p>
             <a:fld id="{11CF987C-FD17-4394-9A4F-BE2D66BE4DDF}" type="datetimeFigureOut">
               <a:rPr lang="ko-KR" altLang="en-US" smtClean="0"/>
-              <a:t>2021/07/23</a:t>
+              <a:t>2021-08-01</a:t>
             </a:fld>
             <a:endParaRPr lang="ko-KR" altLang="en-US"/>
           </a:p>
@@ -11074,7 +12111,7 @@
           <a:p>
             <a:fld id="{11CF987C-FD17-4394-9A4F-BE2D66BE4DDF}" type="datetimeFigureOut">
               <a:rPr lang="ko-KR" altLang="en-US" smtClean="0"/>
-              <a:t>2021/07/23</a:t>
+              <a:t>2021-08-01</a:t>
             </a:fld>
             <a:endParaRPr lang="ko-KR" altLang="en-US"/>
           </a:p>
@@ -11192,7 +12229,7 @@
           <a:p>
             <a:fld id="{11CF987C-FD17-4394-9A4F-BE2D66BE4DDF}" type="datetimeFigureOut">
               <a:rPr lang="ko-KR" altLang="en-US" smtClean="0"/>
-              <a:t>2021/07/23</a:t>
+              <a:t>2021-08-01</a:t>
             </a:fld>
             <a:endParaRPr lang="ko-KR" altLang="en-US"/>
           </a:p>
@@ -11287,7 +12324,7 @@
           <a:p>
             <a:fld id="{11CF987C-FD17-4394-9A4F-BE2D66BE4DDF}" type="datetimeFigureOut">
               <a:rPr lang="ko-KR" altLang="en-US" smtClean="0"/>
-              <a:t>2021/07/23</a:t>
+              <a:t>2021-08-01</a:t>
             </a:fld>
             <a:endParaRPr lang="ko-KR" altLang="en-US"/>
           </a:p>
@@ -11564,7 +12601,7 @@
           <a:p>
             <a:fld id="{11CF987C-FD17-4394-9A4F-BE2D66BE4DDF}" type="datetimeFigureOut">
               <a:rPr lang="ko-KR" altLang="en-US" smtClean="0"/>
-              <a:t>2021/07/23</a:t>
+              <a:t>2021-08-01</a:t>
             </a:fld>
             <a:endParaRPr lang="ko-KR" altLang="en-US"/>
           </a:p>
@@ -11821,7 +12858,7 @@
           <a:p>
             <a:fld id="{11CF987C-FD17-4394-9A4F-BE2D66BE4DDF}" type="datetimeFigureOut">
               <a:rPr lang="ko-KR" altLang="en-US" smtClean="0"/>
-              <a:t>2021/07/23</a:t>
+              <a:t>2021-08-01</a:t>
             </a:fld>
             <a:endParaRPr lang="ko-KR" altLang="en-US"/>
           </a:p>
@@ -12060,7 +13097,7 @@
           <a:p>
             <a:fld id="{11CF987C-FD17-4394-9A4F-BE2D66BE4DDF}" type="datetimeFigureOut">
               <a:rPr lang="ko-KR" altLang="en-US" smtClean="0"/>
-              <a:t>2021/07/23</a:t>
+              <a:t>2021-08-01</a:t>
             </a:fld>
             <a:endParaRPr lang="ko-KR" altLang="en-US"/>
           </a:p>
@@ -12999,6 +14036,370 @@
           <a:p>
             <a:r>
               <a:rPr lang="en-US" altLang="ko-KR" dirty="0" smtClean="0"/>
+              <a:t>Multidimensionality in the ALSFRS-R scale</a:t>
+            </a:r>
+            <a:endParaRPr lang="ko-KR" altLang="en-US" dirty="0"/>
+          </a:p>
+        </p:txBody>
+      </p:sp>
+      <p:pic>
+        <p:nvPicPr>
+          <p:cNvPr id="4" name="내용 개체 틀 3"/>
+          <p:cNvPicPr>
+            <a:picLocks noGrp="1" noChangeAspect="1"/>
+          </p:cNvPicPr>
+          <p:nvPr>
+            <p:ph idx="1"/>
+          </p:nvPr>
+        </p:nvPicPr>
+        <p:blipFill>
+          <a:blip r:embed="rId3"/>
+          <a:stretch>
+            <a:fillRect/>
+          </a:stretch>
+        </p:blipFill>
+        <p:spPr>
+          <a:xfrm>
+            <a:off x="0" y="4552628"/>
+            <a:ext cx="6963747" cy="2305372"/>
+          </a:xfrm>
+          <a:prstGeom prst="rect">
+            <a:avLst/>
+          </a:prstGeom>
+        </p:spPr>
+      </p:pic>
+      <p:pic>
+        <p:nvPicPr>
+          <p:cNvPr id="5" name="그림 4"/>
+          <p:cNvPicPr>
+            <a:picLocks noChangeAspect="1"/>
+          </p:cNvPicPr>
+          <p:nvPr/>
+        </p:nvPicPr>
+        <p:blipFill>
+          <a:blip r:embed="rId4"/>
+          <a:stretch>
+            <a:fillRect/>
+          </a:stretch>
+        </p:blipFill>
+        <p:spPr>
+          <a:xfrm>
+            <a:off x="0" y="1341075"/>
+            <a:ext cx="3553321" cy="2886478"/>
+          </a:xfrm>
+          <a:prstGeom prst="rect">
+            <a:avLst/>
+          </a:prstGeom>
+        </p:spPr>
+      </p:pic>
+    </p:spTree>
+    <p:extLst>
+      <p:ext uri="{BB962C8B-B14F-4D97-AF65-F5344CB8AC3E}">
+        <p14:creationId xmlns:p14="http://schemas.microsoft.com/office/powerpoint/2010/main" val="3977523228"/>
+      </p:ext>
+    </p:extLst>
+  </p:cSld>
+  <p:clrMapOvr>
+    <a:masterClrMapping/>
+  </p:clrMapOvr>
+</p:sld>
+</file>
+
+<file path=ppt/slides/slide16.xml><?xml version="1.0" encoding="utf-8"?>
+<p:sld xmlns:a="http://schemas.openxmlformats.org/drawingml/2006/main" xmlns:r="http://schemas.openxmlformats.org/officeDocument/2006/relationships" xmlns:p="http://schemas.openxmlformats.org/presentationml/2006/main">
+  <p:cSld>
+    <p:spTree>
+      <p:nvGrpSpPr>
+        <p:cNvPr id="1" name=""/>
+        <p:cNvGrpSpPr/>
+        <p:nvPr/>
+      </p:nvGrpSpPr>
+      <p:grpSpPr>
+        <a:xfrm>
+          <a:off x="0" y="0"/>
+          <a:ext cx="0" cy="0"/>
+          <a:chOff x="0" y="0"/>
+          <a:chExt cx="0" cy="0"/>
+        </a:xfrm>
+      </p:grpSpPr>
+      <p:sp>
+        <p:nvSpPr>
+          <p:cNvPr id="2" name="제목 1"/>
+          <p:cNvSpPr>
+            <a:spLocks noGrp="1"/>
+          </p:cNvSpPr>
+          <p:nvPr>
+            <p:ph type="title"/>
+          </p:nvPr>
+        </p:nvSpPr>
+        <p:spPr/>
+        <p:txBody>
+          <a:bodyPr/>
+          <a:lstStyle/>
+          <a:p>
+            <a:r>
+              <a:rPr lang="en-US" altLang="ko-KR" dirty="0" smtClean="0"/>
+              <a:t>Variable </a:t>
+            </a:r>
+            <a:r>
+              <a:rPr lang="en-US" altLang="ko-KR" dirty="0" err="1" smtClean="0"/>
+              <a:t>curvilinearity</a:t>
+            </a:r>
+            <a:r>
+              <a:rPr lang="en-US" altLang="ko-KR" dirty="0" smtClean="0"/>
+              <a:t> of ALSFRS-R</a:t>
+            </a:r>
+            <a:r>
+              <a:rPr lang="en-US" altLang="ko-KR" dirty="0"/>
+              <a:t> trajectories</a:t>
+            </a:r>
+            <a:endParaRPr lang="ko-KR" altLang="en-US" dirty="0"/>
+          </a:p>
+        </p:txBody>
+      </p:sp>
+      <p:sp>
+        <p:nvSpPr>
+          <p:cNvPr id="3" name="내용 개체 틀 2"/>
+          <p:cNvSpPr>
+            <a:spLocks noGrp="1"/>
+          </p:cNvSpPr>
+          <p:nvPr>
+            <p:ph idx="1"/>
+          </p:nvPr>
+        </p:nvSpPr>
+        <p:spPr/>
+        <p:txBody>
+          <a:bodyPr/>
+          <a:lstStyle/>
+          <a:p>
+            <a:r>
+              <a:rPr lang="en-US" altLang="ko-KR" dirty="0" smtClean="0"/>
+              <a:t>4 domains in ALSFRS-R</a:t>
+            </a:r>
+          </a:p>
+          <a:p>
+            <a:pPr lvl="1"/>
+            <a:r>
+              <a:rPr lang="en-US" altLang="ko-KR" dirty="0" smtClean="0"/>
+              <a:t>Bulbar: speech, swallowing, </a:t>
+            </a:r>
+            <a:r>
+              <a:rPr lang="en-US" altLang="ko-KR" dirty="0" err="1" smtClean="0"/>
+              <a:t>sialorrhea</a:t>
+            </a:r>
+            <a:endParaRPr lang="en-US" altLang="ko-KR" dirty="0" smtClean="0"/>
+          </a:p>
+          <a:p>
+            <a:pPr lvl="1"/>
+            <a:r>
+              <a:rPr lang="en-US" altLang="ko-KR" dirty="0" smtClean="0"/>
+              <a:t>Fine motor: handwriting, cutting foot, dressing/hygiene</a:t>
+            </a:r>
+          </a:p>
+          <a:p>
+            <a:pPr lvl="1"/>
+            <a:r>
+              <a:rPr lang="en-US" altLang="ko-KR" dirty="0" smtClean="0"/>
+              <a:t>Gross motor: walking, climbing stairs, turning in bed</a:t>
+            </a:r>
+          </a:p>
+          <a:p>
+            <a:pPr lvl="1"/>
+            <a:r>
+              <a:rPr lang="en-US" altLang="ko-KR" dirty="0" smtClean="0"/>
+              <a:t>Respiratory function: dyspnea, orthopnea, respiratory insufficiency</a:t>
+            </a:r>
+            <a:endParaRPr lang="ko-KR" altLang="en-US" dirty="0"/>
+          </a:p>
+        </p:txBody>
+      </p:sp>
+      <p:pic>
+        <p:nvPicPr>
+          <p:cNvPr id="4" name="내용 개체 틀 3"/>
+          <p:cNvPicPr>
+            <a:picLocks noChangeAspect="1"/>
+          </p:cNvPicPr>
+          <p:nvPr/>
+        </p:nvPicPr>
+        <p:blipFill>
+          <a:blip r:embed="rId3"/>
+          <a:stretch>
+            <a:fillRect/>
+          </a:stretch>
+        </p:blipFill>
+        <p:spPr>
+          <a:xfrm>
+            <a:off x="0" y="4032250"/>
+            <a:ext cx="8383363" cy="1653421"/>
+          </a:xfrm>
+          <a:prstGeom prst="rect">
+            <a:avLst/>
+          </a:prstGeom>
+        </p:spPr>
+      </p:pic>
+    </p:spTree>
+    <p:extLst>
+      <p:ext uri="{BB962C8B-B14F-4D97-AF65-F5344CB8AC3E}">
+        <p14:creationId xmlns:p14="http://schemas.microsoft.com/office/powerpoint/2010/main" val="447667425"/>
+      </p:ext>
+    </p:extLst>
+  </p:cSld>
+  <p:clrMapOvr>
+    <a:masterClrMapping/>
+  </p:clrMapOvr>
+</p:sld>
+</file>
+
+<file path=ppt/slides/slide17.xml><?xml version="1.0" encoding="utf-8"?>
+<p:sld xmlns:a="http://schemas.openxmlformats.org/drawingml/2006/main" xmlns:r="http://schemas.openxmlformats.org/officeDocument/2006/relationships" xmlns:p="http://schemas.openxmlformats.org/presentationml/2006/main">
+  <p:cSld>
+    <p:spTree>
+      <p:nvGrpSpPr>
+        <p:cNvPr id="1" name=""/>
+        <p:cNvGrpSpPr/>
+        <p:nvPr/>
+      </p:nvGrpSpPr>
+      <p:grpSpPr>
+        <a:xfrm>
+          <a:off x="0" y="0"/>
+          <a:ext cx="0" cy="0"/>
+          <a:chOff x="0" y="0"/>
+          <a:chExt cx="0" cy="0"/>
+        </a:xfrm>
+      </p:grpSpPr>
+      <p:sp>
+        <p:nvSpPr>
+          <p:cNvPr id="2" name="제목 1"/>
+          <p:cNvSpPr>
+            <a:spLocks noGrp="1"/>
+          </p:cNvSpPr>
+          <p:nvPr>
+            <p:ph type="title"/>
+          </p:nvPr>
+        </p:nvSpPr>
+        <p:spPr/>
+        <p:txBody>
+          <a:bodyPr/>
+          <a:lstStyle/>
+          <a:p>
+            <a:endParaRPr lang="ko-KR" altLang="en-US"/>
+          </a:p>
+        </p:txBody>
+      </p:sp>
+      <p:sp>
+        <p:nvSpPr>
+          <p:cNvPr id="3" name="내용 개체 틀 2"/>
+          <p:cNvSpPr>
+            <a:spLocks noGrp="1"/>
+          </p:cNvSpPr>
+          <p:nvPr>
+            <p:ph idx="1"/>
+          </p:nvPr>
+        </p:nvSpPr>
+        <p:spPr/>
+        <p:txBody>
+          <a:bodyPr/>
+          <a:lstStyle/>
+          <a:p>
+            <a:endParaRPr lang="ko-KR" altLang="en-US"/>
+          </a:p>
+        </p:txBody>
+      </p:sp>
+      <p:pic>
+        <p:nvPicPr>
+          <p:cNvPr id="4" name="그림 3"/>
+          <p:cNvPicPr>
+            <a:picLocks noChangeAspect="1"/>
+          </p:cNvPicPr>
+          <p:nvPr/>
+        </p:nvPicPr>
+        <p:blipFill>
+          <a:blip r:embed="rId3"/>
+          <a:stretch>
+            <a:fillRect/>
+          </a:stretch>
+        </p:blipFill>
+        <p:spPr>
+          <a:xfrm>
+            <a:off x="0" y="508001"/>
+            <a:ext cx="6234299" cy="6362051"/>
+          </a:xfrm>
+          <a:prstGeom prst="rect">
+            <a:avLst/>
+          </a:prstGeom>
+        </p:spPr>
+      </p:pic>
+      <p:pic>
+        <p:nvPicPr>
+          <p:cNvPr id="5" name="그림 4"/>
+          <p:cNvPicPr>
+            <a:picLocks noChangeAspect="1"/>
+          </p:cNvPicPr>
+          <p:nvPr/>
+        </p:nvPicPr>
+        <p:blipFill>
+          <a:blip r:embed="rId4"/>
+          <a:stretch>
+            <a:fillRect/>
+          </a:stretch>
+        </p:blipFill>
+        <p:spPr>
+          <a:xfrm>
+            <a:off x="6234299" y="3320470"/>
+            <a:ext cx="5957701" cy="1014247"/>
+          </a:xfrm>
+          <a:prstGeom prst="rect">
+            <a:avLst/>
+          </a:prstGeom>
+        </p:spPr>
+      </p:pic>
+    </p:spTree>
+    <p:extLst>
+      <p:ext uri="{BB962C8B-B14F-4D97-AF65-F5344CB8AC3E}">
+        <p14:creationId xmlns:p14="http://schemas.microsoft.com/office/powerpoint/2010/main" val="3165809612"/>
+      </p:ext>
+    </p:extLst>
+  </p:cSld>
+  <p:clrMapOvr>
+    <a:masterClrMapping/>
+  </p:clrMapOvr>
+</p:sld>
+</file>
+
+<file path=ppt/slides/slide18.xml><?xml version="1.0" encoding="utf-8"?>
+<p:sld xmlns:a="http://schemas.openxmlformats.org/drawingml/2006/main" xmlns:r="http://schemas.openxmlformats.org/officeDocument/2006/relationships" xmlns:p="http://schemas.openxmlformats.org/presentationml/2006/main">
+  <p:cSld>
+    <p:spTree>
+      <p:nvGrpSpPr>
+        <p:cNvPr id="1" name=""/>
+        <p:cNvGrpSpPr/>
+        <p:nvPr/>
+      </p:nvGrpSpPr>
+      <p:grpSpPr>
+        <a:xfrm>
+          <a:off x="0" y="0"/>
+          <a:ext cx="0" cy="0"/>
+          <a:chOff x="0" y="0"/>
+          <a:chExt cx="0" cy="0"/>
+        </a:xfrm>
+      </p:grpSpPr>
+      <p:sp>
+        <p:nvSpPr>
+          <p:cNvPr id="2" name="제목 1"/>
+          <p:cNvSpPr>
+            <a:spLocks noGrp="1"/>
+          </p:cNvSpPr>
+          <p:nvPr>
+            <p:ph type="title"/>
+          </p:nvPr>
+        </p:nvSpPr>
+        <p:spPr/>
+        <p:txBody>
+          <a:bodyPr/>
+          <a:lstStyle/>
+          <a:p>
+            <a:r>
+              <a:rPr lang="en-US" altLang="ko-KR" dirty="0" smtClean="0"/>
               <a:t>Beyond these staging by hidden </a:t>
             </a:r>
             <a:r>
@@ -13576,15 +14977,32 @@
           </a:p>
         </p:txBody>
       </p:sp>
-      <p:pic>
-        <p:nvPicPr>
-          <p:cNvPr id="4" name="내용 개체 틀 3"/>
-          <p:cNvPicPr>
-            <a:picLocks noGrp="1" noChangeAspect="1"/>
-          </p:cNvPicPr>
+      <p:sp>
+        <p:nvSpPr>
+          <p:cNvPr id="3" name="내용 개체 틀 2"/>
+          <p:cNvSpPr>
+            <a:spLocks noGrp="1"/>
+          </p:cNvSpPr>
           <p:nvPr>
             <p:ph idx="1"/>
           </p:nvPr>
+        </p:nvSpPr>
+        <p:spPr/>
+        <p:txBody>
+          <a:bodyPr/>
+          <a:lstStyle/>
+          <a:p>
+            <a:endParaRPr lang="ko-KR" altLang="en-US"/>
+          </a:p>
+        </p:txBody>
+      </p:sp>
+      <p:pic>
+        <p:nvPicPr>
+          <p:cNvPr id="6" name="그림 5"/>
+          <p:cNvPicPr>
+            <a:picLocks noChangeAspect="1"/>
+          </p:cNvPicPr>
+          <p:nvPr/>
         </p:nvPicPr>
         <p:blipFill>
           <a:blip r:embed="rId3"/>
@@ -13594,8 +15012,8 @@
         </p:blipFill>
         <p:spPr>
           <a:xfrm>
-            <a:off x="2466350" y="1206500"/>
-            <a:ext cx="6239701" cy="5651500"/>
+            <a:off x="2082532" y="1206500"/>
+            <a:ext cx="6962648" cy="5651500"/>
           </a:xfrm>
           <a:prstGeom prst="rect">
             <a:avLst/>

--- a/SNUH 심포지엄-유일한.pptx
+++ b/SNUH 심포지엄-유일한.pptx
@@ -215,7 +215,7 @@
           <a:p>
             <a:fld id="{E8FBBB6A-BE53-4BF0-B17E-892FAA57C2D4}" type="datetimeFigureOut">
               <a:rPr lang="ko-KR" altLang="en-US" smtClean="0"/>
-              <a:t>2021-08-07</a:t>
+              <a:t>2021-08-14</a:t>
             </a:fld>
             <a:endParaRPr lang="ko-KR" altLang="en-US"/>
           </a:p>
@@ -4789,231 +4789,577 @@
             </a:r>
             <a:r>
               <a:rPr lang="ko-KR" altLang="en-US" dirty="0" smtClean="0"/>
+              <a:t>의</a:t>
+            </a:r>
+            <a:r>
+              <a:rPr lang="ko-KR" altLang="en-US" baseline="0" dirty="0" smtClean="0"/>
+              <a:t> 문항적합도와 </a:t>
+            </a:r>
+            <a:r>
+              <a:rPr lang="en-US" altLang="ko-KR" baseline="0" dirty="0" smtClean="0"/>
+              <a:t>dimensionality</a:t>
+            </a:r>
+            <a:r>
+              <a:rPr lang="ko-KR" altLang="en-US" baseline="0" dirty="0" smtClean="0"/>
+              <a:t>를 평가하기 위해 분석한 연구가 있었습니다</a:t>
+            </a:r>
+            <a:r>
+              <a:rPr lang="en-US" altLang="ko-KR" baseline="0" dirty="0" smtClean="0"/>
+              <a:t>. </a:t>
+            </a:r>
+          </a:p>
+          <a:p>
+            <a:r>
+              <a:rPr lang="en-US" altLang="ko-KR" dirty="0" smtClean="0"/>
+              <a:t>Parallel</a:t>
+            </a:r>
+            <a:r>
+              <a:rPr lang="en-US" altLang="ko-KR" baseline="0" dirty="0" smtClean="0"/>
+              <a:t> analysis</a:t>
+            </a:r>
+            <a:r>
+              <a:rPr lang="ko-KR" altLang="en-US" baseline="0" dirty="0" smtClean="0"/>
+              <a:t>와 </a:t>
+            </a:r>
+            <a:r>
+              <a:rPr lang="en-US" altLang="ko-KR" baseline="0" dirty="0" smtClean="0"/>
+              <a:t>exploratory factor analysis</a:t>
+            </a:r>
+            <a:r>
+              <a:rPr lang="ko-KR" altLang="en-US" baseline="0" dirty="0" smtClean="0"/>
+              <a:t>를 한 결과 </a:t>
+            </a:r>
+            <a:r>
+              <a:rPr lang="en-US" altLang="ko-KR" baseline="0" dirty="0" smtClean="0"/>
+              <a:t>ALSFRS-R</a:t>
+            </a:r>
+            <a:r>
+              <a:rPr lang="ko-KR" altLang="en-US" baseline="0" dirty="0" smtClean="0"/>
+              <a:t>을 </a:t>
+            </a:r>
+            <a:r>
+              <a:rPr lang="en-US" altLang="ko-KR" baseline="0" dirty="0" smtClean="0"/>
+              <a:t>factor 3</a:t>
+            </a:r>
+            <a:r>
+              <a:rPr lang="ko-KR" altLang="en-US" baseline="0" dirty="0" smtClean="0"/>
+              <a:t>개로 나눌 수 있다는 점을 발견했고 왼쪽 하단에 있는 표와 같이 </a:t>
+            </a:r>
+            <a:r>
+              <a:rPr lang="en-US" altLang="ko-KR" baseline="0" dirty="0" smtClean="0"/>
+              <a:t>factor 1,2,3</a:t>
+            </a:r>
+            <a:r>
+              <a:rPr lang="ko-KR" altLang="en-US" baseline="0" dirty="0" smtClean="0"/>
+              <a:t>으로 나눠서 </a:t>
+            </a:r>
+            <a:r>
+              <a:rPr lang="en-US" altLang="ko-KR" baseline="0" dirty="0" smtClean="0"/>
+              <a:t>domain 1</a:t>
+            </a:r>
+            <a:r>
+              <a:rPr lang="ko-KR" altLang="en-US" baseline="0" dirty="0" smtClean="0"/>
+              <a:t>은 </a:t>
+            </a:r>
+            <a:r>
+              <a:rPr lang="en-US" altLang="ko-KR" baseline="0" dirty="0" smtClean="0"/>
+              <a:t>bulbar function, 2</a:t>
+            </a:r>
+            <a:r>
+              <a:rPr lang="ko-KR" altLang="en-US" baseline="0" dirty="0" smtClean="0"/>
+              <a:t>는 </a:t>
+            </a:r>
+            <a:r>
+              <a:rPr lang="en-US" altLang="ko-KR" baseline="0" dirty="0" smtClean="0"/>
+              <a:t>find and gross motor function, 3</a:t>
+            </a:r>
+            <a:r>
+              <a:rPr lang="ko-KR" altLang="en-US" baseline="0" dirty="0" smtClean="0"/>
+              <a:t>는 </a:t>
+            </a:r>
+            <a:r>
+              <a:rPr lang="en-US" altLang="ko-KR" baseline="0" dirty="0" smtClean="0"/>
+              <a:t>respiratory function domain</a:t>
+            </a:r>
+            <a:r>
+              <a:rPr lang="ko-KR" altLang="en-US" baseline="0" dirty="0" smtClean="0"/>
+              <a:t>이 됩니다</a:t>
+            </a:r>
+            <a:r>
+              <a:rPr lang="en-US" altLang="ko-KR" baseline="0" dirty="0" smtClean="0"/>
+              <a:t>. </a:t>
+            </a:r>
+            <a:r>
+              <a:rPr lang="ko-KR" altLang="en-US" baseline="0" dirty="0" smtClean="0"/>
+              <a:t>이렇게 </a:t>
+            </a:r>
+            <a:r>
+              <a:rPr lang="en-US" altLang="ko-KR" baseline="0" dirty="0" smtClean="0"/>
+              <a:t>3</a:t>
+            </a:r>
+            <a:r>
+              <a:rPr lang="ko-KR" altLang="en-US" baseline="0" dirty="0" smtClean="0"/>
+              <a:t>개의 </a:t>
+            </a:r>
+            <a:r>
+              <a:rPr lang="en-US" altLang="ko-KR" baseline="0" dirty="0" smtClean="0"/>
+              <a:t>domain</a:t>
+            </a:r>
+            <a:r>
+              <a:rPr lang="ko-KR" altLang="en-US" baseline="0" dirty="0" smtClean="0"/>
+              <a:t>으로 나누면 모형이 좋은 적합도를 보였고 </a:t>
+            </a:r>
+            <a:r>
+              <a:rPr lang="en-US" altLang="ko-KR" baseline="0" dirty="0" smtClean="0"/>
+              <a:t>PCA</a:t>
+            </a:r>
+            <a:r>
+              <a:rPr lang="ko-KR" altLang="en-US" baseline="0" dirty="0" smtClean="0"/>
+              <a:t>를 </a:t>
+            </a:r>
+            <a:r>
+              <a:rPr lang="ko-KR" altLang="en-US" baseline="0" dirty="0" err="1" smtClean="0"/>
+              <a:t>했을때에도</a:t>
+            </a:r>
+            <a:r>
+              <a:rPr lang="ko-KR" altLang="en-US" baseline="0" dirty="0" smtClean="0"/>
+              <a:t> 잘 나눠지는 것으로 나타났습니다</a:t>
+            </a:r>
+            <a:r>
+              <a:rPr lang="en-US" altLang="ko-KR" baseline="0" dirty="0" smtClean="0"/>
+              <a:t>. </a:t>
+            </a:r>
+            <a:r>
+              <a:rPr lang="ko-KR" altLang="en-US" baseline="0" dirty="0" smtClean="0"/>
+              <a:t>따라서 </a:t>
+            </a:r>
+            <a:r>
+              <a:rPr lang="en-US" altLang="ko-KR" baseline="0" dirty="0" smtClean="0"/>
+              <a:t>ALSFRS-R</a:t>
+            </a:r>
+            <a:r>
+              <a:rPr lang="ko-KR" altLang="en-US" baseline="0" dirty="0" smtClean="0"/>
+              <a:t>은 </a:t>
+            </a:r>
+            <a:r>
+              <a:rPr lang="en-US" altLang="ko-KR" baseline="0" dirty="0" smtClean="0"/>
+              <a:t>1</a:t>
+            </a:r>
+            <a:r>
+              <a:rPr lang="ko-KR" altLang="en-US" baseline="0" dirty="0" smtClean="0"/>
+              <a:t>개의 </a:t>
+            </a:r>
+            <a:r>
+              <a:rPr lang="en-US" altLang="ko-KR" baseline="0" dirty="0" smtClean="0"/>
+              <a:t>dimension</a:t>
+            </a:r>
+            <a:r>
+              <a:rPr lang="ko-KR" altLang="en-US" baseline="0" dirty="0" smtClean="0"/>
+              <a:t>이 아닌 </a:t>
+            </a:r>
+            <a:r>
+              <a:rPr lang="en-US" altLang="ko-KR" baseline="0" dirty="0" smtClean="0"/>
+              <a:t>3</a:t>
+            </a:r>
+            <a:r>
+              <a:rPr lang="ko-KR" altLang="en-US" baseline="0" dirty="0" smtClean="0"/>
+              <a:t>개의 </a:t>
+            </a:r>
+            <a:r>
+              <a:rPr lang="en-US" altLang="ko-KR" baseline="0" dirty="0" err="1" smtClean="0"/>
+              <a:t>multidimension</a:t>
+            </a:r>
+            <a:r>
+              <a:rPr lang="ko-KR" altLang="en-US" baseline="0" dirty="0" smtClean="0"/>
+              <a:t>을 갖는 점수로 생각할 수 있고 총점으로 환자의 상태를 평가하기는 어렵다는 결론을 내리게 됩니다</a:t>
+            </a:r>
+            <a:r>
+              <a:rPr lang="en-US" altLang="ko-KR" baseline="0" dirty="0" smtClean="0"/>
+              <a:t>. </a:t>
+            </a:r>
+            <a:r>
+              <a:rPr lang="ko-KR" altLang="en-US" baseline="0" dirty="0" smtClean="0"/>
+              <a:t>또한 이 연구결과로 보면 </a:t>
+            </a:r>
+            <a:r>
+              <a:rPr lang="en-US" altLang="ko-KR" baseline="0" dirty="0" smtClean="0"/>
+              <a:t>ALSFRS-R</a:t>
+            </a:r>
+            <a:r>
+              <a:rPr lang="ko-KR" altLang="en-US" baseline="0" dirty="0" smtClean="0"/>
+              <a:t>을 </a:t>
+            </a:r>
+            <a:r>
+              <a:rPr lang="ko-KR" altLang="en-US" baseline="0" dirty="0" err="1" smtClean="0"/>
+              <a:t>각항목마다</a:t>
+            </a:r>
+            <a:r>
+              <a:rPr lang="ko-KR" altLang="en-US" baseline="0" dirty="0" smtClean="0"/>
+              <a:t> </a:t>
+            </a:r>
+            <a:r>
+              <a:rPr lang="en-US" altLang="ko-KR" baseline="0" dirty="0" smtClean="0"/>
+              <a:t>0</a:t>
+            </a:r>
+            <a:r>
+              <a:rPr lang="ko-KR" altLang="en-US" baseline="0" dirty="0" smtClean="0"/>
+              <a:t>에서 </a:t>
+            </a:r>
+            <a:r>
+              <a:rPr lang="en-US" altLang="ko-KR" baseline="0" dirty="0" smtClean="0"/>
+              <a:t>4</a:t>
+            </a:r>
+            <a:r>
+              <a:rPr lang="ko-KR" altLang="en-US" baseline="0" dirty="0" smtClean="0"/>
+              <a:t>점까지 </a:t>
+            </a:r>
+            <a:r>
+              <a:rPr lang="en-US" altLang="ko-KR" baseline="0" dirty="0" smtClean="0"/>
+              <a:t>5</a:t>
+            </a:r>
+            <a:r>
+              <a:rPr lang="ko-KR" altLang="en-US" baseline="0" dirty="0" smtClean="0"/>
+              <a:t>개의 점수로 나눠서 평가하는데 오른쪽 </a:t>
+            </a:r>
+            <a:r>
+              <a:rPr lang="en-US" altLang="ko-KR" baseline="0" dirty="0" smtClean="0"/>
+              <a:t>plot</a:t>
+            </a:r>
+            <a:r>
+              <a:rPr lang="ko-KR" altLang="en-US" baseline="0" dirty="0" smtClean="0"/>
+              <a:t>은 환자의 기능에서 문항</a:t>
+            </a:r>
+            <a:r>
+              <a:rPr lang="en-US" altLang="ko-KR" baseline="0" dirty="0" smtClean="0"/>
+              <a:t>(12</a:t>
+            </a:r>
+            <a:r>
+              <a:rPr lang="ko-KR" altLang="en-US" baseline="0" dirty="0" smtClean="0"/>
+              <a:t>개의 세부 항목의 난이도</a:t>
+            </a:r>
+            <a:r>
+              <a:rPr lang="en-US" altLang="ko-KR" baseline="0" dirty="0" smtClean="0"/>
+              <a:t>)</a:t>
+            </a:r>
+            <a:r>
+              <a:rPr lang="ko-KR" altLang="en-US" baseline="0" dirty="0" smtClean="0"/>
+              <a:t>를 뺀 것을 </a:t>
+            </a:r>
+            <a:r>
+              <a:rPr lang="en-US" altLang="ko-KR" baseline="0" dirty="0" smtClean="0"/>
+              <a:t>x</a:t>
+            </a:r>
+            <a:r>
+              <a:rPr lang="ko-KR" altLang="en-US" baseline="0" dirty="0" smtClean="0"/>
+              <a:t>축으로 하고 </a:t>
+            </a:r>
+            <a:r>
+              <a:rPr lang="en-US" altLang="ko-KR" baseline="0" dirty="0" smtClean="0"/>
+              <a:t>ALSFRS-R</a:t>
+            </a:r>
+            <a:r>
+              <a:rPr lang="ko-KR" altLang="en-US" baseline="0" dirty="0" smtClean="0"/>
               <a:t>의 </a:t>
             </a:r>
             <a:r>
-              <a:rPr lang="en-US" altLang="ko-KR" dirty="0" smtClean="0"/>
-              <a:t>dimensionality, reliability, validity</a:t>
-            </a:r>
-            <a:r>
-              <a:rPr lang="ko-KR" altLang="en-US" dirty="0" smtClean="0"/>
-              <a:t>를 </a:t>
-            </a:r>
-            <a:r>
-              <a:rPr lang="en-US" altLang="ko-KR" dirty="0" smtClean="0"/>
-              <a:t>test</a:t>
-            </a:r>
-            <a:r>
-              <a:rPr lang="ko-KR" altLang="en-US" dirty="0" smtClean="0"/>
-              <a:t>하기 위해서 전통적으로 알려진 </a:t>
-            </a:r>
-            <a:r>
-              <a:rPr lang="en-US" altLang="ko-KR" dirty="0" smtClean="0"/>
-              <a:t>classical test theory (CTT)</a:t>
-            </a:r>
-            <a:r>
-              <a:rPr lang="ko-KR" altLang="en-US" dirty="0" smtClean="0"/>
-              <a:t>와</a:t>
-            </a:r>
-            <a:r>
-              <a:rPr lang="en-US" altLang="ko-KR" dirty="0" smtClean="0"/>
+              <a:rPr lang="ko-KR" altLang="en-US" baseline="0" dirty="0" err="1" smtClean="0"/>
+              <a:t>세부항목의</a:t>
+            </a:r>
+            <a:r>
+              <a:rPr lang="ko-KR" altLang="en-US" baseline="0" dirty="0" smtClean="0"/>
+              <a:t> 점수를 </a:t>
+            </a:r>
+            <a:r>
+              <a:rPr lang="en-US" altLang="ko-KR" baseline="0" dirty="0" smtClean="0"/>
+              <a:t>y</a:t>
+            </a:r>
+            <a:r>
+              <a:rPr lang="ko-KR" altLang="en-US" baseline="0" dirty="0" smtClean="0"/>
+              <a:t>축으로 해서 </a:t>
+            </a:r>
+            <a:r>
+              <a:rPr lang="ko-KR" altLang="en-US" baseline="0" dirty="0" err="1" smtClean="0"/>
+              <a:t>그린것인데</a:t>
+            </a:r>
+            <a:r>
+              <a:rPr lang="ko-KR" altLang="en-US" baseline="0" dirty="0" smtClean="0"/>
               <a:t> </a:t>
             </a:r>
             <a:r>
-              <a:rPr lang="en-US" altLang="ko-KR" dirty="0" err="1" smtClean="0"/>
-              <a:t>Rasch</a:t>
-            </a:r>
-            <a:r>
-              <a:rPr lang="en-US" altLang="ko-KR" dirty="0" smtClean="0"/>
-              <a:t> analysis</a:t>
-            </a:r>
-            <a:r>
-              <a:rPr lang="ko-KR" altLang="en-US" dirty="0" smtClean="0"/>
-              <a:t>를 이용해서 분석한 것입니다</a:t>
-            </a:r>
-            <a:r>
-              <a:rPr lang="en-US" altLang="ko-KR" dirty="0" smtClean="0"/>
+              <a:rPr lang="en-US" altLang="ko-KR" baseline="0" dirty="0" smtClean="0"/>
+              <a:t>4</a:t>
+            </a:r>
+            <a:r>
+              <a:rPr lang="ko-KR" altLang="en-US" baseline="0" dirty="0" smtClean="0"/>
+              <a:t>점부터 </a:t>
+            </a:r>
+            <a:r>
+              <a:rPr lang="en-US" altLang="ko-KR" baseline="0" dirty="0" smtClean="0"/>
+              <a:t>0</a:t>
+            </a:r>
+            <a:r>
+              <a:rPr lang="ko-KR" altLang="en-US" baseline="0" dirty="0" smtClean="0"/>
+              <a:t>점까지 순차적으로 나오지않고 </a:t>
+            </a:r>
+            <a:r>
+              <a:rPr lang="en-US" altLang="ko-KR" baseline="0" dirty="0" smtClean="0"/>
+              <a:t>0</a:t>
+            </a:r>
+            <a:r>
+              <a:rPr lang="ko-KR" altLang="en-US" baseline="0" dirty="0" smtClean="0"/>
+              <a:t>점과 </a:t>
+            </a:r>
+            <a:r>
+              <a:rPr lang="en-US" altLang="ko-KR" baseline="0" dirty="0" smtClean="0"/>
+              <a:t>1</a:t>
+            </a:r>
+            <a:r>
+              <a:rPr lang="ko-KR" altLang="en-US" baseline="0" dirty="0" smtClean="0"/>
+              <a:t>점을 나누는 기준점이 </a:t>
+            </a:r>
+            <a:r>
+              <a:rPr lang="en-US" altLang="ko-KR" baseline="0" dirty="0" smtClean="0"/>
+              <a:t>2-3</a:t>
+            </a:r>
+            <a:r>
+              <a:rPr lang="ko-KR" altLang="en-US" baseline="0" dirty="0" smtClean="0"/>
+              <a:t>점을 나누는 기준점보다 오른쪽에 위치하는 것을 볼 수 있습니다</a:t>
+            </a:r>
+            <a:r>
+              <a:rPr lang="en-US" altLang="ko-KR" baseline="0" dirty="0" smtClean="0"/>
               <a:t>.</a:t>
             </a:r>
-          </a:p>
-          <a:p>
-            <a:r>
-              <a:rPr lang="en-US" altLang="ko-KR" dirty="0" smtClean="0"/>
+            <a:r>
+              <a:rPr lang="ko-KR" altLang="en-US" baseline="0" dirty="0" smtClean="0"/>
+              <a:t> 세부항목 점수 기준을 </a:t>
+            </a:r>
+            <a:r>
+              <a:rPr lang="en-US" altLang="ko-KR" baseline="0" dirty="0" smtClean="0"/>
+              <a:t>3</a:t>
+            </a:r>
+            <a:r>
+              <a:rPr lang="ko-KR" altLang="en-US" baseline="0" dirty="0" smtClean="0"/>
+              <a:t>개로 좁혀서 평가를 하면 </a:t>
+            </a:r>
+            <a:r>
+              <a:rPr lang="en-US" altLang="ko-KR" baseline="0" dirty="0" smtClean="0"/>
+              <a:t>2-1-0</a:t>
+            </a:r>
+            <a:r>
+              <a:rPr lang="ko-KR" altLang="en-US" baseline="0" dirty="0" smtClean="0"/>
+              <a:t>을 나누는 기준이 차례대로 위치하는 것을 볼 수 있습니다</a:t>
+            </a:r>
+            <a:r>
+              <a:rPr lang="en-US" altLang="ko-KR" baseline="0" dirty="0" smtClean="0"/>
+              <a:t>. </a:t>
+            </a:r>
+            <a:r>
+              <a:rPr lang="ko-KR" altLang="en-US" baseline="0" dirty="0" smtClean="0"/>
+              <a:t>따라서 현재 </a:t>
+            </a:r>
+            <a:r>
+              <a:rPr lang="en-US" altLang="ko-KR" baseline="0" dirty="0" smtClean="0"/>
               <a:t>ALSFRS-R</a:t>
             </a:r>
             <a:r>
-              <a:rPr lang="ko-KR" altLang="en-US" dirty="0" smtClean="0"/>
-              <a:t>은 일관성 면에서는 우수했으나 </a:t>
-            </a:r>
-            <a:r>
-              <a:rPr lang="en-US" altLang="ko-KR" dirty="0" smtClean="0"/>
-              <a:t>single score</a:t>
-            </a:r>
-            <a:r>
-              <a:rPr lang="ko-KR" altLang="en-US" dirty="0" smtClean="0"/>
-              <a:t>로 사용하기에는 </a:t>
-            </a:r>
-            <a:r>
-              <a:rPr lang="en-US" altLang="ko-KR" dirty="0" smtClean="0"/>
+              <a:rPr lang="ko-KR" altLang="en-US" baseline="0" dirty="0" smtClean="0"/>
+              <a:t>의 세부항목을 나누는 점수 기준이 </a:t>
+            </a:r>
+            <a:r>
+              <a:rPr lang="en-US" altLang="ko-KR" baseline="0" dirty="0" smtClean="0"/>
+              <a:t>0</a:t>
+            </a:r>
+            <a:r>
+              <a:rPr lang="ko-KR" altLang="en-US" baseline="0" dirty="0" smtClean="0"/>
+              <a:t>에서</a:t>
+            </a:r>
+            <a:r>
+              <a:rPr lang="en-US" altLang="ko-KR" baseline="0" dirty="0" smtClean="0"/>
+              <a:t>4</a:t>
+            </a:r>
+            <a:r>
+              <a:rPr lang="ko-KR" altLang="en-US" baseline="0" dirty="0" smtClean="0"/>
+              <a:t>까지 </a:t>
+            </a:r>
+            <a:r>
+              <a:rPr lang="en-US" altLang="ko-KR" baseline="0" dirty="0" smtClean="0"/>
+              <a:t>5</a:t>
+            </a:r>
+            <a:r>
+              <a:rPr lang="ko-KR" altLang="en-US" baseline="0" dirty="0" smtClean="0"/>
+              <a:t>단계가 아닌 </a:t>
+            </a:r>
+            <a:r>
+              <a:rPr lang="en-US" altLang="ko-KR" baseline="0" dirty="0" smtClean="0"/>
+              <a:t>3</a:t>
+            </a:r>
+            <a:r>
+              <a:rPr lang="ko-KR" altLang="en-US" baseline="0" dirty="0" smtClean="0"/>
+              <a:t>단계로 좁혀져야 하는지에 대해서도 고려가 필요합니다</a:t>
+            </a:r>
+            <a:r>
+              <a:rPr lang="en-US" altLang="ko-KR" baseline="0" dirty="0" smtClean="0"/>
+              <a:t>. </a:t>
+            </a:r>
+            <a:r>
+              <a:rPr lang="ko-KR" altLang="en-US" baseline="0" dirty="0" smtClean="0"/>
+              <a:t>그리고 세부 항목 중 </a:t>
+            </a:r>
+            <a:r>
+              <a:rPr lang="en-US" altLang="ko-KR" baseline="0" dirty="0" smtClean="0"/>
+              <a:t>9</a:t>
+            </a:r>
+            <a:r>
+              <a:rPr lang="ko-KR" altLang="en-US" baseline="0" dirty="0" smtClean="0"/>
+              <a:t>번 계단오르기와 </a:t>
+            </a:r>
+            <a:r>
+              <a:rPr lang="en-US" altLang="ko-KR" baseline="0" dirty="0" smtClean="0"/>
+              <a:t>12</a:t>
+            </a:r>
+            <a:r>
+              <a:rPr lang="ko-KR" altLang="en-US" baseline="0" dirty="0" smtClean="0"/>
+              <a:t>번 호흡부전항목이 라쉬모형으로 예측하는 것보다 </a:t>
+            </a:r>
+            <a:r>
+              <a:rPr lang="en-US" altLang="ko-KR" baseline="0" dirty="0" smtClean="0"/>
+              <a:t>variability</a:t>
+            </a:r>
+            <a:r>
+              <a:rPr lang="ko-KR" altLang="en-US" baseline="0" dirty="0" smtClean="0"/>
+              <a:t>가 크게 나오는데 계단오르기의 경우 환경의 영향 </a:t>
+            </a:r>
+            <a:r>
+              <a:rPr lang="en-US" altLang="ko-KR" baseline="0" dirty="0" smtClean="0"/>
+              <a:t>(</a:t>
+            </a:r>
+            <a:r>
+              <a:rPr lang="ko-KR" altLang="en-US" baseline="0" dirty="0" smtClean="0"/>
+              <a:t>예를 들면 익숙한 곳에서 하는것과 계단 폭이 크거나 오르기 어려운 계단과 같은 경우</a:t>
+            </a:r>
+            <a:r>
+              <a:rPr lang="en-US" altLang="ko-KR" baseline="0" dirty="0" smtClean="0"/>
+              <a:t>)</a:t>
+            </a:r>
+            <a:r>
+              <a:rPr lang="ko-KR" altLang="en-US" baseline="0" dirty="0" smtClean="0"/>
+              <a:t>이 있고 환자의 태도에 영향을 받게 됩니다</a:t>
+            </a:r>
+            <a:r>
+              <a:rPr lang="en-US" altLang="ko-KR" baseline="0" dirty="0" smtClean="0"/>
+              <a:t>. </a:t>
+            </a:r>
+            <a:r>
+              <a:rPr lang="ko-KR" altLang="en-US" baseline="0" dirty="0" smtClean="0"/>
+              <a:t>그리고 </a:t>
+            </a:r>
+            <a:r>
+              <a:rPr lang="en-US" altLang="ko-KR" baseline="0" dirty="0" smtClean="0"/>
+              <a:t>12</a:t>
+            </a:r>
+            <a:r>
+              <a:rPr lang="ko-KR" altLang="en-US" baseline="0" dirty="0" smtClean="0"/>
+              <a:t>번은 호흡곤란이 없지만 기계환기장치를 사용하고 있는 경우 </a:t>
+            </a:r>
+            <a:r>
+              <a:rPr lang="en-US" altLang="ko-KR" baseline="0" dirty="0" smtClean="0"/>
+              <a:t>0</a:t>
+            </a:r>
+            <a:r>
+              <a:rPr lang="ko-KR" altLang="en-US" baseline="0" dirty="0" smtClean="0"/>
+              <a:t>점</a:t>
+            </a:r>
+            <a:r>
+              <a:rPr lang="en-US" altLang="ko-KR" baseline="0" dirty="0" smtClean="0"/>
+              <a:t>, 4</a:t>
+            </a:r>
+            <a:r>
+              <a:rPr lang="ko-KR" altLang="en-US" baseline="0" dirty="0" smtClean="0"/>
+              <a:t>점 중 어떤 점수로 판단해야 하는지에 따라 차이가 매우 큽니다</a:t>
+            </a:r>
+            <a:r>
+              <a:rPr lang="en-US" altLang="ko-KR" baseline="0" dirty="0" smtClean="0"/>
+              <a:t>. </a:t>
+            </a:r>
+            <a:r>
+              <a:rPr lang="ko-KR" altLang="en-US" baseline="0" dirty="0" smtClean="0"/>
+              <a:t>그리고 </a:t>
+            </a:r>
+            <a:r>
+              <a:rPr lang="en-US" altLang="ko-KR" baseline="0" dirty="0" smtClean="0"/>
+              <a:t>7</a:t>
+            </a:r>
+            <a:r>
+              <a:rPr lang="ko-KR" altLang="en-US" baseline="0" dirty="0" smtClean="0"/>
+              <a:t>번 항목 </a:t>
+            </a:r>
+            <a:r>
+              <a:rPr lang="en-US" altLang="ko-KR" baseline="0" dirty="0" smtClean="0"/>
+              <a:t>turning in bed, adjusting bed clothes</a:t>
+            </a:r>
+            <a:r>
+              <a:rPr lang="ko-KR" altLang="en-US" baseline="0" dirty="0" smtClean="0"/>
+              <a:t>의 경우 전혀 못하는 </a:t>
+            </a:r>
+            <a:r>
+              <a:rPr lang="en-US" altLang="ko-KR" baseline="0" dirty="0" smtClean="0"/>
+              <a:t>0</a:t>
+            </a:r>
+            <a:r>
+              <a:rPr lang="ko-KR" altLang="en-US" baseline="0" dirty="0" smtClean="0"/>
+              <a:t>점과 시작은 할 수 있지만 혼자서 못하는 </a:t>
+            </a:r>
+            <a:r>
+              <a:rPr lang="en-US" altLang="ko-KR" baseline="0" dirty="0" smtClean="0"/>
               <a:t>1</a:t>
             </a:r>
             <a:r>
-              <a:rPr lang="ko-KR" altLang="en-US" dirty="0" smtClean="0"/>
-              <a:t>차원의 구조가 아닌 단점이 있습니다</a:t>
-            </a:r>
-            <a:r>
-              <a:rPr lang="en-US" altLang="ko-KR" dirty="0" smtClean="0"/>
-              <a:t>. Parallel analysis, exploratory factor</a:t>
-            </a:r>
-            <a:r>
-              <a:rPr lang="en-US" altLang="ko-KR" baseline="0" dirty="0" smtClean="0"/>
-              <a:t> analysis</a:t>
-            </a:r>
-            <a:r>
-              <a:rPr lang="ko-KR" altLang="en-US" baseline="0" dirty="0" smtClean="0"/>
-              <a:t>를 </a:t>
+              <a:rPr lang="ko-KR" altLang="en-US" baseline="0" dirty="0" smtClean="0"/>
+              <a:t>점의 경우 명확하게 나눠지는 게 아니어서 </a:t>
             </a:r>
             <a:r>
               <a:rPr lang="ko-KR" altLang="en-US" baseline="0" dirty="0" err="1" smtClean="0"/>
-              <a:t>했을때</a:t>
-            </a:r>
-            <a:r>
-              <a:rPr lang="ko-KR" altLang="en-US" baseline="0" dirty="0" smtClean="0"/>
-              <a:t> </a:t>
-            </a:r>
-            <a:r>
-              <a:rPr lang="en-US" altLang="ko-KR" baseline="0" dirty="0" smtClean="0"/>
-              <a:t>3</a:t>
-            </a:r>
-            <a:r>
-              <a:rPr lang="ko-KR" altLang="en-US" baseline="0" dirty="0" smtClean="0"/>
-              <a:t>개의 </a:t>
-            </a:r>
-            <a:r>
-              <a:rPr lang="en-US" altLang="ko-KR" baseline="0" dirty="0" smtClean="0"/>
-              <a:t>domain</a:t>
-            </a:r>
-            <a:r>
-              <a:rPr lang="ko-KR" altLang="en-US" baseline="0" dirty="0" smtClean="0"/>
-              <a:t>으로 구성된 것으로 나왔는데 </a:t>
-            </a:r>
-            <a:r>
-              <a:rPr lang="en-US" altLang="ko-KR" baseline="0" dirty="0" smtClean="0"/>
-              <a:t>bulbar function, fine and gross motor function, respiratory function</a:t>
-            </a:r>
-            <a:r>
-              <a:rPr lang="ko-KR" altLang="en-US" baseline="0" dirty="0" smtClean="0"/>
-              <a:t>의 </a:t>
-            </a:r>
-            <a:r>
-              <a:rPr lang="en-US" altLang="ko-KR" baseline="0" dirty="0" smtClean="0"/>
-              <a:t>3</a:t>
-            </a:r>
-            <a:r>
-              <a:rPr lang="ko-KR" altLang="en-US" baseline="0" dirty="0" smtClean="0"/>
-              <a:t>가지 </a:t>
-            </a:r>
-            <a:r>
-              <a:rPr lang="en-US" altLang="ko-KR" baseline="0" dirty="0" smtClean="0"/>
-              <a:t>domain</a:t>
-            </a:r>
-            <a:r>
-              <a:rPr lang="ko-KR" altLang="en-US" baseline="0" dirty="0" smtClean="0"/>
-              <a:t>으로 되어있습니다</a:t>
-            </a:r>
-            <a:r>
-              <a:rPr lang="en-US" altLang="ko-KR" baseline="0" dirty="0" smtClean="0"/>
-              <a:t>. 3</a:t>
-            </a:r>
-            <a:r>
-              <a:rPr lang="ko-KR" altLang="en-US" baseline="0" dirty="0" smtClean="0"/>
-              <a:t>개의 </a:t>
-            </a:r>
-            <a:r>
-              <a:rPr lang="en-US" altLang="ko-KR" baseline="0" dirty="0" smtClean="0"/>
-              <a:t>domain</a:t>
-            </a:r>
-            <a:r>
-              <a:rPr lang="ko-KR" altLang="en-US" baseline="0" dirty="0" smtClean="0"/>
-              <a:t>으로 나눈 </a:t>
-            </a:r>
-            <a:r>
-              <a:rPr lang="en-US" altLang="ko-KR" baseline="0" dirty="0" smtClean="0"/>
-              <a:t>model</a:t>
-            </a:r>
-            <a:r>
-              <a:rPr lang="ko-KR" altLang="en-US" baseline="0" dirty="0" smtClean="0"/>
-              <a:t>을 </a:t>
-            </a:r>
-            <a:r>
-              <a:rPr lang="en-US" altLang="ko-KR" baseline="0" dirty="0" smtClean="0"/>
-              <a:t>confirmatory factor analysis</a:t>
-            </a:r>
-            <a:r>
-              <a:rPr lang="ko-KR" altLang="en-US" baseline="0" dirty="0" smtClean="0"/>
-              <a:t>결과 </a:t>
-            </a:r>
-            <a:r>
-              <a:rPr lang="en-US" altLang="ko-KR" baseline="0" dirty="0" smtClean="0"/>
-              <a:t>Tucker-Lewis Fit index (TLI), comparative Fit Index (CFI), Root Mean Square Error of Approximation (RMSEA), </a:t>
-            </a:r>
-            <a:r>
-              <a:rPr lang="en-US" altLang="ko-KR" baseline="0" dirty="0" err="1" smtClean="0"/>
-              <a:t>Standardised</a:t>
-            </a:r>
-            <a:r>
-              <a:rPr lang="en-US" altLang="ko-KR" baseline="0" dirty="0" smtClean="0"/>
-              <a:t> Root Mean </a:t>
-            </a:r>
-            <a:r>
-              <a:rPr lang="en-US" altLang="ko-KR" baseline="0" smtClean="0"/>
-              <a:t>Square Residual (SRMR)</a:t>
-            </a:r>
-          </a:p>
-          <a:p>
-            <a:r>
-              <a:rPr lang="en-US" altLang="ko-KR" baseline="0" dirty="0" smtClean="0"/>
-              <a:t> </a:t>
+              <a:t>평가자마다</a:t>
+            </a:r>
+            <a:r>
+              <a:rPr lang="ko-KR" altLang="en-US" baseline="0" dirty="0" smtClean="0"/>
+              <a:t> 판단하는 점수가 다를 수 있습니다</a:t>
+            </a:r>
+            <a:r>
+              <a:rPr lang="en-US" altLang="ko-KR" baseline="0" dirty="0" smtClean="0"/>
+              <a:t>. </a:t>
+            </a:r>
+            <a:r>
+              <a:rPr lang="ko-KR" altLang="en-US" baseline="0" dirty="0" smtClean="0"/>
+              <a:t>따라서 이렇게 </a:t>
             </a:r>
             <a:r>
               <a:rPr lang="ko-KR" altLang="en-US" baseline="0" dirty="0" err="1" smtClean="0"/>
-              <a:t>라쉬분석결과</a:t>
-            </a:r>
-            <a:r>
-              <a:rPr lang="ko-KR" altLang="en-US" baseline="0" dirty="0" smtClean="0"/>
-              <a:t> </a:t>
-            </a:r>
-            <a:r>
-              <a:rPr lang="en-US" altLang="ko-KR" baseline="0" dirty="0" smtClean="0"/>
-              <a:t>9</a:t>
-            </a:r>
-            <a:r>
-              <a:rPr lang="ko-KR" altLang="en-US" baseline="0" dirty="0" smtClean="0"/>
-              <a:t>번 </a:t>
-            </a:r>
-            <a:r>
-              <a:rPr lang="en-US" altLang="ko-KR" baseline="0" dirty="0" smtClean="0"/>
-              <a:t>climbing the stairs, 12</a:t>
-            </a:r>
-            <a:r>
-              <a:rPr lang="ko-KR" altLang="en-US" baseline="0" dirty="0" smtClean="0"/>
-              <a:t>번 </a:t>
-            </a:r>
-            <a:r>
-              <a:rPr lang="en-US" altLang="ko-KR" baseline="0" dirty="0" smtClean="0"/>
-              <a:t>respiratory insufficiency</a:t>
-            </a:r>
-            <a:r>
-              <a:rPr lang="ko-KR" altLang="en-US" baseline="0" dirty="0" smtClean="0"/>
-              <a:t>를 제외한 나머지 점수들은 측정하고자하는 각 구성에 </a:t>
+              <a:t>평가자마다</a:t>
+            </a:r>
+            <a:r>
+              <a:rPr lang="ko-KR" altLang="en-US" baseline="0" dirty="0" smtClean="0"/>
+              <a:t> 판단이 </a:t>
             </a:r>
             <a:r>
               <a:rPr lang="ko-KR" altLang="en-US" baseline="0" dirty="0" err="1" smtClean="0"/>
-              <a:t>맞는것으로</a:t>
-            </a:r>
-            <a:r>
-              <a:rPr lang="ko-KR" altLang="en-US" baseline="0" dirty="0" smtClean="0"/>
-              <a:t> 나왔습니다</a:t>
+              <a:t>다를수</a:t>
+            </a:r>
+            <a:r>
+              <a:rPr lang="ko-KR" altLang="en-US" baseline="0" dirty="0" smtClean="0"/>
+              <a:t> 있는 애매한 항목을 </a:t>
+            </a:r>
+            <a:r>
+              <a:rPr lang="en-US" altLang="ko-KR" baseline="0" dirty="0" smtClean="0"/>
+              <a:t>1</a:t>
+            </a:r>
+            <a:r>
+              <a:rPr lang="ko-KR" altLang="en-US" baseline="0" dirty="0" smtClean="0"/>
+              <a:t>개로 합쳐서 평가하는 것도 고려해봐야 할 </a:t>
+            </a:r>
+            <a:r>
+              <a:rPr lang="ko-KR" altLang="en-US" baseline="0" dirty="0" err="1" smtClean="0"/>
+              <a:t>것같습니다</a:t>
             </a:r>
             <a:r>
               <a:rPr lang="en-US" altLang="ko-KR" baseline="0" dirty="0" smtClean="0"/>
@@ -5021,57 +5367,28 @@
             </a:r>
             <a:r>
               <a:rPr lang="ko-KR" altLang="en-US" baseline="0" dirty="0" smtClean="0"/>
-              <a:t>각 등급 범주가 범주 기능에 대한 기준을 준수하지 않아 </a:t>
-            </a:r>
-            <a:r>
-              <a:rPr lang="en-US" altLang="ko-KR" baseline="0" dirty="0" smtClean="0"/>
-              <a:t>5</a:t>
-            </a:r>
-            <a:r>
-              <a:rPr lang="ko-KR" altLang="en-US" baseline="0" dirty="0" smtClean="0"/>
-              <a:t>단계를 </a:t>
-            </a:r>
-            <a:r>
-              <a:rPr lang="en-US" altLang="ko-KR" baseline="0" dirty="0" smtClean="0"/>
-              <a:t>3</a:t>
-            </a:r>
-            <a:r>
-              <a:rPr lang="ko-KR" altLang="en-US" baseline="0" dirty="0" smtClean="0"/>
-              <a:t>단계로 </a:t>
+              <a:t>또한 초기보다 </a:t>
             </a:r>
             <a:r>
               <a:rPr lang="ko-KR" altLang="en-US" baseline="0" dirty="0" err="1" smtClean="0"/>
-              <a:t>축소시켰을때</a:t>
-            </a:r>
-            <a:r>
-              <a:rPr lang="ko-KR" altLang="en-US" baseline="0" dirty="0" smtClean="0"/>
-              <a:t> 측정 질이 더 개선되는 결과를 보였습니다</a:t>
+              <a:t>말기상태가</a:t>
+            </a:r>
+            <a:r>
+              <a:rPr lang="ko-KR" altLang="en-US" baseline="0" dirty="0" smtClean="0"/>
+              <a:t> 되면 상태가 악화되는 정도가 더 커야지 점수변경으로 이어져서 초기보다 후기의 </a:t>
+            </a:r>
+            <a:r>
+              <a:rPr lang="en-US" altLang="ko-KR" baseline="0" dirty="0" smtClean="0"/>
+              <a:t>progression</a:t>
+            </a:r>
+            <a:r>
+              <a:rPr lang="ko-KR" altLang="en-US" baseline="0" dirty="0" smtClean="0"/>
+              <a:t>을 민감하게 반영하지 못하는 단점도 있어 이에 대한 보완도 필요해 보입니다</a:t>
             </a:r>
             <a:r>
               <a:rPr lang="en-US" altLang="ko-KR" baseline="0" dirty="0" smtClean="0"/>
               <a:t>. </a:t>
             </a:r>
-          </a:p>
-          <a:p>
-            <a:r>
-              <a:rPr lang="en-US" altLang="ko-KR" baseline="0" dirty="0" smtClean="0"/>
-              <a:t>Parallel analysis</a:t>
-            </a:r>
-            <a:r>
-              <a:rPr lang="ko-KR" altLang="en-US" baseline="0" dirty="0" smtClean="0"/>
-              <a:t>를 통해 </a:t>
-            </a:r>
-            <a:r>
-              <a:rPr lang="en-US" altLang="ko-KR" baseline="0" dirty="0" smtClean="0"/>
-              <a:t>ALSFRS-R </a:t>
-            </a:r>
-            <a:r>
-              <a:rPr lang="ko-KR" altLang="en-US" baseline="0" dirty="0" smtClean="0"/>
-              <a:t>내의 연관된 인자의 숫자를 찾았고 </a:t>
-            </a:r>
-            <a:endParaRPr lang="en-US" altLang="ko-KR" baseline="0" dirty="0" smtClean="0"/>
-          </a:p>
-          <a:p>
             <a:endParaRPr lang="ko-KR" altLang="en-US" dirty="0"/>
           </a:p>
         </p:txBody>
@@ -12220,7 +12537,7 @@
           <a:p>
             <a:fld id="{11CF987C-FD17-4394-9A4F-BE2D66BE4DDF}" type="datetimeFigureOut">
               <a:rPr lang="ko-KR" altLang="en-US" smtClean="0"/>
-              <a:t>2021-08-07</a:t>
+              <a:t>2021-08-14</a:t>
             </a:fld>
             <a:endParaRPr lang="ko-KR" altLang="en-US"/>
           </a:p>
@@ -12397,7 +12714,7 @@
           <a:p>
             <a:fld id="{11CF987C-FD17-4394-9A4F-BE2D66BE4DDF}" type="datetimeFigureOut">
               <a:rPr lang="ko-KR" altLang="en-US" smtClean="0"/>
-              <a:t>2021-08-07</a:t>
+              <a:t>2021-08-14</a:t>
             </a:fld>
             <a:endParaRPr lang="ko-KR" altLang="en-US"/>
           </a:p>
@@ -12577,7 +12894,7 @@
           <a:p>
             <a:fld id="{11CF987C-FD17-4394-9A4F-BE2D66BE4DDF}" type="datetimeFigureOut">
               <a:rPr lang="ko-KR" altLang="en-US" smtClean="0"/>
-              <a:t>2021-08-07</a:t>
+              <a:t>2021-08-14</a:t>
             </a:fld>
             <a:endParaRPr lang="ko-KR" altLang="en-US"/>
           </a:p>
@@ -12938,7 +13255,7 @@
           <a:p>
             <a:fld id="{11CF987C-FD17-4394-9A4F-BE2D66BE4DDF}" type="datetimeFigureOut">
               <a:rPr lang="ko-KR" altLang="en-US" smtClean="0"/>
-              <a:t>2021-08-07</a:t>
+              <a:t>2021-08-14</a:t>
             </a:fld>
             <a:endParaRPr lang="ko-KR" altLang="en-US"/>
           </a:p>
@@ -13170,7 +13487,7 @@
           <a:p>
             <a:fld id="{11CF987C-FD17-4394-9A4F-BE2D66BE4DDF}" type="datetimeFigureOut">
               <a:rPr lang="ko-KR" altLang="en-US" smtClean="0"/>
-              <a:t>2021-08-07</a:t>
+              <a:t>2021-08-14</a:t>
             </a:fld>
             <a:endParaRPr lang="ko-KR" altLang="en-US"/>
           </a:p>
@@ -13537,7 +13854,7 @@
           <a:p>
             <a:fld id="{11CF987C-FD17-4394-9A4F-BE2D66BE4DDF}" type="datetimeFigureOut">
               <a:rPr lang="ko-KR" altLang="en-US" smtClean="0"/>
-              <a:t>2021-08-07</a:t>
+              <a:t>2021-08-14</a:t>
             </a:fld>
             <a:endParaRPr lang="ko-KR" altLang="en-US"/>
           </a:p>
@@ -13655,7 +13972,7 @@
           <a:p>
             <a:fld id="{11CF987C-FD17-4394-9A4F-BE2D66BE4DDF}" type="datetimeFigureOut">
               <a:rPr lang="ko-KR" altLang="en-US" smtClean="0"/>
-              <a:t>2021-08-07</a:t>
+              <a:t>2021-08-14</a:t>
             </a:fld>
             <a:endParaRPr lang="ko-KR" altLang="en-US"/>
           </a:p>
@@ -13750,7 +14067,7 @@
           <a:p>
             <a:fld id="{11CF987C-FD17-4394-9A4F-BE2D66BE4DDF}" type="datetimeFigureOut">
               <a:rPr lang="ko-KR" altLang="en-US" smtClean="0"/>
-              <a:t>2021-08-07</a:t>
+              <a:t>2021-08-14</a:t>
             </a:fld>
             <a:endParaRPr lang="ko-KR" altLang="en-US"/>
           </a:p>
@@ -14027,7 +14344,7 @@
           <a:p>
             <a:fld id="{11CF987C-FD17-4394-9A4F-BE2D66BE4DDF}" type="datetimeFigureOut">
               <a:rPr lang="ko-KR" altLang="en-US" smtClean="0"/>
-              <a:t>2021-08-07</a:t>
+              <a:t>2021-08-14</a:t>
             </a:fld>
             <a:endParaRPr lang="ko-KR" altLang="en-US"/>
           </a:p>
@@ -14284,7 +14601,7 @@
           <a:p>
             <a:fld id="{11CF987C-FD17-4394-9A4F-BE2D66BE4DDF}" type="datetimeFigureOut">
               <a:rPr lang="ko-KR" altLang="en-US" smtClean="0"/>
-              <a:t>2021-08-07</a:t>
+              <a:t>2021-08-14</a:t>
             </a:fld>
             <a:endParaRPr lang="ko-KR" altLang="en-US"/>
           </a:p>
@@ -14523,7 +14840,7 @@
           <a:p>
             <a:fld id="{11CF987C-FD17-4394-9A4F-BE2D66BE4DDF}" type="datetimeFigureOut">
               <a:rPr lang="ko-KR" altLang="en-US" smtClean="0"/>
-              <a:t>2021-08-07</a:t>
+              <a:t>2021-08-14</a:t>
             </a:fld>
             <a:endParaRPr lang="ko-KR" altLang="en-US"/>
           </a:p>
@@ -15699,7 +16016,7 @@
         </p:blipFill>
         <p:spPr>
           <a:xfrm>
-            <a:off x="7069893" y="5162308"/>
+            <a:off x="0" y="844951"/>
             <a:ext cx="5122107" cy="1695691"/>
           </a:xfrm>
           <a:prstGeom prst="rect">
@@ -15723,8 +16040,32 @@
         </p:blipFill>
         <p:spPr>
           <a:xfrm>
-            <a:off x="0" y="1260052"/>
-            <a:ext cx="6891202" cy="5597947"/>
+            <a:off x="0" y="2697145"/>
+            <a:ext cx="5122107" cy="4160854"/>
+          </a:xfrm>
+          <a:prstGeom prst="rect">
+            <a:avLst/>
+          </a:prstGeom>
+        </p:spPr>
+      </p:pic>
+      <p:pic>
+        <p:nvPicPr>
+          <p:cNvPr id="3" name="그림 2"/>
+          <p:cNvPicPr>
+            <a:picLocks noChangeAspect="1"/>
+          </p:cNvPicPr>
+          <p:nvPr/>
+        </p:nvPicPr>
+        <p:blipFill>
+          <a:blip r:embed="rId5"/>
+          <a:stretch>
+            <a:fillRect/>
+          </a:stretch>
+        </p:blipFill>
+        <p:spPr>
+          <a:xfrm>
+            <a:off x="5403139" y="844951"/>
+            <a:ext cx="3996180" cy="6015392"/>
           </a:xfrm>
           <a:prstGeom prst="rect">
             <a:avLst/>

--- a/SNUH 심포지엄-유일한.pptx
+++ b/SNUH 심포지엄-유일한.pptx
@@ -215,7 +215,7 @@
           <a:p>
             <a:fld id="{E8FBBB6A-BE53-4BF0-B17E-892FAA57C2D4}" type="datetimeFigureOut">
               <a:rPr lang="ko-KR" altLang="en-US" smtClean="0"/>
-              <a:t>2021-08-14</a:t>
+              <a:t>2021-08-17</a:t>
             </a:fld>
             <a:endParaRPr lang="ko-KR" altLang="en-US"/>
           </a:p>
@@ -12537,7 +12537,7 @@
           <a:p>
             <a:fld id="{11CF987C-FD17-4394-9A4F-BE2D66BE4DDF}" type="datetimeFigureOut">
               <a:rPr lang="ko-KR" altLang="en-US" smtClean="0"/>
-              <a:t>2021-08-14</a:t>
+              <a:t>2021-08-17</a:t>
             </a:fld>
             <a:endParaRPr lang="ko-KR" altLang="en-US"/>
           </a:p>
@@ -12714,7 +12714,7 @@
           <a:p>
             <a:fld id="{11CF987C-FD17-4394-9A4F-BE2D66BE4DDF}" type="datetimeFigureOut">
               <a:rPr lang="ko-KR" altLang="en-US" smtClean="0"/>
-              <a:t>2021-08-14</a:t>
+              <a:t>2021-08-17</a:t>
             </a:fld>
             <a:endParaRPr lang="ko-KR" altLang="en-US"/>
           </a:p>
@@ -12894,7 +12894,7 @@
           <a:p>
             <a:fld id="{11CF987C-FD17-4394-9A4F-BE2D66BE4DDF}" type="datetimeFigureOut">
               <a:rPr lang="ko-KR" altLang="en-US" smtClean="0"/>
-              <a:t>2021-08-14</a:t>
+              <a:t>2021-08-17</a:t>
             </a:fld>
             <a:endParaRPr lang="ko-KR" altLang="en-US"/>
           </a:p>
@@ -13255,7 +13255,7 @@
           <a:p>
             <a:fld id="{11CF987C-FD17-4394-9A4F-BE2D66BE4DDF}" type="datetimeFigureOut">
               <a:rPr lang="ko-KR" altLang="en-US" smtClean="0"/>
-              <a:t>2021-08-14</a:t>
+              <a:t>2021-08-17</a:t>
             </a:fld>
             <a:endParaRPr lang="ko-KR" altLang="en-US"/>
           </a:p>
@@ -13487,7 +13487,7 @@
           <a:p>
             <a:fld id="{11CF987C-FD17-4394-9A4F-BE2D66BE4DDF}" type="datetimeFigureOut">
               <a:rPr lang="ko-KR" altLang="en-US" smtClean="0"/>
-              <a:t>2021-08-14</a:t>
+              <a:t>2021-08-17</a:t>
             </a:fld>
             <a:endParaRPr lang="ko-KR" altLang="en-US"/>
           </a:p>
@@ -13854,7 +13854,7 @@
           <a:p>
             <a:fld id="{11CF987C-FD17-4394-9A4F-BE2D66BE4DDF}" type="datetimeFigureOut">
               <a:rPr lang="ko-KR" altLang="en-US" smtClean="0"/>
-              <a:t>2021-08-14</a:t>
+              <a:t>2021-08-17</a:t>
             </a:fld>
             <a:endParaRPr lang="ko-KR" altLang="en-US"/>
           </a:p>
@@ -13972,7 +13972,7 @@
           <a:p>
             <a:fld id="{11CF987C-FD17-4394-9A4F-BE2D66BE4DDF}" type="datetimeFigureOut">
               <a:rPr lang="ko-KR" altLang="en-US" smtClean="0"/>
-              <a:t>2021-08-14</a:t>
+              <a:t>2021-08-17</a:t>
             </a:fld>
             <a:endParaRPr lang="ko-KR" altLang="en-US"/>
           </a:p>
@@ -14067,7 +14067,7 @@
           <a:p>
             <a:fld id="{11CF987C-FD17-4394-9A4F-BE2D66BE4DDF}" type="datetimeFigureOut">
               <a:rPr lang="ko-KR" altLang="en-US" smtClean="0"/>
-              <a:t>2021-08-14</a:t>
+              <a:t>2021-08-17</a:t>
             </a:fld>
             <a:endParaRPr lang="ko-KR" altLang="en-US"/>
           </a:p>
@@ -14344,7 +14344,7 @@
           <a:p>
             <a:fld id="{11CF987C-FD17-4394-9A4F-BE2D66BE4DDF}" type="datetimeFigureOut">
               <a:rPr lang="ko-KR" altLang="en-US" smtClean="0"/>
-              <a:t>2021-08-14</a:t>
+              <a:t>2021-08-17</a:t>
             </a:fld>
             <a:endParaRPr lang="ko-KR" altLang="en-US"/>
           </a:p>
@@ -14601,7 +14601,7 @@
           <a:p>
             <a:fld id="{11CF987C-FD17-4394-9A4F-BE2D66BE4DDF}" type="datetimeFigureOut">
               <a:rPr lang="ko-KR" altLang="en-US" smtClean="0"/>
-              <a:t>2021-08-14</a:t>
+              <a:t>2021-08-17</a:t>
             </a:fld>
             <a:endParaRPr lang="ko-KR" altLang="en-US"/>
           </a:p>
@@ -14840,7 +14840,7 @@
           <a:p>
             <a:fld id="{11CF987C-FD17-4394-9A4F-BE2D66BE4DDF}" type="datetimeFigureOut">
               <a:rPr lang="ko-KR" altLang="en-US" smtClean="0"/>
-              <a:t>2021-08-14</a:t>
+              <a:t>2021-08-17</a:t>
             </a:fld>
             <a:endParaRPr lang="ko-KR" altLang="en-US"/>
           </a:p>
@@ -15306,8 +15306,20 @@
           <a:lstStyle/>
           <a:p>
             <a:r>
+              <a:rPr lang="ko-KR" altLang="en-US" dirty="0" smtClean="0"/>
+              <a:t>노원을지</a:t>
+            </a:r>
+            <a:r>
+              <a:rPr lang="ko-KR" altLang="en-US" dirty="0" smtClean="0"/>
+              <a:t>대학교 </a:t>
+            </a:r>
+            <a:r>
+              <a:rPr lang="ko-KR" altLang="en-US" dirty="0" smtClean="0"/>
+              <a:t>병원 </a:t>
+            </a:r>
+            <a:r>
               <a:rPr lang="ko-KR" altLang="en-US" dirty="0"/>
-              <a:t>노원을지병원 신경과</a:t>
+              <a:t>신경과</a:t>
             </a:r>
             <a:endParaRPr lang="en-US" altLang="ko-KR" dirty="0"/>
           </a:p>
@@ -15332,6 +15344,13 @@
   <p:clrMapOvr>
     <a:masterClrMapping/>
   </p:clrMapOvr>
+  <p:timing>
+    <p:tnLst>
+      <p:par>
+        <p:cTn id="1" dur="indefinite" restart="never" nodeType="tmRoot"/>
+      </p:par>
+    </p:tnLst>
+  </p:timing>
 </p:sld>
 </file>
 
@@ -16654,6 +16673,13 @@
   <p:clrMapOvr>
     <a:masterClrMapping/>
   </p:clrMapOvr>
+  <p:timing>
+    <p:tnLst>
+      <p:par>
+        <p:cTn id="1" dur="indefinite" restart="never" nodeType="tmRoot"/>
+      </p:par>
+    </p:tnLst>
+  </p:timing>
 </p:sld>
 </file>
 
@@ -16846,6 +16872,13 @@
   <p:clrMapOvr>
     <a:masterClrMapping/>
   </p:clrMapOvr>
+  <p:timing>
+    <p:tnLst>
+      <p:par>
+        <p:cTn id="1" dur="indefinite" restart="never" nodeType="tmRoot"/>
+      </p:par>
+    </p:tnLst>
+  </p:timing>
 </p:sld>
 </file>
 
@@ -16881,7 +16914,11 @@
           <a:bodyPr/>
           <a:lstStyle/>
           <a:p>
-            <a:endParaRPr lang="ko-KR" altLang="en-US"/>
+            <a:r>
+              <a:rPr lang="en-US" altLang="ko-KR" dirty="0" smtClean="0"/>
+              <a:t>ALS</a:t>
+            </a:r>
+            <a:endParaRPr lang="ko-KR" altLang="en-US" dirty="0"/>
           </a:p>
         </p:txBody>
       </p:sp>
@@ -16902,13 +16939,34 @@
           <a:p>
             <a:r>
               <a:rPr lang="en-US" altLang="ko-KR" dirty="0" smtClean="0"/>
-              <a:t>Progressive upper and lower motor neuron degeneration, poor prognosis (median survival 3-5 years). </a:t>
-            </a:r>
-          </a:p>
-          <a:p>
-            <a:r>
-              <a:rPr lang="en-US" altLang="ko-KR" dirty="0" smtClean="0"/>
-              <a:t>Variable prognosis. </a:t>
+              <a:t>Progressive upper and lower motor neuron degeneration, </a:t>
+            </a:r>
+            <a:endParaRPr lang="en-US" altLang="ko-KR" dirty="0" smtClean="0"/>
+          </a:p>
+          <a:p>
+            <a:r>
+              <a:rPr lang="en-US" altLang="ko-KR" dirty="0" smtClean="0"/>
+              <a:t>P</a:t>
+            </a:r>
+            <a:r>
+              <a:rPr lang="en-US" altLang="ko-KR" smtClean="0"/>
+              <a:t>oor </a:t>
+            </a:r>
+            <a:r>
+              <a:rPr lang="en-US" altLang="ko-KR" dirty="0"/>
+              <a:t>prognosis (median survival 3-5 </a:t>
+            </a:r>
+            <a:r>
+              <a:rPr lang="en-US" altLang="ko-KR" dirty="0" smtClean="0"/>
+              <a:t>years), and v</a:t>
+            </a:r>
+            <a:r>
+              <a:rPr lang="en-US" altLang="ko-KR" dirty="0" smtClean="0"/>
+              <a:t>ariable </a:t>
+            </a:r>
+            <a:r>
+              <a:rPr lang="en-US" altLang="ko-KR" dirty="0" smtClean="0"/>
+              <a:t>prognosis. </a:t>
             </a:r>
           </a:p>
           <a:p>
@@ -16929,6 +16987,13 @@
   <p:clrMapOvr>
     <a:masterClrMapping/>
   </p:clrMapOvr>
+  <p:timing>
+    <p:tnLst>
+      <p:par>
+        <p:cTn id="1" dur="indefinite" restart="never" nodeType="tmRoot"/>
+      </p:par>
+    </p:tnLst>
+  </p:timing>
 </p:sld>
 </file>
 
@@ -17071,6 +17136,13 @@
   <p:clrMapOvr>
     <a:masterClrMapping/>
   </p:clrMapOvr>
+  <p:timing>
+    <p:tnLst>
+      <p:par>
+        <p:cTn id="1" dur="indefinite" restart="never" nodeType="tmRoot"/>
+      </p:par>
+    </p:tnLst>
+  </p:timing>
 </p:sld>
 </file>
 

--- a/SNUH 심포지엄-유일한.pptx
+++ b/SNUH 심포지엄-유일한.pptx
@@ -5,7 +5,7 @@
     <p:sldMasterId id="2147483660" r:id="rId1"/>
   </p:sldMasterIdLst>
   <p:notesMasterIdLst>
-    <p:notesMasterId r:id="rId21"/>
+    <p:notesMasterId r:id="rId20"/>
   </p:notesMasterIdLst>
   <p:sldIdLst>
     <p:sldId id="256" r:id="rId2"/>
@@ -16,17 +16,16 @@
     <p:sldId id="263" r:id="rId7"/>
     <p:sldId id="259" r:id="rId8"/>
     <p:sldId id="262" r:id="rId9"/>
-    <p:sldId id="264" r:id="rId10"/>
-    <p:sldId id="265" r:id="rId11"/>
-    <p:sldId id="266" r:id="rId12"/>
-    <p:sldId id="267" r:id="rId13"/>
-    <p:sldId id="268" r:id="rId14"/>
-    <p:sldId id="260" r:id="rId15"/>
-    <p:sldId id="269" r:id="rId16"/>
+    <p:sldId id="278" r:id="rId10"/>
+    <p:sldId id="264" r:id="rId11"/>
+    <p:sldId id="265" r:id="rId12"/>
+    <p:sldId id="266" r:id="rId13"/>
+    <p:sldId id="267" r:id="rId14"/>
+    <p:sldId id="268" r:id="rId15"/>
+    <p:sldId id="260" r:id="rId16"/>
     <p:sldId id="270" r:id="rId17"/>
-    <p:sldId id="274" r:id="rId18"/>
-    <p:sldId id="272" r:id="rId19"/>
-    <p:sldId id="273" r:id="rId20"/>
+    <p:sldId id="272" r:id="rId18"/>
+    <p:sldId id="273" r:id="rId19"/>
   </p:sldIdLst>
   <p:sldSz cx="12192000" cy="6858000"/>
   <p:notesSz cx="6858000" cy="9144000"/>
@@ -215,7 +214,7 @@
           <a:p>
             <a:fld id="{E8FBBB6A-BE53-4BF0-B17E-892FAA57C2D4}" type="datetimeFigureOut">
               <a:rPr lang="ko-KR" altLang="en-US" smtClean="0"/>
-              <a:t>2021-08-17</a:t>
+              <a:t>2021-08-19</a:t>
             </a:fld>
             <a:endParaRPr lang="ko-KR" altLang="en-US"/>
           </a:p>
@@ -1118,7 +1117,7 @@
           <a:p>
             <a:fld id="{BBAA4D1B-A90B-4163-BF9D-AF53B78ADDD3}" type="slidenum">
               <a:rPr lang="ko-KR" altLang="en-US" smtClean="0"/>
-              <a:t>10</a:t>
+              <a:t>11</a:t>
             </a:fld>
             <a:endParaRPr lang="ko-KR" altLang="en-US"/>
           </a:p>
@@ -1872,7 +1871,7 @@
           <a:p>
             <a:fld id="{BBAA4D1B-A90B-4163-BF9D-AF53B78ADDD3}" type="slidenum">
               <a:rPr lang="ko-KR" altLang="en-US" smtClean="0"/>
-              <a:t>11</a:t>
+              <a:t>12</a:t>
             </a:fld>
             <a:endParaRPr lang="ko-KR" altLang="en-US"/>
           </a:p>
@@ -2186,7 +2185,7 @@
           <a:p>
             <a:fld id="{BBAA4D1B-A90B-4163-BF9D-AF53B78ADDD3}" type="slidenum">
               <a:rPr lang="ko-KR" altLang="en-US" smtClean="0"/>
-              <a:t>12</a:t>
+              <a:t>13</a:t>
             </a:fld>
             <a:endParaRPr lang="ko-KR" altLang="en-US"/>
           </a:p>
@@ -3914,7 +3913,7 @@
           <a:p>
             <a:fld id="{BBAA4D1B-A90B-4163-BF9D-AF53B78ADDD3}" type="slidenum">
               <a:rPr lang="ko-KR" altLang="en-US" smtClean="0"/>
-              <a:t>13</a:t>
+              <a:t>14</a:t>
             </a:fld>
             <a:endParaRPr lang="ko-KR" altLang="en-US"/>
           </a:p>
@@ -4223,7 +4222,7 @@
           <a:p>
             <a:fld id="{BBAA4D1B-A90B-4163-BF9D-AF53B78ADDD3}" type="slidenum">
               <a:rPr lang="ko-KR" altLang="en-US" smtClean="0"/>
-              <a:t>14</a:t>
+              <a:t>15</a:t>
             </a:fld>
             <a:endParaRPr lang="ko-KR" altLang="en-US"/>
           </a:p>
@@ -4288,50 +4287,287 @@
           <a:p>
             <a:r>
               <a:rPr lang="en-US" altLang="ko-KR" dirty="0" smtClean="0"/>
+              <a:t>Pairwise</a:t>
+            </a:r>
+            <a:r>
+              <a:rPr lang="en-US" altLang="ko-KR" baseline="0" dirty="0" smtClean="0"/>
+              <a:t> comparison</a:t>
+            </a:r>
+            <a:r>
+              <a:rPr lang="ko-KR" altLang="en-US" baseline="0" dirty="0" smtClean="0"/>
+              <a:t>으로 </a:t>
+            </a:r>
+            <a:r>
+              <a:rPr lang="ko-KR" altLang="en-US" baseline="0" dirty="0" err="1" smtClean="0"/>
+              <a:t>비교했을때</a:t>
+            </a:r>
+            <a:r>
+              <a:rPr lang="ko-KR" altLang="en-US" baseline="0" dirty="0" smtClean="0"/>
+              <a:t> </a:t>
+            </a:r>
+            <a:r>
+              <a:rPr lang="en-US" altLang="ko-KR" baseline="0" dirty="0" smtClean="0"/>
+              <a:t>King’s system 1,2</a:t>
+            </a:r>
+            <a:r>
+              <a:rPr lang="ko-KR" altLang="en-US" baseline="0" dirty="0" smtClean="0"/>
+              <a:t>는 </a:t>
+            </a:r>
+            <a:r>
+              <a:rPr lang="en-US" altLang="ko-KR" baseline="0" dirty="0" err="1" smtClean="0"/>
+              <a:t>MiToS</a:t>
+            </a:r>
+            <a:r>
+              <a:rPr lang="en-US" altLang="ko-KR" baseline="0" dirty="0" smtClean="0"/>
+              <a:t> 0,1</a:t>
+            </a:r>
+            <a:r>
+              <a:rPr lang="ko-KR" altLang="en-US" baseline="0" dirty="0" smtClean="0"/>
+              <a:t>에 주로 </a:t>
+            </a:r>
+            <a:r>
+              <a:rPr lang="en-US" altLang="ko-KR" baseline="0" dirty="0" smtClean="0"/>
+              <a:t>match</a:t>
+            </a:r>
+            <a:r>
+              <a:rPr lang="ko-KR" altLang="en-US" baseline="0" dirty="0" smtClean="0"/>
+              <a:t>되었고 </a:t>
+            </a:r>
+            <a:r>
+              <a:rPr lang="en-US" altLang="ko-KR" baseline="0" dirty="0" smtClean="0"/>
+              <a:t>King stage 3</a:t>
+            </a:r>
+            <a:r>
+              <a:rPr lang="ko-KR" altLang="en-US" baseline="0" dirty="0" smtClean="0"/>
+              <a:t>는 </a:t>
+            </a:r>
+            <a:r>
+              <a:rPr lang="en-US" altLang="ko-KR" baseline="0" dirty="0" smtClean="0"/>
+              <a:t>0</a:t>
+            </a:r>
+            <a:r>
+              <a:rPr lang="ko-KR" altLang="en-US" baseline="0" dirty="0" smtClean="0"/>
+              <a:t>또는 </a:t>
+            </a:r>
+            <a:r>
+              <a:rPr lang="en-US" altLang="ko-KR" baseline="0" dirty="0" smtClean="0"/>
+              <a:t>1</a:t>
+            </a:r>
+            <a:r>
+              <a:rPr lang="ko-KR" altLang="en-US" baseline="0" dirty="0" smtClean="0"/>
+              <a:t>에 주로</a:t>
+            </a:r>
+            <a:r>
+              <a:rPr lang="en-US" altLang="ko-KR" baseline="0" dirty="0" smtClean="0"/>
+              <a:t>, King stage 4</a:t>
+            </a:r>
+            <a:r>
+              <a:rPr lang="ko-KR" altLang="en-US" baseline="0" dirty="0" smtClean="0"/>
+              <a:t>는 </a:t>
+            </a:r>
+            <a:r>
+              <a:rPr lang="en-US" altLang="ko-KR" baseline="0" dirty="0" err="1" smtClean="0"/>
+              <a:t>MiTos</a:t>
+            </a:r>
+            <a:r>
+              <a:rPr lang="en-US" altLang="ko-KR" baseline="0" dirty="0" smtClean="0"/>
+              <a:t> 1,2</a:t>
+            </a:r>
+            <a:r>
+              <a:rPr lang="ko-KR" altLang="en-US" baseline="0" dirty="0" smtClean="0"/>
+              <a:t>에 주로 </a:t>
+            </a:r>
+            <a:r>
+              <a:rPr lang="en-US" altLang="ko-KR" baseline="0" dirty="0" smtClean="0"/>
+              <a:t>match</a:t>
+            </a:r>
+            <a:r>
+              <a:rPr lang="ko-KR" altLang="en-US" baseline="0" dirty="0" smtClean="0"/>
+              <a:t>되고 다음으로 </a:t>
+            </a:r>
+            <a:r>
+              <a:rPr lang="en-US" altLang="ko-KR" baseline="0" dirty="0" smtClean="0"/>
+              <a:t>3</a:t>
+            </a:r>
+            <a:r>
+              <a:rPr lang="ko-KR" altLang="en-US" baseline="0" dirty="0" smtClean="0"/>
+              <a:t>에 </a:t>
+            </a:r>
+            <a:r>
+              <a:rPr lang="en-US" altLang="ko-KR" baseline="0" dirty="0" smtClean="0"/>
+              <a:t>match</a:t>
+            </a:r>
+            <a:r>
+              <a:rPr lang="ko-KR" altLang="en-US" baseline="0" dirty="0" smtClean="0"/>
+              <a:t>되는 결과를 보였습니다</a:t>
+            </a:r>
+            <a:r>
+              <a:rPr lang="en-US" altLang="ko-KR" baseline="0" dirty="0" smtClean="0"/>
+              <a:t>. </a:t>
+            </a:r>
+          </a:p>
+          <a:p>
+            <a:r>
+              <a:rPr lang="en-US" altLang="ko-KR" baseline="0" dirty="0" smtClean="0"/>
+              <a:t>Chi-square test</a:t>
+            </a:r>
+            <a:r>
+              <a:rPr lang="ko-KR" altLang="en-US" baseline="0" dirty="0" smtClean="0"/>
+              <a:t>로 </a:t>
+            </a:r>
+            <a:r>
+              <a:rPr lang="en-US" altLang="ko-KR" baseline="0" dirty="0" smtClean="0"/>
+              <a:t>King stage</a:t>
+            </a:r>
+            <a:r>
+              <a:rPr lang="ko-KR" altLang="en-US" baseline="0" dirty="0" smtClean="0"/>
+              <a:t>와 </a:t>
+            </a:r>
+            <a:r>
+              <a:rPr lang="en-US" altLang="ko-KR" baseline="0" dirty="0" err="1" smtClean="0"/>
+              <a:t>MiToS</a:t>
+            </a:r>
+            <a:r>
+              <a:rPr lang="en-US" altLang="ko-KR" baseline="0" dirty="0" smtClean="0"/>
+              <a:t> stage</a:t>
+            </a:r>
+            <a:r>
+              <a:rPr lang="ko-KR" altLang="en-US" baseline="0" dirty="0" smtClean="0"/>
+              <a:t>의 연관성을 보면 </a:t>
+            </a:r>
+            <a:r>
+              <a:rPr lang="en-US" altLang="ko-KR" baseline="0" dirty="0" smtClean="0"/>
+              <a:t>King stage 4</a:t>
+            </a:r>
+            <a:r>
+              <a:rPr lang="ko-KR" altLang="en-US" baseline="0" dirty="0" smtClean="0"/>
+              <a:t>는 </a:t>
+            </a:r>
+            <a:r>
+              <a:rPr lang="en-US" altLang="ko-KR" baseline="0" dirty="0" err="1" smtClean="0"/>
+              <a:t>MiToS</a:t>
+            </a:r>
+            <a:r>
+              <a:rPr lang="en-US" altLang="ko-KR" baseline="0" dirty="0" smtClean="0"/>
+              <a:t> 2</a:t>
+            </a:r>
+            <a:r>
+              <a:rPr lang="ko-KR" altLang="en-US" baseline="0" dirty="0" smtClean="0"/>
+              <a:t>에 가장 강한 연관관계를 보였습니다</a:t>
+            </a:r>
+            <a:r>
+              <a:rPr lang="en-US" altLang="ko-KR" baseline="0" dirty="0" smtClean="0"/>
+              <a:t>. Correlation coefficient 0.54</a:t>
+            </a:r>
+            <a:r>
+              <a:rPr lang="ko-KR" altLang="en-US" baseline="0" dirty="0" smtClean="0"/>
+              <a:t>였습니다</a:t>
+            </a:r>
+            <a:r>
+              <a:rPr lang="en-US" altLang="ko-KR" baseline="0" dirty="0" smtClean="0"/>
+              <a:t>. Linearly weighted kappa </a:t>
+            </a:r>
+            <a:r>
+              <a:rPr lang="en-US" altLang="ko-KR" baseline="0" dirty="0" err="1" smtClean="0"/>
+              <a:t>aggrement</a:t>
+            </a:r>
+            <a:r>
+              <a:rPr lang="ko-KR" altLang="en-US" baseline="0" dirty="0" smtClean="0"/>
+              <a:t>에서는 </a:t>
+            </a:r>
+            <a:r>
+              <a:rPr lang="en-US" altLang="ko-KR" baseline="0" dirty="0" smtClean="0"/>
+              <a:t>kappa </a:t>
+            </a:r>
+            <a:r>
+              <a:rPr lang="en-US" altLang="ko-KR" baseline="0" dirty="0" err="1" smtClean="0"/>
+              <a:t>coefficienct</a:t>
+            </a:r>
+            <a:r>
+              <a:rPr lang="ko-KR" altLang="en-US" baseline="0" dirty="0" smtClean="0"/>
+              <a:t>값이 </a:t>
+            </a:r>
+            <a:r>
+              <a:rPr lang="en-US" altLang="ko-KR" baseline="0" dirty="0" smtClean="0"/>
+              <a:t>0.21</a:t>
+            </a:r>
+            <a:r>
+              <a:rPr lang="ko-KR" altLang="en-US" baseline="0" dirty="0" smtClean="0"/>
+              <a:t>이었고 </a:t>
+            </a:r>
+            <a:r>
+              <a:rPr lang="en-US" altLang="ko-KR" baseline="0" dirty="0" smtClean="0"/>
+              <a:t>95% CI</a:t>
+            </a:r>
+            <a:r>
+              <a:rPr lang="ko-KR" altLang="en-US" baseline="0" dirty="0" smtClean="0"/>
+              <a:t>는 </a:t>
+            </a:r>
+            <a:r>
+              <a:rPr lang="en-US" altLang="ko-KR" baseline="0" dirty="0" smtClean="0"/>
+              <a:t>0.18-0.24</a:t>
+            </a:r>
+            <a:r>
+              <a:rPr lang="ko-KR" altLang="en-US" baseline="0" dirty="0" smtClean="0"/>
+              <a:t>였습니다</a:t>
+            </a:r>
+            <a:r>
+              <a:rPr lang="en-US" altLang="ko-KR" baseline="0" dirty="0" smtClean="0"/>
+              <a:t>. </a:t>
+            </a:r>
+          </a:p>
+          <a:p>
+            <a:endParaRPr lang="en-US" altLang="ko-KR" baseline="0" dirty="0" smtClean="0"/>
+          </a:p>
+          <a:p>
+            <a:r>
+              <a:rPr lang="en-US" altLang="ko-KR" dirty="0" smtClean="0"/>
               <a:t>King’s system</a:t>
             </a:r>
             <a:r>
               <a:rPr lang="ko-KR" altLang="en-US" dirty="0" smtClean="0"/>
-              <a:t>과 </a:t>
-            </a:r>
-            <a:r>
-              <a:rPr lang="en-US" altLang="ko-KR" dirty="0" err="1" smtClean="0"/>
+              <a:t>은 초기</a:t>
+            </a:r>
+            <a:r>
+              <a:rPr lang="en-US" altLang="ko-KR" dirty="0" smtClean="0"/>
+              <a:t>,</a:t>
+            </a:r>
+            <a:r>
+              <a:rPr lang="ko-KR" altLang="en-US" dirty="0" smtClean="0"/>
+              <a:t>중기</a:t>
+            </a:r>
+            <a:r>
+              <a:rPr lang="ko-KR" altLang="en-US" baseline="0" dirty="0" smtClean="0"/>
+              <a:t> 질환 감별에 좋고 </a:t>
+            </a:r>
+            <a:r>
+              <a:rPr lang="en-US" altLang="ko-KR" baseline="0" dirty="0" err="1" smtClean="0"/>
               <a:t>MiToS</a:t>
             </a:r>
             <a:r>
-              <a:rPr lang="en-US" altLang="ko-KR" dirty="0" smtClean="0"/>
-              <a:t> system</a:t>
-            </a:r>
-            <a:r>
-              <a:rPr lang="ko-KR" altLang="en-US" dirty="0" smtClean="0"/>
-              <a:t>의 분포를 보면 </a:t>
-            </a:r>
-            <a:r>
-              <a:rPr lang="en-US" altLang="ko-KR" dirty="0" smtClean="0"/>
-              <a:t>King</a:t>
-            </a:r>
-            <a:r>
-              <a:rPr lang="ko-KR" altLang="en-US" dirty="0" smtClean="0"/>
-              <a:t>은 초기와 중기에 좀더 많이 분포하고 </a:t>
-            </a:r>
-            <a:r>
-              <a:rPr lang="en-US" altLang="ko-KR" dirty="0" err="1" smtClean="0"/>
-              <a:t>MiToS</a:t>
-            </a:r>
-            <a:r>
-              <a:rPr lang="ko-KR" altLang="en-US" dirty="0" smtClean="0"/>
-              <a:t>는 후기에 더</a:t>
-            </a:r>
-            <a:r>
-              <a:rPr lang="ko-KR" altLang="en-US" baseline="0" dirty="0" smtClean="0"/>
-              <a:t> 많이 분포하는 경향을 보였습니다</a:t>
+              <a:rPr lang="ko-KR" altLang="en-US" baseline="0" dirty="0" smtClean="0"/>
+              <a:t>는 </a:t>
+            </a:r>
+            <a:r>
+              <a:rPr lang="ko-KR" altLang="en-US" baseline="0" dirty="0" err="1" smtClean="0"/>
+              <a:t>후기질환</a:t>
+            </a:r>
+            <a:r>
+              <a:rPr lang="ko-KR" altLang="en-US" baseline="0" dirty="0" smtClean="0"/>
+              <a:t> 감별에 </a:t>
+            </a:r>
+            <a:r>
+              <a:rPr lang="ko-KR" altLang="en-US" baseline="0" dirty="0" err="1" smtClean="0"/>
+              <a:t>좋은결과로</a:t>
+            </a:r>
+            <a:r>
+              <a:rPr lang="ko-KR" altLang="en-US" baseline="0" dirty="0" smtClean="0"/>
+              <a:t> 나왔습니다</a:t>
             </a:r>
             <a:r>
               <a:rPr lang="en-US" altLang="ko-KR" baseline="0" dirty="0" smtClean="0"/>
               <a:t>. </a:t>
             </a:r>
-          </a:p>
-          <a:p>
             <a:endParaRPr lang="ko-KR" altLang="en-US" dirty="0"/>
           </a:p>
         </p:txBody>
@@ -4353,7 +4589,7 @@
           <a:p>
             <a:fld id="{BBAA4D1B-A90B-4163-BF9D-AF53B78ADDD3}" type="slidenum">
               <a:rPr lang="ko-KR" altLang="en-US" smtClean="0"/>
-              <a:t>15</a:t>
+              <a:t>16</a:t>
             </a:fld>
             <a:endParaRPr lang="ko-KR" altLang="en-US"/>
           </a:p>
@@ -4362,7 +4598,7 @@
     </p:spTree>
     <p:extLst>
       <p:ext uri="{BB962C8B-B14F-4D97-AF65-F5344CB8AC3E}">
-        <p14:creationId xmlns:p14="http://schemas.microsoft.com/office/powerpoint/2010/main" val="3294118758"/>
+        <p14:creationId xmlns:p14="http://schemas.microsoft.com/office/powerpoint/2010/main" val="347477157"/>
       </p:ext>
     </p:extLst>
   </p:cSld>
@@ -4418,19 +4654,141 @@
           <a:p>
             <a:r>
               <a:rPr lang="en-US" altLang="ko-KR" dirty="0" smtClean="0"/>
-              <a:t>Pairwise</a:t>
-            </a:r>
-            <a:r>
-              <a:rPr lang="en-US" altLang="ko-KR" baseline="0" dirty="0" smtClean="0"/>
-              <a:t> comparison</a:t>
-            </a:r>
-            <a:r>
-              <a:rPr lang="ko-KR" altLang="en-US" baseline="0" dirty="0" smtClean="0"/>
-              <a:t>으로 </a:t>
-            </a:r>
-            <a:r>
-              <a:rPr lang="ko-KR" altLang="en-US" baseline="0" dirty="0" err="1" smtClean="0"/>
-              <a:t>비교했을때</a:t>
+              <a:t>3367</a:t>
+            </a:r>
+            <a:r>
+              <a:rPr lang="ko-KR" altLang="en-US" dirty="0" smtClean="0"/>
+              <a:t>명 </a:t>
+            </a:r>
+            <a:r>
+              <a:rPr lang="en-US" altLang="ko-KR" dirty="0" smtClean="0"/>
+              <a:t>ALS</a:t>
+            </a:r>
+            <a:r>
+              <a:rPr lang="ko-KR" altLang="en-US" dirty="0" smtClean="0"/>
+              <a:t>환자의 </a:t>
+            </a:r>
+            <a:r>
+              <a:rPr lang="en-US" altLang="ko-KR" dirty="0" smtClean="0"/>
+              <a:t>ALSFRS</a:t>
+            </a:r>
+            <a:r>
+              <a:rPr lang="ko-KR" altLang="en-US" dirty="0" smtClean="0"/>
+              <a:t>를 분석한 결과 감소 곡선의 기울기와 방향이 </a:t>
+            </a:r>
+            <a:r>
+              <a:rPr lang="en-US" altLang="ko-KR" dirty="0" err="1" smtClean="0"/>
+              <a:t>subscore</a:t>
+            </a:r>
+            <a:r>
+              <a:rPr lang="ko-KR" altLang="en-US" dirty="0" smtClean="0"/>
+              <a:t>마다 다르고 </a:t>
+            </a:r>
+            <a:r>
+              <a:rPr lang="en-US" altLang="ko-KR" dirty="0" smtClean="0"/>
+              <a:t>onset site</a:t>
+            </a:r>
+            <a:r>
+              <a:rPr lang="ko-KR" altLang="en-US" dirty="0" smtClean="0"/>
+              <a:t>에 따라서도 다릅니다</a:t>
+            </a:r>
+            <a:r>
+              <a:rPr lang="en-US" altLang="ko-KR" dirty="0" smtClean="0"/>
+              <a:t>. </a:t>
+            </a:r>
+            <a:r>
+              <a:rPr lang="ko-KR" altLang="en-US" dirty="0" err="1" smtClean="0"/>
+              <a:t>호흡기능과</a:t>
+            </a:r>
+            <a:r>
+              <a:rPr lang="ko-KR" altLang="en-US" dirty="0" smtClean="0"/>
+              <a:t> 관련된 점수가 가장 완만하게 감소하는 것으로 나타났습니다</a:t>
+            </a:r>
+            <a:r>
+              <a:rPr lang="en-US" altLang="ko-KR" dirty="0" smtClean="0"/>
+              <a:t>. </a:t>
+            </a:r>
+            <a:r>
+              <a:rPr lang="ko-KR" altLang="en-US" dirty="0" smtClean="0"/>
+              <a:t>따라서 </a:t>
+            </a:r>
+            <a:r>
+              <a:rPr lang="en-US" altLang="ko-KR" dirty="0" smtClean="0"/>
+              <a:t>ALSFRS</a:t>
+            </a:r>
+            <a:r>
+              <a:rPr lang="ko-KR" altLang="en-US" dirty="0" err="1" smtClean="0"/>
+              <a:t>를가지고</a:t>
+            </a:r>
+            <a:r>
+              <a:rPr lang="ko-KR" altLang="en-US" dirty="0" smtClean="0"/>
+              <a:t> 임상적으로 악화되는지를 판단하는데 제한이 됩니다</a:t>
+            </a:r>
+            <a:r>
+              <a:rPr lang="en-US" altLang="ko-KR" dirty="0" smtClean="0"/>
+              <a:t>. </a:t>
+            </a:r>
+          </a:p>
+          <a:p>
+            <a:r>
+              <a:rPr lang="en-US" altLang="ko-KR" dirty="0" smtClean="0"/>
+              <a:t>Bulbar onset</a:t>
+            </a:r>
+            <a:r>
+              <a:rPr lang="ko-KR" altLang="en-US" dirty="0" smtClean="0"/>
+              <a:t>이</a:t>
+            </a:r>
+            <a:r>
+              <a:rPr lang="en-US" altLang="ko-KR" dirty="0" smtClean="0"/>
+              <a:t> 20%, limb onset</a:t>
+            </a:r>
+            <a:r>
+              <a:rPr lang="ko-KR" altLang="en-US" dirty="0" smtClean="0"/>
+              <a:t>이 </a:t>
+            </a:r>
+            <a:r>
+              <a:rPr lang="en-US" altLang="ko-KR" dirty="0" smtClean="0"/>
+              <a:t>60%</a:t>
+            </a:r>
+            <a:r>
+              <a:rPr lang="ko-KR" altLang="en-US" dirty="0" smtClean="0"/>
+              <a:t>정도였고 </a:t>
+            </a:r>
+            <a:r>
+              <a:rPr lang="en-US" altLang="ko-KR" dirty="0" smtClean="0"/>
+              <a:t>onset</a:t>
+            </a:r>
+            <a:r>
+              <a:rPr lang="ko-KR" altLang="en-US" dirty="0" smtClean="0"/>
+              <a:t>부터 첫 </a:t>
+            </a:r>
+            <a:r>
+              <a:rPr lang="en-US" altLang="ko-KR" dirty="0" smtClean="0"/>
+              <a:t>ALSFRS</a:t>
+            </a:r>
+            <a:r>
+              <a:rPr lang="ko-KR" altLang="en-US" dirty="0" smtClean="0"/>
+              <a:t>측정까지 기간의 </a:t>
+            </a:r>
+            <a:r>
+              <a:rPr lang="en-US" altLang="ko-KR" dirty="0" smtClean="0"/>
+              <a:t>median</a:t>
+            </a:r>
+            <a:r>
+              <a:rPr lang="ko-KR" altLang="en-US" dirty="0" smtClean="0"/>
+              <a:t>값이 </a:t>
+            </a:r>
+            <a:r>
+              <a:rPr lang="en-US" altLang="ko-KR" dirty="0" smtClean="0"/>
+              <a:t>16.9</a:t>
+            </a:r>
+            <a:r>
+              <a:rPr lang="ko-KR" altLang="en-US" dirty="0" smtClean="0"/>
+              <a:t>개월</a:t>
+            </a:r>
+            <a:r>
+              <a:rPr lang="en-US" altLang="ko-KR" dirty="0" smtClean="0"/>
+              <a:t>, ALSFRS</a:t>
             </a:r>
             <a:r>
               <a:rPr lang="ko-KR" altLang="en-US" baseline="0" dirty="0" smtClean="0"/>
@@ -4438,157 +4796,75 @@
             </a:r>
             <a:r>
               <a:rPr lang="en-US" altLang="ko-KR" baseline="0" dirty="0" smtClean="0"/>
-              <a:t>King’s system 1,2</a:t>
-            </a:r>
-            <a:r>
-              <a:rPr lang="ko-KR" altLang="en-US" baseline="0" dirty="0" smtClean="0"/>
-              <a:t>는 </a:t>
+              <a:t>median</a:t>
+            </a:r>
+            <a:r>
+              <a:rPr lang="ko-KR" altLang="en-US" baseline="0" dirty="0" smtClean="0"/>
+              <a:t>값은 </a:t>
+            </a:r>
+            <a:r>
+              <a:rPr lang="en-US" altLang="ko-KR" baseline="0" dirty="0" smtClean="0"/>
+              <a:t>39</a:t>
+            </a:r>
+            <a:r>
+              <a:rPr lang="ko-KR" altLang="en-US" baseline="0" dirty="0" smtClean="0"/>
+              <a:t>점</a:t>
+            </a:r>
+            <a:r>
+              <a:rPr lang="en-US" altLang="ko-KR" baseline="0" dirty="0" smtClean="0"/>
+              <a:t>, </a:t>
             </a:r>
             <a:r>
               <a:rPr lang="en-US" altLang="ko-KR" baseline="0" dirty="0" err="1" smtClean="0"/>
-              <a:t>MiToS</a:t>
-            </a:r>
-            <a:r>
-              <a:rPr lang="en-US" altLang="ko-KR" baseline="0" dirty="0" smtClean="0"/>
-              <a:t> 0,1</a:t>
-            </a:r>
-            <a:r>
-              <a:rPr lang="ko-KR" altLang="en-US" baseline="0" dirty="0" smtClean="0"/>
-              <a:t>에 주로 </a:t>
-            </a:r>
-            <a:r>
-              <a:rPr lang="en-US" altLang="ko-KR" baseline="0" dirty="0" smtClean="0"/>
-              <a:t>match</a:t>
-            </a:r>
-            <a:r>
-              <a:rPr lang="ko-KR" altLang="en-US" baseline="0" dirty="0" smtClean="0"/>
-              <a:t>되었고 </a:t>
-            </a:r>
-            <a:r>
-              <a:rPr lang="en-US" altLang="ko-KR" baseline="0" dirty="0" smtClean="0"/>
-              <a:t>King stage 3</a:t>
-            </a:r>
-            <a:r>
-              <a:rPr lang="ko-KR" altLang="en-US" baseline="0" dirty="0" smtClean="0"/>
-              <a:t>는 </a:t>
-            </a:r>
-            <a:r>
-              <a:rPr lang="en-US" altLang="ko-KR" baseline="0" dirty="0" smtClean="0"/>
-              <a:t>0</a:t>
-            </a:r>
-            <a:r>
-              <a:rPr lang="ko-KR" altLang="en-US" baseline="0" dirty="0" smtClean="0"/>
-              <a:t>또는 </a:t>
-            </a:r>
-            <a:r>
-              <a:rPr lang="en-US" altLang="ko-KR" baseline="0" dirty="0" smtClean="0"/>
-              <a:t>1</a:t>
-            </a:r>
-            <a:r>
-              <a:rPr lang="ko-KR" altLang="en-US" baseline="0" dirty="0" smtClean="0"/>
-              <a:t>에 주로</a:t>
-            </a:r>
-            <a:r>
-              <a:rPr lang="en-US" altLang="ko-KR" baseline="0" dirty="0" smtClean="0"/>
-              <a:t>, King stage 4</a:t>
-            </a:r>
-            <a:r>
-              <a:rPr lang="ko-KR" altLang="en-US" baseline="0" dirty="0" smtClean="0"/>
-              <a:t>는 </a:t>
-            </a:r>
-            <a:r>
-              <a:rPr lang="en-US" altLang="ko-KR" baseline="0" dirty="0" err="1" smtClean="0"/>
-              <a:t>MiTos</a:t>
-            </a:r>
-            <a:r>
-              <a:rPr lang="en-US" altLang="ko-KR" baseline="0" dirty="0" smtClean="0"/>
-              <a:t> 1,2</a:t>
-            </a:r>
-            <a:r>
-              <a:rPr lang="ko-KR" altLang="en-US" baseline="0" dirty="0" smtClean="0"/>
-              <a:t>에 주로 </a:t>
-            </a:r>
-            <a:r>
-              <a:rPr lang="en-US" altLang="ko-KR" baseline="0" dirty="0" smtClean="0"/>
-              <a:t>match</a:t>
-            </a:r>
-            <a:r>
-              <a:rPr lang="ko-KR" altLang="en-US" baseline="0" dirty="0" smtClean="0"/>
-              <a:t>되고 다음으로 </a:t>
-            </a:r>
-            <a:r>
-              <a:rPr lang="en-US" altLang="ko-KR" baseline="0" dirty="0" smtClean="0"/>
-              <a:t>3</a:t>
-            </a:r>
-            <a:r>
-              <a:rPr lang="ko-KR" altLang="en-US" baseline="0" dirty="0" smtClean="0"/>
-              <a:t>에 </a:t>
-            </a:r>
-            <a:r>
-              <a:rPr lang="en-US" altLang="ko-KR" baseline="0" dirty="0" smtClean="0"/>
-              <a:t>match</a:t>
-            </a:r>
-            <a:r>
-              <a:rPr lang="ko-KR" altLang="en-US" baseline="0" dirty="0" smtClean="0"/>
-              <a:t>되는 결과를 보였습니다</a:t>
+              <a:t>subscore</a:t>
+            </a:r>
+            <a:r>
+              <a:rPr lang="ko-KR" altLang="en-US" baseline="0" dirty="0" smtClean="0"/>
+              <a:t>별로는 </a:t>
+            </a:r>
+            <a:r>
+              <a:rPr lang="en-US" altLang="ko-KR" baseline="0" dirty="0" smtClean="0"/>
+              <a:t>bulbar 11, fine motor 9, gross motor 8, respiratory 12</a:t>
+            </a:r>
+            <a:r>
+              <a:rPr lang="ko-KR" altLang="en-US" baseline="0" dirty="0" smtClean="0"/>
+              <a:t>점이었습니다</a:t>
+            </a:r>
+            <a:r>
+              <a:rPr lang="en-US" altLang="ko-KR" baseline="0" dirty="0" smtClean="0"/>
+              <a:t>. f/u</a:t>
+            </a:r>
+            <a:r>
+              <a:rPr lang="ko-KR" altLang="en-US" baseline="0" dirty="0" smtClean="0"/>
+              <a:t>기간 </a:t>
+            </a:r>
+            <a:r>
+              <a:rPr lang="en-US" altLang="ko-KR" baseline="0" dirty="0" smtClean="0"/>
+              <a:t>median</a:t>
+            </a:r>
+            <a:r>
+              <a:rPr lang="ko-KR" altLang="en-US" baseline="0" dirty="0" smtClean="0"/>
+              <a:t>값은 </a:t>
+            </a:r>
+            <a:r>
+              <a:rPr lang="en-US" altLang="ko-KR" baseline="0" dirty="0" smtClean="0"/>
+              <a:t>12</a:t>
+            </a:r>
+            <a:r>
+              <a:rPr lang="ko-KR" altLang="en-US" baseline="0" dirty="0" smtClean="0"/>
+              <a:t>개월이었습니다</a:t>
             </a:r>
             <a:r>
               <a:rPr lang="en-US" altLang="ko-KR" baseline="0" dirty="0" smtClean="0"/>
               <a:t>. </a:t>
             </a:r>
-          </a:p>
-          <a:p>
-            <a:r>
-              <a:rPr lang="en-US" altLang="ko-KR" baseline="0" dirty="0" smtClean="0"/>
-              <a:t>Chi-square test</a:t>
-            </a:r>
-            <a:r>
-              <a:rPr lang="ko-KR" altLang="en-US" baseline="0" dirty="0" smtClean="0"/>
-              <a:t>로 </a:t>
-            </a:r>
-            <a:r>
-              <a:rPr lang="en-US" altLang="ko-KR" baseline="0" dirty="0" smtClean="0"/>
-              <a:t>King stage</a:t>
-            </a:r>
-            <a:r>
-              <a:rPr lang="ko-KR" altLang="en-US" baseline="0" dirty="0" smtClean="0"/>
-              <a:t>와 </a:t>
-            </a:r>
-            <a:r>
-              <a:rPr lang="en-US" altLang="ko-KR" baseline="0" dirty="0" err="1" smtClean="0"/>
-              <a:t>MiToS</a:t>
-            </a:r>
-            <a:r>
-              <a:rPr lang="en-US" altLang="ko-KR" baseline="0" dirty="0" smtClean="0"/>
-              <a:t> stage</a:t>
-            </a:r>
-            <a:r>
-              <a:rPr lang="ko-KR" altLang="en-US" baseline="0" dirty="0" smtClean="0"/>
-              <a:t>의 연관성을 보면 </a:t>
-            </a:r>
-            <a:r>
-              <a:rPr lang="en-US" altLang="ko-KR" baseline="0" dirty="0" smtClean="0"/>
-              <a:t>King stage 4</a:t>
-            </a:r>
-            <a:r>
-              <a:rPr lang="ko-KR" altLang="en-US" baseline="0" dirty="0" smtClean="0"/>
-              <a:t>는 </a:t>
-            </a:r>
-            <a:r>
-              <a:rPr lang="en-US" altLang="ko-KR" baseline="0" dirty="0" err="1" smtClean="0"/>
-              <a:t>MiToS</a:t>
-            </a:r>
-            <a:r>
-              <a:rPr lang="en-US" altLang="ko-KR" baseline="0" dirty="0" smtClean="0"/>
-              <a:t> 2</a:t>
-            </a:r>
-            <a:r>
-              <a:rPr lang="ko-KR" altLang="en-US" baseline="0" dirty="0" smtClean="0"/>
-              <a:t>에 가장 강한 연관관계를 보였습니다</a:t>
-            </a:r>
-            <a:r>
-              <a:rPr lang="en-US" altLang="ko-KR" baseline="0" dirty="0" smtClean="0"/>
-              <a:t>. Correlation coefficient 0.54</a:t>
+            <a:r>
+              <a:rPr lang="ko-KR" altLang="en-US" baseline="0" dirty="0" smtClean="0"/>
+              <a:t>사망률은 </a:t>
+            </a:r>
+            <a:r>
+              <a:rPr lang="en-US" altLang="ko-KR" baseline="0" dirty="0" smtClean="0"/>
+              <a:t>21%</a:t>
             </a:r>
             <a:r>
               <a:rPr lang="ko-KR" altLang="en-US" baseline="0" dirty="0" smtClean="0"/>
@@ -4596,107 +4872,65 @@
             </a:r>
             <a:r>
               <a:rPr lang="en-US" altLang="ko-KR" baseline="0" dirty="0" smtClean="0"/>
-              <a:t>. Linearly weighted kappa </a:t>
-            </a:r>
-            <a:r>
-              <a:rPr lang="en-US" altLang="ko-KR" baseline="0" dirty="0" err="1" smtClean="0"/>
-              <a:t>aggrement</a:t>
-            </a:r>
-            <a:r>
-              <a:rPr lang="ko-KR" altLang="en-US" baseline="0" dirty="0" smtClean="0"/>
-              <a:t>에서는 </a:t>
-            </a:r>
-            <a:r>
-              <a:rPr lang="en-US" altLang="ko-KR" baseline="0" dirty="0" smtClean="0"/>
-              <a:t>kappa </a:t>
-            </a:r>
-            <a:r>
-              <a:rPr lang="en-US" altLang="ko-KR" baseline="0" dirty="0" err="1" smtClean="0"/>
-              <a:t>coefficienct</a:t>
-            </a:r>
-            <a:r>
-              <a:rPr lang="ko-KR" altLang="en-US" baseline="0" dirty="0" smtClean="0"/>
-              <a:t>값이 </a:t>
-            </a:r>
-            <a:r>
-              <a:rPr lang="en-US" altLang="ko-KR" baseline="0" dirty="0" smtClean="0"/>
-              <a:t>0.21</a:t>
-            </a:r>
-            <a:r>
-              <a:rPr lang="ko-KR" altLang="en-US" baseline="0" dirty="0" smtClean="0"/>
-              <a:t>이었고 </a:t>
-            </a:r>
-            <a:r>
-              <a:rPr lang="en-US" altLang="ko-KR" baseline="0" dirty="0" smtClean="0"/>
-              <a:t>95% CI</a:t>
-            </a:r>
-            <a:r>
-              <a:rPr lang="ko-KR" altLang="en-US" baseline="0" dirty="0" smtClean="0"/>
-              <a:t>는 </a:t>
-            </a:r>
-            <a:r>
-              <a:rPr lang="en-US" altLang="ko-KR" baseline="0" dirty="0" smtClean="0"/>
-              <a:t>0.18-0.24</a:t>
-            </a:r>
-            <a:r>
-              <a:rPr lang="ko-KR" altLang="en-US" baseline="0" dirty="0" smtClean="0"/>
-              <a:t>였습니다</a:t>
-            </a:r>
-            <a:r>
-              <a:rPr lang="en-US" altLang="ko-KR" baseline="0" dirty="0" smtClean="0"/>
               <a:t>. </a:t>
             </a:r>
-          </a:p>
-          <a:p>
-            <a:endParaRPr lang="en-US" altLang="ko-KR" baseline="0" dirty="0" smtClean="0"/>
-          </a:p>
-          <a:p>
-            <a:r>
-              <a:rPr lang="en-US" altLang="ko-KR" dirty="0" smtClean="0"/>
-              <a:t>King’s system</a:t>
+            <a:endParaRPr lang="ko-KR" altLang="en-US" dirty="0" smtClean="0"/>
+          </a:p>
+          <a:p>
+            <a:r>
+              <a:rPr lang="en-US" altLang="ko-KR" dirty="0" smtClean="0"/>
+              <a:t>10723</a:t>
             </a:r>
             <a:r>
               <a:rPr lang="ko-KR" altLang="en-US" dirty="0" smtClean="0"/>
-              <a:t>은 초기</a:t>
-            </a:r>
-            <a:r>
-              <a:rPr lang="en-US" altLang="ko-KR" dirty="0" smtClean="0"/>
-              <a:t>,</a:t>
+              <a:t>명 중 </a:t>
+            </a:r>
+            <a:r>
+              <a:rPr lang="en-US" altLang="ko-KR" dirty="0" smtClean="0"/>
+              <a:t>2</a:t>
+            </a:r>
+            <a:r>
+              <a:rPr lang="ko-KR" altLang="en-US" dirty="0" err="1" smtClean="0"/>
+              <a:t>번이상</a:t>
             </a:r>
             <a:r>
               <a:rPr lang="ko-KR" altLang="en-US" dirty="0" smtClean="0"/>
-              <a:t>중기</a:t>
-            </a:r>
-            <a:r>
-              <a:rPr lang="ko-KR" altLang="en-US" baseline="0" dirty="0" smtClean="0"/>
-              <a:t> 질환 감별에 좋고 </a:t>
-            </a:r>
-            <a:r>
-              <a:rPr lang="en-US" altLang="ko-KR" baseline="0" dirty="0" err="1" smtClean="0"/>
-              <a:t>MiToS</a:t>
-            </a:r>
-            <a:r>
-              <a:rPr lang="ko-KR" altLang="en-US" baseline="0" dirty="0" smtClean="0"/>
-              <a:t>는 </a:t>
-            </a:r>
-            <a:r>
-              <a:rPr lang="ko-KR" altLang="en-US" baseline="0" dirty="0" err="1" smtClean="0"/>
-              <a:t>후기질환</a:t>
-            </a:r>
-            <a:r>
-              <a:rPr lang="ko-KR" altLang="en-US" baseline="0" dirty="0" smtClean="0"/>
-              <a:t> 감별에 </a:t>
-            </a:r>
-            <a:r>
-              <a:rPr lang="ko-KR" altLang="en-US" baseline="0" dirty="0" err="1" smtClean="0"/>
-              <a:t>좋은결과로</a:t>
-            </a:r>
-            <a:r>
-              <a:rPr lang="ko-KR" altLang="en-US" baseline="0" dirty="0" smtClean="0"/>
-              <a:t> 나왔습니다</a:t>
-            </a:r>
-            <a:r>
-              <a:rPr lang="en-US" altLang="ko-KR" baseline="0" dirty="0" smtClean="0"/>
+              <a:t> </a:t>
+            </a:r>
+            <a:r>
+              <a:rPr lang="en-US" altLang="ko-KR" dirty="0" smtClean="0"/>
+              <a:t>ALSFRS</a:t>
+            </a:r>
+            <a:r>
+              <a:rPr lang="ko-KR" altLang="en-US" dirty="0" smtClean="0"/>
+              <a:t>를 기록한 </a:t>
+            </a:r>
+            <a:r>
+              <a:rPr lang="en-US" altLang="ko-KR" dirty="0" smtClean="0"/>
+              <a:t>3367</a:t>
+            </a:r>
+            <a:r>
+              <a:rPr lang="ko-KR" altLang="en-US" dirty="0" smtClean="0"/>
+              <a:t>명을 대상으로 했고 기록된 점수의 </a:t>
+            </a:r>
+            <a:r>
+              <a:rPr lang="en-US" altLang="ko-KR" dirty="0" smtClean="0"/>
+              <a:t>median</a:t>
+            </a:r>
+            <a:r>
+              <a:rPr lang="ko-KR" altLang="en-US" dirty="0" smtClean="0"/>
+              <a:t>값은 </a:t>
+            </a:r>
+            <a:r>
+              <a:rPr lang="en-US" altLang="ko-KR" dirty="0" smtClean="0"/>
+              <a:t>7</a:t>
+            </a:r>
+            <a:r>
+              <a:rPr lang="ko-KR" altLang="en-US" dirty="0" smtClean="0"/>
+              <a:t>회였습니다</a:t>
+            </a:r>
+            <a:r>
+              <a:rPr lang="en-US" altLang="ko-KR" dirty="0" smtClean="0"/>
               <a:t>. </a:t>
             </a:r>
             <a:endParaRPr lang="ko-KR" altLang="en-US" dirty="0"/>
@@ -4720,7 +4954,7 @@
           <a:p>
             <a:fld id="{BBAA4D1B-A90B-4163-BF9D-AF53B78ADDD3}" type="slidenum">
               <a:rPr lang="ko-KR" altLang="en-US" smtClean="0"/>
-              <a:t>16</a:t>
+              <a:t>17</a:t>
             </a:fld>
             <a:endParaRPr lang="ko-KR" altLang="en-US"/>
           </a:p>
@@ -4729,7 +4963,7 @@
     </p:spTree>
     <p:extLst>
       <p:ext uri="{BB962C8B-B14F-4D97-AF65-F5344CB8AC3E}">
-        <p14:creationId xmlns:p14="http://schemas.microsoft.com/office/powerpoint/2010/main" val="347477157"/>
+        <p14:creationId xmlns:p14="http://schemas.microsoft.com/office/powerpoint/2010/main" val="4113433251"/>
       </p:ext>
     </p:extLst>
   </p:cSld>
@@ -4784,86 +5018,128 @@
           <a:lstStyle/>
           <a:p>
             <a:r>
-              <a:rPr lang="en-US" altLang="ko-KR" dirty="0" smtClean="0"/>
-              <a:t>ALSFRS-R</a:t>
+              <a:rPr lang="en-US" altLang="ko-KR" dirty="0" err="1" smtClean="0"/>
+              <a:t>Preslope</a:t>
             </a:r>
             <a:r>
               <a:rPr lang="ko-KR" altLang="en-US" dirty="0" smtClean="0"/>
-              <a:t>의</a:t>
-            </a:r>
-            <a:r>
-              <a:rPr lang="ko-KR" altLang="en-US" baseline="0" dirty="0" smtClean="0"/>
-              <a:t> 문항적합도와 </a:t>
-            </a:r>
-            <a:r>
-              <a:rPr lang="en-US" altLang="ko-KR" baseline="0" dirty="0" smtClean="0"/>
-              <a:t>dimensionality</a:t>
-            </a:r>
-            <a:r>
-              <a:rPr lang="ko-KR" altLang="en-US" baseline="0" dirty="0" smtClean="0"/>
-              <a:t>를 평가하기 위해 분석한 연구가 있었습니다</a:t>
-            </a:r>
-            <a:r>
-              <a:rPr lang="en-US" altLang="ko-KR" baseline="0" dirty="0" smtClean="0"/>
-              <a:t>. </a:t>
-            </a:r>
-          </a:p>
-          <a:p>
-            <a:r>
-              <a:rPr lang="en-US" altLang="ko-KR" dirty="0" smtClean="0"/>
-              <a:t>Parallel</a:t>
-            </a:r>
-            <a:r>
-              <a:rPr lang="en-US" altLang="ko-KR" baseline="0" dirty="0" smtClean="0"/>
-              <a:t> analysis</a:t>
-            </a:r>
-            <a:r>
-              <a:rPr lang="ko-KR" altLang="en-US" baseline="0" dirty="0" smtClean="0"/>
-              <a:t>와 </a:t>
-            </a:r>
-            <a:r>
-              <a:rPr lang="en-US" altLang="ko-KR" baseline="0" dirty="0" smtClean="0"/>
-              <a:t>exploratory factor analysis</a:t>
-            </a:r>
-            <a:r>
-              <a:rPr lang="ko-KR" altLang="en-US" baseline="0" dirty="0" smtClean="0"/>
-              <a:t>를 한 결과 </a:t>
-            </a:r>
-            <a:r>
-              <a:rPr lang="en-US" altLang="ko-KR" baseline="0" dirty="0" smtClean="0"/>
-              <a:t>ALSFRS-R</a:t>
-            </a:r>
-            <a:r>
-              <a:rPr lang="ko-KR" altLang="en-US" baseline="0" dirty="0" smtClean="0"/>
-              <a:t>을 </a:t>
-            </a:r>
-            <a:r>
-              <a:rPr lang="en-US" altLang="ko-KR" baseline="0" dirty="0" smtClean="0"/>
-              <a:t>factor 3</a:t>
-            </a:r>
-            <a:r>
-              <a:rPr lang="ko-KR" altLang="en-US" baseline="0" dirty="0" smtClean="0"/>
-              <a:t>개로 나눌 수 있다는 점을 발견했고 왼쪽 하단에 있는 표와 같이 </a:t>
-            </a:r>
-            <a:r>
-              <a:rPr lang="en-US" altLang="ko-KR" baseline="0" dirty="0" smtClean="0"/>
-              <a:t>factor 1,2,3</a:t>
-            </a:r>
-            <a:r>
-              <a:rPr lang="ko-KR" altLang="en-US" baseline="0" dirty="0" smtClean="0"/>
-              <a:t>으로 나눠서 </a:t>
-            </a:r>
-            <a:r>
-              <a:rPr lang="en-US" altLang="ko-KR" baseline="0" dirty="0" smtClean="0"/>
-              <a:t>domain 1</a:t>
-            </a:r>
-            <a:r>
-              <a:rPr lang="ko-KR" altLang="en-US" baseline="0" dirty="0" smtClean="0"/>
-              <a:t>은 </a:t>
-            </a:r>
-            <a:r>
-              <a:rPr lang="en-US" altLang="ko-KR" baseline="0" dirty="0" smtClean="0"/>
-              <a:t>bulbar function, 2</a:t>
+              <a:t>로 </a:t>
+            </a:r>
+            <a:r>
+              <a:rPr lang="en-US" altLang="ko-KR" dirty="0" smtClean="0"/>
+              <a:t>rapid, moderate, slow</a:t>
+            </a:r>
+            <a:r>
+              <a:rPr lang="ko-KR" altLang="en-US" dirty="0" smtClean="0"/>
+              <a:t>를 나눠서 </a:t>
+            </a:r>
+            <a:r>
+              <a:rPr lang="en-US" altLang="ko-KR" dirty="0" smtClean="0"/>
+              <a:t>1</a:t>
+            </a:r>
+            <a:r>
+              <a:rPr lang="ko-KR" altLang="en-US" dirty="0" smtClean="0"/>
+              <a:t>달에 </a:t>
+            </a:r>
+            <a:r>
+              <a:rPr lang="en-US" altLang="ko-KR" dirty="0" smtClean="0"/>
+              <a:t>0.733</a:t>
+            </a:r>
+            <a:r>
+              <a:rPr lang="ko-KR" altLang="en-US" dirty="0" smtClean="0"/>
+              <a:t>감소가 </a:t>
+            </a:r>
+            <a:r>
+              <a:rPr lang="en-US" altLang="ko-KR" dirty="0" smtClean="0"/>
+              <a:t>rapid,</a:t>
+            </a:r>
+            <a:r>
+              <a:rPr lang="en-US" altLang="ko-KR" baseline="0" dirty="0" smtClean="0"/>
+              <a:t> 0.395</a:t>
+            </a:r>
+            <a:r>
+              <a:rPr lang="ko-KR" altLang="en-US" baseline="0" dirty="0" smtClean="0"/>
+              <a:t>에서 </a:t>
+            </a:r>
+            <a:r>
+              <a:rPr lang="en-US" altLang="ko-KR" baseline="0" dirty="0" smtClean="0"/>
+              <a:t>0.733</a:t>
+            </a:r>
+            <a:r>
+              <a:rPr lang="ko-KR" altLang="en-US" baseline="0" dirty="0" smtClean="0"/>
+              <a:t>사이가 </a:t>
+            </a:r>
+            <a:r>
+              <a:rPr lang="en-US" altLang="ko-KR" baseline="0" dirty="0" smtClean="0"/>
+              <a:t>moderate, </a:t>
+            </a:r>
+            <a:r>
+              <a:rPr lang="ko-KR" altLang="en-US" baseline="0" dirty="0" smtClean="0"/>
+              <a:t>그 이하로 감소가 </a:t>
+            </a:r>
+            <a:r>
+              <a:rPr lang="en-US" altLang="ko-KR" baseline="0" dirty="0" smtClean="0"/>
+              <a:t>slow</a:t>
+            </a:r>
+            <a:r>
+              <a:rPr lang="ko-KR" altLang="en-US" baseline="0" dirty="0" smtClean="0"/>
+              <a:t>로 나누고 </a:t>
+            </a:r>
+            <a:r>
+              <a:rPr lang="en-US" altLang="ko-KR" baseline="0" dirty="0" smtClean="0"/>
+              <a:t>onset site</a:t>
+            </a:r>
+            <a:r>
+              <a:rPr lang="ko-KR" altLang="en-US" baseline="0" dirty="0" smtClean="0"/>
+              <a:t>별로 나눠서 </a:t>
+            </a:r>
+            <a:r>
+              <a:rPr lang="ko-KR" altLang="en-US" baseline="0" dirty="0" err="1" smtClean="0"/>
+              <a:t>봤을때</a:t>
+            </a:r>
+            <a:r>
+              <a:rPr lang="ko-KR" altLang="en-US" baseline="0" dirty="0" smtClean="0"/>
+              <a:t> </a:t>
+            </a:r>
+            <a:r>
+              <a:rPr lang="en-US" altLang="ko-KR" baseline="0" dirty="0" smtClean="0"/>
+              <a:t>ALSFRS-R domain</a:t>
+            </a:r>
+            <a:r>
+              <a:rPr lang="ko-KR" altLang="en-US" baseline="0" dirty="0" smtClean="0"/>
+              <a:t>별로 </a:t>
+            </a:r>
+            <a:r>
+              <a:rPr lang="en-US" altLang="ko-KR" baseline="0" dirty="0" smtClean="0"/>
+              <a:t>slope</a:t>
+            </a:r>
+            <a:r>
+              <a:rPr lang="ko-KR" altLang="en-US" baseline="0" dirty="0" smtClean="0"/>
+              <a:t>가 다르게 </a:t>
+            </a:r>
+            <a:r>
+              <a:rPr lang="ko-KR" altLang="en-US" baseline="0" dirty="0" err="1" smtClean="0"/>
+              <a:t>나타나는것을</a:t>
+            </a:r>
+            <a:r>
+              <a:rPr lang="ko-KR" altLang="en-US" baseline="0" dirty="0" smtClean="0"/>
+              <a:t> 확인할 수 있습니다</a:t>
+            </a:r>
+            <a:r>
+              <a:rPr lang="en-US" altLang="ko-KR" baseline="0" dirty="0" smtClean="0"/>
+              <a:t>. Bulbar onset</a:t>
+            </a:r>
+            <a:r>
+              <a:rPr lang="ko-KR" altLang="en-US" baseline="0" dirty="0" err="1" smtClean="0"/>
+              <a:t>그룹내에서</a:t>
+            </a:r>
+            <a:r>
+              <a:rPr lang="ko-KR" altLang="en-US" baseline="0" dirty="0" smtClean="0"/>
+              <a:t> </a:t>
+            </a:r>
+            <a:r>
+              <a:rPr lang="en-US" altLang="ko-KR" baseline="0" dirty="0" smtClean="0"/>
+              <a:t>rapid, moderate</a:t>
             </a:r>
             <a:r>
               <a:rPr lang="ko-KR" altLang="en-US" baseline="0" dirty="0" smtClean="0"/>
@@ -4871,519 +5147,83 @@
             </a:r>
             <a:r>
               <a:rPr lang="en-US" altLang="ko-KR" baseline="0" dirty="0" smtClean="0"/>
-              <a:t>find and gross motor function, 3</a:t>
-            </a:r>
-            <a:r>
-              <a:rPr lang="ko-KR" altLang="en-US" baseline="0" dirty="0" smtClean="0"/>
-              <a:t>는 </a:t>
-            </a:r>
-            <a:r>
-              <a:rPr lang="en-US" altLang="ko-KR" baseline="0" dirty="0" smtClean="0"/>
-              <a:t>respiratory function domain</a:t>
-            </a:r>
-            <a:r>
-              <a:rPr lang="ko-KR" altLang="en-US" baseline="0" dirty="0" smtClean="0"/>
-              <a:t>이 됩니다</a:t>
-            </a:r>
-            <a:r>
-              <a:rPr lang="en-US" altLang="ko-KR" baseline="0" dirty="0" smtClean="0"/>
-              <a:t>. </a:t>
-            </a:r>
-            <a:r>
-              <a:rPr lang="ko-KR" altLang="en-US" baseline="0" dirty="0" smtClean="0"/>
-              <a:t>이렇게 </a:t>
-            </a:r>
-            <a:r>
-              <a:rPr lang="en-US" altLang="ko-KR" baseline="0" dirty="0" smtClean="0"/>
-              <a:t>3</a:t>
-            </a:r>
-            <a:r>
-              <a:rPr lang="ko-KR" altLang="en-US" baseline="0" dirty="0" smtClean="0"/>
-              <a:t>개의 </a:t>
-            </a:r>
-            <a:r>
-              <a:rPr lang="en-US" altLang="ko-KR" baseline="0" dirty="0" smtClean="0"/>
-              <a:t>domain</a:t>
-            </a:r>
-            <a:r>
-              <a:rPr lang="ko-KR" altLang="en-US" baseline="0" dirty="0" smtClean="0"/>
-              <a:t>으로 나누면 모형이 좋은 적합도를 보였고 </a:t>
-            </a:r>
-            <a:r>
-              <a:rPr lang="en-US" altLang="ko-KR" baseline="0" dirty="0" smtClean="0"/>
-              <a:t>PCA</a:t>
-            </a:r>
-            <a:r>
-              <a:rPr lang="ko-KR" altLang="en-US" baseline="0" dirty="0" smtClean="0"/>
-              <a:t>를 </a:t>
+              <a:t>bulbar ALSFRS </a:t>
+            </a:r>
+            <a:r>
+              <a:rPr lang="ko-KR" altLang="en-US" baseline="0" dirty="0" smtClean="0"/>
+              <a:t>점수가 </a:t>
+            </a:r>
+            <a:r>
+              <a:rPr lang="en-US" altLang="ko-KR" baseline="0" dirty="0" smtClean="0"/>
+              <a:t>symptom onset 3~4</a:t>
+            </a:r>
+            <a:r>
+              <a:rPr lang="ko-KR" altLang="en-US" baseline="0" dirty="0" smtClean="0"/>
+              <a:t>년째 부터 역행해서 증가하는 결과를 보였고 </a:t>
+            </a:r>
+            <a:r>
+              <a:rPr lang="en-US" altLang="ko-KR" baseline="0" dirty="0" smtClean="0"/>
+              <a:t>rapid group</a:t>
+            </a:r>
+            <a:r>
+              <a:rPr lang="ko-KR" altLang="en-US" baseline="0" dirty="0" smtClean="0"/>
+              <a:t>내에서 </a:t>
+            </a:r>
+            <a:r>
+              <a:rPr lang="en-US" altLang="ko-KR" baseline="0" dirty="0" smtClean="0"/>
+              <a:t>bulbar/arm/leg onset</a:t>
+            </a:r>
+            <a:r>
+              <a:rPr lang="ko-KR" altLang="en-US" baseline="0" dirty="0" smtClean="0"/>
+              <a:t>그룹에서 </a:t>
+            </a:r>
+            <a:r>
+              <a:rPr lang="en-US" altLang="ko-KR" baseline="0" dirty="0" smtClean="0"/>
+              <a:t>fine/gross motor domain</a:t>
+            </a:r>
+            <a:r>
+              <a:rPr lang="ko-KR" altLang="en-US" baseline="0" dirty="0" smtClean="0"/>
+              <a:t>이 역행해서 증가하는 결과를 였습니다</a:t>
+            </a:r>
+            <a:r>
+              <a:rPr lang="en-US" altLang="ko-KR" baseline="0" dirty="0" smtClean="0"/>
+              <a:t>. 9</a:t>
             </a:r>
             <a:r>
               <a:rPr lang="ko-KR" altLang="en-US" baseline="0" dirty="0" err="1" smtClean="0"/>
-              <a:t>했을때에도</a:t>
-            </a:r>
-            <a:r>
-              <a:rPr lang="ko-KR" altLang="en-US" baseline="0" dirty="0" smtClean="0"/>
-              <a:t> 잘 나눠지는 것으로 나타났습니다</a:t>
-            </a:r>
-            <a:r>
-              <a:rPr lang="en-US" altLang="ko-KR" baseline="0" dirty="0" smtClean="0"/>
-              <a:t>. </a:t>
-            </a:r>
-            <a:r>
-              <a:rPr lang="ko-KR" altLang="en-US" baseline="0" dirty="0" smtClean="0"/>
-              <a:t>따라서 </a:t>
-            </a:r>
-            <a:r>
-              <a:rPr lang="en-US" altLang="ko-KR" baseline="0" dirty="0" smtClean="0"/>
-              <a:t>ALSFRS-R</a:t>
-            </a:r>
-            <a:r>
-              <a:rPr lang="ko-KR" altLang="en-US" baseline="0" dirty="0" smtClean="0"/>
-              <a:t>은 </a:t>
-            </a:r>
-            <a:r>
-              <a:rPr lang="en-US" altLang="ko-KR" baseline="0" dirty="0" smtClean="0"/>
-              <a:t>1</a:t>
-            </a:r>
-            <a:r>
-              <a:rPr lang="ko-KR" altLang="en-US" baseline="0" dirty="0" smtClean="0"/>
-              <a:t>개의 </a:t>
-            </a:r>
-            <a:r>
-              <a:rPr lang="en-US" altLang="ko-KR" baseline="0" dirty="0" smtClean="0"/>
-              <a:t>dimension</a:t>
-            </a:r>
-            <a:r>
-              <a:rPr lang="ko-KR" altLang="en-US" baseline="0" dirty="0" smtClean="0"/>
-              <a:t>이 아닌 </a:t>
-            </a:r>
-            <a:r>
-              <a:rPr lang="en-US" altLang="ko-KR" baseline="0" dirty="0" smtClean="0"/>
-              <a:t>3</a:t>
-            </a:r>
-            <a:r>
-              <a:rPr lang="ko-KR" altLang="en-US" baseline="0" dirty="0" smtClean="0"/>
-              <a:t>개의 </a:t>
+              <a:t>점이하로</a:t>
+            </a:r>
+            <a:r>
+              <a:rPr lang="ko-KR" altLang="en-US" baseline="0" dirty="0" smtClean="0"/>
+              <a:t> 증가하는 것을 </a:t>
+            </a:r>
+            <a:r>
+              <a:rPr lang="en-US" altLang="ko-KR" baseline="0" dirty="0" smtClean="0"/>
+              <a:t>moderate</a:t>
+            </a:r>
+            <a:r>
+              <a:rPr lang="ko-KR" altLang="en-US" baseline="0" dirty="0" smtClean="0"/>
+              <a:t>로 진행한 것으로 간주했는데 </a:t>
             </a:r>
             <a:r>
               <a:rPr lang="en-US" altLang="ko-KR" baseline="0" dirty="0" err="1" smtClean="0"/>
-              <a:t>multidimension</a:t>
-            </a:r>
-            <a:r>
-              <a:rPr lang="ko-KR" altLang="en-US" baseline="0" dirty="0" smtClean="0"/>
-              <a:t>을 갖는 점수로 생각할 수 있고 총점으로 환자의 상태를 평가하기는 어렵다는 결론을 내리게 됩니다</a:t>
-            </a:r>
-            <a:r>
-              <a:rPr lang="en-US" altLang="ko-KR" baseline="0" dirty="0" smtClean="0"/>
-              <a:t>. </a:t>
-            </a:r>
-            <a:r>
-              <a:rPr lang="ko-KR" altLang="en-US" baseline="0" dirty="0" smtClean="0"/>
-              <a:t>또한 이 연구결과로 보면 </a:t>
-            </a:r>
-            <a:r>
-              <a:rPr lang="en-US" altLang="ko-KR" baseline="0" dirty="0" smtClean="0"/>
-              <a:t>ALSFRS-R</a:t>
-            </a:r>
-            <a:r>
-              <a:rPr lang="ko-KR" altLang="en-US" baseline="0" dirty="0" smtClean="0"/>
-              <a:t>을 </a:t>
+              <a:t>preslope</a:t>
+            </a:r>
+            <a:r>
+              <a:rPr lang="ko-KR" altLang="en-US" baseline="0" dirty="0" smtClean="0"/>
+              <a:t>가 완만했던 경우 </a:t>
+            </a:r>
+            <a:r>
+              <a:rPr lang="en-US" altLang="ko-KR" baseline="0" dirty="0" smtClean="0"/>
+              <a:t>9</a:t>
             </a:r>
             <a:r>
               <a:rPr lang="ko-KR" altLang="en-US" baseline="0" dirty="0" err="1" smtClean="0"/>
-              <a:t>각항목마다</a:t>
-            </a:r>
-            <a:r>
-              <a:rPr lang="ko-KR" altLang="en-US" baseline="0" dirty="0" smtClean="0"/>
-              <a:t> </a:t>
-            </a:r>
-            <a:r>
-              <a:rPr lang="en-US" altLang="ko-KR" baseline="0" dirty="0" smtClean="0"/>
-              <a:t>0</a:t>
-            </a:r>
-            <a:r>
-              <a:rPr lang="ko-KR" altLang="en-US" baseline="0" dirty="0" smtClean="0"/>
-              <a:t>에서 </a:t>
-            </a:r>
-            <a:r>
-              <a:rPr lang="en-US" altLang="ko-KR" baseline="0" dirty="0" smtClean="0"/>
-              <a:t>4</a:t>
-            </a:r>
-            <a:r>
-              <a:rPr lang="ko-KR" altLang="en-US" baseline="0" dirty="0" smtClean="0"/>
-              <a:t>점까지 </a:t>
-            </a:r>
-            <a:r>
-              <a:rPr lang="en-US" altLang="ko-KR" baseline="0" dirty="0" smtClean="0"/>
-              <a:t>5</a:t>
-            </a:r>
-            <a:r>
-              <a:rPr lang="ko-KR" altLang="en-US" baseline="0" dirty="0" smtClean="0"/>
-              <a:t>개의 점수로 나눠서 평가하는데 오른쪽 </a:t>
-            </a:r>
-            <a:r>
-              <a:rPr lang="en-US" altLang="ko-KR" baseline="0" dirty="0" smtClean="0"/>
-              <a:t>plot</a:t>
-            </a:r>
-            <a:r>
-              <a:rPr lang="ko-KR" altLang="en-US" baseline="0" dirty="0" smtClean="0"/>
-              <a:t>은 환자의 기능에서 문항</a:t>
-            </a:r>
-            <a:r>
-              <a:rPr lang="en-US" altLang="ko-KR" baseline="0" dirty="0" smtClean="0"/>
-              <a:t>(12</a:t>
-            </a:r>
-            <a:r>
-              <a:rPr lang="ko-KR" altLang="en-US" baseline="0" dirty="0" smtClean="0"/>
-              <a:t>개의 세부 항목의 난이도</a:t>
-            </a:r>
-            <a:r>
-              <a:rPr lang="en-US" altLang="ko-KR" baseline="0" dirty="0" smtClean="0"/>
-              <a:t>)</a:t>
-            </a:r>
-            <a:r>
-              <a:rPr lang="ko-KR" altLang="en-US" baseline="0" dirty="0" smtClean="0"/>
-              <a:t>를 뺀 것을 </a:t>
-            </a:r>
-            <a:r>
-              <a:rPr lang="en-US" altLang="ko-KR" baseline="0" dirty="0" smtClean="0"/>
-              <a:t>x</a:t>
-            </a:r>
-            <a:r>
-              <a:rPr lang="ko-KR" altLang="en-US" baseline="0" dirty="0" smtClean="0"/>
-              <a:t>축으로 하고 </a:t>
-            </a:r>
-            <a:r>
-              <a:rPr lang="en-US" altLang="ko-KR" baseline="0" dirty="0" smtClean="0"/>
-              <a:t>ALSFRS-R</a:t>
-            </a:r>
-            <a:r>
-              <a:rPr lang="ko-KR" altLang="en-US" baseline="0" dirty="0" smtClean="0"/>
-              <a:t>의 </a:t>
-            </a:r>
-            <a:r>
-              <a:rPr lang="ko-KR" altLang="en-US" baseline="0" dirty="0" err="1" smtClean="0"/>
-              <a:t>세부항목의</a:t>
-            </a:r>
-            <a:r>
-              <a:rPr lang="ko-KR" altLang="en-US" baseline="0" dirty="0" smtClean="0"/>
-              <a:t> 점수를 </a:t>
-            </a:r>
-            <a:r>
-              <a:rPr lang="en-US" altLang="ko-KR" baseline="0" dirty="0" smtClean="0"/>
-              <a:t>y</a:t>
-            </a:r>
-            <a:r>
-              <a:rPr lang="ko-KR" altLang="en-US" baseline="0" dirty="0" smtClean="0"/>
-              <a:t>축으로 해서 </a:t>
-            </a:r>
-            <a:r>
-              <a:rPr lang="ko-KR" altLang="en-US" baseline="0" dirty="0" err="1" smtClean="0"/>
-              <a:t>그린것인데</a:t>
-            </a:r>
-            <a:r>
-              <a:rPr lang="ko-KR" altLang="en-US" baseline="0" dirty="0" smtClean="0"/>
-              <a:t> </a:t>
-            </a:r>
-            <a:r>
-              <a:rPr lang="en-US" altLang="ko-KR" baseline="0" dirty="0" smtClean="0"/>
-              <a:t>4</a:t>
-            </a:r>
-            <a:r>
-              <a:rPr lang="ko-KR" altLang="en-US" baseline="0" dirty="0" smtClean="0"/>
-              <a:t>점부터 </a:t>
-            </a:r>
-            <a:r>
-              <a:rPr lang="en-US" altLang="ko-KR" baseline="0" dirty="0" smtClean="0"/>
-              <a:t>0</a:t>
-            </a:r>
-            <a:r>
-              <a:rPr lang="ko-KR" altLang="en-US" baseline="0" dirty="0" smtClean="0"/>
-              <a:t>점까지 순차적으로 나오지않고 </a:t>
-            </a:r>
-            <a:r>
-              <a:rPr lang="en-US" altLang="ko-KR" baseline="0" dirty="0" smtClean="0"/>
-              <a:t>0</a:t>
-            </a:r>
-            <a:r>
-              <a:rPr lang="ko-KR" altLang="en-US" baseline="0" dirty="0" smtClean="0"/>
-              <a:t>점과 </a:t>
-            </a:r>
-            <a:r>
-              <a:rPr lang="en-US" altLang="ko-KR" baseline="0" dirty="0" smtClean="0"/>
-              <a:t>1</a:t>
-            </a:r>
-            <a:r>
-              <a:rPr lang="ko-KR" altLang="en-US" baseline="0" dirty="0" smtClean="0"/>
-              <a:t>점을 나누는 기준점이 </a:t>
-            </a:r>
-            <a:r>
-              <a:rPr lang="en-US" altLang="ko-KR" baseline="0" dirty="0" smtClean="0"/>
-              <a:t>2-3</a:t>
-            </a:r>
-            <a:r>
-              <a:rPr lang="ko-KR" altLang="en-US" baseline="0" dirty="0" smtClean="0"/>
-              <a:t>점을 나누는 기준점보다 오른쪽에 위치하는 것을 볼 수 있습니다</a:t>
-            </a:r>
-            <a:r>
-              <a:rPr lang="en-US" altLang="ko-KR" baseline="0" dirty="0" smtClean="0"/>
-              <a:t>.</a:t>
-            </a:r>
-            <a:r>
-              <a:rPr lang="ko-KR" altLang="en-US" baseline="0" dirty="0" smtClean="0"/>
-              <a:t> 세부항목 점수 기준을 </a:t>
-            </a:r>
-            <a:r>
-              <a:rPr lang="en-US" altLang="ko-KR" baseline="0" dirty="0" smtClean="0"/>
-              <a:t>3</a:t>
-            </a:r>
-            <a:r>
-              <a:rPr lang="ko-KR" altLang="en-US" baseline="0" dirty="0" smtClean="0"/>
-              <a:t>개로 좁혀서 평가를 하면 </a:t>
-            </a:r>
-            <a:r>
-              <a:rPr lang="en-US" altLang="ko-KR" baseline="0" dirty="0" smtClean="0"/>
-              <a:t>2-1-0</a:t>
-            </a:r>
-            <a:r>
-              <a:rPr lang="ko-KR" altLang="en-US" baseline="0" dirty="0" smtClean="0"/>
-              <a:t>을 나누는 기준이 차례대로 위치하는 것을 볼 수 있습니다</a:t>
-            </a:r>
-            <a:r>
-              <a:rPr lang="en-US" altLang="ko-KR" baseline="0" dirty="0" smtClean="0"/>
-              <a:t>. </a:t>
-            </a:r>
-            <a:r>
-              <a:rPr lang="ko-KR" altLang="en-US" baseline="0" dirty="0" smtClean="0"/>
-              <a:t>따라서 현재 </a:t>
-            </a:r>
-            <a:r>
-              <a:rPr lang="en-US" altLang="ko-KR" baseline="0" dirty="0" smtClean="0"/>
-              <a:t>ALSFRS-R</a:t>
-            </a:r>
-            <a:r>
-              <a:rPr lang="ko-KR" altLang="en-US" baseline="0" dirty="0" smtClean="0"/>
-              <a:t>의 세부항목을 나누는 점수 기준이 </a:t>
-            </a:r>
-            <a:r>
-              <a:rPr lang="en-US" altLang="ko-KR" baseline="0" dirty="0" smtClean="0"/>
-              <a:t>0</a:t>
-            </a:r>
-            <a:r>
-              <a:rPr lang="ko-KR" altLang="en-US" baseline="0" dirty="0" smtClean="0"/>
-              <a:t>에서</a:t>
-            </a:r>
-            <a:r>
-              <a:rPr lang="en-US" altLang="ko-KR" baseline="0" dirty="0" smtClean="0"/>
-              <a:t>4</a:t>
-            </a:r>
-            <a:r>
-              <a:rPr lang="ko-KR" altLang="en-US" baseline="0" dirty="0" smtClean="0"/>
-              <a:t>까지 </a:t>
-            </a:r>
-            <a:r>
-              <a:rPr lang="en-US" altLang="ko-KR" baseline="0" dirty="0" smtClean="0"/>
-              <a:t>5</a:t>
-            </a:r>
-            <a:r>
-              <a:rPr lang="ko-KR" altLang="en-US" baseline="0" dirty="0" smtClean="0"/>
-              <a:t>단계가 아닌 </a:t>
-            </a:r>
-            <a:r>
-              <a:rPr lang="en-US" altLang="ko-KR" baseline="0" dirty="0" smtClean="0"/>
-              <a:t>3</a:t>
-            </a:r>
-            <a:r>
-              <a:rPr lang="ko-KR" altLang="en-US" baseline="0" dirty="0" smtClean="0"/>
-              <a:t>단계로 좁혀져야 하는지에 대해서도 고려가 필요합니다</a:t>
-            </a:r>
-            <a:r>
-              <a:rPr lang="en-US" altLang="ko-KR" baseline="0" dirty="0" smtClean="0"/>
-              <a:t>. </a:t>
-            </a:r>
-            <a:r>
-              <a:rPr lang="ko-KR" altLang="en-US" baseline="0" dirty="0" smtClean="0"/>
-              <a:t>그리고 세부 항목 중 </a:t>
-            </a:r>
-            <a:r>
-              <a:rPr lang="en-US" altLang="ko-KR" baseline="0" dirty="0" smtClean="0"/>
-              <a:t>9</a:t>
-            </a:r>
-            <a:r>
-              <a:rPr lang="ko-KR" altLang="en-US" baseline="0" dirty="0" smtClean="0"/>
-              <a:t>번 계단오르기와 </a:t>
-            </a:r>
-            <a:r>
-              <a:rPr lang="en-US" altLang="ko-KR" baseline="0" dirty="0" smtClean="0"/>
-              <a:t>12</a:t>
-            </a:r>
-            <a:r>
-              <a:rPr lang="ko-KR" altLang="en-US" baseline="0" dirty="0" smtClean="0"/>
-              <a:t>번 호흡부전항목이 라쉬모형으로 예측하는 것보다 </a:t>
-            </a:r>
-            <a:r>
-              <a:rPr lang="en-US" altLang="ko-KR" baseline="0" dirty="0" smtClean="0"/>
-              <a:t>variability</a:t>
-            </a:r>
-            <a:r>
-              <a:rPr lang="ko-KR" altLang="en-US" baseline="0" dirty="0" smtClean="0"/>
-              <a:t>가 크게 나오는데 계단오르기의 경우 환경의 영향 </a:t>
-            </a:r>
-            <a:r>
-              <a:rPr lang="en-US" altLang="ko-KR" baseline="0" dirty="0" smtClean="0"/>
-              <a:t>(</a:t>
-            </a:r>
-            <a:r>
-              <a:rPr lang="ko-KR" altLang="en-US" baseline="0" dirty="0" smtClean="0"/>
-              <a:t>예를 들면 익숙한 곳에서 하는것과 계단 폭이 크거나 오르기 어려운 계단과 같은 경우</a:t>
-            </a:r>
-            <a:r>
-              <a:rPr lang="en-US" altLang="ko-KR" baseline="0" dirty="0" smtClean="0"/>
-              <a:t>)</a:t>
-            </a:r>
-            <a:r>
-              <a:rPr lang="ko-KR" altLang="en-US" baseline="0" dirty="0" smtClean="0"/>
-              <a:t>이 있고 환자의 태도에 영향을 받게 됩니다</a:t>
-            </a:r>
-            <a:r>
-              <a:rPr lang="en-US" altLang="ko-KR" baseline="0" dirty="0" smtClean="0"/>
-              <a:t>. </a:t>
-            </a:r>
-            <a:r>
-              <a:rPr lang="ko-KR" altLang="en-US" baseline="0" dirty="0" smtClean="0"/>
-              <a:t>그리고 </a:t>
-            </a:r>
-            <a:r>
-              <a:rPr lang="en-US" altLang="ko-KR" baseline="0" dirty="0" smtClean="0"/>
-              <a:t>12</a:t>
-            </a:r>
-            <a:r>
-              <a:rPr lang="ko-KR" altLang="en-US" baseline="0" dirty="0" smtClean="0"/>
-              <a:t>번은 호흡곤란이 없지만 기계환기장치를 사용하고 있는 경우 </a:t>
-            </a:r>
-            <a:r>
-              <a:rPr lang="en-US" altLang="ko-KR" baseline="0" dirty="0" smtClean="0"/>
-              <a:t>0</a:t>
-            </a:r>
-            <a:r>
-              <a:rPr lang="ko-KR" altLang="en-US" baseline="0" dirty="0" smtClean="0"/>
-              <a:t>점</a:t>
-            </a:r>
-            <a:r>
-              <a:rPr lang="en-US" altLang="ko-KR" baseline="0" dirty="0" smtClean="0"/>
-              <a:t>, 4</a:t>
-            </a:r>
-            <a:r>
-              <a:rPr lang="ko-KR" altLang="en-US" baseline="0" dirty="0" smtClean="0"/>
-              <a:t>점 중 어떤 점수로 판단해야 하는지에 따라 차이가 매우 큽니다</a:t>
-            </a:r>
-            <a:r>
-              <a:rPr lang="en-US" altLang="ko-KR" baseline="0" dirty="0" smtClean="0"/>
-              <a:t>. </a:t>
-            </a:r>
-            <a:r>
-              <a:rPr lang="ko-KR" altLang="en-US" baseline="0" dirty="0" smtClean="0"/>
-              <a:t>그리고 </a:t>
-            </a:r>
-            <a:r>
-              <a:rPr lang="en-US" altLang="ko-KR" baseline="0" dirty="0" smtClean="0"/>
-              <a:t>7</a:t>
-            </a:r>
-            <a:r>
-              <a:rPr lang="ko-KR" altLang="en-US" baseline="0" dirty="0" smtClean="0"/>
-              <a:t>번 항목 </a:t>
-            </a:r>
-            <a:r>
-              <a:rPr lang="en-US" altLang="ko-KR" baseline="0" dirty="0" smtClean="0"/>
-              <a:t>turning in bed, adjusting bed clothes</a:t>
-            </a:r>
-            <a:r>
-              <a:rPr lang="ko-KR" altLang="en-US" baseline="0" dirty="0" smtClean="0"/>
-              <a:t>의 경우 전혀 못하는 </a:t>
-            </a:r>
-            <a:r>
-              <a:rPr lang="en-US" altLang="ko-KR" baseline="0" dirty="0" smtClean="0"/>
-              <a:t>0</a:t>
-            </a:r>
-            <a:r>
-              <a:rPr lang="ko-KR" altLang="en-US" baseline="0" dirty="0" smtClean="0"/>
-              <a:t>점과 시작은 할 수 있지만 혼자서 못하는 </a:t>
-            </a:r>
-            <a:r>
-              <a:rPr lang="en-US" altLang="ko-KR" baseline="0" dirty="0" smtClean="0"/>
-              <a:t>1</a:t>
-            </a:r>
-            <a:r>
-              <a:rPr lang="ko-KR" altLang="en-US" baseline="0" dirty="0" smtClean="0"/>
-              <a:t>점의 경우 명확하게 나눠지는 게 아니어서 </a:t>
-            </a:r>
-            <a:r>
-              <a:rPr lang="ko-KR" altLang="en-US" baseline="0" dirty="0" err="1" smtClean="0"/>
-              <a:t>평가자마다</a:t>
-            </a:r>
-            <a:r>
-              <a:rPr lang="ko-KR" altLang="en-US" baseline="0" dirty="0" smtClean="0"/>
-              <a:t> 판단하는 점수가 다를 수 있습니다</a:t>
-            </a:r>
-            <a:r>
-              <a:rPr lang="en-US" altLang="ko-KR" baseline="0" dirty="0" smtClean="0"/>
-              <a:t>. </a:t>
-            </a:r>
-            <a:r>
-              <a:rPr lang="ko-KR" altLang="en-US" baseline="0" dirty="0" smtClean="0"/>
-              <a:t>따라서 이렇게 </a:t>
-            </a:r>
-            <a:r>
-              <a:rPr lang="ko-KR" altLang="en-US" baseline="0" dirty="0" err="1" smtClean="0"/>
-              <a:t>평가자마다</a:t>
-            </a:r>
-            <a:r>
-              <a:rPr lang="ko-KR" altLang="en-US" baseline="0" dirty="0" smtClean="0"/>
-              <a:t> 판단이 </a:t>
-            </a:r>
-            <a:r>
-              <a:rPr lang="ko-KR" altLang="en-US" baseline="0" dirty="0" err="1" smtClean="0"/>
-              <a:t>다를수</a:t>
-            </a:r>
-            <a:r>
-              <a:rPr lang="ko-KR" altLang="en-US" baseline="0" dirty="0" smtClean="0"/>
-              <a:t> 있는 애매한 항목을 </a:t>
-            </a:r>
-            <a:r>
-              <a:rPr lang="en-US" altLang="ko-KR" baseline="0" dirty="0" smtClean="0"/>
-              <a:t>1</a:t>
-            </a:r>
-            <a:r>
-              <a:rPr lang="ko-KR" altLang="en-US" baseline="0" dirty="0" smtClean="0"/>
-              <a:t>개로 합쳐서 평가하는 것도 고려해봐야 할 </a:t>
-            </a:r>
-            <a:r>
-              <a:rPr lang="ko-KR" altLang="en-US" baseline="0" dirty="0" err="1" smtClean="0"/>
-              <a:t>것같습니다</a:t>
-            </a:r>
-            <a:r>
-              <a:rPr lang="en-US" altLang="ko-KR" baseline="0" dirty="0" smtClean="0"/>
-              <a:t>. </a:t>
-            </a:r>
-            <a:r>
-              <a:rPr lang="ko-KR" altLang="en-US" baseline="0" dirty="0" smtClean="0"/>
-              <a:t>또한 초기보다 </a:t>
-            </a:r>
-            <a:r>
-              <a:rPr lang="ko-KR" altLang="en-US" baseline="0" dirty="0" err="1" smtClean="0"/>
-              <a:t>말기상태가</a:t>
-            </a:r>
-            <a:r>
-              <a:rPr lang="ko-KR" altLang="en-US" baseline="0" dirty="0" smtClean="0"/>
-              <a:t> 되면 상태가 악화되는 정도가 더 커야지 점수변경으로 이어져서 초기보다 후기의 </a:t>
-            </a:r>
-            <a:r>
-              <a:rPr lang="en-US" altLang="ko-KR" baseline="0" dirty="0" smtClean="0"/>
-              <a:t>progression</a:t>
-            </a:r>
-            <a:r>
-              <a:rPr lang="ko-KR" altLang="en-US" baseline="0" dirty="0" smtClean="0"/>
-              <a:t>을 민감하게 반영하지 못하는 단점도 있어 이에 대한 보완도 필요해 보입니다</a:t>
+              <a:t>점이하로</a:t>
+            </a:r>
+            <a:r>
+              <a:rPr lang="ko-KR" altLang="en-US" baseline="0" dirty="0" smtClean="0"/>
+              <a:t> 내려가는 시점이 더 늦었습니다</a:t>
             </a:r>
             <a:r>
               <a:rPr lang="en-US" altLang="ko-KR" baseline="0" dirty="0" smtClean="0"/>
@@ -5410,668 +5250,7 @@
           <a:p>
             <a:fld id="{BBAA4D1B-A90B-4163-BF9D-AF53B78ADDD3}" type="slidenum">
               <a:rPr lang="ko-KR" altLang="en-US" smtClean="0"/>
-              <a:t>17</a:t>
-            </a:fld>
-            <a:endParaRPr lang="ko-KR" altLang="en-US"/>
-          </a:p>
-        </p:txBody>
-      </p:sp>
-    </p:spTree>
-    <p:extLst>
-      <p:ext uri="{BB962C8B-B14F-4D97-AF65-F5344CB8AC3E}">
-        <p14:creationId xmlns:p14="http://schemas.microsoft.com/office/powerpoint/2010/main" val="808048645"/>
-      </p:ext>
-    </p:extLst>
-  </p:cSld>
-  <p:clrMapOvr>
-    <a:masterClrMapping/>
-  </p:clrMapOvr>
-</p:notes>
-</file>
-
-<file path=ppt/notesSlides/notesSlide18.xml><?xml version="1.0" encoding="utf-8"?>
-<p:notes xmlns:a="http://schemas.openxmlformats.org/drawingml/2006/main" xmlns:r="http://schemas.openxmlformats.org/officeDocument/2006/relationships" xmlns:p="http://schemas.openxmlformats.org/presentationml/2006/main">
-  <p:cSld>
-    <p:spTree>
-      <p:nvGrpSpPr>
-        <p:cNvPr id="1" name=""/>
-        <p:cNvGrpSpPr/>
-        <p:nvPr/>
-      </p:nvGrpSpPr>
-      <p:grpSpPr>
-        <a:xfrm>
-          <a:off x="0" y="0"/>
-          <a:ext cx="0" cy="0"/>
-          <a:chOff x="0" y="0"/>
-          <a:chExt cx="0" cy="0"/>
-        </a:xfrm>
-      </p:grpSpPr>
-      <p:sp>
-        <p:nvSpPr>
-          <p:cNvPr id="2" name="슬라이드 이미지 개체 틀 1"/>
-          <p:cNvSpPr>
-            <a:spLocks noGrp="1" noRot="1" noChangeAspect="1"/>
-          </p:cNvSpPr>
-          <p:nvPr>
-            <p:ph type="sldImg"/>
-          </p:nvPr>
-        </p:nvSpPr>
-        <p:spPr/>
-      </p:sp>
-      <p:sp>
-        <p:nvSpPr>
-          <p:cNvPr id="3" name="슬라이드 노트 개체 틀 2"/>
-          <p:cNvSpPr>
-            <a:spLocks noGrp="1"/>
-          </p:cNvSpPr>
-          <p:nvPr>
-            <p:ph type="body" idx="1"/>
-          </p:nvPr>
-        </p:nvSpPr>
-        <p:spPr/>
-        <p:txBody>
-          <a:bodyPr/>
-          <a:lstStyle/>
-          <a:p>
-            <a:r>
-              <a:rPr lang="en-US" altLang="ko-KR" dirty="0" smtClean="0"/>
-              <a:t>3367</a:t>
-            </a:r>
-            <a:r>
-              <a:rPr lang="ko-KR" altLang="en-US" dirty="0" smtClean="0"/>
-              <a:t>명 </a:t>
-            </a:r>
-            <a:r>
-              <a:rPr lang="en-US" altLang="ko-KR" dirty="0" smtClean="0"/>
-              <a:t>ALS</a:t>
-            </a:r>
-            <a:r>
-              <a:rPr lang="ko-KR" altLang="en-US" dirty="0" smtClean="0"/>
-              <a:t>환자의 </a:t>
-            </a:r>
-            <a:r>
-              <a:rPr lang="en-US" altLang="ko-KR" dirty="0" smtClean="0"/>
-              <a:t>ALSFRS</a:t>
-            </a:r>
-            <a:r>
-              <a:rPr lang="ko-KR" altLang="en-US" dirty="0" smtClean="0"/>
-              <a:t>를 분석한 결과 감소 곡선의 기울기와 방향이 </a:t>
-            </a:r>
-            <a:r>
-              <a:rPr lang="en-US" altLang="ko-KR" dirty="0" err="1" smtClean="0"/>
-              <a:t>subscore</a:t>
-            </a:r>
-            <a:r>
-              <a:rPr lang="ko-KR" altLang="en-US" dirty="0" smtClean="0"/>
-              <a:t>마다 다르고 </a:t>
-            </a:r>
-            <a:r>
-              <a:rPr lang="en-US" altLang="ko-KR" dirty="0" smtClean="0"/>
-              <a:t>onset site</a:t>
-            </a:r>
-            <a:r>
-              <a:rPr lang="ko-KR" altLang="en-US" dirty="0" smtClean="0"/>
-              <a:t>에 따라서도 다릅니다</a:t>
-            </a:r>
-            <a:r>
-              <a:rPr lang="en-US" altLang="ko-KR" dirty="0" smtClean="0"/>
-              <a:t>. </a:t>
-            </a:r>
-            <a:r>
-              <a:rPr lang="ko-KR" altLang="en-US" dirty="0" err="1" smtClean="0"/>
-              <a:t>호흡기능과</a:t>
-            </a:r>
-            <a:r>
-              <a:rPr lang="ko-KR" altLang="en-US" dirty="0" smtClean="0"/>
-              <a:t> 관련된 점수가 가장 완만하게 감소하는 것으로 나타났습니다</a:t>
-            </a:r>
-            <a:r>
-              <a:rPr lang="en-US" altLang="ko-KR" dirty="0" smtClean="0"/>
-              <a:t>. </a:t>
-            </a:r>
-            <a:r>
-              <a:rPr lang="ko-KR" altLang="en-US" dirty="0" smtClean="0"/>
-              <a:t>따라서 </a:t>
-            </a:r>
-            <a:r>
-              <a:rPr lang="en-US" altLang="ko-KR" dirty="0" smtClean="0"/>
-              <a:t>ALSFRS</a:t>
-            </a:r>
-            <a:r>
-              <a:rPr lang="ko-KR" altLang="en-US" dirty="0" err="1" smtClean="0"/>
-              <a:t>를가지고</a:t>
-            </a:r>
-            <a:r>
-              <a:rPr lang="ko-KR" altLang="en-US" dirty="0" smtClean="0"/>
-              <a:t> 임상적으로 악화되는지를 판단하는데 제한이 됩니다</a:t>
-            </a:r>
-            <a:r>
-              <a:rPr lang="en-US" altLang="ko-KR" dirty="0" smtClean="0"/>
-              <a:t>. </a:t>
-            </a:r>
-          </a:p>
-          <a:p>
-            <a:r>
-              <a:rPr lang="en-US" altLang="ko-KR" dirty="0" smtClean="0"/>
-              <a:t>Bulbar onset</a:t>
-            </a:r>
-            <a:r>
-              <a:rPr lang="ko-KR" altLang="en-US" dirty="0" smtClean="0"/>
-              <a:t>이</a:t>
-            </a:r>
-            <a:r>
-              <a:rPr lang="en-US" altLang="ko-KR" dirty="0" smtClean="0"/>
-              <a:t> 20%, limb onset</a:t>
-            </a:r>
-            <a:r>
-              <a:rPr lang="ko-KR" altLang="en-US" dirty="0" smtClean="0"/>
-              <a:t>이 </a:t>
-            </a:r>
-            <a:r>
-              <a:rPr lang="en-US" altLang="ko-KR" dirty="0" smtClean="0"/>
-              <a:t>60%</a:t>
-            </a:r>
-            <a:r>
-              <a:rPr lang="ko-KR" altLang="en-US" dirty="0" smtClean="0"/>
-              <a:t>정도였고 </a:t>
-            </a:r>
-            <a:r>
-              <a:rPr lang="en-US" altLang="ko-KR" dirty="0" smtClean="0"/>
-              <a:t>onset</a:t>
-            </a:r>
-            <a:r>
-              <a:rPr lang="ko-KR" altLang="en-US" dirty="0" smtClean="0"/>
-              <a:t>부터 첫 </a:t>
-            </a:r>
-            <a:r>
-              <a:rPr lang="en-US" altLang="ko-KR" dirty="0" smtClean="0"/>
-              <a:t>ALSFRS</a:t>
-            </a:r>
-            <a:r>
-              <a:rPr lang="ko-KR" altLang="en-US" dirty="0" smtClean="0"/>
-              <a:t>측정까지 기간의 </a:t>
-            </a:r>
-            <a:r>
-              <a:rPr lang="en-US" altLang="ko-KR" dirty="0" smtClean="0"/>
-              <a:t>median</a:t>
-            </a:r>
-            <a:r>
-              <a:rPr lang="ko-KR" altLang="en-US" dirty="0" smtClean="0"/>
-              <a:t>값이 </a:t>
-            </a:r>
-            <a:r>
-              <a:rPr lang="en-US" altLang="ko-KR" dirty="0" smtClean="0"/>
-              <a:t>16.9</a:t>
-            </a:r>
-            <a:r>
-              <a:rPr lang="ko-KR" altLang="en-US" dirty="0" smtClean="0"/>
-              <a:t>개월</a:t>
-            </a:r>
-            <a:r>
-              <a:rPr lang="en-US" altLang="ko-KR" dirty="0" smtClean="0"/>
-              <a:t>, ALSFRS</a:t>
-            </a:r>
-            <a:r>
-              <a:rPr lang="ko-KR" altLang="en-US" baseline="0" dirty="0" smtClean="0"/>
-              <a:t> </a:t>
-            </a:r>
-            <a:r>
-              <a:rPr lang="en-US" altLang="ko-KR" baseline="0" dirty="0" smtClean="0"/>
-              <a:t>median</a:t>
-            </a:r>
-            <a:r>
-              <a:rPr lang="ko-KR" altLang="en-US" baseline="0" dirty="0" smtClean="0"/>
-              <a:t>값은 </a:t>
-            </a:r>
-            <a:r>
-              <a:rPr lang="en-US" altLang="ko-KR" baseline="0" dirty="0" smtClean="0"/>
-              <a:t>39</a:t>
-            </a:r>
-            <a:r>
-              <a:rPr lang="ko-KR" altLang="en-US" baseline="0" dirty="0" smtClean="0"/>
-              <a:t>점</a:t>
-            </a:r>
-            <a:r>
-              <a:rPr lang="en-US" altLang="ko-KR" baseline="0" dirty="0" smtClean="0"/>
-              <a:t>, </a:t>
-            </a:r>
-            <a:r>
-              <a:rPr lang="en-US" altLang="ko-KR" baseline="0" dirty="0" err="1" smtClean="0"/>
-              <a:t>subscore</a:t>
-            </a:r>
-            <a:r>
-              <a:rPr lang="ko-KR" altLang="en-US" baseline="0" dirty="0" smtClean="0"/>
-              <a:t>별로는 </a:t>
-            </a:r>
-            <a:r>
-              <a:rPr lang="en-US" altLang="ko-KR" baseline="0" dirty="0" smtClean="0"/>
-              <a:t>bulbar 11, fine motor 9, gross motor 8, respiratory 12</a:t>
-            </a:r>
-            <a:r>
-              <a:rPr lang="ko-KR" altLang="en-US" baseline="0" dirty="0" smtClean="0"/>
-              <a:t>점이었습니다</a:t>
-            </a:r>
-            <a:r>
-              <a:rPr lang="en-US" altLang="ko-KR" baseline="0" dirty="0" smtClean="0"/>
-              <a:t>. f/u</a:t>
-            </a:r>
-            <a:r>
-              <a:rPr lang="ko-KR" altLang="en-US" baseline="0" dirty="0" smtClean="0"/>
-              <a:t>기간 </a:t>
-            </a:r>
-            <a:r>
-              <a:rPr lang="en-US" altLang="ko-KR" baseline="0" dirty="0" smtClean="0"/>
-              <a:t>median</a:t>
-            </a:r>
-            <a:r>
-              <a:rPr lang="ko-KR" altLang="en-US" baseline="0" dirty="0" smtClean="0"/>
-              <a:t>값은 </a:t>
-            </a:r>
-            <a:r>
-              <a:rPr lang="en-US" altLang="ko-KR" baseline="0" dirty="0" smtClean="0"/>
-              <a:t>12</a:t>
-            </a:r>
-            <a:r>
-              <a:rPr lang="ko-KR" altLang="en-US" baseline="0" dirty="0" smtClean="0"/>
-              <a:t>개월이었습니다</a:t>
-            </a:r>
-            <a:r>
-              <a:rPr lang="en-US" altLang="ko-KR" baseline="0" dirty="0" smtClean="0"/>
-              <a:t>. </a:t>
-            </a:r>
-            <a:r>
-              <a:rPr lang="ko-KR" altLang="en-US" baseline="0" dirty="0" smtClean="0"/>
-              <a:t>사망률은 </a:t>
-            </a:r>
-            <a:r>
-              <a:rPr lang="en-US" altLang="ko-KR" baseline="0" dirty="0" smtClean="0"/>
-              <a:t>21%</a:t>
-            </a:r>
-            <a:r>
-              <a:rPr lang="ko-KR" altLang="en-US" baseline="0" dirty="0" smtClean="0"/>
-              <a:t>였습니다</a:t>
-            </a:r>
-            <a:r>
-              <a:rPr lang="en-US" altLang="ko-KR" baseline="0" dirty="0" smtClean="0"/>
-              <a:t>. </a:t>
-            </a:r>
-            <a:endParaRPr lang="ko-KR" altLang="en-US" dirty="0" smtClean="0"/>
-          </a:p>
-          <a:p>
-            <a:r>
-              <a:rPr lang="en-US" altLang="ko-KR" dirty="0" smtClean="0"/>
-              <a:t>10723</a:t>
-            </a:r>
-            <a:r>
-              <a:rPr lang="ko-KR" altLang="en-US" dirty="0" smtClean="0"/>
-              <a:t>명 중 </a:t>
-            </a:r>
-            <a:r>
-              <a:rPr lang="en-US" altLang="ko-KR" dirty="0" smtClean="0"/>
-              <a:t>2</a:t>
-            </a:r>
-            <a:r>
-              <a:rPr lang="ko-KR" altLang="en-US" dirty="0" err="1" smtClean="0"/>
-              <a:t>번이상</a:t>
-            </a:r>
-            <a:r>
-              <a:rPr lang="ko-KR" altLang="en-US" dirty="0" smtClean="0"/>
-              <a:t> </a:t>
-            </a:r>
-            <a:r>
-              <a:rPr lang="en-US" altLang="ko-KR" dirty="0" smtClean="0"/>
-              <a:t>ALSFRS</a:t>
-            </a:r>
-            <a:r>
-              <a:rPr lang="ko-KR" altLang="en-US" dirty="0" smtClean="0"/>
-              <a:t>를 기록한 </a:t>
-            </a:r>
-            <a:r>
-              <a:rPr lang="en-US" altLang="ko-KR" dirty="0" smtClean="0"/>
-              <a:t>3367</a:t>
-            </a:r>
-            <a:r>
-              <a:rPr lang="ko-KR" altLang="en-US" dirty="0" smtClean="0"/>
-              <a:t>명을 대상으로 했고 기록된 점수의 </a:t>
-            </a:r>
-            <a:r>
-              <a:rPr lang="en-US" altLang="ko-KR" dirty="0" smtClean="0"/>
-              <a:t>median</a:t>
-            </a:r>
-            <a:r>
-              <a:rPr lang="ko-KR" altLang="en-US" dirty="0" smtClean="0"/>
-              <a:t>값은 </a:t>
-            </a:r>
-            <a:r>
-              <a:rPr lang="en-US" altLang="ko-KR" dirty="0" smtClean="0"/>
-              <a:t>7</a:t>
-            </a:r>
-            <a:r>
-              <a:rPr lang="ko-KR" altLang="en-US" dirty="0" smtClean="0"/>
-              <a:t>회였습니다</a:t>
-            </a:r>
-            <a:r>
-              <a:rPr lang="en-US" altLang="ko-KR" dirty="0" smtClean="0"/>
-              <a:t>. </a:t>
-            </a:r>
-            <a:endParaRPr lang="ko-KR" altLang="en-US" dirty="0"/>
-          </a:p>
-        </p:txBody>
-      </p:sp>
-      <p:sp>
-        <p:nvSpPr>
-          <p:cNvPr id="4" name="슬라이드 번호 개체 틀 3"/>
-          <p:cNvSpPr>
-            <a:spLocks noGrp="1"/>
-          </p:cNvSpPr>
-          <p:nvPr>
-            <p:ph type="sldNum" sz="quarter" idx="10"/>
-          </p:nvPr>
-        </p:nvSpPr>
-        <p:spPr/>
-        <p:txBody>
-          <a:bodyPr/>
-          <a:lstStyle/>
-          <a:p>
-            <a:fld id="{BBAA4D1B-A90B-4163-BF9D-AF53B78ADDD3}" type="slidenum">
-              <a:rPr lang="ko-KR" altLang="en-US" smtClean="0"/>
               <a:t>18</a:t>
-            </a:fld>
-            <a:endParaRPr lang="ko-KR" altLang="en-US"/>
-          </a:p>
-        </p:txBody>
-      </p:sp>
-    </p:spTree>
-    <p:extLst>
-      <p:ext uri="{BB962C8B-B14F-4D97-AF65-F5344CB8AC3E}">
-        <p14:creationId xmlns:p14="http://schemas.microsoft.com/office/powerpoint/2010/main" val="4113433251"/>
-      </p:ext>
-    </p:extLst>
-  </p:cSld>
-  <p:clrMapOvr>
-    <a:masterClrMapping/>
-  </p:clrMapOvr>
-</p:notes>
-</file>
-
-<file path=ppt/notesSlides/notesSlide19.xml><?xml version="1.0" encoding="utf-8"?>
-<p:notes xmlns:a="http://schemas.openxmlformats.org/drawingml/2006/main" xmlns:r="http://schemas.openxmlformats.org/officeDocument/2006/relationships" xmlns:p="http://schemas.openxmlformats.org/presentationml/2006/main">
-  <p:cSld>
-    <p:spTree>
-      <p:nvGrpSpPr>
-        <p:cNvPr id="1" name=""/>
-        <p:cNvGrpSpPr/>
-        <p:nvPr/>
-      </p:nvGrpSpPr>
-      <p:grpSpPr>
-        <a:xfrm>
-          <a:off x="0" y="0"/>
-          <a:ext cx="0" cy="0"/>
-          <a:chOff x="0" y="0"/>
-          <a:chExt cx="0" cy="0"/>
-        </a:xfrm>
-      </p:grpSpPr>
-      <p:sp>
-        <p:nvSpPr>
-          <p:cNvPr id="2" name="슬라이드 이미지 개체 틀 1"/>
-          <p:cNvSpPr>
-            <a:spLocks noGrp="1" noRot="1" noChangeAspect="1"/>
-          </p:cNvSpPr>
-          <p:nvPr>
-            <p:ph type="sldImg"/>
-          </p:nvPr>
-        </p:nvSpPr>
-        <p:spPr/>
-      </p:sp>
-      <p:sp>
-        <p:nvSpPr>
-          <p:cNvPr id="3" name="슬라이드 노트 개체 틀 2"/>
-          <p:cNvSpPr>
-            <a:spLocks noGrp="1"/>
-          </p:cNvSpPr>
-          <p:nvPr>
-            <p:ph type="body" idx="1"/>
-          </p:nvPr>
-        </p:nvSpPr>
-        <p:spPr/>
-        <p:txBody>
-          <a:bodyPr/>
-          <a:lstStyle/>
-          <a:p>
-            <a:r>
-              <a:rPr lang="en-US" altLang="ko-KR" dirty="0" err="1" smtClean="0"/>
-              <a:t>Preslope</a:t>
-            </a:r>
-            <a:r>
-              <a:rPr lang="ko-KR" altLang="en-US" dirty="0" smtClean="0"/>
-              <a:t>로 </a:t>
-            </a:r>
-            <a:r>
-              <a:rPr lang="en-US" altLang="ko-KR" dirty="0" smtClean="0"/>
-              <a:t>rapid, moderate, slow</a:t>
-            </a:r>
-            <a:r>
-              <a:rPr lang="ko-KR" altLang="en-US" dirty="0" smtClean="0"/>
-              <a:t>를 나눠서 </a:t>
-            </a:r>
-            <a:r>
-              <a:rPr lang="en-US" altLang="ko-KR" dirty="0" smtClean="0"/>
-              <a:t>1</a:t>
-            </a:r>
-            <a:r>
-              <a:rPr lang="ko-KR" altLang="en-US" dirty="0" smtClean="0"/>
-              <a:t>달에 </a:t>
-            </a:r>
-            <a:r>
-              <a:rPr lang="en-US" altLang="ko-KR" dirty="0" smtClean="0"/>
-              <a:t>0.733</a:t>
-            </a:r>
-            <a:r>
-              <a:rPr lang="ko-KR" altLang="en-US" dirty="0" smtClean="0"/>
-              <a:t>감소가 </a:t>
-            </a:r>
-            <a:r>
-              <a:rPr lang="en-US" altLang="ko-KR" dirty="0" smtClean="0"/>
-              <a:t>rapid,</a:t>
-            </a:r>
-            <a:r>
-              <a:rPr lang="en-US" altLang="ko-KR" baseline="0" dirty="0" smtClean="0"/>
-              <a:t> 0.395</a:t>
-            </a:r>
-            <a:r>
-              <a:rPr lang="ko-KR" altLang="en-US" baseline="0" dirty="0" smtClean="0"/>
-              <a:t>에서 </a:t>
-            </a:r>
-            <a:r>
-              <a:rPr lang="en-US" altLang="ko-KR" baseline="0" dirty="0" smtClean="0"/>
-              <a:t>0.733</a:t>
-            </a:r>
-            <a:r>
-              <a:rPr lang="ko-KR" altLang="en-US" baseline="0" dirty="0" smtClean="0"/>
-              <a:t>사이가 </a:t>
-            </a:r>
-            <a:r>
-              <a:rPr lang="en-US" altLang="ko-KR" baseline="0" dirty="0" smtClean="0"/>
-              <a:t>moderate, </a:t>
-            </a:r>
-            <a:r>
-              <a:rPr lang="ko-KR" altLang="en-US" baseline="0" dirty="0" smtClean="0"/>
-              <a:t>그 이하로 감소가 </a:t>
-            </a:r>
-            <a:r>
-              <a:rPr lang="en-US" altLang="ko-KR" baseline="0" dirty="0" smtClean="0"/>
-              <a:t>slow</a:t>
-            </a:r>
-            <a:r>
-              <a:rPr lang="ko-KR" altLang="en-US" baseline="0" dirty="0" smtClean="0"/>
-              <a:t>로 나누고 </a:t>
-            </a:r>
-            <a:r>
-              <a:rPr lang="en-US" altLang="ko-KR" baseline="0" dirty="0" smtClean="0"/>
-              <a:t>onset site</a:t>
-            </a:r>
-            <a:r>
-              <a:rPr lang="ko-KR" altLang="en-US" baseline="0" dirty="0" smtClean="0"/>
-              <a:t>별로 나눠서 </a:t>
-            </a:r>
-            <a:r>
-              <a:rPr lang="ko-KR" altLang="en-US" baseline="0" dirty="0" err="1" smtClean="0"/>
-              <a:t>봤을때</a:t>
-            </a:r>
-            <a:r>
-              <a:rPr lang="ko-KR" altLang="en-US" baseline="0" dirty="0" smtClean="0"/>
-              <a:t> </a:t>
-            </a:r>
-            <a:r>
-              <a:rPr lang="en-US" altLang="ko-KR" baseline="0" dirty="0" smtClean="0"/>
-              <a:t>ALSFRS-R domain</a:t>
-            </a:r>
-            <a:r>
-              <a:rPr lang="ko-KR" altLang="en-US" baseline="0" dirty="0" smtClean="0"/>
-              <a:t>별로 </a:t>
-            </a:r>
-            <a:r>
-              <a:rPr lang="en-US" altLang="ko-KR" baseline="0" dirty="0" smtClean="0"/>
-              <a:t>slope</a:t>
-            </a:r>
-            <a:r>
-              <a:rPr lang="ko-KR" altLang="en-US" baseline="0" dirty="0" smtClean="0"/>
-              <a:t>가 다르게 </a:t>
-            </a:r>
-            <a:r>
-              <a:rPr lang="ko-KR" altLang="en-US" baseline="0" dirty="0" err="1" smtClean="0"/>
-              <a:t>나타나는것을</a:t>
-            </a:r>
-            <a:r>
-              <a:rPr lang="ko-KR" altLang="en-US" baseline="0" dirty="0" smtClean="0"/>
-              <a:t> 확인할 수 있습니다</a:t>
-            </a:r>
-            <a:r>
-              <a:rPr lang="en-US" altLang="ko-KR" baseline="0" dirty="0" smtClean="0"/>
-              <a:t>. Bulbar onset</a:t>
-            </a:r>
-            <a:r>
-              <a:rPr lang="ko-KR" altLang="en-US" baseline="0" dirty="0" err="1" smtClean="0"/>
-              <a:t>그룹내에서</a:t>
-            </a:r>
-            <a:r>
-              <a:rPr lang="ko-KR" altLang="en-US" baseline="0" dirty="0" smtClean="0"/>
-              <a:t> </a:t>
-            </a:r>
-            <a:r>
-              <a:rPr lang="en-US" altLang="ko-KR" baseline="0" dirty="0" smtClean="0"/>
-              <a:t>rapid, moderate</a:t>
-            </a:r>
-            <a:r>
-              <a:rPr lang="ko-KR" altLang="en-US" baseline="0" dirty="0" smtClean="0"/>
-              <a:t>는 </a:t>
-            </a:r>
-            <a:r>
-              <a:rPr lang="en-US" altLang="ko-KR" baseline="0" dirty="0" smtClean="0"/>
-              <a:t>bulbar ALSFRS </a:t>
-            </a:r>
-            <a:r>
-              <a:rPr lang="ko-KR" altLang="en-US" baseline="0" dirty="0" smtClean="0"/>
-              <a:t>점수가 </a:t>
-            </a:r>
-            <a:r>
-              <a:rPr lang="en-US" altLang="ko-KR" baseline="0" dirty="0" smtClean="0"/>
-              <a:t>symptom onset 3~4</a:t>
-            </a:r>
-            <a:r>
-              <a:rPr lang="ko-KR" altLang="en-US" baseline="0" dirty="0" smtClean="0"/>
-              <a:t>년째 부터 역행해서 증가하는 결과를 보였고 </a:t>
-            </a:r>
-            <a:r>
-              <a:rPr lang="en-US" altLang="ko-KR" baseline="0" dirty="0" smtClean="0"/>
-              <a:t>rapid group</a:t>
-            </a:r>
-            <a:r>
-              <a:rPr lang="ko-KR" altLang="en-US" baseline="0" dirty="0" smtClean="0"/>
-              <a:t>내에서 </a:t>
-            </a:r>
-            <a:r>
-              <a:rPr lang="en-US" altLang="ko-KR" baseline="0" dirty="0" smtClean="0"/>
-              <a:t>bulbar/arm/leg onset</a:t>
-            </a:r>
-            <a:r>
-              <a:rPr lang="ko-KR" altLang="en-US" baseline="0" dirty="0" smtClean="0"/>
-              <a:t>그룹에서 </a:t>
-            </a:r>
-            <a:r>
-              <a:rPr lang="en-US" altLang="ko-KR" baseline="0" dirty="0" smtClean="0"/>
-              <a:t>fine/gross motor domain</a:t>
-            </a:r>
-            <a:r>
-              <a:rPr lang="ko-KR" altLang="en-US" baseline="0" dirty="0" smtClean="0"/>
-              <a:t>이 역행해서 증가하는 결과를 였습니다</a:t>
-            </a:r>
-            <a:r>
-              <a:rPr lang="en-US" altLang="ko-KR" baseline="0" dirty="0" smtClean="0"/>
-              <a:t>. 9</a:t>
-            </a:r>
-            <a:r>
-              <a:rPr lang="ko-KR" altLang="en-US" baseline="0" dirty="0" err="1" smtClean="0"/>
-              <a:t>점이하로</a:t>
-            </a:r>
-            <a:r>
-              <a:rPr lang="ko-KR" altLang="en-US" baseline="0" dirty="0" smtClean="0"/>
-              <a:t> 증가하는 것을 </a:t>
-            </a:r>
-            <a:r>
-              <a:rPr lang="en-US" altLang="ko-KR" baseline="0" dirty="0" smtClean="0"/>
-              <a:t>moderate</a:t>
-            </a:r>
-            <a:r>
-              <a:rPr lang="ko-KR" altLang="en-US" baseline="0" dirty="0" smtClean="0"/>
-              <a:t>로 진행한 것으로 간주했는데 </a:t>
-            </a:r>
-            <a:r>
-              <a:rPr lang="en-US" altLang="ko-KR" baseline="0" dirty="0" err="1" smtClean="0"/>
-              <a:t>preslope</a:t>
-            </a:r>
-            <a:r>
-              <a:rPr lang="ko-KR" altLang="en-US" baseline="0" dirty="0" smtClean="0"/>
-              <a:t>가 완만했던 경우 </a:t>
-            </a:r>
-            <a:r>
-              <a:rPr lang="en-US" altLang="ko-KR" baseline="0" dirty="0" smtClean="0"/>
-              <a:t>9</a:t>
-            </a:r>
-            <a:r>
-              <a:rPr lang="ko-KR" altLang="en-US" baseline="0" dirty="0" err="1" smtClean="0"/>
-              <a:t>점이하로</a:t>
-            </a:r>
-            <a:r>
-              <a:rPr lang="ko-KR" altLang="en-US" baseline="0" dirty="0" smtClean="0"/>
-              <a:t> 내려가는 시점이 더 늦었습니다</a:t>
-            </a:r>
-            <a:r>
-              <a:rPr lang="en-US" altLang="ko-KR" baseline="0" dirty="0" smtClean="0"/>
-              <a:t>. </a:t>
-            </a:r>
-            <a:endParaRPr lang="ko-KR" altLang="en-US" dirty="0"/>
-          </a:p>
-        </p:txBody>
-      </p:sp>
-      <p:sp>
-        <p:nvSpPr>
-          <p:cNvPr id="4" name="슬라이드 번호 개체 틀 3"/>
-          <p:cNvSpPr>
-            <a:spLocks noGrp="1"/>
-          </p:cNvSpPr>
-          <p:nvPr>
-            <p:ph type="sldNum" sz="quarter" idx="10"/>
-          </p:nvPr>
-        </p:nvSpPr>
-        <p:spPr/>
-        <p:txBody>
-          <a:bodyPr/>
-          <a:lstStyle/>
-          <a:p>
-            <a:fld id="{BBAA4D1B-A90B-4163-BF9D-AF53B78ADDD3}" type="slidenum">
-              <a:rPr lang="ko-KR" altLang="en-US" smtClean="0"/>
-              <a:t>19</a:t>
             </a:fld>
             <a:endParaRPr lang="ko-KR" altLang="en-US"/>
           </a:p>
@@ -7751,6 +6930,208 @@
               <a:rPr lang="ko-KR" altLang="en-US" baseline="0" dirty="0" smtClean="0"/>
               <a:t> </a:t>
             </a:r>
+            <a:endParaRPr lang="en-US" altLang="ko-KR" baseline="0" dirty="0" smtClean="0"/>
+          </a:p>
+          <a:p>
+            <a:endParaRPr lang="en-US" altLang="ko-KR" baseline="0" dirty="0" smtClean="0"/>
+          </a:p>
+          <a:p>
+            <a:r>
+              <a:rPr lang="en-US" altLang="ko-KR" dirty="0" smtClean="0"/>
+              <a:t>ALSFRS-R</a:t>
+            </a:r>
+            <a:r>
+              <a:rPr lang="ko-KR" altLang="en-US" dirty="0" smtClean="0"/>
+              <a:t>의</a:t>
+            </a:r>
+            <a:r>
+              <a:rPr lang="ko-KR" altLang="en-US" baseline="0" dirty="0" smtClean="0"/>
+              <a:t> 문항적합도와 </a:t>
+            </a:r>
+            <a:r>
+              <a:rPr lang="en-US" altLang="ko-KR" baseline="0" dirty="0" smtClean="0"/>
+              <a:t>dimensionality</a:t>
+            </a:r>
+            <a:r>
+              <a:rPr lang="ko-KR" altLang="en-US" baseline="0" dirty="0" smtClean="0"/>
+              <a:t>를 평가하기 위해 분석한 연구가 있었습니다</a:t>
+            </a:r>
+            <a:r>
+              <a:rPr lang="en-US" altLang="ko-KR" baseline="0" dirty="0" smtClean="0"/>
+              <a:t>. </a:t>
+            </a:r>
+          </a:p>
+          <a:p>
+            <a:r>
+              <a:rPr lang="en-US" altLang="ko-KR" dirty="0" smtClean="0"/>
+              <a:t>Parallel</a:t>
+            </a:r>
+            <a:r>
+              <a:rPr lang="en-US" altLang="ko-KR" baseline="0" dirty="0" smtClean="0"/>
+              <a:t> analysis</a:t>
+            </a:r>
+            <a:r>
+              <a:rPr lang="ko-KR" altLang="en-US" baseline="0" dirty="0" smtClean="0"/>
+              <a:t>와 </a:t>
+            </a:r>
+            <a:r>
+              <a:rPr lang="en-US" altLang="ko-KR" baseline="0" dirty="0" smtClean="0"/>
+              <a:t>exploratory factor analysis</a:t>
+            </a:r>
+            <a:r>
+              <a:rPr lang="ko-KR" altLang="en-US" baseline="0" dirty="0" smtClean="0"/>
+              <a:t>를 한 결과 </a:t>
+            </a:r>
+            <a:r>
+              <a:rPr lang="en-US" altLang="ko-KR" baseline="0" dirty="0" smtClean="0"/>
+              <a:t>ALSFRS-R</a:t>
+            </a:r>
+            <a:r>
+              <a:rPr lang="ko-KR" altLang="en-US" baseline="0" dirty="0" smtClean="0"/>
+              <a:t>을 </a:t>
+            </a:r>
+            <a:r>
+              <a:rPr lang="en-US" altLang="ko-KR" baseline="0" dirty="0" smtClean="0"/>
+              <a:t>factor 3</a:t>
+            </a:r>
+            <a:r>
+              <a:rPr lang="ko-KR" altLang="en-US" baseline="0" dirty="0" smtClean="0"/>
+              <a:t>개로 나눌 수 있다는 점을 발견했고 왼쪽 하단에 있는 표와 같이 </a:t>
+            </a:r>
+            <a:r>
+              <a:rPr lang="en-US" altLang="ko-KR" baseline="0" dirty="0" smtClean="0"/>
+              <a:t>factor 1,2,3</a:t>
+            </a:r>
+            <a:r>
+              <a:rPr lang="ko-KR" altLang="en-US" baseline="0" dirty="0" smtClean="0"/>
+              <a:t>으로 나눠서 </a:t>
+            </a:r>
+            <a:r>
+              <a:rPr lang="en-US" altLang="ko-KR" baseline="0" dirty="0" smtClean="0"/>
+              <a:t>domain 1</a:t>
+            </a:r>
+            <a:r>
+              <a:rPr lang="ko-KR" altLang="en-US" baseline="0" dirty="0" smtClean="0"/>
+              <a:t>은 </a:t>
+            </a:r>
+            <a:r>
+              <a:rPr lang="en-US" altLang="ko-KR" baseline="0" dirty="0" smtClean="0"/>
+              <a:t>bulbar function, 2</a:t>
+            </a:r>
+            <a:r>
+              <a:rPr lang="ko-KR" altLang="en-US" baseline="0" dirty="0" smtClean="0"/>
+              <a:t>는 </a:t>
+            </a:r>
+            <a:r>
+              <a:rPr lang="en-US" altLang="ko-KR" baseline="0" dirty="0" smtClean="0"/>
+              <a:t>find and gross motor function, 3</a:t>
+            </a:r>
+            <a:r>
+              <a:rPr lang="ko-KR" altLang="en-US" baseline="0" dirty="0" smtClean="0"/>
+              <a:t>는 </a:t>
+            </a:r>
+            <a:r>
+              <a:rPr lang="en-US" altLang="ko-KR" baseline="0" dirty="0" smtClean="0"/>
+              <a:t>respiratory function domain</a:t>
+            </a:r>
+            <a:r>
+              <a:rPr lang="ko-KR" altLang="en-US" baseline="0" dirty="0" smtClean="0"/>
+              <a:t>이 됩니다</a:t>
+            </a:r>
+            <a:r>
+              <a:rPr lang="en-US" altLang="ko-KR" baseline="0" dirty="0" smtClean="0"/>
+              <a:t>. </a:t>
+            </a:r>
+            <a:r>
+              <a:rPr lang="ko-KR" altLang="en-US" baseline="0" dirty="0" smtClean="0"/>
+              <a:t>이렇게 </a:t>
+            </a:r>
+            <a:r>
+              <a:rPr lang="en-US" altLang="ko-KR" baseline="0" dirty="0" smtClean="0"/>
+              <a:t>3</a:t>
+            </a:r>
+            <a:r>
+              <a:rPr lang="ko-KR" altLang="en-US" baseline="0" dirty="0" smtClean="0"/>
+              <a:t>개의 </a:t>
+            </a:r>
+            <a:r>
+              <a:rPr lang="en-US" altLang="ko-KR" baseline="0" dirty="0" smtClean="0"/>
+              <a:t>domain</a:t>
+            </a:r>
+            <a:r>
+              <a:rPr lang="ko-KR" altLang="en-US" baseline="0" dirty="0" smtClean="0"/>
+              <a:t>으로 나누면 모형이 좋은 적합도를 보였고 </a:t>
+            </a:r>
+            <a:r>
+              <a:rPr lang="en-US" altLang="ko-KR" baseline="0" dirty="0" smtClean="0"/>
+              <a:t>PCA</a:t>
+            </a:r>
+            <a:r>
+              <a:rPr lang="ko-KR" altLang="en-US" baseline="0" dirty="0" smtClean="0"/>
+              <a:t>를 </a:t>
+            </a:r>
+            <a:r>
+              <a:rPr lang="ko-KR" altLang="en-US" baseline="0" dirty="0" err="1" smtClean="0"/>
+              <a:t>했을때에도</a:t>
+            </a:r>
+            <a:r>
+              <a:rPr lang="ko-KR" altLang="en-US" baseline="0" dirty="0" smtClean="0"/>
+              <a:t> 잘 나눠지는 것으로 나타났습니다</a:t>
+            </a:r>
+            <a:r>
+              <a:rPr lang="en-US" altLang="ko-KR" baseline="0" dirty="0" smtClean="0"/>
+              <a:t>. </a:t>
+            </a:r>
+            <a:r>
+              <a:rPr lang="ko-KR" altLang="en-US" baseline="0" dirty="0" smtClean="0"/>
+              <a:t>따라서 </a:t>
+            </a:r>
+            <a:r>
+              <a:rPr lang="en-US" altLang="ko-KR" baseline="0" dirty="0" smtClean="0"/>
+              <a:t>ALSFRS-R</a:t>
+            </a:r>
+            <a:r>
+              <a:rPr lang="ko-KR" altLang="en-US" baseline="0" dirty="0" smtClean="0"/>
+              <a:t>은 </a:t>
+            </a:r>
+            <a:r>
+              <a:rPr lang="en-US" altLang="ko-KR" baseline="0" dirty="0" smtClean="0"/>
+              <a:t>1</a:t>
+            </a:r>
+            <a:r>
+              <a:rPr lang="ko-KR" altLang="en-US" baseline="0" dirty="0" smtClean="0"/>
+              <a:t>개의 </a:t>
+            </a:r>
+            <a:r>
+              <a:rPr lang="en-US" altLang="ko-KR" baseline="0" dirty="0" smtClean="0"/>
+              <a:t>dimension</a:t>
+            </a:r>
+            <a:r>
+              <a:rPr lang="ko-KR" altLang="en-US" baseline="0" dirty="0" smtClean="0"/>
+              <a:t>이 아닌 </a:t>
+            </a:r>
+            <a:r>
+              <a:rPr lang="en-US" altLang="ko-KR" baseline="0" dirty="0" smtClean="0"/>
+              <a:t>3</a:t>
+            </a:r>
+            <a:r>
+              <a:rPr lang="ko-KR" altLang="en-US" baseline="0" dirty="0" smtClean="0"/>
+              <a:t>개의 </a:t>
+            </a:r>
+            <a:r>
+              <a:rPr lang="en-US" altLang="ko-KR" baseline="0" dirty="0" err="1" smtClean="0"/>
+              <a:t>multidimension</a:t>
+            </a:r>
+            <a:r>
+              <a:rPr lang="ko-KR" altLang="en-US" baseline="0" dirty="0" smtClean="0"/>
+              <a:t>을 갖는 점수로 생각할 수 있고 총점으로 환자의 상태를 평가하기는 어렵다는 결론을 내리게 됩니다</a:t>
+            </a:r>
+            <a:r>
+              <a:rPr lang="en-US" altLang="ko-KR" baseline="0" dirty="0" smtClean="0"/>
+              <a:t>. </a:t>
+            </a:r>
+          </a:p>
+          <a:p>
             <a:endParaRPr lang="en-US" altLang="ko-KR" dirty="0" smtClean="0"/>
           </a:p>
           <a:p>
@@ -7822,6 +7203,12 @@
               <a:rPr lang="en-US" altLang="ko-KR" baseline="0" dirty="0" smtClean="0"/>
               <a:t>. </a:t>
             </a:r>
+            <a:endParaRPr lang="en-US" altLang="ko-KR" baseline="0" dirty="0" smtClean="0"/>
+          </a:p>
+          <a:p>
+            <a:endParaRPr lang="en-US" altLang="ko-KR" baseline="0" dirty="0" smtClean="0"/>
+          </a:p>
+          <a:p>
             <a:endParaRPr lang="ko-KR" altLang="en-US" dirty="0"/>
           </a:p>
         </p:txBody>
@@ -9925,6 +9312,14 @@
             </a:r>
             <a:r>
               <a:rPr lang="ko-KR" altLang="en-US" baseline="0" dirty="0" smtClean="0"/>
+              <a:t>삼키기</a:t>
+            </a:r>
+            <a:r>
+              <a:rPr lang="en-US" altLang="ko-KR" baseline="0" dirty="0" smtClean="0"/>
+              <a:t>, </a:t>
+            </a:r>
+            <a:r>
+              <a:rPr lang="ko-KR" altLang="en-US" baseline="0" dirty="0" smtClean="0"/>
               <a:t>걷기</a:t>
             </a:r>
             <a:r>
@@ -9934,14 +9329,6 @@
             <a:r>
               <a:rPr lang="ko-KR" altLang="en-US" baseline="0" dirty="0" smtClean="0"/>
               <a:t>자기관리</a:t>
-            </a:r>
-            <a:r>
-              <a:rPr lang="en-US" altLang="ko-KR" baseline="0" dirty="0" smtClean="0"/>
-              <a:t>, </a:t>
-            </a:r>
-            <a:r>
-              <a:rPr lang="ko-KR" altLang="en-US" baseline="0" dirty="0" smtClean="0"/>
-              <a:t>삼키기</a:t>
             </a:r>
             <a:r>
               <a:rPr lang="en-US" altLang="ko-KR" baseline="0" dirty="0" smtClean="0"/>
@@ -12356,7 +11743,7 @@
           <a:p>
             <a:fld id="{BBAA4D1B-A90B-4163-BF9D-AF53B78ADDD3}" type="slidenum">
               <a:rPr lang="ko-KR" altLang="en-US" smtClean="0"/>
-              <a:t>9</a:t>
+              <a:t>10</a:t>
             </a:fld>
             <a:endParaRPr lang="ko-KR" altLang="en-US"/>
           </a:p>
@@ -12537,7 +11924,7 @@
           <a:p>
             <a:fld id="{11CF987C-FD17-4394-9A4F-BE2D66BE4DDF}" type="datetimeFigureOut">
               <a:rPr lang="ko-KR" altLang="en-US" smtClean="0"/>
-              <a:t>2021-08-17</a:t>
+              <a:t>2021-08-19</a:t>
             </a:fld>
             <a:endParaRPr lang="ko-KR" altLang="en-US"/>
           </a:p>
@@ -12714,7 +12101,7 @@
           <a:p>
             <a:fld id="{11CF987C-FD17-4394-9A4F-BE2D66BE4DDF}" type="datetimeFigureOut">
               <a:rPr lang="ko-KR" altLang="en-US" smtClean="0"/>
-              <a:t>2021-08-17</a:t>
+              <a:t>2021-08-19</a:t>
             </a:fld>
             <a:endParaRPr lang="ko-KR" altLang="en-US"/>
           </a:p>
@@ -12894,7 +12281,7 @@
           <a:p>
             <a:fld id="{11CF987C-FD17-4394-9A4F-BE2D66BE4DDF}" type="datetimeFigureOut">
               <a:rPr lang="ko-KR" altLang="en-US" smtClean="0"/>
-              <a:t>2021-08-17</a:t>
+              <a:t>2021-08-19</a:t>
             </a:fld>
             <a:endParaRPr lang="ko-KR" altLang="en-US"/>
           </a:p>
@@ -13255,7 +12642,7 @@
           <a:p>
             <a:fld id="{11CF987C-FD17-4394-9A4F-BE2D66BE4DDF}" type="datetimeFigureOut">
               <a:rPr lang="ko-KR" altLang="en-US" smtClean="0"/>
-              <a:t>2021-08-17</a:t>
+              <a:t>2021-08-19</a:t>
             </a:fld>
             <a:endParaRPr lang="ko-KR" altLang="en-US"/>
           </a:p>
@@ -13487,7 +12874,7 @@
           <a:p>
             <a:fld id="{11CF987C-FD17-4394-9A4F-BE2D66BE4DDF}" type="datetimeFigureOut">
               <a:rPr lang="ko-KR" altLang="en-US" smtClean="0"/>
-              <a:t>2021-08-17</a:t>
+              <a:t>2021-08-19</a:t>
             </a:fld>
             <a:endParaRPr lang="ko-KR" altLang="en-US"/>
           </a:p>
@@ -13854,7 +13241,7 @@
           <a:p>
             <a:fld id="{11CF987C-FD17-4394-9A4F-BE2D66BE4DDF}" type="datetimeFigureOut">
               <a:rPr lang="ko-KR" altLang="en-US" smtClean="0"/>
-              <a:t>2021-08-17</a:t>
+              <a:t>2021-08-19</a:t>
             </a:fld>
             <a:endParaRPr lang="ko-KR" altLang="en-US"/>
           </a:p>
@@ -13972,7 +13359,7 @@
           <a:p>
             <a:fld id="{11CF987C-FD17-4394-9A4F-BE2D66BE4DDF}" type="datetimeFigureOut">
               <a:rPr lang="ko-KR" altLang="en-US" smtClean="0"/>
-              <a:t>2021-08-17</a:t>
+              <a:t>2021-08-19</a:t>
             </a:fld>
             <a:endParaRPr lang="ko-KR" altLang="en-US"/>
           </a:p>
@@ -14067,7 +13454,7 @@
           <a:p>
             <a:fld id="{11CF987C-FD17-4394-9A4F-BE2D66BE4DDF}" type="datetimeFigureOut">
               <a:rPr lang="ko-KR" altLang="en-US" smtClean="0"/>
-              <a:t>2021-08-17</a:t>
+              <a:t>2021-08-19</a:t>
             </a:fld>
             <a:endParaRPr lang="ko-KR" altLang="en-US"/>
           </a:p>
@@ -14344,7 +13731,7 @@
           <a:p>
             <a:fld id="{11CF987C-FD17-4394-9A4F-BE2D66BE4DDF}" type="datetimeFigureOut">
               <a:rPr lang="ko-KR" altLang="en-US" smtClean="0"/>
-              <a:t>2021-08-17</a:t>
+              <a:t>2021-08-19</a:t>
             </a:fld>
             <a:endParaRPr lang="ko-KR" altLang="en-US"/>
           </a:p>
@@ -14601,7 +13988,7 @@
           <a:p>
             <a:fld id="{11CF987C-FD17-4394-9A4F-BE2D66BE4DDF}" type="datetimeFigureOut">
               <a:rPr lang="ko-KR" altLang="en-US" smtClean="0"/>
-              <a:t>2021-08-17</a:t>
+              <a:t>2021-08-19</a:t>
             </a:fld>
             <a:endParaRPr lang="ko-KR" altLang="en-US"/>
           </a:p>
@@ -14840,7 +14227,7 @@
           <a:p>
             <a:fld id="{11CF987C-FD17-4394-9A4F-BE2D66BE4DDF}" type="datetimeFigureOut">
               <a:rPr lang="ko-KR" altLang="en-US" smtClean="0"/>
-              <a:t>2021-08-17</a:t>
+              <a:t>2021-08-19</a:t>
             </a:fld>
             <a:endParaRPr lang="ko-KR" altLang="en-US"/>
           </a:p>
@@ -15262,31 +14649,50 @@
             <p:ph type="ctrTitle"/>
           </p:nvPr>
         </p:nvSpPr>
-        <p:spPr/>
+        <p:spPr>
+          <a:xfrm>
+            <a:off x="0" y="0"/>
+            <a:ext cx="12191999" cy="3738623"/>
+          </a:xfrm>
+        </p:spPr>
         <p:txBody>
-          <a:bodyPr/>
+          <a:bodyPr>
+            <a:normAutofit/>
+          </a:bodyPr>
           <a:lstStyle/>
           <a:p>
             <a:r>
-              <a:rPr lang="en-US" altLang="ko-KR" dirty="0" smtClean="0"/>
+              <a:rPr lang="en-US" altLang="ko-KR" sz="6600" dirty="0" smtClean="0"/>
               <a:t>SNUH </a:t>
             </a:r>
             <a:r>
-              <a:rPr lang="ko-KR" altLang="en-US" dirty="0" smtClean="0"/>
-              <a:t>심포지엄</a:t>
-            </a:r>
-            <a:r>
-              <a:rPr lang="en-US" altLang="ko-KR" dirty="0" smtClean="0"/>
+              <a:rPr lang="ko-KR" altLang="en-US" sz="6600" dirty="0" smtClean="0"/>
+              <a:t>근신경계질환 심포지엄</a:t>
+            </a:r>
+            <a:r>
+              <a:rPr lang="en-US" altLang="ko-KR" sz="6600" dirty="0" smtClean="0"/>
               <a:t/>
             </a:r>
             <a:br>
-              <a:rPr lang="en-US" altLang="ko-KR" dirty="0" smtClean="0"/>
+              <a:rPr lang="en-US" altLang="ko-KR" sz="6600" dirty="0" smtClean="0"/>
             </a:br>
             <a:r>
-              <a:rPr lang="en-US" altLang="ko-KR" dirty="0" smtClean="0"/>
-              <a:t>ALS staging</a:t>
-            </a:r>
-            <a:endParaRPr lang="ko-KR" altLang="en-US" dirty="0"/>
+              <a:rPr lang="en-US" altLang="ko-KR" sz="4400" dirty="0" smtClean="0"/>
+              <a:t>ALS staging system: King’s, </a:t>
+            </a:r>
+            <a:r>
+              <a:rPr lang="en-US" altLang="ko-KR" sz="4400" dirty="0" err="1" smtClean="0"/>
+              <a:t>MiToS</a:t>
+            </a:r>
+            <a:r>
+              <a:rPr lang="en-US" altLang="ko-KR" sz="4400" dirty="0"/>
+              <a:t> </a:t>
+            </a:r>
+            <a:r>
+              <a:rPr lang="en-US" altLang="ko-KR" sz="4400" dirty="0" smtClean="0"/>
+              <a:t>and Beyond</a:t>
+            </a:r>
+            <a:endParaRPr lang="ko-KR" altLang="en-US" sz="4400" dirty="0"/>
           </a:p>
         </p:txBody>
       </p:sp>
@@ -15300,22 +14706,19 @@
             <p:ph type="subTitle" idx="1"/>
           </p:nvPr>
         </p:nvSpPr>
-        <p:spPr/>
+        <p:spPr>
+          <a:xfrm>
+            <a:off x="1523999" y="5202238"/>
+            <a:ext cx="9144000" cy="1655762"/>
+          </a:xfrm>
+        </p:spPr>
         <p:txBody>
           <a:bodyPr/>
           <a:lstStyle/>
           <a:p>
             <a:r>
               <a:rPr lang="ko-KR" altLang="en-US" dirty="0" smtClean="0"/>
-              <a:t>노원을지</a:t>
-            </a:r>
-            <a:r>
-              <a:rPr lang="ko-KR" altLang="en-US" dirty="0" smtClean="0"/>
-              <a:t>대학교 </a:t>
-            </a:r>
-            <a:r>
-              <a:rPr lang="ko-KR" altLang="en-US" dirty="0" smtClean="0"/>
-              <a:t>병원 </a:t>
+              <a:t>노원을지대학교 병원 </a:t>
             </a:r>
             <a:r>
               <a:rPr lang="ko-KR" altLang="en-US" dirty="0"/>
@@ -15355,6 +14758,84 @@
 </file>
 
 <file path=ppt/slides/slide10.xml><?xml version="1.0" encoding="utf-8"?>
+<p:sld xmlns:a="http://schemas.openxmlformats.org/drawingml/2006/main" xmlns:r="http://schemas.openxmlformats.org/officeDocument/2006/relationships" xmlns:p="http://schemas.openxmlformats.org/presentationml/2006/main">
+  <p:cSld>
+    <p:spTree>
+      <p:nvGrpSpPr>
+        <p:cNvPr id="1" name=""/>
+        <p:cNvGrpSpPr/>
+        <p:nvPr/>
+      </p:nvGrpSpPr>
+      <p:grpSpPr>
+        <a:xfrm>
+          <a:off x="0" y="0"/>
+          <a:ext cx="0" cy="0"/>
+          <a:chOff x="0" y="0"/>
+          <a:chExt cx="0" cy="0"/>
+        </a:xfrm>
+      </p:grpSpPr>
+      <p:pic>
+        <p:nvPicPr>
+          <p:cNvPr id="4" name="그림 3"/>
+          <p:cNvPicPr>
+            <a:picLocks noChangeAspect="1"/>
+          </p:cNvPicPr>
+          <p:nvPr/>
+        </p:nvPicPr>
+        <p:blipFill>
+          <a:blip r:embed="rId3"/>
+          <a:stretch>
+            <a:fillRect/>
+          </a:stretch>
+        </p:blipFill>
+        <p:spPr>
+          <a:xfrm>
+            <a:off x="0" y="1641263"/>
+            <a:ext cx="5795429" cy="3550253"/>
+          </a:xfrm>
+          <a:prstGeom prst="rect">
+            <a:avLst/>
+          </a:prstGeom>
+        </p:spPr>
+      </p:pic>
+      <p:pic>
+        <p:nvPicPr>
+          <p:cNvPr id="5" name="그림 4"/>
+          <p:cNvPicPr>
+            <a:picLocks noChangeAspect="1"/>
+          </p:cNvPicPr>
+          <p:nvPr/>
+        </p:nvPicPr>
+        <p:blipFill>
+          <a:blip r:embed="rId4"/>
+          <a:stretch>
+            <a:fillRect/>
+          </a:stretch>
+        </p:blipFill>
+        <p:spPr>
+          <a:xfrm>
+            <a:off x="5872122" y="82119"/>
+            <a:ext cx="6142400" cy="6668543"/>
+          </a:xfrm>
+          <a:prstGeom prst="rect">
+            <a:avLst/>
+          </a:prstGeom>
+        </p:spPr>
+      </p:pic>
+    </p:spTree>
+    <p:extLst>
+      <p:ext uri="{BB962C8B-B14F-4D97-AF65-F5344CB8AC3E}">
+        <p14:creationId xmlns:p14="http://schemas.microsoft.com/office/powerpoint/2010/main" val="1043977859"/>
+      </p:ext>
+    </p:extLst>
+  </p:cSld>
+  <p:clrMapOvr>
+    <a:masterClrMapping/>
+  </p:clrMapOvr>
+</p:sld>
+</file>
+
+<file path=ppt/slides/slide11.xml><?xml version="1.0" encoding="utf-8"?>
 <p:sld xmlns:a="http://schemas.openxmlformats.org/drawingml/2006/main" xmlns:r="http://schemas.openxmlformats.org/officeDocument/2006/relationships" xmlns:p="http://schemas.openxmlformats.org/presentationml/2006/main">
   <p:cSld>
     <p:spTree>
@@ -15432,7 +14913,7 @@
 </p:sld>
 </file>
 
-<file path=ppt/slides/slide11.xml><?xml version="1.0" encoding="utf-8"?>
+<file path=ppt/slides/slide12.xml><?xml version="1.0" encoding="utf-8"?>
 <p:sld xmlns:a="http://schemas.openxmlformats.org/drawingml/2006/main" xmlns:r="http://schemas.openxmlformats.org/officeDocument/2006/relationships" xmlns:p="http://schemas.openxmlformats.org/presentationml/2006/main">
   <p:cSld>
     <p:spTree>
@@ -15546,8 +15027,8 @@
         </p:blipFill>
         <p:spPr>
           <a:xfrm>
-            <a:off x="0" y="4980214"/>
-            <a:ext cx="5325283" cy="1877786"/>
+            <a:off x="0" y="3621425"/>
+            <a:ext cx="9178724" cy="3236575"/>
           </a:xfrm>
           <a:prstGeom prst="rect">
             <a:avLst/>
@@ -15567,7 +15048,7 @@
 </p:sld>
 </file>
 
-<file path=ppt/slides/slide12.xml><?xml version="1.0" encoding="utf-8"?>
+<file path=ppt/slides/slide13.xml><?xml version="1.0" encoding="utf-8"?>
 <p:sld xmlns:a="http://schemas.openxmlformats.org/drawingml/2006/main" xmlns:r="http://schemas.openxmlformats.org/officeDocument/2006/relationships" xmlns:p="http://schemas.openxmlformats.org/presentationml/2006/main">
   <p:cSld>
     <p:spTree>
@@ -15621,7 +15102,7 @@
 </p:sld>
 </file>
 
-<file path=ppt/slides/slide13.xml><?xml version="1.0" encoding="utf-8"?>
+<file path=ppt/slides/slide14.xml><?xml version="1.0" encoding="utf-8"?>
 <p:sld xmlns:a="http://schemas.openxmlformats.org/drawingml/2006/main" xmlns:r="http://schemas.openxmlformats.org/officeDocument/2006/relationships" xmlns:p="http://schemas.openxmlformats.org/presentationml/2006/main">
   <p:cSld>
     <p:spTree>
@@ -15699,110 +15180,6 @@
 </p:sld>
 </file>
 
-<file path=ppt/slides/slide14.xml><?xml version="1.0" encoding="utf-8"?>
-<p:sld xmlns:a="http://schemas.openxmlformats.org/drawingml/2006/main" xmlns:r="http://schemas.openxmlformats.org/officeDocument/2006/relationships" xmlns:p="http://schemas.openxmlformats.org/presentationml/2006/main">
-  <p:cSld>
-    <p:spTree>
-      <p:nvGrpSpPr>
-        <p:cNvPr id="1" name=""/>
-        <p:cNvGrpSpPr/>
-        <p:nvPr/>
-      </p:nvGrpSpPr>
-      <p:grpSpPr>
-        <a:xfrm>
-          <a:off x="0" y="0"/>
-          <a:ext cx="0" cy="0"/>
-          <a:chOff x="0" y="0"/>
-          <a:chExt cx="0" cy="0"/>
-        </a:xfrm>
-      </p:grpSpPr>
-      <p:sp>
-        <p:nvSpPr>
-          <p:cNvPr id="2" name="제목 1"/>
-          <p:cNvSpPr>
-            <a:spLocks noGrp="1"/>
-          </p:cNvSpPr>
-          <p:nvPr>
-            <p:ph type="title"/>
-          </p:nvPr>
-        </p:nvSpPr>
-        <p:spPr/>
-        <p:txBody>
-          <a:bodyPr/>
-          <a:lstStyle/>
-          <a:p>
-            <a:r>
-              <a:rPr lang="en-US" altLang="ko-KR" dirty="0" smtClean="0"/>
-              <a:t>Comparison between two staging</a:t>
-            </a:r>
-            <a:endParaRPr lang="ko-KR" altLang="en-US" dirty="0"/>
-          </a:p>
-        </p:txBody>
-      </p:sp>
-      <p:sp>
-        <p:nvSpPr>
-          <p:cNvPr id="3" name="내용 개체 틀 2"/>
-          <p:cNvSpPr>
-            <a:spLocks noGrp="1"/>
-          </p:cNvSpPr>
-          <p:nvPr>
-            <p:ph idx="1"/>
-          </p:nvPr>
-        </p:nvSpPr>
-        <p:spPr/>
-        <p:txBody>
-          <a:bodyPr/>
-          <a:lstStyle/>
-          <a:p>
-            <a:r>
-              <a:rPr lang="en-US" altLang="ko-KR" dirty="0" smtClean="0"/>
-              <a:t>King’s and </a:t>
-            </a:r>
-            <a:r>
-              <a:rPr lang="en-US" altLang="ko-KR" dirty="0" err="1" smtClean="0"/>
-              <a:t>MiToS</a:t>
-            </a:r>
-            <a:endParaRPr lang="ko-KR" altLang="en-US" dirty="0"/>
-          </a:p>
-        </p:txBody>
-      </p:sp>
-      <p:pic>
-        <p:nvPicPr>
-          <p:cNvPr id="5" name="그림 4"/>
-          <p:cNvPicPr>
-            <a:picLocks noChangeAspect="1"/>
-          </p:cNvPicPr>
-          <p:nvPr/>
-        </p:nvPicPr>
-        <p:blipFill>
-          <a:blip r:embed="rId3"/>
-          <a:stretch>
-            <a:fillRect/>
-          </a:stretch>
-        </p:blipFill>
-        <p:spPr>
-          <a:xfrm>
-            <a:off x="1" y="5078186"/>
-            <a:ext cx="4405834" cy="1779814"/>
-          </a:xfrm>
-          <a:prstGeom prst="rect">
-            <a:avLst/>
-          </a:prstGeom>
-        </p:spPr>
-      </p:pic>
-    </p:spTree>
-    <p:extLst>
-      <p:ext uri="{BB962C8B-B14F-4D97-AF65-F5344CB8AC3E}">
-        <p14:creationId xmlns:p14="http://schemas.microsoft.com/office/powerpoint/2010/main" val="2263803646"/>
-      </p:ext>
-    </p:extLst>
-  </p:cSld>
-  <p:clrMapOvr>
-    <a:masterClrMapping/>
-  </p:clrMapOvr>
-</p:sld>
-</file>
-
 <file path=ppt/slides/slide15.xml><?xml version="1.0" encoding="utf-8"?>
 <p:sld xmlns:a="http://schemas.openxmlformats.org/drawingml/2006/main" xmlns:r="http://schemas.openxmlformats.org/officeDocument/2006/relationships" xmlns:p="http://schemas.openxmlformats.org/presentationml/2006/main">
   <p:cSld>
@@ -15835,19 +15212,21 @@
           <a:bodyPr/>
           <a:lstStyle/>
           <a:p>
-            <a:endParaRPr lang="ko-KR" altLang="en-US"/>
+            <a:r>
+              <a:rPr lang="en-US" altLang="ko-KR" dirty="0" smtClean="0"/>
+              <a:t>Comparison between two staging</a:t>
+            </a:r>
+            <a:endParaRPr lang="ko-KR" altLang="en-US" dirty="0"/>
           </a:p>
         </p:txBody>
       </p:sp>
       <p:pic>
         <p:nvPicPr>
-          <p:cNvPr id="4" name="내용 개체 틀 3"/>
+          <p:cNvPr id="6" name="내용 개체 틀 3"/>
           <p:cNvPicPr>
-            <a:picLocks noGrp="1" noChangeAspect="1"/>
+            <a:picLocks noChangeAspect="1"/>
           </p:cNvPicPr>
-          <p:nvPr>
-            <p:ph idx="1"/>
-          </p:nvPr>
+          <p:nvPr/>
         </p:nvPicPr>
         <p:blipFill>
           <a:blip r:embed="rId3"/>
@@ -15857,8 +15236,8 @@
         </p:blipFill>
         <p:spPr>
           <a:xfrm>
-            <a:off x="-1" y="1016001"/>
-            <a:ext cx="6041571" cy="5869936"/>
+            <a:off x="6651583" y="2934354"/>
+            <a:ext cx="4038373" cy="3923646"/>
           </a:xfrm>
           <a:prstGeom prst="rect">
             <a:avLst/>
@@ -15867,7 +15246,7 @@
       </p:pic>
       <p:pic>
         <p:nvPicPr>
-          <p:cNvPr id="5" name="그림 4"/>
+          <p:cNvPr id="7" name="그림 6"/>
           <p:cNvPicPr>
             <a:picLocks noChangeAspect="1"/>
           </p:cNvPicPr>
@@ -15881,8 +15260,32 @@
         </p:blipFill>
         <p:spPr>
           <a:xfrm>
-            <a:off x="6041570" y="1576856"/>
-            <a:ext cx="6150430" cy="5281144"/>
+            <a:off x="1014581" y="2934354"/>
+            <a:ext cx="4514127" cy="3876112"/>
+          </a:xfrm>
+          <a:prstGeom prst="rect">
+            <a:avLst/>
+          </a:prstGeom>
+        </p:spPr>
+      </p:pic>
+      <p:pic>
+        <p:nvPicPr>
+          <p:cNvPr id="4" name="그림 3"/>
+          <p:cNvPicPr>
+            <a:picLocks noChangeAspect="1"/>
+          </p:cNvPicPr>
+          <p:nvPr/>
+        </p:nvPicPr>
+        <p:blipFill>
+          <a:blip r:embed="rId5"/>
+          <a:stretch>
+            <a:fillRect/>
+          </a:stretch>
+        </p:blipFill>
+        <p:spPr>
+          <a:xfrm>
+            <a:off x="1014581" y="1016001"/>
+            <a:ext cx="4240325" cy="1689660"/>
           </a:xfrm>
           <a:prstGeom prst="rect">
             <a:avLst/>
@@ -15892,7 +15295,7 @@
     </p:spTree>
     <p:extLst>
       <p:ext uri="{BB962C8B-B14F-4D97-AF65-F5344CB8AC3E}">
-        <p14:creationId xmlns:p14="http://schemas.microsoft.com/office/powerpoint/2010/main" val="3023996582"/>
+        <p14:creationId xmlns:p14="http://schemas.microsoft.com/office/powerpoint/2010/main" val="2263803646"/>
       </p:ext>
     </p:extLst>
   </p:cSld>
@@ -16011,146 +15414,11 @@
           <a:p>
             <a:r>
               <a:rPr lang="en-US" altLang="ko-KR" dirty="0" smtClean="0"/>
-              <a:t>Multidimensionality in the ALSFRS-R scale</a:t>
-            </a:r>
-            <a:endParaRPr lang="ko-KR" altLang="en-US" dirty="0"/>
-          </a:p>
-        </p:txBody>
-      </p:sp>
-      <p:pic>
-        <p:nvPicPr>
-          <p:cNvPr id="4" name="내용 개체 틀 3"/>
-          <p:cNvPicPr>
-            <a:picLocks noGrp="1" noChangeAspect="1"/>
-          </p:cNvPicPr>
-          <p:nvPr>
-            <p:ph idx="1"/>
-          </p:nvPr>
-        </p:nvPicPr>
-        <p:blipFill>
-          <a:blip r:embed="rId3"/>
-          <a:stretch>
-            <a:fillRect/>
-          </a:stretch>
-        </p:blipFill>
-        <p:spPr>
-          <a:xfrm>
-            <a:off x="0" y="844951"/>
-            <a:ext cx="5122107" cy="1695691"/>
-          </a:xfrm>
-          <a:prstGeom prst="rect">
-            <a:avLst/>
-          </a:prstGeom>
-        </p:spPr>
-      </p:pic>
-      <p:pic>
-        <p:nvPicPr>
-          <p:cNvPr id="5" name="그림 4"/>
-          <p:cNvPicPr>
-            <a:picLocks noChangeAspect="1"/>
-          </p:cNvPicPr>
-          <p:nvPr/>
-        </p:nvPicPr>
-        <p:blipFill>
-          <a:blip r:embed="rId4"/>
-          <a:stretch>
-            <a:fillRect/>
-          </a:stretch>
-        </p:blipFill>
-        <p:spPr>
-          <a:xfrm>
-            <a:off x="0" y="2697145"/>
-            <a:ext cx="5122107" cy="4160854"/>
-          </a:xfrm>
-          <a:prstGeom prst="rect">
-            <a:avLst/>
-          </a:prstGeom>
-        </p:spPr>
-      </p:pic>
-      <p:pic>
-        <p:nvPicPr>
-          <p:cNvPr id="3" name="그림 2"/>
-          <p:cNvPicPr>
-            <a:picLocks noChangeAspect="1"/>
-          </p:cNvPicPr>
-          <p:nvPr/>
-        </p:nvPicPr>
-        <p:blipFill>
-          <a:blip r:embed="rId5"/>
-          <a:stretch>
-            <a:fillRect/>
-          </a:stretch>
-        </p:blipFill>
-        <p:spPr>
-          <a:xfrm>
-            <a:off x="5403139" y="844951"/>
-            <a:ext cx="3996180" cy="6015392"/>
-          </a:xfrm>
-          <a:prstGeom prst="rect">
-            <a:avLst/>
-          </a:prstGeom>
-        </p:spPr>
-      </p:pic>
-    </p:spTree>
-    <p:extLst>
-      <p:ext uri="{BB962C8B-B14F-4D97-AF65-F5344CB8AC3E}">
-        <p14:creationId xmlns:p14="http://schemas.microsoft.com/office/powerpoint/2010/main" val="3977523228"/>
-      </p:ext>
-    </p:extLst>
-  </p:cSld>
-  <p:clrMapOvr>
-    <a:masterClrMapping/>
-  </p:clrMapOvr>
-</p:sld>
-</file>
-
-<file path=ppt/slides/slide18.xml><?xml version="1.0" encoding="utf-8"?>
-<p:sld xmlns:a="http://schemas.openxmlformats.org/drawingml/2006/main" xmlns:r="http://schemas.openxmlformats.org/officeDocument/2006/relationships" xmlns:p="http://schemas.openxmlformats.org/presentationml/2006/main">
-  <p:cSld>
-    <p:spTree>
-      <p:nvGrpSpPr>
-        <p:cNvPr id="1" name=""/>
-        <p:cNvGrpSpPr/>
-        <p:nvPr/>
-      </p:nvGrpSpPr>
-      <p:grpSpPr>
-        <a:xfrm>
-          <a:off x="0" y="0"/>
-          <a:ext cx="0" cy="0"/>
-          <a:chOff x="0" y="0"/>
-          <a:chExt cx="0" cy="0"/>
-        </a:xfrm>
-      </p:grpSpPr>
-      <p:sp>
-        <p:nvSpPr>
-          <p:cNvPr id="2" name="제목 1"/>
-          <p:cNvSpPr>
-            <a:spLocks noGrp="1"/>
-          </p:cNvSpPr>
-          <p:nvPr>
-            <p:ph type="title"/>
-          </p:nvPr>
-        </p:nvSpPr>
-        <p:spPr/>
-        <p:txBody>
-          <a:bodyPr/>
-          <a:lstStyle/>
-          <a:p>
-            <a:r>
-              <a:rPr lang="en-US" altLang="ko-KR" dirty="0" smtClean="0"/>
               <a:t>Variable </a:t>
             </a:r>
             <a:r>
-              <a:rPr lang="en-US" altLang="ko-KR" dirty="0" err="1" smtClean="0"/>
-              <a:t>curvilinearity</a:t>
-            </a:r>
-            <a:r>
-              <a:rPr lang="en-US" altLang="ko-KR" dirty="0" smtClean="0"/>
-              <a:t> of ALSFRS-R</a:t>
-            </a:r>
-            <a:r>
-              <a:rPr lang="en-US" altLang="ko-KR" dirty="0"/>
-              <a:t> trajectories</a:t>
+              <a:rPr lang="en-US" altLang="ko-KR" dirty="0" smtClean="0"/>
+              <a:t>clinical course</a:t>
             </a:r>
             <a:endParaRPr lang="ko-KR" altLang="en-US" dirty="0"/>
           </a:p>
@@ -16249,7 +15517,7 @@
 </p:sld>
 </file>
 
-<file path=ppt/slides/slide19.xml><?xml version="1.0" encoding="utf-8"?>
+<file path=ppt/slides/slide18.xml><?xml version="1.0" encoding="utf-8"?>
 <p:sld xmlns:a="http://schemas.openxmlformats.org/drawingml/2006/main" xmlns:r="http://schemas.openxmlformats.org/officeDocument/2006/relationships" xmlns:p="http://schemas.openxmlformats.org/presentationml/2006/main">
   <p:cSld>
     <p:spTree>
@@ -16384,76 +15652,13 @@
       </p:grpSpPr>
       <p:grpSp>
         <p:nvGrpSpPr>
-          <p:cNvPr id="2" name="그룹 1"/>
-          <p:cNvGrpSpPr/>
-          <p:nvPr/>
-        </p:nvGrpSpPr>
-        <p:grpSpPr>
-          <a:xfrm>
-            <a:off x="-35874" y="507337"/>
-            <a:ext cx="10221686" cy="2481943"/>
-            <a:chOff x="0" y="0"/>
-            <a:chExt cx="11582134" cy="3576577"/>
-          </a:xfrm>
-        </p:grpSpPr>
-        <p:pic>
-          <p:nvPicPr>
-            <p:cNvPr id="4" name="그림 3"/>
-            <p:cNvPicPr>
-              <a:picLocks noChangeAspect="1"/>
-            </p:cNvPicPr>
-            <p:nvPr/>
-          </p:nvPicPr>
-          <p:blipFill>
-            <a:blip r:embed="rId3"/>
-            <a:stretch>
-              <a:fillRect/>
-            </a:stretch>
-          </p:blipFill>
-          <p:spPr>
-            <a:xfrm>
-              <a:off x="0" y="0"/>
-              <a:ext cx="11582134" cy="3576577"/>
-            </a:xfrm>
-            <a:prstGeom prst="rect">
-              <a:avLst/>
-            </a:prstGeom>
-          </p:spPr>
-        </p:pic>
-        <p:pic>
-          <p:nvPicPr>
-            <p:cNvPr id="5" name="그림 4"/>
-            <p:cNvPicPr>
-              <a:picLocks noChangeAspect="1"/>
-            </p:cNvPicPr>
-            <p:nvPr/>
-          </p:nvPicPr>
-          <p:blipFill>
-            <a:blip r:embed="rId4"/>
-            <a:stretch>
-              <a:fillRect/>
-            </a:stretch>
-          </p:blipFill>
-          <p:spPr>
-            <a:xfrm>
-              <a:off x="6599864" y="3271734"/>
-              <a:ext cx="4982270" cy="304843"/>
-            </a:xfrm>
-            <a:prstGeom prst="rect">
-              <a:avLst/>
-            </a:prstGeom>
-          </p:spPr>
-        </p:pic>
-      </p:grpSp>
-      <p:grpSp>
-        <p:nvGrpSpPr>
           <p:cNvPr id="7" name="그룹 6"/>
           <p:cNvGrpSpPr/>
           <p:nvPr/>
         </p:nvGrpSpPr>
         <p:grpSpPr>
           <a:xfrm>
-            <a:off x="0" y="3003167"/>
+            <a:off x="0" y="3609078"/>
             <a:ext cx="11987207" cy="2775857"/>
             <a:chOff x="0" y="2481943"/>
             <a:chExt cx="11141051" cy="2579914"/>
@@ -16468,7 +15673,7 @@
             <p:nvPr/>
           </p:nvPicPr>
           <p:blipFill>
-            <a:blip r:embed="rId5"/>
+            <a:blip r:embed="rId3"/>
             <a:stretch>
               <a:fillRect/>
             </a:stretch>
@@ -16492,7 +15697,7 @@
             <p:nvPr/>
           </p:nvPicPr>
           <p:blipFill>
-            <a:blip r:embed="rId6"/>
+            <a:blip r:embed="rId4"/>
             <a:stretch>
               <a:fillRect/>
             </a:stretch>
@@ -16510,98 +15715,91 @@
       </p:grpSp>
       <p:grpSp>
         <p:nvGrpSpPr>
-          <p:cNvPr id="14" name="그룹 13"/>
+          <p:cNvPr id="19" name="그룹 18"/>
           <p:cNvGrpSpPr/>
           <p:nvPr/>
         </p:nvGrpSpPr>
         <p:grpSpPr>
           <a:xfrm>
-            <a:off x="0" y="5848209"/>
-            <a:ext cx="6201640" cy="1009791"/>
-            <a:chOff x="0" y="5848209"/>
-            <a:chExt cx="6201640" cy="1009791"/>
+            <a:off x="0" y="518912"/>
+            <a:ext cx="10221686" cy="2481943"/>
+            <a:chOff x="-35874" y="507337"/>
+            <a:chExt cx="10221686" cy="2481943"/>
           </a:xfrm>
         </p:grpSpPr>
-        <p:pic>
-          <p:nvPicPr>
-            <p:cNvPr id="8" name="그림 7"/>
-            <p:cNvPicPr>
-              <a:picLocks noChangeAspect="1"/>
-            </p:cNvPicPr>
+        <p:grpSp>
+          <p:nvGrpSpPr>
+            <p:cNvPr id="2" name="그룹 1"/>
+            <p:cNvGrpSpPr/>
             <p:nvPr/>
-          </p:nvPicPr>
-          <p:blipFill>
-            <a:blip r:embed="rId7"/>
-            <a:stretch>
-              <a:fillRect/>
-            </a:stretch>
-          </p:blipFill>
-          <p:spPr>
+          </p:nvGrpSpPr>
+          <p:grpSpPr>
             <a:xfrm>
-              <a:off x="0" y="5848209"/>
-              <a:ext cx="6201640" cy="1009791"/>
+              <a:off x="-35874" y="507337"/>
+              <a:ext cx="10221686" cy="2481943"/>
+              <a:chOff x="0" y="0"/>
+              <a:chExt cx="11582134" cy="3576577"/>
             </a:xfrm>
-            <a:prstGeom prst="rect">
-              <a:avLst/>
-            </a:prstGeom>
-          </p:spPr>
-        </p:pic>
-        <p:sp>
-          <p:nvSpPr>
-            <p:cNvPr id="9" name="직사각형 8"/>
-            <p:cNvSpPr/>
-            <p:nvPr/>
-          </p:nvSpPr>
-          <p:spPr>
-            <a:xfrm>
-              <a:off x="0" y="5848209"/>
-              <a:ext cx="2906486" cy="307662"/>
-            </a:xfrm>
-            <a:prstGeom prst="rect">
-              <a:avLst/>
-            </a:prstGeom>
-            <a:noFill/>
-            <a:ln w="28575">
-              <a:solidFill>
-                <a:srgbClr val="FF0000"/>
-              </a:solidFill>
-            </a:ln>
-          </p:spPr>
-          <p:style>
-            <a:lnRef idx="2">
-              <a:schemeClr val="accent1">
-                <a:shade val="50000"/>
-              </a:schemeClr>
-            </a:lnRef>
-            <a:fillRef idx="1">
-              <a:schemeClr val="accent1"/>
-            </a:fillRef>
-            <a:effectRef idx="0">
-              <a:schemeClr val="accent1"/>
-            </a:effectRef>
-            <a:fontRef idx="minor">
-              <a:schemeClr val="lt1"/>
-            </a:fontRef>
-          </p:style>
-          <p:txBody>
-            <a:bodyPr rtlCol="0" anchor="ctr"/>
-            <a:lstStyle/>
-            <a:p>
-              <a:pPr algn="ctr"/>
-              <a:endParaRPr lang="ko-KR" altLang="en-US"/>
-            </a:p>
-          </p:txBody>
-        </p:sp>
+          </p:grpSpPr>
+          <p:pic>
+            <p:nvPicPr>
+              <p:cNvPr id="4" name="그림 3"/>
+              <p:cNvPicPr>
+                <a:picLocks noChangeAspect="1"/>
+              </p:cNvPicPr>
+              <p:nvPr/>
+            </p:nvPicPr>
+            <p:blipFill>
+              <a:blip r:embed="rId5"/>
+              <a:stretch>
+                <a:fillRect/>
+              </a:stretch>
+            </p:blipFill>
+            <p:spPr>
+              <a:xfrm>
+                <a:off x="0" y="0"/>
+                <a:ext cx="11582134" cy="3576577"/>
+              </a:xfrm>
+              <a:prstGeom prst="rect">
+                <a:avLst/>
+              </a:prstGeom>
+            </p:spPr>
+          </p:pic>
+          <p:pic>
+            <p:nvPicPr>
+              <p:cNvPr id="5" name="그림 4"/>
+              <p:cNvPicPr>
+                <a:picLocks noChangeAspect="1"/>
+              </p:cNvPicPr>
+              <p:nvPr/>
+            </p:nvPicPr>
+            <p:blipFill>
+              <a:blip r:embed="rId6"/>
+              <a:stretch>
+                <a:fillRect/>
+              </a:stretch>
+            </p:blipFill>
+            <p:spPr>
+              <a:xfrm>
+                <a:off x="6599864" y="3271734"/>
+                <a:ext cx="4982270" cy="304843"/>
+              </a:xfrm>
+              <a:prstGeom prst="rect">
+                <a:avLst/>
+              </a:prstGeom>
+            </p:spPr>
+          </p:pic>
+        </p:grpSp>
         <p:cxnSp>
           <p:nvCxnSpPr>
-            <p:cNvPr id="11" name="직선 연결선 10"/>
+            <p:cNvPr id="15" name="직선 연결선 14"/>
             <p:cNvCxnSpPr/>
             <p:nvPr/>
           </p:nvCxnSpPr>
           <p:spPr>
             <a:xfrm>
-              <a:off x="81643" y="6369433"/>
-              <a:ext cx="1485900" cy="0"/>
+              <a:off x="5637904" y="2167823"/>
+              <a:ext cx="3830187" cy="0"/>
             </a:xfrm>
             <a:prstGeom prst="line">
               <a:avLst/>
@@ -16629,14 +15827,49 @@
         </p:cxnSp>
         <p:cxnSp>
           <p:nvCxnSpPr>
-            <p:cNvPr id="12" name="직선 연결선 11"/>
+            <p:cNvPr id="16" name="직선 연결선 15"/>
             <p:cNvCxnSpPr/>
             <p:nvPr/>
           </p:nvCxnSpPr>
           <p:spPr>
             <a:xfrm>
-              <a:off x="3184071" y="6369433"/>
-              <a:ext cx="1812472" cy="0"/>
+              <a:off x="5244364" y="2341444"/>
+              <a:ext cx="4570968" cy="0"/>
+            </a:xfrm>
+            <a:prstGeom prst="line">
+              <a:avLst/>
+            </a:prstGeom>
+            <a:ln w="28575">
+              <a:solidFill>
+                <a:srgbClr val="FF0000"/>
+              </a:solidFill>
+            </a:ln>
+          </p:spPr>
+          <p:style>
+            <a:lnRef idx="1">
+              <a:schemeClr val="accent1"/>
+            </a:lnRef>
+            <a:fillRef idx="0">
+              <a:schemeClr val="accent1"/>
+            </a:fillRef>
+            <a:effectRef idx="0">
+              <a:schemeClr val="accent1"/>
+            </a:effectRef>
+            <a:fontRef idx="minor">
+              <a:schemeClr val="tx1"/>
+            </a:fontRef>
+          </p:style>
+        </p:cxnSp>
+        <p:cxnSp>
+          <p:nvCxnSpPr>
+            <p:cNvPr id="18" name="직선 연결선 17"/>
+            <p:cNvCxnSpPr/>
+            <p:nvPr/>
+          </p:nvCxnSpPr>
+          <p:spPr>
+            <a:xfrm>
+              <a:off x="5255939" y="2515064"/>
+              <a:ext cx="4570968" cy="0"/>
             </a:xfrm>
             <a:prstGeom prst="line">
               <a:avLst/>
@@ -16733,12 +15966,20 @@
             <p:ph idx="1"/>
           </p:nvPr>
         </p:nvSpPr>
-        <p:spPr/>
+        <p:spPr>
+          <a:xfrm>
+            <a:off x="0" y="833377"/>
+            <a:ext cx="12192000" cy="6024623"/>
+          </a:xfrm>
+        </p:spPr>
         <p:txBody>
           <a:bodyPr/>
           <a:lstStyle/>
           <a:p>
             <a:pPr marL="514350" indent="-514350">
+              <a:lnSpc>
+                <a:spcPct val="150000"/>
+              </a:lnSpc>
               <a:buFont typeface="+mj-lt"/>
               <a:buAutoNum type="arabicPeriod"/>
             </a:pPr>
@@ -16749,6 +15990,9 @@
           </a:p>
           <a:p>
             <a:pPr marL="514350" indent="-514350">
+              <a:lnSpc>
+                <a:spcPct val="150000"/>
+              </a:lnSpc>
               <a:buFont typeface="+mj-lt"/>
               <a:buAutoNum type="arabicPeriod"/>
             </a:pPr>
@@ -16759,6 +16003,9 @@
           </a:p>
           <a:p>
             <a:pPr marL="514350" indent="-514350">
+              <a:lnSpc>
+                <a:spcPct val="150000"/>
+              </a:lnSpc>
               <a:buFont typeface="+mj-lt"/>
               <a:buAutoNum type="arabicPeriod"/>
             </a:pPr>
@@ -16769,6 +16016,9 @@
           </a:p>
           <a:p>
             <a:pPr marL="514350" indent="-514350">
+              <a:lnSpc>
+                <a:spcPct val="150000"/>
+              </a:lnSpc>
               <a:buFont typeface="+mj-lt"/>
               <a:buAutoNum type="arabicPeriod"/>
             </a:pPr>
@@ -16779,6 +16029,9 @@
           </a:p>
           <a:p>
             <a:pPr marL="514350" indent="-514350">
+              <a:lnSpc>
+                <a:spcPct val="150000"/>
+              </a:lnSpc>
               <a:buFont typeface="+mj-lt"/>
               <a:buAutoNum type="arabicPeriod"/>
             </a:pPr>
@@ -16790,54 +16043,69 @@
           </a:p>
         </p:txBody>
       </p:sp>
-      <p:pic>
-        <p:nvPicPr>
-          <p:cNvPr id="4" name="내용 개체 틀 5"/>
-          <p:cNvPicPr>
-            <a:picLocks noChangeAspect="1"/>
-          </p:cNvPicPr>
+      <p:grpSp>
+        <p:nvGrpSpPr>
+          <p:cNvPr id="7" name="그룹 6"/>
+          <p:cNvGrpSpPr/>
           <p:nvPr/>
-        </p:nvPicPr>
-        <p:blipFill>
-          <a:blip r:embed="rId3"/>
-          <a:stretch>
-            <a:fillRect/>
-          </a:stretch>
-        </p:blipFill>
-        <p:spPr>
+        </p:nvGrpSpPr>
+        <p:grpSpPr>
           <a:xfrm>
-            <a:off x="2591162" y="6648421"/>
-            <a:ext cx="4963218" cy="209579"/>
+            <a:off x="0" y="4653023"/>
+            <a:ext cx="7072132" cy="2204977"/>
+            <a:chOff x="0" y="4400207"/>
+            <a:chExt cx="7554380" cy="2457793"/>
           </a:xfrm>
-          <a:prstGeom prst="rect">
-            <a:avLst/>
-          </a:prstGeom>
-        </p:spPr>
-      </p:pic>
-      <p:pic>
-        <p:nvPicPr>
-          <p:cNvPr id="5" name="그림 4"/>
-          <p:cNvPicPr>
-            <a:picLocks noChangeAspect="1"/>
-          </p:cNvPicPr>
-          <p:nvPr/>
-        </p:nvPicPr>
-        <p:blipFill>
-          <a:blip r:embed="rId4"/>
-          <a:stretch>
-            <a:fillRect/>
-          </a:stretch>
-        </p:blipFill>
-        <p:spPr>
-          <a:xfrm>
-            <a:off x="0" y="4400207"/>
-            <a:ext cx="2591162" cy="2457793"/>
-          </a:xfrm>
-          <a:prstGeom prst="rect">
-            <a:avLst/>
-          </a:prstGeom>
-        </p:spPr>
-      </p:pic>
+        </p:grpSpPr>
+        <p:pic>
+          <p:nvPicPr>
+            <p:cNvPr id="4" name="내용 개체 틀 5"/>
+            <p:cNvPicPr>
+              <a:picLocks noChangeAspect="1"/>
+            </p:cNvPicPr>
+            <p:nvPr/>
+          </p:nvPicPr>
+          <p:blipFill>
+            <a:blip r:embed="rId3"/>
+            <a:stretch>
+              <a:fillRect/>
+            </a:stretch>
+          </p:blipFill>
+          <p:spPr>
+            <a:xfrm>
+              <a:off x="2591162" y="6648421"/>
+              <a:ext cx="4963218" cy="209579"/>
+            </a:xfrm>
+            <a:prstGeom prst="rect">
+              <a:avLst/>
+            </a:prstGeom>
+          </p:spPr>
+        </p:pic>
+        <p:pic>
+          <p:nvPicPr>
+            <p:cNvPr id="5" name="그림 4"/>
+            <p:cNvPicPr>
+              <a:picLocks noChangeAspect="1"/>
+            </p:cNvPicPr>
+            <p:nvPr/>
+          </p:nvPicPr>
+          <p:blipFill>
+            <a:blip r:embed="rId4"/>
+            <a:stretch>
+              <a:fillRect/>
+            </a:stretch>
+          </p:blipFill>
+          <p:spPr>
+            <a:xfrm>
+              <a:off x="0" y="4400207"/>
+              <a:ext cx="2591162" cy="2457793"/>
+            </a:xfrm>
+            <a:prstGeom prst="rect">
+              <a:avLst/>
+            </a:prstGeom>
+          </p:spPr>
+        </p:pic>
+      </p:grpSp>
       <p:pic>
         <p:nvPicPr>
           <p:cNvPr id="6" name="그림 5"/>
@@ -16854,8 +16122,8 @@
         </p:blipFill>
         <p:spPr>
           <a:xfrm>
-            <a:off x="8512199" y="2633043"/>
-            <a:ext cx="3679801" cy="4224957"/>
+            <a:off x="8026062" y="2318526"/>
+            <a:ext cx="3953735" cy="4539474"/>
           </a:xfrm>
           <a:prstGeom prst="rect">
             <a:avLst/>
@@ -16916,7 +16184,7 @@
           <a:p>
             <a:r>
               <a:rPr lang="en-US" altLang="ko-KR" dirty="0" smtClean="0"/>
-              <a:t>ALS</a:t>
+              <a:t>Amyotrophic Lateral Sclerosis</a:t>
             </a:r>
             <a:endParaRPr lang="ko-KR" altLang="en-US" dirty="0"/>
           </a:p>
@@ -16941,32 +16209,31 @@
               <a:rPr lang="en-US" altLang="ko-KR" dirty="0" smtClean="0"/>
               <a:t>Progressive upper and lower motor neuron degeneration, </a:t>
             </a:r>
-            <a:endParaRPr lang="en-US" altLang="ko-KR" dirty="0" smtClean="0"/>
-          </a:p>
-          <a:p>
-            <a:r>
-              <a:rPr lang="en-US" altLang="ko-KR" dirty="0" smtClean="0"/>
-              <a:t>P</a:t>
-            </a:r>
-            <a:r>
-              <a:rPr lang="en-US" altLang="ko-KR" smtClean="0"/>
-              <a:t>oor </a:t>
+          </a:p>
+          <a:p>
+            <a:r>
+              <a:rPr lang="en-US" altLang="ko-KR" dirty="0" smtClean="0"/>
+              <a:t>Poor </a:t>
+            </a:r>
+            <a:r>
+              <a:rPr lang="en-US" altLang="ko-KR" dirty="0" smtClean="0"/>
+              <a:t>(</a:t>
             </a:r>
             <a:r>
               <a:rPr lang="en-US" altLang="ko-KR" dirty="0"/>
-              <a:t>prognosis (median survival 3-5 </a:t>
-            </a:r>
-            <a:r>
-              <a:rPr lang="en-US" altLang="ko-KR" dirty="0" smtClean="0"/>
-              <a:t>years), and v</a:t>
-            </a:r>
-            <a:r>
-              <a:rPr lang="en-US" altLang="ko-KR" dirty="0" smtClean="0"/>
-              <a:t>ariable </a:t>
-            </a:r>
-            <a:r>
-              <a:rPr lang="en-US" altLang="ko-KR" dirty="0" smtClean="0"/>
-              <a:t>prognosis. </a:t>
+              <a:t>median survival 3-5 </a:t>
+            </a:r>
+            <a:r>
+              <a:rPr lang="en-US" altLang="ko-KR" dirty="0" smtClean="0"/>
+              <a:t>years</a:t>
+            </a:r>
+            <a:r>
+              <a:rPr lang="en-US" altLang="ko-KR" dirty="0" smtClean="0"/>
+              <a:t>) </a:t>
+            </a:r>
+            <a:r>
+              <a:rPr lang="en-US" altLang="ko-KR" dirty="0" smtClean="0"/>
+              <a:t>and variable prognosis. </a:t>
             </a:r>
           </a:p>
           <a:p>
@@ -16977,6 +16244,54 @@
           </a:p>
         </p:txBody>
       </p:sp>
+      <p:pic>
+        <p:nvPicPr>
+          <p:cNvPr id="4" name="내용 개체 틀 3"/>
+          <p:cNvPicPr>
+            <a:picLocks noChangeAspect="1"/>
+          </p:cNvPicPr>
+          <p:nvPr/>
+        </p:nvPicPr>
+        <p:blipFill>
+          <a:blip r:embed="rId3"/>
+          <a:stretch>
+            <a:fillRect/>
+          </a:stretch>
+        </p:blipFill>
+        <p:spPr>
+          <a:xfrm>
+            <a:off x="176360" y="2789497"/>
+            <a:ext cx="5122107" cy="1695691"/>
+          </a:xfrm>
+          <a:prstGeom prst="rect">
+            <a:avLst/>
+          </a:prstGeom>
+        </p:spPr>
+      </p:pic>
+      <p:pic>
+        <p:nvPicPr>
+          <p:cNvPr id="5" name="그림 4"/>
+          <p:cNvPicPr>
+            <a:picLocks noChangeAspect="1"/>
+          </p:cNvPicPr>
+          <p:nvPr/>
+        </p:nvPicPr>
+        <p:blipFill>
+          <a:blip r:embed="rId4"/>
+          <a:stretch>
+            <a:fillRect/>
+          </a:stretch>
+        </p:blipFill>
+        <p:spPr>
+          <a:xfrm>
+            <a:off x="5729469" y="2789497"/>
+            <a:ext cx="5008421" cy="4068503"/>
+          </a:xfrm>
+          <a:prstGeom prst="rect">
+            <a:avLst/>
+          </a:prstGeom>
+        </p:spPr>
+      </p:pic>
     </p:spTree>
     <p:extLst>
       <p:ext uri="{BB962C8B-B14F-4D97-AF65-F5344CB8AC3E}">
@@ -17031,7 +16346,11 @@
           <a:p>
             <a:r>
               <a:rPr lang="en-US" altLang="ko-KR" dirty="0" smtClean="0"/>
-              <a:t>King’s system</a:t>
+              <a:t>King’s </a:t>
+            </a:r>
+            <a:r>
+              <a:rPr lang="en-US" altLang="ko-KR" dirty="0" smtClean="0"/>
+              <a:t>system</a:t>
             </a:r>
             <a:endParaRPr lang="ko-KR" altLang="en-US" dirty="0"/>
           </a:p>
@@ -17049,51 +16368,94 @@
         </p:nvSpPr>
         <p:spPr/>
         <p:txBody>
-          <a:bodyPr/>
+          <a:bodyPr>
+            <a:normAutofit/>
+          </a:bodyPr>
           <a:lstStyle/>
           <a:p>
-            <a:r>
-              <a:rPr lang="en-US" altLang="ko-KR" dirty="0" smtClean="0"/>
-              <a:t>Based on the number of affected regions of the body.</a:t>
-            </a:r>
-          </a:p>
-          <a:p>
+            <a:pPr>
+              <a:lnSpc>
+                <a:spcPct val="150000"/>
+              </a:lnSpc>
+            </a:pPr>
+            <a:r>
+              <a:rPr lang="en-US" altLang="ko-KR" dirty="0" smtClean="0"/>
+              <a:t>Based </a:t>
+            </a:r>
+            <a:r>
+              <a:rPr lang="en-US" altLang="ko-KR" dirty="0" smtClean="0"/>
+              <a:t>on the number of affected regions of the body.</a:t>
+            </a:r>
+          </a:p>
+          <a:p>
+            <a:pPr>
+              <a:lnSpc>
+                <a:spcPct val="150000"/>
+              </a:lnSpc>
+            </a:pPr>
             <a:r>
               <a:rPr lang="en-US" altLang="ko-KR" dirty="0" smtClean="0"/>
               <a:t>Stage 1: first region involvement</a:t>
             </a:r>
           </a:p>
           <a:p>
+            <a:pPr>
+              <a:lnSpc>
+                <a:spcPct val="150000"/>
+              </a:lnSpc>
+            </a:pPr>
             <a:r>
               <a:rPr lang="en-US" altLang="ko-KR" dirty="0" smtClean="0"/>
               <a:t>Stage 2A: diagnosis </a:t>
             </a:r>
           </a:p>
           <a:p>
+            <a:pPr>
+              <a:lnSpc>
+                <a:spcPct val="150000"/>
+              </a:lnSpc>
+            </a:pPr>
             <a:r>
               <a:rPr lang="en-US" altLang="ko-KR" dirty="0" smtClean="0"/>
               <a:t>Stage 2B: second region involvement</a:t>
             </a:r>
           </a:p>
           <a:p>
+            <a:pPr>
+              <a:lnSpc>
+                <a:spcPct val="150000"/>
+              </a:lnSpc>
+            </a:pPr>
             <a:r>
               <a:rPr lang="en-US" altLang="ko-KR" dirty="0" smtClean="0"/>
               <a:t>Stage 3: third region involvement</a:t>
             </a:r>
           </a:p>
           <a:p>
-            <a:r>
-              <a:rPr lang="en-US" altLang="ko-KR" dirty="0" smtClean="0"/>
-              <a:t>Stage 4A: need for gastrostomy</a:t>
-            </a:r>
-          </a:p>
-          <a:p>
-            <a:r>
-              <a:rPr lang="en-US" altLang="ko-KR" dirty="0" smtClean="0"/>
-              <a:t>Stage 4B: need for noninvasive ventilation</a:t>
-            </a:r>
-          </a:p>
-          <a:p>
+            <a:pPr>
+              <a:lnSpc>
+                <a:spcPct val="150000"/>
+              </a:lnSpc>
+            </a:pPr>
+            <a:r>
+              <a:rPr lang="en-US" altLang="ko-KR" dirty="0" smtClean="0"/>
+              <a:t>Stage 4A: need for </a:t>
+            </a:r>
+            <a:r>
+              <a:rPr lang="en-US" altLang="ko-KR" dirty="0" smtClean="0"/>
+              <a:t>gastrostomy / Stage </a:t>
+            </a:r>
+            <a:r>
+              <a:rPr lang="en-US" altLang="ko-KR" dirty="0" smtClean="0"/>
+              <a:t>4B: need for noninvasive ventilation</a:t>
+            </a:r>
+          </a:p>
+          <a:p>
+            <a:pPr>
+              <a:lnSpc>
+                <a:spcPct val="150000"/>
+              </a:lnSpc>
+            </a:pPr>
             <a:r>
               <a:rPr lang="en-US" altLang="ko-KR" dirty="0" smtClean="0"/>
               <a:t>Stage 5: death </a:t>
@@ -17118,8 +16480,8 @@
         </p:blipFill>
         <p:spPr>
           <a:xfrm>
-            <a:off x="0" y="5339519"/>
-            <a:ext cx="3645243" cy="1518481"/>
+            <a:off x="5822831" y="2323940"/>
+            <a:ext cx="6369169" cy="2653173"/>
           </a:xfrm>
           <a:prstGeom prst="rect">
             <a:avLst/>
@@ -17181,8 +16543,8 @@
         </p:blipFill>
         <p:spPr>
           <a:xfrm>
-            <a:off x="7931769" y="3403512"/>
-            <a:ext cx="3400900" cy="3057952"/>
+            <a:off x="6871505" y="1206500"/>
+            <a:ext cx="4217042" cy="3791794"/>
           </a:xfrm>
           <a:prstGeom prst="rect">
             <a:avLst/>
@@ -17199,7 +16561,12 @@
             <p:ph type="title"/>
           </p:nvPr>
         </p:nvSpPr>
-        <p:spPr/>
+        <p:spPr>
+          <a:xfrm>
+            <a:off x="0" y="-57872"/>
+            <a:ext cx="12192000" cy="1016000"/>
+          </a:xfrm>
+        </p:spPr>
         <p:txBody>
           <a:bodyPr/>
           <a:lstStyle/>
@@ -17228,8 +16595,8 @@
         </p:blipFill>
         <p:spPr>
           <a:xfrm>
-            <a:off x="0" y="1206500"/>
-            <a:ext cx="4191585" cy="3229426"/>
+            <a:off x="1388962" y="1206500"/>
+            <a:ext cx="4919241" cy="3790052"/>
           </a:xfrm>
           <a:prstGeom prst="rect">
             <a:avLst/>
@@ -17252,7 +16619,7 @@
         </p:blipFill>
         <p:spPr>
           <a:xfrm>
-            <a:off x="0" y="4832462"/>
+            <a:off x="1388962" y="5228998"/>
             <a:ext cx="7440063" cy="1629002"/>
           </a:xfrm>
           <a:prstGeom prst="rect">
@@ -17333,27 +16700,73 @@
         </p:nvSpPr>
         <p:spPr/>
         <p:txBody>
-          <a:bodyPr/>
+          <a:bodyPr>
+            <a:normAutofit lnSpcReduction="10000"/>
+          </a:bodyPr>
           <a:lstStyle/>
           <a:p>
-            <a:r>
-              <a:rPr lang="en-US" altLang="ko-KR" dirty="0" smtClean="0"/>
-              <a:t>Based on a clinical scale.</a:t>
-            </a:r>
-          </a:p>
-          <a:p>
+            <a:endParaRPr lang="en-US" altLang="ko-KR" dirty="0" smtClean="0"/>
+          </a:p>
+          <a:p>
+            <a:endParaRPr lang="en-US" altLang="ko-KR" dirty="0"/>
+          </a:p>
+          <a:p>
+            <a:endParaRPr lang="en-US" altLang="ko-KR" dirty="0" smtClean="0"/>
+          </a:p>
+          <a:p>
+            <a:endParaRPr lang="en-US" altLang="ko-KR" dirty="0"/>
+          </a:p>
+          <a:p>
+            <a:pPr>
+              <a:lnSpc>
+                <a:spcPct val="150000"/>
+              </a:lnSpc>
+            </a:pPr>
+            <a:r>
+              <a:rPr lang="en-US" altLang="ko-KR" dirty="0" smtClean="0"/>
+              <a:t>Based </a:t>
+            </a:r>
+            <a:r>
+              <a:rPr lang="en-US" altLang="ko-KR" dirty="0" smtClean="0"/>
+              <a:t>on a clinical scale.</a:t>
+            </a:r>
+          </a:p>
+          <a:p>
+            <a:pPr>
+              <a:lnSpc>
+                <a:spcPct val="150000"/>
+              </a:lnSpc>
+            </a:pPr>
             <a:r>
               <a:rPr lang="en-US" altLang="ko-KR" dirty="0" smtClean="0"/>
               <a:t>Stage 0: symptoms only, loss of independence (-)</a:t>
             </a:r>
           </a:p>
           <a:p>
-            <a:r>
-              <a:rPr lang="en-US" altLang="ko-KR" dirty="0" smtClean="0"/>
-              <a:t>Stage 1-4: loss of independence in a number of domains (swallowing, walking/self-care, communicating, breathing) from ALS Functional Rating Scale-Revised (ALSFRS-R)</a:t>
-            </a:r>
-          </a:p>
-          <a:p>
+            <a:pPr>
+              <a:lnSpc>
+                <a:spcPct val="150000"/>
+              </a:lnSpc>
+            </a:pPr>
+            <a:r>
+              <a:rPr lang="en-US" altLang="ko-KR" dirty="0" smtClean="0"/>
+              <a:t>Stage 1-4: loss of independence in a number of </a:t>
+            </a:r>
+            <a:r>
+              <a:rPr lang="en-US" altLang="ko-KR" dirty="0" smtClean="0"/>
+              <a:t>4 domains from </a:t>
+            </a:r>
+            <a:r>
+              <a:rPr lang="en-US" altLang="ko-KR" dirty="0" smtClean="0"/>
+              <a:t>ALS Functional Rating Scale-Revised (ALSFRS-R)</a:t>
+            </a:r>
+          </a:p>
+          <a:p>
+            <a:pPr>
+              <a:lnSpc>
+                <a:spcPct val="150000"/>
+              </a:lnSpc>
+            </a:pPr>
             <a:r>
               <a:rPr lang="en-US" altLang="ko-KR" dirty="0" smtClean="0"/>
               <a:t>Stage 5: death </a:t>
@@ -17378,7 +16791,7 @@
         </p:blipFill>
         <p:spPr>
           <a:xfrm>
-            <a:off x="0" y="4689389"/>
+            <a:off x="0" y="1016001"/>
             <a:ext cx="8483607" cy="2168611"/>
           </a:xfrm>
           <a:prstGeom prst="rect">
@@ -17416,64 +16829,9 @@
           <a:chExt cx="0" cy="0"/>
         </a:xfrm>
       </p:grpSpPr>
-      <p:sp>
-        <p:nvSpPr>
-          <p:cNvPr id="2" name="제목 1"/>
-          <p:cNvSpPr>
-            <a:spLocks noGrp="1"/>
-          </p:cNvSpPr>
-          <p:nvPr>
-            <p:ph type="title"/>
-          </p:nvPr>
-        </p:nvSpPr>
-        <p:spPr/>
-        <p:txBody>
-          <a:bodyPr>
-            <a:normAutofit fontScale="90000"/>
-          </a:bodyPr>
-          <a:lstStyle/>
-          <a:p>
-            <a:r>
-              <a:rPr lang="en-US" altLang="ko-KR" dirty="0" err="1" smtClean="0"/>
-              <a:t>MiToS</a:t>
-            </a:r>
-            <a:r>
-              <a:rPr lang="en-US" altLang="ko-KR" dirty="0" smtClean="0"/>
-              <a:t> </a:t>
-            </a:r>
-            <a:br>
-              <a:rPr lang="en-US" altLang="ko-KR" dirty="0" smtClean="0"/>
-            </a:br>
-            <a:r>
-              <a:rPr lang="en-US" altLang="ko-KR" dirty="0" smtClean="0"/>
-              <a:t>4 domains, 7 items, 5 stages</a:t>
-            </a:r>
-            <a:endParaRPr lang="ko-KR" altLang="en-US" dirty="0"/>
-          </a:p>
-        </p:txBody>
-      </p:sp>
-      <p:sp>
-        <p:nvSpPr>
-          <p:cNvPr id="3" name="내용 개체 틀 2"/>
-          <p:cNvSpPr>
-            <a:spLocks noGrp="1"/>
-          </p:cNvSpPr>
-          <p:nvPr>
-            <p:ph idx="1"/>
-          </p:nvPr>
-        </p:nvSpPr>
-        <p:spPr/>
-        <p:txBody>
-          <a:bodyPr/>
-          <a:lstStyle/>
-          <a:p>
-            <a:endParaRPr lang="ko-KR" altLang="en-US"/>
-          </a:p>
-        </p:txBody>
-      </p:sp>
       <p:pic>
         <p:nvPicPr>
-          <p:cNvPr id="6" name="그림 5"/>
+          <p:cNvPr id="5" name="그림 4"/>
           <p:cNvPicPr>
             <a:picLocks noChangeAspect="1"/>
           </p:cNvPicPr>
@@ -17487,8 +16845,8 @@
         </p:blipFill>
         <p:spPr>
           <a:xfrm>
-            <a:off x="2082532" y="1206500"/>
-            <a:ext cx="6962648" cy="5651500"/>
+            <a:off x="1320824" y="-1"/>
+            <a:ext cx="9686700" cy="6844495"/>
           </a:xfrm>
           <a:prstGeom prst="rect">
             <a:avLst/>
@@ -17525,33 +16883,72 @@
           <a:chExt cx="0" cy="0"/>
         </a:xfrm>
       </p:grpSpPr>
+      <p:grpSp>
+        <p:nvGrpSpPr>
+          <p:cNvPr id="10" name="그룹 9"/>
+          <p:cNvGrpSpPr/>
+          <p:nvPr/>
+        </p:nvGrpSpPr>
+        <p:grpSpPr>
+          <a:xfrm>
+            <a:off x="0" y="0"/>
+            <a:ext cx="8726118" cy="1449691"/>
+            <a:chOff x="0" y="0"/>
+            <a:chExt cx="8726118" cy="1449691"/>
+          </a:xfrm>
+        </p:grpSpPr>
+        <p:pic>
+          <p:nvPicPr>
+            <p:cNvPr id="4" name="그림 3"/>
+            <p:cNvPicPr>
+              <a:picLocks noChangeAspect="1"/>
+            </p:cNvPicPr>
+            <p:nvPr/>
+          </p:nvPicPr>
+          <p:blipFill>
+            <a:blip r:embed="rId2"/>
+            <a:stretch>
+              <a:fillRect/>
+            </a:stretch>
+          </p:blipFill>
+          <p:spPr>
+            <a:xfrm>
+              <a:off x="0" y="0"/>
+              <a:ext cx="8726118" cy="676369"/>
+            </a:xfrm>
+            <a:prstGeom prst="rect">
+              <a:avLst/>
+            </a:prstGeom>
+          </p:spPr>
+        </p:pic>
+        <p:pic>
+          <p:nvPicPr>
+            <p:cNvPr id="5" name="그림 4"/>
+            <p:cNvPicPr>
+              <a:picLocks noChangeAspect="1"/>
+            </p:cNvPicPr>
+            <p:nvPr/>
+          </p:nvPicPr>
+          <p:blipFill>
+            <a:blip r:embed="rId3"/>
+            <a:stretch>
+              <a:fillRect/>
+            </a:stretch>
+          </p:blipFill>
+          <p:spPr>
+            <a:xfrm>
+              <a:off x="0" y="676369"/>
+              <a:ext cx="8726118" cy="773322"/>
+            </a:xfrm>
+            <a:prstGeom prst="rect">
+              <a:avLst/>
+            </a:prstGeom>
+          </p:spPr>
+        </p:pic>
+      </p:grpSp>
       <p:pic>
         <p:nvPicPr>
-          <p:cNvPr id="4" name="그림 3"/>
-          <p:cNvPicPr>
-            <a:picLocks noChangeAspect="1"/>
-          </p:cNvPicPr>
-          <p:nvPr/>
-        </p:nvPicPr>
-        <p:blipFill>
-          <a:blip r:embed="rId3"/>
-          <a:stretch>
-            <a:fillRect/>
-          </a:stretch>
-        </p:blipFill>
-        <p:spPr>
-          <a:xfrm>
-            <a:off x="0" y="1641263"/>
-            <a:ext cx="5795429" cy="3550253"/>
-          </a:xfrm>
-          <a:prstGeom prst="rect">
-            <a:avLst/>
-          </a:prstGeom>
-        </p:spPr>
-      </p:pic>
-      <p:pic>
-        <p:nvPicPr>
-          <p:cNvPr id="5" name="그림 4"/>
+          <p:cNvPr id="7" name="그림 6"/>
           <p:cNvPicPr>
             <a:picLocks noChangeAspect="1"/>
           </p:cNvPicPr>
@@ -17565,18 +16962,1023 @@
         </p:blipFill>
         <p:spPr>
           <a:xfrm>
-            <a:off x="5872122" y="82119"/>
-            <a:ext cx="6142400" cy="6668543"/>
+            <a:off x="-19054" y="1976264"/>
+            <a:ext cx="8764224" cy="754223"/>
           </a:xfrm>
           <a:prstGeom prst="rect">
             <a:avLst/>
           </a:prstGeom>
         </p:spPr>
       </p:pic>
+      <p:grpSp>
+        <p:nvGrpSpPr>
+          <p:cNvPr id="12" name="그룹 11"/>
+          <p:cNvGrpSpPr/>
+          <p:nvPr/>
+        </p:nvGrpSpPr>
+        <p:grpSpPr>
+          <a:xfrm>
+            <a:off x="0" y="3257108"/>
+            <a:ext cx="8764223" cy="1510976"/>
+            <a:chOff x="0" y="3257108"/>
+            <a:chExt cx="8764223" cy="1510976"/>
+          </a:xfrm>
+        </p:grpSpPr>
+        <p:pic>
+          <p:nvPicPr>
+            <p:cNvPr id="8" name="그림 7"/>
+            <p:cNvPicPr>
+              <a:picLocks noChangeAspect="1"/>
+            </p:cNvPicPr>
+            <p:nvPr/>
+          </p:nvPicPr>
+          <p:blipFill>
+            <a:blip r:embed="rId5"/>
+            <a:stretch>
+              <a:fillRect/>
+            </a:stretch>
+          </p:blipFill>
+          <p:spPr>
+            <a:xfrm>
+              <a:off x="0" y="3257108"/>
+              <a:ext cx="8745170" cy="619211"/>
+            </a:xfrm>
+            <a:prstGeom prst="rect">
+              <a:avLst/>
+            </a:prstGeom>
+          </p:spPr>
+        </p:pic>
+        <p:pic>
+          <p:nvPicPr>
+            <p:cNvPr id="9" name="그림 8"/>
+            <p:cNvPicPr>
+              <a:picLocks noChangeAspect="1"/>
+            </p:cNvPicPr>
+            <p:nvPr/>
+          </p:nvPicPr>
+          <p:blipFill>
+            <a:blip r:embed="rId6"/>
+            <a:stretch>
+              <a:fillRect/>
+            </a:stretch>
+          </p:blipFill>
+          <p:spPr>
+            <a:xfrm>
+              <a:off x="0" y="3876319"/>
+              <a:ext cx="8764223" cy="891765"/>
+            </a:xfrm>
+            <a:prstGeom prst="rect">
+              <a:avLst/>
+            </a:prstGeom>
+          </p:spPr>
+        </p:pic>
+      </p:grpSp>
+      <p:grpSp>
+        <p:nvGrpSpPr>
+          <p:cNvPr id="15" name="그룹 14"/>
+          <p:cNvGrpSpPr/>
+          <p:nvPr/>
+        </p:nvGrpSpPr>
+        <p:grpSpPr>
+          <a:xfrm>
+            <a:off x="-23817" y="5104435"/>
+            <a:ext cx="8788040" cy="1753565"/>
+            <a:chOff x="-23817" y="5309584"/>
+            <a:chExt cx="8716591" cy="1548416"/>
+          </a:xfrm>
+        </p:grpSpPr>
+        <p:pic>
+          <p:nvPicPr>
+            <p:cNvPr id="13" name="그림 12"/>
+            <p:cNvPicPr>
+              <a:picLocks noChangeAspect="1"/>
+            </p:cNvPicPr>
+            <p:nvPr/>
+          </p:nvPicPr>
+          <p:blipFill>
+            <a:blip r:embed="rId7"/>
+            <a:stretch>
+              <a:fillRect/>
+            </a:stretch>
+          </p:blipFill>
+          <p:spPr>
+            <a:xfrm>
+              <a:off x="-19053" y="5309584"/>
+              <a:ext cx="8707065" cy="676369"/>
+            </a:xfrm>
+            <a:prstGeom prst="rect">
+              <a:avLst/>
+            </a:prstGeom>
+          </p:spPr>
+        </p:pic>
+        <p:pic>
+          <p:nvPicPr>
+            <p:cNvPr id="14" name="그림 13"/>
+            <p:cNvPicPr>
+              <a:picLocks noChangeAspect="1"/>
+            </p:cNvPicPr>
+            <p:nvPr/>
+          </p:nvPicPr>
+          <p:blipFill>
+            <a:blip r:embed="rId8"/>
+            <a:stretch>
+              <a:fillRect/>
+            </a:stretch>
+          </p:blipFill>
+          <p:spPr>
+            <a:xfrm>
+              <a:off x="-23817" y="5952999"/>
+              <a:ext cx="8716591" cy="905001"/>
+            </a:xfrm>
+            <a:prstGeom prst="rect">
+              <a:avLst/>
+            </a:prstGeom>
+          </p:spPr>
+        </p:pic>
+      </p:grpSp>
+      <p:sp>
+        <p:nvSpPr>
+          <p:cNvPr id="16" name="직사각형 15"/>
+          <p:cNvSpPr/>
+          <p:nvPr/>
+        </p:nvSpPr>
+        <p:spPr>
+          <a:xfrm>
+            <a:off x="5289630" y="0"/>
+            <a:ext cx="3455540" cy="676369"/>
+          </a:xfrm>
+          <a:prstGeom prst="rect">
+            <a:avLst/>
+          </a:prstGeom>
+          <a:noFill/>
+          <a:ln w="28575">
+            <a:solidFill>
+              <a:srgbClr val="FF0000"/>
+            </a:solidFill>
+          </a:ln>
+        </p:spPr>
+        <p:style>
+          <a:lnRef idx="2">
+            <a:schemeClr val="accent1">
+              <a:shade val="50000"/>
+            </a:schemeClr>
+          </a:lnRef>
+          <a:fillRef idx="1">
+            <a:schemeClr val="accent1"/>
+          </a:fillRef>
+          <a:effectRef idx="0">
+            <a:schemeClr val="accent1"/>
+          </a:effectRef>
+          <a:fontRef idx="minor">
+            <a:schemeClr val="lt1"/>
+          </a:fontRef>
+        </p:style>
+        <p:txBody>
+          <a:bodyPr rtlCol="0" anchor="ctr"/>
+          <a:lstStyle/>
+          <a:p>
+            <a:pPr algn="ctr"/>
+            <a:endParaRPr lang="ko-KR" altLang="en-US"/>
+          </a:p>
+        </p:txBody>
+      </p:sp>
+      <p:sp>
+        <p:nvSpPr>
+          <p:cNvPr id="17" name="직사각형 16"/>
+          <p:cNvSpPr/>
+          <p:nvPr/>
+        </p:nvSpPr>
+        <p:spPr>
+          <a:xfrm>
+            <a:off x="5289630" y="691250"/>
+            <a:ext cx="3469792" cy="758393"/>
+          </a:xfrm>
+          <a:prstGeom prst="rect">
+            <a:avLst/>
+          </a:prstGeom>
+          <a:noFill/>
+          <a:ln w="28575">
+            <a:solidFill>
+              <a:srgbClr val="FF0000"/>
+            </a:solidFill>
+          </a:ln>
+        </p:spPr>
+        <p:style>
+          <a:lnRef idx="2">
+            <a:schemeClr val="accent1">
+              <a:shade val="50000"/>
+            </a:schemeClr>
+          </a:lnRef>
+          <a:fillRef idx="1">
+            <a:schemeClr val="accent1"/>
+          </a:fillRef>
+          <a:effectRef idx="0">
+            <a:schemeClr val="accent1"/>
+          </a:effectRef>
+          <a:fontRef idx="minor">
+            <a:schemeClr val="lt1"/>
+          </a:fontRef>
+        </p:style>
+        <p:txBody>
+          <a:bodyPr rtlCol="0" anchor="ctr"/>
+          <a:lstStyle/>
+          <a:p>
+            <a:pPr algn="ctr"/>
+            <a:endParaRPr lang="ko-KR" altLang="en-US"/>
+          </a:p>
+        </p:txBody>
+      </p:sp>
+      <p:sp>
+        <p:nvSpPr>
+          <p:cNvPr id="18" name="직사각형 17"/>
+          <p:cNvSpPr/>
+          <p:nvPr/>
+        </p:nvSpPr>
+        <p:spPr>
+          <a:xfrm>
+            <a:off x="5303882" y="3257060"/>
+            <a:ext cx="3455540" cy="634255"/>
+          </a:xfrm>
+          <a:prstGeom prst="rect">
+            <a:avLst/>
+          </a:prstGeom>
+          <a:noFill/>
+          <a:ln w="28575">
+            <a:solidFill>
+              <a:srgbClr val="FF0000"/>
+            </a:solidFill>
+          </a:ln>
+        </p:spPr>
+        <p:style>
+          <a:lnRef idx="2">
+            <a:schemeClr val="accent1">
+              <a:shade val="50000"/>
+            </a:schemeClr>
+          </a:lnRef>
+          <a:fillRef idx="1">
+            <a:schemeClr val="accent1"/>
+          </a:fillRef>
+          <a:effectRef idx="0">
+            <a:schemeClr val="accent1"/>
+          </a:effectRef>
+          <a:fontRef idx="minor">
+            <a:schemeClr val="lt1"/>
+          </a:fontRef>
+        </p:style>
+        <p:txBody>
+          <a:bodyPr rtlCol="0" anchor="ctr"/>
+          <a:lstStyle/>
+          <a:p>
+            <a:pPr algn="ctr"/>
+            <a:endParaRPr lang="ko-KR" altLang="en-US"/>
+          </a:p>
+        </p:txBody>
+      </p:sp>
+      <p:sp>
+        <p:nvSpPr>
+          <p:cNvPr id="19" name="직사각형 18"/>
+          <p:cNvSpPr/>
+          <p:nvPr/>
+        </p:nvSpPr>
+        <p:spPr>
+          <a:xfrm>
+            <a:off x="5303882" y="3910157"/>
+            <a:ext cx="3455540" cy="857927"/>
+          </a:xfrm>
+          <a:prstGeom prst="rect">
+            <a:avLst/>
+          </a:prstGeom>
+          <a:noFill/>
+          <a:ln w="28575">
+            <a:solidFill>
+              <a:srgbClr val="FF0000"/>
+            </a:solidFill>
+          </a:ln>
+        </p:spPr>
+        <p:style>
+          <a:lnRef idx="2">
+            <a:schemeClr val="accent1">
+              <a:shade val="50000"/>
+            </a:schemeClr>
+          </a:lnRef>
+          <a:fillRef idx="1">
+            <a:schemeClr val="accent1"/>
+          </a:fillRef>
+          <a:effectRef idx="0">
+            <a:schemeClr val="accent1"/>
+          </a:effectRef>
+          <a:fontRef idx="minor">
+            <a:schemeClr val="lt1"/>
+          </a:fontRef>
+        </p:style>
+        <p:txBody>
+          <a:bodyPr rtlCol="0" anchor="ctr"/>
+          <a:lstStyle/>
+          <a:p>
+            <a:pPr algn="ctr"/>
+            <a:endParaRPr lang="ko-KR" altLang="en-US"/>
+          </a:p>
+        </p:txBody>
+      </p:sp>
+      <p:sp>
+        <p:nvSpPr>
+          <p:cNvPr id="20" name="직사각형 19"/>
+          <p:cNvSpPr/>
+          <p:nvPr/>
+        </p:nvSpPr>
+        <p:spPr>
+          <a:xfrm>
+            <a:off x="3599727" y="5833096"/>
+            <a:ext cx="5169299" cy="1024904"/>
+          </a:xfrm>
+          <a:prstGeom prst="rect">
+            <a:avLst/>
+          </a:prstGeom>
+          <a:noFill/>
+          <a:ln w="28575">
+            <a:solidFill>
+              <a:srgbClr val="FF0000"/>
+            </a:solidFill>
+          </a:ln>
+        </p:spPr>
+        <p:style>
+          <a:lnRef idx="2">
+            <a:schemeClr val="accent1">
+              <a:shade val="50000"/>
+            </a:schemeClr>
+          </a:lnRef>
+          <a:fillRef idx="1">
+            <a:schemeClr val="accent1"/>
+          </a:fillRef>
+          <a:effectRef idx="0">
+            <a:schemeClr val="accent1"/>
+          </a:effectRef>
+          <a:fontRef idx="minor">
+            <a:schemeClr val="lt1"/>
+          </a:fontRef>
+        </p:style>
+        <p:txBody>
+          <a:bodyPr rtlCol="0" anchor="ctr"/>
+          <a:lstStyle/>
+          <a:p>
+            <a:pPr algn="ctr"/>
+            <a:endParaRPr lang="ko-KR" altLang="en-US"/>
+          </a:p>
+        </p:txBody>
+      </p:sp>
+      <p:sp>
+        <p:nvSpPr>
+          <p:cNvPr id="26" name="직사각형 25"/>
+          <p:cNvSpPr/>
+          <p:nvPr/>
+        </p:nvSpPr>
+        <p:spPr>
+          <a:xfrm>
+            <a:off x="5289630" y="5119431"/>
+            <a:ext cx="3479396" cy="713665"/>
+          </a:xfrm>
+          <a:prstGeom prst="rect">
+            <a:avLst/>
+          </a:prstGeom>
+          <a:noFill/>
+          <a:ln w="28575">
+            <a:solidFill>
+              <a:srgbClr val="FF0000"/>
+            </a:solidFill>
+          </a:ln>
+        </p:spPr>
+        <p:style>
+          <a:lnRef idx="2">
+            <a:schemeClr val="accent1">
+              <a:shade val="50000"/>
+            </a:schemeClr>
+          </a:lnRef>
+          <a:fillRef idx="1">
+            <a:schemeClr val="accent1"/>
+          </a:fillRef>
+          <a:effectRef idx="0">
+            <a:schemeClr val="accent1"/>
+          </a:effectRef>
+          <a:fontRef idx="minor">
+            <a:schemeClr val="lt1"/>
+          </a:fontRef>
+        </p:style>
+        <p:txBody>
+          <a:bodyPr rtlCol="0" anchor="ctr"/>
+          <a:lstStyle/>
+          <a:p>
+            <a:pPr algn="ctr"/>
+            <a:endParaRPr lang="ko-KR" altLang="en-US"/>
+          </a:p>
+        </p:txBody>
+      </p:sp>
+      <p:sp>
+        <p:nvSpPr>
+          <p:cNvPr id="27" name="TextBox 26"/>
+          <p:cNvSpPr txBox="1"/>
+          <p:nvPr/>
+        </p:nvSpPr>
+        <p:spPr>
+          <a:xfrm>
+            <a:off x="8854633" y="506584"/>
+            <a:ext cx="995423" cy="369332"/>
+          </a:xfrm>
+          <a:prstGeom prst="rect">
+            <a:avLst/>
+          </a:prstGeom>
+          <a:noFill/>
+        </p:spPr>
+        <p:txBody>
+          <a:bodyPr wrap="square" rtlCol="0">
+            <a:spAutoFit/>
+          </a:bodyPr>
+          <a:lstStyle/>
+          <a:p>
+            <a:r>
+              <a:rPr lang="en-US" altLang="ko-KR" dirty="0" smtClean="0"/>
+              <a:t>OR</a:t>
+            </a:r>
+            <a:endParaRPr lang="ko-KR" altLang="en-US" dirty="0"/>
+          </a:p>
+        </p:txBody>
+      </p:sp>
+      <p:sp>
+        <p:nvSpPr>
+          <p:cNvPr id="28" name="TextBox 27"/>
+          <p:cNvSpPr txBox="1"/>
+          <p:nvPr/>
+        </p:nvSpPr>
+        <p:spPr>
+          <a:xfrm>
+            <a:off x="8854633" y="5648430"/>
+            <a:ext cx="995423" cy="369332"/>
+          </a:xfrm>
+          <a:prstGeom prst="rect">
+            <a:avLst/>
+          </a:prstGeom>
+          <a:noFill/>
+        </p:spPr>
+        <p:txBody>
+          <a:bodyPr wrap="square" rtlCol="0">
+            <a:spAutoFit/>
+          </a:bodyPr>
+          <a:lstStyle/>
+          <a:p>
+            <a:r>
+              <a:rPr lang="en-US" altLang="ko-KR" dirty="0" smtClean="0"/>
+              <a:t>OR</a:t>
+            </a:r>
+            <a:endParaRPr lang="ko-KR" altLang="en-US" dirty="0"/>
+          </a:p>
+        </p:txBody>
+      </p:sp>
+      <p:sp>
+        <p:nvSpPr>
+          <p:cNvPr id="29" name="TextBox 28"/>
+          <p:cNvSpPr txBox="1"/>
+          <p:nvPr/>
+        </p:nvSpPr>
+        <p:spPr>
+          <a:xfrm>
+            <a:off x="8854633" y="3706649"/>
+            <a:ext cx="995423" cy="369332"/>
+          </a:xfrm>
+          <a:prstGeom prst="rect">
+            <a:avLst/>
+          </a:prstGeom>
+          <a:noFill/>
+        </p:spPr>
+        <p:txBody>
+          <a:bodyPr wrap="square" rtlCol="0">
+            <a:spAutoFit/>
+          </a:bodyPr>
+          <a:lstStyle/>
+          <a:p>
+            <a:r>
+              <a:rPr lang="en-US" altLang="ko-KR" dirty="0" smtClean="0"/>
+              <a:t>AND</a:t>
+            </a:r>
+            <a:endParaRPr lang="ko-KR" altLang="en-US" dirty="0"/>
+          </a:p>
+        </p:txBody>
+      </p:sp>
+      <p:grpSp>
+        <p:nvGrpSpPr>
+          <p:cNvPr id="48" name="그룹 47"/>
+          <p:cNvGrpSpPr/>
+          <p:nvPr/>
+        </p:nvGrpSpPr>
+        <p:grpSpPr>
+          <a:xfrm>
+            <a:off x="8792882" y="3553451"/>
+            <a:ext cx="330089" cy="713412"/>
+            <a:chOff x="8745170" y="326713"/>
+            <a:chExt cx="330089" cy="713412"/>
+          </a:xfrm>
+        </p:grpSpPr>
+        <p:cxnSp>
+          <p:nvCxnSpPr>
+            <p:cNvPr id="35" name="직선 연결선 34"/>
+            <p:cNvCxnSpPr>
+              <a:stCxn id="16" idx="3"/>
+            </p:cNvCxnSpPr>
+            <p:nvPr/>
+          </p:nvCxnSpPr>
+          <p:spPr>
+            <a:xfrm>
+              <a:off x="8745170" y="338185"/>
+              <a:ext cx="306233" cy="1718"/>
+            </a:xfrm>
+            <a:prstGeom prst="line">
+              <a:avLst/>
+            </a:prstGeom>
+            <a:ln w="28575">
+              <a:solidFill>
+                <a:srgbClr val="FF0000"/>
+              </a:solidFill>
+            </a:ln>
+          </p:spPr>
+          <p:style>
+            <a:lnRef idx="1">
+              <a:schemeClr val="accent1"/>
+            </a:lnRef>
+            <a:fillRef idx="0">
+              <a:schemeClr val="accent1"/>
+            </a:fillRef>
+            <a:effectRef idx="0">
+              <a:schemeClr val="accent1"/>
+            </a:effectRef>
+            <a:fontRef idx="minor">
+              <a:schemeClr val="tx1"/>
+            </a:fontRef>
+          </p:style>
+        </p:cxnSp>
+        <p:cxnSp>
+          <p:nvCxnSpPr>
+            <p:cNvPr id="37" name="직선 연결선 36"/>
+            <p:cNvCxnSpPr/>
+            <p:nvPr/>
+          </p:nvCxnSpPr>
+          <p:spPr>
+            <a:xfrm>
+              <a:off x="8769026" y="1033541"/>
+              <a:ext cx="306233" cy="1718"/>
+            </a:xfrm>
+            <a:prstGeom prst="line">
+              <a:avLst/>
+            </a:prstGeom>
+            <a:ln w="28575">
+              <a:solidFill>
+                <a:srgbClr val="FF0000"/>
+              </a:solidFill>
+            </a:ln>
+          </p:spPr>
+          <p:style>
+            <a:lnRef idx="1">
+              <a:schemeClr val="accent1"/>
+            </a:lnRef>
+            <a:fillRef idx="0">
+              <a:schemeClr val="accent1"/>
+            </a:fillRef>
+            <a:effectRef idx="0">
+              <a:schemeClr val="accent1"/>
+            </a:effectRef>
+            <a:fontRef idx="minor">
+              <a:schemeClr val="tx1"/>
+            </a:fontRef>
+          </p:style>
+        </p:cxnSp>
+        <p:cxnSp>
+          <p:nvCxnSpPr>
+            <p:cNvPr id="42" name="직선 연결선 41"/>
+            <p:cNvCxnSpPr/>
+            <p:nvPr/>
+          </p:nvCxnSpPr>
+          <p:spPr>
+            <a:xfrm>
+              <a:off x="9052449" y="326713"/>
+              <a:ext cx="0" cy="235595"/>
+            </a:xfrm>
+            <a:prstGeom prst="line">
+              <a:avLst/>
+            </a:prstGeom>
+            <a:ln w="28575">
+              <a:solidFill>
+                <a:srgbClr val="FF0000"/>
+              </a:solidFill>
+            </a:ln>
+          </p:spPr>
+          <p:style>
+            <a:lnRef idx="1">
+              <a:schemeClr val="accent1"/>
+            </a:lnRef>
+            <a:fillRef idx="0">
+              <a:schemeClr val="accent1"/>
+            </a:fillRef>
+            <a:effectRef idx="0">
+              <a:schemeClr val="accent1"/>
+            </a:effectRef>
+            <a:fontRef idx="minor">
+              <a:schemeClr val="tx1"/>
+            </a:fontRef>
+          </p:style>
+        </p:cxnSp>
+        <p:cxnSp>
+          <p:nvCxnSpPr>
+            <p:cNvPr id="44" name="직선 연결선 43"/>
+            <p:cNvCxnSpPr/>
+            <p:nvPr/>
+          </p:nvCxnSpPr>
+          <p:spPr>
+            <a:xfrm>
+              <a:off x="9058818" y="827022"/>
+              <a:ext cx="0" cy="213103"/>
+            </a:xfrm>
+            <a:prstGeom prst="line">
+              <a:avLst/>
+            </a:prstGeom>
+            <a:ln w="28575">
+              <a:solidFill>
+                <a:srgbClr val="FF0000"/>
+              </a:solidFill>
+            </a:ln>
+          </p:spPr>
+          <p:style>
+            <a:lnRef idx="1">
+              <a:schemeClr val="accent1"/>
+            </a:lnRef>
+            <a:fillRef idx="0">
+              <a:schemeClr val="accent1"/>
+            </a:fillRef>
+            <a:effectRef idx="0">
+              <a:schemeClr val="accent1"/>
+            </a:effectRef>
+            <a:fontRef idx="minor">
+              <a:schemeClr val="tx1"/>
+            </a:fontRef>
+          </p:style>
+        </p:cxnSp>
+      </p:grpSp>
+      <p:grpSp>
+        <p:nvGrpSpPr>
+          <p:cNvPr id="49" name="그룹 48"/>
+          <p:cNvGrpSpPr/>
+          <p:nvPr/>
+        </p:nvGrpSpPr>
+        <p:grpSpPr>
+          <a:xfrm>
+            <a:off x="8792882" y="5476263"/>
+            <a:ext cx="330089" cy="713412"/>
+            <a:chOff x="8745170" y="326713"/>
+            <a:chExt cx="330089" cy="713412"/>
+          </a:xfrm>
+        </p:grpSpPr>
+        <p:cxnSp>
+          <p:nvCxnSpPr>
+            <p:cNvPr id="50" name="직선 연결선 49"/>
+            <p:cNvCxnSpPr/>
+            <p:nvPr/>
+          </p:nvCxnSpPr>
+          <p:spPr>
+            <a:xfrm>
+              <a:off x="8745170" y="338185"/>
+              <a:ext cx="306233" cy="1718"/>
+            </a:xfrm>
+            <a:prstGeom prst="line">
+              <a:avLst/>
+            </a:prstGeom>
+            <a:ln w="28575">
+              <a:solidFill>
+                <a:srgbClr val="FF0000"/>
+              </a:solidFill>
+            </a:ln>
+          </p:spPr>
+          <p:style>
+            <a:lnRef idx="1">
+              <a:schemeClr val="accent1"/>
+            </a:lnRef>
+            <a:fillRef idx="0">
+              <a:schemeClr val="accent1"/>
+            </a:fillRef>
+            <a:effectRef idx="0">
+              <a:schemeClr val="accent1"/>
+            </a:effectRef>
+            <a:fontRef idx="minor">
+              <a:schemeClr val="tx1"/>
+            </a:fontRef>
+          </p:style>
+        </p:cxnSp>
+        <p:cxnSp>
+          <p:nvCxnSpPr>
+            <p:cNvPr id="51" name="직선 연결선 50"/>
+            <p:cNvCxnSpPr/>
+            <p:nvPr/>
+          </p:nvCxnSpPr>
+          <p:spPr>
+            <a:xfrm>
+              <a:off x="8769026" y="1033541"/>
+              <a:ext cx="306233" cy="1718"/>
+            </a:xfrm>
+            <a:prstGeom prst="line">
+              <a:avLst/>
+            </a:prstGeom>
+            <a:ln w="28575">
+              <a:solidFill>
+                <a:srgbClr val="FF0000"/>
+              </a:solidFill>
+            </a:ln>
+          </p:spPr>
+          <p:style>
+            <a:lnRef idx="1">
+              <a:schemeClr val="accent1"/>
+            </a:lnRef>
+            <a:fillRef idx="0">
+              <a:schemeClr val="accent1"/>
+            </a:fillRef>
+            <a:effectRef idx="0">
+              <a:schemeClr val="accent1"/>
+            </a:effectRef>
+            <a:fontRef idx="minor">
+              <a:schemeClr val="tx1"/>
+            </a:fontRef>
+          </p:style>
+        </p:cxnSp>
+        <p:cxnSp>
+          <p:nvCxnSpPr>
+            <p:cNvPr id="52" name="직선 연결선 51"/>
+            <p:cNvCxnSpPr/>
+            <p:nvPr/>
+          </p:nvCxnSpPr>
+          <p:spPr>
+            <a:xfrm>
+              <a:off x="9052449" y="326713"/>
+              <a:ext cx="0" cy="235595"/>
+            </a:xfrm>
+            <a:prstGeom prst="line">
+              <a:avLst/>
+            </a:prstGeom>
+            <a:ln w="28575">
+              <a:solidFill>
+                <a:srgbClr val="FF0000"/>
+              </a:solidFill>
+            </a:ln>
+          </p:spPr>
+          <p:style>
+            <a:lnRef idx="1">
+              <a:schemeClr val="accent1"/>
+            </a:lnRef>
+            <a:fillRef idx="0">
+              <a:schemeClr val="accent1"/>
+            </a:fillRef>
+            <a:effectRef idx="0">
+              <a:schemeClr val="accent1"/>
+            </a:effectRef>
+            <a:fontRef idx="minor">
+              <a:schemeClr val="tx1"/>
+            </a:fontRef>
+          </p:style>
+        </p:cxnSp>
+        <p:cxnSp>
+          <p:nvCxnSpPr>
+            <p:cNvPr id="53" name="직선 연결선 52"/>
+            <p:cNvCxnSpPr/>
+            <p:nvPr/>
+          </p:nvCxnSpPr>
+          <p:spPr>
+            <a:xfrm>
+              <a:off x="9058818" y="827022"/>
+              <a:ext cx="0" cy="213103"/>
+            </a:xfrm>
+            <a:prstGeom prst="line">
+              <a:avLst/>
+            </a:prstGeom>
+            <a:ln w="28575">
+              <a:solidFill>
+                <a:srgbClr val="FF0000"/>
+              </a:solidFill>
+            </a:ln>
+          </p:spPr>
+          <p:style>
+            <a:lnRef idx="1">
+              <a:schemeClr val="accent1"/>
+            </a:lnRef>
+            <a:fillRef idx="0">
+              <a:schemeClr val="accent1"/>
+            </a:fillRef>
+            <a:effectRef idx="0">
+              <a:schemeClr val="accent1"/>
+            </a:effectRef>
+            <a:fontRef idx="minor">
+              <a:schemeClr val="tx1"/>
+            </a:fontRef>
+          </p:style>
+        </p:cxnSp>
+      </p:grpSp>
+      <p:grpSp>
+        <p:nvGrpSpPr>
+          <p:cNvPr id="54" name="그룹 53"/>
+          <p:cNvGrpSpPr/>
+          <p:nvPr/>
+        </p:nvGrpSpPr>
+        <p:grpSpPr>
+          <a:xfrm>
+            <a:off x="8781947" y="349618"/>
+            <a:ext cx="330089" cy="713412"/>
+            <a:chOff x="8745170" y="326713"/>
+            <a:chExt cx="330089" cy="713412"/>
+          </a:xfrm>
+        </p:grpSpPr>
+        <p:cxnSp>
+          <p:nvCxnSpPr>
+            <p:cNvPr id="55" name="직선 연결선 54"/>
+            <p:cNvCxnSpPr/>
+            <p:nvPr/>
+          </p:nvCxnSpPr>
+          <p:spPr>
+            <a:xfrm>
+              <a:off x="8745170" y="338185"/>
+              <a:ext cx="306233" cy="1718"/>
+            </a:xfrm>
+            <a:prstGeom prst="line">
+              <a:avLst/>
+            </a:prstGeom>
+            <a:ln w="28575">
+              <a:solidFill>
+                <a:srgbClr val="FF0000"/>
+              </a:solidFill>
+            </a:ln>
+          </p:spPr>
+          <p:style>
+            <a:lnRef idx="1">
+              <a:schemeClr val="accent1"/>
+            </a:lnRef>
+            <a:fillRef idx="0">
+              <a:schemeClr val="accent1"/>
+            </a:fillRef>
+            <a:effectRef idx="0">
+              <a:schemeClr val="accent1"/>
+            </a:effectRef>
+            <a:fontRef idx="minor">
+              <a:schemeClr val="tx1"/>
+            </a:fontRef>
+          </p:style>
+        </p:cxnSp>
+        <p:cxnSp>
+          <p:nvCxnSpPr>
+            <p:cNvPr id="56" name="직선 연결선 55"/>
+            <p:cNvCxnSpPr/>
+            <p:nvPr/>
+          </p:nvCxnSpPr>
+          <p:spPr>
+            <a:xfrm>
+              <a:off x="8769026" y="1033541"/>
+              <a:ext cx="306233" cy="1718"/>
+            </a:xfrm>
+            <a:prstGeom prst="line">
+              <a:avLst/>
+            </a:prstGeom>
+            <a:ln w="28575">
+              <a:solidFill>
+                <a:srgbClr val="FF0000"/>
+              </a:solidFill>
+            </a:ln>
+          </p:spPr>
+          <p:style>
+            <a:lnRef idx="1">
+              <a:schemeClr val="accent1"/>
+            </a:lnRef>
+            <a:fillRef idx="0">
+              <a:schemeClr val="accent1"/>
+            </a:fillRef>
+            <a:effectRef idx="0">
+              <a:schemeClr val="accent1"/>
+            </a:effectRef>
+            <a:fontRef idx="minor">
+              <a:schemeClr val="tx1"/>
+            </a:fontRef>
+          </p:style>
+        </p:cxnSp>
+        <p:cxnSp>
+          <p:nvCxnSpPr>
+            <p:cNvPr id="57" name="직선 연결선 56"/>
+            <p:cNvCxnSpPr/>
+            <p:nvPr/>
+          </p:nvCxnSpPr>
+          <p:spPr>
+            <a:xfrm>
+              <a:off x="9052449" y="326713"/>
+              <a:ext cx="0" cy="235595"/>
+            </a:xfrm>
+            <a:prstGeom prst="line">
+              <a:avLst/>
+            </a:prstGeom>
+            <a:ln w="28575">
+              <a:solidFill>
+                <a:srgbClr val="FF0000"/>
+              </a:solidFill>
+            </a:ln>
+          </p:spPr>
+          <p:style>
+            <a:lnRef idx="1">
+              <a:schemeClr val="accent1"/>
+            </a:lnRef>
+            <a:fillRef idx="0">
+              <a:schemeClr val="accent1"/>
+            </a:fillRef>
+            <a:effectRef idx="0">
+              <a:schemeClr val="accent1"/>
+            </a:effectRef>
+            <a:fontRef idx="minor">
+              <a:schemeClr val="tx1"/>
+            </a:fontRef>
+          </p:style>
+        </p:cxnSp>
+        <p:cxnSp>
+          <p:nvCxnSpPr>
+            <p:cNvPr id="58" name="직선 연결선 57"/>
+            <p:cNvCxnSpPr/>
+            <p:nvPr/>
+          </p:nvCxnSpPr>
+          <p:spPr>
+            <a:xfrm>
+              <a:off x="9058818" y="827022"/>
+              <a:ext cx="0" cy="213103"/>
+            </a:xfrm>
+            <a:prstGeom prst="line">
+              <a:avLst/>
+            </a:prstGeom>
+            <a:ln w="28575">
+              <a:solidFill>
+                <a:srgbClr val="FF0000"/>
+              </a:solidFill>
+            </a:ln>
+          </p:spPr>
+          <p:style>
+            <a:lnRef idx="1">
+              <a:schemeClr val="accent1"/>
+            </a:lnRef>
+            <a:fillRef idx="0">
+              <a:schemeClr val="accent1"/>
+            </a:fillRef>
+            <a:effectRef idx="0">
+              <a:schemeClr val="accent1"/>
+            </a:effectRef>
+            <a:fontRef idx="minor">
+              <a:schemeClr val="tx1"/>
+            </a:fontRef>
+          </p:style>
+        </p:cxnSp>
+      </p:grpSp>
+      <p:sp>
+        <p:nvSpPr>
+          <p:cNvPr id="59" name="직사각형 58"/>
+          <p:cNvSpPr/>
+          <p:nvPr/>
+        </p:nvSpPr>
+        <p:spPr>
+          <a:xfrm>
+            <a:off x="5299234" y="2001520"/>
+            <a:ext cx="3469792" cy="758393"/>
+          </a:xfrm>
+          <a:prstGeom prst="rect">
+            <a:avLst/>
+          </a:prstGeom>
+          <a:noFill/>
+          <a:ln w="28575">
+            <a:solidFill>
+              <a:srgbClr val="FF0000"/>
+            </a:solidFill>
+          </a:ln>
+        </p:spPr>
+        <p:style>
+          <a:lnRef idx="2">
+            <a:schemeClr val="accent1">
+              <a:shade val="50000"/>
+            </a:schemeClr>
+          </a:lnRef>
+          <a:fillRef idx="1">
+            <a:schemeClr val="accent1"/>
+          </a:fillRef>
+          <a:effectRef idx="0">
+            <a:schemeClr val="accent1"/>
+          </a:effectRef>
+          <a:fontRef idx="minor">
+            <a:schemeClr val="lt1"/>
+          </a:fontRef>
+        </p:style>
+        <p:txBody>
+          <a:bodyPr rtlCol="0" anchor="ctr"/>
+          <a:lstStyle/>
+          <a:p>
+            <a:pPr algn="ctr"/>
+            <a:endParaRPr lang="ko-KR" altLang="en-US"/>
+          </a:p>
+        </p:txBody>
+      </p:sp>
     </p:spTree>
     <p:extLst>
       <p:ext uri="{BB962C8B-B14F-4D97-AF65-F5344CB8AC3E}">
-        <p14:creationId xmlns:p14="http://schemas.microsoft.com/office/powerpoint/2010/main" val="1043977859"/>
+        <p14:creationId xmlns:p14="http://schemas.microsoft.com/office/powerpoint/2010/main" val="2652937802"/>
       </p:ext>
     </p:extLst>
   </p:cSld>

--- a/SNUH 심포지엄-유일한.pptx
+++ b/SNUH 심포지엄-유일한.pptx
@@ -214,7 +214,7 @@
           <a:p>
             <a:fld id="{E8FBBB6A-BE53-4BF0-B17E-892FAA57C2D4}" type="datetimeFigureOut">
               <a:rPr lang="ko-KR" altLang="en-US" smtClean="0"/>
-              <a:t>2021-08-19</a:t>
+              <a:t>2021-08-27</a:t>
             </a:fld>
             <a:endParaRPr lang="ko-KR" altLang="en-US"/>
           </a:p>
@@ -5362,36 +5362,20 @@
               <a:t> 따라 </a:t>
             </a:r>
             <a:r>
-              <a:rPr lang="ko-KR" altLang="en-US" dirty="0" err="1" smtClean="0"/>
-              <a:t>분류해서비슷한</a:t>
-            </a:r>
-            <a:r>
               <a:rPr lang="ko-KR" altLang="en-US" dirty="0" smtClean="0"/>
-              <a:t> 치료가 필요하고 비슷한 예후가 </a:t>
-            </a:r>
-            <a:r>
-              <a:rPr lang="ko-KR" altLang="en-US" dirty="0" err="1" smtClean="0"/>
-              <a:t>예쌍뙤는</a:t>
+              <a:t>분류해서 비슷한 </a:t>
             </a:r>
             <a:r>
               <a:rPr lang="ko-KR" altLang="en-US" dirty="0" smtClean="0"/>
-              <a:t> </a:t>
-            </a:r>
-            <a:r>
-              <a:rPr lang="ko-KR" altLang="en-US" dirty="0" err="1" smtClean="0"/>
-              <a:t>환짜뜰을</a:t>
+              <a:t>치료가 필요하고 비슷한 예후가 </a:t>
             </a:r>
             <a:r>
               <a:rPr lang="ko-KR" altLang="en-US" dirty="0" smtClean="0"/>
-              <a:t> </a:t>
-            </a:r>
-            <a:r>
-              <a:rPr lang="en-US" altLang="ko-KR" dirty="0" smtClean="0"/>
-              <a:t>CLUSTER</a:t>
+              <a:t>예상되는 환자들을 모아서 </a:t>
             </a:r>
             <a:r>
               <a:rPr lang="ko-KR" altLang="en-US" dirty="0" smtClean="0"/>
-              <a:t>해서 분류했습니다</a:t>
+              <a:t>분류했습니다</a:t>
             </a:r>
             <a:r>
               <a:rPr lang="en-US" altLang="ko-KR" dirty="0" smtClean="0"/>
@@ -5420,11 +5404,19 @@
             </a:r>
             <a:r>
               <a:rPr lang="ko-KR" altLang="en-US" baseline="0" dirty="0" smtClean="0"/>
-              <a:t>에 대해 발표한 논문인데 여기서는 </a:t>
-            </a:r>
-            <a:r>
-              <a:rPr lang="en-US" altLang="ko-KR" baseline="0" dirty="0" smtClean="0"/>
-              <a:t>disease staging</a:t>
+              <a:t>에 대해 발표한 </a:t>
+            </a:r>
+            <a:r>
+              <a:rPr lang="ko-KR" altLang="en-US" baseline="0" dirty="0" smtClean="0"/>
+              <a:t>논문에 따르면 </a:t>
+            </a:r>
+            <a:r>
+              <a:rPr lang="en-US" altLang="ko-KR" baseline="0" dirty="0" smtClean="0"/>
+              <a:t>disease </a:t>
+            </a:r>
+            <a:r>
+              <a:rPr lang="en-US" altLang="ko-KR" baseline="0" dirty="0" smtClean="0"/>
+              <a:t>staging</a:t>
             </a:r>
             <a:r>
               <a:rPr lang="ko-KR" altLang="en-US" baseline="0" dirty="0" smtClean="0"/>
@@ -5456,7 +5448,15 @@
             </a:r>
             <a:r>
               <a:rPr lang="ko-KR" altLang="en-US" baseline="0" dirty="0" smtClean="0"/>
-              <a:t>등을 예측하고 불필요한 비용을 최소화 하고 병원의 이익을 높이는데 유용하다고 하였습니다</a:t>
+              <a:t>등을 예측하고 불필요한 비용을 최소화 </a:t>
+            </a:r>
+            <a:r>
+              <a:rPr lang="ko-KR" altLang="en-US" baseline="0" dirty="0" smtClean="0"/>
+              <a:t>하여 </a:t>
+            </a:r>
+            <a:r>
+              <a:rPr lang="ko-KR" altLang="en-US" baseline="0" dirty="0" smtClean="0"/>
+              <a:t>병원의 이익을 높이는데 유용하다고 하였습니다</a:t>
             </a:r>
             <a:r>
               <a:rPr lang="en-US" altLang="ko-KR" baseline="0" dirty="0" smtClean="0"/>
@@ -5464,15 +5464,19 @@
             </a:r>
             <a:r>
               <a:rPr lang="ko-KR" altLang="en-US" baseline="0" dirty="0" smtClean="0"/>
-              <a:t>초기에 </a:t>
-            </a:r>
-            <a:r>
-              <a:rPr lang="en-US" altLang="ko-KR" baseline="0" dirty="0" smtClean="0"/>
-              <a:t>illness severity index</a:t>
-            </a:r>
-            <a:r>
-              <a:rPr lang="ko-KR" altLang="en-US" baseline="0" dirty="0" smtClean="0"/>
-              <a:t>를 정하기 위해 환자의 전체 의무기록을 다 </a:t>
+              <a:t>초기 </a:t>
+            </a:r>
+            <a:r>
+              <a:rPr lang="en-US" altLang="ko-KR" baseline="0" dirty="0" smtClean="0"/>
+              <a:t>staging</a:t>
+            </a:r>
+            <a:r>
+              <a:rPr lang="ko-KR" altLang="en-US" baseline="0" dirty="0" smtClean="0"/>
+              <a:t>은 환자의 </a:t>
+            </a:r>
+            <a:r>
+              <a:rPr lang="ko-KR" altLang="en-US" baseline="0" dirty="0" smtClean="0"/>
+              <a:t>전체 의무기록을 다 </a:t>
             </a:r>
             <a:r>
               <a:rPr lang="en-US" altLang="ko-KR" baseline="0" dirty="0" smtClean="0"/>
@@ -5520,7 +5524,23 @@
             </a:r>
             <a:r>
               <a:rPr lang="ko-KR" altLang="en-US" baseline="0" dirty="0" smtClean="0"/>
-              <a:t>비수술적 치료 등으로 점수를 매겼습니다</a:t>
+              <a:t>수술적 치료 </a:t>
+            </a:r>
+            <a:r>
+              <a:rPr lang="ko-KR" altLang="en-US" baseline="0" dirty="0" err="1" smtClean="0"/>
+              <a:t>필요여부</a:t>
+            </a:r>
+            <a:r>
+              <a:rPr lang="ko-KR" altLang="en-US" baseline="0" dirty="0" smtClean="0"/>
+              <a:t> </a:t>
+            </a:r>
+            <a:r>
+              <a:rPr lang="ko-KR" altLang="en-US" baseline="0" dirty="0" smtClean="0"/>
+              <a:t>등으로 </a:t>
+            </a:r>
+            <a:r>
+              <a:rPr lang="ko-KR" altLang="en-US" baseline="0" dirty="0" smtClean="0"/>
+              <a:t>판단했습니다</a:t>
             </a:r>
             <a:r>
               <a:rPr lang="en-US" altLang="ko-KR" baseline="0" dirty="0" smtClean="0"/>
@@ -5554,7 +5574,11 @@
           <a:p>
             <a:r>
               <a:rPr lang="ko-KR" altLang="en-US" baseline="0" dirty="0" smtClean="0"/>
-              <a:t>주관적인 측면을 보완하기 위해 사전에 정해진 지표에 따라서 평가하는 </a:t>
+              <a:t>여기서 발전되어 사전에 </a:t>
+            </a:r>
+            <a:r>
+              <a:rPr lang="ko-KR" altLang="en-US" baseline="0" dirty="0" smtClean="0"/>
+              <a:t>정해진 지표에 따라서 평가하는 </a:t>
             </a:r>
             <a:r>
               <a:rPr lang="en-US" altLang="ko-KR" baseline="0" dirty="0" smtClean="0"/>
@@ -5562,15 +5586,15 @@
             </a:r>
             <a:r>
               <a:rPr lang="ko-KR" altLang="en-US" baseline="0" dirty="0" smtClean="0"/>
-              <a:t>을 만들었습니다</a:t>
-            </a:r>
-            <a:r>
-              <a:rPr lang="en-US" altLang="ko-KR" baseline="0" dirty="0" smtClean="0"/>
-              <a:t>.</a:t>
-            </a:r>
-            <a:r>
-              <a:rPr lang="ko-KR" altLang="en-US" baseline="0" dirty="0" smtClean="0"/>
-              <a:t> 이후에는 입원한 환자에만 국한되어 평가를 하고 </a:t>
+              <a:t>이 되었고 입원한 </a:t>
+            </a:r>
+            <a:r>
+              <a:rPr lang="ko-KR" altLang="en-US" baseline="0" dirty="0" smtClean="0"/>
+              <a:t>환자에만 국한되어 평가를 </a:t>
+            </a:r>
+            <a:r>
+              <a:rPr lang="ko-KR" altLang="en-US" baseline="0" dirty="0" smtClean="0"/>
+              <a:t>하여 </a:t>
             </a:r>
             <a:r>
               <a:rPr lang="en-US" altLang="ko-KR" baseline="0" dirty="0" smtClean="0"/>
@@ -5688,15 +5712,19 @@
             </a:r>
             <a:r>
               <a:rPr lang="en-US" altLang="ko-KR" baseline="0" dirty="0" smtClean="0"/>
-              <a:t>national cancer institute</a:t>
-            </a:r>
-            <a:r>
-              <a:rPr lang="ko-KR" altLang="en-US" baseline="0" dirty="0" smtClean="0"/>
-              <a:t>에서 발전된 </a:t>
-            </a:r>
-            <a:r>
-              <a:rPr lang="en-US" altLang="ko-KR" baseline="0" dirty="0" smtClean="0"/>
-              <a:t>system</a:t>
+              <a:t>national cancer </a:t>
+            </a:r>
+            <a:r>
+              <a:rPr lang="en-US" altLang="ko-KR" baseline="0" dirty="0" smtClean="0"/>
+              <a:t>institute</a:t>
+            </a:r>
+            <a:r>
+              <a:rPr lang="ko-KR" altLang="en-US" baseline="0" dirty="0" smtClean="0"/>
+              <a:t>의 </a:t>
+            </a:r>
+            <a:r>
+              <a:rPr lang="en-US" altLang="ko-KR" baseline="0" dirty="0" smtClean="0"/>
+              <a:t>staging system</a:t>
             </a:r>
             <a:r>
               <a:rPr lang="ko-KR" altLang="en-US" baseline="0" dirty="0" smtClean="0"/>
@@ -5740,7 +5768,15 @@
             </a:r>
             <a:r>
               <a:rPr lang="ko-KR" altLang="en-US" baseline="0" dirty="0" smtClean="0"/>
-              <a:t>은 이러한 점을 반영해서 발전해왔고 임상에서 시행하는 검사</a:t>
+              <a:t>은 이러한 점을 반영해서 </a:t>
+            </a:r>
+            <a:r>
+              <a:rPr lang="ko-KR" altLang="en-US" baseline="0" dirty="0" smtClean="0"/>
+              <a:t>발전됐고 </a:t>
+            </a:r>
+            <a:r>
+              <a:rPr lang="ko-KR" altLang="en-US" baseline="0" dirty="0" smtClean="0"/>
+              <a:t>임상에서 시행하는 검사</a:t>
             </a:r>
             <a:r>
               <a:rPr lang="en-US" altLang="ko-KR" baseline="0" dirty="0" smtClean="0"/>
@@ -5748,17 +5784,26 @@
             </a:r>
             <a:r>
               <a:rPr lang="ko-KR" altLang="en-US" baseline="0" dirty="0" smtClean="0"/>
-              <a:t>진찰 결과에 의존하게 됩니다</a:t>
+              <a:t>진찰 결과에 </a:t>
+            </a:r>
+            <a:r>
+              <a:rPr lang="ko-KR" altLang="en-US" baseline="0" dirty="0" smtClean="0"/>
+              <a:t>의존하여 평가하는 방식이 됐습니다</a:t>
             </a:r>
             <a:r>
               <a:rPr lang="en-US" altLang="ko-KR" baseline="0" dirty="0" smtClean="0"/>
               <a:t>. </a:t>
             </a:r>
-          </a:p>
-          <a:p>
             <a:endParaRPr lang="en-US" altLang="ko-KR" baseline="0" dirty="0" smtClean="0"/>
           </a:p>
           <a:p>
+            <a:endParaRPr lang="en-US" altLang="ko-KR" baseline="0" dirty="0" smtClean="0"/>
+          </a:p>
+          <a:p>
+            <a:r>
+              <a:rPr lang="ko-KR" altLang="en-US" baseline="0" dirty="0" smtClean="0"/>
+              <a:t>정리하면 </a:t>
+            </a:r>
             <a:r>
               <a:rPr lang="en-US" altLang="ko-KR" baseline="0" dirty="0" smtClean="0"/>
               <a:t>Staging</a:t>
@@ -5829,7 +5874,11 @@
             </a:r>
             <a:r>
               <a:rPr lang="ko-KR" altLang="en-US" baseline="0" dirty="0" smtClean="0"/>
-              <a:t>해야하고 재현가능해야 합니다</a:t>
+              <a:t>하고 재현가능해야 </a:t>
+            </a:r>
+            <a:r>
+              <a:rPr lang="ko-KR" altLang="en-US" baseline="0" dirty="0" smtClean="0"/>
+              <a:t>합니다</a:t>
             </a:r>
             <a:r>
               <a:rPr lang="en-US" altLang="ko-KR" baseline="0" dirty="0" smtClean="0"/>
@@ -5870,15 +5919,19 @@
             </a:r>
             <a:r>
               <a:rPr lang="ko-KR" altLang="en-US" baseline="0" dirty="0" smtClean="0"/>
-              <a:t>년에 발표한 저서에 </a:t>
-            </a:r>
-            <a:r>
-              <a:rPr lang="en-US" altLang="ko-KR" baseline="0" dirty="0" err="1" smtClean="0"/>
-              <a:t>clinial</a:t>
-            </a:r>
-            <a:r>
-              <a:rPr lang="en-US" altLang="ko-KR" baseline="0" dirty="0" smtClean="0"/>
-              <a:t> outcome assessment</a:t>
+              <a:t>년에 발표한 </a:t>
+            </a:r>
+            <a:r>
+              <a:rPr lang="ko-KR" altLang="en-US" baseline="0" dirty="0" smtClean="0"/>
+              <a:t>저서에서 </a:t>
+            </a:r>
+            <a:r>
+              <a:rPr lang="en-US" altLang="ko-KR" baseline="0" dirty="0" smtClean="0"/>
+              <a:t>clinical </a:t>
+            </a:r>
+            <a:r>
+              <a:rPr lang="en-US" altLang="ko-KR" baseline="0" dirty="0" smtClean="0"/>
+              <a:t>outcome assessment</a:t>
             </a:r>
             <a:r>
               <a:rPr lang="ko-KR" altLang="en-US" baseline="0" dirty="0" smtClean="0"/>
@@ -5898,7 +5951,19 @@
             </a:r>
             <a:r>
               <a:rPr lang="ko-KR" altLang="en-US" baseline="0" dirty="0" smtClean="0"/>
-              <a:t>를 특정 환자의 질환을 이해하는데 원인</a:t>
+              <a:t>를 특정 환자의 질환을 이해하는데 </a:t>
+            </a:r>
+            <a:r>
+              <a:rPr lang="ko-KR" altLang="en-US" baseline="0" dirty="0" smtClean="0"/>
+              <a:t>병의</a:t>
+            </a:r>
+            <a:r>
+              <a:rPr lang="en-US" altLang="ko-KR" baseline="0" dirty="0" smtClean="0"/>
+              <a:t> </a:t>
+            </a:r>
+            <a:r>
+              <a:rPr lang="ko-KR" altLang="en-US" baseline="0" dirty="0" smtClean="0"/>
+              <a:t>원인</a:t>
             </a:r>
             <a:r>
               <a:rPr lang="en-US" altLang="ko-KR" baseline="0" dirty="0" smtClean="0"/>
@@ -5959,226 +6024,6 @@
           </a:p>
           <a:p>
             <a:endParaRPr lang="en-US" altLang="ko-KR" baseline="0" dirty="0" smtClean="0"/>
-          </a:p>
-          <a:p>
-            <a:r>
-              <a:rPr lang="en-US" altLang="ko-KR" baseline="0" dirty="0" smtClean="0"/>
-              <a:t>Clinical staging</a:t>
-            </a:r>
-            <a:r>
-              <a:rPr lang="ko-KR" altLang="en-US" baseline="0" dirty="0" smtClean="0"/>
-              <a:t>은 </a:t>
-            </a:r>
-            <a:r>
-              <a:rPr lang="en-US" altLang="ko-KR" baseline="0" dirty="0" smtClean="0"/>
-              <a:t>clinical trial, care indicator</a:t>
-            </a:r>
-            <a:r>
-              <a:rPr lang="ko-KR" altLang="en-US" baseline="0" dirty="0" smtClean="0"/>
-              <a:t>의 </a:t>
-            </a:r>
-            <a:r>
-              <a:rPr lang="en-US" altLang="ko-KR" baseline="0" dirty="0" smtClean="0"/>
-              <a:t>evaluation</a:t>
-            </a:r>
-            <a:r>
-              <a:rPr lang="ko-KR" altLang="en-US" baseline="0" dirty="0" smtClean="0"/>
-              <a:t>용</a:t>
-            </a:r>
-            <a:r>
-              <a:rPr lang="en-US" altLang="ko-KR" baseline="0" dirty="0" smtClean="0"/>
-              <a:t>, outcome measure</a:t>
-            </a:r>
-            <a:r>
-              <a:rPr lang="ko-KR" altLang="en-US" baseline="0" dirty="0" smtClean="0"/>
-              <a:t>로서 </a:t>
-            </a:r>
-            <a:r>
-              <a:rPr lang="en-US" altLang="ko-KR" baseline="0" dirty="0" smtClean="0"/>
-              <a:t>severity</a:t>
-            </a:r>
-            <a:r>
-              <a:rPr lang="ko-KR" altLang="en-US" baseline="0" dirty="0" smtClean="0"/>
-              <a:t>의 변화를 </a:t>
-            </a:r>
-            <a:r>
-              <a:rPr lang="ko-KR" altLang="en-US" baseline="0" dirty="0" err="1" smtClean="0"/>
-              <a:t>평가할때</a:t>
-            </a:r>
-            <a:r>
-              <a:rPr lang="en-US" altLang="ko-KR" baseline="0" dirty="0" smtClean="0"/>
-              <a:t>, practice pattern</a:t>
-            </a:r>
-            <a:r>
-              <a:rPr lang="ko-KR" altLang="en-US" baseline="0" dirty="0" smtClean="0"/>
-              <a:t>과 임상경험을 </a:t>
-            </a:r>
-            <a:r>
-              <a:rPr lang="en-US" altLang="ko-KR" baseline="0" dirty="0" smtClean="0"/>
-              <a:t>profiling</a:t>
-            </a:r>
-            <a:r>
-              <a:rPr lang="ko-KR" altLang="en-US" baseline="0" dirty="0" smtClean="0"/>
-              <a:t>하는데</a:t>
-            </a:r>
-            <a:r>
-              <a:rPr lang="en-US" altLang="ko-KR" baseline="0" dirty="0" smtClean="0"/>
-              <a:t>, guideline</a:t>
-            </a:r>
-            <a:r>
-              <a:rPr lang="ko-KR" altLang="en-US" baseline="0" dirty="0" smtClean="0"/>
-              <a:t>을 발전시키는데</a:t>
-            </a:r>
-            <a:r>
-              <a:rPr lang="en-US" altLang="ko-KR" baseline="0" dirty="0" smtClean="0"/>
-              <a:t>, clinical credential</a:t>
-            </a:r>
-            <a:r>
-              <a:rPr lang="ko-KR" altLang="en-US" baseline="0" dirty="0" smtClean="0"/>
-              <a:t>을 평가하는데 사용됩니다</a:t>
-            </a:r>
-            <a:r>
-              <a:rPr lang="en-US" altLang="ko-KR" baseline="0" dirty="0" smtClean="0"/>
-              <a:t>. </a:t>
-            </a:r>
-          </a:p>
-          <a:p>
-            <a:r>
-              <a:rPr lang="en-US" altLang="ko-KR" baseline="0" dirty="0" smtClean="0"/>
-              <a:t>Clinical trial</a:t>
-            </a:r>
-            <a:r>
-              <a:rPr lang="ko-KR" altLang="en-US" baseline="0" dirty="0" smtClean="0"/>
-              <a:t> 참여자를 세분화해서 치료효과를 평가하는데 이용하고 </a:t>
-            </a:r>
-            <a:r>
-              <a:rPr lang="ko-KR" altLang="en-US" baseline="0" dirty="0" err="1" smtClean="0"/>
-              <a:t>특정상태의</a:t>
-            </a:r>
-            <a:r>
-              <a:rPr lang="ko-KR" altLang="en-US" baseline="0" dirty="0" smtClean="0"/>
-              <a:t> 환자를 대상으로 한 연구도 가능하게 합니다</a:t>
-            </a:r>
-            <a:r>
-              <a:rPr lang="en-US" altLang="ko-KR" baseline="0" dirty="0" smtClean="0"/>
-              <a:t>. Stage</a:t>
-            </a:r>
-            <a:r>
-              <a:rPr lang="ko-KR" altLang="en-US" baseline="0" dirty="0" smtClean="0"/>
-              <a:t>에 따른 상대적인 치료효과를 판단할 수 있습니다</a:t>
-            </a:r>
-            <a:r>
-              <a:rPr lang="en-US" altLang="ko-KR" baseline="0" dirty="0" smtClean="0"/>
-              <a:t>. </a:t>
-            </a:r>
-            <a:r>
-              <a:rPr lang="ko-KR" altLang="en-US" baseline="0" dirty="0" smtClean="0"/>
-              <a:t>그리고 </a:t>
-            </a:r>
-            <a:r>
-              <a:rPr lang="en-US" altLang="ko-KR" baseline="0" dirty="0" smtClean="0"/>
-              <a:t>stage</a:t>
-            </a:r>
-            <a:r>
-              <a:rPr lang="ko-KR" altLang="en-US" baseline="0" dirty="0" smtClean="0"/>
-              <a:t>를 세분화해서 </a:t>
-            </a:r>
-            <a:r>
-              <a:rPr lang="ko-KR" altLang="en-US" baseline="0" dirty="0" err="1" smtClean="0"/>
-              <a:t>병원진료의</a:t>
-            </a:r>
-            <a:r>
-              <a:rPr lang="ko-KR" altLang="en-US" baseline="0" dirty="0" smtClean="0"/>
-              <a:t> </a:t>
-            </a:r>
-            <a:r>
-              <a:rPr lang="ko-KR" altLang="en-US" baseline="0" dirty="0" err="1" smtClean="0"/>
-              <a:t>질적평가</a:t>
-            </a:r>
-            <a:r>
-              <a:rPr lang="en-US" altLang="ko-KR" baseline="0" dirty="0" smtClean="0"/>
-              <a:t>, </a:t>
-            </a:r>
-            <a:r>
-              <a:rPr lang="ko-KR" altLang="en-US" baseline="0" dirty="0" err="1" smtClean="0"/>
-              <a:t>재원기간</a:t>
-            </a:r>
-            <a:r>
-              <a:rPr lang="en-US" altLang="ko-KR" baseline="0" dirty="0" smtClean="0"/>
-              <a:t>, </a:t>
-            </a:r>
-            <a:r>
-              <a:rPr lang="ko-KR" altLang="en-US" baseline="0" dirty="0" err="1" smtClean="0"/>
-              <a:t>재입원율</a:t>
-            </a:r>
-            <a:r>
-              <a:rPr lang="en-US" altLang="ko-KR" baseline="0" dirty="0" smtClean="0"/>
-              <a:t>, </a:t>
-            </a:r>
-            <a:r>
-              <a:rPr lang="ko-KR" altLang="en-US" baseline="0" dirty="0" smtClean="0"/>
-              <a:t>입원필요성등을 미리 평가할 수 있습니다</a:t>
-            </a:r>
-            <a:r>
-              <a:rPr lang="en-US" altLang="ko-KR" baseline="0" dirty="0" smtClean="0"/>
-              <a:t>. </a:t>
-            </a:r>
-            <a:r>
-              <a:rPr lang="ko-KR" altLang="en-US" baseline="0" dirty="0" smtClean="0"/>
-              <a:t>질환에 따라서 </a:t>
-            </a:r>
-            <a:r>
-              <a:rPr lang="en-US" altLang="ko-KR" baseline="0" dirty="0" smtClean="0"/>
-              <a:t>appendicitis</a:t>
-            </a:r>
-            <a:r>
-              <a:rPr lang="ko-KR" altLang="en-US" baseline="0" dirty="0" smtClean="0"/>
-              <a:t>와 같이 </a:t>
-            </a:r>
-            <a:r>
-              <a:rPr lang="en-US" altLang="ko-KR" baseline="0" dirty="0" smtClean="0"/>
-              <a:t>early stage</a:t>
-            </a:r>
-            <a:r>
-              <a:rPr lang="ko-KR" altLang="en-US" baseline="0" dirty="0" smtClean="0"/>
-              <a:t>에 입원이 필요한 경우도 있고 </a:t>
-            </a:r>
-            <a:r>
-              <a:rPr lang="en-US" altLang="ko-KR" baseline="0" dirty="0" smtClean="0"/>
-              <a:t>essential hypertension</a:t>
-            </a:r>
-            <a:r>
-              <a:rPr lang="ko-KR" altLang="en-US" baseline="0" dirty="0" smtClean="0"/>
-              <a:t>과 같이 </a:t>
-            </a:r>
-            <a:r>
-              <a:rPr lang="en-US" altLang="ko-KR" baseline="0" dirty="0" smtClean="0"/>
-              <a:t>early stage</a:t>
-            </a:r>
-            <a:r>
-              <a:rPr lang="ko-KR" altLang="en-US" baseline="0" dirty="0" smtClean="0"/>
-              <a:t>에 입원이 필요하지 않은 경우도 있는데 </a:t>
-            </a:r>
-            <a:r>
-              <a:rPr lang="en-US" altLang="ko-KR" baseline="0" dirty="0" smtClean="0"/>
-              <a:t>stage</a:t>
-            </a:r>
-            <a:r>
-              <a:rPr lang="ko-KR" altLang="en-US" baseline="0" dirty="0" smtClean="0"/>
-              <a:t> </a:t>
-            </a:r>
-            <a:r>
-              <a:rPr lang="en-US" altLang="ko-KR" baseline="0" dirty="0" smtClean="0"/>
-              <a:t>system</a:t>
-            </a:r>
-            <a:r>
-              <a:rPr lang="ko-KR" altLang="en-US" baseline="0" dirty="0" smtClean="0"/>
-              <a:t>을 통해 이런 입원필요성의 평가가 가능합니다</a:t>
-            </a:r>
-            <a:r>
-              <a:rPr lang="en-US" altLang="ko-KR" baseline="0" dirty="0" smtClean="0"/>
-              <a:t>. </a:t>
-            </a:r>
           </a:p>
         </p:txBody>
       </p:sp>
@@ -6420,12 +6265,12 @@
               <a:t>, </a:t>
             </a:r>
             <a:r>
-              <a:rPr lang="ko-KR" altLang="en-US" baseline="0" dirty="0" err="1" smtClean="0"/>
-              <a:t>어느정도의</a:t>
-            </a:r>
-            <a:r>
-              <a:rPr lang="ko-KR" altLang="en-US" baseline="0" dirty="0" smtClean="0"/>
-              <a:t> 비용이 소모되고 어떤 간호</a:t>
+              <a:rPr lang="ko-KR" altLang="en-US" baseline="0" dirty="0" smtClean="0"/>
+              <a:t>어느 정도의 </a:t>
+            </a:r>
+            <a:r>
+              <a:rPr lang="ko-KR" altLang="en-US" baseline="0" dirty="0" smtClean="0"/>
+              <a:t>비용이 소모되고 어떤 간호</a:t>
             </a:r>
             <a:r>
               <a:rPr lang="en-US" altLang="ko-KR" baseline="0" dirty="0" smtClean="0"/>
@@ -6447,12 +6292,8 @@
               <a:t>임상시험을 </a:t>
             </a:r>
             <a:r>
-              <a:rPr lang="ko-KR" altLang="en-US" dirty="0" err="1" smtClean="0"/>
-              <a:t>할때에도</a:t>
-            </a:r>
-            <a:r>
               <a:rPr lang="ko-KR" altLang="en-US" dirty="0" smtClean="0"/>
-              <a:t> </a:t>
+              <a:t>할 때에도 </a:t>
             </a:r>
             <a:r>
               <a:rPr lang="en-US" altLang="ko-KR" dirty="0" smtClean="0"/>
@@ -6475,12 +6316,12 @@
               <a:t>의 환자를 대상으로 한 임상시험을 </a:t>
             </a:r>
             <a:r>
-              <a:rPr lang="ko-KR" altLang="en-US" baseline="0" dirty="0" err="1" smtClean="0"/>
-              <a:t>하는데에</a:t>
-            </a:r>
-            <a:r>
-              <a:rPr lang="ko-KR" altLang="en-US" baseline="0" dirty="0" smtClean="0"/>
-              <a:t> 이용될 수 있습니다</a:t>
+              <a:rPr lang="ko-KR" altLang="en-US" baseline="0" dirty="0" smtClean="0"/>
+              <a:t>하는데 에 </a:t>
+            </a:r>
+            <a:r>
+              <a:rPr lang="ko-KR" altLang="en-US" baseline="0" dirty="0" smtClean="0"/>
+              <a:t>이용될 수 있습니다</a:t>
             </a:r>
             <a:r>
               <a:rPr lang="en-US" altLang="ko-KR" baseline="0" dirty="0" smtClean="0"/>
@@ -6507,20 +6348,16 @@
               <a:t> </a:t>
             </a:r>
             <a:r>
-              <a:rPr lang="ko-KR" altLang="en-US" baseline="0" dirty="0" err="1" smtClean="0"/>
-              <a:t>입원초기</a:t>
+              <a:rPr lang="ko-KR" altLang="en-US" baseline="0" dirty="0" smtClean="0"/>
+              <a:t>입원</a:t>
             </a:r>
             <a:r>
               <a:rPr lang="en-US" altLang="ko-KR" baseline="0" dirty="0" smtClean="0"/>
               <a:t>, </a:t>
             </a:r>
             <a:r>
-              <a:rPr lang="ko-KR" altLang="en-US" baseline="0" dirty="0" err="1" smtClean="0"/>
-              <a:t>퇴원시점의</a:t>
-            </a:r>
-            <a:r>
-              <a:rPr lang="ko-KR" altLang="en-US" baseline="0" dirty="0" smtClean="0"/>
-              <a:t> </a:t>
+              <a:rPr lang="ko-KR" altLang="en-US" baseline="0" dirty="0" smtClean="0"/>
+              <a:t>퇴원 시점의 </a:t>
             </a:r>
             <a:r>
               <a:rPr lang="en-US" altLang="ko-KR" baseline="0" dirty="0" smtClean="0"/>
@@ -6531,12 +6368,8 @@
               <a:t>에 차이가 있는지 </a:t>
             </a:r>
             <a:r>
-              <a:rPr lang="en-US" altLang="ko-KR" baseline="0" dirty="0" smtClean="0"/>
-              <a:t>stage</a:t>
-            </a:r>
-            <a:r>
-              <a:rPr lang="ko-KR" altLang="en-US" baseline="0" dirty="0" smtClean="0"/>
-              <a:t>에 변화가 생기는데 어느</a:t>
+              <a:rPr lang="ko-KR" altLang="en-US" baseline="0" dirty="0" smtClean="0"/>
+              <a:t>어느</a:t>
             </a:r>
             <a:r>
               <a:rPr lang="en-US" altLang="ko-KR" baseline="0" dirty="0" smtClean="0"/>
@@ -6552,15 +6385,11 @@
             </a:r>
             <a:r>
               <a:rPr lang="ko-KR" altLang="en-US" baseline="0" dirty="0" smtClean="0"/>
-              <a:t> </a:t>
-            </a:r>
-            <a:r>
-              <a:rPr lang="ko-KR" altLang="en-US" baseline="0" dirty="0" err="1" smtClean="0"/>
-              <a:t>판단하는데에도</a:t>
-            </a:r>
-            <a:r>
-              <a:rPr lang="ko-KR" altLang="en-US" baseline="0" dirty="0" smtClean="0"/>
-              <a:t> 쓰입니다</a:t>
+              <a:t> 판단하는 데에도 </a:t>
+            </a:r>
+            <a:r>
+              <a:rPr lang="ko-KR" altLang="en-US" baseline="0" dirty="0" smtClean="0"/>
+              <a:t>쓰입니다</a:t>
             </a:r>
             <a:r>
               <a:rPr lang="en-US" altLang="ko-KR" baseline="0" dirty="0" smtClean="0"/>
@@ -6632,7 +6461,11 @@
             </a:r>
             <a:r>
               <a:rPr lang="ko-KR" altLang="en-US" baseline="0" dirty="0" smtClean="0"/>
-              <a:t>마다 표준적인 치료방침을 만들어 </a:t>
+              <a:t>마다 표준적인 </a:t>
+            </a:r>
+            <a:r>
+              <a:rPr lang="ko-KR" altLang="en-US" baseline="0" dirty="0" smtClean="0"/>
+              <a:t>치료방침을 반영한 </a:t>
             </a:r>
             <a:r>
               <a:rPr lang="en-US" altLang="ko-KR" baseline="0" dirty="0" smtClean="0"/>
@@ -6640,21 +6473,23 @@
             </a:r>
             <a:r>
               <a:rPr lang="ko-KR" altLang="en-US" baseline="0" dirty="0" smtClean="0"/>
-              <a:t>을 </a:t>
+              <a:t>을 만들고 의료진이 특정 질환에 전문적인 역량을 </a:t>
             </a:r>
             <a:r>
               <a:rPr lang="ko-KR" altLang="en-US" baseline="0" dirty="0" err="1" smtClean="0"/>
-              <a:t>개선하는데에도</a:t>
-            </a:r>
-            <a:r>
-              <a:rPr lang="ko-KR" altLang="en-US" baseline="0" dirty="0" smtClean="0"/>
-              <a:t> 쓰이고 특정 질환에 전문적인 역량을 보유했는지 평가하기위한 자격증 평가에도 이용되게 됩니다</a:t>
+              <a:t>보유했는지를</a:t>
+            </a:r>
+            <a:r>
+              <a:rPr lang="ko-KR" altLang="en-US" baseline="0" dirty="0" smtClean="0"/>
+              <a:t> 검증하는 자격증 평가에도 이용됩니다</a:t>
             </a:r>
             <a:r>
               <a:rPr lang="en-US" altLang="ko-KR" baseline="0" dirty="0" smtClean="0"/>
               <a:t>. </a:t>
             </a:r>
-            <a:endParaRPr lang="ko-KR" altLang="en-US" dirty="0"/>
+          </a:p>
+          <a:p>
+            <a:endParaRPr lang="en-US" altLang="ko-KR" baseline="0" dirty="0" smtClean="0"/>
           </a:p>
         </p:txBody>
       </p:sp>
@@ -6747,12 +6582,16 @@
               <a:t>staging </a:t>
             </a:r>
             <a:r>
-              <a:rPr lang="en-US" altLang="ko-KR" dirty="0" err="1" smtClean="0"/>
-              <a:t>syste</a:t>
+              <a:rPr lang="en-US" altLang="ko-KR" dirty="0" smtClean="0"/>
+              <a:t>system</a:t>
             </a:r>
             <a:r>
               <a:rPr lang="ko-KR" altLang="en-US" dirty="0" smtClean="0"/>
-              <a:t>은 간단하고 질환의 중증도</a:t>
+              <a:t>은 질환의 </a:t>
+            </a:r>
+            <a:r>
+              <a:rPr lang="ko-KR" altLang="en-US" dirty="0" smtClean="0"/>
+              <a:t>중증도</a:t>
             </a:r>
             <a:r>
               <a:rPr lang="en-US" altLang="ko-KR" dirty="0" smtClean="0"/>
@@ -6772,23 +6611,23 @@
             </a:r>
             <a:r>
               <a:rPr lang="ko-KR" altLang="en-US" dirty="0" smtClean="0"/>
-              <a:t> 반영하는 </a:t>
-            </a:r>
-            <a:r>
-              <a:rPr lang="en-US" altLang="ko-KR" dirty="0" smtClean="0"/>
-              <a:t>clinical milestone</a:t>
+              <a:t> </a:t>
             </a:r>
             <a:r>
               <a:rPr lang="ko-KR" altLang="en-US" dirty="0" smtClean="0"/>
-              <a:t>으로 정의됩니다</a:t>
-            </a:r>
-            <a:r>
-              <a:rPr lang="en-US" altLang="ko-KR" dirty="0" smtClean="0"/>
-              <a:t>. </a:t>
+              <a:t>반영할 수 있는 이정표의 역할을 하고 평가하기에 복잡하지 않아야 합니다</a:t>
+            </a:r>
+            <a:r>
+              <a:rPr lang="en-US" altLang="ko-KR" dirty="0" smtClean="0"/>
+              <a:t>. ALS</a:t>
             </a:r>
             <a:r>
               <a:rPr lang="ko-KR" altLang="en-US" dirty="0" smtClean="0"/>
-              <a:t>기능을 평가하는 </a:t>
+              <a:t>환자의 기능을 </a:t>
+            </a:r>
+            <a:r>
+              <a:rPr lang="ko-KR" altLang="en-US" dirty="0" smtClean="0"/>
+              <a:t>평가하는 </a:t>
             </a:r>
             <a:r>
               <a:rPr lang="en-US" altLang="ko-KR" dirty="0" smtClean="0"/>
@@ -6796,7 +6635,15 @@
             </a:r>
             <a:r>
               <a:rPr lang="ko-KR" altLang="en-US" dirty="0" smtClean="0"/>
-              <a:t>는 </a:t>
+              <a:t>와 </a:t>
+            </a:r>
+            <a:r>
+              <a:rPr lang="en-US" altLang="ko-KR" dirty="0" smtClean="0"/>
+              <a:t>revised ALSFRS</a:t>
+            </a:r>
+            <a:r>
+              <a:rPr lang="ko-KR" altLang="en-US" dirty="0" smtClean="0"/>
+              <a:t>는 병의 </a:t>
             </a:r>
             <a:r>
               <a:rPr lang="ko-KR" altLang="en-US" dirty="0" err="1" smtClean="0"/>
@@ -6804,7 +6651,11 @@
             </a:r>
             <a:r>
               <a:rPr lang="ko-KR" altLang="en-US" dirty="0" smtClean="0"/>
-              <a:t> 반영하지만 단순한 </a:t>
+              <a:t> </a:t>
+            </a:r>
+            <a:r>
+              <a:rPr lang="ko-KR" altLang="en-US" dirty="0" smtClean="0"/>
+              <a:t>반영하지만 단순한 </a:t>
             </a:r>
             <a:r>
               <a:rPr lang="ko-KR" altLang="en-US" dirty="0" err="1" smtClean="0"/>
@@ -6819,184 +6670,82 @@
               <a:t>. </a:t>
             </a:r>
             <a:r>
+              <a:rPr lang="en-US" altLang="ko-KR" dirty="0" smtClean="0"/>
+              <a:t>ALSFRS-R</a:t>
+            </a:r>
+            <a:r>
               <a:rPr lang="ko-KR" altLang="en-US" dirty="0" smtClean="0"/>
-              <a:t>기존의 다른 연구에서 </a:t>
-            </a:r>
-            <a:r>
-              <a:rPr lang="en-US" altLang="ko-KR" dirty="0" smtClean="0"/>
-              <a:t>clinical factor</a:t>
-            </a:r>
-            <a:r>
-              <a:rPr lang="ko-KR" altLang="en-US" dirty="0" smtClean="0"/>
-              <a:t>를 이용하여 </a:t>
-            </a:r>
-            <a:r>
-              <a:rPr lang="en-US" altLang="ko-KR" dirty="0" smtClean="0"/>
-              <a:t>phenotypic</a:t>
-            </a:r>
-            <a:r>
-              <a:rPr lang="en-US" altLang="ko-KR" baseline="0" dirty="0" smtClean="0"/>
-              <a:t> classification</a:t>
-            </a:r>
-            <a:r>
-              <a:rPr lang="ko-KR" altLang="en-US" baseline="0" dirty="0" smtClean="0"/>
-              <a:t>을 하고 </a:t>
-            </a:r>
-            <a:r>
-              <a:rPr lang="en-US" altLang="ko-KR" baseline="0" dirty="0" smtClean="0"/>
-              <a:t>survival</a:t>
-            </a:r>
-            <a:r>
-              <a:rPr lang="ko-KR" altLang="en-US" baseline="0" dirty="0" smtClean="0"/>
-              <a:t>을 </a:t>
-            </a:r>
-            <a:r>
-              <a:rPr lang="en-US" altLang="ko-KR" baseline="0" dirty="0" smtClean="0"/>
-              <a:t>prediction</a:t>
-            </a:r>
-            <a:r>
-              <a:rPr lang="ko-KR" altLang="en-US" baseline="0" dirty="0" smtClean="0"/>
-              <a:t>하는 </a:t>
-            </a:r>
-            <a:r>
-              <a:rPr lang="en-US" altLang="ko-KR" baseline="0" dirty="0" smtClean="0"/>
-              <a:t>model</a:t>
-            </a:r>
-            <a:r>
-              <a:rPr lang="ko-KR" altLang="en-US" baseline="0" dirty="0" smtClean="0"/>
-              <a:t>이 있었으나 </a:t>
-            </a:r>
-            <a:r>
-              <a:rPr lang="en-US" altLang="ko-KR" baseline="0" dirty="0" smtClean="0"/>
-              <a:t>milestone</a:t>
-            </a:r>
-            <a:r>
-              <a:rPr lang="ko-KR" altLang="en-US" baseline="0" dirty="0" smtClean="0"/>
-              <a:t>이 없어 </a:t>
-            </a:r>
-            <a:r>
-              <a:rPr lang="en-US" altLang="ko-KR" baseline="0" dirty="0" smtClean="0"/>
-              <a:t>stage</a:t>
-            </a:r>
-            <a:r>
-              <a:rPr lang="ko-KR" altLang="en-US" baseline="0" dirty="0" smtClean="0"/>
-              <a:t>를 위한 기준이 없는 한계가 있었습니다</a:t>
+              <a:t>를 가지고</a:t>
+            </a:r>
+            <a:r>
+              <a:rPr lang="ko-KR" altLang="en-US" baseline="0" dirty="0" smtClean="0"/>
+              <a:t> 문항적합도와 </a:t>
+            </a:r>
+            <a:r>
+              <a:rPr lang="en-US" altLang="ko-KR" baseline="0" dirty="0" smtClean="0"/>
+              <a:t>dimensionality</a:t>
+            </a:r>
+            <a:r>
+              <a:rPr lang="ko-KR" altLang="en-US" baseline="0" dirty="0" smtClean="0"/>
+              <a:t>를 분석한 연구가 있었습니다</a:t>
             </a:r>
             <a:r>
               <a:rPr lang="en-US" altLang="ko-KR" baseline="0" dirty="0" smtClean="0"/>
               <a:t>. </a:t>
             </a:r>
-            <a:r>
-              <a:rPr lang="ko-KR" altLang="en-US" baseline="0" dirty="0" smtClean="0"/>
-              <a:t>환자의 관리</a:t>
-            </a:r>
-            <a:r>
-              <a:rPr lang="en-US" altLang="ko-KR" baseline="0" dirty="0" smtClean="0"/>
-              <a:t>, </a:t>
-            </a:r>
-            <a:r>
-              <a:rPr lang="ko-KR" altLang="en-US" baseline="0" dirty="0" smtClean="0"/>
-              <a:t>자원배분</a:t>
-            </a:r>
-            <a:r>
-              <a:rPr lang="en-US" altLang="ko-KR" baseline="0" dirty="0" smtClean="0"/>
-              <a:t>, </a:t>
-            </a:r>
-            <a:r>
-              <a:rPr lang="ko-KR" altLang="en-US" baseline="0" dirty="0" smtClean="0"/>
-              <a:t>연구의 설계</a:t>
-            </a:r>
-            <a:r>
-              <a:rPr lang="en-US" altLang="ko-KR" baseline="0" dirty="0" smtClean="0"/>
-              <a:t>, </a:t>
-            </a:r>
-            <a:r>
-              <a:rPr lang="ko-KR" altLang="en-US" baseline="0" dirty="0" smtClean="0"/>
-              <a:t>연구의 분류를 위해서는 </a:t>
-            </a:r>
-            <a:r>
-              <a:rPr lang="en-US" altLang="ko-KR" baseline="0" dirty="0" smtClean="0"/>
-              <a:t>stage</a:t>
-            </a:r>
-            <a:r>
-              <a:rPr lang="ko-KR" altLang="en-US" baseline="0" dirty="0" smtClean="0"/>
-              <a:t> 체계가 필요합니다</a:t>
-            </a:r>
-            <a:r>
-              <a:rPr lang="en-US" altLang="ko-KR" baseline="0" dirty="0" smtClean="0"/>
-              <a:t>. </a:t>
-            </a:r>
-            <a:r>
-              <a:rPr lang="ko-KR" altLang="en-US" baseline="0" dirty="0" smtClean="0"/>
-              <a:t> </a:t>
-            </a:r>
-            <a:endParaRPr lang="en-US" altLang="ko-KR" baseline="0" dirty="0" smtClean="0"/>
-          </a:p>
-          <a:p>
-            <a:endParaRPr lang="en-US" altLang="ko-KR" baseline="0" dirty="0" smtClean="0"/>
-          </a:p>
-          <a:p>
-            <a:r>
-              <a:rPr lang="en-US" altLang="ko-KR" dirty="0" smtClean="0"/>
+          </a:p>
+          <a:p>
+            <a:r>
+              <a:rPr lang="en-US" altLang="ko-KR" dirty="0" smtClean="0"/>
+              <a:t>Parallel</a:t>
+            </a:r>
+            <a:r>
+              <a:rPr lang="en-US" altLang="ko-KR" baseline="0" dirty="0" smtClean="0"/>
+              <a:t> analysis</a:t>
+            </a:r>
+            <a:r>
+              <a:rPr lang="ko-KR" altLang="en-US" baseline="0" dirty="0" smtClean="0"/>
+              <a:t>와 </a:t>
+            </a:r>
+            <a:r>
+              <a:rPr lang="en-US" altLang="ko-KR" baseline="0" dirty="0" smtClean="0"/>
+              <a:t>exploratory factor analysis</a:t>
+            </a:r>
+            <a:r>
+              <a:rPr lang="ko-KR" altLang="en-US" baseline="0" dirty="0" smtClean="0"/>
+              <a:t>를 한 결과 </a:t>
+            </a:r>
+            <a:r>
+              <a:rPr lang="en-US" altLang="ko-KR" baseline="0" dirty="0" smtClean="0"/>
               <a:t>ALSFRS-R</a:t>
             </a:r>
             <a:r>
-              <a:rPr lang="ko-KR" altLang="en-US" dirty="0" smtClean="0"/>
-              <a:t>의</a:t>
-            </a:r>
-            <a:r>
-              <a:rPr lang="ko-KR" altLang="en-US" baseline="0" dirty="0" smtClean="0"/>
-              <a:t> 문항적합도와 </a:t>
-            </a:r>
-            <a:r>
-              <a:rPr lang="en-US" altLang="ko-KR" baseline="0" dirty="0" smtClean="0"/>
-              <a:t>dimensionality</a:t>
-            </a:r>
-            <a:r>
-              <a:rPr lang="ko-KR" altLang="en-US" baseline="0" dirty="0" smtClean="0"/>
-              <a:t>를 평가하기 위해 분석한 연구가 있었습니다</a:t>
-            </a:r>
-            <a:r>
-              <a:rPr lang="en-US" altLang="ko-KR" baseline="0" dirty="0" smtClean="0"/>
-              <a:t>. </a:t>
-            </a:r>
-          </a:p>
-          <a:p>
-            <a:r>
-              <a:rPr lang="en-US" altLang="ko-KR" dirty="0" smtClean="0"/>
-              <a:t>Parallel</a:t>
-            </a:r>
-            <a:r>
-              <a:rPr lang="en-US" altLang="ko-KR" baseline="0" dirty="0" smtClean="0"/>
-              <a:t> analysis</a:t>
-            </a:r>
-            <a:r>
-              <a:rPr lang="ko-KR" altLang="en-US" baseline="0" dirty="0" smtClean="0"/>
-              <a:t>와 </a:t>
-            </a:r>
-            <a:r>
-              <a:rPr lang="en-US" altLang="ko-KR" baseline="0" dirty="0" smtClean="0"/>
-              <a:t>exploratory factor analysis</a:t>
-            </a:r>
-            <a:r>
-              <a:rPr lang="ko-KR" altLang="en-US" baseline="0" dirty="0" smtClean="0"/>
-              <a:t>를 한 결과 </a:t>
-            </a:r>
-            <a:r>
-              <a:rPr lang="en-US" altLang="ko-KR" baseline="0" dirty="0" smtClean="0"/>
-              <a:t>ALSFRS-R</a:t>
-            </a:r>
-            <a:r>
-              <a:rPr lang="ko-KR" altLang="en-US" baseline="0" dirty="0" smtClean="0"/>
-              <a:t>을 </a:t>
-            </a:r>
-            <a:r>
-              <a:rPr lang="en-US" altLang="ko-KR" baseline="0" dirty="0" smtClean="0"/>
-              <a:t>factor 3</a:t>
-            </a:r>
-            <a:r>
-              <a:rPr lang="ko-KR" altLang="en-US" baseline="0" dirty="0" smtClean="0"/>
-              <a:t>개로 나눌 수 있다는 점을 발견했고 왼쪽 하단에 있는 표와 같이 </a:t>
+              <a:rPr lang="ko-KR" altLang="en-US" baseline="0" dirty="0" smtClean="0"/>
+              <a:t>는 </a:t>
+            </a:r>
+            <a:r>
+              <a:rPr lang="en-US" altLang="ko-KR" baseline="0" dirty="0" smtClean="0"/>
+              <a:t>3</a:t>
+            </a:r>
+            <a:r>
+              <a:rPr lang="ko-KR" altLang="en-US" baseline="0" dirty="0" smtClean="0"/>
+              <a:t>개의 </a:t>
+            </a:r>
+            <a:r>
+              <a:rPr lang="en-US" altLang="ko-KR" baseline="0" dirty="0" smtClean="0"/>
+              <a:t>factor</a:t>
+            </a:r>
+            <a:r>
+              <a:rPr lang="ko-KR" altLang="en-US" baseline="0" dirty="0" smtClean="0"/>
+              <a:t>로 나뉘어 지게 됩니다</a:t>
+            </a:r>
+            <a:r>
+              <a:rPr lang="en-US" altLang="ko-KR" baseline="0" dirty="0" smtClean="0"/>
+              <a:t>.</a:t>
+            </a:r>
+            <a:r>
+              <a:rPr lang="ko-KR" altLang="en-US" baseline="0" dirty="0" smtClean="0"/>
+              <a:t> 오른쪽 하단에 있는 표와 같이 </a:t>
             </a:r>
             <a:r>
               <a:rPr lang="en-US" altLang="ko-KR" baseline="0" dirty="0" smtClean="0"/>
@@ -7008,7 +6757,7 @@
             </a:r>
             <a:r>
               <a:rPr lang="en-US" altLang="ko-KR" baseline="0" dirty="0" smtClean="0"/>
-              <a:t>domain 1</a:t>
+              <a:t>factor 1</a:t>
             </a:r>
             <a:r>
               <a:rPr lang="ko-KR" altLang="en-US" baseline="0" dirty="0" smtClean="0"/>
@@ -7032,23 +6781,15 @@
             </a:r>
             <a:r>
               <a:rPr lang="en-US" altLang="ko-KR" baseline="0" dirty="0" smtClean="0"/>
-              <a:t>respiratory function domain</a:t>
-            </a:r>
-            <a:r>
-              <a:rPr lang="ko-KR" altLang="en-US" baseline="0" dirty="0" smtClean="0"/>
-              <a:t>이 됩니다</a:t>
-            </a:r>
-            <a:r>
-              <a:rPr lang="en-US" altLang="ko-KR" baseline="0" dirty="0" smtClean="0"/>
-              <a:t>. </a:t>
-            </a:r>
-            <a:r>
-              <a:rPr lang="ko-KR" altLang="en-US" baseline="0" dirty="0" smtClean="0"/>
-              <a:t>이렇게 </a:t>
-            </a:r>
-            <a:r>
-              <a:rPr lang="en-US" altLang="ko-KR" baseline="0" dirty="0" smtClean="0"/>
-              <a:t>3</a:t>
+              <a:t>respiratory function </a:t>
+            </a:r>
+            <a:r>
+              <a:rPr lang="ko-KR" altLang="en-US" baseline="0" dirty="0" smtClean="0"/>
+              <a:t>반영합니다</a:t>
+            </a:r>
+            <a:r>
+              <a:rPr lang="en-US" altLang="ko-KR" baseline="0" dirty="0" smtClean="0"/>
+              <a:t>. 3</a:t>
             </a:r>
             <a:r>
               <a:rPr lang="ko-KR" altLang="en-US" baseline="0" dirty="0" smtClean="0"/>
@@ -7060,7 +6801,7 @@
             </a:r>
             <a:r>
               <a:rPr lang="ko-KR" altLang="en-US" baseline="0" dirty="0" smtClean="0"/>
-              <a:t>으로 나누면 모형이 좋은 적합도를 보였고 </a:t>
+              <a:t>으로 나눠 분석을 한 결과 좋은 적합도를 보였고 </a:t>
             </a:r>
             <a:r>
               <a:rPr lang="en-US" altLang="ko-KR" baseline="0" dirty="0" smtClean="0"/>
@@ -7068,15 +6809,7 @@
             </a:r>
             <a:r>
               <a:rPr lang="ko-KR" altLang="en-US" baseline="0" dirty="0" smtClean="0"/>
-              <a:t>를 </a:t>
-            </a:r>
-            <a:r>
-              <a:rPr lang="ko-KR" altLang="en-US" baseline="0" dirty="0" err="1" smtClean="0"/>
-              <a:t>했을때에도</a:t>
-            </a:r>
-            <a:r>
-              <a:rPr lang="ko-KR" altLang="en-US" baseline="0" dirty="0" smtClean="0"/>
-              <a:t> 잘 나눠지는 것으로 나타났습니다</a:t>
+              <a:t>를 했을 때에도 잘 구분되는 결과를 보였습니다</a:t>
             </a:r>
             <a:r>
               <a:rPr lang="en-US" altLang="ko-KR" baseline="0" dirty="0" smtClean="0"/>
@@ -7124,80 +6857,189 @@
             </a:r>
             <a:r>
               <a:rPr lang="ko-KR" altLang="en-US" baseline="0" dirty="0" smtClean="0"/>
-              <a:t>을 갖는 점수로 생각할 수 있고 총점으로 환자의 상태를 평가하기는 어렵다는 결론을 내리게 됩니다</a:t>
+              <a:t>으로 이뤄진 점수이므로 총점으로 환자의 상태를 반영할 수 없고 각각의 </a:t>
+            </a:r>
+            <a:r>
+              <a:rPr lang="en-US" altLang="ko-KR" baseline="0" dirty="0" smtClean="0"/>
+              <a:t>domain</a:t>
+            </a:r>
+            <a:r>
+              <a:rPr lang="ko-KR" altLang="en-US" baseline="0" dirty="0" smtClean="0"/>
+              <a:t>을 나눠서 생각해야 합니다</a:t>
             </a:r>
             <a:r>
               <a:rPr lang="en-US" altLang="ko-KR" baseline="0" dirty="0" smtClean="0"/>
               <a:t>. </a:t>
             </a:r>
-          </a:p>
-          <a:p>
             <a:endParaRPr lang="en-US" altLang="ko-KR" dirty="0" smtClean="0"/>
           </a:p>
           <a:p>
-            <a:r>
-              <a:rPr lang="en-US" altLang="ko-KR" dirty="0" smtClean="0"/>
+            <a:endParaRPr lang="en-US" altLang="ko-KR" dirty="0" smtClean="0"/>
+          </a:p>
+          <a:p>
+            <a:r>
+              <a:rPr lang="en-US" altLang="ko-KR" dirty="0" smtClean="0"/>
+              <a:t>ALS staging</a:t>
+            </a:r>
+            <a:r>
+              <a:rPr lang="ko-KR" altLang="en-US" dirty="0" smtClean="0"/>
+              <a:t>이 만들어지기 이전에 </a:t>
+            </a:r>
+            <a:r>
+              <a:rPr lang="en-US" altLang="ko-KR" dirty="0" smtClean="0"/>
+              <a:t>clinical </a:t>
+            </a:r>
+            <a:r>
+              <a:rPr lang="en-US" altLang="ko-KR" dirty="0" smtClean="0"/>
+              <a:t>factor</a:t>
+            </a:r>
+            <a:r>
+              <a:rPr lang="ko-KR" altLang="en-US" dirty="0" smtClean="0"/>
+              <a:t>를 </a:t>
+            </a:r>
+            <a:r>
+              <a:rPr lang="ko-KR" altLang="en-US" dirty="0" smtClean="0"/>
+              <a:t>이용한 </a:t>
+            </a:r>
+            <a:r>
+              <a:rPr lang="en-US" altLang="ko-KR" dirty="0" smtClean="0"/>
+              <a:t>phenotypic</a:t>
+            </a:r>
+            <a:r>
+              <a:rPr lang="en-US" altLang="ko-KR" baseline="0" dirty="0" smtClean="0"/>
+              <a:t> </a:t>
+            </a:r>
+            <a:r>
+              <a:rPr lang="en-US" altLang="ko-KR" baseline="0" dirty="0" smtClean="0"/>
+              <a:t>classification</a:t>
+            </a:r>
+            <a:r>
+              <a:rPr lang="ko-KR" altLang="en-US" baseline="0" dirty="0" smtClean="0"/>
+              <a:t>을 해서 </a:t>
+            </a:r>
+            <a:r>
+              <a:rPr lang="en-US" altLang="ko-KR" baseline="0" dirty="0" smtClean="0"/>
+              <a:t>survival</a:t>
+            </a:r>
+            <a:r>
+              <a:rPr lang="ko-KR" altLang="en-US" baseline="0" dirty="0" smtClean="0"/>
+              <a:t>을 </a:t>
+            </a:r>
+            <a:r>
+              <a:rPr lang="en-US" altLang="ko-KR" baseline="0" dirty="0" smtClean="0"/>
+              <a:t>prediction</a:t>
+            </a:r>
+            <a:r>
+              <a:rPr lang="ko-KR" altLang="en-US" baseline="0" dirty="0" smtClean="0"/>
+              <a:t>하는 </a:t>
+            </a:r>
+            <a:r>
+              <a:rPr lang="en-US" altLang="ko-KR" baseline="0" dirty="0" smtClean="0"/>
+              <a:t>model</a:t>
+            </a:r>
+            <a:r>
+              <a:rPr lang="ko-KR" altLang="en-US" baseline="0" dirty="0" smtClean="0"/>
+              <a:t>이 </a:t>
+            </a:r>
+            <a:r>
+              <a:rPr lang="ko-KR" altLang="en-US" baseline="0" dirty="0" smtClean="0"/>
+              <a:t>있었지만 명확한 </a:t>
+            </a:r>
+            <a:r>
+              <a:rPr lang="en-US" altLang="ko-KR" baseline="0" dirty="0" smtClean="0"/>
+              <a:t>milestone</a:t>
+            </a:r>
+            <a:r>
+              <a:rPr lang="ko-KR" altLang="en-US" baseline="0" dirty="0" smtClean="0"/>
+              <a:t>이 없어 </a:t>
+            </a:r>
+            <a:r>
+              <a:rPr lang="en-US" altLang="ko-KR" baseline="0" dirty="0" smtClean="0"/>
+              <a:t>stage</a:t>
+            </a:r>
+            <a:r>
+              <a:rPr lang="ko-KR" altLang="en-US" baseline="0" dirty="0" smtClean="0"/>
+              <a:t>를 </a:t>
+            </a:r>
+            <a:r>
+              <a:rPr lang="ko-KR" altLang="en-US" baseline="0" dirty="0" err="1" smtClean="0"/>
+              <a:t>정할수</a:t>
+            </a:r>
+            <a:r>
+              <a:rPr lang="ko-KR" altLang="en-US" baseline="0" dirty="0" smtClean="0"/>
+              <a:t> 없는 </a:t>
+            </a:r>
+            <a:r>
+              <a:rPr lang="ko-KR" altLang="en-US" baseline="0" dirty="0" smtClean="0"/>
+              <a:t>한계가 있었습니다</a:t>
+            </a:r>
+            <a:r>
+              <a:rPr lang="en-US" altLang="ko-KR" baseline="0" dirty="0" smtClean="0"/>
+              <a:t>. </a:t>
+            </a:r>
+            <a:r>
+              <a:rPr lang="en-US" altLang="ko-KR" baseline="0" dirty="0" smtClean="0"/>
               <a:t>ALS</a:t>
             </a:r>
             <a:r>
-              <a:rPr lang="ko-KR" altLang="en-US" dirty="0" smtClean="0"/>
-              <a:t>환자의 관리</a:t>
-            </a:r>
-            <a:r>
-              <a:rPr lang="en-US" altLang="ko-KR" dirty="0" smtClean="0"/>
+              <a:rPr lang="ko-KR" altLang="en-US" baseline="0" dirty="0" smtClean="0"/>
+              <a:t>환자의 </a:t>
+            </a:r>
+            <a:r>
+              <a:rPr lang="ko-KR" altLang="en-US" baseline="0" dirty="0" smtClean="0"/>
+              <a:t>관리</a:t>
+            </a:r>
+            <a:r>
+              <a:rPr lang="en-US" altLang="ko-KR" baseline="0" dirty="0" smtClean="0"/>
               <a:t>, </a:t>
             </a:r>
             <a:r>
-              <a:rPr lang="ko-KR" altLang="en-US" dirty="0" smtClean="0"/>
-              <a:t>자원의 할당</a:t>
-            </a:r>
-            <a:r>
-              <a:rPr lang="en-US" altLang="ko-KR" dirty="0" smtClean="0"/>
+              <a:rPr lang="ko-KR" altLang="en-US" baseline="0" dirty="0" smtClean="0"/>
+              <a:t>자원배분</a:t>
+            </a:r>
+            <a:r>
+              <a:rPr lang="en-US" altLang="ko-KR" baseline="0" dirty="0" smtClean="0"/>
               <a:t>, </a:t>
             </a:r>
             <a:r>
-              <a:rPr lang="ko-KR" altLang="en-US" dirty="0" smtClean="0"/>
-              <a:t>연구 분류 및 임상시험 설계를 위한 </a:t>
-            </a:r>
-            <a:r>
-              <a:rPr lang="en-US" altLang="ko-KR" dirty="0" smtClean="0"/>
-              <a:t>ALS</a:t>
-            </a:r>
-            <a:r>
-              <a:rPr lang="ko-KR" altLang="en-US" dirty="0" smtClean="0"/>
-              <a:t>의 </a:t>
-            </a:r>
-            <a:r>
-              <a:rPr lang="en-US" altLang="ko-KR" dirty="0" smtClean="0"/>
-              <a:t>staging </a:t>
-            </a:r>
-            <a:r>
-              <a:rPr lang="en-US" altLang="ko-KR" dirty="0" err="1" smtClean="0"/>
-              <a:t>syste</a:t>
-            </a:r>
-            <a:r>
-              <a:rPr lang="ko-KR" altLang="en-US" dirty="0" smtClean="0"/>
-              <a:t>에 대한 필요성이 대두되고 있었습니다</a:t>
-            </a:r>
-            <a:r>
-              <a:rPr lang="en-US" altLang="ko-KR" dirty="0" smtClean="0"/>
-              <a:t>. </a:t>
-            </a:r>
-            <a:r>
-              <a:rPr lang="ko-KR" altLang="en-US" dirty="0" smtClean="0"/>
-              <a:t>최근 이러한 필요성으로 </a:t>
-            </a:r>
-            <a:r>
-              <a:rPr lang="en-US" altLang="ko-KR" dirty="0" smtClean="0"/>
-              <a:t>King’s staging</a:t>
-            </a:r>
-            <a:r>
-              <a:rPr lang="en-US" altLang="ko-KR" baseline="0" dirty="0" smtClean="0"/>
-              <a:t> system, Milano-Torino staging system</a:t>
-            </a:r>
-            <a:r>
-              <a:rPr lang="ko-KR" altLang="en-US" baseline="0" dirty="0" smtClean="0"/>
-              <a:t>이 발표가 되어 사용되고 있습니다</a:t>
+              <a:rPr lang="ko-KR" altLang="en-US" baseline="0" dirty="0" smtClean="0"/>
+              <a:t>연구의 </a:t>
+            </a:r>
+            <a:r>
+              <a:rPr lang="ko-KR" altLang="en-US" baseline="0" dirty="0" smtClean="0"/>
+              <a:t>설계를 위해서는 </a:t>
+            </a:r>
+            <a:r>
+              <a:rPr lang="en-US" altLang="ko-KR" baseline="0" dirty="0" smtClean="0"/>
+              <a:t>ALS staging system</a:t>
+            </a:r>
+            <a:r>
+              <a:rPr lang="ko-KR" altLang="en-US" baseline="0" dirty="0" smtClean="0"/>
+              <a:t>이 필요했고 그 결과 제시된 </a:t>
+            </a:r>
+            <a:r>
+              <a:rPr lang="en-US" altLang="ko-KR" baseline="0" dirty="0" smtClean="0"/>
+              <a:t>staging system</a:t>
+            </a:r>
+            <a:r>
+              <a:rPr lang="ko-KR" altLang="en-US" baseline="0" dirty="0" smtClean="0"/>
+              <a:t>중 널리 쓰이고 있는 대표적인 </a:t>
+            </a:r>
+            <a:r>
+              <a:rPr lang="en-US" altLang="ko-KR" baseline="0" dirty="0" smtClean="0"/>
+              <a:t>2</a:t>
+            </a:r>
+            <a:r>
+              <a:rPr lang="ko-KR" altLang="en-US" baseline="0" dirty="0" smtClean="0"/>
+              <a:t>개의 </a:t>
+            </a:r>
+            <a:r>
+              <a:rPr lang="en-US" altLang="ko-KR" baseline="0" dirty="0" smtClean="0"/>
+              <a:t>staging system</a:t>
+            </a:r>
+            <a:r>
+              <a:rPr lang="ko-KR" altLang="en-US" baseline="0" dirty="0" smtClean="0"/>
+              <a:t>에 대해 살펴보겠습니다</a:t>
             </a:r>
             <a:r>
               <a:rPr lang="en-US" altLang="ko-KR" baseline="0" dirty="0" smtClean="0"/>
@@ -7294,6 +7136,24 @@
           <a:lstStyle/>
           <a:p>
             <a:r>
+              <a:rPr lang="ko-KR" altLang="en-US" dirty="0" smtClean="0"/>
+              <a:t>먼저 발표된 </a:t>
+            </a:r>
+            <a:r>
+              <a:rPr lang="en-US" altLang="ko-KR" dirty="0" smtClean="0"/>
+              <a:t>King’s college system</a:t>
+            </a:r>
+            <a:r>
+              <a:rPr lang="ko-KR" altLang="en-US" dirty="0" smtClean="0"/>
+              <a:t>입니다</a:t>
+            </a:r>
+            <a:r>
+              <a:rPr lang="en-US" altLang="ko-KR" dirty="0" smtClean="0"/>
+              <a:t>. </a:t>
+            </a:r>
+          </a:p>
+          <a:p>
+            <a:r>
               <a:rPr lang="en-US" altLang="ko-KR" dirty="0" smtClean="0"/>
               <a:t>1993~2007</a:t>
             </a:r>
@@ -7647,8 +7507,20 @@
           </a:p>
           <a:p>
             <a:r>
-              <a:rPr lang="en-US" altLang="ko-KR" dirty="0" smtClean="0"/>
-              <a:t> Milestone</a:t>
+              <a:rPr lang="ko-KR" altLang="en-US" dirty="0" smtClean="0"/>
+              <a:t>각 </a:t>
+            </a:r>
+            <a:r>
+              <a:rPr lang="en-US" altLang="ko-KR" dirty="0" smtClean="0"/>
+              <a:t>stage</a:t>
+            </a:r>
+            <a:r>
+              <a:rPr lang="ko-KR" altLang="en-US" dirty="0" smtClean="0"/>
+              <a:t>를 구분하는 </a:t>
+            </a:r>
+            <a:r>
+              <a:rPr lang="en-US" altLang="ko-KR" dirty="0" smtClean="0"/>
+              <a:t>milestone</a:t>
             </a:r>
             <a:r>
               <a:rPr lang="ko-KR" altLang="en-US" dirty="0" smtClean="0"/>
@@ -7676,47 +7548,216 @@
             </a:r>
             <a:r>
               <a:rPr lang="en-US" altLang="ko-KR" baseline="0" dirty="0" smtClean="0"/>
-              <a:t> wasting, spasticity, dysarthria, dysphagia</a:t>
-            </a:r>
-            <a:r>
-              <a:rPr lang="ko-KR" altLang="en-US" baseline="0" dirty="0" smtClean="0"/>
-              <a:t>와 같은 증상이 발생하는 시점</a:t>
+              <a:t> wasting, spasticity, dysarthria, </a:t>
+            </a:r>
+            <a:r>
+              <a:rPr lang="en-US" altLang="ko-KR" baseline="0" dirty="0" smtClean="0"/>
+              <a:t>dysphagia</a:t>
+            </a:r>
+            <a:r>
+              <a:rPr lang="ko-KR" altLang="en-US" baseline="0" dirty="0" smtClean="0"/>
+              <a:t>중의 증상이 처음 </a:t>
+            </a:r>
+            <a:r>
+              <a:rPr lang="ko-KR" altLang="en-US" baseline="0" dirty="0" smtClean="0"/>
+              <a:t>발생하는 </a:t>
+            </a:r>
+            <a:r>
+              <a:rPr lang="ko-KR" altLang="en-US" baseline="0" dirty="0" smtClean="0"/>
+              <a:t>시점 즉 첫 </a:t>
+            </a:r>
+            <a:r>
+              <a:rPr lang="en-US" altLang="ko-KR" baseline="0" dirty="0" smtClean="0"/>
+              <a:t>region</a:t>
+            </a:r>
+            <a:r>
+              <a:rPr lang="ko-KR" altLang="en-US" baseline="0" dirty="0" smtClean="0"/>
+              <a:t>에 증상이 발생한 시점</a:t>
+            </a:r>
+            <a:r>
+              <a:rPr lang="en-US" altLang="ko-KR" baseline="0" dirty="0" smtClean="0"/>
+              <a:t>, ALS</a:t>
+            </a:r>
+            <a:r>
+              <a:rPr lang="ko-KR" altLang="en-US" baseline="0" dirty="0" smtClean="0"/>
+              <a:t>가 진단된 </a:t>
+            </a:r>
+            <a:r>
+              <a:rPr lang="ko-KR" altLang="en-US" baseline="0" dirty="0" smtClean="0"/>
+              <a:t>시점</a:t>
+            </a:r>
+            <a:r>
+              <a:rPr lang="en-US" altLang="ko-KR" baseline="0" dirty="0" smtClean="0"/>
+              <a:t>, 2</a:t>
+            </a:r>
+            <a:r>
+              <a:rPr lang="ko-KR" altLang="en-US" baseline="0" dirty="0" smtClean="0"/>
+              <a:t>번째</a:t>
+            </a:r>
+            <a:r>
+              <a:rPr lang="en-US" altLang="ko-KR" baseline="0" dirty="0" smtClean="0"/>
+              <a:t>, 3</a:t>
+            </a:r>
+            <a:r>
+              <a:rPr lang="ko-KR" altLang="en-US" baseline="0" dirty="0" smtClean="0"/>
+              <a:t>번째 </a:t>
+            </a:r>
+            <a:r>
+              <a:rPr lang="en-US" altLang="ko-KR" baseline="0" dirty="0" smtClean="0"/>
+              <a:t>region</a:t>
+            </a:r>
+            <a:r>
+              <a:rPr lang="ko-KR" altLang="en-US" baseline="0" dirty="0" smtClean="0"/>
+              <a:t>에 증상을 </a:t>
+            </a:r>
+            <a:r>
+              <a:rPr lang="ko-KR" altLang="en-US" baseline="0" dirty="0" smtClean="0"/>
+              <a:t>보이는 시점</a:t>
             </a:r>
             <a:r>
               <a:rPr lang="en-US" altLang="ko-KR" baseline="0" dirty="0" smtClean="0"/>
               <a:t>, </a:t>
             </a:r>
             <a:r>
-              <a:rPr lang="ko-KR" altLang="en-US" baseline="0" dirty="0" smtClean="0"/>
-              <a:t>진단된 시점</a:t>
-            </a:r>
-            <a:r>
-              <a:rPr lang="en-US" altLang="ko-KR" baseline="0" dirty="0" smtClean="0"/>
-              <a:t>, 2</a:t>
-            </a:r>
-            <a:r>
-              <a:rPr lang="ko-KR" altLang="en-US" baseline="0" dirty="0" smtClean="0"/>
-              <a:t>번째</a:t>
-            </a:r>
-            <a:r>
-              <a:rPr lang="en-US" altLang="ko-KR" baseline="0" dirty="0" smtClean="0"/>
-              <a:t>, 3</a:t>
-            </a:r>
-            <a:r>
-              <a:rPr lang="ko-KR" altLang="en-US" baseline="0" dirty="0" smtClean="0"/>
-              <a:t>번째 </a:t>
-            </a:r>
-            <a:r>
-              <a:rPr lang="en-US" altLang="ko-KR" baseline="0" dirty="0" smtClean="0"/>
-              <a:t>region</a:t>
-            </a:r>
-            <a:r>
-              <a:rPr lang="ko-KR" altLang="en-US" baseline="0" dirty="0" smtClean="0"/>
-              <a:t>이 기능장애를 보이는 시점</a:t>
-            </a:r>
-            <a:r>
-              <a:rPr lang="en-US" altLang="ko-KR" baseline="0" dirty="0" smtClean="0"/>
-              <a:t>, gastrostomy</a:t>
+              <a:rPr lang="en-US" altLang="ko-KR" baseline="0" dirty="0" smtClean="0"/>
+              <a:t>gastrostomy/</a:t>
+            </a:r>
+            <a:r>
+              <a:rPr lang="ko-KR" altLang="en-US" baseline="0" dirty="0" smtClean="0"/>
+              <a:t> </a:t>
+            </a:r>
+            <a:r>
+              <a:rPr lang="en-US" altLang="ko-KR" baseline="0" dirty="0" smtClean="0"/>
+              <a:t>non </a:t>
+            </a:r>
+            <a:r>
+              <a:rPr lang="en-US" altLang="ko-KR" baseline="0" dirty="0" smtClean="0"/>
+              <a:t>invasive </a:t>
+            </a:r>
+            <a:r>
+              <a:rPr lang="en-US" altLang="ko-KR" baseline="0" dirty="0" smtClean="0"/>
+              <a:t>ventilation</a:t>
+            </a:r>
+            <a:r>
+              <a:rPr lang="ko-KR" altLang="en-US" baseline="0" dirty="0" smtClean="0"/>
+              <a:t>이 필요한 </a:t>
+            </a:r>
+            <a:r>
+              <a:rPr lang="ko-KR" altLang="en-US" baseline="0" dirty="0" smtClean="0"/>
+              <a:t>시점</a:t>
+            </a:r>
+            <a:r>
+              <a:rPr lang="en-US" altLang="ko-KR" baseline="0" dirty="0" smtClean="0"/>
+              <a:t>, </a:t>
+            </a:r>
+            <a:r>
+              <a:rPr lang="ko-KR" altLang="en-US" baseline="0" dirty="0" smtClean="0"/>
+              <a:t>사망한 시점으로 했습니다</a:t>
+            </a:r>
+            <a:r>
+              <a:rPr lang="en-US" altLang="ko-KR" baseline="0" dirty="0" smtClean="0"/>
+              <a:t>. </a:t>
+            </a:r>
+          </a:p>
+          <a:p>
+            <a:endParaRPr lang="en-US" altLang="ko-KR" baseline="0" dirty="0" smtClean="0"/>
+          </a:p>
+          <a:p>
+            <a:r>
+              <a:rPr lang="ko-KR" altLang="en-US" baseline="0" dirty="0" smtClean="0"/>
+              <a:t>여기서 </a:t>
+            </a:r>
+            <a:r>
+              <a:rPr lang="en-US" altLang="ko-KR" baseline="0" dirty="0" smtClean="0"/>
+              <a:t>stage</a:t>
+            </a:r>
+            <a:r>
+              <a:rPr lang="ko-KR" altLang="en-US" baseline="0" dirty="0" smtClean="0"/>
+              <a:t>를 </a:t>
+            </a:r>
+            <a:r>
+              <a:rPr lang="ko-KR" altLang="en-US" baseline="0" dirty="0" err="1" smtClean="0"/>
+              <a:t>정할때는</a:t>
+            </a:r>
+            <a:r>
+              <a:rPr lang="ko-KR" altLang="en-US" baseline="0" dirty="0" smtClean="0"/>
+              <a:t> 가능한 가장 높은 단계로 정해야 하는데 예를 들면 첫 증상이 </a:t>
+            </a:r>
+            <a:r>
+              <a:rPr lang="en-US" altLang="ko-KR" baseline="0" dirty="0" smtClean="0"/>
+              <a:t>NIV</a:t>
+            </a:r>
+            <a:r>
+              <a:rPr lang="ko-KR" altLang="en-US" baseline="0" dirty="0" smtClean="0"/>
+              <a:t>를 요하는 호흡곤란으로 나타난다면 </a:t>
+            </a:r>
+            <a:r>
+              <a:rPr lang="en-US" altLang="ko-KR" baseline="0" dirty="0" smtClean="0"/>
+              <a:t>2A</a:t>
+            </a:r>
+            <a:r>
+              <a:rPr lang="ko-KR" altLang="en-US" baseline="0" dirty="0" smtClean="0"/>
+              <a:t>가 아닌 </a:t>
+            </a:r>
+            <a:r>
+              <a:rPr lang="en-US" altLang="ko-KR" baseline="0" dirty="0" smtClean="0"/>
+              <a:t>4B</a:t>
+            </a:r>
+            <a:r>
+              <a:rPr lang="ko-KR" altLang="en-US" baseline="0" dirty="0" smtClean="0"/>
+              <a:t>가 됩니다</a:t>
+            </a:r>
+            <a:r>
+              <a:rPr lang="en-US" altLang="ko-KR" baseline="0" dirty="0" smtClean="0"/>
+              <a:t>. </a:t>
+            </a:r>
+          </a:p>
+          <a:p>
+            <a:r>
+              <a:rPr lang="en-US" altLang="ko-KR" dirty="0" smtClean="0"/>
+              <a:t>Stage 2A,2B</a:t>
+            </a:r>
+            <a:r>
+              <a:rPr lang="ko-KR" altLang="en-US" dirty="0" smtClean="0"/>
+              <a:t>를 나눈 것은 여러 </a:t>
+            </a:r>
+            <a:r>
+              <a:rPr lang="en-US" altLang="ko-KR" dirty="0" smtClean="0"/>
+              <a:t>center</a:t>
+            </a:r>
+            <a:r>
+              <a:rPr lang="ko-KR" altLang="en-US" dirty="0" smtClean="0"/>
+              <a:t>들이 각각 진단 시점이 다른데 두번째 분절에 증상이 발생한 시점은 비슷하므로 </a:t>
+            </a:r>
+            <a:r>
+              <a:rPr lang="en-US" altLang="ko-KR" dirty="0" smtClean="0"/>
+              <a:t>2A,</a:t>
+            </a:r>
+            <a:r>
+              <a:rPr lang="en-US" altLang="ko-KR" baseline="0" dirty="0" smtClean="0"/>
+              <a:t> 2B</a:t>
+            </a:r>
+            <a:r>
+              <a:rPr lang="ko-KR" altLang="en-US" baseline="0" dirty="0" smtClean="0"/>
+              <a:t>로 나눴습니다</a:t>
+            </a:r>
+            <a:r>
+              <a:rPr lang="en-US" altLang="ko-KR" baseline="0" dirty="0" smtClean="0"/>
+              <a:t>. </a:t>
+            </a:r>
+          </a:p>
+          <a:p>
+            <a:r>
+              <a:rPr lang="en-US" altLang="ko-KR" baseline="0" dirty="0" smtClean="0"/>
+              <a:t>4A, 4B</a:t>
+            </a:r>
+            <a:r>
+              <a:rPr lang="ko-KR" altLang="en-US" baseline="0" dirty="0" smtClean="0"/>
+              <a:t>를 나눈 것은 </a:t>
+            </a:r>
+            <a:r>
+              <a:rPr lang="en-US" altLang="ko-KR" baseline="0" dirty="0" smtClean="0"/>
+              <a:t>Gastrostomy</a:t>
             </a:r>
             <a:r>
               <a:rPr lang="ko-KR" altLang="en-US" baseline="0" dirty="0" smtClean="0"/>
@@ -7724,496 +7765,49 @@
             </a:r>
             <a:r>
               <a:rPr lang="en-US" altLang="ko-KR" baseline="0" dirty="0" smtClean="0"/>
-              <a:t>non </a:t>
-            </a:r>
-            <a:r>
-              <a:rPr lang="en-US" altLang="ko-KR" baseline="0" dirty="0" err="1" smtClean="0"/>
-              <a:t>invasivae</a:t>
-            </a:r>
-            <a:r>
-              <a:rPr lang="en-US" altLang="ko-KR" baseline="0" dirty="0" smtClean="0"/>
-              <a:t> ventilation</a:t>
-            </a:r>
-            <a:r>
-              <a:rPr lang="ko-KR" altLang="en-US" baseline="0" dirty="0" smtClean="0"/>
-              <a:t>이 필요한 시점으로 정했습니다</a:t>
-            </a:r>
-            <a:r>
-              <a:rPr lang="en-US" altLang="ko-KR" baseline="0" dirty="0" smtClean="0"/>
-              <a:t>. Milestone timing</a:t>
-            </a:r>
-            <a:r>
-              <a:rPr lang="ko-KR" altLang="en-US" baseline="0" dirty="0" smtClean="0"/>
-              <a:t>은 각 </a:t>
-            </a:r>
-            <a:r>
-              <a:rPr lang="en-US" altLang="ko-KR" baseline="0" dirty="0" smtClean="0"/>
-              <a:t>mile stone</a:t>
-            </a:r>
-            <a:r>
-              <a:rPr lang="ko-KR" altLang="en-US" baseline="0" dirty="0" smtClean="0"/>
-              <a:t>까지의 </a:t>
-            </a:r>
-            <a:r>
-              <a:rPr lang="ko-KR" altLang="en-US" baseline="0" dirty="0" err="1" smtClean="0"/>
-              <a:t>경과시간을</a:t>
-            </a:r>
-            <a:r>
-              <a:rPr lang="ko-KR" altLang="en-US" baseline="0" dirty="0" smtClean="0"/>
-              <a:t> </a:t>
-            </a:r>
-            <a:r>
-              <a:rPr lang="ko-KR" altLang="en-US" baseline="0" dirty="0" err="1" smtClean="0"/>
-              <a:t>사망할때까지의</a:t>
-            </a:r>
-            <a:r>
-              <a:rPr lang="ko-KR" altLang="en-US" baseline="0" dirty="0" smtClean="0"/>
-              <a:t> 전체기간으로 나눈 비율로 표준화 하였고 진단은 </a:t>
-            </a:r>
-            <a:r>
-              <a:rPr lang="en-US" altLang="ko-KR" baseline="0" dirty="0" smtClean="0"/>
-              <a:t>35%</a:t>
-            </a:r>
-            <a:r>
-              <a:rPr lang="ko-KR" altLang="en-US" baseline="0" dirty="0" smtClean="0"/>
-              <a:t>시점</a:t>
-            </a:r>
-            <a:r>
-              <a:rPr lang="en-US" altLang="ko-KR" baseline="0" dirty="0" smtClean="0"/>
-              <a:t>, </a:t>
-            </a:r>
-            <a:r>
-              <a:rPr lang="ko-KR" altLang="en-US" baseline="0" dirty="0" smtClean="0"/>
-              <a:t>두번째 분절이 영향을 받은 시점은 </a:t>
-            </a:r>
-            <a:r>
-              <a:rPr lang="en-US" altLang="ko-KR" baseline="0" dirty="0" smtClean="0"/>
-              <a:t>38%, 3</a:t>
-            </a:r>
-            <a:r>
-              <a:rPr lang="ko-KR" altLang="en-US" baseline="0" dirty="0" smtClean="0"/>
-              <a:t>번째는 </a:t>
-            </a:r>
-            <a:r>
-              <a:rPr lang="en-US" altLang="ko-KR" baseline="0" dirty="0" smtClean="0"/>
-              <a:t>61%, gastrostomy</a:t>
-            </a:r>
-            <a:r>
-              <a:rPr lang="ko-KR" altLang="en-US" baseline="0" dirty="0" smtClean="0"/>
-              <a:t>가 필요한 시점은 </a:t>
-            </a:r>
-            <a:r>
-              <a:rPr lang="en-US" altLang="ko-KR" baseline="0" dirty="0" smtClean="0"/>
-              <a:t>77%, NIV</a:t>
-            </a:r>
-            <a:r>
-              <a:rPr lang="ko-KR" altLang="en-US" baseline="0" dirty="0" smtClean="0"/>
-              <a:t>가 필요한 시점은 </a:t>
-            </a:r>
-            <a:r>
-              <a:rPr lang="en-US" altLang="ko-KR" baseline="0" dirty="0" smtClean="0"/>
-              <a:t>80%</a:t>
-            </a:r>
-            <a:r>
-              <a:rPr lang="ko-KR" altLang="en-US" baseline="0" dirty="0" smtClean="0"/>
-              <a:t>였습니다</a:t>
+              <a:t>NIV</a:t>
+            </a:r>
+            <a:r>
+              <a:rPr lang="ko-KR" altLang="en-US" baseline="0" dirty="0" smtClean="0"/>
+              <a:t>가 필요한 시점이 </a:t>
+            </a:r>
+            <a:r>
+              <a:rPr lang="en-US" altLang="ko-KR" baseline="0" dirty="0" smtClean="0"/>
+              <a:t>bulbar onset</a:t>
+            </a:r>
+            <a:r>
+              <a:rPr lang="ko-KR" altLang="en-US" baseline="0" dirty="0" smtClean="0"/>
+              <a:t>과 </a:t>
+            </a:r>
+            <a:r>
+              <a:rPr lang="en-US" altLang="ko-KR" baseline="0" dirty="0" smtClean="0"/>
+              <a:t>limb onset</a:t>
+            </a:r>
+            <a:r>
+              <a:rPr lang="ko-KR" altLang="en-US" baseline="0" dirty="0" smtClean="0"/>
+              <a:t>에서 각각 진행이 조금 달라서 도달하는지가 다르므로 </a:t>
+            </a:r>
+            <a:r>
+              <a:rPr lang="en-US" altLang="ko-KR" baseline="0" dirty="0" smtClean="0"/>
+              <a:t>stage 4,5</a:t>
+            </a:r>
+            <a:r>
+              <a:rPr lang="ko-KR" altLang="en-US" baseline="0" dirty="0" smtClean="0"/>
+              <a:t>가 아닌 </a:t>
+            </a:r>
+            <a:r>
+              <a:rPr lang="en-US" altLang="ko-KR" baseline="0" dirty="0" smtClean="0"/>
+              <a:t>4A, 4B</a:t>
+            </a:r>
+            <a:r>
+              <a:rPr lang="ko-KR" altLang="en-US" baseline="0" dirty="0" smtClean="0"/>
+              <a:t>로 나눴다고 합니다</a:t>
             </a:r>
             <a:r>
               <a:rPr lang="en-US" altLang="ko-KR" baseline="0" dirty="0" smtClean="0"/>
               <a:t>. </a:t>
             </a:r>
-            <a:endParaRPr lang="en-US" altLang="ko-KR" dirty="0" smtClean="0"/>
-          </a:p>
-          <a:p>
-            <a:endParaRPr lang="en-US" altLang="ko-KR" dirty="0" smtClean="0"/>
-          </a:p>
-          <a:p>
-            <a:r>
-              <a:rPr lang="en-US" altLang="ko-KR" dirty="0" smtClean="0"/>
-              <a:t>Stage 1</a:t>
-            </a:r>
-            <a:r>
-              <a:rPr lang="ko-KR" altLang="en-US" dirty="0" smtClean="0"/>
-              <a:t>은 첫번째 부위가 침범되어 </a:t>
-            </a:r>
-            <a:r>
-              <a:rPr lang="en-US" altLang="ko-KR" dirty="0" smtClean="0"/>
-              <a:t>weakness, muscle wasting, spasticity,</a:t>
-            </a:r>
-            <a:r>
-              <a:rPr lang="en-US" altLang="ko-KR" baseline="0" dirty="0" smtClean="0"/>
-              <a:t> dysarthria, dysphagia</a:t>
-            </a:r>
-            <a:r>
-              <a:rPr lang="ko-KR" altLang="en-US" baseline="0" dirty="0" smtClean="0"/>
-              <a:t>와 같은</a:t>
-            </a:r>
-            <a:r>
-              <a:rPr lang="en-US" altLang="ko-KR" dirty="0" smtClean="0"/>
-              <a:t> </a:t>
-            </a:r>
-            <a:r>
-              <a:rPr lang="ko-KR" altLang="en-US" dirty="0" smtClean="0"/>
-              <a:t>증상이 시작한 상태</a:t>
-            </a:r>
-            <a:r>
-              <a:rPr lang="en-US" altLang="ko-KR" dirty="0" smtClean="0"/>
-              <a:t>, 2A</a:t>
-            </a:r>
-            <a:r>
-              <a:rPr lang="ko-KR" altLang="en-US" dirty="0" smtClean="0"/>
-              <a:t>는 진단</a:t>
-            </a:r>
-            <a:r>
-              <a:rPr lang="en-US" altLang="ko-KR" dirty="0" smtClean="0"/>
-              <a:t>, 2B</a:t>
-            </a:r>
-            <a:r>
-              <a:rPr lang="ko-KR" altLang="en-US" dirty="0" smtClean="0"/>
-              <a:t>는 두번째 부위의 침범</a:t>
-            </a:r>
-            <a:r>
-              <a:rPr lang="en-US" altLang="ko-KR" dirty="0" smtClean="0"/>
-              <a:t>, 3</a:t>
-            </a:r>
-            <a:r>
-              <a:rPr lang="ko-KR" altLang="en-US" dirty="0" smtClean="0"/>
-              <a:t>는 세번째</a:t>
-            </a:r>
-            <a:r>
-              <a:rPr lang="ko-KR" altLang="en-US" baseline="0" dirty="0" smtClean="0"/>
-              <a:t> 부위의 침범</a:t>
-            </a:r>
-            <a:r>
-              <a:rPr lang="en-US" altLang="ko-KR" baseline="0" dirty="0" smtClean="0"/>
-              <a:t>, 4A</a:t>
-            </a:r>
-            <a:r>
-              <a:rPr lang="ko-KR" altLang="en-US" baseline="0" dirty="0" smtClean="0"/>
-              <a:t>는 </a:t>
-            </a:r>
-            <a:r>
-              <a:rPr lang="ko-KR" altLang="en-US" baseline="0" dirty="0" err="1" smtClean="0"/>
-              <a:t>경관영양이</a:t>
-            </a:r>
-            <a:r>
-              <a:rPr lang="ko-KR" altLang="en-US" baseline="0" dirty="0" smtClean="0"/>
-              <a:t> 필요한 상태</a:t>
-            </a:r>
-            <a:r>
-              <a:rPr lang="en-US" altLang="ko-KR" baseline="0" dirty="0" smtClean="0"/>
-              <a:t>, 4B</a:t>
-            </a:r>
-            <a:r>
-              <a:rPr lang="ko-KR" altLang="en-US" baseline="0" dirty="0" smtClean="0"/>
-              <a:t>는 비침습적 인공호흡기가 필요한 상태</a:t>
-            </a:r>
-            <a:r>
-              <a:rPr lang="en-US" altLang="ko-KR" baseline="0" dirty="0" smtClean="0"/>
-              <a:t>, 5</a:t>
-            </a:r>
-            <a:r>
-              <a:rPr lang="ko-KR" altLang="en-US" baseline="0" dirty="0" smtClean="0"/>
-              <a:t>는</a:t>
-            </a:r>
-            <a:r>
-              <a:rPr lang="en-US" altLang="ko-KR" baseline="0" dirty="0" smtClean="0"/>
-              <a:t> </a:t>
-            </a:r>
-            <a:r>
-              <a:rPr lang="ko-KR" altLang="en-US" baseline="0" dirty="0" smtClean="0"/>
-              <a:t>사망으로 나뉩니다</a:t>
-            </a:r>
-            <a:r>
-              <a:rPr lang="en-US" altLang="ko-KR" baseline="0" dirty="0" smtClean="0"/>
-              <a:t>. </a:t>
-            </a:r>
-            <a:r>
-              <a:rPr lang="ko-KR" altLang="en-US" baseline="0" dirty="0" smtClean="0"/>
-              <a:t>환자가 호소하는 증상</a:t>
-            </a:r>
-            <a:r>
-              <a:rPr lang="en-US" altLang="ko-KR" baseline="0" dirty="0" smtClean="0"/>
-              <a:t>, </a:t>
-            </a:r>
-            <a:r>
-              <a:rPr lang="ko-KR" altLang="en-US" baseline="0" dirty="0" smtClean="0"/>
-              <a:t>의사의 진찰을 통한 결과를 모두 반영하여 </a:t>
-            </a:r>
-            <a:r>
-              <a:rPr lang="en-US" altLang="ko-KR" baseline="0" dirty="0" smtClean="0"/>
-              <a:t>stage</a:t>
-            </a:r>
-            <a:r>
-              <a:rPr lang="ko-KR" altLang="en-US" baseline="0" dirty="0" smtClean="0"/>
-              <a:t>를 평가하고 </a:t>
-            </a:r>
-            <a:r>
-              <a:rPr lang="en-US" altLang="ko-KR" baseline="0" dirty="0" smtClean="0"/>
-              <a:t>upper motor neuron, lower motor neuron sign</a:t>
-            </a:r>
-            <a:r>
-              <a:rPr lang="ko-KR" altLang="en-US" baseline="0" dirty="0" smtClean="0"/>
-              <a:t>여부에 대한 판단이 </a:t>
-            </a:r>
-            <a:r>
-              <a:rPr lang="ko-KR" altLang="en-US" baseline="0" dirty="0" err="1" smtClean="0"/>
-              <a:t>필요없다는</a:t>
-            </a:r>
-            <a:r>
-              <a:rPr lang="ko-KR" altLang="en-US" baseline="0" dirty="0" smtClean="0"/>
-              <a:t> 장점이 있으며 </a:t>
-            </a:r>
-            <a:r>
-              <a:rPr lang="en-US" altLang="ko-KR" baseline="0" dirty="0" smtClean="0"/>
-              <a:t>King’s stage</a:t>
-            </a:r>
-            <a:r>
-              <a:rPr lang="ko-KR" altLang="en-US" baseline="0" dirty="0" smtClean="0"/>
-              <a:t>를 이용한 </a:t>
-            </a:r>
-            <a:r>
-              <a:rPr lang="ko-KR" altLang="en-US" baseline="0" dirty="0" err="1" smtClean="0"/>
-              <a:t>질병진행의</a:t>
-            </a:r>
-            <a:r>
-              <a:rPr lang="ko-KR" altLang="en-US" baseline="0" dirty="0" smtClean="0"/>
-              <a:t> 예측에서도 이전의 </a:t>
-            </a:r>
-            <a:r>
-              <a:rPr lang="ko-KR" altLang="en-US" baseline="0" dirty="0" err="1" smtClean="0"/>
-              <a:t>임상경과와</a:t>
-            </a:r>
-            <a:r>
-              <a:rPr lang="ko-KR" altLang="en-US" baseline="0" dirty="0" smtClean="0"/>
-              <a:t> 유사한 곡선형을 확인하였습니다</a:t>
-            </a:r>
-            <a:r>
-              <a:rPr lang="en-US" altLang="ko-KR" baseline="0" dirty="0" smtClean="0"/>
-              <a:t>. </a:t>
-            </a:r>
-          </a:p>
-          <a:p>
-            <a:r>
-              <a:rPr lang="ko-KR" altLang="en-US" baseline="0" dirty="0" smtClean="0"/>
-              <a:t>다만 기존의 </a:t>
-            </a:r>
-            <a:r>
-              <a:rPr lang="ko-KR" altLang="en-US" baseline="0" dirty="0" err="1" smtClean="0"/>
-              <a:t>코호트를</a:t>
-            </a:r>
-            <a:r>
-              <a:rPr lang="ko-KR" altLang="en-US" baseline="0" dirty="0" smtClean="0"/>
-              <a:t> 이용한 연구이므로 새로운 </a:t>
-            </a:r>
-            <a:r>
-              <a:rPr lang="ko-KR" altLang="en-US" baseline="0" dirty="0" err="1" smtClean="0"/>
-              <a:t>코호트를</a:t>
-            </a:r>
-            <a:r>
-              <a:rPr lang="ko-KR" altLang="en-US" baseline="0" dirty="0" smtClean="0"/>
-              <a:t> 활용해서 연구한다면 기존과 연령</a:t>
-            </a:r>
-            <a:r>
-              <a:rPr lang="en-US" altLang="ko-KR" baseline="0" dirty="0" smtClean="0"/>
-              <a:t>, </a:t>
-            </a:r>
-            <a:r>
-              <a:rPr lang="ko-KR" altLang="en-US" baseline="0" dirty="0" smtClean="0"/>
-              <a:t>성별</a:t>
-            </a:r>
-            <a:r>
-              <a:rPr lang="en-US" altLang="ko-KR" baseline="0" dirty="0" smtClean="0"/>
-              <a:t>, </a:t>
-            </a:r>
-            <a:r>
-              <a:rPr lang="ko-KR" altLang="en-US" baseline="0" dirty="0" smtClean="0"/>
-              <a:t>표현형의 비율</a:t>
-            </a:r>
-            <a:r>
-              <a:rPr lang="en-US" altLang="ko-KR" baseline="0" dirty="0" smtClean="0"/>
-              <a:t>, </a:t>
-            </a:r>
-            <a:r>
-              <a:rPr lang="ko-KR" altLang="en-US" baseline="0" dirty="0" smtClean="0"/>
-              <a:t>유전적 배경에 따라서 결과가 달라질 수 있겠고 </a:t>
-            </a:r>
-            <a:r>
-              <a:rPr lang="ko-KR" altLang="en-US" baseline="0" dirty="0" err="1" smtClean="0"/>
-              <a:t>호흡증상이</a:t>
-            </a:r>
-            <a:r>
-              <a:rPr lang="ko-KR" altLang="en-US" baseline="0" dirty="0" smtClean="0"/>
-              <a:t> 최초로 발생하는 환자들은 </a:t>
-            </a:r>
-            <a:r>
-              <a:rPr lang="en-US" altLang="ko-KR" baseline="0" dirty="0" smtClean="0"/>
-              <a:t>stage 3</a:t>
-            </a:r>
-            <a:r>
-              <a:rPr lang="ko-KR" altLang="en-US" baseline="0" dirty="0" smtClean="0"/>
-              <a:t>이하의 단계를 거치지 않고 바로 </a:t>
-            </a:r>
-            <a:r>
-              <a:rPr lang="en-US" altLang="ko-KR" baseline="0" dirty="0" smtClean="0"/>
-              <a:t>stage 4B</a:t>
-            </a:r>
-            <a:r>
-              <a:rPr lang="ko-KR" altLang="en-US" baseline="0" dirty="0" smtClean="0"/>
-              <a:t>로 시작하는 경우가 </a:t>
-            </a:r>
-            <a:r>
-              <a:rPr lang="ko-KR" altLang="en-US" baseline="0" dirty="0" err="1" smtClean="0"/>
-              <a:t>있을수</a:t>
-            </a:r>
-            <a:r>
-              <a:rPr lang="ko-KR" altLang="en-US" baseline="0" dirty="0" smtClean="0"/>
-              <a:t> 있습니다</a:t>
-            </a:r>
-            <a:r>
-              <a:rPr lang="en-US" altLang="ko-KR" baseline="0" dirty="0" smtClean="0"/>
-              <a:t>. </a:t>
-            </a:r>
-            <a:r>
-              <a:rPr lang="ko-KR" altLang="en-US" baseline="0" dirty="0" smtClean="0"/>
-              <a:t>또한 </a:t>
-            </a:r>
-            <a:r>
-              <a:rPr lang="en-US" altLang="ko-KR" baseline="0" dirty="0" smtClean="0"/>
-              <a:t>ALS</a:t>
-            </a:r>
-            <a:r>
-              <a:rPr lang="ko-KR" altLang="en-US" baseline="0" dirty="0" smtClean="0"/>
-              <a:t>가 중증으로 진행하면 </a:t>
-            </a:r>
-            <a:r>
-              <a:rPr lang="en-US" altLang="ko-KR" baseline="0" dirty="0" smtClean="0"/>
-              <a:t>frontotemporal dementia</a:t>
-            </a:r>
-            <a:r>
-              <a:rPr lang="ko-KR" altLang="en-US" baseline="0" dirty="0" smtClean="0"/>
-              <a:t>가 약 </a:t>
-            </a:r>
-            <a:r>
-              <a:rPr lang="en-US" altLang="ko-KR" baseline="0" dirty="0" smtClean="0"/>
-              <a:t>50%</a:t>
-            </a:r>
-            <a:r>
-              <a:rPr lang="ko-KR" altLang="en-US" baseline="0" dirty="0" smtClean="0"/>
-              <a:t>정도에서 생기지만 </a:t>
-            </a:r>
-            <a:r>
-              <a:rPr lang="en-US" altLang="ko-KR" baseline="0" dirty="0" smtClean="0"/>
-              <a:t>King’s system</a:t>
-            </a:r>
-            <a:r>
-              <a:rPr lang="ko-KR" altLang="en-US" baseline="0" dirty="0" smtClean="0"/>
-              <a:t>에는 그런 부분은 반영이 안된 단점이 있습니다</a:t>
-            </a:r>
-            <a:r>
-              <a:rPr lang="en-US" altLang="ko-KR" baseline="0" dirty="0" smtClean="0"/>
-              <a:t>. </a:t>
-            </a:r>
-            <a:r>
-              <a:rPr lang="ko-KR" altLang="en-US" baseline="0" dirty="0" smtClean="0"/>
-              <a:t>다만 </a:t>
-            </a:r>
-            <a:r>
-              <a:rPr lang="en-US" altLang="ko-KR" baseline="0" dirty="0" smtClean="0"/>
-              <a:t>King system</a:t>
-            </a:r>
-            <a:r>
-              <a:rPr lang="ko-KR" altLang="en-US" baseline="0" dirty="0" smtClean="0"/>
-              <a:t>의 </a:t>
-            </a:r>
-            <a:r>
-              <a:rPr lang="en-US" altLang="ko-KR" baseline="0" dirty="0" smtClean="0"/>
-              <a:t>stage</a:t>
-            </a:r>
-            <a:r>
-              <a:rPr lang="ko-KR" altLang="en-US" baseline="0" dirty="0" smtClean="0"/>
-              <a:t>에 따라서 </a:t>
-            </a:r>
-            <a:r>
-              <a:rPr lang="en-US" altLang="ko-KR" baseline="0" dirty="0" smtClean="0"/>
-              <a:t>stage1</a:t>
-            </a:r>
-            <a:r>
-              <a:rPr lang="ko-KR" altLang="en-US" baseline="0" dirty="0" smtClean="0"/>
-              <a:t>에서는 의료기관의 진단</a:t>
-            </a:r>
-            <a:r>
-              <a:rPr lang="en-US" altLang="ko-KR" baseline="0" dirty="0" smtClean="0"/>
-              <a:t>, stage 2,3</a:t>
-            </a:r>
-            <a:r>
-              <a:rPr lang="ko-KR" altLang="en-US" baseline="0" dirty="0" smtClean="0"/>
-              <a:t>에서는 </a:t>
-            </a:r>
-            <a:r>
-              <a:rPr lang="ko-KR" altLang="en-US" baseline="0" dirty="0" err="1" smtClean="0"/>
-              <a:t>다학제팀에</a:t>
-            </a:r>
-            <a:r>
-              <a:rPr lang="ko-KR" altLang="en-US" baseline="0" dirty="0" smtClean="0"/>
-              <a:t> 의한 의료서비스</a:t>
-            </a:r>
-            <a:r>
-              <a:rPr lang="en-US" altLang="ko-KR" baseline="0" dirty="0" smtClean="0"/>
-              <a:t>, stage 4</a:t>
-            </a:r>
-            <a:r>
-              <a:rPr lang="ko-KR" altLang="en-US" baseline="0" dirty="0" smtClean="0"/>
-              <a:t>부터는 </a:t>
-            </a:r>
-            <a:r>
-              <a:rPr lang="ko-KR" altLang="en-US" baseline="0" dirty="0" err="1" smtClean="0"/>
-              <a:t>경관영양과</a:t>
-            </a:r>
-            <a:r>
-              <a:rPr lang="ko-KR" altLang="en-US" baseline="0" dirty="0" smtClean="0"/>
-              <a:t> 인공호흡기와 같은 </a:t>
-            </a:r>
-            <a:r>
-              <a:rPr lang="ko-KR" altLang="en-US" baseline="0" dirty="0" err="1" smtClean="0"/>
-              <a:t>중재치료</a:t>
-            </a:r>
-            <a:r>
-              <a:rPr lang="en-US" altLang="ko-KR" baseline="0" dirty="0" smtClean="0"/>
-              <a:t>, </a:t>
-            </a:r>
-            <a:r>
-              <a:rPr lang="ko-KR" altLang="en-US" baseline="0" dirty="0" smtClean="0"/>
-              <a:t>말기의 완화 의료와 돌봄에 대한 접근으로 </a:t>
-            </a:r>
-            <a:r>
-              <a:rPr lang="ko-KR" altLang="en-US" baseline="0" dirty="0" err="1" smtClean="0"/>
-              <a:t>나눌수</a:t>
-            </a:r>
-            <a:r>
-              <a:rPr lang="ko-KR" altLang="en-US" baseline="0" dirty="0" smtClean="0"/>
-              <a:t> 있고 이를 통해 더 체계적인 사회적 접근이 가능하다는 장점이 있습니다</a:t>
-            </a:r>
-            <a:r>
-              <a:rPr lang="en-US" altLang="ko-KR" baseline="0" dirty="0" smtClean="0"/>
-              <a:t>. </a:t>
-            </a:r>
-            <a:r>
-              <a:rPr lang="ko-KR" altLang="en-US" baseline="0" dirty="0" smtClean="0"/>
-              <a:t>또한 </a:t>
-            </a:r>
-            <a:r>
-              <a:rPr lang="en-US" altLang="ko-KR" baseline="0" dirty="0" smtClean="0"/>
-              <a:t>King’s system</a:t>
-            </a:r>
-            <a:r>
-              <a:rPr lang="ko-KR" altLang="en-US" baseline="0" dirty="0" smtClean="0"/>
-              <a:t>을 임상시험지표로서도 활용하고 있습니다</a:t>
-            </a:r>
-            <a:r>
-              <a:rPr lang="en-US" altLang="ko-KR" baseline="0" dirty="0" smtClean="0"/>
-              <a:t>. 	</a:t>
-            </a:r>
+            <a:endParaRPr lang="en-US" altLang="ko-KR" baseline="0" dirty="0" smtClean="0"/>
           </a:p>
         </p:txBody>
       </p:sp>
@@ -8297,6 +7891,23 @@
           <a:bodyPr/>
           <a:lstStyle/>
           <a:p>
+            <a:pPr marL="0" marR="0" lvl="0" indent="0" algn="l" defTabSz="914400" rtl="0" eaLnBrk="1" fontAlgn="auto" latinLnBrk="1" hangingPunct="1">
+              <a:lnSpc>
+                <a:spcPct val="100000"/>
+              </a:lnSpc>
+              <a:spcBef>
+                <a:spcPts val="0"/>
+              </a:spcBef>
+              <a:spcAft>
+                <a:spcPts val="0"/>
+              </a:spcAft>
+              <a:buClrTx/>
+              <a:buSzTx/>
+              <a:buFontTx/>
+              <a:buNone/>
+              <a:tabLst/>
+              <a:defRPr/>
+            </a:pPr>
             <a:r>
               <a:rPr lang="ko-KR" altLang="en-US" dirty="0" smtClean="0"/>
               <a:t>각 </a:t>
@@ -8315,80 +7926,212 @@
             </a:r>
             <a:r>
               <a:rPr lang="ko-KR" altLang="en-US" baseline="0" dirty="0" err="1" smtClean="0"/>
-              <a:t>진단시점과</a:t>
-            </a:r>
-            <a:r>
-              <a:rPr lang="ko-KR" altLang="en-US" baseline="0" dirty="0" smtClean="0"/>
+              <a:t>진단시점</a:t>
+            </a:r>
+            <a:r>
+              <a:rPr lang="ko-KR" altLang="en-US" baseline="0" dirty="0" smtClean="0"/>
+              <a:t> 즉 </a:t>
+            </a:r>
+            <a:r>
+              <a:rPr lang="en-US" altLang="ko-KR" baseline="0" dirty="0" smtClean="0"/>
+              <a:t>2A</a:t>
+            </a:r>
+            <a:r>
+              <a:rPr lang="ko-KR" altLang="en-US" baseline="0" dirty="0" smtClean="0"/>
+              <a:t>와 </a:t>
+            </a:r>
+            <a:r>
+              <a:rPr lang="en-US" altLang="ko-KR" baseline="0" dirty="0" smtClean="0"/>
+              <a:t>2</a:t>
+            </a:r>
+            <a:r>
+              <a:rPr lang="ko-KR" altLang="en-US" baseline="0" dirty="0" smtClean="0"/>
+              <a:t>번째 분절에서 장애를 보이는 </a:t>
+            </a:r>
+            <a:r>
+              <a:rPr lang="en-US" altLang="ko-KR" baseline="0" dirty="0" smtClean="0"/>
+              <a:t>2B</a:t>
+            </a:r>
+            <a:r>
+              <a:rPr lang="ko-KR" altLang="en-US" baseline="0" dirty="0" smtClean="0"/>
+              <a:t>가 명확히 구분되지는 </a:t>
+            </a:r>
+            <a:r>
+              <a:rPr lang="ko-KR" altLang="en-US" baseline="0" dirty="0" smtClean="0"/>
+              <a:t>않았습니다</a:t>
+            </a:r>
+            <a:r>
+              <a:rPr lang="en-US" altLang="ko-KR" baseline="0" dirty="0" smtClean="0"/>
+              <a:t>. Bulbar onset</a:t>
+            </a:r>
+            <a:r>
+              <a:rPr lang="ko-KR" altLang="en-US" baseline="0" dirty="0" smtClean="0"/>
+              <a:t>에서는 </a:t>
+            </a:r>
+            <a:r>
+              <a:rPr lang="en-US" altLang="ko-KR" baseline="0" dirty="0" smtClean="0"/>
+              <a:t>NIV</a:t>
+            </a:r>
+            <a:r>
+              <a:rPr lang="ko-KR" altLang="en-US" baseline="0" dirty="0" smtClean="0"/>
+              <a:t>이전에 </a:t>
+            </a:r>
+            <a:r>
+              <a:rPr lang="en-US" altLang="ko-KR" baseline="0" dirty="0" smtClean="0"/>
+              <a:t>gastrostomy</a:t>
+            </a:r>
+            <a:r>
+              <a:rPr lang="ko-KR" altLang="en-US" baseline="0" dirty="0" smtClean="0"/>
+              <a:t>를 요하는 </a:t>
+            </a:r>
+            <a:r>
+              <a:rPr lang="en-US" altLang="ko-KR" baseline="0" dirty="0" smtClean="0"/>
+              <a:t>stage 4A</a:t>
+            </a:r>
+            <a:r>
+              <a:rPr lang="ko-KR" altLang="en-US" baseline="0" dirty="0" smtClean="0"/>
+              <a:t>에 </a:t>
+            </a:r>
+            <a:r>
+              <a:rPr lang="ko-KR" altLang="en-US" baseline="0" dirty="0" smtClean="0"/>
+              <a:t>먼저 도달했고 </a:t>
+            </a:r>
+            <a:r>
+              <a:rPr lang="en-US" altLang="ko-KR" baseline="0" dirty="0" smtClean="0"/>
+              <a:t>limb onset</a:t>
+            </a:r>
+            <a:r>
+              <a:rPr lang="ko-KR" altLang="en-US" baseline="0" dirty="0" smtClean="0"/>
+              <a:t>의 경우에는 </a:t>
+            </a:r>
+            <a:r>
+              <a:rPr lang="en-US" altLang="ko-KR" baseline="0" dirty="0" smtClean="0"/>
+              <a:t>NIV</a:t>
+            </a:r>
+            <a:r>
+              <a:rPr lang="ko-KR" altLang="en-US" baseline="0" dirty="0" smtClean="0"/>
+              <a:t>를</a:t>
+            </a:r>
+            <a:r>
+              <a:rPr lang="en-US" altLang="ko-KR" baseline="0" dirty="0" smtClean="0"/>
               <a:t> </a:t>
             </a:r>
             <a:r>
-              <a:rPr lang="en-US" altLang="ko-KR" baseline="0" dirty="0" smtClean="0"/>
-              <a:t>2</a:t>
-            </a:r>
-            <a:r>
-              <a:rPr lang="ko-KR" altLang="en-US" baseline="0" dirty="0" smtClean="0"/>
-              <a:t>번째 분절에서 장애를 보이는 시점이 </a:t>
+              <a:rPr lang="ko-KR" altLang="en-US" baseline="0" dirty="0" smtClean="0"/>
+              <a:t>요하는 </a:t>
+            </a:r>
+            <a:r>
+              <a:rPr lang="en-US" altLang="ko-KR" baseline="0" dirty="0" smtClean="0"/>
+              <a:t>4B</a:t>
+            </a:r>
+            <a:r>
+              <a:rPr lang="ko-KR" altLang="en-US" baseline="0" dirty="0" smtClean="0"/>
+              <a:t>에 </a:t>
+            </a:r>
+            <a:r>
+              <a:rPr lang="ko-KR" altLang="en-US" baseline="0" dirty="0" smtClean="0"/>
+              <a:t>먼저 도달했습니다</a:t>
+            </a:r>
+            <a:r>
+              <a:rPr lang="en-US" altLang="ko-KR" baseline="0" dirty="0" smtClean="0"/>
+              <a:t>. </a:t>
+            </a:r>
+            <a:r>
+              <a:rPr lang="en-US" altLang="ko-KR" baseline="0" dirty="0" smtClean="0"/>
+              <a:t>Milestone timing</a:t>
+            </a:r>
+            <a:r>
+              <a:rPr lang="ko-KR" altLang="en-US" baseline="0" dirty="0" smtClean="0"/>
+              <a:t>은 각 </a:t>
+            </a:r>
+            <a:r>
+              <a:rPr lang="en-US" altLang="ko-KR" baseline="0" dirty="0" smtClean="0"/>
+              <a:t>milestone</a:t>
+            </a:r>
+            <a:r>
+              <a:rPr lang="ko-KR" altLang="en-US" baseline="0" dirty="0" smtClean="0"/>
+              <a:t>까지 </a:t>
             </a:r>
             <a:r>
               <a:rPr lang="ko-KR" altLang="en-US" baseline="0" dirty="0" err="1" smtClean="0"/>
-              <a:t>명확히는</a:t>
-            </a:r>
-            <a:r>
-              <a:rPr lang="ko-KR" altLang="en-US" baseline="0" dirty="0" smtClean="0"/>
-              <a:t> 구분되지 않았습니다</a:t>
-            </a:r>
-            <a:r>
-              <a:rPr lang="en-US" altLang="ko-KR" baseline="0" dirty="0" smtClean="0"/>
-              <a:t>. Bulbar onset</a:t>
-            </a:r>
-            <a:r>
-              <a:rPr lang="ko-KR" altLang="en-US" baseline="0" dirty="0" smtClean="0"/>
-              <a:t>에서는 </a:t>
-            </a:r>
-            <a:r>
-              <a:rPr lang="en-US" altLang="ko-KR" baseline="0" dirty="0" smtClean="0"/>
-              <a:t>NIV</a:t>
-            </a:r>
-            <a:r>
-              <a:rPr lang="ko-KR" altLang="en-US" baseline="0" dirty="0" smtClean="0"/>
-              <a:t>이전에 </a:t>
-            </a:r>
-            <a:r>
-              <a:rPr lang="en-US" altLang="ko-KR" baseline="0" dirty="0" smtClean="0"/>
-              <a:t>gastrostomy</a:t>
-            </a:r>
-            <a:r>
-              <a:rPr lang="ko-KR" altLang="en-US" baseline="0" dirty="0" smtClean="0"/>
-              <a:t>를 요하는 상태에 먼저 도달했고 </a:t>
-            </a:r>
-            <a:r>
-              <a:rPr lang="en-US" altLang="ko-KR" baseline="0" dirty="0" smtClean="0"/>
-              <a:t>limb onset</a:t>
-            </a:r>
-            <a:r>
-              <a:rPr lang="ko-KR" altLang="en-US" baseline="0" dirty="0" smtClean="0"/>
-              <a:t>의 경우에는 </a:t>
-            </a:r>
-            <a:r>
-              <a:rPr lang="en-US" altLang="ko-KR" baseline="0" dirty="0" smtClean="0"/>
-              <a:t>NIV</a:t>
-            </a:r>
-            <a:r>
-              <a:rPr lang="ko-KR" altLang="en-US" baseline="0" dirty="0" smtClean="0"/>
-              <a:t>를</a:t>
-            </a:r>
-            <a:r>
-              <a:rPr lang="en-US" altLang="ko-KR" baseline="0" dirty="0" smtClean="0"/>
-              <a:t> </a:t>
-            </a:r>
-            <a:r>
-              <a:rPr lang="ko-KR" altLang="en-US" baseline="0" dirty="0" smtClean="0"/>
-              <a:t>요하는 상태에 먼저 도달했습니다</a:t>
+              <a:t>걸린시간을</a:t>
+            </a:r>
+            <a:r>
+              <a:rPr lang="ko-KR" altLang="en-US" baseline="0" dirty="0" smtClean="0"/>
+              <a:t> 생존기간으로 나눠서 </a:t>
+            </a:r>
+            <a:r>
+              <a:rPr lang="en-US" altLang="ko-KR" baseline="0" dirty="0" smtClean="0"/>
+              <a:t>standardization</a:t>
+            </a:r>
+            <a:r>
+              <a:rPr lang="ko-KR" altLang="en-US" baseline="0" dirty="0" smtClean="0"/>
+              <a:t>하였습니다</a:t>
+            </a:r>
+            <a:r>
+              <a:rPr lang="en-US" altLang="ko-KR" baseline="0" dirty="0" smtClean="0"/>
+              <a:t>. Standardized time</a:t>
+            </a:r>
+            <a:r>
+              <a:rPr lang="ko-KR" altLang="en-US" baseline="0" dirty="0" smtClean="0"/>
+              <a:t>기준으로 </a:t>
+            </a:r>
+            <a:r>
+              <a:rPr lang="en-US" altLang="ko-KR" baseline="0" dirty="0" smtClean="0"/>
+              <a:t>2A</a:t>
+            </a:r>
+            <a:r>
+              <a:rPr lang="ko-KR" altLang="en-US" baseline="0" dirty="0" smtClean="0"/>
+              <a:t>는 </a:t>
+            </a:r>
+            <a:r>
+              <a:rPr lang="en-US" altLang="ko-KR" baseline="0" dirty="0" smtClean="0"/>
+              <a:t>35%, 2B</a:t>
+            </a:r>
+            <a:r>
+              <a:rPr lang="ko-KR" altLang="en-US" baseline="0" dirty="0" smtClean="0"/>
+              <a:t>는 </a:t>
+            </a:r>
+            <a:r>
+              <a:rPr lang="en-US" altLang="ko-KR" baseline="0" dirty="0" smtClean="0"/>
+              <a:t>38%, 3</a:t>
+            </a:r>
+            <a:r>
+              <a:rPr lang="ko-KR" altLang="en-US" baseline="0" dirty="0" smtClean="0"/>
+              <a:t>는 </a:t>
+            </a:r>
+            <a:r>
+              <a:rPr lang="en-US" altLang="ko-KR" baseline="0" dirty="0" smtClean="0"/>
+              <a:t>61%, 4A</a:t>
+            </a:r>
+            <a:r>
+              <a:rPr lang="ko-KR" altLang="en-US" baseline="0" dirty="0" smtClean="0"/>
+              <a:t>는 </a:t>
+            </a:r>
+            <a:r>
+              <a:rPr lang="en-US" altLang="ko-KR" baseline="0" dirty="0" smtClean="0"/>
+              <a:t>77%, 4B</a:t>
+            </a:r>
+            <a:r>
+              <a:rPr lang="ko-KR" altLang="en-US" baseline="0" dirty="0" smtClean="0"/>
+              <a:t>는 </a:t>
+            </a:r>
+            <a:r>
+              <a:rPr lang="en-US" altLang="ko-KR" baseline="0" dirty="0" smtClean="0"/>
+              <a:t>80%</a:t>
+            </a:r>
+            <a:r>
+              <a:rPr lang="ko-KR" altLang="en-US" baseline="0" dirty="0" smtClean="0"/>
+              <a:t>였습니다</a:t>
             </a:r>
             <a:r>
               <a:rPr lang="en-US" altLang="ko-KR" baseline="0" dirty="0" smtClean="0"/>
               <a:t>. </a:t>
             </a:r>
+            <a:endParaRPr lang="en-US" altLang="ko-KR" dirty="0" smtClean="0"/>
+          </a:p>
+          <a:p>
+            <a:endParaRPr lang="en-US" altLang="ko-KR" baseline="0" dirty="0" smtClean="0"/>
           </a:p>
           <a:p>
             <a:r>
@@ -8487,9 +8230,15 @@
               <a:rPr lang="en-US" altLang="ko-KR" baseline="0" dirty="0" smtClean="0"/>
               <a:t>. </a:t>
             </a:r>
-            <a:r>
-              <a:rPr lang="ko-KR" altLang="en-US" baseline="0" dirty="0" smtClean="0"/>
-              <a:t>전체 </a:t>
+            <a:endParaRPr lang="en-US" altLang="ko-KR" baseline="0" dirty="0" smtClean="0"/>
+          </a:p>
+          <a:p>
+            <a:endParaRPr lang="en-US" altLang="ko-KR" baseline="0" dirty="0" smtClean="0"/>
+          </a:p>
+          <a:p>
+            <a:r>
+              <a:rPr lang="ko-KR" altLang="en-US" baseline="0" dirty="0" smtClean="0"/>
+              <a:t>오른쪽 상단의 그래프는 전체 </a:t>
             </a:r>
             <a:r>
               <a:rPr lang="ko-KR" altLang="en-US" baseline="0" dirty="0" err="1" smtClean="0"/>
@@ -8501,6 +8250,14 @@
             </a:r>
             <a:r>
               <a:rPr lang="en-US" altLang="ko-KR" baseline="0" dirty="0" smtClean="0"/>
+              <a:t>stage</a:t>
+            </a:r>
+            <a:r>
+              <a:rPr lang="ko-KR" altLang="en-US" baseline="0" dirty="0" smtClean="0"/>
+              <a:t>별 </a:t>
+            </a:r>
+            <a:r>
+              <a:rPr lang="en-US" altLang="ko-KR" baseline="0" dirty="0" smtClean="0"/>
               <a:t>survival</a:t>
             </a:r>
             <a:r>
@@ -8508,373 +8265,288 @@
               <a:t>를 </a:t>
             </a:r>
             <a:r>
+              <a:rPr lang="ko-KR" altLang="en-US" baseline="0" dirty="0" smtClean="0"/>
+              <a:t>비교한 것인데 마지막으로 </a:t>
+            </a:r>
+            <a:r>
+              <a:rPr lang="ko-KR" altLang="en-US" baseline="0" dirty="0" smtClean="0"/>
+              <a:t>기록된 </a:t>
+            </a:r>
+            <a:r>
+              <a:rPr lang="en-US" altLang="ko-KR" baseline="0" dirty="0" smtClean="0"/>
+              <a:t>milestone</a:t>
+            </a:r>
+            <a:r>
+              <a:rPr lang="ko-KR" altLang="en-US" baseline="0" dirty="0" smtClean="0"/>
+              <a:t>으로부터 사망이나 </a:t>
+            </a:r>
+            <a:r>
+              <a:rPr lang="en-US" altLang="ko-KR" baseline="0" dirty="0" smtClean="0"/>
+              <a:t>censoring</a:t>
+            </a:r>
+            <a:r>
+              <a:rPr lang="ko-KR" altLang="en-US" baseline="0" dirty="0" smtClean="0"/>
+              <a:t>까지의 기간을 보면 파란색이 </a:t>
+            </a:r>
+            <a:r>
+              <a:rPr lang="en-US" altLang="ko-KR" baseline="0" dirty="0" smtClean="0"/>
+              <a:t>2A, </a:t>
+            </a:r>
+            <a:r>
+              <a:rPr lang="ko-KR" altLang="en-US" baseline="0" dirty="0" smtClean="0"/>
+              <a:t>녹색이 </a:t>
+            </a:r>
+            <a:r>
+              <a:rPr lang="en-US" altLang="ko-KR" baseline="0" dirty="0" smtClean="0"/>
+              <a:t>2B, </a:t>
+            </a:r>
+            <a:r>
+              <a:rPr lang="ko-KR" altLang="en-US" baseline="0" dirty="0" smtClean="0"/>
+              <a:t>회색이 </a:t>
+            </a:r>
+            <a:r>
+              <a:rPr lang="en-US" altLang="ko-KR" baseline="0" dirty="0" smtClean="0"/>
+              <a:t>3, </a:t>
+            </a:r>
+            <a:r>
+              <a:rPr lang="ko-KR" altLang="en-US" baseline="0" dirty="0" smtClean="0"/>
+              <a:t>검은색이 </a:t>
+            </a:r>
+            <a:r>
+              <a:rPr lang="en-US" altLang="ko-KR" baseline="0" dirty="0" smtClean="0"/>
+              <a:t>4A, </a:t>
+            </a:r>
+            <a:r>
+              <a:rPr lang="ko-KR" altLang="en-US" baseline="0" dirty="0" smtClean="0"/>
+              <a:t>보라색이 </a:t>
+            </a:r>
+            <a:r>
+              <a:rPr lang="en-US" altLang="ko-KR" baseline="0" dirty="0" smtClean="0"/>
+              <a:t>4B</a:t>
+            </a:r>
+            <a:r>
+              <a:rPr lang="ko-KR" altLang="en-US" baseline="0" dirty="0" smtClean="0"/>
+              <a:t>로 각각의 </a:t>
+            </a:r>
+            <a:r>
+              <a:rPr lang="en-US" altLang="ko-KR" baseline="0" dirty="0" smtClean="0"/>
+              <a:t>curve</a:t>
+            </a:r>
+            <a:r>
+              <a:rPr lang="ko-KR" altLang="en-US" baseline="0" dirty="0" smtClean="0"/>
+              <a:t>가 뚜렷하게 </a:t>
+            </a:r>
+            <a:r>
+              <a:rPr lang="ko-KR" altLang="en-US" baseline="0" dirty="0" smtClean="0"/>
+              <a:t>분리되어 </a:t>
+            </a:r>
+            <a:r>
+              <a:rPr lang="en-US" altLang="ko-KR" baseline="0" dirty="0" smtClean="0"/>
+              <a:t>staging</a:t>
+            </a:r>
+            <a:r>
+              <a:rPr lang="ko-KR" altLang="en-US" baseline="0" dirty="0" smtClean="0"/>
+              <a:t>의 기능 중 하나인 </a:t>
+            </a:r>
+            <a:r>
+              <a:rPr lang="en-US" altLang="ko-KR" baseline="0" dirty="0" smtClean="0"/>
+              <a:t>stage</a:t>
+            </a:r>
+            <a:r>
+              <a:rPr lang="ko-KR" altLang="en-US" baseline="0" dirty="0" smtClean="0"/>
+              <a:t>별 환자를 구분하는데 좋은 기능을 한다는 것을 보여줬습니다</a:t>
+            </a:r>
+            <a:r>
+              <a:rPr lang="en-US" altLang="ko-KR" baseline="0" dirty="0" smtClean="0"/>
+              <a:t>. </a:t>
+            </a:r>
+            <a:endParaRPr lang="en-US" altLang="ko-KR" baseline="0" dirty="0" smtClean="0"/>
+          </a:p>
+          <a:p>
+            <a:endParaRPr lang="en-US" altLang="ko-KR" baseline="0" dirty="0" smtClean="0"/>
+          </a:p>
+          <a:p>
+            <a:pPr marL="0" marR="0" lvl="0" indent="0" algn="l" defTabSz="914400" rtl="0" eaLnBrk="1" fontAlgn="auto" latinLnBrk="1" hangingPunct="1">
+              <a:lnSpc>
+                <a:spcPct val="100000"/>
+              </a:lnSpc>
+              <a:spcBef>
+                <a:spcPts val="0"/>
+              </a:spcBef>
+              <a:spcAft>
+                <a:spcPts val="0"/>
+              </a:spcAft>
+              <a:buClrTx/>
+              <a:buSzTx/>
+              <a:buFontTx/>
+              <a:buNone/>
+              <a:tabLst/>
+              <a:defRPr/>
+            </a:pPr>
+            <a:r>
+              <a:rPr lang="en-US" altLang="ko-KR" baseline="0" dirty="0" smtClean="0"/>
+              <a:t>El </a:t>
+            </a:r>
+            <a:r>
+              <a:rPr lang="en-US" altLang="ko-KR" baseline="0" dirty="0" smtClean="0"/>
+              <a:t>Escorial criteria</a:t>
+            </a:r>
+            <a:r>
+              <a:rPr lang="ko-KR" altLang="en-US" baseline="0" dirty="0" smtClean="0"/>
+              <a:t>와 다르게 </a:t>
+            </a:r>
+            <a:r>
+              <a:rPr lang="en-US" altLang="ko-KR" baseline="0" dirty="0" smtClean="0"/>
+              <a:t>upper motor neuron, lower motor neuron involve</a:t>
+            </a:r>
+            <a:r>
+              <a:rPr lang="ko-KR" altLang="en-US" baseline="0" dirty="0" smtClean="0"/>
+              <a:t>에 대한 판단이 필요 없고 </a:t>
+            </a:r>
+            <a:r>
+              <a:rPr lang="en-US" altLang="ko-KR" baseline="0" dirty="0" smtClean="0"/>
+              <a:t>weakness</a:t>
+            </a:r>
+            <a:r>
+              <a:rPr lang="ko-KR" altLang="en-US" baseline="0" dirty="0" smtClean="0"/>
+              <a:t>등으로만 판단하면 되므로 진료를 하는 신경과 의사나 환자들이 판단한 결과도 비슷하게 나온다는 점이 장점입니다</a:t>
+            </a:r>
+            <a:r>
+              <a:rPr lang="en-US" altLang="ko-KR" baseline="0" dirty="0" smtClean="0"/>
+              <a:t>. </a:t>
+            </a:r>
+            <a:r>
+              <a:rPr lang="ko-KR" altLang="en-US" baseline="0" dirty="0" smtClean="0"/>
+              <a:t>전문가</a:t>
+            </a:r>
+            <a:r>
+              <a:rPr lang="en-US" altLang="ko-KR" baseline="0" dirty="0" smtClean="0"/>
+              <a:t>, </a:t>
+            </a:r>
+            <a:r>
+              <a:rPr lang="ko-KR" altLang="en-US" baseline="0" dirty="0" smtClean="0"/>
+              <a:t>기관의 인력과 자원을 배분하는데 도움이 됩니다</a:t>
+            </a:r>
+            <a:r>
+              <a:rPr lang="en-US" altLang="ko-KR" baseline="0" dirty="0" smtClean="0"/>
+              <a:t>. Stage 1</a:t>
+            </a:r>
+            <a:r>
+              <a:rPr lang="ko-KR" altLang="en-US" baseline="0" dirty="0" smtClean="0"/>
+              <a:t>은 의료기관의 진단</a:t>
+            </a:r>
+            <a:r>
+              <a:rPr lang="en-US" altLang="ko-KR" baseline="0" dirty="0" smtClean="0"/>
+              <a:t>, 2</a:t>
+            </a:r>
+            <a:r>
+              <a:rPr lang="ko-KR" altLang="en-US" baseline="0" dirty="0" smtClean="0"/>
+              <a:t>와 </a:t>
+            </a:r>
+            <a:r>
+              <a:rPr lang="en-US" altLang="ko-KR" baseline="0" dirty="0" smtClean="0"/>
+              <a:t>3</a:t>
+            </a:r>
+            <a:r>
+              <a:rPr lang="ko-KR" altLang="en-US" baseline="0" dirty="0" smtClean="0"/>
+              <a:t>은 </a:t>
+            </a:r>
+            <a:r>
               <a:rPr lang="ko-KR" altLang="en-US" baseline="0" dirty="0" err="1" smtClean="0"/>
-              <a:t>비교했을때</a:t>
-            </a:r>
-            <a:r>
-              <a:rPr lang="ko-KR" altLang="en-US" baseline="0" dirty="0" smtClean="0"/>
-              <a:t> 마지막으로 기록된 </a:t>
-            </a:r>
-            <a:r>
-              <a:rPr lang="en-US" altLang="ko-KR" baseline="0" dirty="0" smtClean="0"/>
-              <a:t>milestone</a:t>
-            </a:r>
-            <a:r>
-              <a:rPr lang="ko-KR" altLang="en-US" baseline="0" dirty="0" smtClean="0"/>
-              <a:t>으로부터 사망이나 </a:t>
-            </a:r>
-            <a:r>
-              <a:rPr lang="en-US" altLang="ko-KR" baseline="0" dirty="0" smtClean="0"/>
-              <a:t>censoring</a:t>
-            </a:r>
-            <a:r>
-              <a:rPr lang="ko-KR" altLang="en-US" baseline="0" dirty="0" smtClean="0"/>
-              <a:t>까지의 기간을 보면 파란색이 </a:t>
-            </a:r>
-            <a:r>
-              <a:rPr lang="en-US" altLang="ko-KR" baseline="0" dirty="0" smtClean="0"/>
-              <a:t>2A, </a:t>
-            </a:r>
-            <a:r>
-              <a:rPr lang="ko-KR" altLang="en-US" baseline="0" dirty="0" smtClean="0"/>
-              <a:t>녹색이 </a:t>
-            </a:r>
-            <a:r>
-              <a:rPr lang="en-US" altLang="ko-KR" baseline="0" dirty="0" smtClean="0"/>
-              <a:t>2B, </a:t>
-            </a:r>
-            <a:r>
-              <a:rPr lang="ko-KR" altLang="en-US" baseline="0" dirty="0" smtClean="0"/>
-              <a:t>회색이 </a:t>
-            </a:r>
-            <a:r>
-              <a:rPr lang="en-US" altLang="ko-KR" baseline="0" dirty="0" smtClean="0"/>
-              <a:t>3, </a:t>
-            </a:r>
-            <a:r>
-              <a:rPr lang="ko-KR" altLang="en-US" baseline="0" dirty="0" smtClean="0"/>
-              <a:t>검은색이 </a:t>
-            </a:r>
-            <a:r>
-              <a:rPr lang="en-US" altLang="ko-KR" baseline="0" dirty="0" smtClean="0"/>
-              <a:t>4A, </a:t>
-            </a:r>
-            <a:r>
-              <a:rPr lang="ko-KR" altLang="en-US" baseline="0" dirty="0" smtClean="0"/>
-              <a:t>보라색이 </a:t>
-            </a:r>
-            <a:r>
-              <a:rPr lang="en-US" altLang="ko-KR" baseline="0" dirty="0" smtClean="0"/>
-              <a:t>4B</a:t>
-            </a:r>
-            <a:r>
-              <a:rPr lang="ko-KR" altLang="en-US" baseline="0" dirty="0" smtClean="0"/>
-              <a:t>로 각각의 </a:t>
-            </a:r>
-            <a:r>
-              <a:rPr lang="en-US" altLang="ko-KR" baseline="0" dirty="0" smtClean="0"/>
-              <a:t>curve</a:t>
-            </a:r>
-            <a:r>
-              <a:rPr lang="ko-KR" altLang="en-US" baseline="0" dirty="0" smtClean="0"/>
-              <a:t>가 뚜렷하게 분리되어 생존기간의 차이를 보였다는 점에서 </a:t>
-            </a:r>
-            <a:r>
-              <a:rPr lang="en-US" altLang="ko-KR" baseline="0" dirty="0" smtClean="0"/>
-              <a:t>validity</a:t>
-            </a:r>
-            <a:r>
-              <a:rPr lang="ko-KR" altLang="en-US" baseline="0" dirty="0" smtClean="0"/>
-              <a:t>를 보인다고 볼 수 있습니다</a:t>
+              <a:t>다학제팀의</a:t>
+            </a:r>
+            <a:r>
+              <a:rPr lang="ko-KR" altLang="en-US" baseline="0" dirty="0" smtClean="0"/>
+              <a:t> 관리</a:t>
+            </a:r>
+            <a:r>
+              <a:rPr lang="en-US" altLang="ko-KR" baseline="0" dirty="0" smtClean="0"/>
+              <a:t>, stage 4</a:t>
+            </a:r>
+            <a:r>
+              <a:rPr lang="ko-KR" altLang="en-US" baseline="0" dirty="0" smtClean="0"/>
+              <a:t>는 </a:t>
+            </a:r>
+            <a:r>
+              <a:rPr lang="en-US" altLang="ko-KR" baseline="0" dirty="0" smtClean="0"/>
+              <a:t>intervention</a:t>
+            </a:r>
+            <a:r>
+              <a:rPr lang="ko-KR" altLang="en-US" baseline="0" dirty="0" smtClean="0"/>
+              <a:t>과 말기의 </a:t>
+            </a:r>
+            <a:r>
+              <a:rPr lang="ko-KR" altLang="en-US" baseline="0" dirty="0" err="1" smtClean="0"/>
+              <a:t>완화치료를</a:t>
+            </a:r>
+            <a:r>
+              <a:rPr lang="ko-KR" altLang="en-US" baseline="0" dirty="0" smtClean="0"/>
+              <a:t> 하는 식으로 판단하는데 도움이 됩니다</a:t>
             </a:r>
             <a:r>
               <a:rPr lang="en-US" altLang="ko-KR" baseline="0" dirty="0" smtClean="0"/>
               <a:t>. </a:t>
             </a:r>
-          </a:p>
-          <a:p>
-            <a:r>
-              <a:rPr lang="ko-KR" altLang="en-US" baseline="0" dirty="0" smtClean="0"/>
-              <a:t>각각의 </a:t>
-            </a:r>
-            <a:r>
-              <a:rPr lang="en-US" altLang="ko-KR" baseline="0" dirty="0" smtClean="0"/>
-              <a:t>milestone</a:t>
-            </a:r>
-            <a:r>
-              <a:rPr lang="ko-KR" altLang="en-US" baseline="0" dirty="0" smtClean="0"/>
-              <a:t>을 질병의 전체 기간으로 보면 두번째 분절</a:t>
-            </a:r>
-            <a:r>
-              <a:rPr lang="en-US" altLang="ko-KR" baseline="0" dirty="0" smtClean="0"/>
-              <a:t>, </a:t>
-            </a:r>
-            <a:r>
-              <a:rPr lang="ko-KR" altLang="en-US" baseline="0" dirty="0" smtClean="0"/>
-              <a:t>세번째 분절에 증상이 나타나는 기간</a:t>
-            </a:r>
-            <a:r>
-              <a:rPr lang="en-US" altLang="ko-KR" baseline="0" dirty="0" smtClean="0"/>
-              <a:t>, gastrostomy</a:t>
-            </a:r>
-            <a:r>
-              <a:rPr lang="ko-KR" altLang="en-US" baseline="0" dirty="0" smtClean="0"/>
-              <a:t>나 </a:t>
-            </a:r>
-            <a:r>
-              <a:rPr lang="en-US" altLang="ko-KR" baseline="0" dirty="0" smtClean="0"/>
-              <a:t>respiratory support</a:t>
-            </a:r>
-            <a:r>
-              <a:rPr lang="ko-KR" altLang="en-US" baseline="0" dirty="0" smtClean="0"/>
-              <a:t>가 필요한 시점이 각각 </a:t>
-            </a:r>
-            <a:r>
-              <a:rPr lang="en-US" altLang="ko-KR" baseline="0" dirty="0" smtClean="0"/>
-              <a:t>40, 60, 80%</a:t>
-            </a:r>
-            <a:r>
-              <a:rPr lang="ko-KR" altLang="en-US" baseline="0" dirty="0" smtClean="0"/>
-              <a:t>정도로 나타났습니다</a:t>
+            <a:r>
+              <a:rPr lang="ko-KR" altLang="en-US" baseline="0" dirty="0" smtClean="0"/>
+              <a:t>그리고 임상시험의 </a:t>
+            </a:r>
+            <a:r>
+              <a:rPr lang="en-US" altLang="ko-KR" baseline="0" dirty="0" smtClean="0"/>
+              <a:t>secondary endpoint</a:t>
+            </a:r>
+            <a:r>
+              <a:rPr lang="ko-KR" altLang="en-US" baseline="0" dirty="0" smtClean="0"/>
+              <a:t>로 사용될 수 있습니다</a:t>
             </a:r>
             <a:r>
               <a:rPr lang="en-US" altLang="ko-KR" baseline="0" dirty="0" smtClean="0"/>
               <a:t>. </a:t>
             </a:r>
-            <a:r>
-              <a:rPr lang="ko-KR" altLang="en-US" baseline="0" dirty="0" smtClean="0"/>
-              <a:t>여기서 </a:t>
-            </a:r>
-            <a:r>
-              <a:rPr lang="en-US" altLang="ko-KR" baseline="0" dirty="0" smtClean="0"/>
-              <a:t>stage</a:t>
+          </a:p>
+          <a:p>
+            <a:r>
+              <a:rPr lang="en-US" altLang="ko-KR" baseline="0" dirty="0" smtClean="0"/>
+              <a:t> </a:t>
+            </a:r>
+            <a:endParaRPr lang="en-US" altLang="ko-KR" baseline="0" dirty="0" smtClean="0"/>
+          </a:p>
+          <a:p>
+            <a:r>
+              <a:rPr lang="ko-KR" altLang="en-US" baseline="0" dirty="0" smtClean="0"/>
+              <a:t>이 연구에서는 </a:t>
+            </a:r>
+            <a:r>
+              <a:rPr lang="en-US" altLang="ko-KR" baseline="0" dirty="0" smtClean="0"/>
+              <a:t>incident cohort</a:t>
+            </a:r>
+            <a:r>
+              <a:rPr lang="ko-KR" altLang="en-US" baseline="0" dirty="0" smtClean="0"/>
+              <a:t>를 사용하지 않고 </a:t>
+            </a:r>
+            <a:r>
+              <a:rPr lang="en-US" altLang="ko-KR" baseline="0" dirty="0" smtClean="0"/>
+              <a:t>prevalent cohort</a:t>
             </a:r>
             <a:r>
               <a:rPr lang="ko-KR" altLang="en-US" baseline="0" dirty="0" smtClean="0"/>
               <a:t>를 </a:t>
             </a:r>
             <a:r>
-              <a:rPr lang="ko-KR" altLang="en-US" baseline="0" dirty="0" err="1" smtClean="0"/>
-              <a:t>정할때는</a:t>
-            </a:r>
-            <a:r>
-              <a:rPr lang="ko-KR" altLang="en-US" baseline="0" dirty="0" smtClean="0"/>
-              <a:t> 가장 높은 단계로 정해야 하는데 </a:t>
-            </a:r>
-            <a:endParaRPr lang="en-US" altLang="ko-KR" baseline="0" dirty="0" smtClean="0"/>
-          </a:p>
-          <a:p>
-            <a:r>
-              <a:rPr lang="ko-KR" altLang="en-US" baseline="0" dirty="0" smtClean="0"/>
-              <a:t>예를 들면 첫 증상이 </a:t>
-            </a:r>
-            <a:r>
-              <a:rPr lang="en-US" altLang="ko-KR" baseline="0" dirty="0" smtClean="0"/>
-              <a:t>NIV</a:t>
-            </a:r>
-            <a:r>
-              <a:rPr lang="ko-KR" altLang="en-US" baseline="0" dirty="0" smtClean="0"/>
-              <a:t>를 요하는 호흡곤란으로 나타난다면 </a:t>
-            </a:r>
-            <a:r>
-              <a:rPr lang="en-US" altLang="ko-KR" baseline="0" dirty="0" smtClean="0"/>
-              <a:t>2A</a:t>
-            </a:r>
-            <a:r>
-              <a:rPr lang="ko-KR" altLang="en-US" baseline="0" dirty="0" smtClean="0"/>
-              <a:t>가 아닌 </a:t>
-            </a:r>
-            <a:r>
-              <a:rPr lang="en-US" altLang="ko-KR" baseline="0" dirty="0" smtClean="0"/>
-              <a:t>4B</a:t>
-            </a:r>
-            <a:r>
-              <a:rPr lang="ko-KR" altLang="en-US" baseline="0" dirty="0" smtClean="0"/>
-              <a:t>가 됩니다</a:t>
-            </a:r>
-            <a:r>
-              <a:rPr lang="en-US" altLang="ko-KR" baseline="0" dirty="0" smtClean="0"/>
-              <a:t>. </a:t>
-            </a:r>
-          </a:p>
-          <a:p>
-            <a:r>
-              <a:rPr lang="en-US" altLang="ko-KR" dirty="0" smtClean="0"/>
-              <a:t>Stage 2</a:t>
-            </a:r>
-            <a:r>
-              <a:rPr lang="ko-KR" altLang="en-US" dirty="0" smtClean="0"/>
-              <a:t>를 나눈 것은 여러 </a:t>
-            </a:r>
-            <a:r>
-              <a:rPr lang="en-US" altLang="ko-KR" dirty="0" smtClean="0"/>
-              <a:t>center</a:t>
-            </a:r>
-            <a:r>
-              <a:rPr lang="ko-KR" altLang="en-US" dirty="0" smtClean="0"/>
-              <a:t>들이 각각 </a:t>
-            </a:r>
-            <a:r>
-              <a:rPr lang="ko-KR" altLang="en-US" dirty="0" err="1" smtClean="0"/>
-              <a:t>진단시점이</a:t>
-            </a:r>
-            <a:r>
-              <a:rPr lang="ko-KR" altLang="en-US" dirty="0" smtClean="0"/>
-              <a:t> 다른데 두번째 분절에 증상이 발생한 시점은 비슷하므로 </a:t>
-            </a:r>
-            <a:r>
-              <a:rPr lang="en-US" altLang="ko-KR" dirty="0" smtClean="0"/>
-              <a:t>2A,</a:t>
-            </a:r>
-            <a:r>
-              <a:rPr lang="en-US" altLang="ko-KR" baseline="0" dirty="0" smtClean="0"/>
-              <a:t> 2B</a:t>
-            </a:r>
-            <a:r>
-              <a:rPr lang="ko-KR" altLang="en-US" baseline="0" dirty="0" smtClean="0"/>
-              <a:t>로 나눠서 보는게 의미가 있다고 보고있습니다</a:t>
-            </a:r>
-            <a:r>
-              <a:rPr lang="en-US" altLang="ko-KR" baseline="0" dirty="0" smtClean="0"/>
-              <a:t>. Gastrostomy</a:t>
-            </a:r>
-            <a:r>
-              <a:rPr lang="ko-KR" altLang="en-US" baseline="0" dirty="0" smtClean="0"/>
-              <a:t>와 </a:t>
-            </a:r>
-            <a:r>
-              <a:rPr lang="en-US" altLang="ko-KR" baseline="0" dirty="0" smtClean="0"/>
-              <a:t>NIV</a:t>
-            </a:r>
-            <a:r>
-              <a:rPr lang="ko-KR" altLang="en-US" baseline="0" dirty="0" smtClean="0"/>
-              <a:t>가 필요한 시점이 </a:t>
-            </a:r>
-            <a:r>
-              <a:rPr lang="en-US" altLang="ko-KR" baseline="0" dirty="0" smtClean="0"/>
-              <a:t>bulbar onset</a:t>
-            </a:r>
-            <a:r>
-              <a:rPr lang="ko-KR" altLang="en-US" baseline="0" dirty="0" smtClean="0"/>
-              <a:t>과 </a:t>
-            </a:r>
-            <a:r>
-              <a:rPr lang="en-US" altLang="ko-KR" baseline="0" dirty="0" smtClean="0"/>
-              <a:t>limb onset</a:t>
-            </a:r>
-            <a:r>
-              <a:rPr lang="ko-KR" altLang="en-US" baseline="0" dirty="0" smtClean="0"/>
-              <a:t>에서 각각 어떤 단계에 먼저 도달하는지가 다르므로 </a:t>
-            </a:r>
-            <a:r>
-              <a:rPr lang="en-US" altLang="ko-KR" baseline="0" dirty="0" smtClean="0"/>
-              <a:t>stage 4,5</a:t>
-            </a:r>
-            <a:r>
-              <a:rPr lang="ko-KR" altLang="en-US" baseline="0" dirty="0" smtClean="0"/>
-              <a:t>가 아닌 </a:t>
-            </a:r>
-            <a:r>
-              <a:rPr lang="en-US" altLang="ko-KR" baseline="0" dirty="0" smtClean="0"/>
-              <a:t>4A, 4B</a:t>
-            </a:r>
-            <a:r>
-              <a:rPr lang="ko-KR" altLang="en-US" baseline="0" dirty="0" smtClean="0"/>
-              <a:t>로 나눴다고 합니다</a:t>
-            </a:r>
-            <a:r>
-              <a:rPr lang="en-US" altLang="ko-KR" baseline="0" dirty="0" smtClean="0"/>
-              <a:t>. </a:t>
-            </a:r>
-            <a:r>
-              <a:rPr lang="ko-KR" altLang="en-US" baseline="0" dirty="0" err="1" smtClean="0"/>
-              <a:t>이부분은</a:t>
-            </a:r>
-            <a:r>
-              <a:rPr lang="ko-KR" altLang="en-US" baseline="0" dirty="0" smtClean="0"/>
-              <a:t> 다른 </a:t>
-            </a:r>
-            <a:r>
-              <a:rPr lang="en-US" altLang="ko-KR" baseline="0" dirty="0" smtClean="0"/>
-              <a:t>stage system</a:t>
-            </a:r>
-            <a:r>
-              <a:rPr lang="ko-KR" altLang="en-US" baseline="0" dirty="0" smtClean="0"/>
-              <a:t>이라면 </a:t>
-            </a:r>
-            <a:r>
-              <a:rPr lang="en-US" altLang="ko-KR" baseline="0" dirty="0" smtClean="0"/>
-              <a:t>4, 5</a:t>
-            </a:r>
-            <a:r>
-              <a:rPr lang="ko-KR" altLang="en-US" baseline="0" dirty="0" smtClean="0"/>
-              <a:t>로 나누겠지만 여기서는 그렇지 않은 점이 보통의 </a:t>
-            </a:r>
-            <a:r>
-              <a:rPr lang="en-US" altLang="ko-KR" baseline="0" dirty="0" smtClean="0"/>
-              <a:t>stage system</a:t>
-            </a:r>
-            <a:r>
-              <a:rPr lang="ko-KR" altLang="en-US" baseline="0" dirty="0" smtClean="0"/>
-              <a:t>과는 다른 점이라고 하겠습니다</a:t>
-            </a:r>
-            <a:r>
-              <a:rPr lang="en-US" altLang="ko-KR" baseline="0" dirty="0" smtClean="0"/>
-              <a:t>. El Escorial criteria</a:t>
-            </a:r>
-            <a:r>
-              <a:rPr lang="ko-KR" altLang="en-US" baseline="0" dirty="0" smtClean="0"/>
-              <a:t>와 다르게 </a:t>
-            </a:r>
-            <a:r>
-              <a:rPr lang="en-US" altLang="ko-KR" baseline="0" dirty="0" smtClean="0"/>
-              <a:t>upper motor neuron, lower motor neuron involve</a:t>
-            </a:r>
-            <a:r>
-              <a:rPr lang="ko-KR" altLang="en-US" baseline="0" dirty="0" smtClean="0"/>
-              <a:t>에 대한 판단이 필요 없고 </a:t>
-            </a:r>
-            <a:r>
-              <a:rPr lang="en-US" altLang="ko-KR" baseline="0" dirty="0" smtClean="0"/>
-              <a:t>weakness</a:t>
-            </a:r>
-            <a:r>
-              <a:rPr lang="ko-KR" altLang="en-US" baseline="0" dirty="0" smtClean="0"/>
-              <a:t>등으로만 판단하면 되므로 진료를 하는 신경과 의사나 환자들이 판단한 결과도 비슷하게 나온다는 점이 장점입니다</a:t>
-            </a:r>
-            <a:r>
-              <a:rPr lang="en-US" altLang="ko-KR" baseline="0" dirty="0" smtClean="0"/>
-              <a:t>. </a:t>
-            </a:r>
-          </a:p>
-          <a:p>
-            <a:r>
-              <a:rPr lang="ko-KR" altLang="en-US" baseline="0" dirty="0" smtClean="0"/>
-              <a:t>이 연구에서는 </a:t>
-            </a:r>
-            <a:r>
-              <a:rPr lang="en-US" altLang="ko-KR" baseline="0" dirty="0" smtClean="0"/>
-              <a:t>incident cohort</a:t>
-            </a:r>
-            <a:r>
-              <a:rPr lang="ko-KR" altLang="en-US" baseline="0" dirty="0" smtClean="0"/>
-              <a:t>를 사용하지 않고 </a:t>
-            </a:r>
-            <a:r>
-              <a:rPr lang="en-US" altLang="ko-KR" baseline="0" dirty="0" smtClean="0"/>
-              <a:t>prevalent cohort</a:t>
-            </a:r>
-            <a:r>
-              <a:rPr lang="ko-KR" altLang="en-US" baseline="0" dirty="0" smtClean="0"/>
-              <a:t>를 사용해서 전반적으로 대상자가 더 어리고 </a:t>
-            </a:r>
-            <a:r>
-              <a:rPr lang="ko-KR" altLang="en-US" baseline="0" dirty="0" err="1" smtClean="0"/>
-              <a:t>오래살고</a:t>
-            </a:r>
-            <a:r>
-              <a:rPr lang="ko-KR" altLang="en-US" baseline="0" dirty="0" smtClean="0"/>
-              <a:t> 남자의 비율이 높으며 </a:t>
+              <a:rPr lang="ko-KR" altLang="en-US" baseline="0" dirty="0" smtClean="0"/>
+              <a:t>사용했기 때문에 </a:t>
+            </a:r>
+            <a:r>
+              <a:rPr lang="ko-KR" altLang="en-US" baseline="0" dirty="0" smtClean="0"/>
+              <a:t>전반적으로 대상자가 더 어리고 </a:t>
+            </a:r>
+            <a:r>
+              <a:rPr lang="ko-KR" altLang="en-US" baseline="0" dirty="0" smtClean="0"/>
+              <a:t>생존기간이 길고 </a:t>
+            </a:r>
+            <a:r>
+              <a:rPr lang="ko-KR" altLang="en-US" baseline="0" dirty="0" smtClean="0"/>
+              <a:t>남자의 비율이 높으며 </a:t>
             </a:r>
             <a:r>
               <a:rPr lang="en-US" altLang="ko-KR" baseline="0" dirty="0" smtClean="0"/>
@@ -8922,7 +8594,23 @@
             </a:r>
             <a:r>
               <a:rPr lang="ko-KR" altLang="en-US" baseline="0" dirty="0" smtClean="0"/>
-              <a:t>이 다른 경우에 결과가 다를 수 있으므로 다른 </a:t>
+              <a:t>이 </a:t>
+            </a:r>
+            <a:r>
+              <a:rPr lang="ko-KR" altLang="en-US" baseline="0" dirty="0" smtClean="0"/>
+              <a:t>다르면 </a:t>
+            </a:r>
+            <a:r>
+              <a:rPr lang="ko-KR" altLang="en-US" baseline="0" dirty="0" smtClean="0"/>
+              <a:t>결과가 </a:t>
+            </a:r>
+            <a:r>
+              <a:rPr lang="ko-KR" altLang="en-US" baseline="0" dirty="0" smtClean="0"/>
+              <a:t>다르게 나올 수 </a:t>
+            </a:r>
+            <a:r>
+              <a:rPr lang="ko-KR" altLang="en-US" baseline="0" dirty="0" smtClean="0"/>
+              <a:t>있으므로 다른 </a:t>
             </a:r>
             <a:r>
               <a:rPr lang="en-US" altLang="ko-KR" baseline="0" dirty="0" smtClean="0"/>
@@ -8936,41 +8624,23 @@
               <a:rPr lang="en-US" altLang="ko-KR" baseline="0" dirty="0" smtClean="0"/>
               <a:t>. </a:t>
             </a:r>
-            <a:r>
-              <a:rPr lang="ko-KR" altLang="en-US" baseline="0" dirty="0" smtClean="0"/>
-              <a:t>그리고 이 연구에서는 인지장애여부는 평가에 포함시키지않았다는 단점도 있습니다</a:t>
-            </a:r>
-            <a:r>
-              <a:rPr lang="en-US" altLang="ko-KR" baseline="0" dirty="0" smtClean="0"/>
-              <a:t>. </a:t>
-            </a:r>
-            <a:r>
-              <a:rPr lang="ko-KR" altLang="en-US" baseline="0" dirty="0" smtClean="0"/>
-              <a:t>그런데 </a:t>
-            </a:r>
-            <a:r>
-              <a:rPr lang="ko-KR" altLang="en-US" baseline="0" dirty="0" err="1" smtClean="0"/>
-              <a:t>인지장애의</a:t>
-            </a:r>
-            <a:r>
-              <a:rPr lang="ko-KR" altLang="en-US" baseline="0" dirty="0" smtClean="0"/>
-              <a:t> 경우 고정된 시점에 생기지않아 </a:t>
-            </a:r>
-            <a:r>
-              <a:rPr lang="en-US" altLang="ko-KR" baseline="0" dirty="0" smtClean="0"/>
-              <a:t>milestone</a:t>
-            </a:r>
-            <a:r>
-              <a:rPr lang="ko-KR" altLang="en-US" baseline="0" dirty="0" smtClean="0"/>
-              <a:t>으로 고려하기에 어려운 상태입니다</a:t>
-            </a:r>
-            <a:r>
-              <a:rPr lang="en-US" altLang="ko-KR" baseline="0" dirty="0" smtClean="0"/>
-              <a:t>. </a:t>
-            </a:r>
-            <a:r>
-              <a:rPr lang="ko-KR" altLang="en-US" baseline="0" dirty="0" smtClean="0"/>
-              <a:t>따라서 </a:t>
+            <a:endParaRPr lang="en-US" altLang="ko-KR" baseline="0" dirty="0" smtClean="0"/>
+          </a:p>
+          <a:p>
+            <a:endParaRPr lang="en-US" altLang="ko-KR" baseline="0" dirty="0" smtClean="0"/>
+          </a:p>
+          <a:p>
+            <a:r>
+              <a:rPr lang="ko-KR" altLang="en-US" baseline="0" dirty="0" smtClean="0"/>
+              <a:t>그리고 </a:t>
+            </a:r>
+            <a:r>
+              <a:rPr lang="ko-KR" altLang="en-US" baseline="0" dirty="0" smtClean="0"/>
+              <a:t>이 연구에서는 인지장애여부는 평가에 </a:t>
+            </a:r>
+            <a:r>
+              <a:rPr lang="ko-KR" altLang="en-US" baseline="0" dirty="0" smtClean="0"/>
+              <a:t>포함시키지 않았다는 단점이 있는데 </a:t>
             </a:r>
             <a:r>
               <a:rPr lang="ko-KR" altLang="en-US" baseline="0" dirty="0" err="1" smtClean="0"/>
@@ -8978,15 +8648,23 @@
             </a:r>
             <a:r>
               <a:rPr lang="ko-KR" altLang="en-US" baseline="0" dirty="0" smtClean="0"/>
-              <a:t> 발생하면 바로 반영가능하게 </a:t>
-            </a:r>
-            <a:r>
-              <a:rPr lang="en-US" altLang="ko-KR" baseline="0" dirty="0" smtClean="0"/>
-              <a:t>flexible</a:t>
-            </a:r>
-            <a:r>
-              <a:rPr lang="ko-KR" altLang="en-US" baseline="0" dirty="0" smtClean="0"/>
-              <a:t>한 체계가 필요합니다</a:t>
+              <a:t> </a:t>
+            </a:r>
+            <a:r>
+              <a:rPr lang="ko-KR" altLang="en-US" baseline="0" dirty="0" smtClean="0"/>
+              <a:t>고정된 시점에 생기지않아 </a:t>
+            </a:r>
+            <a:r>
+              <a:rPr lang="en-US" altLang="ko-KR" baseline="0" dirty="0" smtClean="0"/>
+              <a:t>milestone</a:t>
+            </a:r>
+            <a:r>
+              <a:rPr lang="ko-KR" altLang="en-US" baseline="0" dirty="0" smtClean="0"/>
+              <a:t>으로 </a:t>
+            </a:r>
+            <a:r>
+              <a:rPr lang="ko-KR" altLang="en-US" baseline="0" dirty="0" smtClean="0"/>
+              <a:t>고려하기에는 어렵습니다</a:t>
             </a:r>
             <a:r>
               <a:rPr lang="en-US" altLang="ko-KR" baseline="0" dirty="0" smtClean="0"/>
@@ -8994,7 +8672,19 @@
             </a:r>
             <a:r>
               <a:rPr lang="ko-KR" altLang="en-US" baseline="0" dirty="0" smtClean="0"/>
-              <a:t>예를 들면 </a:t>
+              <a:t>따라서 </a:t>
+            </a:r>
+            <a:r>
+              <a:rPr lang="ko-KR" altLang="en-US" baseline="0" dirty="0" smtClean="0"/>
+              <a:t>중간중간 </a:t>
+            </a:r>
+            <a:r>
+              <a:rPr lang="en-US" altLang="ko-KR" baseline="0" dirty="0" smtClean="0"/>
+              <a:t>stage</a:t>
+            </a:r>
+            <a:r>
+              <a:rPr lang="ko-KR" altLang="en-US" baseline="0" dirty="0" smtClean="0"/>
+              <a:t>마다 </a:t>
             </a:r>
             <a:r>
               <a:rPr lang="ko-KR" altLang="en-US" baseline="0" dirty="0" err="1" smtClean="0"/>
@@ -9002,6 +8692,34 @@
             </a:r>
             <a:r>
               <a:rPr lang="ko-KR" altLang="en-US" baseline="0" dirty="0" smtClean="0"/>
+              <a:t> </a:t>
+            </a:r>
+            <a:r>
+              <a:rPr lang="ko-KR" altLang="en-US" baseline="0" dirty="0" smtClean="0"/>
+              <a:t>발생하면 바로 반영가능하게 </a:t>
+            </a:r>
+            <a:r>
+              <a:rPr lang="en-US" altLang="ko-KR" baseline="0" dirty="0" smtClean="0"/>
+              <a:t>flexible</a:t>
+            </a:r>
+            <a:r>
+              <a:rPr lang="ko-KR" altLang="en-US" baseline="0" dirty="0" smtClean="0"/>
+              <a:t>한 체계가 필요합니다</a:t>
+            </a:r>
+            <a:r>
+              <a:rPr lang="en-US" altLang="ko-KR" baseline="0" dirty="0" smtClean="0"/>
+              <a:t>. </a:t>
+            </a:r>
+            <a:r>
+              <a:rPr lang="ko-KR" altLang="en-US" baseline="0" dirty="0" smtClean="0"/>
+              <a:t>예를 들면 </a:t>
+            </a:r>
+            <a:r>
+              <a:rPr lang="ko-KR" altLang="en-US" baseline="0" dirty="0" err="1" smtClean="0"/>
+              <a:t>인지장애가</a:t>
+            </a:r>
+            <a:r>
+              <a:rPr lang="ko-KR" altLang="en-US" baseline="0" dirty="0" smtClean="0"/>
               <a:t> 있으면 </a:t>
             </a:r>
             <a:r>
@@ -9044,47 +8762,84 @@
               <a:rPr lang="en-US" altLang="ko-KR" baseline="0" dirty="0" smtClean="0"/>
               <a:t>. </a:t>
             </a:r>
-          </a:p>
-          <a:p>
-            <a:r>
-              <a:rPr lang="en-US" altLang="ko-KR" baseline="0" dirty="0" smtClean="0"/>
-              <a:t>Stage</a:t>
-            </a:r>
-            <a:r>
-              <a:rPr lang="ko-KR" altLang="en-US" baseline="0" dirty="0" smtClean="0"/>
-              <a:t>를 이용한 장점으로 전문가</a:t>
-            </a:r>
-            <a:r>
-              <a:rPr lang="en-US" altLang="ko-KR" baseline="0" dirty="0" smtClean="0"/>
-              <a:t>, </a:t>
-            </a:r>
-            <a:r>
-              <a:rPr lang="ko-KR" altLang="en-US" baseline="0" dirty="0" smtClean="0"/>
-              <a:t>기관의 인력과 자원을 배분하는데 도움이 됩니다</a:t>
-            </a:r>
-            <a:r>
-              <a:rPr lang="en-US" altLang="ko-KR" baseline="0" dirty="0" smtClean="0"/>
-              <a:t>. Stage 1</a:t>
-            </a:r>
-            <a:r>
-              <a:rPr lang="ko-KR" altLang="en-US" baseline="0" dirty="0" smtClean="0"/>
-              <a:t>은 의료기관의 진단</a:t>
-            </a:r>
-            <a:r>
-              <a:rPr lang="en-US" altLang="ko-KR" baseline="0" dirty="0" smtClean="0"/>
-              <a:t>, 2</a:t>
-            </a:r>
-            <a:r>
-              <a:rPr lang="ko-KR" altLang="en-US" baseline="0" dirty="0" smtClean="0"/>
-              <a:t>와 </a:t>
-            </a:r>
-            <a:r>
-              <a:rPr lang="en-US" altLang="ko-KR" baseline="0" dirty="0" smtClean="0"/>
-              <a:t>3</a:t>
-            </a:r>
-            <a:r>
-              <a:rPr lang="ko-KR" altLang="en-US" baseline="0" dirty="0" smtClean="0"/>
-              <a:t>은 </a:t>
+            <a:endParaRPr lang="en-US" altLang="ko-KR" baseline="0" dirty="0" smtClean="0"/>
+          </a:p>
+          <a:p>
+            <a:endParaRPr lang="en-US" altLang="ko-KR" baseline="0" dirty="0" smtClean="0"/>
+          </a:p>
+          <a:p>
+            <a:r>
+              <a:rPr lang="ko-KR" altLang="en-US" baseline="0" dirty="0" err="1" smtClean="0"/>
+              <a:t>호흡증상이</a:t>
+            </a:r>
+            <a:r>
+              <a:rPr lang="ko-KR" altLang="en-US" baseline="0" dirty="0" smtClean="0"/>
+              <a:t> 최초로 발생하는 환자들은 </a:t>
+            </a:r>
+            <a:r>
+              <a:rPr lang="en-US" altLang="ko-KR" baseline="0" dirty="0" smtClean="0"/>
+              <a:t>stage 3</a:t>
+            </a:r>
+            <a:r>
+              <a:rPr lang="ko-KR" altLang="en-US" baseline="0" dirty="0" smtClean="0"/>
+              <a:t>이하의 단계를 거치지 않고 바로 </a:t>
+            </a:r>
+            <a:r>
+              <a:rPr lang="en-US" altLang="ko-KR" baseline="0" dirty="0" smtClean="0"/>
+              <a:t>stage 4B</a:t>
+            </a:r>
+            <a:r>
+              <a:rPr lang="ko-KR" altLang="en-US" baseline="0" dirty="0" smtClean="0"/>
+              <a:t>로 시작하는 경우가 있을 수 있어 이 부분에 대한 보완이 필요할 것 같습니다</a:t>
+            </a:r>
+            <a:r>
+              <a:rPr lang="en-US" altLang="ko-KR" baseline="0" dirty="0" smtClean="0"/>
+              <a:t>.</a:t>
+            </a:r>
+          </a:p>
+          <a:p>
+            <a:endParaRPr lang="en-US" altLang="ko-KR" baseline="0" dirty="0" smtClean="0"/>
+          </a:p>
+          <a:p>
+            <a:r>
+              <a:rPr lang="en-US" altLang="ko-KR" baseline="0" dirty="0" smtClean="0"/>
+              <a:t>King’s system</a:t>
+            </a:r>
+            <a:r>
+              <a:rPr lang="ko-KR" altLang="en-US" baseline="0" dirty="0" smtClean="0"/>
+              <a:t>의 </a:t>
+            </a:r>
+            <a:r>
+              <a:rPr lang="en-US" altLang="ko-KR" baseline="0" dirty="0" smtClean="0"/>
+              <a:t>stage</a:t>
+            </a:r>
+            <a:r>
+              <a:rPr lang="ko-KR" altLang="en-US" baseline="0" dirty="0" smtClean="0"/>
+              <a:t>에 따라서 환자에게 제공 가능한 의료를 </a:t>
+            </a:r>
+            <a:r>
+              <a:rPr lang="ko-KR" altLang="en-US" baseline="0" dirty="0" err="1" smtClean="0"/>
+              <a:t>구분지을</a:t>
+            </a:r>
+            <a:r>
+              <a:rPr lang="ko-KR" altLang="en-US" baseline="0" dirty="0" smtClean="0"/>
+              <a:t> 수 있는데 </a:t>
+            </a:r>
+            <a:r>
+              <a:rPr lang="en-US" altLang="ko-KR" baseline="0" dirty="0" smtClean="0"/>
+              <a:t>stage1</a:t>
+            </a:r>
+            <a:r>
+              <a:rPr lang="ko-KR" altLang="en-US" baseline="0" dirty="0" smtClean="0"/>
+              <a:t>에서는 의료기관의 진단</a:t>
+            </a:r>
+            <a:r>
+              <a:rPr lang="en-US" altLang="ko-KR" baseline="0" dirty="0" smtClean="0"/>
+              <a:t>, stage 2,3</a:t>
+            </a:r>
+            <a:r>
+              <a:rPr lang="ko-KR" altLang="en-US" baseline="0" dirty="0" smtClean="0"/>
+              <a:t>에서는 </a:t>
             </a:r>
             <a:r>
               <a:rPr lang="ko-KR" altLang="en-US" baseline="0" dirty="0" err="1" smtClean="0"/>
@@ -9100,44 +8855,46 @@
             </a:r>
             <a:r>
               <a:rPr lang="ko-KR" altLang="en-US" baseline="0" dirty="0" smtClean="0"/>
-              <a:t>는 </a:t>
-            </a:r>
-            <a:r>
-              <a:rPr lang="en-US" altLang="ko-KR" baseline="0" dirty="0" smtClean="0"/>
-              <a:t>intervention</a:t>
-            </a:r>
-            <a:r>
-              <a:rPr lang="ko-KR" altLang="en-US" baseline="0" dirty="0" smtClean="0"/>
-              <a:t>과 말기의 </a:t>
+              <a:t>부터는 경관 영양과 인공호흡기치료</a:t>
+            </a:r>
+            <a:r>
+              <a:rPr lang="en-US" altLang="ko-KR" baseline="0" dirty="0" smtClean="0"/>
+              <a:t>, </a:t>
+            </a:r>
+            <a:r>
+              <a:rPr lang="ko-KR" altLang="en-US" baseline="0" dirty="0" smtClean="0"/>
+              <a:t>말기의 완화 의료</a:t>
+            </a:r>
+            <a:r>
+              <a:rPr lang="en-US" altLang="ko-KR" baseline="0" dirty="0" smtClean="0"/>
+              <a:t>,</a:t>
+            </a:r>
+            <a:r>
+              <a:rPr lang="ko-KR" altLang="en-US" baseline="0" dirty="0" smtClean="0"/>
+              <a:t> 돌봄에 대한 접근을 제공하는 식으로 체계적인 사회적 관리를 하는 것이 가능합니다</a:t>
+            </a:r>
+            <a:r>
+              <a:rPr lang="en-US" altLang="ko-KR" baseline="0" dirty="0" smtClean="0"/>
+              <a:t>. </a:t>
+            </a:r>
+            <a:r>
+              <a:rPr lang="ko-KR" altLang="en-US" baseline="0" dirty="0" smtClean="0"/>
+              <a:t>또한 임상시험의 </a:t>
             </a:r>
             <a:r>
               <a:rPr lang="ko-KR" altLang="en-US" baseline="0" dirty="0" err="1" smtClean="0"/>
-              <a:t>완화치료를</a:t>
-            </a:r>
-            <a:r>
-              <a:rPr lang="ko-KR" altLang="en-US" baseline="0" dirty="0" smtClean="0"/>
-              <a:t> 하는 식으로 판단하는데 도움이 됩니다</a:t>
-            </a:r>
-            <a:r>
-              <a:rPr lang="en-US" altLang="ko-KR" baseline="0" dirty="0" smtClean="0"/>
-              <a:t>. </a:t>
-            </a:r>
-            <a:r>
-              <a:rPr lang="ko-KR" altLang="en-US" baseline="0" dirty="0" smtClean="0"/>
-              <a:t>그리고 임상시험의 </a:t>
-            </a:r>
-            <a:r>
-              <a:rPr lang="en-US" altLang="ko-KR" baseline="0" dirty="0" smtClean="0"/>
-              <a:t>secondary endpoint</a:t>
-            </a:r>
-            <a:r>
-              <a:rPr lang="ko-KR" altLang="en-US" baseline="0" dirty="0" smtClean="0"/>
-              <a:t>로 사용될 수 있습니다</a:t>
-            </a:r>
-            <a:r>
-              <a:rPr lang="en-US" altLang="ko-KR" baseline="0" dirty="0" smtClean="0"/>
-              <a:t>. </a:t>
-            </a:r>
+              <a:t>지표로서도</a:t>
+            </a:r>
+            <a:r>
+              <a:rPr lang="ko-KR" altLang="en-US" baseline="0" dirty="0" smtClean="0"/>
+              <a:t> 활용될 수 있습니다</a:t>
+            </a:r>
+            <a:r>
+              <a:rPr lang="en-US" altLang="ko-KR" baseline="0" dirty="0" smtClean="0"/>
+              <a:t>. 	</a:t>
+            </a:r>
+          </a:p>
+          <a:p>
             <a:endParaRPr lang="ko-KR" altLang="en-US" dirty="0"/>
           </a:p>
         </p:txBody>
@@ -9223,6 +8980,21 @@
           <a:lstStyle/>
           <a:p>
             <a:r>
+              <a:rPr lang="ko-KR" altLang="en-US" dirty="0" smtClean="0"/>
+              <a:t>다음으로 살펴볼 </a:t>
+            </a:r>
+            <a:r>
+              <a:rPr lang="en-US" altLang="ko-KR" dirty="0" smtClean="0"/>
+              <a:t>staging system</a:t>
+            </a:r>
+            <a:r>
+              <a:rPr lang="ko-KR" altLang="en-US" dirty="0" smtClean="0"/>
+              <a:t>은 </a:t>
+            </a:r>
+            <a:endParaRPr lang="en-US" altLang="ko-KR" dirty="0" smtClean="0"/>
+          </a:p>
+          <a:p>
+            <a:r>
               <a:rPr lang="en-US" altLang="ko-KR" dirty="0" smtClean="0"/>
               <a:t>2015</a:t>
             </a:r>
@@ -9248,7 +9020,27 @@
             </a:r>
             <a:r>
               <a:rPr lang="en-US" altLang="ko-KR" dirty="0" smtClean="0"/>
-              <a:t>Milano-Torino staging system</a:t>
+              <a:t>Milano-Torino staging </a:t>
+            </a:r>
+            <a:r>
+              <a:rPr lang="en-US" altLang="ko-KR" dirty="0" smtClean="0"/>
+              <a:t>system </a:t>
+            </a:r>
+            <a:r>
+              <a:rPr lang="ko-KR" altLang="en-US" dirty="0" smtClean="0"/>
+              <a:t>줄여서 </a:t>
+            </a:r>
+            <a:r>
+              <a:rPr lang="en-US" altLang="ko-KR" dirty="0" err="1" smtClean="0"/>
+              <a:t>MiTOS</a:t>
+            </a:r>
+            <a:r>
+              <a:rPr lang="ko-KR" altLang="en-US" dirty="0" smtClean="0"/>
+              <a:t>입니다</a:t>
+            </a:r>
+            <a:r>
+              <a:rPr lang="en-US" altLang="ko-KR" dirty="0" smtClean="0"/>
+              <a:t>. </a:t>
             </a:r>
             <a:r>
               <a:rPr lang="ko-KR" altLang="en-US" dirty="0" smtClean="0"/>
@@ -11924,7 +11716,7 @@
           <a:p>
             <a:fld id="{11CF987C-FD17-4394-9A4F-BE2D66BE4DDF}" type="datetimeFigureOut">
               <a:rPr lang="ko-KR" altLang="en-US" smtClean="0"/>
-              <a:t>2021-08-19</a:t>
+              <a:t>2021-08-27</a:t>
             </a:fld>
             <a:endParaRPr lang="ko-KR" altLang="en-US"/>
           </a:p>
@@ -12101,7 +11893,7 @@
           <a:p>
             <a:fld id="{11CF987C-FD17-4394-9A4F-BE2D66BE4DDF}" type="datetimeFigureOut">
               <a:rPr lang="ko-KR" altLang="en-US" smtClean="0"/>
-              <a:t>2021-08-19</a:t>
+              <a:t>2021-08-27</a:t>
             </a:fld>
             <a:endParaRPr lang="ko-KR" altLang="en-US"/>
           </a:p>
@@ -12281,7 +12073,7 @@
           <a:p>
             <a:fld id="{11CF987C-FD17-4394-9A4F-BE2D66BE4DDF}" type="datetimeFigureOut">
               <a:rPr lang="ko-KR" altLang="en-US" smtClean="0"/>
-              <a:t>2021-08-19</a:t>
+              <a:t>2021-08-27</a:t>
             </a:fld>
             <a:endParaRPr lang="ko-KR" altLang="en-US"/>
           </a:p>
@@ -12642,7 +12434,7 @@
           <a:p>
             <a:fld id="{11CF987C-FD17-4394-9A4F-BE2D66BE4DDF}" type="datetimeFigureOut">
               <a:rPr lang="ko-KR" altLang="en-US" smtClean="0"/>
-              <a:t>2021-08-19</a:t>
+              <a:t>2021-08-27</a:t>
             </a:fld>
             <a:endParaRPr lang="ko-KR" altLang="en-US"/>
           </a:p>
@@ -12874,7 +12666,7 @@
           <a:p>
             <a:fld id="{11CF987C-FD17-4394-9A4F-BE2D66BE4DDF}" type="datetimeFigureOut">
               <a:rPr lang="ko-KR" altLang="en-US" smtClean="0"/>
-              <a:t>2021-08-19</a:t>
+              <a:t>2021-08-27</a:t>
             </a:fld>
             <a:endParaRPr lang="ko-KR" altLang="en-US"/>
           </a:p>
@@ -13241,7 +13033,7 @@
           <a:p>
             <a:fld id="{11CF987C-FD17-4394-9A4F-BE2D66BE4DDF}" type="datetimeFigureOut">
               <a:rPr lang="ko-KR" altLang="en-US" smtClean="0"/>
-              <a:t>2021-08-19</a:t>
+              <a:t>2021-08-27</a:t>
             </a:fld>
             <a:endParaRPr lang="ko-KR" altLang="en-US"/>
           </a:p>
@@ -13359,7 +13151,7 @@
           <a:p>
             <a:fld id="{11CF987C-FD17-4394-9A4F-BE2D66BE4DDF}" type="datetimeFigureOut">
               <a:rPr lang="ko-KR" altLang="en-US" smtClean="0"/>
-              <a:t>2021-08-19</a:t>
+              <a:t>2021-08-27</a:t>
             </a:fld>
             <a:endParaRPr lang="ko-KR" altLang="en-US"/>
           </a:p>
@@ -13454,7 +13246,7 @@
           <a:p>
             <a:fld id="{11CF987C-FD17-4394-9A4F-BE2D66BE4DDF}" type="datetimeFigureOut">
               <a:rPr lang="ko-KR" altLang="en-US" smtClean="0"/>
-              <a:t>2021-08-19</a:t>
+              <a:t>2021-08-27</a:t>
             </a:fld>
             <a:endParaRPr lang="ko-KR" altLang="en-US"/>
           </a:p>
@@ -13731,7 +13523,7 @@
           <a:p>
             <a:fld id="{11CF987C-FD17-4394-9A4F-BE2D66BE4DDF}" type="datetimeFigureOut">
               <a:rPr lang="ko-KR" altLang="en-US" smtClean="0"/>
-              <a:t>2021-08-19</a:t>
+              <a:t>2021-08-27</a:t>
             </a:fld>
             <a:endParaRPr lang="ko-KR" altLang="en-US"/>
           </a:p>
@@ -13988,7 +13780,7 @@
           <a:p>
             <a:fld id="{11CF987C-FD17-4394-9A4F-BE2D66BE4DDF}" type="datetimeFigureOut">
               <a:rPr lang="ko-KR" altLang="en-US" smtClean="0"/>
-              <a:t>2021-08-19</a:t>
+              <a:t>2021-08-27</a:t>
             </a:fld>
             <a:endParaRPr lang="ko-KR" altLang="en-US"/>
           </a:p>
@@ -14227,7 +14019,7 @@
           <a:p>
             <a:fld id="{11CF987C-FD17-4394-9A4F-BE2D66BE4DDF}" type="datetimeFigureOut">
               <a:rPr lang="ko-KR" altLang="en-US" smtClean="0"/>
-              <a:t>2021-08-19</a:t>
+              <a:t>2021-08-27</a:t>
             </a:fld>
             <a:endParaRPr lang="ko-KR" altLang="en-US"/>
           </a:p>
@@ -15414,11 +15206,7 @@
           <a:p>
             <a:r>
               <a:rPr lang="en-US" altLang="ko-KR" dirty="0" smtClean="0"/>
-              <a:t>Variable </a:t>
-            </a:r>
-            <a:r>
-              <a:rPr lang="en-US" altLang="ko-KR" dirty="0" smtClean="0"/>
-              <a:t>clinical course</a:t>
+              <a:t>Variable clinical course</a:t>
             </a:r>
             <a:endParaRPr lang="ko-KR" altLang="en-US" dirty="0"/>
           </a:p>
@@ -16213,11 +16001,7 @@
           <a:p>
             <a:r>
               <a:rPr lang="en-US" altLang="ko-KR" dirty="0" smtClean="0"/>
-              <a:t>Poor </a:t>
-            </a:r>
-            <a:r>
-              <a:rPr lang="en-US" altLang="ko-KR" dirty="0" smtClean="0"/>
-              <a:t>(</a:t>
+              <a:t>Poor (</a:t>
             </a:r>
             <a:r>
               <a:rPr lang="en-US" altLang="ko-KR" dirty="0"/>
@@ -16225,15 +16009,7 @@
             </a:r>
             <a:r>
               <a:rPr lang="en-US" altLang="ko-KR" dirty="0" smtClean="0"/>
-              <a:t>years</a:t>
-            </a:r>
-            <a:r>
-              <a:rPr lang="en-US" altLang="ko-KR" dirty="0" smtClean="0"/>
-              <a:t>) </a:t>
-            </a:r>
-            <a:r>
-              <a:rPr lang="en-US" altLang="ko-KR" dirty="0" smtClean="0"/>
-              <a:t>and variable prognosis. </a:t>
+              <a:t>years) and variable prognosis. </a:t>
             </a:r>
           </a:p>
           <a:p>
@@ -16346,11 +16122,7 @@
           <a:p>
             <a:r>
               <a:rPr lang="en-US" altLang="ko-KR" dirty="0" smtClean="0"/>
-              <a:t>King’s </a:t>
-            </a:r>
-            <a:r>
-              <a:rPr lang="en-US" altLang="ko-KR" dirty="0" smtClean="0"/>
-              <a:t>system</a:t>
+              <a:t>King’s system</a:t>
             </a:r>
             <a:endParaRPr lang="ko-KR" altLang="en-US" dirty="0"/>
           </a:p>
@@ -16369,7 +16141,7 @@
         <p:spPr/>
         <p:txBody>
           <a:bodyPr>
-            <a:normAutofit/>
+            <a:normAutofit fontScale="92500" lnSpcReduction="10000"/>
           </a:bodyPr>
           <a:lstStyle/>
           <a:p>
@@ -16380,11 +16152,7 @@
             </a:pPr>
             <a:r>
               <a:rPr lang="en-US" altLang="ko-KR" dirty="0" smtClean="0"/>
-              <a:t>Based </a:t>
-            </a:r>
-            <a:r>
-              <a:rPr lang="en-US" altLang="ko-KR" dirty="0" smtClean="0"/>
-              <a:t>on the number of affected regions of the body.</a:t>
+              <a:t>Based on the number of affected regions of the body.</a:t>
             </a:r>
           </a:p>
           <a:p>
@@ -16439,11 +16207,23 @@
             </a:pPr>
             <a:r>
               <a:rPr lang="en-US" altLang="ko-KR" dirty="0" smtClean="0"/>
-              <a:t>Stage 4A: need for </a:t>
-            </a:r>
-            <a:r>
-              <a:rPr lang="en-US" altLang="ko-KR" dirty="0" smtClean="0"/>
-              <a:t>gastrostomy / Stage </a:t>
+              <a:t>Stage 4A: need for gastrostomy </a:t>
+            </a:r>
+            <a:r>
+              <a:rPr lang="en-US" altLang="ko-KR" dirty="0" smtClean="0"/>
+              <a:t> </a:t>
+            </a:r>
+          </a:p>
+          <a:p>
+            <a:pPr marL="0" indent="0">
+              <a:lnSpc>
+                <a:spcPct val="150000"/>
+              </a:lnSpc>
+              <a:buNone/>
+            </a:pPr>
+            <a:r>
+              <a:rPr lang="en-US" altLang="ko-KR" dirty="0" smtClean="0"/>
+              <a:t>  Stage </a:t>
             </a:r>
             <a:r>
               <a:rPr lang="en-US" altLang="ko-KR" dirty="0" smtClean="0"/>
@@ -16480,8 +16260,8 @@
         </p:blipFill>
         <p:spPr>
           <a:xfrm>
-            <a:off x="5822831" y="2323940"/>
-            <a:ext cx="6369169" cy="2653173"/>
+            <a:off x="6565332" y="4514127"/>
+            <a:ext cx="5626668" cy="2343873"/>
           </a:xfrm>
           <a:prstGeom prst="rect">
             <a:avLst/>
@@ -16724,11 +16504,7 @@
             </a:pPr>
             <a:r>
               <a:rPr lang="en-US" altLang="ko-KR" dirty="0" smtClean="0"/>
-              <a:t>Based </a:t>
-            </a:r>
-            <a:r>
-              <a:rPr lang="en-US" altLang="ko-KR" dirty="0" smtClean="0"/>
-              <a:t>on a clinical scale.</a:t>
+              <a:t>Based on a clinical scale.</a:t>
             </a:r>
           </a:p>
           <a:p>
@@ -16750,15 +16526,7 @@
             </a:pPr>
             <a:r>
               <a:rPr lang="en-US" altLang="ko-KR" dirty="0" smtClean="0"/>
-              <a:t>Stage 1-4: loss of independence in a number of </a:t>
-            </a:r>
-            <a:r>
-              <a:rPr lang="en-US" altLang="ko-KR" dirty="0" smtClean="0"/>
-              <a:t>4 domains from </a:t>
-            </a:r>
-            <a:r>
-              <a:rPr lang="en-US" altLang="ko-KR" dirty="0" smtClean="0"/>
-              <a:t>ALS Functional Rating Scale-Revised (ALSFRS-R)</a:t>
+              <a:t>Stage 1-4: loss of independence in a number of 4 domains from ALS Functional Rating Scale-Revised (ALSFRS-R)</a:t>
             </a:r>
           </a:p>
           <a:p>

--- a/SNUH 심포지엄-유일한.pptx
+++ b/SNUH 심포지엄-유일한.pptx
@@ -5,7 +5,7 @@
     <p:sldMasterId id="2147483660" r:id="rId1"/>
   </p:sldMasterIdLst>
   <p:notesMasterIdLst>
-    <p:notesMasterId r:id="rId20"/>
+    <p:notesMasterId r:id="rId21"/>
   </p:notesMasterIdLst>
   <p:sldIdLst>
     <p:sldId id="256" r:id="rId2"/>
@@ -26,6 +26,7 @@
     <p:sldId id="270" r:id="rId17"/>
     <p:sldId id="272" r:id="rId18"/>
     <p:sldId id="273" r:id="rId19"/>
+    <p:sldId id="279" r:id="rId20"/>
   </p:sldIdLst>
   <p:sldSz cx="12192000" cy="6858000"/>
   <p:notesSz cx="6858000" cy="9144000"/>
@@ -214,7 +215,7 @@
           <a:p>
             <a:fld id="{E8FBBB6A-BE53-4BF0-B17E-892FAA57C2D4}" type="datetimeFigureOut">
               <a:rPr lang="ko-KR" altLang="en-US" smtClean="0"/>
-              <a:t>2021-08-28</a:t>
+              <a:t>2021-08-29</a:t>
             </a:fld>
             <a:endParaRPr lang="ko-KR" altLang="en-US"/>
           </a:p>
@@ -934,11 +935,7 @@
             </a:r>
             <a:r>
               <a:rPr lang="ko-KR" altLang="en-US" dirty="0" smtClean="0"/>
-              <a:t>가 증가함에 따라서 </a:t>
-            </a:r>
-            <a:r>
-              <a:rPr lang="ko-KR" altLang="en-US" dirty="0" smtClean="0"/>
-              <a:t>주로</a:t>
+              <a:t>가 증가함에 따라서 주로</a:t>
             </a:r>
             <a:r>
               <a:rPr lang="en-US" altLang="ko-KR" dirty="0" smtClean="0"/>
@@ -976,11 +973,7 @@
             </a:pPr>
             <a:r>
               <a:rPr lang="ko-KR" altLang="en-US" dirty="0" smtClean="0"/>
-              <a:t>오른쪽 </a:t>
-            </a:r>
-            <a:r>
-              <a:rPr lang="ko-KR" altLang="en-US" dirty="0" smtClean="0"/>
-              <a:t>그림 </a:t>
+              <a:t>오른쪽 그림 </a:t>
             </a:r>
             <a:r>
               <a:rPr lang="en-US" altLang="ko-KR" dirty="0" smtClean="0"/>
@@ -988,11 +981,7 @@
             </a:r>
             <a:r>
               <a:rPr lang="ko-KR" altLang="en-US" dirty="0" smtClean="0"/>
-              <a:t>를 보여주는 </a:t>
-            </a:r>
-            <a:r>
-              <a:rPr lang="ko-KR" altLang="en-US" dirty="0" smtClean="0"/>
-              <a:t>그림인데 </a:t>
+              <a:t>를 보여주는 그림인데 </a:t>
             </a:r>
             <a:r>
               <a:rPr lang="en-US" altLang="ko-KR" baseline="0" dirty="0" smtClean="0"/>
@@ -1060,11 +1049,7 @@
             </a:r>
             <a:r>
               <a:rPr lang="en-US" altLang="ko-KR" dirty="0" smtClean="0"/>
-              <a:t> </a:t>
-            </a:r>
-            <a:r>
-              <a:rPr lang="en-US" altLang="ko-KR" dirty="0" smtClean="0"/>
-              <a:t>study</a:t>
+              <a:t> study</a:t>
             </a:r>
             <a:r>
               <a:rPr lang="ko-KR" altLang="en-US" dirty="0" smtClean="0"/>
@@ -1144,11 +1129,7 @@
             </a:r>
             <a:r>
               <a:rPr lang="en-US" altLang="ko-KR" baseline="0" dirty="0" smtClean="0"/>
-              <a:t>, </a:t>
-            </a:r>
-            <a:r>
-              <a:rPr lang="en-US" altLang="ko-KR" baseline="0" dirty="0" smtClean="0"/>
-              <a:t>swallowing</a:t>
+              <a:t>, swallowing</a:t>
             </a:r>
             <a:r>
               <a:rPr lang="ko-KR" altLang="en-US" baseline="0" dirty="0" smtClean="0"/>
@@ -1318,7 +1299,6 @@
               <a:rPr lang="en-US" altLang="ko-KR" baseline="0" dirty="0" smtClean="0"/>
               <a:t>. </a:t>
             </a:r>
-            <a:endParaRPr lang="en-US" altLang="ko-KR" baseline="0" dirty="0" smtClean="0"/>
           </a:p>
           <a:p>
             <a:pPr marL="0" marR="0" lvl="0" indent="0" algn="l" defTabSz="914400" rtl="0" eaLnBrk="1" fontAlgn="auto" latinLnBrk="1" hangingPunct="1">
@@ -1482,23 +1462,7 @@
             </a:r>
             <a:r>
               <a:rPr lang="ko-KR" altLang="en-US" baseline="0" dirty="0" smtClean="0"/>
-              <a:t>가 </a:t>
-            </a:r>
-            <a:r>
-              <a:rPr lang="ko-KR" altLang="en-US" baseline="0" dirty="0" smtClean="0"/>
-              <a:t>진행하는 것의 </a:t>
-            </a:r>
-            <a:r>
-              <a:rPr lang="ko-KR" altLang="en-US" baseline="0" dirty="0" smtClean="0"/>
-              <a:t>임상적 의미는 </a:t>
-            </a:r>
-            <a:r>
-              <a:rPr lang="ko-KR" altLang="en-US" baseline="0" dirty="0" smtClean="0"/>
-              <a:t>알 수 없는 </a:t>
-            </a:r>
-            <a:r>
-              <a:rPr lang="ko-KR" altLang="en-US" baseline="0" dirty="0" smtClean="0"/>
-              <a:t>한계가 있습니다</a:t>
+              <a:t>가 진행하는 것의 임상적 의미는 알 수 없는 한계가 있습니다</a:t>
             </a:r>
             <a:r>
               <a:rPr lang="en-US" altLang="ko-KR" baseline="0" dirty="0" smtClean="0"/>
@@ -1568,7 +1532,6 @@
               <a:rPr lang="en-US" altLang="ko-KR" baseline="0" dirty="0" smtClean="0"/>
               <a:t>. </a:t>
             </a:r>
-            <a:endParaRPr lang="en-US" altLang="ko-KR" baseline="0" dirty="0" smtClean="0"/>
           </a:p>
           <a:p>
             <a:endParaRPr lang="en-US" altLang="ko-KR" baseline="0" dirty="0" smtClean="0"/>
@@ -2308,6 +2271,25 @@
           <a:p>
             <a:r>
               <a:rPr lang="en-US" altLang="ko-KR" dirty="0" smtClean="0"/>
+              <a:t>King’s system</a:t>
+            </a:r>
+            <a:r>
+              <a:rPr lang="ko-KR" altLang="en-US" dirty="0" smtClean="0"/>
+              <a:t>과 </a:t>
+            </a:r>
+            <a:r>
+              <a:rPr lang="en-US" altLang="ko-KR" dirty="0" err="1" smtClean="0"/>
+              <a:t>MiToS</a:t>
+            </a:r>
+            <a:r>
+              <a:rPr lang="ko-KR" altLang="en-US" dirty="0" smtClean="0"/>
+              <a:t>를 비교한 것인데 어떻게 차이가 있는지에 대해서도 연구한 </a:t>
+            </a:r>
+            <a:endParaRPr lang="en-US" altLang="ko-KR" dirty="0" smtClean="0"/>
+          </a:p>
+          <a:p>
+            <a:r>
+              <a:rPr lang="en-US" altLang="ko-KR" dirty="0" smtClean="0"/>
               <a:t>Incident, population-based ALS cohort</a:t>
             </a:r>
             <a:r>
@@ -2324,11 +2306,7 @@
             </a:r>
             <a:r>
               <a:rPr lang="en-US" altLang="ko-KR" dirty="0" smtClean="0"/>
-              <a:t>prospective </a:t>
-            </a:r>
-            <a:r>
-              <a:rPr lang="en-US" altLang="ko-KR" dirty="0" smtClean="0"/>
-              <a:t>registry</a:t>
+              <a:t>prospective registry</a:t>
             </a:r>
             <a:r>
               <a:rPr lang="ko-KR" altLang="en-US" dirty="0" smtClean="0"/>
@@ -2348,11 +2326,7 @@
             </a:r>
             <a:r>
               <a:rPr lang="ko-KR" altLang="en-US" dirty="0" smtClean="0"/>
-              <a:t>를 </a:t>
-            </a:r>
-            <a:r>
-              <a:rPr lang="ko-KR" altLang="en-US" dirty="0" smtClean="0"/>
-              <a:t>비교한 연구입니다</a:t>
+              <a:t>를 비교한 연구입니다</a:t>
             </a:r>
             <a:r>
               <a:rPr lang="en-US" altLang="ko-KR" dirty="0" smtClean="0"/>
@@ -2380,7 +2354,100 @@
             </a:r>
             <a:r>
               <a:rPr lang="ko-KR" altLang="en-US" dirty="0" smtClean="0"/>
-              <a:t>를 가지고 연구한 결과 </a:t>
+              <a:t>를 가지고 각 </a:t>
+            </a:r>
+            <a:r>
+              <a:rPr lang="en-US" altLang="ko-KR" dirty="0" smtClean="0"/>
+              <a:t>stage</a:t>
+            </a:r>
+            <a:r>
+              <a:rPr lang="ko-KR" altLang="en-US" dirty="0" smtClean="0"/>
+              <a:t>까지</a:t>
+            </a:r>
+            <a:r>
+              <a:rPr lang="ko-KR" altLang="en-US" baseline="0" dirty="0" smtClean="0"/>
+              <a:t> 진행되는데 걸린 시간은 전체 질병기간으로 나눠서 표준화하여 비교했고 각 </a:t>
+            </a:r>
+            <a:r>
+              <a:rPr lang="en-US" altLang="ko-KR" baseline="0" dirty="0" smtClean="0"/>
+              <a:t>stage</a:t>
+            </a:r>
+            <a:r>
+              <a:rPr lang="ko-KR" altLang="en-US" baseline="0" dirty="0" smtClean="0"/>
+              <a:t>별로 사망하는데 까지의 시간을 </a:t>
+            </a:r>
+            <a:r>
+              <a:rPr lang="ko-KR" altLang="en-US" baseline="0" dirty="0" err="1" smtClean="0"/>
+              <a:t>비교했씁니다</a:t>
+            </a:r>
+            <a:r>
+              <a:rPr lang="en-US" altLang="ko-KR" baseline="0" dirty="0" smtClean="0"/>
+              <a:t>. </a:t>
+            </a:r>
+            <a:r>
+              <a:rPr lang="ko-KR" altLang="en-US" baseline="0" dirty="0" smtClean="0"/>
+              <a:t>어떤 </a:t>
+            </a:r>
+            <a:r>
+              <a:rPr lang="en-US" altLang="ko-KR" baseline="0" dirty="0" smtClean="0"/>
+              <a:t>stage</a:t>
+            </a:r>
+            <a:r>
+              <a:rPr lang="ko-KR" altLang="en-US" baseline="0" dirty="0" smtClean="0"/>
+              <a:t>가 나은지를 비교하기 위해 같은 </a:t>
+            </a:r>
+            <a:r>
+              <a:rPr lang="en-US" altLang="ko-KR" baseline="0" dirty="0" smtClean="0"/>
+              <a:t>stage</a:t>
+            </a:r>
+            <a:r>
+              <a:rPr lang="ko-KR" altLang="en-US" baseline="0" dirty="0" smtClean="0"/>
+              <a:t>내의 </a:t>
+            </a:r>
+            <a:r>
+              <a:rPr lang="ko-KR" altLang="en-US" baseline="0" dirty="0" err="1" smtClean="0"/>
+              <a:t>균일성은</a:t>
+            </a:r>
+            <a:r>
+              <a:rPr lang="ko-KR" altLang="en-US" baseline="0" dirty="0" smtClean="0"/>
+              <a:t> </a:t>
+            </a:r>
+            <a:r>
+              <a:rPr lang="ko-KR" altLang="en-US" baseline="0" dirty="0" err="1" smtClean="0"/>
+              <a:t>환자들간의</a:t>
+            </a:r>
+            <a:r>
+              <a:rPr lang="ko-KR" altLang="en-US" baseline="0" dirty="0" smtClean="0"/>
+              <a:t> 생존기간의 차이가 적은 지를 가지고 평가했고 다른 </a:t>
+            </a:r>
+            <a:r>
+              <a:rPr lang="en-US" altLang="ko-KR" baseline="0" dirty="0" smtClean="0"/>
+              <a:t>stage</a:t>
+            </a:r>
+            <a:r>
+              <a:rPr lang="ko-KR" altLang="en-US" baseline="0" dirty="0" smtClean="0"/>
+              <a:t>간의 생존기간의 차이에 뚜렷한 차이가 있는지를 가지고 </a:t>
+            </a:r>
+            <a:r>
+              <a:rPr lang="ko-KR" altLang="en-US" baseline="0" dirty="0" err="1" smtClean="0"/>
+              <a:t>평가했씁니다</a:t>
+            </a:r>
+            <a:r>
+              <a:rPr lang="en-US" altLang="ko-KR" baseline="0" dirty="0" smtClean="0"/>
+              <a:t>. </a:t>
+            </a:r>
+            <a:endParaRPr lang="en-US" altLang="ko-KR" dirty="0" smtClean="0"/>
+          </a:p>
+          <a:p>
+            <a:endParaRPr lang="en-US" altLang="ko-KR" dirty="0" smtClean="0"/>
+          </a:p>
+          <a:p>
+            <a:endParaRPr lang="en-US" altLang="ko-KR" dirty="0" smtClean="0"/>
+          </a:p>
+          <a:p>
+            <a:r>
+              <a:rPr lang="ko-KR" altLang="en-US" dirty="0" smtClean="0"/>
+              <a:t>연구한 결과 </a:t>
             </a:r>
             <a:r>
               <a:rPr lang="en-US" altLang="ko-KR" dirty="0" smtClean="0"/>
@@ -2404,15 +2471,7 @@
             </a:r>
             <a:r>
               <a:rPr lang="ko-KR" altLang="en-US" dirty="0" smtClean="0"/>
-              <a:t>이 차이가 더 적은 </a:t>
-            </a:r>
-            <a:r>
-              <a:rPr lang="ko-KR" altLang="en-US" dirty="0" err="1" smtClean="0"/>
-              <a:t>균질한</a:t>
-            </a:r>
-            <a:r>
-              <a:rPr lang="ko-KR" altLang="en-US" dirty="0" smtClean="0"/>
-              <a:t> 분포를 보였고 </a:t>
+              <a:t>이 차이가 더 적은 균일한 분포를 보였고 </a:t>
             </a:r>
             <a:r>
               <a:rPr lang="en-US" altLang="ko-KR" dirty="0" smtClean="0"/>
@@ -2496,7 +2555,7 @@
             </a:r>
             <a:r>
               <a:rPr lang="ko-KR" altLang="en-US" baseline="0" dirty="0" smtClean="0"/>
-              <a:t>가 필요한지여부</a:t>
+              <a:t>가 필요한 지 여부</a:t>
             </a:r>
             <a:r>
               <a:rPr lang="en-US" altLang="ko-KR" baseline="0" dirty="0" smtClean="0"/>
@@ -3379,6 +3438,10 @@
           <a:lstStyle/>
           <a:p>
             <a:r>
+              <a:rPr lang="ko-KR" altLang="en-US" dirty="0" smtClean="0"/>
+              <a:t>우측 하단의 </a:t>
+            </a:r>
+            <a:r>
               <a:rPr lang="en-US" altLang="ko-KR" dirty="0" smtClean="0"/>
               <a:t>Table</a:t>
             </a:r>
@@ -4121,7 +4184,7 @@
             </a:r>
             <a:r>
               <a:rPr lang="en-US" altLang="ko-KR" baseline="0" dirty="0" smtClean="0"/>
-              <a:t>. QOLALS study</a:t>
+              <a:t>. QOCALS study</a:t>
             </a:r>
             <a:r>
               <a:rPr lang="ko-KR" altLang="en-US" baseline="0" dirty="0" smtClean="0"/>
@@ -4276,7 +4339,7 @@
                   <a:srgbClr val="FFFF00"/>
                 </a:solidFill>
               </a:rPr>
-              <a:t>는 </a:t>
+              <a:t>환자의 비율은 </a:t>
             </a:r>
             <a:r>
               <a:rPr lang="en-US" altLang="ko-KR" baseline="0" dirty="0" smtClean="0">
@@ -4292,23 +4355,7 @@
                   <a:srgbClr val="FFFF00"/>
                 </a:solidFill>
               </a:rPr>
-              <a:t>환자가 </a:t>
-            </a:r>
-            <a:r>
-              <a:rPr lang="en-US" altLang="ko-KR" baseline="0" dirty="0" smtClean="0">
-                <a:solidFill>
-                  <a:srgbClr val="FFFF00"/>
-                </a:solidFill>
-              </a:rPr>
-              <a:t>tracheostomy</a:t>
-            </a:r>
-            <a:r>
-              <a:rPr lang="ko-KR" altLang="en-US" baseline="0" dirty="0" smtClean="0">
-                <a:solidFill>
-                  <a:srgbClr val="FFFF00"/>
-                </a:solidFill>
-              </a:rPr>
-              <a:t>를 받았고 이 중 </a:t>
+              <a:t>였고 이 중 </a:t>
             </a:r>
             <a:r>
               <a:rPr lang="en-US" altLang="ko-KR" baseline="0" dirty="0" smtClean="0">
@@ -4340,23 +4387,7 @@
                   <a:srgbClr val="FFFF00"/>
                 </a:solidFill>
               </a:rPr>
-              <a:t>이 </a:t>
-            </a:r>
-            <a:r>
-              <a:rPr lang="ko-KR" altLang="en-US" baseline="0" dirty="0" err="1" smtClean="0">
-                <a:solidFill>
-                  <a:srgbClr val="FFFF00"/>
-                </a:solidFill>
-              </a:rPr>
-              <a:t>끝날때</a:t>
-            </a:r>
-            <a:r>
-              <a:rPr lang="ko-KR" altLang="en-US" baseline="0" dirty="0" smtClean="0">
-                <a:solidFill>
-                  <a:srgbClr val="FFFF00"/>
-                </a:solidFill>
-              </a:rPr>
-              <a:t> 사망했습니다</a:t>
+              <a:t>이 끝날 때 사망했습니다</a:t>
             </a:r>
             <a:r>
               <a:rPr lang="en-US" altLang="ko-KR" baseline="0" dirty="0" smtClean="0">
@@ -4643,31 +4674,7 @@
             </a:r>
             <a:r>
               <a:rPr lang="ko-KR" altLang="en-US" baseline="0" dirty="0" smtClean="0"/>
-              <a:t>가 </a:t>
-            </a:r>
-            <a:r>
-              <a:rPr lang="en-US" altLang="ko-KR" baseline="0" dirty="0" smtClean="0"/>
-              <a:t>ALS</a:t>
-            </a:r>
-            <a:r>
-              <a:rPr lang="ko-KR" altLang="en-US" baseline="0" dirty="0" smtClean="0"/>
-              <a:t>환자 중 약 </a:t>
-            </a:r>
-            <a:r>
-              <a:rPr lang="en-US" altLang="ko-KR" baseline="0" dirty="0" smtClean="0"/>
-              <a:t>15%</a:t>
-            </a:r>
-            <a:r>
-              <a:rPr lang="ko-KR" altLang="en-US" baseline="0" dirty="0" smtClean="0"/>
-              <a:t>를 </a:t>
-            </a:r>
-            <a:r>
-              <a:rPr lang="ko-KR" altLang="en-US" baseline="0" dirty="0" err="1" smtClean="0"/>
-              <a:t>차지하데</a:t>
-            </a:r>
-            <a:r>
-              <a:rPr lang="ko-KR" altLang="en-US" baseline="0" dirty="0" smtClean="0"/>
-              <a:t> 이러한 치매환자를 포함하고 있다는 점과 장기간 </a:t>
+              <a:t>환자를 포함하고 있다는 점과 장기간 </a:t>
             </a:r>
             <a:r>
               <a:rPr lang="ko-KR" altLang="en-US" baseline="0" dirty="0" err="1" smtClean="0"/>
@@ -4806,15 +4813,7 @@
             </a:r>
             <a:r>
               <a:rPr lang="ko-KR" altLang="en-US" baseline="0" dirty="0" smtClean="0"/>
-              <a:t>간에 진행하는 시간이 더 짧게 나타날 수 </a:t>
-            </a:r>
-            <a:r>
-              <a:rPr lang="ko-KR" altLang="en-US" baseline="0" dirty="0" err="1" smtClean="0"/>
-              <a:t>있을수도</a:t>
-            </a:r>
-            <a:r>
-              <a:rPr lang="ko-KR" altLang="en-US" baseline="0" dirty="0" smtClean="0"/>
-              <a:t> 있습니다</a:t>
+              <a:t>간에 진행하는 시간이 더 짧게 나타났을 수도 있습니다</a:t>
             </a:r>
             <a:r>
               <a:rPr lang="en-US" altLang="ko-KR" baseline="0" dirty="0" smtClean="0"/>
@@ -4877,15 +4876,7 @@
             </a:r>
             <a:r>
               <a:rPr lang="ko-KR" altLang="en-US" baseline="0" dirty="0" smtClean="0"/>
-              <a:t>을 </a:t>
-            </a:r>
-            <a:r>
-              <a:rPr lang="ko-KR" altLang="en-US" baseline="0" dirty="0" err="1" smtClean="0"/>
-              <a:t>비교했을때</a:t>
-            </a:r>
-            <a:r>
-              <a:rPr lang="ko-KR" altLang="en-US" baseline="0" dirty="0" smtClean="0"/>
-              <a:t> 상대적으로 </a:t>
+              <a:t>을 비교하면 상대적으로 </a:t>
             </a:r>
             <a:r>
               <a:rPr lang="en-US" altLang="ko-KR" baseline="0" dirty="0" smtClean="0"/>
@@ -5107,107 +5098,6 @@
           <a:lstStyle/>
           <a:p>
             <a:r>
-              <a:rPr lang="en-US" altLang="ko-KR" dirty="0" smtClean="0"/>
-              <a:t>King’s system</a:t>
-            </a:r>
-            <a:r>
-              <a:rPr lang="ko-KR" altLang="en-US" dirty="0" smtClean="0"/>
-              <a:t>과 </a:t>
-            </a:r>
-            <a:r>
-              <a:rPr lang="en-US" altLang="ko-KR" dirty="0" smtClean="0"/>
-              <a:t>MITOS</a:t>
-            </a:r>
-            <a:r>
-              <a:rPr lang="ko-KR" altLang="en-US" dirty="0" smtClean="0"/>
-              <a:t>는 중복 이라기보다는 상호 보완적인 </a:t>
-            </a:r>
-            <a:r>
-              <a:rPr lang="ko-KR" altLang="en-US" baseline="0" dirty="0" smtClean="0"/>
-              <a:t>체계인데 전자는 임상적</a:t>
-            </a:r>
-            <a:r>
-              <a:rPr lang="en-US" altLang="ko-KR" baseline="0" dirty="0" smtClean="0"/>
-              <a:t>, </a:t>
-            </a:r>
-            <a:r>
-              <a:rPr lang="ko-KR" altLang="en-US" baseline="0" dirty="0" smtClean="0"/>
-              <a:t>해부학적 확산을 중요하게 보고</a:t>
-            </a:r>
-            <a:r>
-              <a:rPr lang="en-US" altLang="ko-KR" baseline="0" dirty="0" smtClean="0"/>
-              <a:t>, MITOS</a:t>
-            </a:r>
-            <a:r>
-              <a:rPr lang="ko-KR" altLang="en-US" baseline="0" dirty="0" smtClean="0"/>
-              <a:t>는 기능적 장애를 중요하게 보는 체계임</a:t>
-            </a:r>
-            <a:r>
-              <a:rPr lang="en-US" altLang="ko-KR" baseline="0" dirty="0" smtClean="0"/>
-              <a:t>. Ferraro</a:t>
-            </a:r>
-            <a:r>
-              <a:rPr lang="ko-KR" altLang="en-US" baseline="0" dirty="0" smtClean="0"/>
-              <a:t>의 연구에서 </a:t>
-            </a:r>
-            <a:r>
-              <a:rPr lang="en-US" altLang="ko-KR" baseline="0" dirty="0" smtClean="0"/>
-              <a:t>King</a:t>
-            </a:r>
-            <a:r>
-              <a:rPr lang="ko-KR" altLang="en-US" baseline="0" dirty="0" smtClean="0"/>
-              <a:t>은 질병 전체에 균등하게 분포하고 </a:t>
-            </a:r>
-            <a:r>
-              <a:rPr lang="en-US" altLang="ko-KR" baseline="0" dirty="0" smtClean="0"/>
-              <a:t>MITOS</a:t>
-            </a:r>
-            <a:r>
-              <a:rPr lang="ko-KR" altLang="en-US" baseline="0" dirty="0" smtClean="0"/>
-              <a:t>는 질병 후기에 치우친다는 보고가 있었음</a:t>
-            </a:r>
-            <a:r>
-              <a:rPr lang="en-US" altLang="ko-KR" baseline="0" dirty="0" smtClean="0"/>
-              <a:t>. </a:t>
-            </a:r>
-            <a:r>
-              <a:rPr lang="ko-KR" altLang="en-US" baseline="0" dirty="0" smtClean="0"/>
-              <a:t>두 체계는 질환의 경과를 예측하고 치료계획을 수립하며 전반적인 의료자원의 효율적인 활용에도 기여하고 주치의</a:t>
-            </a:r>
-            <a:r>
-              <a:rPr lang="en-US" altLang="ko-KR" baseline="0" dirty="0" smtClean="0"/>
-              <a:t>, </a:t>
-            </a:r>
-            <a:r>
-              <a:rPr lang="ko-KR" altLang="en-US" baseline="0" dirty="0" smtClean="0"/>
-              <a:t>관련의료인력</a:t>
-            </a:r>
-            <a:r>
-              <a:rPr lang="en-US" altLang="ko-KR" baseline="0" dirty="0" smtClean="0"/>
-              <a:t>, </a:t>
-            </a:r>
-            <a:r>
-              <a:rPr lang="ko-KR" altLang="en-US" baseline="0" dirty="0" smtClean="0"/>
-              <a:t>환자</a:t>
-            </a:r>
-            <a:r>
-              <a:rPr lang="en-US" altLang="ko-KR" baseline="0" dirty="0" smtClean="0"/>
-              <a:t>, </a:t>
-            </a:r>
-            <a:r>
-              <a:rPr lang="ko-KR" altLang="en-US" baseline="0" dirty="0" smtClean="0"/>
-              <a:t>보호자 간의 이해를 높일 수 있다는 장점이 있음</a:t>
-            </a:r>
-            <a:r>
-              <a:rPr lang="en-US" altLang="ko-KR" baseline="0" dirty="0" smtClean="0"/>
-              <a:t>. </a:t>
-            </a:r>
-          </a:p>
-          <a:p>
-            <a:endParaRPr lang="en-US" altLang="ko-KR" baseline="0" dirty="0" smtClean="0"/>
-          </a:p>
-          <a:p>
-            <a:r>
               <a:rPr lang="en-US" altLang="ko-KR" baseline="0" dirty="0" smtClean="0"/>
               <a:t>ALSFRS</a:t>
             </a:r>
@@ -5331,7 +5221,9 @@
               <a:rPr lang="en-US" altLang="ko-KR" baseline="0" dirty="0" smtClean="0"/>
               <a:t>. </a:t>
             </a:r>
-            <a:endParaRPr lang="ko-KR" altLang="en-US" dirty="0"/>
+          </a:p>
+          <a:p>
+            <a:endParaRPr lang="en-US" altLang="ko-KR" baseline="0" dirty="0" smtClean="0"/>
           </a:p>
         </p:txBody>
       </p:sp>
@@ -5656,43 +5548,35 @@
             </a:r>
             <a:r>
               <a:rPr lang="ko-KR" altLang="en-US" dirty="0" smtClean="0"/>
-              <a:t>은 초기</a:t>
+              <a:t>과 </a:t>
             </a:r>
             <a:r>
               <a:rPr lang="en-US" altLang="ko-KR" dirty="0" smtClean="0"/>
-              <a:t>,</a:t>
+              <a:t>MITOS</a:t>
             </a:r>
             <a:r>
               <a:rPr lang="ko-KR" altLang="en-US" dirty="0" smtClean="0"/>
-              <a:t>중기</a:t>
-            </a:r>
-            <a:r>
-              <a:rPr lang="ko-KR" altLang="en-US" baseline="0" dirty="0" smtClean="0"/>
-              <a:t> 질환 감별에 좋고 </a:t>
-            </a:r>
-            <a:r>
-              <a:rPr lang="en-US" altLang="ko-KR" baseline="0" dirty="0" err="1" smtClean="0"/>
-              <a:t>MiToS</a:t>
-            </a:r>
-            <a:r>
-              <a:rPr lang="ko-KR" altLang="en-US" baseline="0" dirty="0" smtClean="0"/>
-              <a:t>는 </a:t>
-            </a:r>
-            <a:r>
-              <a:rPr lang="ko-KR" altLang="en-US" baseline="0" dirty="0" err="1" smtClean="0"/>
-              <a:t>후기질환</a:t>
-            </a:r>
-            <a:r>
-              <a:rPr lang="ko-KR" altLang="en-US" baseline="0" dirty="0" smtClean="0"/>
-              <a:t> 감별에 </a:t>
-            </a:r>
-            <a:r>
-              <a:rPr lang="ko-KR" altLang="en-US" baseline="0" dirty="0" err="1" smtClean="0"/>
-              <a:t>좋은결과로</a:t>
-            </a:r>
-            <a:r>
-              <a:rPr lang="ko-KR" altLang="en-US" baseline="0" dirty="0" smtClean="0"/>
-              <a:t> 나왔습니다</a:t>
+              <a:t>는 중복 이라기보다는 상호 보완적인 </a:t>
+            </a:r>
+            <a:r>
+              <a:rPr lang="ko-KR" altLang="en-US" baseline="0" dirty="0" smtClean="0"/>
+              <a:t>체계인데 전자는 임상적</a:t>
+            </a:r>
+            <a:r>
+              <a:rPr lang="en-US" altLang="ko-KR" baseline="0" dirty="0" smtClean="0"/>
+              <a:t>, </a:t>
+            </a:r>
+            <a:r>
+              <a:rPr lang="ko-KR" altLang="en-US" baseline="0" dirty="0" smtClean="0"/>
+              <a:t>해부학적 확산을 중요하게 보고</a:t>
+            </a:r>
+            <a:r>
+              <a:rPr lang="en-US" altLang="ko-KR" baseline="0" dirty="0" smtClean="0"/>
+              <a:t>, MITOS</a:t>
+            </a:r>
+            <a:r>
+              <a:rPr lang="ko-KR" altLang="en-US" baseline="0" dirty="0" smtClean="0"/>
+              <a:t>는 기능적 장애를 중요하게 보는 체계임</a:t>
             </a:r>
             <a:r>
               <a:rPr lang="en-US" altLang="ko-KR" baseline="0" dirty="0" smtClean="0"/>
@@ -5784,6 +5668,34 @@
           <a:p>
             <a:r>
               <a:rPr lang="en-US" altLang="ko-KR" dirty="0" smtClean="0"/>
+              <a:t>10723</a:t>
+            </a:r>
+            <a:r>
+              <a:rPr lang="ko-KR" altLang="en-US" dirty="0" smtClean="0"/>
+              <a:t>명 중 </a:t>
+            </a:r>
+            <a:r>
+              <a:rPr lang="en-US" altLang="ko-KR" dirty="0" smtClean="0"/>
+              <a:t>2</a:t>
+            </a:r>
+            <a:r>
+              <a:rPr lang="ko-KR" altLang="en-US" dirty="0" err="1" smtClean="0"/>
+              <a:t>번이상</a:t>
+            </a:r>
+            <a:r>
+              <a:rPr lang="ko-KR" altLang="en-US" dirty="0" smtClean="0"/>
+              <a:t> </a:t>
+            </a:r>
+            <a:r>
+              <a:rPr lang="en-US" altLang="ko-KR" dirty="0" smtClean="0"/>
+              <a:t>ALSFRS</a:t>
+            </a:r>
+            <a:r>
+              <a:rPr lang="ko-KR" altLang="en-US" dirty="0" smtClean="0"/>
+              <a:t>를 기록한 </a:t>
+            </a:r>
+            <a:r>
+              <a:rPr lang="en-US" altLang="ko-KR" dirty="0" smtClean="0"/>
               <a:t>3367</a:t>
             </a:r>
             <a:r>
@@ -5792,6 +5704,38 @@
             </a:r>
             <a:r>
               <a:rPr lang="en-US" altLang="ko-KR" dirty="0" smtClean="0"/>
+              <a:t>ALSFRS-R</a:t>
+            </a:r>
+            <a:r>
+              <a:rPr lang="ko-KR" altLang="en-US" dirty="0" smtClean="0"/>
+              <a:t>을 </a:t>
+            </a:r>
+            <a:r>
+              <a:rPr lang="en-US" altLang="ko-KR" dirty="0" smtClean="0"/>
+              <a:t>f/u</a:t>
+            </a:r>
+            <a:r>
+              <a:rPr lang="ko-KR" altLang="en-US" dirty="0" smtClean="0"/>
+              <a:t>한 횟수의 </a:t>
+            </a:r>
+            <a:r>
+              <a:rPr lang="ko-KR" altLang="en-US" dirty="0" err="1" smtClean="0"/>
+              <a:t>중위값은</a:t>
+            </a:r>
+            <a:r>
+              <a:rPr lang="ko-KR" altLang="en-US" dirty="0" smtClean="0"/>
+              <a:t> </a:t>
+            </a:r>
+            <a:r>
+              <a:rPr lang="en-US" altLang="ko-KR" dirty="0" smtClean="0"/>
+              <a:t>7</a:t>
+            </a:r>
+            <a:r>
+              <a:rPr lang="ko-KR" altLang="en-US" dirty="0" smtClean="0"/>
+              <a:t>회였고 </a:t>
+            </a:r>
+            <a:r>
+              <a:rPr lang="en-US" altLang="ko-KR" dirty="0" smtClean="0"/>
               <a:t>ALS</a:t>
             </a:r>
             <a:r>
@@ -5800,270 +5744,40 @@
             </a:r>
             <a:r>
               <a:rPr lang="en-US" altLang="ko-KR" dirty="0" smtClean="0"/>
-              <a:t>ALSFRS</a:t>
+              <a:t>ALSFRS-R</a:t>
             </a:r>
             <a:r>
               <a:rPr lang="ko-KR" altLang="en-US" dirty="0" smtClean="0"/>
-              <a:t>를 분석한 결과 감소 곡선의 기울기와 방향이 </a:t>
-            </a:r>
-            <a:r>
-              <a:rPr lang="en-US" altLang="ko-KR" dirty="0" err="1" smtClean="0"/>
-              <a:t>subscore</a:t>
+              <a:t>를 </a:t>
+            </a:r>
+            <a:r>
+              <a:rPr lang="en-US" altLang="ko-KR" dirty="0" smtClean="0"/>
+              <a:t>4</a:t>
             </a:r>
             <a:r>
               <a:rPr lang="ko-KR" altLang="en-US" dirty="0" smtClean="0"/>
-              <a:t>마다 다르고 </a:t>
+              <a:t>개의 </a:t>
             </a:r>
             <a:r>
               <a:rPr lang="en-US" altLang="ko-KR" dirty="0" smtClean="0"/>
-              <a:t>onset site</a:t>
+              <a:t>domain</a:t>
             </a:r>
             <a:r>
               <a:rPr lang="ko-KR" altLang="en-US" dirty="0" smtClean="0"/>
-              <a:t>에 따라서도 다릅니다</a:t>
+              <a:t>으로 나눠서 분석한 것입니다</a:t>
             </a:r>
             <a:r>
               <a:rPr lang="en-US" altLang="ko-KR" dirty="0" smtClean="0"/>
-              <a:t>. </a:t>
-            </a:r>
-            <a:r>
-              <a:rPr lang="ko-KR" altLang="en-US" dirty="0" err="1" smtClean="0"/>
-              <a:t>호흡기능과</a:t>
-            </a:r>
-            <a:r>
-              <a:rPr lang="ko-KR" altLang="en-US" dirty="0" smtClean="0"/>
-              <a:t> 관련된 점수가 가장 완만하게 감소하는 것으로 나타났습니다</a:t>
-            </a:r>
-            <a:r>
-              <a:rPr lang="en-US" altLang="ko-KR" dirty="0" smtClean="0"/>
-              <a:t>. </a:t>
-            </a:r>
-            <a:r>
-              <a:rPr lang="ko-KR" altLang="en-US" dirty="0" smtClean="0"/>
-              <a:t>따라서 </a:t>
-            </a:r>
-            <a:r>
-              <a:rPr lang="en-US" altLang="ko-KR" dirty="0" smtClean="0"/>
-              <a:t>ALSFRS</a:t>
-            </a:r>
-            <a:r>
-              <a:rPr lang="ko-KR" altLang="en-US" dirty="0" err="1" smtClean="0"/>
-              <a:t>를가지고</a:t>
-            </a:r>
-            <a:r>
-              <a:rPr lang="ko-KR" altLang="en-US" dirty="0" smtClean="0"/>
-              <a:t> 임상적으로 악화되는지를 판단하는데 제한이 됩니다</a:t>
-            </a:r>
-            <a:r>
-              <a:rPr lang="en-US" altLang="ko-KR" dirty="0" smtClean="0"/>
-              <a:t>. </a:t>
-            </a:r>
-          </a:p>
-          <a:p>
-            <a:r>
-              <a:rPr lang="en-US" altLang="ko-KR" dirty="0" smtClean="0"/>
-              <a:t>Bulbar onset</a:t>
-            </a:r>
-            <a:r>
-              <a:rPr lang="ko-KR" altLang="en-US" dirty="0" smtClean="0"/>
-              <a:t>이</a:t>
-            </a:r>
-            <a:r>
-              <a:rPr lang="en-US" altLang="ko-KR" dirty="0" smtClean="0"/>
-              <a:t> 20%, limb onset</a:t>
-            </a:r>
-            <a:r>
-              <a:rPr lang="ko-KR" altLang="en-US" dirty="0" smtClean="0"/>
-              <a:t>이 </a:t>
-            </a:r>
-            <a:r>
-              <a:rPr lang="en-US" altLang="ko-KR" dirty="0" smtClean="0"/>
-              <a:t>60%</a:t>
-            </a:r>
-            <a:r>
-              <a:rPr lang="ko-KR" altLang="en-US" dirty="0" smtClean="0"/>
-              <a:t>정도였고 </a:t>
-            </a:r>
-            <a:r>
-              <a:rPr lang="en-US" altLang="ko-KR" dirty="0" smtClean="0"/>
-              <a:t>onset</a:t>
-            </a:r>
-            <a:r>
-              <a:rPr lang="ko-KR" altLang="en-US" dirty="0" smtClean="0"/>
-              <a:t>부터 첫 </a:t>
-            </a:r>
-            <a:r>
-              <a:rPr lang="en-US" altLang="ko-KR" dirty="0" smtClean="0"/>
-              <a:t>ALSFRS</a:t>
-            </a:r>
-            <a:r>
-              <a:rPr lang="ko-KR" altLang="en-US" dirty="0" smtClean="0"/>
-              <a:t>측정까지 기간의 </a:t>
-            </a:r>
-            <a:r>
-              <a:rPr lang="en-US" altLang="ko-KR" dirty="0" smtClean="0"/>
-              <a:t>median</a:t>
-            </a:r>
-            <a:r>
-              <a:rPr lang="ko-KR" altLang="en-US" dirty="0" smtClean="0"/>
-              <a:t>값이 </a:t>
-            </a:r>
-            <a:r>
-              <a:rPr lang="en-US" altLang="ko-KR" dirty="0" smtClean="0"/>
-              <a:t>16.9</a:t>
-            </a:r>
-            <a:r>
-              <a:rPr lang="ko-KR" altLang="en-US" dirty="0" smtClean="0"/>
-              <a:t>개월</a:t>
-            </a:r>
-            <a:r>
-              <a:rPr lang="en-US" altLang="ko-KR" dirty="0" smtClean="0"/>
-              <a:t>, ALSFRS</a:t>
-            </a:r>
-            <a:r>
-              <a:rPr lang="ko-KR" altLang="en-US" baseline="0" dirty="0" smtClean="0"/>
-              <a:t> </a:t>
-            </a:r>
-            <a:r>
-              <a:rPr lang="en-US" altLang="ko-KR" baseline="0" dirty="0" smtClean="0"/>
-              <a:t>median</a:t>
-            </a:r>
-            <a:r>
-              <a:rPr lang="ko-KR" altLang="en-US" baseline="0" dirty="0" smtClean="0"/>
-              <a:t>값은 </a:t>
-            </a:r>
-            <a:r>
-              <a:rPr lang="en-US" altLang="ko-KR" baseline="0" dirty="0" smtClean="0"/>
-              <a:t>39</a:t>
-            </a:r>
-            <a:r>
-              <a:rPr lang="ko-KR" altLang="en-US" baseline="0" dirty="0" smtClean="0"/>
-              <a:t>점</a:t>
-            </a:r>
-            <a:r>
-              <a:rPr lang="en-US" altLang="ko-KR" baseline="0" dirty="0" smtClean="0"/>
-              <a:t>, </a:t>
-            </a:r>
-            <a:r>
-              <a:rPr lang="en-US" altLang="ko-KR" baseline="0" dirty="0" err="1" smtClean="0"/>
-              <a:t>subscore</a:t>
-            </a:r>
-            <a:r>
-              <a:rPr lang="ko-KR" altLang="en-US" baseline="0" dirty="0" smtClean="0"/>
-              <a:t>별로는 </a:t>
-            </a:r>
-            <a:r>
-              <a:rPr lang="en-US" altLang="ko-KR" baseline="0" dirty="0" smtClean="0"/>
-              <a:t>bulbar 11, fine motor 9, gross motor 8, respiratory 12</a:t>
-            </a:r>
-            <a:r>
-              <a:rPr lang="ko-KR" altLang="en-US" baseline="0" dirty="0" smtClean="0"/>
-              <a:t>점이었습니다</a:t>
-            </a:r>
-            <a:r>
-              <a:rPr lang="en-US" altLang="ko-KR" baseline="0" dirty="0" smtClean="0"/>
-              <a:t>. f/u</a:t>
-            </a:r>
-            <a:r>
-              <a:rPr lang="ko-KR" altLang="en-US" baseline="0" dirty="0" smtClean="0"/>
-              <a:t>기간 </a:t>
-            </a:r>
-            <a:r>
-              <a:rPr lang="en-US" altLang="ko-KR" baseline="0" dirty="0" smtClean="0"/>
-              <a:t>median</a:t>
-            </a:r>
-            <a:r>
-              <a:rPr lang="ko-KR" altLang="en-US" baseline="0" dirty="0" smtClean="0"/>
-              <a:t>값은 </a:t>
-            </a:r>
-            <a:r>
-              <a:rPr lang="en-US" altLang="ko-KR" baseline="0" dirty="0" smtClean="0"/>
-              <a:t>12</a:t>
-            </a:r>
-            <a:r>
-              <a:rPr lang="ko-KR" altLang="en-US" baseline="0" dirty="0" smtClean="0"/>
-              <a:t>개월이었습니다</a:t>
-            </a:r>
-            <a:r>
-              <a:rPr lang="en-US" altLang="ko-KR" baseline="0" dirty="0" smtClean="0"/>
-              <a:t>. </a:t>
-            </a:r>
-            <a:r>
-              <a:rPr lang="ko-KR" altLang="en-US" baseline="0" dirty="0" smtClean="0"/>
-              <a:t>사망률은 </a:t>
-            </a:r>
-            <a:r>
-              <a:rPr lang="en-US" altLang="ko-KR" baseline="0" dirty="0" smtClean="0"/>
-              <a:t>21%</a:t>
-            </a:r>
-            <a:r>
-              <a:rPr lang="ko-KR" altLang="en-US" baseline="0" dirty="0" smtClean="0"/>
-              <a:t>였습니다</a:t>
-            </a:r>
-            <a:r>
-              <a:rPr lang="en-US" altLang="ko-KR" baseline="0" dirty="0" smtClean="0"/>
-              <a:t>. </a:t>
-            </a:r>
-            <a:endParaRPr lang="ko-KR" altLang="en-US" dirty="0" smtClean="0"/>
-          </a:p>
-          <a:p>
-            <a:r>
-              <a:rPr lang="en-US" altLang="ko-KR" dirty="0" smtClean="0"/>
-              <a:t>10723</a:t>
-            </a:r>
-            <a:r>
-              <a:rPr lang="ko-KR" altLang="en-US" dirty="0" smtClean="0"/>
-              <a:t>명 중 </a:t>
-            </a:r>
-            <a:r>
-              <a:rPr lang="en-US" altLang="ko-KR" dirty="0" smtClean="0"/>
-              <a:t>2</a:t>
-            </a:r>
-            <a:r>
-              <a:rPr lang="ko-KR" altLang="en-US" dirty="0" err="1" smtClean="0"/>
-              <a:t>번이상</a:t>
+              <a:t>.</a:t>
             </a:r>
             <a:r>
               <a:rPr lang="ko-KR" altLang="en-US" dirty="0" smtClean="0"/>
               <a:t> </a:t>
             </a:r>
-            <a:r>
-              <a:rPr lang="en-US" altLang="ko-KR" dirty="0" smtClean="0"/>
-              <a:t>ALSFRS</a:t>
-            </a:r>
-            <a:r>
-              <a:rPr lang="ko-KR" altLang="en-US" dirty="0" smtClean="0"/>
-              <a:t>를 기록한 </a:t>
-            </a:r>
-            <a:r>
-              <a:rPr lang="en-US" altLang="ko-KR" dirty="0" smtClean="0"/>
-              <a:t>3367</a:t>
-            </a:r>
-            <a:r>
-              <a:rPr lang="ko-KR" altLang="en-US" dirty="0" smtClean="0"/>
-              <a:t>명을 대상으로 했고 기록된 점수의 </a:t>
-            </a:r>
-            <a:r>
-              <a:rPr lang="en-US" altLang="ko-KR" dirty="0" smtClean="0"/>
-              <a:t>median</a:t>
-            </a:r>
-            <a:r>
-              <a:rPr lang="ko-KR" altLang="en-US" dirty="0" smtClean="0"/>
-              <a:t>값은 </a:t>
-            </a:r>
-            <a:r>
-              <a:rPr lang="en-US" altLang="ko-KR" dirty="0" smtClean="0"/>
-              <a:t>7</a:t>
-            </a:r>
-            <a:r>
-              <a:rPr lang="ko-KR" altLang="en-US" dirty="0" smtClean="0"/>
-              <a:t>회였습니다</a:t>
-            </a:r>
-            <a:r>
-              <a:rPr lang="en-US" altLang="ko-KR" dirty="0" smtClean="0"/>
-              <a:t>. </a:t>
-            </a:r>
-            <a:endParaRPr lang="ko-KR" altLang="en-US" dirty="0"/>
+            <a:endParaRPr lang="en-US" altLang="ko-KR" dirty="0" smtClean="0"/>
+          </a:p>
+          <a:p>
+            <a:endParaRPr lang="en-US" altLang="ko-KR" dirty="0" smtClean="0"/>
           </a:p>
         </p:txBody>
       </p:sp>
@@ -6148,6 +5862,47 @@
           <a:lstStyle/>
           <a:p>
             <a:r>
+              <a:rPr lang="ko-KR" altLang="en-US" dirty="0" smtClean="0"/>
+              <a:t>곡선의 기울기와 방향이 </a:t>
+            </a:r>
+            <a:r>
+              <a:rPr lang="en-US" altLang="ko-KR" dirty="0" err="1" smtClean="0"/>
+              <a:t>subscore</a:t>
+            </a:r>
+            <a:r>
+              <a:rPr lang="ko-KR" altLang="en-US" dirty="0" smtClean="0"/>
+              <a:t>마다 다르고 </a:t>
+            </a:r>
+            <a:r>
+              <a:rPr lang="en-US" altLang="ko-KR" dirty="0" smtClean="0"/>
+              <a:t>onset site</a:t>
+            </a:r>
+            <a:r>
+              <a:rPr lang="ko-KR" altLang="en-US" dirty="0" smtClean="0"/>
+              <a:t>에 따라서도 다릅니다</a:t>
+            </a:r>
+            <a:r>
+              <a:rPr lang="en-US" altLang="ko-KR" dirty="0" smtClean="0"/>
+              <a:t>. </a:t>
+            </a:r>
+            <a:r>
+              <a:rPr lang="ko-KR" altLang="en-US" dirty="0" err="1" smtClean="0"/>
+              <a:t>호흡기능과</a:t>
+            </a:r>
+            <a:r>
+              <a:rPr lang="ko-KR" altLang="en-US" dirty="0" smtClean="0"/>
+              <a:t> 관련된 점수가 가장 완만하게 감소하는 것으로 나타났습니다</a:t>
+            </a:r>
+            <a:r>
+              <a:rPr lang="en-US" altLang="ko-KR" dirty="0" smtClean="0"/>
+              <a:t>. </a:t>
+            </a:r>
+          </a:p>
+          <a:p>
+            <a:endParaRPr lang="en-US" altLang="ko-KR" dirty="0" smtClean="0"/>
+          </a:p>
+          <a:p>
+            <a:r>
               <a:rPr lang="en-US" altLang="ko-KR" dirty="0" err="1" smtClean="0"/>
               <a:t>Preslope</a:t>
             </a:r>
@@ -6359,6 +6114,287 @@
               <a:rPr lang="en-US" altLang="ko-KR" baseline="0" dirty="0" smtClean="0"/>
               <a:t>. </a:t>
             </a:r>
+          </a:p>
+          <a:p>
+            <a:endParaRPr lang="en-US" altLang="ko-KR" baseline="0" dirty="0" smtClean="0"/>
+          </a:p>
+          <a:p>
+            <a:r>
+              <a:rPr lang="ko-KR" altLang="en-US" baseline="0" dirty="0" smtClean="0"/>
+              <a:t>따라서 </a:t>
+            </a:r>
+            <a:r>
+              <a:rPr lang="en-US" altLang="ko-KR" baseline="0" dirty="0" smtClean="0"/>
+              <a:t>ALS</a:t>
+            </a:r>
+            <a:r>
+              <a:rPr lang="ko-KR" altLang="en-US" baseline="0" dirty="0" smtClean="0"/>
+              <a:t>의 </a:t>
+            </a:r>
+            <a:r>
+              <a:rPr lang="en-US" altLang="ko-KR" baseline="0" dirty="0" smtClean="0"/>
+              <a:t>staging</a:t>
+            </a:r>
+            <a:r>
+              <a:rPr lang="ko-KR" altLang="en-US" baseline="0" dirty="0" smtClean="0"/>
+              <a:t>은 이전에 반영하지 못한 </a:t>
+            </a:r>
+            <a:r>
+              <a:rPr lang="en-US" altLang="ko-KR" baseline="0" dirty="0" smtClean="0"/>
+              <a:t>onset site, </a:t>
+            </a:r>
+            <a:r>
+              <a:rPr lang="ko-KR" altLang="en-US" baseline="0" dirty="0" smtClean="0"/>
+              <a:t>초기악화속도</a:t>
+            </a:r>
+            <a:r>
+              <a:rPr lang="en-US" altLang="ko-KR" baseline="0" dirty="0" smtClean="0"/>
+              <a:t>, </a:t>
+            </a:r>
+            <a:r>
+              <a:rPr lang="ko-KR" altLang="en-US" baseline="0" dirty="0" smtClean="0"/>
+              <a:t>인지장애</a:t>
+            </a:r>
+            <a:r>
+              <a:rPr lang="en-US" altLang="ko-KR" baseline="0" dirty="0" smtClean="0"/>
+              <a:t>, tracheostomy</a:t>
+            </a:r>
+            <a:r>
+              <a:rPr lang="ko-KR" altLang="en-US" baseline="0" dirty="0" smtClean="0"/>
+              <a:t>를 했지만 </a:t>
+            </a:r>
+            <a:r>
+              <a:rPr lang="en-US" altLang="ko-KR" baseline="0" dirty="0" smtClean="0"/>
+              <a:t>involve region</a:t>
+            </a:r>
+            <a:r>
+              <a:rPr lang="ko-KR" altLang="en-US" baseline="0" dirty="0" smtClean="0"/>
+              <a:t>이 </a:t>
+            </a:r>
+            <a:r>
+              <a:rPr lang="en-US" altLang="ko-KR" baseline="0" dirty="0" smtClean="0"/>
+              <a:t>1,2</a:t>
+            </a:r>
+            <a:r>
+              <a:rPr lang="ko-KR" altLang="en-US" baseline="0" dirty="0" smtClean="0"/>
+              <a:t>개인 환자를 </a:t>
+            </a:r>
+            <a:r>
+              <a:rPr lang="en-US" altLang="ko-KR" baseline="0" dirty="0" smtClean="0"/>
+              <a:t>late/early stage</a:t>
+            </a:r>
+            <a:r>
+              <a:rPr lang="ko-KR" altLang="en-US" baseline="0" dirty="0" smtClean="0"/>
+              <a:t>로 볼 것인지에 대한 고려가 필요하고</a:t>
+            </a:r>
+            <a:endParaRPr lang="en-US" altLang="ko-KR" baseline="0" dirty="0" smtClean="0"/>
+          </a:p>
+          <a:p>
+            <a:r>
+              <a:rPr lang="en-US" altLang="ko-KR" baseline="0" dirty="0" smtClean="0"/>
+              <a:t>ALSFRS-R</a:t>
+            </a:r>
+            <a:r>
+              <a:rPr lang="ko-KR" altLang="en-US" baseline="0" dirty="0" smtClean="0"/>
+              <a:t>을 기준으로 </a:t>
+            </a:r>
+            <a:r>
+              <a:rPr lang="en-US" altLang="ko-KR" baseline="0" dirty="0" smtClean="0"/>
+              <a:t>staging</a:t>
+            </a:r>
+            <a:r>
+              <a:rPr lang="ko-KR" altLang="en-US" baseline="0" dirty="0" smtClean="0"/>
+              <a:t>을 한다면 </a:t>
+            </a:r>
+            <a:r>
+              <a:rPr lang="en-US" altLang="ko-KR" baseline="0" dirty="0" smtClean="0"/>
+              <a:t>domain</a:t>
+            </a:r>
+            <a:r>
+              <a:rPr lang="ko-KR" altLang="en-US" baseline="0" dirty="0" smtClean="0"/>
+              <a:t>을 나눠서 각각의 변화속도가 다르므로 일관된 기준으로 판단하기보다 </a:t>
+            </a:r>
+            <a:r>
+              <a:rPr lang="en-US" altLang="ko-KR" baseline="0" dirty="0" smtClean="0"/>
+              <a:t>domain</a:t>
+            </a:r>
+            <a:r>
+              <a:rPr lang="ko-KR" altLang="en-US" baseline="0" dirty="0" smtClean="0"/>
+              <a:t>별로 다른 기준을 적용해야 할 필요성이 있습니다</a:t>
+            </a:r>
+            <a:r>
+              <a:rPr lang="en-US" altLang="ko-KR" baseline="0" dirty="0" smtClean="0"/>
+              <a:t>.</a:t>
+            </a:r>
+          </a:p>
+          <a:p>
+            <a:endParaRPr lang="en-US" altLang="ko-KR" baseline="0" dirty="0" smtClean="0"/>
+          </a:p>
+          <a:p>
+            <a:pPr marL="0" marR="0" indent="0" algn="l" defTabSz="914400" rtl="0" eaLnBrk="1" fontAlgn="auto" latinLnBrk="1" hangingPunct="1">
+              <a:lnSpc>
+                <a:spcPct val="100000"/>
+              </a:lnSpc>
+              <a:spcBef>
+                <a:spcPts val="0"/>
+              </a:spcBef>
+              <a:spcAft>
+                <a:spcPts val="0"/>
+              </a:spcAft>
+              <a:buClrTx/>
+              <a:buSzTx/>
+              <a:buFontTx/>
+              <a:buNone/>
+              <a:tabLst/>
+              <a:defRPr/>
+            </a:pPr>
+            <a:r>
+              <a:rPr lang="en-US" altLang="ko-KR" dirty="0" smtClean="0"/>
+              <a:t>Bulbar onset</a:t>
+            </a:r>
+            <a:r>
+              <a:rPr lang="ko-KR" altLang="en-US" dirty="0" smtClean="0"/>
+              <a:t>이</a:t>
+            </a:r>
+            <a:r>
+              <a:rPr lang="en-US" altLang="ko-KR" dirty="0" smtClean="0"/>
+              <a:t> 20%, limb onset</a:t>
+            </a:r>
+            <a:r>
+              <a:rPr lang="ko-KR" altLang="en-US" dirty="0" smtClean="0"/>
+              <a:t>이 </a:t>
+            </a:r>
+            <a:r>
+              <a:rPr lang="en-US" altLang="ko-KR" dirty="0" smtClean="0"/>
+              <a:t>60%</a:t>
+            </a:r>
+            <a:r>
+              <a:rPr lang="ko-KR" altLang="en-US" dirty="0" smtClean="0"/>
+              <a:t>정도였고 </a:t>
+            </a:r>
+            <a:r>
+              <a:rPr lang="en-US" altLang="ko-KR" dirty="0" smtClean="0"/>
+              <a:t>onset</a:t>
+            </a:r>
+            <a:r>
+              <a:rPr lang="ko-KR" altLang="en-US" dirty="0" smtClean="0"/>
+              <a:t>부터 첫 </a:t>
+            </a:r>
+            <a:r>
+              <a:rPr lang="en-US" altLang="ko-KR" dirty="0" smtClean="0"/>
+              <a:t>ALSFRS</a:t>
+            </a:r>
+            <a:r>
+              <a:rPr lang="ko-KR" altLang="en-US" dirty="0" smtClean="0"/>
+              <a:t>측정까지 기간의 </a:t>
+            </a:r>
+            <a:r>
+              <a:rPr lang="en-US" altLang="ko-KR" dirty="0" smtClean="0"/>
+              <a:t>median</a:t>
+            </a:r>
+            <a:r>
+              <a:rPr lang="ko-KR" altLang="en-US" dirty="0" smtClean="0"/>
+              <a:t>값이 </a:t>
+            </a:r>
+            <a:r>
+              <a:rPr lang="en-US" altLang="ko-KR" dirty="0" smtClean="0"/>
+              <a:t>16.9</a:t>
+            </a:r>
+            <a:r>
+              <a:rPr lang="ko-KR" altLang="en-US" dirty="0" smtClean="0"/>
+              <a:t>개월</a:t>
+            </a:r>
+            <a:r>
+              <a:rPr lang="en-US" altLang="ko-KR" dirty="0" smtClean="0"/>
+              <a:t>, ALSFRS</a:t>
+            </a:r>
+            <a:r>
+              <a:rPr lang="ko-KR" altLang="en-US" baseline="0" dirty="0" smtClean="0"/>
+              <a:t> </a:t>
+            </a:r>
+            <a:r>
+              <a:rPr lang="en-US" altLang="ko-KR" baseline="0" dirty="0" smtClean="0"/>
+              <a:t>median</a:t>
+            </a:r>
+            <a:r>
+              <a:rPr lang="ko-KR" altLang="en-US" baseline="0" dirty="0" smtClean="0"/>
+              <a:t>값은 </a:t>
+            </a:r>
+            <a:r>
+              <a:rPr lang="en-US" altLang="ko-KR" baseline="0" dirty="0" smtClean="0"/>
+              <a:t>39</a:t>
+            </a:r>
+            <a:r>
+              <a:rPr lang="ko-KR" altLang="en-US" baseline="0" dirty="0" smtClean="0"/>
+              <a:t>점</a:t>
+            </a:r>
+            <a:r>
+              <a:rPr lang="en-US" altLang="ko-KR" baseline="0" dirty="0" smtClean="0"/>
+              <a:t>, </a:t>
+            </a:r>
+            <a:r>
+              <a:rPr lang="en-US" altLang="ko-KR" baseline="0" dirty="0" err="1" smtClean="0"/>
+              <a:t>subscore</a:t>
+            </a:r>
+            <a:r>
+              <a:rPr lang="ko-KR" altLang="en-US" baseline="0" dirty="0" smtClean="0"/>
+              <a:t>별로는 </a:t>
+            </a:r>
+            <a:r>
+              <a:rPr lang="en-US" altLang="ko-KR" baseline="0" dirty="0" smtClean="0"/>
+              <a:t>bulbar 11, fine motor 9, gross motor 8, respiratory 12</a:t>
+            </a:r>
+            <a:r>
+              <a:rPr lang="ko-KR" altLang="en-US" baseline="0" dirty="0" smtClean="0"/>
+              <a:t>점이었습니다</a:t>
+            </a:r>
+            <a:r>
+              <a:rPr lang="en-US" altLang="ko-KR" baseline="0" dirty="0" smtClean="0"/>
+              <a:t>. f/u</a:t>
+            </a:r>
+            <a:r>
+              <a:rPr lang="ko-KR" altLang="en-US" baseline="0" dirty="0" smtClean="0"/>
+              <a:t>기간 </a:t>
+            </a:r>
+            <a:r>
+              <a:rPr lang="en-US" altLang="ko-KR" baseline="0" dirty="0" smtClean="0"/>
+              <a:t>median</a:t>
+            </a:r>
+            <a:r>
+              <a:rPr lang="ko-KR" altLang="en-US" baseline="0" dirty="0" smtClean="0"/>
+              <a:t>값은 </a:t>
+            </a:r>
+            <a:r>
+              <a:rPr lang="en-US" altLang="ko-KR" baseline="0" dirty="0" smtClean="0"/>
+              <a:t>12</a:t>
+            </a:r>
+            <a:r>
+              <a:rPr lang="ko-KR" altLang="en-US" baseline="0" dirty="0" smtClean="0"/>
+              <a:t>개월이었습니다</a:t>
+            </a:r>
+            <a:r>
+              <a:rPr lang="en-US" altLang="ko-KR" baseline="0" dirty="0" smtClean="0"/>
+              <a:t>. </a:t>
+            </a:r>
+            <a:r>
+              <a:rPr lang="ko-KR" altLang="en-US" baseline="0" dirty="0" smtClean="0"/>
+              <a:t>사망률은 </a:t>
+            </a:r>
+            <a:r>
+              <a:rPr lang="en-US" altLang="ko-KR" baseline="0" dirty="0" smtClean="0"/>
+              <a:t>21%</a:t>
+            </a:r>
+            <a:r>
+              <a:rPr lang="ko-KR" altLang="en-US" baseline="0" dirty="0" smtClean="0"/>
+              <a:t>였습니다</a:t>
+            </a:r>
+            <a:r>
+              <a:rPr lang="en-US" altLang="ko-KR" baseline="0" dirty="0" smtClean="0"/>
+              <a:t>.</a:t>
+            </a:r>
+            <a:endParaRPr lang="ko-KR" altLang="en-US" dirty="0" smtClean="0"/>
+          </a:p>
+          <a:p>
             <a:endParaRPr lang="ko-KR" altLang="en-US" dirty="0"/>
           </a:p>
         </p:txBody>
@@ -9618,7 +9654,6 @@
               <a:rPr lang="en-US" altLang="ko-KR" baseline="0" dirty="0" smtClean="0"/>
               <a:t>.</a:t>
             </a:r>
-            <a:endParaRPr lang="en-US" altLang="ko-KR" baseline="0" dirty="0" smtClean="0"/>
           </a:p>
         </p:txBody>
       </p:sp>
@@ -9759,47 +9794,15 @@
             </a:r>
             <a:r>
               <a:rPr lang="en-US" altLang="ko-KR" dirty="0" smtClean="0"/>
-              <a:t>. </a:t>
+              <a:t>. ALS</a:t>
+            </a:r>
+            <a:r>
+              <a:rPr lang="ko-KR" altLang="en-US" dirty="0" smtClean="0"/>
+              <a:t>의 진행에 따른 환자의 삶의 질의 변화와 경제적 부담을 반영할 수 있어야 한다는 생각을 바탕으로 하여 개발되었습니다</a:t>
             </a:r>
             <a:r>
               <a:rPr lang="en-US" altLang="ko-KR" dirty="0" smtClean="0"/>
-              <a:t>ALS</a:t>
-            </a:r>
-            <a:r>
-              <a:rPr lang="ko-KR" altLang="en-US" dirty="0" smtClean="0"/>
-              <a:t>의 진행에 </a:t>
-            </a:r>
-            <a:r>
-              <a:rPr lang="ko-KR" altLang="en-US" dirty="0" smtClean="0"/>
-              <a:t>따른 환자의 </a:t>
-            </a:r>
-            <a:r>
-              <a:rPr lang="ko-KR" altLang="en-US" dirty="0" smtClean="0"/>
-              <a:t>삶의 </a:t>
-            </a:r>
-            <a:r>
-              <a:rPr lang="ko-KR" altLang="en-US" dirty="0" smtClean="0"/>
-              <a:t>질의 변화와 </a:t>
-            </a:r>
-            <a:r>
-              <a:rPr lang="ko-KR" altLang="en-US" dirty="0" smtClean="0"/>
-              <a:t>경제적 </a:t>
-            </a:r>
-            <a:r>
-              <a:rPr lang="ko-KR" altLang="en-US" dirty="0" smtClean="0"/>
-              <a:t>부담을 </a:t>
-            </a:r>
-            <a:r>
-              <a:rPr lang="ko-KR" altLang="en-US" dirty="0" smtClean="0"/>
-              <a:t>반영할 수 있어야 한다는 생각을 바탕으로 하여 개발되었습니다</a:t>
-            </a:r>
-            <a:r>
-              <a:rPr lang="en-US" altLang="ko-KR" dirty="0" smtClean="0"/>
-              <a:t>. </a:t>
-            </a:r>
-            <a:r>
-              <a:rPr lang="en-US" altLang="ko-KR" dirty="0" smtClean="0"/>
-              <a:t>milestone</a:t>
+              <a:t>. milestone</a:t>
             </a:r>
             <a:r>
               <a:rPr lang="ko-KR" altLang="en-US" dirty="0" smtClean="0"/>
@@ -9839,11 +9842,7 @@
             </a:r>
             <a:r>
               <a:rPr lang="ko-KR" altLang="en-US" baseline="0" dirty="0" smtClean="0"/>
-              <a:t>가지영역으로 나눠서 각 영역의 자율성 상실로 </a:t>
-            </a:r>
-            <a:r>
-              <a:rPr lang="ko-KR" altLang="en-US" baseline="0" dirty="0" smtClean="0"/>
-              <a:t>정의함</a:t>
+              <a:t>가지영역으로 나눠서 각 영역의 자율성 상실로 정의함</a:t>
             </a:r>
             <a:r>
               <a:rPr lang="en-US" altLang="ko-KR" baseline="0" dirty="0" smtClean="0"/>
@@ -9895,11 +9894,7 @@
             </a:r>
             <a:r>
               <a:rPr lang="en-US" altLang="ko-KR" baseline="0" dirty="0" smtClean="0"/>
-              <a:t>. </a:t>
-            </a:r>
-            <a:r>
-              <a:rPr lang="en-US" altLang="ko-KR" baseline="0" dirty="0" smtClean="0"/>
-              <a:t>Stage</a:t>
+              <a:t>. Stage</a:t>
             </a:r>
             <a:r>
               <a:rPr lang="ko-KR" altLang="en-US" baseline="0" dirty="0" smtClean="0"/>
@@ -9969,7 +9964,6 @@
               <a:rPr lang="en-US" altLang="ko-KR" baseline="0" dirty="0" smtClean="0"/>
               <a:t>. </a:t>
             </a:r>
-            <a:endParaRPr lang="en-US" altLang="ko-KR" baseline="0" dirty="0" smtClean="0"/>
           </a:p>
           <a:p>
             <a:endParaRPr lang="en-US" altLang="ko-KR" baseline="0" dirty="0" smtClean="0"/>
@@ -10097,19 +10091,11 @@
             </a:r>
             <a:r>
               <a:rPr lang="ko-KR" altLang="en-US" baseline="0" dirty="0" smtClean="0"/>
-              <a:t>제외 기준은 진행중인 </a:t>
-            </a:r>
-            <a:r>
-              <a:rPr lang="ko-KR" altLang="en-US" baseline="0" dirty="0" smtClean="0"/>
-              <a:t>다른 </a:t>
-            </a:r>
-            <a:r>
-              <a:rPr lang="en-US" altLang="ko-KR" baseline="0" dirty="0" smtClean="0"/>
-              <a:t>clinical </a:t>
-            </a:r>
-            <a:r>
-              <a:rPr lang="en-US" altLang="ko-KR" baseline="0" dirty="0" smtClean="0"/>
-              <a:t>trial</a:t>
+              <a:t>제외 기준은 진행중인 다른 </a:t>
+            </a:r>
+            <a:r>
+              <a:rPr lang="en-US" altLang="ko-KR" baseline="0" dirty="0" smtClean="0"/>
+              <a:t>clinical trial</a:t>
             </a:r>
             <a:r>
               <a:rPr lang="ko-KR" altLang="en-US" baseline="0" dirty="0" smtClean="0"/>
@@ -10117,19 +10103,11 @@
             </a:r>
             <a:r>
               <a:rPr lang="en-US" altLang="ko-KR" baseline="0" dirty="0" smtClean="0"/>
-              <a:t>, familial ALS, ALS plus syndrome, ALS Frontotemporal </a:t>
-            </a:r>
-            <a:r>
-              <a:rPr lang="en-US" altLang="ko-KR" baseline="0" dirty="0" smtClean="0"/>
-              <a:t>degeneration</a:t>
-            </a:r>
-            <a:r>
-              <a:rPr lang="ko-KR" altLang="en-US" baseline="0" dirty="0" smtClean="0"/>
-              <a:t>이 </a:t>
-            </a:r>
-            <a:r>
-              <a:rPr lang="ko-KR" altLang="en-US" baseline="0" dirty="0" smtClean="0"/>
-              <a:t>있거나 암</a:t>
+              <a:t>, familial ALS, ALS plus syndrome, ALS Frontotemporal degeneration</a:t>
+            </a:r>
+            <a:r>
+              <a:rPr lang="ko-KR" altLang="en-US" baseline="0" dirty="0" smtClean="0"/>
+              <a:t>이 있거나 암</a:t>
             </a:r>
             <a:r>
               <a:rPr lang="en-US" altLang="ko-KR" baseline="0" dirty="0" smtClean="0"/>
@@ -10155,7 +10133,6 @@
               <a:rPr lang="en-US" altLang="ko-KR" baseline="0" dirty="0" smtClean="0"/>
               <a:t>. </a:t>
             </a:r>
-            <a:endParaRPr lang="en-US" altLang="ko-KR" baseline="0" dirty="0" smtClean="0"/>
           </a:p>
           <a:p>
             <a:endParaRPr lang="en-US" altLang="ko-KR" baseline="0" dirty="0" smtClean="0"/>
@@ -10452,19 +10429,11 @@
             </a:r>
             <a:r>
               <a:rPr lang="en-US" altLang="ko-KR" baseline="0" dirty="0" smtClean="0"/>
-              <a:t> </a:t>
-            </a:r>
-            <a:r>
-              <a:rPr lang="en-US" altLang="ko-KR" baseline="0" dirty="0" smtClean="0"/>
-              <a:t>carbonate</a:t>
-            </a:r>
-            <a:r>
-              <a:rPr lang="ko-KR" altLang="en-US" baseline="0" dirty="0" smtClean="0"/>
-              <a:t>의 </a:t>
-            </a:r>
-            <a:r>
-              <a:rPr lang="ko-KR" altLang="en-US" baseline="0" dirty="0" smtClean="0"/>
-              <a:t>치료효과를 </a:t>
+              <a:t> carbonate</a:t>
+            </a:r>
+            <a:r>
+              <a:rPr lang="ko-KR" altLang="en-US" baseline="0" dirty="0" smtClean="0"/>
+              <a:t>의 치료효과를 </a:t>
             </a:r>
             <a:r>
               <a:rPr lang="ko-KR" altLang="en-US" baseline="0" dirty="0" err="1" smtClean="0"/>
@@ -11181,23 +11150,18 @@
               <a:rPr lang="en-US" altLang="ko-KR" baseline="0" dirty="0" smtClean="0"/>
               <a:t>. </a:t>
             </a:r>
+          </a:p>
+          <a:p>
             <a:endParaRPr lang="en-US" altLang="ko-KR" baseline="0" dirty="0" smtClean="0"/>
           </a:p>
           <a:p>
-            <a:endParaRPr lang="en-US" altLang="ko-KR" baseline="0" dirty="0" smtClean="0"/>
-          </a:p>
-          <a:p>
             <a:r>
               <a:rPr lang="en-US" altLang="ko-KR" baseline="0" dirty="0" smtClean="0"/>
               <a:t>Domain</a:t>
             </a:r>
             <a:r>
               <a:rPr lang="ko-KR" altLang="en-US" baseline="0" dirty="0" smtClean="0"/>
-              <a:t> </a:t>
-            </a:r>
-            <a:r>
-              <a:rPr lang="ko-KR" altLang="en-US" baseline="0" dirty="0" smtClean="0"/>
-              <a:t>중 삼킴을 제외하고는 </a:t>
+              <a:t> 중 삼킴을 제외하고는 </a:t>
             </a:r>
             <a:r>
               <a:rPr lang="ko-KR" altLang="en-US" baseline="0" dirty="0" err="1" smtClean="0"/>
@@ -11671,7 +11635,6 @@
               <a:rPr lang="en-US" altLang="ko-KR" baseline="0" dirty="0" smtClean="0"/>
               <a:t>. </a:t>
             </a:r>
-            <a:endParaRPr lang="en-US" altLang="ko-KR" baseline="0" dirty="0" smtClean="0"/>
           </a:p>
           <a:p>
             <a:endParaRPr lang="en-US" altLang="ko-KR" baseline="0" dirty="0" smtClean="0"/>
@@ -12359,7 +12322,7 @@
           <a:p>
             <a:fld id="{11CF987C-FD17-4394-9A4F-BE2D66BE4DDF}" type="datetimeFigureOut">
               <a:rPr lang="ko-KR" altLang="en-US" smtClean="0"/>
-              <a:t>2021-08-28</a:t>
+              <a:t>2021-08-29</a:t>
             </a:fld>
             <a:endParaRPr lang="ko-KR" altLang="en-US"/>
           </a:p>
@@ -12536,7 +12499,7 @@
           <a:p>
             <a:fld id="{11CF987C-FD17-4394-9A4F-BE2D66BE4DDF}" type="datetimeFigureOut">
               <a:rPr lang="ko-KR" altLang="en-US" smtClean="0"/>
-              <a:t>2021-08-28</a:t>
+              <a:t>2021-08-29</a:t>
             </a:fld>
             <a:endParaRPr lang="ko-KR" altLang="en-US"/>
           </a:p>
@@ -12716,7 +12679,7 @@
           <a:p>
             <a:fld id="{11CF987C-FD17-4394-9A4F-BE2D66BE4DDF}" type="datetimeFigureOut">
               <a:rPr lang="ko-KR" altLang="en-US" smtClean="0"/>
-              <a:t>2021-08-28</a:t>
+              <a:t>2021-08-29</a:t>
             </a:fld>
             <a:endParaRPr lang="ko-KR" altLang="en-US"/>
           </a:p>
@@ -13077,7 +13040,7 @@
           <a:p>
             <a:fld id="{11CF987C-FD17-4394-9A4F-BE2D66BE4DDF}" type="datetimeFigureOut">
               <a:rPr lang="ko-KR" altLang="en-US" smtClean="0"/>
-              <a:t>2021-08-28</a:t>
+              <a:t>2021-08-29</a:t>
             </a:fld>
             <a:endParaRPr lang="ko-KR" altLang="en-US"/>
           </a:p>
@@ -13309,7 +13272,7 @@
           <a:p>
             <a:fld id="{11CF987C-FD17-4394-9A4F-BE2D66BE4DDF}" type="datetimeFigureOut">
               <a:rPr lang="ko-KR" altLang="en-US" smtClean="0"/>
-              <a:t>2021-08-28</a:t>
+              <a:t>2021-08-29</a:t>
             </a:fld>
             <a:endParaRPr lang="ko-KR" altLang="en-US"/>
           </a:p>
@@ -13676,7 +13639,7 @@
           <a:p>
             <a:fld id="{11CF987C-FD17-4394-9A4F-BE2D66BE4DDF}" type="datetimeFigureOut">
               <a:rPr lang="ko-KR" altLang="en-US" smtClean="0"/>
-              <a:t>2021-08-28</a:t>
+              <a:t>2021-08-29</a:t>
             </a:fld>
             <a:endParaRPr lang="ko-KR" altLang="en-US"/>
           </a:p>
@@ -13794,7 +13757,7 @@
           <a:p>
             <a:fld id="{11CF987C-FD17-4394-9A4F-BE2D66BE4DDF}" type="datetimeFigureOut">
               <a:rPr lang="ko-KR" altLang="en-US" smtClean="0"/>
-              <a:t>2021-08-28</a:t>
+              <a:t>2021-08-29</a:t>
             </a:fld>
             <a:endParaRPr lang="ko-KR" altLang="en-US"/>
           </a:p>
@@ -13889,7 +13852,7 @@
           <a:p>
             <a:fld id="{11CF987C-FD17-4394-9A4F-BE2D66BE4DDF}" type="datetimeFigureOut">
               <a:rPr lang="ko-KR" altLang="en-US" smtClean="0"/>
-              <a:t>2021-08-28</a:t>
+              <a:t>2021-08-29</a:t>
             </a:fld>
             <a:endParaRPr lang="ko-KR" altLang="en-US"/>
           </a:p>
@@ -14166,7 +14129,7 @@
           <a:p>
             <a:fld id="{11CF987C-FD17-4394-9A4F-BE2D66BE4DDF}" type="datetimeFigureOut">
               <a:rPr lang="ko-KR" altLang="en-US" smtClean="0"/>
-              <a:t>2021-08-28</a:t>
+              <a:t>2021-08-29</a:t>
             </a:fld>
             <a:endParaRPr lang="ko-KR" altLang="en-US"/>
           </a:p>
@@ -14423,7 +14386,7 @@
           <a:p>
             <a:fld id="{11CF987C-FD17-4394-9A4F-BE2D66BE4DDF}" type="datetimeFigureOut">
               <a:rPr lang="ko-KR" altLang="en-US" smtClean="0"/>
-              <a:t>2021-08-28</a:t>
+              <a:t>2021-08-29</a:t>
             </a:fld>
             <a:endParaRPr lang="ko-KR" altLang="en-US"/>
           </a:p>
@@ -14662,7 +14625,7 @@
           <a:p>
             <a:fld id="{11CF987C-FD17-4394-9A4F-BE2D66BE4DDF}" type="datetimeFigureOut">
               <a:rPr lang="ko-KR" altLang="en-US" smtClean="0"/>
-              <a:t>2021-08-28</a:t>
+              <a:t>2021-08-29</a:t>
             </a:fld>
             <a:endParaRPr lang="ko-KR" altLang="en-US"/>
           </a:p>
@@ -15267,6 +15230,13 @@
   <p:clrMapOvr>
     <a:masterClrMapping/>
   </p:clrMapOvr>
+  <p:timing>
+    <p:tnLst>
+      <p:par>
+        <p:cTn id="1" dur="indefinite" restart="never" nodeType="tmRoot"/>
+      </p:par>
+    </p:tnLst>
+  </p:timing>
 </p:sld>
 </file>
 
@@ -15345,6 +15315,13 @@
   <p:clrMapOvr>
     <a:masterClrMapping/>
   </p:clrMapOvr>
+  <p:timing>
+    <p:tnLst>
+      <p:par>
+        <p:cTn id="1" dur="indefinite" restart="never" nodeType="tmRoot"/>
+      </p:par>
+    </p:tnLst>
+  </p:timing>
 </p:sld>
 </file>
 
@@ -15440,7 +15417,7 @@
             <a:pPr lvl="1"/>
             <a:r>
               <a:rPr lang="en-US" altLang="ko-KR" dirty="0" smtClean="0"/>
-              <a:t>Survival curves overlapped, homogenous deaths throughout most stages.  </a:t>
+              <a:t>Survival curves overlapped</a:t>
             </a:r>
             <a:endParaRPr lang="ko-KR" altLang="en-US" dirty="0"/>
           </a:p>
@@ -15480,6 +15457,13 @@
   <p:clrMapOvr>
     <a:masterClrMapping/>
   </p:clrMapOvr>
+  <p:timing>
+    <p:tnLst>
+      <p:par>
+        <p:cTn id="1" dur="indefinite" restart="never" nodeType="tmRoot"/>
+      </p:par>
+    </p:tnLst>
+  </p:timing>
 </p:sld>
 </file>
 
@@ -15534,6 +15518,13 @@
   <p:clrMapOvr>
     <a:masterClrMapping/>
   </p:clrMapOvr>
+  <p:timing>
+    <p:tnLst>
+      <p:par>
+        <p:cTn id="1" dur="indefinite" restart="never" nodeType="tmRoot"/>
+      </p:par>
+    </p:tnLst>
+  </p:timing>
 </p:sld>
 </file>
 
@@ -15612,6 +15603,13 @@
   <p:clrMapOvr>
     <a:masterClrMapping/>
   </p:clrMapOvr>
+  <p:timing>
+    <p:tnLst>
+      <p:par>
+        <p:cTn id="1" dur="indefinite" restart="never" nodeType="tmRoot"/>
+      </p:par>
+    </p:tnLst>
+  </p:timing>
 </p:sld>
 </file>
 
@@ -15737,6 +15735,13 @@
   <p:clrMapOvr>
     <a:masterClrMapping/>
   </p:clrMapOvr>
+  <p:timing>
+    <p:tnLst>
+      <p:par>
+        <p:cTn id="1" dur="indefinite" restart="never" nodeType="tmRoot"/>
+      </p:par>
+    </p:tnLst>
+  </p:timing>
 </p:sld>
 </file>
 
@@ -15812,6 +15817,13 @@
   <p:clrMapOvr>
     <a:masterClrMapping/>
   </p:clrMapOvr>
+  <p:timing>
+    <p:tnLst>
+      <p:par>
+        <p:cTn id="1" dur="indefinite" restart="never" nodeType="tmRoot"/>
+      </p:par>
+    </p:tnLst>
+  </p:timing>
 </p:sld>
 </file>
 
@@ -15945,6 +15957,13 @@
   <p:clrMapOvr>
     <a:masterClrMapping/>
   </p:clrMapOvr>
+  <p:timing>
+    <p:tnLst>
+      <p:par>
+        <p:cTn id="1" dur="indefinite" restart="never" nodeType="tmRoot"/>
+      </p:par>
+    </p:tnLst>
+  </p:timing>
 </p:sld>
 </file>
 
@@ -16061,6 +16080,84 @@
   <p:clrMapOvr>
     <a:masterClrMapping/>
   </p:clrMapOvr>
+  <p:timing>
+    <p:tnLst>
+      <p:par>
+        <p:cTn id="1" dur="indefinite" restart="never" nodeType="tmRoot"/>
+      </p:par>
+    </p:tnLst>
+  </p:timing>
+</p:sld>
+</file>
+
+<file path=ppt/slides/slide19.xml><?xml version="1.0" encoding="utf-8"?>
+<p:sld xmlns:a="http://schemas.openxmlformats.org/drawingml/2006/main" xmlns:r="http://schemas.openxmlformats.org/officeDocument/2006/relationships" xmlns:p="http://schemas.openxmlformats.org/presentationml/2006/main">
+  <p:cSld>
+    <p:spTree>
+      <p:nvGrpSpPr>
+        <p:cNvPr id="1" name=""/>
+        <p:cNvGrpSpPr/>
+        <p:nvPr/>
+      </p:nvGrpSpPr>
+      <p:grpSpPr>
+        <a:xfrm>
+          <a:off x="0" y="0"/>
+          <a:ext cx="0" cy="0"/>
+          <a:chOff x="0" y="0"/>
+          <a:chExt cx="0" cy="0"/>
+        </a:xfrm>
+      </p:grpSpPr>
+      <p:sp>
+        <p:nvSpPr>
+          <p:cNvPr id="3" name="내용 개체 틀 2"/>
+          <p:cNvSpPr>
+            <a:spLocks noGrp="1"/>
+          </p:cNvSpPr>
+          <p:nvPr>
+            <p:ph idx="1"/>
+          </p:nvPr>
+        </p:nvSpPr>
+        <p:spPr>
+          <a:xfrm>
+            <a:off x="0" y="3125164"/>
+            <a:ext cx="12192000" cy="3732835"/>
+          </a:xfrm>
+        </p:spPr>
+        <p:txBody>
+          <a:bodyPr>
+            <a:normAutofit/>
+          </a:bodyPr>
+          <a:lstStyle/>
+          <a:p>
+            <a:pPr marL="0" indent="0" algn="ctr">
+              <a:buNone/>
+            </a:pPr>
+            <a:r>
+              <a:rPr lang="ko-KR" altLang="en-US" sz="5400" dirty="0" err="1" smtClean="0"/>
+              <a:t>경청해주셔서</a:t>
+            </a:r>
+            <a:r>
+              <a:rPr lang="ko-KR" altLang="en-US" sz="5400" dirty="0" smtClean="0"/>
+              <a:t> 고맙습니다</a:t>
+            </a:r>
+            <a:r>
+              <a:rPr lang="en-US" altLang="ko-KR" sz="5400" dirty="0" smtClean="0"/>
+              <a:t>.</a:t>
+            </a:r>
+            <a:endParaRPr lang="ko-KR" altLang="en-US" sz="5400" dirty="0"/>
+          </a:p>
+        </p:txBody>
+      </p:sp>
+    </p:spTree>
+    <p:extLst>
+      <p:ext uri="{BB962C8B-B14F-4D97-AF65-F5344CB8AC3E}">
+        <p14:creationId xmlns:p14="http://schemas.microsoft.com/office/powerpoint/2010/main" val="398769808"/>
+      </p:ext>
+    </p:extLst>
+  </p:cSld>
+  <p:clrMapOvr>
+    <a:masterClrMapping/>
+  </p:clrMapOvr>
 </p:sld>
 </file>
 
@@ -16083,76 +16180,13 @@
       </p:grpSpPr>
       <p:grpSp>
         <p:nvGrpSpPr>
-          <p:cNvPr id="7" name="그룹 6"/>
-          <p:cNvGrpSpPr/>
-          <p:nvPr/>
-        </p:nvGrpSpPr>
-        <p:grpSpPr>
-          <a:xfrm>
-            <a:off x="0" y="3609078"/>
-            <a:ext cx="11987207" cy="2775857"/>
-            <a:chOff x="0" y="2481943"/>
-            <a:chExt cx="11141051" cy="2579914"/>
-          </a:xfrm>
-        </p:grpSpPr>
-        <p:pic>
-          <p:nvPicPr>
-            <p:cNvPr id="3" name="그림 2"/>
-            <p:cNvPicPr>
-              <a:picLocks noChangeAspect="1"/>
-            </p:cNvPicPr>
-            <p:nvPr/>
-          </p:nvPicPr>
-          <p:blipFill>
-            <a:blip r:embed="rId3"/>
-            <a:stretch>
-              <a:fillRect/>
-            </a:stretch>
-          </p:blipFill>
-          <p:spPr>
-            <a:xfrm>
-              <a:off x="0" y="2481943"/>
-              <a:ext cx="5063253" cy="2579914"/>
-            </a:xfrm>
-            <a:prstGeom prst="rect">
-              <a:avLst/>
-            </a:prstGeom>
-          </p:spPr>
-        </p:pic>
-        <p:pic>
-          <p:nvPicPr>
-            <p:cNvPr id="6" name="그림 5"/>
-            <p:cNvPicPr>
-              <a:picLocks noChangeAspect="1"/>
-            </p:cNvPicPr>
-            <p:nvPr/>
-          </p:nvPicPr>
-          <p:blipFill>
-            <a:blip r:embed="rId4"/>
-            <a:stretch>
-              <a:fillRect/>
-            </a:stretch>
-          </p:blipFill>
-          <p:spPr>
-            <a:xfrm>
-              <a:off x="5063253" y="2481943"/>
-              <a:ext cx="6077798" cy="1190791"/>
-            </a:xfrm>
-            <a:prstGeom prst="rect">
-              <a:avLst/>
-            </a:prstGeom>
-          </p:spPr>
-        </p:pic>
-      </p:grpSp>
-      <p:grpSp>
-        <p:nvGrpSpPr>
           <p:cNvPr id="19" name="그룹 18"/>
           <p:cNvGrpSpPr/>
           <p:nvPr/>
         </p:nvGrpSpPr>
         <p:grpSpPr>
           <a:xfrm>
-            <a:off x="0" y="518912"/>
+            <a:off x="995422" y="2301414"/>
             <a:ext cx="10221686" cy="2481943"/>
             <a:chOff x="-35874" y="507337"/>
             <a:chExt cx="10221686" cy="2481943"/>
@@ -16181,7 +16215,7 @@
               <p:nvPr/>
             </p:nvPicPr>
             <p:blipFill>
-              <a:blip r:embed="rId5"/>
+              <a:blip r:embed="rId3"/>
               <a:stretch>
                 <a:fillRect/>
               </a:stretch>
@@ -16205,7 +16239,7 @@
               <p:nvPr/>
             </p:nvPicPr>
             <p:blipFill>
-              <a:blip r:embed="rId6"/>
+              <a:blip r:embed="rId4"/>
               <a:stretch>
                 <a:fillRect/>
               </a:stretch>
@@ -17052,6 +17086,13 @@
   <p:clrMapOvr>
     <a:masterClrMapping/>
   </p:clrMapOvr>
+  <p:timing>
+    <p:tnLst>
+      <p:par>
+        <p:cTn id="1" dur="indefinite" restart="never" nodeType="tmRoot"/>
+      </p:par>
+    </p:tnLst>
+  </p:timing>
 </p:sld>
 </file>
 
@@ -17212,6 +17253,13 @@
   <p:clrMapOvr>
     <a:masterClrMapping/>
   </p:clrMapOvr>
+  <p:timing>
+    <p:tnLst>
+      <p:par>
+        <p:cTn id="1" dur="indefinite" restart="never" nodeType="tmRoot"/>
+      </p:par>
+    </p:tnLst>
+  </p:timing>
 </p:sld>
 </file>
 
@@ -17266,6 +17314,13 @@
   <p:clrMapOvr>
     <a:masterClrMapping/>
   </p:clrMapOvr>
+  <p:timing>
+    <p:tnLst>
+      <p:par>
+        <p:cTn id="1" dur="indefinite" restart="never" nodeType="tmRoot"/>
+      </p:par>
+    </p:tnLst>
+  </p:timing>
 </p:sld>
 </file>
 
@@ -18388,6 +18443,13 @@
   <p:clrMapOvr>
     <a:masterClrMapping/>
   </p:clrMapOvr>
+  <p:timing>
+    <p:tnLst>
+      <p:par>
+        <p:cTn id="1" dur="indefinite" restart="never" nodeType="tmRoot"/>
+      </p:par>
+    </p:tnLst>
+  </p:timing>
 </p:sld>
 </file>
 
